--- a/Derivatives.pptx
+++ b/Derivatives.pptx
@@ -9,69 +9,70 @@
     <p:sldId id="260" r:id="rId3"/>
     <p:sldId id="270" r:id="rId4"/>
     <p:sldId id="261" r:id="rId5"/>
-    <p:sldId id="263" r:id="rId6"/>
-    <p:sldId id="264" r:id="rId7"/>
-    <p:sldId id="328" r:id="rId8"/>
-    <p:sldId id="329" r:id="rId9"/>
-    <p:sldId id="316" r:id="rId10"/>
-    <p:sldId id="271" r:id="rId11"/>
-    <p:sldId id="265" r:id="rId12"/>
-    <p:sldId id="273" r:id="rId13"/>
-    <p:sldId id="272" r:id="rId14"/>
-    <p:sldId id="267" r:id="rId15"/>
-    <p:sldId id="268" r:id="rId16"/>
-    <p:sldId id="317" r:id="rId17"/>
-    <p:sldId id="269" r:id="rId18"/>
-    <p:sldId id="274" r:id="rId19"/>
-    <p:sldId id="275" r:id="rId20"/>
-    <p:sldId id="276" r:id="rId21"/>
-    <p:sldId id="277" r:id="rId22"/>
-    <p:sldId id="318" r:id="rId23"/>
-    <p:sldId id="278" r:id="rId24"/>
-    <p:sldId id="279" r:id="rId25"/>
-    <p:sldId id="280" r:id="rId26"/>
-    <p:sldId id="281" r:id="rId27"/>
-    <p:sldId id="282" r:id="rId28"/>
-    <p:sldId id="283" r:id="rId29"/>
-    <p:sldId id="284" r:id="rId30"/>
-    <p:sldId id="285" r:id="rId31"/>
-    <p:sldId id="286" r:id="rId32"/>
-    <p:sldId id="287" r:id="rId33"/>
-    <p:sldId id="288" r:id="rId34"/>
-    <p:sldId id="319" r:id="rId35"/>
-    <p:sldId id="320" r:id="rId36"/>
-    <p:sldId id="289" r:id="rId37"/>
-    <p:sldId id="290" r:id="rId38"/>
-    <p:sldId id="291" r:id="rId39"/>
-    <p:sldId id="292" r:id="rId40"/>
-    <p:sldId id="293" r:id="rId41"/>
-    <p:sldId id="294" r:id="rId42"/>
-    <p:sldId id="321" r:id="rId43"/>
-    <p:sldId id="295" r:id="rId44"/>
-    <p:sldId id="296" r:id="rId45"/>
-    <p:sldId id="297" r:id="rId46"/>
-    <p:sldId id="302" r:id="rId47"/>
-    <p:sldId id="303" r:id="rId48"/>
-    <p:sldId id="298" r:id="rId49"/>
-    <p:sldId id="299" r:id="rId50"/>
-    <p:sldId id="322" r:id="rId51"/>
-    <p:sldId id="323" r:id="rId52"/>
-    <p:sldId id="324" r:id="rId53"/>
-    <p:sldId id="301" r:id="rId54"/>
-    <p:sldId id="300" r:id="rId55"/>
-    <p:sldId id="306" r:id="rId56"/>
-    <p:sldId id="304" r:id="rId57"/>
-    <p:sldId id="305" r:id="rId58"/>
-    <p:sldId id="307" r:id="rId59"/>
-    <p:sldId id="308" r:id="rId60"/>
-    <p:sldId id="309" r:id="rId61"/>
-    <p:sldId id="310" r:id="rId62"/>
-    <p:sldId id="325" r:id="rId63"/>
-    <p:sldId id="326" r:id="rId64"/>
-    <p:sldId id="327" r:id="rId65"/>
-    <p:sldId id="311" r:id="rId66"/>
-    <p:sldId id="312" r:id="rId67"/>
-    <p:sldId id="313" r:id="rId68"/>
+    <p:sldId id="330" r:id="rId6"/>
+    <p:sldId id="263" r:id="rId7"/>
+    <p:sldId id="264" r:id="rId8"/>
+    <p:sldId id="328" r:id="rId9"/>
+    <p:sldId id="329" r:id="rId10"/>
+    <p:sldId id="316" r:id="rId11"/>
+    <p:sldId id="271" r:id="rId12"/>
+    <p:sldId id="265" r:id="rId13"/>
+    <p:sldId id="273" r:id="rId14"/>
+    <p:sldId id="272" r:id="rId15"/>
+    <p:sldId id="267" r:id="rId16"/>
+    <p:sldId id="268" r:id="rId17"/>
+    <p:sldId id="317" r:id="rId18"/>
+    <p:sldId id="269" r:id="rId19"/>
+    <p:sldId id="274" r:id="rId20"/>
+    <p:sldId id="275" r:id="rId21"/>
+    <p:sldId id="276" r:id="rId22"/>
+    <p:sldId id="277" r:id="rId23"/>
+    <p:sldId id="318" r:id="rId24"/>
+    <p:sldId id="278" r:id="rId25"/>
+    <p:sldId id="279" r:id="rId26"/>
+    <p:sldId id="280" r:id="rId27"/>
+    <p:sldId id="281" r:id="rId28"/>
+    <p:sldId id="282" r:id="rId29"/>
+    <p:sldId id="283" r:id="rId30"/>
+    <p:sldId id="284" r:id="rId31"/>
+    <p:sldId id="285" r:id="rId32"/>
+    <p:sldId id="286" r:id="rId33"/>
+    <p:sldId id="287" r:id="rId34"/>
+    <p:sldId id="288" r:id="rId35"/>
+    <p:sldId id="319" r:id="rId36"/>
+    <p:sldId id="320" r:id="rId37"/>
+    <p:sldId id="289" r:id="rId38"/>
+    <p:sldId id="290" r:id="rId39"/>
+    <p:sldId id="291" r:id="rId40"/>
+    <p:sldId id="292" r:id="rId41"/>
+    <p:sldId id="293" r:id="rId42"/>
+    <p:sldId id="294" r:id="rId43"/>
+    <p:sldId id="321" r:id="rId44"/>
+    <p:sldId id="295" r:id="rId45"/>
+    <p:sldId id="296" r:id="rId46"/>
+    <p:sldId id="297" r:id="rId47"/>
+    <p:sldId id="302" r:id="rId48"/>
+    <p:sldId id="303" r:id="rId49"/>
+    <p:sldId id="298" r:id="rId50"/>
+    <p:sldId id="299" r:id="rId51"/>
+    <p:sldId id="322" r:id="rId52"/>
+    <p:sldId id="323" r:id="rId53"/>
+    <p:sldId id="324" r:id="rId54"/>
+    <p:sldId id="301" r:id="rId55"/>
+    <p:sldId id="300" r:id="rId56"/>
+    <p:sldId id="306" r:id="rId57"/>
+    <p:sldId id="304" r:id="rId58"/>
+    <p:sldId id="305" r:id="rId59"/>
+    <p:sldId id="307" r:id="rId60"/>
+    <p:sldId id="308" r:id="rId61"/>
+    <p:sldId id="309" r:id="rId62"/>
+    <p:sldId id="310" r:id="rId63"/>
+    <p:sldId id="325" r:id="rId64"/>
+    <p:sldId id="326" r:id="rId65"/>
+    <p:sldId id="327" r:id="rId66"/>
+    <p:sldId id="311" r:id="rId67"/>
+    <p:sldId id="312" r:id="rId68"/>
+    <p:sldId id="313" r:id="rId69"/>
   </p:sldIdLst>
   <p:sldSz cx="12192000" cy="6858000"/>
   <p:notesSz cx="6858000" cy="9144000"/>
@@ -183,6 +184,7 @@
           <p14:sldIdLst>
             <p14:sldId id="270"/>
             <p14:sldId id="261"/>
+            <p14:sldId id="330"/>
             <p14:sldId id="263"/>
             <p14:sldId id="264"/>
             <p14:sldId id="328"/>
@@ -3141,8 +3143,8 @@
       </dsp:nvSpPr>
       <dsp:spPr>
         <a:xfrm>
-          <a:off x="0" y="72945"/>
-          <a:ext cx="9720072" cy="1904174"/>
+          <a:off x="0" y="348823"/>
+          <a:ext cx="9720072" cy="1629736"/>
         </a:xfrm>
         <a:prstGeom prst="roundRect">
           <a:avLst/>
@@ -3183,12 +3185,12 @@
         </a:fontRef>
       </dsp:style>
       <dsp:txBody>
-        <a:bodyPr spcFirstLastPara="0" vert="horz" wrap="square" lIns="91440" tIns="91440" rIns="91440" bIns="91440" numCol="1" spcCol="1270" anchor="ctr" anchorCtr="0">
+        <a:bodyPr spcFirstLastPara="0" vert="horz" wrap="square" lIns="87630" tIns="87630" rIns="87630" bIns="87630" numCol="1" spcCol="1270" anchor="ctr" anchorCtr="0">
           <a:noAutofit/>
         </a:bodyPr>
         <a:lstStyle/>
         <a:p>
-          <a:pPr marL="0" lvl="0" indent="0" algn="l" defTabSz="1066800">
+          <a:pPr marL="0" lvl="0" indent="0" algn="l" defTabSz="1022350">
             <a:lnSpc>
               <a:spcPct val="90000"/>
             </a:lnSpc>
@@ -3201,14 +3203,14 @@
             <a:buNone/>
           </a:pPr>
           <a:r>
-            <a:rPr lang="en-US" sz="2400" kern="1200"/>
+            <a:rPr lang="en-US" sz="2300" kern="1200"/>
             <a:t>1. Describe a scenario in which a forward contract has cash settlement of zero at maturity and neither counterparty has defaulted. </a:t>
           </a:r>
         </a:p>
       </dsp:txBody>
       <dsp:txXfrm>
-        <a:off x="92954" y="165899"/>
-        <a:ext cx="9534164" cy="1718266"/>
+        <a:off x="79557" y="428380"/>
+        <a:ext cx="9560958" cy="1470622"/>
       </dsp:txXfrm>
     </dsp:sp>
     <dsp:sp modelId="{2935446E-BFB4-B145-B594-12528465BFB3}">
@@ -3218,8 +3220,8 @@
       </dsp:nvSpPr>
       <dsp:spPr>
         <a:xfrm>
-          <a:off x="0" y="2046240"/>
-          <a:ext cx="9720072" cy="1904174"/>
+          <a:off x="0" y="2044800"/>
+          <a:ext cx="9720072" cy="1629736"/>
         </a:xfrm>
         <a:prstGeom prst="roundRect">
           <a:avLst/>
@@ -3260,12 +3262,12 @@
         </a:fontRef>
       </dsp:style>
       <dsp:txBody>
-        <a:bodyPr spcFirstLastPara="0" vert="horz" wrap="square" lIns="91440" tIns="91440" rIns="91440" bIns="91440" numCol="1" spcCol="1270" anchor="ctr" anchorCtr="0">
+        <a:bodyPr spcFirstLastPara="0" vert="horz" wrap="square" lIns="87630" tIns="87630" rIns="87630" bIns="87630" numCol="1" spcCol="1270" anchor="ctr" anchorCtr="0">
           <a:noAutofit/>
         </a:bodyPr>
         <a:lstStyle/>
         <a:p>
-          <a:pPr marL="0" lvl="0" indent="0" algn="l" defTabSz="1066800">
+          <a:pPr marL="0" lvl="0" indent="0" algn="l" defTabSz="1022350">
             <a:lnSpc>
               <a:spcPct val="90000"/>
             </a:lnSpc>
@@ -3278,14 +3280,14 @@
             <a:buNone/>
           </a:pPr>
           <a:r>
-            <a:rPr lang="en-US" sz="2400" kern="1200"/>
+            <a:rPr lang="en-US" sz="2300" kern="1200"/>
             <a:t>2. Determine the correct answers to fill in the blanks: An oil producer enters a derivative contract with an investor to sell 1,000 barrels of oil in two months at a forward price of $64 per barrel. If the spot oil price at maturity is $58.50 per barrel, the investor realizes a __________ at maturity equal to __________. </a:t>
           </a:r>
         </a:p>
       </dsp:txBody>
       <dsp:txXfrm>
-        <a:off x="92954" y="2139194"/>
-        <a:ext cx="9534164" cy="1718266"/>
+        <a:off x="79557" y="2124357"/>
+        <a:ext cx="9560958" cy="1470622"/>
       </dsp:txXfrm>
     </dsp:sp>
   </dsp:spTree>
@@ -14643,7 +14645,7 @@
             <a:fld id="{B61BEF0D-F0BB-DE4B-95CE-6DB70DBA9567}" type="datetimeFigureOut">
               <a:rPr lang="en-US" smtClean="0"/>
               <a:pPr/>
-              <a:t>6/26/22</a:t>
+              <a:t>6/28/2022</a:t>
             </a:fld>
             <a:endParaRPr lang="en-US" dirty="0"/>
           </a:p>
@@ -14852,7 +14854,7 @@
             <a:fld id="{B61BEF0D-F0BB-DE4B-95CE-6DB70DBA9567}" type="datetimeFigureOut">
               <a:rPr lang="en-US" smtClean="0"/>
               <a:pPr/>
-              <a:t>6/26/22</a:t>
+              <a:t>6/28/2022</a:t>
             </a:fld>
             <a:endParaRPr lang="en-US" dirty="0"/>
           </a:p>
@@ -15034,7 +15036,7 @@
             <a:fld id="{B61BEF0D-F0BB-DE4B-95CE-6DB70DBA9567}" type="datetimeFigureOut">
               <a:rPr lang="en-US" smtClean="0"/>
               <a:pPr/>
-              <a:t>6/26/22</a:t>
+              <a:t>6/28/2022</a:t>
             </a:fld>
             <a:endParaRPr lang="en-US" dirty="0"/>
           </a:p>
@@ -15241,7 +15243,7 @@
             <a:fld id="{B61BEF0D-F0BB-DE4B-95CE-6DB70DBA9567}" type="datetimeFigureOut">
               <a:rPr lang="en-US" smtClean="0"/>
               <a:pPr/>
-              <a:t>6/26/22</a:t>
+              <a:t>6/28/2022</a:t>
             </a:fld>
             <a:endParaRPr lang="en-US" dirty="0"/>
           </a:p>
@@ -24141,7 +24143,7 @@
             <a:fld id="{B61BEF0D-F0BB-DE4B-95CE-6DB70DBA9567}" type="datetimeFigureOut">
               <a:rPr lang="en-US" smtClean="0"/>
               <a:pPr/>
-              <a:t>6/26/22</a:t>
+              <a:t>6/28/2022</a:t>
             </a:fld>
             <a:endParaRPr lang="en-US" dirty="0"/>
           </a:p>
@@ -24417,7 +24419,7 @@
             <a:fld id="{B61BEF0D-F0BB-DE4B-95CE-6DB70DBA9567}" type="datetimeFigureOut">
               <a:rPr lang="en-US" smtClean="0"/>
               <a:pPr/>
-              <a:t>6/26/22</a:t>
+              <a:t>6/28/2022</a:t>
             </a:fld>
             <a:endParaRPr lang="en-US" dirty="0"/>
           </a:p>
@@ -24817,7 +24819,7 @@
             <a:fld id="{B61BEF0D-F0BB-DE4B-95CE-6DB70DBA9567}" type="datetimeFigureOut">
               <a:rPr lang="en-US" smtClean="0"/>
               <a:pPr/>
-              <a:t>6/26/22</a:t>
+              <a:t>6/28/2022</a:t>
             </a:fld>
             <a:endParaRPr lang="en-US" dirty="0"/>
           </a:p>
@@ -24937,7 +24939,7 @@
             <a:fld id="{B61BEF0D-F0BB-DE4B-95CE-6DB70DBA9567}" type="datetimeFigureOut">
               <a:rPr lang="en-US" smtClean="0"/>
               <a:pPr/>
-              <a:t>6/26/22</a:t>
+              <a:t>6/28/2022</a:t>
             </a:fld>
             <a:endParaRPr lang="en-US" dirty="0"/>
           </a:p>
@@ -25034,7 +25036,7 @@
             <a:fld id="{B61BEF0D-F0BB-DE4B-95CE-6DB70DBA9567}" type="datetimeFigureOut">
               <a:rPr lang="en-US" smtClean="0"/>
               <a:pPr/>
-              <a:t>6/26/22</a:t>
+              <a:t>6/28/2022</a:t>
             </a:fld>
             <a:endParaRPr lang="en-US" dirty="0"/>
           </a:p>
@@ -25326,7 +25328,7 @@
             <a:fld id="{B61BEF0D-F0BB-DE4B-95CE-6DB70DBA9567}" type="datetimeFigureOut">
               <a:rPr lang="en-US" smtClean="0"/>
               <a:pPr/>
-              <a:t>6/26/22</a:t>
+              <a:t>6/28/2022</a:t>
             </a:fld>
             <a:endParaRPr lang="en-US" dirty="0"/>
           </a:p>
@@ -25608,7 +25610,7 @@
             <a:fld id="{B61BEF0D-F0BB-DE4B-95CE-6DB70DBA9567}" type="datetimeFigureOut">
               <a:rPr lang="en-US" smtClean="0"/>
               <a:pPr/>
-              <a:t>6/26/22</a:t>
+              <a:t>6/28/2022</a:t>
             </a:fld>
             <a:endParaRPr lang="en-US" dirty="0"/>
           </a:p>
@@ -25860,7 +25862,7 @@
             <a:fld id="{B61BEF0D-F0BB-DE4B-95CE-6DB70DBA9567}" type="datetimeFigureOut">
               <a:rPr lang="en-US" smtClean="0"/>
               <a:pPr/>
-              <a:t>6/26/22</a:t>
+              <a:t>6/28/2022</a:t>
             </a:fld>
             <a:endParaRPr lang="en-US" dirty="0"/>
           </a:p>
@@ -26412,10 +26414,10 @@
               <a:rPr lang="en-US" dirty="0"/>
             </a:br>
             <a:r>
-              <a:rPr lang="en-US" altLang="zh-CN" dirty="0"/>
+              <a:rPr lang="en-US" altLang="zh-CN" sz="3600" dirty="0"/>
               <a:t>Definition of derivatives</a:t>
             </a:r>
-            <a:endParaRPr lang="en-US" dirty="0"/>
+            <a:endParaRPr lang="en-US" sz="3600" dirty="0"/>
           </a:p>
         </p:txBody>
       </p:sp>
@@ -26529,6 +26531,149 @@
           <p:cNvPr id="2" name="Title 1">
             <a:extLst>
               <a:ext uri="{FF2B5EF4-FFF2-40B4-BE49-F238E27FC236}">
+                <a16:creationId xmlns:a16="http://schemas.microsoft.com/office/drawing/2014/main" id="{3B6DC5E5-B49D-4096-80C1-B8052495A474}"/>
+              </a:ext>
+            </a:extLst>
+          </p:cNvPr>
+          <p:cNvSpPr>
+            <a:spLocks noGrp="1"/>
+          </p:cNvSpPr>
+          <p:nvPr>
+            <p:ph type="title"/>
+          </p:nvPr>
+        </p:nvSpPr>
+        <p:spPr/>
+        <p:txBody>
+          <a:bodyPr>
+            <a:normAutofit/>
+          </a:bodyPr>
+          <a:lstStyle/>
+          <a:p>
+            <a:r>
+              <a:rPr lang="en-US" sz="4000" dirty="0"/>
+              <a:t>Futures Contracts</a:t>
+            </a:r>
+          </a:p>
+        </p:txBody>
+      </p:sp>
+      <p:sp>
+        <p:nvSpPr>
+          <p:cNvPr id="3" name="Content Placeholder 2">
+            <a:extLst>
+              <a:ext uri="{FF2B5EF4-FFF2-40B4-BE49-F238E27FC236}">
+                <a16:creationId xmlns:a16="http://schemas.microsoft.com/office/drawing/2014/main" id="{831B6362-3303-4415-9D10-C4E0904D67AF}"/>
+              </a:ext>
+            </a:extLst>
+          </p:cNvPr>
+          <p:cNvSpPr>
+            <a:spLocks noGrp="1"/>
+          </p:cNvSpPr>
+          <p:nvPr>
+            <p:ph idx="1"/>
+          </p:nvPr>
+        </p:nvSpPr>
+        <p:spPr/>
+        <p:txBody>
+          <a:bodyPr>
+            <a:normAutofit/>
+          </a:bodyPr>
+          <a:lstStyle/>
+          <a:p>
+            <a:r>
+              <a:rPr lang="en-US" sz="2800" dirty="0"/>
+              <a:t>Forward commitments</a:t>
+            </a:r>
+          </a:p>
+          <a:p>
+            <a:pPr lvl="1"/>
+            <a:r>
+              <a:rPr lang="en-US" sz="2800" dirty="0">
+                <a:solidFill>
+                  <a:schemeClr val="tx1"/>
+                </a:solidFill>
+              </a:rPr>
+              <a:t>Forward</a:t>
+            </a:r>
+          </a:p>
+          <a:p>
+            <a:pPr lvl="1"/>
+            <a:r>
+              <a:rPr lang="en-US" sz="2800" u="sng" dirty="0">
+                <a:solidFill>
+                  <a:srgbClr val="FF0000"/>
+                </a:solidFill>
+              </a:rPr>
+              <a:t>Futures</a:t>
+            </a:r>
+          </a:p>
+          <a:p>
+            <a:pPr lvl="1"/>
+            <a:r>
+              <a:rPr lang="en-US" sz="2800" dirty="0"/>
+              <a:t>Swap</a:t>
+            </a:r>
+          </a:p>
+          <a:p>
+            <a:r>
+              <a:rPr lang="en-US" sz="2800" dirty="0"/>
+              <a:t>Contingent claims</a:t>
+            </a:r>
+          </a:p>
+          <a:p>
+            <a:pPr lvl="1"/>
+            <a:r>
+              <a:rPr lang="en-US" sz="2800" dirty="0"/>
+              <a:t>Option</a:t>
+            </a:r>
+          </a:p>
+          <a:p>
+            <a:pPr lvl="1"/>
+            <a:r>
+              <a:rPr lang="en-US" sz="2800" dirty="0"/>
+              <a:t>Credit Derivatives</a:t>
+            </a:r>
+          </a:p>
+          <a:p>
+            <a:pPr lvl="1"/>
+            <a:endParaRPr lang="en-US" dirty="0"/>
+          </a:p>
+        </p:txBody>
+      </p:sp>
+    </p:spTree>
+    <p:extLst>
+      <p:ext uri="{BB962C8B-B14F-4D97-AF65-F5344CB8AC3E}">
+        <p14:creationId xmlns:p14="http://schemas.microsoft.com/office/powerpoint/2010/main" val="1800058910"/>
+      </p:ext>
+    </p:extLst>
+  </p:cSld>
+  <p:clrMapOvr>
+    <a:masterClrMapping/>
+  </p:clrMapOvr>
+</p:sld>
+</file>
+
+<file path=ppt/slides/slide11.xml><?xml version="1.0" encoding="utf-8"?>
+<p:sld xmlns:a="http://schemas.openxmlformats.org/drawingml/2006/main" xmlns:r="http://schemas.openxmlformats.org/officeDocument/2006/relationships" xmlns:p="http://schemas.openxmlformats.org/presentationml/2006/main">
+  <p:cSld>
+    <p:spTree>
+      <p:nvGrpSpPr>
+        <p:cNvPr id="1" name=""/>
+        <p:cNvGrpSpPr/>
+        <p:nvPr/>
+      </p:nvGrpSpPr>
+      <p:grpSpPr>
+        <a:xfrm>
+          <a:off x="0" y="0"/>
+          <a:ext cx="0" cy="0"/>
+          <a:chOff x="0" y="0"/>
+          <a:chExt cx="0" cy="0"/>
+        </a:xfrm>
+      </p:grpSpPr>
+      <p:sp>
+        <p:nvSpPr>
+          <p:cNvPr id="2" name="Title 1">
+            <a:extLst>
+              <a:ext uri="{FF2B5EF4-FFF2-40B4-BE49-F238E27FC236}">
                 <a16:creationId xmlns:a16="http://schemas.microsoft.com/office/drawing/2014/main" id="{30655409-A592-48F4-8E79-104028B7FA18}"/>
               </a:ext>
             </a:extLst>
@@ -26678,7 +26823,7 @@
 </p:sld>
 </file>
 
-<file path=ppt/slides/slide11.xml><?xml version="1.0" encoding="utf-8"?>
+<file path=ppt/slides/slide12.xml><?xml version="1.0" encoding="utf-8"?>
 <p:sld xmlns:a="http://schemas.openxmlformats.org/drawingml/2006/main" xmlns:r="http://schemas.openxmlformats.org/officeDocument/2006/relationships" xmlns:p="http://schemas.openxmlformats.org/presentationml/2006/main">
   <p:cSld>
     <p:spTree>
@@ -26911,7 +27056,7 @@
 </p:sld>
 </file>
 
-<file path=ppt/slides/slide12.xml><?xml version="1.0" encoding="utf-8"?>
+<file path=ppt/slides/slide13.xml><?xml version="1.0" encoding="utf-8"?>
 <p:sld xmlns:a="http://schemas.openxmlformats.org/drawingml/2006/main" xmlns:r="http://schemas.openxmlformats.org/officeDocument/2006/relationships" xmlns:p="http://schemas.openxmlformats.org/presentationml/2006/main">
   <p:cSld>
     <p:spTree>
@@ -27784,7 +27929,7 @@
 </p:sld>
 </file>
 
-<file path=ppt/slides/slide13.xml><?xml version="1.0" encoding="utf-8"?>
+<file path=ppt/slides/slide14.xml><?xml version="1.0" encoding="utf-8"?>
 <p:sld xmlns:a="http://schemas.openxmlformats.org/drawingml/2006/main" xmlns:r="http://schemas.openxmlformats.org/officeDocument/2006/relationships" xmlns:p="http://schemas.openxmlformats.org/presentationml/2006/main">
   <p:cSld>
     <p:spTree>
@@ -27944,7 +28089,7 @@
 </p:sld>
 </file>
 
-<file path=ppt/slides/slide14.xml><?xml version="1.0" encoding="utf-8"?>
+<file path=ppt/slides/slide15.xml><?xml version="1.0" encoding="utf-8"?>
 <p:sld xmlns:a="http://schemas.openxmlformats.org/drawingml/2006/main" xmlns:r="http://schemas.openxmlformats.org/officeDocument/2006/relationships" xmlns:p="http://schemas.openxmlformats.org/presentationml/2006/main">
   <p:cSld>
     <p:spTree>
@@ -28101,7 +28246,7 @@
 </p:sld>
 </file>
 
-<file path=ppt/slides/slide15.xml><?xml version="1.0" encoding="utf-8"?>
+<file path=ppt/slides/slide16.xml><?xml version="1.0" encoding="utf-8"?>
 <p:sld xmlns:a="http://schemas.openxmlformats.org/drawingml/2006/main" xmlns:r="http://schemas.openxmlformats.org/officeDocument/2006/relationships" xmlns:p="http://schemas.openxmlformats.org/presentationml/2006/main">
   <p:cSld>
     <p:spTree>
@@ -28461,7 +28606,7 @@
 </p:sld>
 </file>
 
-<file path=ppt/slides/slide16.xml><?xml version="1.0" encoding="utf-8"?>
+<file path=ppt/slides/slide17.xml><?xml version="1.0" encoding="utf-8"?>
 <p:sld xmlns:a="http://schemas.openxmlformats.org/drawingml/2006/main" xmlns:r="http://schemas.openxmlformats.org/officeDocument/2006/relationships" xmlns:p="http://schemas.openxmlformats.org/presentationml/2006/main">
   <p:cSld>
     <p:spTree>
@@ -28608,7 +28753,7 @@
 </p:sld>
 </file>
 
-<file path=ppt/slides/slide17.xml><?xml version="1.0" encoding="utf-8"?>
+<file path=ppt/slides/slide18.xml><?xml version="1.0" encoding="utf-8"?>
 <p:sld xmlns:a="http://schemas.openxmlformats.org/drawingml/2006/main" xmlns:r="http://schemas.openxmlformats.org/officeDocument/2006/relationships" xmlns:p="http://schemas.openxmlformats.org/presentationml/2006/main">
   <p:cSld>
     <p:spTree>
@@ -28739,7 +28884,7 @@
 </p:sld>
 </file>
 
-<file path=ppt/slides/slide18.xml><?xml version="1.0" encoding="utf-8"?>
+<file path=ppt/slides/slide19.xml><?xml version="1.0" encoding="utf-8"?>
 <p:sld xmlns:a="http://schemas.openxmlformats.org/drawingml/2006/main" xmlns:r="http://schemas.openxmlformats.org/officeDocument/2006/relationships" xmlns:p="http://schemas.openxmlformats.org/presentationml/2006/main">
   <p:cSld>
     <p:spTree>
@@ -28902,105 +29047,6 @@
     <p:extLst>
       <p:ext uri="{BB962C8B-B14F-4D97-AF65-F5344CB8AC3E}">
         <p14:creationId xmlns:p14="http://schemas.microsoft.com/office/powerpoint/2010/main" val="4136834001"/>
-      </p:ext>
-    </p:extLst>
-  </p:cSld>
-  <p:clrMapOvr>
-    <a:masterClrMapping/>
-  </p:clrMapOvr>
-</p:sld>
-</file>
-
-<file path=ppt/slides/slide19.xml><?xml version="1.0" encoding="utf-8"?>
-<p:sld xmlns:a="http://schemas.openxmlformats.org/drawingml/2006/main" xmlns:r="http://schemas.openxmlformats.org/officeDocument/2006/relationships" xmlns:p="http://schemas.openxmlformats.org/presentationml/2006/main">
-  <p:cSld>
-    <p:spTree>
-      <p:nvGrpSpPr>
-        <p:cNvPr id="1" name=""/>
-        <p:cNvGrpSpPr/>
-        <p:nvPr/>
-      </p:nvGrpSpPr>
-      <p:grpSpPr>
-        <a:xfrm>
-          <a:off x="0" y="0"/>
-          <a:ext cx="0" cy="0"/>
-          <a:chOff x="0" y="0"/>
-          <a:chExt cx="0" cy="0"/>
-        </a:xfrm>
-      </p:grpSpPr>
-      <p:sp>
-        <p:nvSpPr>
-          <p:cNvPr id="2" name="Title 1">
-            <a:extLst>
-              <a:ext uri="{FF2B5EF4-FFF2-40B4-BE49-F238E27FC236}">
-                <a16:creationId xmlns:a16="http://schemas.microsoft.com/office/drawing/2014/main" id="{E66C3C2E-2A64-4F58-B789-1B63C5258C5E}"/>
-              </a:ext>
-            </a:extLst>
-          </p:cNvPr>
-          <p:cNvSpPr>
-            <a:spLocks noGrp="1"/>
-          </p:cNvSpPr>
-          <p:nvPr>
-            <p:ph type="title"/>
-          </p:nvPr>
-        </p:nvSpPr>
-        <p:spPr/>
-        <p:txBody>
-          <a:bodyPr>
-            <a:normAutofit/>
-          </a:bodyPr>
-          <a:lstStyle/>
-          <a:p>
-            <a:r>
-              <a:rPr lang="en-US" sz="4000" dirty="0"/>
-              <a:t>Swap Contracts</a:t>
-            </a:r>
-          </a:p>
-        </p:txBody>
-      </p:sp>
-      <p:sp>
-        <p:nvSpPr>
-          <p:cNvPr id="3" name="Content Placeholder 2">
-            <a:extLst>
-              <a:ext uri="{FF2B5EF4-FFF2-40B4-BE49-F238E27FC236}">
-                <a16:creationId xmlns:a16="http://schemas.microsoft.com/office/drawing/2014/main" id="{AD620B4E-9854-4F96-8EDD-9D7D2A35DAEB}"/>
-              </a:ext>
-            </a:extLst>
-          </p:cNvPr>
-          <p:cNvSpPr>
-            <a:spLocks noGrp="1"/>
-          </p:cNvSpPr>
-          <p:nvPr>
-            <p:ph idx="1"/>
-          </p:nvPr>
-        </p:nvSpPr>
-        <p:spPr/>
-        <p:txBody>
-          <a:bodyPr/>
-          <a:lstStyle/>
-          <a:p>
-            <a:r>
-              <a:rPr lang="en-US" sz="2000" dirty="0"/>
-              <a:t>Plain vanilla swap: the most common swap is the </a:t>
-            </a:r>
-            <a:r>
-              <a:rPr lang="en-US" sz="2000" b="1" dirty="0"/>
-              <a:t>fixed- for- floating interest rate swap</a:t>
-            </a:r>
-            <a:r>
-              <a:rPr lang="en-US" sz="2000" dirty="0"/>
-              <a:t>.</a:t>
-            </a:r>
-          </a:p>
-          <a:p>
-            <a:endParaRPr lang="en-US" dirty="0"/>
-          </a:p>
-        </p:txBody>
-      </p:sp>
-    </p:spTree>
-    <p:extLst>
-      <p:ext uri="{BB962C8B-B14F-4D97-AF65-F5344CB8AC3E}">
-        <p14:creationId xmlns:p14="http://schemas.microsoft.com/office/powerpoint/2010/main" val="3152884269"/>
       </p:ext>
     </p:extLst>
   </p:cSld>
@@ -29071,7 +29117,7 @@
               <a:rPr lang="en-US" dirty="0"/>
             </a:br>
             <a:r>
-              <a:rPr lang="en-US" dirty="0"/>
+              <a:rPr lang="en-US" sz="3600" dirty="0"/>
               <a:t>TYPES OF DERIVATIVES</a:t>
             </a:r>
           </a:p>
@@ -29200,6 +29246,105 @@
           <p:cNvPr id="2" name="Title 1">
             <a:extLst>
               <a:ext uri="{FF2B5EF4-FFF2-40B4-BE49-F238E27FC236}">
+                <a16:creationId xmlns:a16="http://schemas.microsoft.com/office/drawing/2014/main" id="{E66C3C2E-2A64-4F58-B789-1B63C5258C5E}"/>
+              </a:ext>
+            </a:extLst>
+          </p:cNvPr>
+          <p:cNvSpPr>
+            <a:spLocks noGrp="1"/>
+          </p:cNvSpPr>
+          <p:nvPr>
+            <p:ph type="title"/>
+          </p:nvPr>
+        </p:nvSpPr>
+        <p:spPr/>
+        <p:txBody>
+          <a:bodyPr>
+            <a:normAutofit/>
+          </a:bodyPr>
+          <a:lstStyle/>
+          <a:p>
+            <a:r>
+              <a:rPr lang="en-US" sz="4000" dirty="0"/>
+              <a:t>Swap Contracts</a:t>
+            </a:r>
+          </a:p>
+        </p:txBody>
+      </p:sp>
+      <p:sp>
+        <p:nvSpPr>
+          <p:cNvPr id="3" name="Content Placeholder 2">
+            <a:extLst>
+              <a:ext uri="{FF2B5EF4-FFF2-40B4-BE49-F238E27FC236}">
+                <a16:creationId xmlns:a16="http://schemas.microsoft.com/office/drawing/2014/main" id="{AD620B4E-9854-4F96-8EDD-9D7D2A35DAEB}"/>
+              </a:ext>
+            </a:extLst>
+          </p:cNvPr>
+          <p:cNvSpPr>
+            <a:spLocks noGrp="1"/>
+          </p:cNvSpPr>
+          <p:nvPr>
+            <p:ph idx="1"/>
+          </p:nvPr>
+        </p:nvSpPr>
+        <p:spPr/>
+        <p:txBody>
+          <a:bodyPr/>
+          <a:lstStyle/>
+          <a:p>
+            <a:r>
+              <a:rPr lang="en-US" sz="2000" dirty="0"/>
+              <a:t>Plain vanilla swap: the most common swap is the </a:t>
+            </a:r>
+            <a:r>
+              <a:rPr lang="en-US" sz="2000" b="1" dirty="0"/>
+              <a:t>fixed- for- floating interest rate swap</a:t>
+            </a:r>
+            <a:r>
+              <a:rPr lang="en-US" sz="2000" dirty="0"/>
+              <a:t>.</a:t>
+            </a:r>
+          </a:p>
+          <a:p>
+            <a:endParaRPr lang="en-US" dirty="0"/>
+          </a:p>
+        </p:txBody>
+      </p:sp>
+    </p:spTree>
+    <p:extLst>
+      <p:ext uri="{BB962C8B-B14F-4D97-AF65-F5344CB8AC3E}">
+        <p14:creationId xmlns:p14="http://schemas.microsoft.com/office/powerpoint/2010/main" val="3152884269"/>
+      </p:ext>
+    </p:extLst>
+  </p:cSld>
+  <p:clrMapOvr>
+    <a:masterClrMapping/>
+  </p:clrMapOvr>
+</p:sld>
+</file>
+
+<file path=ppt/slides/slide21.xml><?xml version="1.0" encoding="utf-8"?>
+<p:sld xmlns:a="http://schemas.openxmlformats.org/drawingml/2006/main" xmlns:r="http://schemas.openxmlformats.org/officeDocument/2006/relationships" xmlns:p="http://schemas.openxmlformats.org/presentationml/2006/main">
+  <p:cSld>
+    <p:spTree>
+      <p:nvGrpSpPr>
+        <p:cNvPr id="1" name=""/>
+        <p:cNvGrpSpPr/>
+        <p:nvPr/>
+      </p:nvGrpSpPr>
+      <p:grpSpPr>
+        <a:xfrm>
+          <a:off x="0" y="0"/>
+          <a:ext cx="0" cy="0"/>
+          <a:chOff x="0" y="0"/>
+          <a:chExt cx="0" cy="0"/>
+        </a:xfrm>
+      </p:grpSpPr>
+      <p:sp>
+        <p:nvSpPr>
+          <p:cNvPr id="2" name="Title 1">
+            <a:extLst>
+              <a:ext uri="{FF2B5EF4-FFF2-40B4-BE49-F238E27FC236}">
                 <a16:creationId xmlns:a16="http://schemas.microsoft.com/office/drawing/2014/main" id="{5956A29E-8360-4C31-8F74-D3F9FFADB1E3}"/>
               </a:ext>
             </a:extLst>
@@ -29352,7 +29497,7 @@
 </p:sld>
 </file>
 
-<file path=ppt/slides/slide21.xml><?xml version="1.0" encoding="utf-8"?>
+<file path=ppt/slides/slide22.xml><?xml version="1.0" encoding="utf-8"?>
 <p:sld xmlns:a="http://schemas.openxmlformats.org/drawingml/2006/main" xmlns:r="http://schemas.openxmlformats.org/officeDocument/2006/relationships" xmlns:p="http://schemas.openxmlformats.org/presentationml/2006/main">
   <p:cSld>
     <p:spTree>
@@ -29475,7 +29620,7 @@
 </p:sld>
 </file>
 
-<file path=ppt/slides/slide22.xml><?xml version="1.0" encoding="utf-8"?>
+<file path=ppt/slides/slide23.xml><?xml version="1.0" encoding="utf-8"?>
 <p:sld xmlns:a="http://schemas.openxmlformats.org/drawingml/2006/main" xmlns:r="http://schemas.openxmlformats.org/officeDocument/2006/relationships" xmlns:p="http://schemas.openxmlformats.org/presentationml/2006/main">
   <p:cSld>
     <p:spTree>
@@ -29626,7 +29771,7 @@
 </p:sld>
 </file>
 
-<file path=ppt/slides/slide23.xml><?xml version="1.0" encoding="utf-8"?>
+<file path=ppt/slides/slide24.xml><?xml version="1.0" encoding="utf-8"?>
 <p:sld xmlns:a="http://schemas.openxmlformats.org/drawingml/2006/main" xmlns:r="http://schemas.openxmlformats.org/officeDocument/2006/relationships" xmlns:p="http://schemas.openxmlformats.org/presentationml/2006/main">
   <p:cSld>
     <p:spTree>
@@ -29812,7 +29957,7 @@
 </p:sld>
 </file>
 
-<file path=ppt/slides/slide24.xml><?xml version="1.0" encoding="utf-8"?>
+<file path=ppt/slides/slide25.xml><?xml version="1.0" encoding="utf-8"?>
 <p:sld xmlns:a="http://schemas.openxmlformats.org/drawingml/2006/main" xmlns:r="http://schemas.openxmlformats.org/officeDocument/2006/relationships" xmlns:p="http://schemas.openxmlformats.org/presentationml/2006/main">
   <p:cSld>
     <p:spTree>
@@ -30334,7 +30479,7 @@
 </p:sld>
 </file>
 
-<file path=ppt/slides/slide25.xml><?xml version="1.0" encoding="utf-8"?>
+<file path=ppt/slides/slide26.xml><?xml version="1.0" encoding="utf-8"?>
 <p:sld xmlns:a="http://schemas.openxmlformats.org/drawingml/2006/main" xmlns:r="http://schemas.openxmlformats.org/officeDocument/2006/relationships" xmlns:p="http://schemas.openxmlformats.org/presentationml/2006/main">
   <p:cSld>
     <p:spTree>
@@ -30492,7 +30637,7 @@
 </p:sld>
 </file>
 
-<file path=ppt/slides/slide26.xml><?xml version="1.0" encoding="utf-8"?>
+<file path=ppt/slides/slide27.xml><?xml version="1.0" encoding="utf-8"?>
 <p:sld xmlns:a="http://schemas.openxmlformats.org/drawingml/2006/main" xmlns:r="http://schemas.openxmlformats.org/officeDocument/2006/relationships" xmlns:p="http://schemas.openxmlformats.org/presentationml/2006/main">
   <p:cSld>
     <p:spTree>
@@ -30664,7 +30809,7 @@
 </p:sld>
 </file>
 
-<file path=ppt/slides/slide27.xml><?xml version="1.0" encoding="utf-8"?>
+<file path=ppt/slides/slide28.xml><?xml version="1.0" encoding="utf-8"?>
 <p:sld xmlns:a="http://schemas.openxmlformats.org/drawingml/2006/main" xmlns:r="http://schemas.openxmlformats.org/officeDocument/2006/relationships" xmlns:p="http://schemas.openxmlformats.org/presentationml/2006/main">
   <p:cSld>
     <p:spTree>
@@ -30800,7 +30945,7 @@
 </p:sld>
 </file>
 
-<file path=ppt/slides/slide28.xml><?xml version="1.0" encoding="utf-8"?>
+<file path=ppt/slides/slide29.xml><?xml version="1.0" encoding="utf-8"?>
 <p:sld xmlns:a="http://schemas.openxmlformats.org/drawingml/2006/main" xmlns:r="http://schemas.openxmlformats.org/officeDocument/2006/relationships" xmlns:p="http://schemas.openxmlformats.org/presentationml/2006/main">
   <p:cSld>
     <p:spTree>
@@ -31249,7 +31394,193 @@
 </p:sld>
 </file>
 
-<file path=ppt/slides/slide29.xml><?xml version="1.0" encoding="utf-8"?>
+<file path=ppt/slides/slide3.xml><?xml version="1.0" encoding="utf-8"?>
+<p:sld xmlns:a="http://schemas.openxmlformats.org/drawingml/2006/main" xmlns:r="http://schemas.openxmlformats.org/officeDocument/2006/relationships" xmlns:p="http://schemas.openxmlformats.org/presentationml/2006/main">
+  <p:cSld>
+    <p:bg>
+      <p:bgPr>
+        <a:solidFill>
+          <a:schemeClr val="bg1"/>
+        </a:solidFill>
+        <a:effectLst/>
+      </p:bgPr>
+    </p:bg>
+    <p:spTree>
+      <p:nvGrpSpPr>
+        <p:cNvPr id="1" name=""/>
+        <p:cNvGrpSpPr/>
+        <p:nvPr/>
+      </p:nvGrpSpPr>
+      <p:grpSpPr>
+        <a:xfrm>
+          <a:off x="0" y="0"/>
+          <a:ext cx="0" cy="0"/>
+          <a:chOff x="0" y="0"/>
+          <a:chExt cx="0" cy="0"/>
+        </a:xfrm>
+      </p:grpSpPr>
+      <p:sp>
+        <p:nvSpPr>
+          <p:cNvPr id="2" name="Title 1">
+            <a:extLst>
+              <a:ext uri="{FF2B5EF4-FFF2-40B4-BE49-F238E27FC236}">
+                <a16:creationId xmlns:a16="http://schemas.microsoft.com/office/drawing/2014/main" id="{3B6DC5E5-B49D-4096-80C1-B8052495A474}"/>
+              </a:ext>
+            </a:extLst>
+          </p:cNvPr>
+          <p:cNvSpPr>
+            <a:spLocks noGrp="1"/>
+          </p:cNvSpPr>
+          <p:nvPr>
+            <p:ph type="title"/>
+          </p:nvPr>
+        </p:nvSpPr>
+        <p:spPr>
+          <a:xfrm>
+            <a:off x="1024128" y="585216"/>
+            <a:ext cx="6066818" cy="1499616"/>
+          </a:xfrm>
+        </p:spPr>
+        <p:txBody>
+          <a:bodyPr>
+            <a:normAutofit/>
+          </a:bodyPr>
+          <a:lstStyle/>
+          <a:p>
+            <a:r>
+              <a:rPr lang="en-US" sz="4000" dirty="0"/>
+              <a:t>Forward Contracts</a:t>
+            </a:r>
+          </a:p>
+        </p:txBody>
+      </p:sp>
+      <p:sp>
+        <p:nvSpPr>
+          <p:cNvPr id="3" name="Content Placeholder 2">
+            <a:extLst>
+              <a:ext uri="{FF2B5EF4-FFF2-40B4-BE49-F238E27FC236}">
+                <a16:creationId xmlns:a16="http://schemas.microsoft.com/office/drawing/2014/main" id="{831B6362-3303-4415-9D10-C4E0904D67AF}"/>
+              </a:ext>
+            </a:extLst>
+          </p:cNvPr>
+          <p:cNvSpPr>
+            <a:spLocks noGrp="1"/>
+          </p:cNvSpPr>
+          <p:nvPr>
+            <p:ph idx="1"/>
+          </p:nvPr>
+        </p:nvSpPr>
+        <p:spPr>
+          <a:xfrm>
+            <a:off x="1024128" y="2286000"/>
+            <a:ext cx="6066818" cy="4023360"/>
+          </a:xfrm>
+        </p:spPr>
+        <p:txBody>
+          <a:bodyPr>
+            <a:normAutofit/>
+          </a:bodyPr>
+          <a:lstStyle/>
+          <a:p>
+            <a:r>
+              <a:rPr lang="en-US" dirty="0"/>
+              <a:t>Forward commitments</a:t>
+            </a:r>
+          </a:p>
+          <a:p>
+            <a:pPr lvl="1"/>
+            <a:r>
+              <a:rPr lang="en-US" u="sng" dirty="0">
+                <a:solidFill>
+                  <a:srgbClr val="FF0000"/>
+                </a:solidFill>
+              </a:rPr>
+              <a:t>Forward</a:t>
+            </a:r>
+          </a:p>
+          <a:p>
+            <a:pPr lvl="1"/>
+            <a:r>
+              <a:rPr lang="en-US" dirty="0"/>
+              <a:t>Futures</a:t>
+            </a:r>
+          </a:p>
+          <a:p>
+            <a:pPr lvl="1"/>
+            <a:r>
+              <a:rPr lang="en-US" dirty="0"/>
+              <a:t>Swap</a:t>
+            </a:r>
+          </a:p>
+          <a:p>
+            <a:r>
+              <a:rPr lang="en-US" dirty="0"/>
+              <a:t>Contingent claims</a:t>
+            </a:r>
+          </a:p>
+          <a:p>
+            <a:pPr lvl="1"/>
+            <a:r>
+              <a:rPr lang="en-US" dirty="0"/>
+              <a:t>Option</a:t>
+            </a:r>
+          </a:p>
+          <a:p>
+            <a:pPr lvl="1"/>
+            <a:r>
+              <a:rPr lang="en-US" dirty="0"/>
+              <a:t>Credit Derivatives</a:t>
+            </a:r>
+          </a:p>
+          <a:p>
+            <a:pPr lvl="1"/>
+            <a:endParaRPr lang="en-US" dirty="0"/>
+          </a:p>
+        </p:txBody>
+      </p:sp>
+      <p:pic>
+        <p:nvPicPr>
+          <p:cNvPr id="5" name="Picture 4" descr="Pen placed on top of a signature line">
+            <a:extLst>
+              <a:ext uri="{FF2B5EF4-FFF2-40B4-BE49-F238E27FC236}">
+                <a16:creationId xmlns:a16="http://schemas.microsoft.com/office/drawing/2014/main" id="{C247ABD0-07B4-FDB5-1EC8-A15EF5AA1893}"/>
+              </a:ext>
+            </a:extLst>
+          </p:cNvPr>
+          <p:cNvPicPr>
+            <a:picLocks noChangeAspect="1"/>
+          </p:cNvPicPr>
+          <p:nvPr/>
+        </p:nvPicPr>
+        <p:blipFill rotWithShape="1">
+          <a:blip r:embed="rId3"/>
+          <a:srcRect l="52367" r="2473" b="-1"/>
+          <a:stretch/>
+        </p:blipFill>
+        <p:spPr>
+          <a:xfrm>
+            <a:off x="7552266" y="10"/>
+            <a:ext cx="4639733" cy="6857990"/>
+          </a:xfrm>
+          <a:prstGeom prst="rect">
+            <a:avLst/>
+          </a:prstGeom>
+        </p:spPr>
+      </p:pic>
+    </p:spTree>
+    <p:extLst>
+      <p:ext uri="{BB962C8B-B14F-4D97-AF65-F5344CB8AC3E}">
+        <p14:creationId xmlns:p14="http://schemas.microsoft.com/office/powerpoint/2010/main" val="2265787793"/>
+      </p:ext>
+    </p:extLst>
+  </p:cSld>
+  <p:clrMapOvr>
+    <a:masterClrMapping/>
+  </p:clrMapOvr>
+</p:sld>
+</file>
+
+<file path=ppt/slides/slide30.xml><?xml version="1.0" encoding="utf-8"?>
 <p:sld xmlns:a="http://schemas.openxmlformats.org/drawingml/2006/main" xmlns:r="http://schemas.openxmlformats.org/officeDocument/2006/relationships" xmlns:p="http://schemas.openxmlformats.org/presentationml/2006/main">
   <p:cSld>
     <p:spTree>
@@ -31407,193 +31738,7 @@
 </p:sld>
 </file>
 
-<file path=ppt/slides/slide3.xml><?xml version="1.0" encoding="utf-8"?>
-<p:sld xmlns:a="http://schemas.openxmlformats.org/drawingml/2006/main" xmlns:r="http://schemas.openxmlformats.org/officeDocument/2006/relationships" xmlns:p="http://schemas.openxmlformats.org/presentationml/2006/main">
-  <p:cSld>
-    <p:bg>
-      <p:bgPr>
-        <a:solidFill>
-          <a:schemeClr val="bg1"/>
-        </a:solidFill>
-        <a:effectLst/>
-      </p:bgPr>
-    </p:bg>
-    <p:spTree>
-      <p:nvGrpSpPr>
-        <p:cNvPr id="1" name=""/>
-        <p:cNvGrpSpPr/>
-        <p:nvPr/>
-      </p:nvGrpSpPr>
-      <p:grpSpPr>
-        <a:xfrm>
-          <a:off x="0" y="0"/>
-          <a:ext cx="0" cy="0"/>
-          <a:chOff x="0" y="0"/>
-          <a:chExt cx="0" cy="0"/>
-        </a:xfrm>
-      </p:grpSpPr>
-      <p:sp>
-        <p:nvSpPr>
-          <p:cNvPr id="2" name="Title 1">
-            <a:extLst>
-              <a:ext uri="{FF2B5EF4-FFF2-40B4-BE49-F238E27FC236}">
-                <a16:creationId xmlns:a16="http://schemas.microsoft.com/office/drawing/2014/main" id="{3B6DC5E5-B49D-4096-80C1-B8052495A474}"/>
-              </a:ext>
-            </a:extLst>
-          </p:cNvPr>
-          <p:cNvSpPr>
-            <a:spLocks noGrp="1"/>
-          </p:cNvSpPr>
-          <p:nvPr>
-            <p:ph type="title"/>
-          </p:nvPr>
-        </p:nvSpPr>
-        <p:spPr>
-          <a:xfrm>
-            <a:off x="1024128" y="585216"/>
-            <a:ext cx="6066818" cy="1499616"/>
-          </a:xfrm>
-        </p:spPr>
-        <p:txBody>
-          <a:bodyPr>
-            <a:normAutofit/>
-          </a:bodyPr>
-          <a:lstStyle/>
-          <a:p>
-            <a:r>
-              <a:rPr lang="en-US"/>
-              <a:t>Forward Contracts</a:t>
-            </a:r>
-          </a:p>
-        </p:txBody>
-      </p:sp>
-      <p:sp>
-        <p:nvSpPr>
-          <p:cNvPr id="3" name="Content Placeholder 2">
-            <a:extLst>
-              <a:ext uri="{FF2B5EF4-FFF2-40B4-BE49-F238E27FC236}">
-                <a16:creationId xmlns:a16="http://schemas.microsoft.com/office/drawing/2014/main" id="{831B6362-3303-4415-9D10-C4E0904D67AF}"/>
-              </a:ext>
-            </a:extLst>
-          </p:cNvPr>
-          <p:cNvSpPr>
-            <a:spLocks noGrp="1"/>
-          </p:cNvSpPr>
-          <p:nvPr>
-            <p:ph idx="1"/>
-          </p:nvPr>
-        </p:nvSpPr>
-        <p:spPr>
-          <a:xfrm>
-            <a:off x="1024128" y="2286000"/>
-            <a:ext cx="6066818" cy="4023360"/>
-          </a:xfrm>
-        </p:spPr>
-        <p:txBody>
-          <a:bodyPr>
-            <a:normAutofit/>
-          </a:bodyPr>
-          <a:lstStyle/>
-          <a:p>
-            <a:r>
-              <a:rPr lang="en-US" dirty="0"/>
-              <a:t>Forward commitments</a:t>
-            </a:r>
-          </a:p>
-          <a:p>
-            <a:pPr lvl="1"/>
-            <a:r>
-              <a:rPr lang="en-US" u="sng" dirty="0">
-                <a:solidFill>
-                  <a:srgbClr val="FF0000"/>
-                </a:solidFill>
-              </a:rPr>
-              <a:t>Forward</a:t>
-            </a:r>
-          </a:p>
-          <a:p>
-            <a:pPr lvl="1"/>
-            <a:r>
-              <a:rPr lang="en-US" dirty="0"/>
-              <a:t>Futures</a:t>
-            </a:r>
-          </a:p>
-          <a:p>
-            <a:pPr lvl="1"/>
-            <a:r>
-              <a:rPr lang="en-US" dirty="0"/>
-              <a:t>Swap</a:t>
-            </a:r>
-          </a:p>
-          <a:p>
-            <a:r>
-              <a:rPr lang="en-US" dirty="0"/>
-              <a:t>Contingent claims</a:t>
-            </a:r>
-          </a:p>
-          <a:p>
-            <a:pPr lvl="1"/>
-            <a:r>
-              <a:rPr lang="en-US" dirty="0"/>
-              <a:t>Option</a:t>
-            </a:r>
-          </a:p>
-          <a:p>
-            <a:pPr lvl="1"/>
-            <a:r>
-              <a:rPr lang="en-US" dirty="0"/>
-              <a:t>Credit Derivatives</a:t>
-            </a:r>
-          </a:p>
-          <a:p>
-            <a:pPr lvl="1"/>
-            <a:endParaRPr lang="en-US" dirty="0"/>
-          </a:p>
-        </p:txBody>
-      </p:sp>
-      <p:pic>
-        <p:nvPicPr>
-          <p:cNvPr id="5" name="Picture 4" descr="Pen placed on top of a signature line">
-            <a:extLst>
-              <a:ext uri="{FF2B5EF4-FFF2-40B4-BE49-F238E27FC236}">
-                <a16:creationId xmlns:a16="http://schemas.microsoft.com/office/drawing/2014/main" id="{C247ABD0-07B4-FDB5-1EC8-A15EF5AA1893}"/>
-              </a:ext>
-            </a:extLst>
-          </p:cNvPr>
-          <p:cNvPicPr>
-            <a:picLocks noChangeAspect="1"/>
-          </p:cNvPicPr>
-          <p:nvPr/>
-        </p:nvPicPr>
-        <p:blipFill rotWithShape="1">
-          <a:blip r:embed="rId3"/>
-          <a:srcRect l="52367" r="2473" b="-1"/>
-          <a:stretch/>
-        </p:blipFill>
-        <p:spPr>
-          <a:xfrm>
-            <a:off x="7552266" y="10"/>
-            <a:ext cx="4639733" cy="6857990"/>
-          </a:xfrm>
-          <a:prstGeom prst="rect">
-            <a:avLst/>
-          </a:prstGeom>
-        </p:spPr>
-      </p:pic>
-    </p:spTree>
-    <p:extLst>
-      <p:ext uri="{BB962C8B-B14F-4D97-AF65-F5344CB8AC3E}">
-        <p14:creationId xmlns:p14="http://schemas.microsoft.com/office/powerpoint/2010/main" val="2265787793"/>
-      </p:ext>
-    </p:extLst>
-  </p:cSld>
-  <p:clrMapOvr>
-    <a:masterClrMapping/>
-  </p:clrMapOvr>
-</p:sld>
-</file>
-
-<file path=ppt/slides/slide30.xml><?xml version="1.0" encoding="utf-8"?>
+<file path=ppt/slides/slide31.xml><?xml version="1.0" encoding="utf-8"?>
 <p:sld xmlns:a="http://schemas.openxmlformats.org/drawingml/2006/main" xmlns:r="http://schemas.openxmlformats.org/officeDocument/2006/relationships" xmlns:p="http://schemas.openxmlformats.org/presentationml/2006/main">
   <p:cSld>
     <p:spTree>
@@ -31811,7 +31956,7 @@
 </p:sld>
 </file>
 
-<file path=ppt/slides/slide31.xml><?xml version="1.0" encoding="utf-8"?>
+<file path=ppt/slides/slide32.xml><?xml version="1.0" encoding="utf-8"?>
 <p:sld xmlns:a="http://schemas.openxmlformats.org/drawingml/2006/main" xmlns:r="http://schemas.openxmlformats.org/officeDocument/2006/relationships" xmlns:p="http://schemas.openxmlformats.org/presentationml/2006/main">
   <p:cSld>
     <p:spTree>
@@ -31943,7 +32088,7 @@
 </p:sld>
 </file>
 
-<file path=ppt/slides/slide32.xml><?xml version="1.0" encoding="utf-8"?>
+<file path=ppt/slides/slide33.xml><?xml version="1.0" encoding="utf-8"?>
 <p:sld xmlns:a="http://schemas.openxmlformats.org/drawingml/2006/main" xmlns:r="http://schemas.openxmlformats.org/officeDocument/2006/relationships" xmlns:p="http://schemas.openxmlformats.org/presentationml/2006/main">
   <p:cSld>
     <p:spTree>
@@ -32144,7 +32289,7 @@
 </p:sld>
 </file>
 
-<file path=ppt/slides/slide33.xml><?xml version="1.0" encoding="utf-8"?>
+<file path=ppt/slides/slide34.xml><?xml version="1.0" encoding="utf-8"?>
 <p:sld xmlns:a="http://schemas.openxmlformats.org/drawingml/2006/main" xmlns:r="http://schemas.openxmlformats.org/officeDocument/2006/relationships" xmlns:p="http://schemas.openxmlformats.org/presentationml/2006/main">
   <p:cSld>
     <p:spTree>
@@ -32594,7 +32739,7 @@
 </p:sld>
 </file>
 
-<file path=ppt/slides/slide34.xml><?xml version="1.0" encoding="utf-8"?>
+<file path=ppt/slides/slide35.xml><?xml version="1.0" encoding="utf-8"?>
 <p:sld xmlns:a="http://schemas.openxmlformats.org/drawingml/2006/main" xmlns:r="http://schemas.openxmlformats.org/officeDocument/2006/relationships" xmlns:p="http://schemas.openxmlformats.org/presentationml/2006/main">
   <p:cSld>
     <p:spTree>
@@ -32740,7 +32885,7 @@
 </p:sld>
 </file>
 
-<file path=ppt/slides/slide35.xml><?xml version="1.0" encoding="utf-8"?>
+<file path=ppt/slides/slide36.xml><?xml version="1.0" encoding="utf-8"?>
 <p:sld xmlns:a="http://schemas.openxmlformats.org/drawingml/2006/main" xmlns:r="http://schemas.openxmlformats.org/officeDocument/2006/relationships" xmlns:p="http://schemas.openxmlformats.org/presentationml/2006/main">
   <p:cSld>
     <p:spTree>
@@ -32902,7 +33047,7 @@
 </p:sld>
 </file>
 
-<file path=ppt/slides/slide36.xml><?xml version="1.0" encoding="utf-8"?>
+<file path=ppt/slides/slide37.xml><?xml version="1.0" encoding="utf-8"?>
 <p:sld xmlns:a="http://schemas.openxmlformats.org/drawingml/2006/main" xmlns:r="http://schemas.openxmlformats.org/officeDocument/2006/relationships" xmlns:p="http://schemas.openxmlformats.org/presentationml/2006/main">
   <p:cSld>
     <p:spTree>
@@ -33037,7 +33182,7 @@
 </p:sld>
 </file>
 
-<file path=ppt/slides/slide37.xml><?xml version="1.0" encoding="utf-8"?>
+<file path=ppt/slides/slide38.xml><?xml version="1.0" encoding="utf-8"?>
 <p:sld xmlns:a="http://schemas.openxmlformats.org/drawingml/2006/main" xmlns:r="http://schemas.openxmlformats.org/officeDocument/2006/relationships" xmlns:p="http://schemas.openxmlformats.org/presentationml/2006/main">
   <p:cSld>
     <p:spTree>
@@ -33127,7 +33272,7 @@
 </p:sld>
 </file>
 
-<file path=ppt/slides/slide38.xml><?xml version="1.0" encoding="utf-8"?>
+<file path=ppt/slides/slide39.xml><?xml version="1.0" encoding="utf-8"?>
 <p:sld xmlns:a="http://schemas.openxmlformats.org/drawingml/2006/main" xmlns:r="http://schemas.openxmlformats.org/officeDocument/2006/relationships" xmlns:p="http://schemas.openxmlformats.org/presentationml/2006/main">
   <p:cSld>
     <p:spTree>
@@ -33206,97 +33351,6 @@
     <p:extLst>
       <p:ext uri="{BB962C8B-B14F-4D97-AF65-F5344CB8AC3E}">
         <p14:creationId xmlns:p14="http://schemas.microsoft.com/office/powerpoint/2010/main" val="3451422982"/>
-      </p:ext>
-    </p:extLst>
-  </p:cSld>
-  <p:clrMapOvr>
-    <a:masterClrMapping/>
-  </p:clrMapOvr>
-</p:sld>
-</file>
-
-<file path=ppt/slides/slide39.xml><?xml version="1.0" encoding="utf-8"?>
-<p:sld xmlns:a="http://schemas.openxmlformats.org/drawingml/2006/main" xmlns:r="http://schemas.openxmlformats.org/officeDocument/2006/relationships" xmlns:p="http://schemas.openxmlformats.org/presentationml/2006/main">
-  <p:cSld>
-    <p:spTree>
-      <p:nvGrpSpPr>
-        <p:cNvPr id="1" name=""/>
-        <p:cNvGrpSpPr/>
-        <p:nvPr/>
-      </p:nvGrpSpPr>
-      <p:grpSpPr>
-        <a:xfrm>
-          <a:off x="0" y="0"/>
-          <a:ext cx="0" cy="0"/>
-          <a:chOff x="0" y="0"/>
-          <a:chExt cx="0" cy="0"/>
-        </a:xfrm>
-      </p:grpSpPr>
-      <p:sp>
-        <p:nvSpPr>
-          <p:cNvPr id="2" name="Title 1">
-            <a:extLst>
-              <a:ext uri="{FF2B5EF4-FFF2-40B4-BE49-F238E27FC236}">
-                <a16:creationId xmlns:a16="http://schemas.microsoft.com/office/drawing/2014/main" id="{8D8186E0-E7FD-4A7D-B919-475DD13A49EB}"/>
-              </a:ext>
-            </a:extLst>
-          </p:cNvPr>
-          <p:cNvSpPr>
-            <a:spLocks noGrp="1"/>
-          </p:cNvSpPr>
-          <p:nvPr>
-            <p:ph type="title"/>
-          </p:nvPr>
-        </p:nvSpPr>
-        <p:spPr/>
-        <p:txBody>
-          <a:bodyPr>
-            <a:normAutofit/>
-          </a:bodyPr>
-          <a:lstStyle/>
-          <a:p>
-            <a:r>
-              <a:rPr lang="en-US" sz="4000" dirty="0"/>
-              <a:t>Credit Derivatives</a:t>
-            </a:r>
-          </a:p>
-        </p:txBody>
-      </p:sp>
-      <p:sp>
-        <p:nvSpPr>
-          <p:cNvPr id="3" name="Content Placeholder 2">
-            <a:extLst>
-              <a:ext uri="{FF2B5EF4-FFF2-40B4-BE49-F238E27FC236}">
-                <a16:creationId xmlns:a16="http://schemas.microsoft.com/office/drawing/2014/main" id="{15154901-95EA-4DC2-9E6E-FCDA862CAF3D}"/>
-              </a:ext>
-            </a:extLst>
-          </p:cNvPr>
-          <p:cNvSpPr>
-            <a:spLocks noGrp="1"/>
-          </p:cNvSpPr>
-          <p:nvPr>
-            <p:ph idx="1"/>
-          </p:nvPr>
-        </p:nvSpPr>
-        <p:spPr/>
-        <p:txBody>
-          <a:bodyPr/>
-          <a:lstStyle/>
-          <a:p>
-            <a:r>
-              <a:rPr lang="en-US" dirty="0"/>
-              <a:t>Credit-linked note</a:t>
-            </a:r>
-          </a:p>
-          <a:p>
-            <a:endParaRPr lang="en-US" dirty="0"/>
-          </a:p>
-        </p:txBody>
-      </p:sp>
-    </p:spTree>
-    <p:extLst>
-      <p:ext uri="{BB962C8B-B14F-4D97-AF65-F5344CB8AC3E}">
-        <p14:creationId xmlns:p14="http://schemas.microsoft.com/office/powerpoint/2010/main" val="3182849461"/>
       </p:ext>
     </p:extLst>
   </p:cSld>
@@ -33474,6 +33528,97 @@
           <p:cNvPr id="2" name="Title 1">
             <a:extLst>
               <a:ext uri="{FF2B5EF4-FFF2-40B4-BE49-F238E27FC236}">
+                <a16:creationId xmlns:a16="http://schemas.microsoft.com/office/drawing/2014/main" id="{8D8186E0-E7FD-4A7D-B919-475DD13A49EB}"/>
+              </a:ext>
+            </a:extLst>
+          </p:cNvPr>
+          <p:cNvSpPr>
+            <a:spLocks noGrp="1"/>
+          </p:cNvSpPr>
+          <p:nvPr>
+            <p:ph type="title"/>
+          </p:nvPr>
+        </p:nvSpPr>
+        <p:spPr/>
+        <p:txBody>
+          <a:bodyPr>
+            <a:normAutofit/>
+          </a:bodyPr>
+          <a:lstStyle/>
+          <a:p>
+            <a:r>
+              <a:rPr lang="en-US" sz="4000" dirty="0"/>
+              <a:t>Credit Derivatives</a:t>
+            </a:r>
+          </a:p>
+        </p:txBody>
+      </p:sp>
+      <p:sp>
+        <p:nvSpPr>
+          <p:cNvPr id="3" name="Content Placeholder 2">
+            <a:extLst>
+              <a:ext uri="{FF2B5EF4-FFF2-40B4-BE49-F238E27FC236}">
+                <a16:creationId xmlns:a16="http://schemas.microsoft.com/office/drawing/2014/main" id="{15154901-95EA-4DC2-9E6E-FCDA862CAF3D}"/>
+              </a:ext>
+            </a:extLst>
+          </p:cNvPr>
+          <p:cNvSpPr>
+            <a:spLocks noGrp="1"/>
+          </p:cNvSpPr>
+          <p:nvPr>
+            <p:ph idx="1"/>
+          </p:nvPr>
+        </p:nvSpPr>
+        <p:spPr/>
+        <p:txBody>
+          <a:bodyPr/>
+          <a:lstStyle/>
+          <a:p>
+            <a:r>
+              <a:rPr lang="en-US" dirty="0"/>
+              <a:t>Credit-linked note</a:t>
+            </a:r>
+          </a:p>
+          <a:p>
+            <a:endParaRPr lang="en-US" dirty="0"/>
+          </a:p>
+        </p:txBody>
+      </p:sp>
+    </p:spTree>
+    <p:extLst>
+      <p:ext uri="{BB962C8B-B14F-4D97-AF65-F5344CB8AC3E}">
+        <p14:creationId xmlns:p14="http://schemas.microsoft.com/office/powerpoint/2010/main" val="3182849461"/>
+      </p:ext>
+    </p:extLst>
+  </p:cSld>
+  <p:clrMapOvr>
+    <a:masterClrMapping/>
+  </p:clrMapOvr>
+</p:sld>
+</file>
+
+<file path=ppt/slides/slide41.xml><?xml version="1.0" encoding="utf-8"?>
+<p:sld xmlns:a="http://schemas.openxmlformats.org/drawingml/2006/main" xmlns:r="http://schemas.openxmlformats.org/officeDocument/2006/relationships" xmlns:p="http://schemas.openxmlformats.org/presentationml/2006/main">
+  <p:cSld>
+    <p:spTree>
+      <p:nvGrpSpPr>
+        <p:cNvPr id="1" name=""/>
+        <p:cNvGrpSpPr/>
+        <p:nvPr/>
+      </p:nvGrpSpPr>
+      <p:grpSpPr>
+        <a:xfrm>
+          <a:off x="0" y="0"/>
+          <a:ext cx="0" cy="0"/>
+          <a:chOff x="0" y="0"/>
+          <a:chExt cx="0" cy="0"/>
+        </a:xfrm>
+      </p:grpSpPr>
+      <p:sp>
+        <p:nvSpPr>
+          <p:cNvPr id="2" name="Title 1">
+            <a:extLst>
+              <a:ext uri="{FF2B5EF4-FFF2-40B4-BE49-F238E27FC236}">
                 <a16:creationId xmlns:a16="http://schemas.microsoft.com/office/drawing/2014/main" id="{69B941C4-F4EB-4AB8-A2D4-65FAA0965D49}"/>
               </a:ext>
             </a:extLst>
@@ -33540,7 +33685,7 @@
 </p:sld>
 </file>
 
-<file path=ppt/slides/slide41.xml><?xml version="1.0" encoding="utf-8"?>
+<file path=ppt/slides/slide42.xml><?xml version="1.0" encoding="utf-8"?>
 <p:sld xmlns:a="http://schemas.openxmlformats.org/drawingml/2006/main" xmlns:r="http://schemas.openxmlformats.org/officeDocument/2006/relationships" xmlns:p="http://schemas.openxmlformats.org/presentationml/2006/main">
   <p:cSld>
     <p:spTree>
@@ -33629,7 +33774,7 @@
 </p:sld>
 </file>
 
-<file path=ppt/slides/slide42.xml><?xml version="1.0" encoding="utf-8"?>
+<file path=ppt/slides/slide43.xml><?xml version="1.0" encoding="utf-8"?>
 <p:sld xmlns:a="http://schemas.openxmlformats.org/drawingml/2006/main" xmlns:r="http://schemas.openxmlformats.org/officeDocument/2006/relationships" xmlns:p="http://schemas.openxmlformats.org/presentationml/2006/main">
   <p:cSld>
     <p:spTree>
@@ -33748,7 +33893,7 @@
 </p:sld>
 </file>
 
-<file path=ppt/slides/slide43.xml><?xml version="1.0" encoding="utf-8"?>
+<file path=ppt/slides/slide44.xml><?xml version="1.0" encoding="utf-8"?>
 <p:sld xmlns:a="http://schemas.openxmlformats.org/drawingml/2006/main" xmlns:r="http://schemas.openxmlformats.org/officeDocument/2006/relationships" xmlns:p="http://schemas.openxmlformats.org/presentationml/2006/main">
   <p:cSld>
     <p:spTree>
@@ -33847,7 +33992,7 @@
 </p:sld>
 </file>
 
-<file path=ppt/slides/slide44.xml><?xml version="1.0" encoding="utf-8"?>
+<file path=ppt/slides/slide45.xml><?xml version="1.0" encoding="utf-8"?>
 <p:sld xmlns:a="http://schemas.openxmlformats.org/drawingml/2006/main" xmlns:r="http://schemas.openxmlformats.org/officeDocument/2006/relationships" xmlns:p="http://schemas.openxmlformats.org/presentationml/2006/main">
   <p:cSld>
     <p:spTree>
@@ -33955,7 +34100,7 @@
 </p:sld>
 </file>
 
-<file path=ppt/slides/slide45.xml><?xml version="1.0" encoding="utf-8"?>
+<file path=ppt/slides/slide46.xml><?xml version="1.0" encoding="utf-8"?>
 <p:sld xmlns:a="http://schemas.openxmlformats.org/drawingml/2006/main" xmlns:r="http://schemas.openxmlformats.org/officeDocument/2006/relationships" xmlns:p="http://schemas.openxmlformats.org/presentationml/2006/main">
   <p:cSld>
     <p:spTree>
@@ -34076,7 +34221,7 @@
 </p:sld>
 </file>
 
-<file path=ppt/slides/slide46.xml><?xml version="1.0" encoding="utf-8"?>
+<file path=ppt/slides/slide47.xml><?xml version="1.0" encoding="utf-8"?>
 <p:sld xmlns:a="http://schemas.openxmlformats.org/drawingml/2006/main" xmlns:r="http://schemas.openxmlformats.org/officeDocument/2006/relationships" xmlns:p="http://schemas.openxmlformats.org/presentationml/2006/main">
   <p:cSld>
     <p:spTree>
@@ -34220,7 +34365,7 @@
 </p:sld>
 </file>
 
-<file path=ppt/slides/slide47.xml><?xml version="1.0" encoding="utf-8"?>
+<file path=ppt/slides/slide48.xml><?xml version="1.0" encoding="utf-8"?>
 <p:sld xmlns:a="http://schemas.openxmlformats.org/drawingml/2006/main" xmlns:r="http://schemas.openxmlformats.org/officeDocument/2006/relationships" xmlns:p="http://schemas.openxmlformats.org/presentationml/2006/main">
   <p:cSld>
     <p:spTree>
@@ -34256,7 +34401,7 @@
         <p:spPr/>
         <p:txBody>
           <a:bodyPr>
-            <a:normAutofit/>
+            <a:normAutofit fontScale="90000"/>
           </a:bodyPr>
           <a:lstStyle/>
           <a:p>
@@ -34367,7 +34512,7 @@
 </p:sld>
 </file>
 
-<file path=ppt/slides/slide48.xml><?xml version="1.0" encoding="utf-8"?>
+<file path=ppt/slides/slide49.xml><?xml version="1.0" encoding="utf-8"?>
 <p:sld xmlns:a="http://schemas.openxmlformats.org/drawingml/2006/main" xmlns:r="http://schemas.openxmlformats.org/officeDocument/2006/relationships" xmlns:p="http://schemas.openxmlformats.org/presentationml/2006/main">
   <p:cSld>
     <p:spTree>
@@ -34403,7 +34548,7 @@
         <p:spPr/>
         <p:txBody>
           <a:bodyPr>
-            <a:normAutofit/>
+            <a:normAutofit fontScale="90000"/>
           </a:bodyPr>
           <a:lstStyle/>
           <a:p>
@@ -34533,7 +34678,103 @@
 </p:sld>
 </file>
 
-<file path=ppt/slides/slide49.xml><?xml version="1.0" encoding="utf-8"?>
+<file path=ppt/slides/slide5.xml><?xml version="1.0" encoding="utf-8"?>
+<p:sld xmlns:a="http://schemas.openxmlformats.org/drawingml/2006/main" xmlns:r="http://schemas.openxmlformats.org/officeDocument/2006/relationships" xmlns:p="http://schemas.openxmlformats.org/presentationml/2006/main">
+  <p:cSld>
+    <p:spTree>
+      <p:nvGrpSpPr>
+        <p:cNvPr id="1" name=""/>
+        <p:cNvGrpSpPr/>
+        <p:nvPr/>
+      </p:nvGrpSpPr>
+      <p:grpSpPr>
+        <a:xfrm>
+          <a:off x="0" y="0"/>
+          <a:ext cx="0" cy="0"/>
+          <a:chOff x="0" y="0"/>
+          <a:chExt cx="0" cy="0"/>
+        </a:xfrm>
+      </p:grpSpPr>
+      <p:sp>
+        <p:nvSpPr>
+          <p:cNvPr id="2" name="Title 1">
+            <a:extLst>
+              <a:ext uri="{FF2B5EF4-FFF2-40B4-BE49-F238E27FC236}">
+                <a16:creationId xmlns:a16="http://schemas.microsoft.com/office/drawing/2014/main" id="{EF2F701B-36C7-4C57-ACF1-51A552F8A8E8}"/>
+              </a:ext>
+            </a:extLst>
+          </p:cNvPr>
+          <p:cNvSpPr>
+            <a:spLocks noGrp="1"/>
+          </p:cNvSpPr>
+          <p:nvPr>
+            <p:ph type="title"/>
+          </p:nvPr>
+        </p:nvSpPr>
+        <p:spPr/>
+        <p:txBody>
+          <a:bodyPr>
+            <a:normAutofit/>
+          </a:bodyPr>
+          <a:lstStyle/>
+          <a:p>
+            <a:r>
+              <a:rPr lang="en-US" sz="4800" dirty="0"/>
+              <a:t>Forward Contracts</a:t>
+            </a:r>
+            <a:br>
+              <a:rPr lang="en-US" sz="4800" dirty="0"/>
+            </a:br>
+            <a:r>
+              <a:rPr lang="en-US" sz="4800" dirty="0"/>
+              <a:t>example</a:t>
+            </a:r>
+          </a:p>
+        </p:txBody>
+      </p:sp>
+      <p:pic>
+        <p:nvPicPr>
+          <p:cNvPr id="5" name="Content Placeholder 4">
+            <a:extLst>
+              <a:ext uri="{FF2B5EF4-FFF2-40B4-BE49-F238E27FC236}">
+                <a16:creationId xmlns:a16="http://schemas.microsoft.com/office/drawing/2014/main" id="{7CABDD56-C86E-4170-A26A-90CBFE533419}"/>
+              </a:ext>
+            </a:extLst>
+          </p:cNvPr>
+          <p:cNvPicPr>
+            <a:picLocks noGrp="1" noChangeAspect="1"/>
+          </p:cNvPicPr>
+          <p:nvPr>
+            <p:ph idx="1"/>
+          </p:nvPr>
+        </p:nvPicPr>
+        <p:blipFill>
+          <a:blip r:embed="rId2"/>
+          <a:stretch>
+            <a:fillRect/>
+          </a:stretch>
+        </p:blipFill>
+        <p:spPr>
+          <a:xfrm>
+            <a:off x="2241755" y="2068921"/>
+            <a:ext cx="6500825" cy="4567853"/>
+          </a:xfrm>
+        </p:spPr>
+      </p:pic>
+    </p:spTree>
+    <p:extLst>
+      <p:ext uri="{BB962C8B-B14F-4D97-AF65-F5344CB8AC3E}">
+        <p14:creationId xmlns:p14="http://schemas.microsoft.com/office/powerpoint/2010/main" val="3822021508"/>
+      </p:ext>
+    </p:extLst>
+  </p:cSld>
+  <p:clrMapOvr>
+    <a:masterClrMapping/>
+  </p:clrMapOvr>
+</p:sld>
+</file>
+
+<file path=ppt/slides/slide50.xml><?xml version="1.0" encoding="utf-8"?>
 <p:sld xmlns:a="http://schemas.openxmlformats.org/drawingml/2006/main" xmlns:r="http://schemas.openxmlformats.org/officeDocument/2006/relationships" xmlns:p="http://schemas.openxmlformats.org/presentationml/2006/main">
   <p:cSld>
     <p:spTree>
@@ -34569,7 +34810,7 @@
         <p:spPr/>
         <p:txBody>
           <a:bodyPr>
-            <a:normAutofit/>
+            <a:normAutofit fontScale="90000"/>
           </a:bodyPr>
           <a:lstStyle/>
           <a:p>
@@ -34677,7 +34918,1315 @@
 </p:sld>
 </file>
 
-<file path=ppt/slides/slide5.xml><?xml version="1.0" encoding="utf-8"?>
+<file path=ppt/slides/slide51.xml><?xml version="1.0" encoding="utf-8"?>
+<p:sld xmlns:a="http://schemas.openxmlformats.org/drawingml/2006/main" xmlns:r="http://schemas.openxmlformats.org/officeDocument/2006/relationships" xmlns:p="http://schemas.openxmlformats.org/presentationml/2006/main">
+  <p:cSld>
+    <p:spTree>
+      <p:nvGrpSpPr>
+        <p:cNvPr id="1" name=""/>
+        <p:cNvGrpSpPr/>
+        <p:nvPr/>
+      </p:nvGrpSpPr>
+      <p:grpSpPr>
+        <a:xfrm>
+          <a:off x="0" y="0"/>
+          <a:ext cx="0" cy="0"/>
+          <a:chOff x="0" y="0"/>
+          <a:chExt cx="0" cy="0"/>
+        </a:xfrm>
+      </p:grpSpPr>
+      <p:sp>
+        <p:nvSpPr>
+          <p:cNvPr id="2" name="Title 1">
+            <a:extLst>
+              <a:ext uri="{FF2B5EF4-FFF2-40B4-BE49-F238E27FC236}">
+                <a16:creationId xmlns:a16="http://schemas.microsoft.com/office/drawing/2014/main" id="{E5071E7E-561B-4C61-8404-6C29256855A2}"/>
+              </a:ext>
+            </a:extLst>
+          </p:cNvPr>
+          <p:cNvSpPr>
+            <a:spLocks noGrp="1"/>
+          </p:cNvSpPr>
+          <p:nvPr>
+            <p:ph type="title"/>
+          </p:nvPr>
+        </p:nvSpPr>
+        <p:spPr/>
+        <p:txBody>
+          <a:bodyPr>
+            <a:normAutofit/>
+          </a:bodyPr>
+          <a:lstStyle/>
+          <a:p>
+            <a:r>
+              <a:rPr lang="en-US" sz="4000" dirty="0"/>
+              <a:t>Practices</a:t>
+            </a:r>
+          </a:p>
+        </p:txBody>
+      </p:sp>
+      <p:sp>
+        <p:nvSpPr>
+          <p:cNvPr id="3" name="Content Placeholder 2">
+            <a:extLst>
+              <a:ext uri="{FF2B5EF4-FFF2-40B4-BE49-F238E27FC236}">
+                <a16:creationId xmlns:a16="http://schemas.microsoft.com/office/drawing/2014/main" id="{CFF1D1EF-7E0F-48EE-98B9-A11615480828}"/>
+              </a:ext>
+            </a:extLst>
+          </p:cNvPr>
+          <p:cNvSpPr>
+            <a:spLocks noGrp="1"/>
+          </p:cNvSpPr>
+          <p:nvPr>
+            <p:ph idx="1"/>
+          </p:nvPr>
+        </p:nvSpPr>
+        <p:spPr/>
+        <p:txBody>
+          <a:bodyPr>
+            <a:normAutofit/>
+          </a:bodyPr>
+          <a:lstStyle/>
+          <a:p>
+            <a:r>
+              <a:rPr lang="en-US" dirty="0"/>
+              <a:t>1.Which of the following is not a forward commitment?</a:t>
+            </a:r>
+          </a:p>
+          <a:p>
+            <a:pPr lvl="1"/>
+            <a:r>
+              <a:rPr lang="en-US" dirty="0"/>
+              <a:t>A An agreement to take out a loan at a future date at a specific rate</a:t>
+            </a:r>
+          </a:p>
+          <a:p>
+            <a:pPr lvl="1"/>
+            <a:r>
+              <a:rPr lang="en-US" dirty="0"/>
+              <a:t>B An offer of employment that must be accepted or rejected in two weeks</a:t>
+            </a:r>
+          </a:p>
+          <a:p>
+            <a:pPr lvl="1"/>
+            <a:r>
+              <a:rPr lang="en-US" dirty="0"/>
+              <a:t>C An agreement to lease a piece of machinery for one year with a series of fixed monthly payments</a:t>
+            </a:r>
+          </a:p>
+          <a:p>
+            <a:r>
+              <a:rPr lang="en-US" dirty="0"/>
+              <a:t>2.Which of the following statements is true about contingent claims?</a:t>
+            </a:r>
+          </a:p>
+          <a:p>
+            <a:pPr lvl="1"/>
+            <a:r>
+              <a:rPr lang="en-US" dirty="0"/>
+              <a:t>A Either party can default to the other.</a:t>
+            </a:r>
+          </a:p>
+          <a:p>
+            <a:pPr lvl="1"/>
+            <a:r>
+              <a:rPr lang="en-US" dirty="0"/>
+              <a:t>B The payoffs are linearly related to the performance of the underlying.</a:t>
+            </a:r>
+          </a:p>
+          <a:p>
+            <a:pPr lvl="1"/>
+            <a:r>
+              <a:rPr lang="en-US" dirty="0"/>
+              <a:t>C The most the long can lose is the amount paid for the contingent claim.</a:t>
+            </a:r>
+          </a:p>
+        </p:txBody>
+      </p:sp>
+    </p:spTree>
+    <p:extLst>
+      <p:ext uri="{BB962C8B-B14F-4D97-AF65-F5344CB8AC3E}">
+        <p14:creationId xmlns:p14="http://schemas.microsoft.com/office/powerpoint/2010/main" val="1657439908"/>
+      </p:ext>
+    </p:extLst>
+  </p:cSld>
+  <p:clrMapOvr>
+    <a:masterClrMapping/>
+  </p:clrMapOvr>
+</p:sld>
+</file>
+
+<file path=ppt/slides/slide52.xml><?xml version="1.0" encoding="utf-8"?>
+<p:sld xmlns:a="http://schemas.openxmlformats.org/drawingml/2006/main" xmlns:r="http://schemas.openxmlformats.org/officeDocument/2006/relationships" xmlns:p="http://schemas.openxmlformats.org/presentationml/2006/main">
+  <p:cSld>
+    <p:spTree>
+      <p:nvGrpSpPr>
+        <p:cNvPr id="1" name=""/>
+        <p:cNvGrpSpPr/>
+        <p:nvPr/>
+      </p:nvGrpSpPr>
+      <p:grpSpPr>
+        <a:xfrm>
+          <a:off x="0" y="0"/>
+          <a:ext cx="0" cy="0"/>
+          <a:chOff x="0" y="0"/>
+          <a:chExt cx="0" cy="0"/>
+        </a:xfrm>
+      </p:grpSpPr>
+      <p:sp>
+        <p:nvSpPr>
+          <p:cNvPr id="2" name="Title 1">
+            <a:extLst>
+              <a:ext uri="{FF2B5EF4-FFF2-40B4-BE49-F238E27FC236}">
+                <a16:creationId xmlns:a16="http://schemas.microsoft.com/office/drawing/2014/main" id="{F20D5F44-83D3-4C3D-AA1E-B7B8E357D44D}"/>
+              </a:ext>
+            </a:extLst>
+          </p:cNvPr>
+          <p:cNvSpPr>
+            <a:spLocks noGrp="1"/>
+          </p:cNvSpPr>
+          <p:nvPr>
+            <p:ph type="title"/>
+          </p:nvPr>
+        </p:nvSpPr>
+        <p:spPr/>
+        <p:txBody>
+          <a:bodyPr>
+            <a:normAutofit/>
+          </a:bodyPr>
+          <a:lstStyle/>
+          <a:p>
+            <a:r>
+              <a:rPr lang="en-US" sz="4000" dirty="0"/>
+              <a:t>Practices</a:t>
+            </a:r>
+          </a:p>
+        </p:txBody>
+      </p:sp>
+      <p:sp>
+        <p:nvSpPr>
+          <p:cNvPr id="3" name="Content Placeholder 2">
+            <a:extLst>
+              <a:ext uri="{FF2B5EF4-FFF2-40B4-BE49-F238E27FC236}">
+                <a16:creationId xmlns:a16="http://schemas.microsoft.com/office/drawing/2014/main" id="{2EA05F35-4584-4A6C-B5B8-1E6EAF96AE0E}"/>
+              </a:ext>
+            </a:extLst>
+          </p:cNvPr>
+          <p:cNvSpPr>
+            <a:spLocks noGrp="1"/>
+          </p:cNvSpPr>
+          <p:nvPr>
+            <p:ph idx="1"/>
+          </p:nvPr>
+        </p:nvSpPr>
+        <p:spPr/>
+        <p:txBody>
+          <a:bodyPr>
+            <a:normAutofit/>
+          </a:bodyPr>
+          <a:lstStyle/>
+          <a:p>
+            <a:r>
+              <a:rPr lang="en-US" dirty="0"/>
+              <a:t>3.Which of the following characteristics is not associated with exchange-traded derivatives?</a:t>
+            </a:r>
+          </a:p>
+          <a:p>
+            <a:pPr lvl="1"/>
+            <a:r>
+              <a:rPr lang="en-US" dirty="0"/>
+              <a:t>A Margin or performance bonds are required.</a:t>
+            </a:r>
+          </a:p>
+          <a:p>
+            <a:pPr lvl="1"/>
+            <a:r>
+              <a:rPr lang="en-US" dirty="0"/>
+              <a:t>B The exchange guarantees all payments in the event of default.</a:t>
+            </a:r>
+          </a:p>
+          <a:p>
+            <a:pPr lvl="1"/>
+            <a:r>
+              <a:rPr lang="en-US" dirty="0"/>
+              <a:t>C All terms except the price are customized to the parties’ individual needs.</a:t>
+            </a:r>
+          </a:p>
+          <a:p>
+            <a:r>
+              <a:rPr lang="en-US" dirty="0"/>
+              <a:t>4.Which of the following characteristics is associated with over- the- counter derivatives?</a:t>
+            </a:r>
+          </a:p>
+          <a:p>
+            <a:pPr lvl="1"/>
+            <a:r>
+              <a:rPr lang="en-US" dirty="0"/>
+              <a:t>A Trading occurs in a central location.</a:t>
+            </a:r>
+          </a:p>
+          <a:p>
+            <a:pPr lvl="1"/>
+            <a:r>
+              <a:rPr lang="en-US" dirty="0"/>
+              <a:t>B They are more regulated than exchange- listed derivatives.</a:t>
+            </a:r>
+          </a:p>
+          <a:p>
+            <a:pPr lvl="1"/>
+            <a:r>
+              <a:rPr lang="en-US" dirty="0"/>
+              <a:t>C They are less transparent than exchange- listed derivatives.</a:t>
+            </a:r>
+          </a:p>
+        </p:txBody>
+      </p:sp>
+    </p:spTree>
+    <p:extLst>
+      <p:ext uri="{BB962C8B-B14F-4D97-AF65-F5344CB8AC3E}">
+        <p14:creationId xmlns:p14="http://schemas.microsoft.com/office/powerpoint/2010/main" val="3121291714"/>
+      </p:ext>
+    </p:extLst>
+  </p:cSld>
+  <p:clrMapOvr>
+    <a:masterClrMapping/>
+  </p:clrMapOvr>
+</p:sld>
+</file>
+
+<file path=ppt/slides/slide53.xml><?xml version="1.0" encoding="utf-8"?>
+<p:sld xmlns:a="http://schemas.openxmlformats.org/drawingml/2006/main" xmlns:r="http://schemas.openxmlformats.org/officeDocument/2006/relationships" xmlns:p="http://schemas.openxmlformats.org/presentationml/2006/main">
+  <p:cSld>
+    <p:spTree>
+      <p:nvGrpSpPr>
+        <p:cNvPr id="1" name=""/>
+        <p:cNvGrpSpPr/>
+        <p:nvPr/>
+      </p:nvGrpSpPr>
+      <p:grpSpPr>
+        <a:xfrm>
+          <a:off x="0" y="0"/>
+          <a:ext cx="0" cy="0"/>
+          <a:chOff x="0" y="0"/>
+          <a:chExt cx="0" cy="0"/>
+        </a:xfrm>
+      </p:grpSpPr>
+      <p:sp>
+        <p:nvSpPr>
+          <p:cNvPr id="2" name="Title 1">
+            <a:extLst>
+              <a:ext uri="{FF2B5EF4-FFF2-40B4-BE49-F238E27FC236}">
+                <a16:creationId xmlns:a16="http://schemas.microsoft.com/office/drawing/2014/main" id="{F20D5F44-83D3-4C3D-AA1E-B7B8E357D44D}"/>
+              </a:ext>
+            </a:extLst>
+          </p:cNvPr>
+          <p:cNvSpPr>
+            <a:spLocks noGrp="1"/>
+          </p:cNvSpPr>
+          <p:nvPr>
+            <p:ph type="title"/>
+          </p:nvPr>
+        </p:nvSpPr>
+        <p:spPr/>
+        <p:txBody>
+          <a:bodyPr>
+            <a:normAutofit/>
+          </a:bodyPr>
+          <a:lstStyle/>
+          <a:p>
+            <a:r>
+              <a:rPr lang="en-US" sz="4000" dirty="0"/>
+              <a:t>Practices</a:t>
+            </a:r>
+          </a:p>
+        </p:txBody>
+      </p:sp>
+      <p:sp>
+        <p:nvSpPr>
+          <p:cNvPr id="3" name="Content Placeholder 2">
+            <a:extLst>
+              <a:ext uri="{FF2B5EF4-FFF2-40B4-BE49-F238E27FC236}">
+                <a16:creationId xmlns:a16="http://schemas.microsoft.com/office/drawing/2014/main" id="{2EA05F35-4584-4A6C-B5B8-1E6EAF96AE0E}"/>
+              </a:ext>
+            </a:extLst>
+          </p:cNvPr>
+          <p:cNvSpPr>
+            <a:spLocks noGrp="1"/>
+          </p:cNvSpPr>
+          <p:nvPr>
+            <p:ph idx="1"/>
+          </p:nvPr>
+        </p:nvSpPr>
+        <p:spPr/>
+        <p:txBody>
+          <a:bodyPr>
+            <a:normAutofit/>
+          </a:bodyPr>
+          <a:lstStyle/>
+          <a:p>
+            <a:r>
+              <a:rPr lang="en-US" dirty="0"/>
+              <a:t>5.Market makers earn a profit in both exchange and over- the- counter derivatives markets by:</a:t>
+            </a:r>
+          </a:p>
+          <a:p>
+            <a:pPr lvl="1"/>
+            <a:r>
+              <a:rPr lang="en-US" dirty="0"/>
+              <a:t>A charging a commission on each trade.</a:t>
+            </a:r>
+          </a:p>
+          <a:p>
+            <a:pPr lvl="1"/>
+            <a:r>
+              <a:rPr lang="en-US" dirty="0"/>
+              <a:t>B a combination of commissions and markups.</a:t>
+            </a:r>
+          </a:p>
+          <a:p>
+            <a:pPr lvl="1"/>
+            <a:r>
+              <a:rPr lang="en-US" dirty="0"/>
+              <a:t>C buying at one price, selling at a higher price, and hedging any risk.</a:t>
+            </a:r>
+          </a:p>
+          <a:p>
+            <a:r>
+              <a:rPr lang="en-US" dirty="0"/>
+              <a:t>6.Which of the following statements most accurately describes exchange-traded derivatives relative to over- the- counter derivatives? Exchange-traded derivatives are more likely to have:</a:t>
+            </a:r>
+          </a:p>
+          <a:p>
+            <a:pPr lvl="1"/>
+            <a:r>
+              <a:rPr lang="en-US" dirty="0"/>
+              <a:t>A greater credit risk.</a:t>
+            </a:r>
+          </a:p>
+          <a:p>
+            <a:pPr lvl="1"/>
+            <a:r>
+              <a:rPr lang="en-US" dirty="0"/>
+              <a:t>B standardized contract terms.</a:t>
+            </a:r>
+          </a:p>
+          <a:p>
+            <a:pPr lvl="1"/>
+            <a:r>
+              <a:rPr lang="en-US" dirty="0"/>
+              <a:t>C greater risk management uses</a:t>
+            </a:r>
+          </a:p>
+        </p:txBody>
+      </p:sp>
+    </p:spTree>
+    <p:extLst>
+      <p:ext uri="{BB962C8B-B14F-4D97-AF65-F5344CB8AC3E}">
+        <p14:creationId xmlns:p14="http://schemas.microsoft.com/office/powerpoint/2010/main" val="1189956952"/>
+      </p:ext>
+    </p:extLst>
+  </p:cSld>
+  <p:clrMapOvr>
+    <a:masterClrMapping/>
+  </p:clrMapOvr>
+</p:sld>
+</file>
+
+<file path=ppt/slides/slide54.xml><?xml version="1.0" encoding="utf-8"?>
+<p:sld xmlns:a="http://schemas.openxmlformats.org/drawingml/2006/main" xmlns:r="http://schemas.openxmlformats.org/officeDocument/2006/relationships" xmlns:p="http://schemas.openxmlformats.org/presentationml/2006/main">
+  <p:cSld>
+    <p:spTree>
+      <p:nvGrpSpPr>
+        <p:cNvPr id="1" name=""/>
+        <p:cNvGrpSpPr/>
+        <p:nvPr/>
+      </p:nvGrpSpPr>
+      <p:grpSpPr>
+        <a:xfrm>
+          <a:off x="0" y="0"/>
+          <a:ext cx="0" cy="0"/>
+          <a:chOff x="0" y="0"/>
+          <a:chExt cx="0" cy="0"/>
+        </a:xfrm>
+      </p:grpSpPr>
+      <p:sp>
+        <p:nvSpPr>
+          <p:cNvPr id="2" name="Title 1">
+            <a:extLst>
+              <a:ext uri="{FF2B5EF4-FFF2-40B4-BE49-F238E27FC236}">
+                <a16:creationId xmlns:a16="http://schemas.microsoft.com/office/drawing/2014/main" id="{CBE36A6B-6E55-4FD0-8260-0BEFE68F4514}"/>
+              </a:ext>
+            </a:extLst>
+          </p:cNvPr>
+          <p:cNvSpPr>
+            <a:spLocks noGrp="1"/>
+          </p:cNvSpPr>
+          <p:nvPr>
+            <p:ph type="title"/>
+          </p:nvPr>
+        </p:nvSpPr>
+        <p:spPr/>
+        <p:txBody>
+          <a:bodyPr>
+            <a:normAutofit/>
+          </a:bodyPr>
+          <a:lstStyle/>
+          <a:p>
+            <a:r>
+              <a:rPr lang="en-US" sz="4000" dirty="0"/>
+              <a:t>The</a:t>
+            </a:r>
+            <a:r>
+              <a:rPr lang="zh-CN" altLang="en-US" sz="4000" dirty="0"/>
+              <a:t> </a:t>
+            </a:r>
+            <a:r>
+              <a:rPr lang="en-US" altLang="zh-CN" sz="4000" dirty="0"/>
+              <a:t>purposes</a:t>
+            </a:r>
+            <a:r>
+              <a:rPr lang="zh-CN" altLang="en-US" sz="4000" dirty="0"/>
+              <a:t> </a:t>
+            </a:r>
+            <a:r>
+              <a:rPr lang="en-US" altLang="zh-CN" sz="4000" dirty="0"/>
+              <a:t>and</a:t>
+            </a:r>
+            <a:r>
+              <a:rPr lang="zh-CN" altLang="en-US" sz="4000" dirty="0"/>
+              <a:t> </a:t>
+            </a:r>
+            <a:r>
+              <a:rPr lang="en-US" altLang="zh-CN" sz="4000" dirty="0"/>
+              <a:t>benefits</a:t>
+            </a:r>
+            <a:r>
+              <a:rPr lang="zh-CN" altLang="en-US" sz="4000" dirty="0"/>
+              <a:t> </a:t>
+            </a:r>
+            <a:r>
+              <a:rPr lang="en-US" altLang="zh-CN" sz="4000" dirty="0"/>
+              <a:t>of</a:t>
+            </a:r>
+            <a:r>
+              <a:rPr lang="zh-CN" altLang="en-US" sz="4000" dirty="0"/>
+              <a:t> </a:t>
+            </a:r>
+            <a:r>
+              <a:rPr lang="en-US" altLang="zh-CN" sz="4000" dirty="0"/>
+              <a:t>derivatives</a:t>
+            </a:r>
+            <a:endParaRPr lang="en-US" sz="4000" dirty="0"/>
+          </a:p>
+        </p:txBody>
+      </p:sp>
+      <p:sp>
+        <p:nvSpPr>
+          <p:cNvPr id="3" name="Content Placeholder 2">
+            <a:extLst>
+              <a:ext uri="{FF2B5EF4-FFF2-40B4-BE49-F238E27FC236}">
+                <a16:creationId xmlns:a16="http://schemas.microsoft.com/office/drawing/2014/main" id="{CF2F7B16-0AF8-4000-9305-F75458652CC6}"/>
+              </a:ext>
+            </a:extLst>
+          </p:cNvPr>
+          <p:cNvSpPr>
+            <a:spLocks noGrp="1"/>
+          </p:cNvSpPr>
+          <p:nvPr>
+            <p:ph idx="1"/>
+          </p:nvPr>
+        </p:nvSpPr>
+        <p:spPr/>
+        <p:txBody>
+          <a:bodyPr/>
+          <a:lstStyle/>
+          <a:p>
+            <a:r>
+              <a:rPr lang="en-US" dirty="0"/>
+              <a:t>The origin of modern futures markets is the creation of the Chicago board of trade in 1848.</a:t>
+            </a:r>
+          </a:p>
+          <a:p>
+            <a:r>
+              <a:rPr lang="en-US" dirty="0"/>
+              <a:t>‘To-arrive’ contract</a:t>
+            </a:r>
+          </a:p>
+          <a:p>
+            <a:endParaRPr lang="en-US" dirty="0"/>
+          </a:p>
+        </p:txBody>
+      </p:sp>
+    </p:spTree>
+    <p:extLst>
+      <p:ext uri="{BB962C8B-B14F-4D97-AF65-F5344CB8AC3E}">
+        <p14:creationId xmlns:p14="http://schemas.microsoft.com/office/powerpoint/2010/main" val="810741622"/>
+      </p:ext>
+    </p:extLst>
+  </p:cSld>
+  <p:clrMapOvr>
+    <a:masterClrMapping/>
+  </p:clrMapOvr>
+</p:sld>
+</file>
+
+<file path=ppt/slides/slide55.xml><?xml version="1.0" encoding="utf-8"?>
+<p:sld xmlns:a="http://schemas.openxmlformats.org/drawingml/2006/main" xmlns:r="http://schemas.openxmlformats.org/officeDocument/2006/relationships" xmlns:p="http://schemas.openxmlformats.org/presentationml/2006/main">
+  <p:cSld>
+    <p:spTree>
+      <p:nvGrpSpPr>
+        <p:cNvPr id="1" name=""/>
+        <p:cNvGrpSpPr/>
+        <p:nvPr/>
+      </p:nvGrpSpPr>
+      <p:grpSpPr>
+        <a:xfrm>
+          <a:off x="0" y="0"/>
+          <a:ext cx="0" cy="0"/>
+          <a:chOff x="0" y="0"/>
+          <a:chExt cx="0" cy="0"/>
+        </a:xfrm>
+      </p:grpSpPr>
+      <p:sp>
+        <p:nvSpPr>
+          <p:cNvPr id="2" name="Title 1">
+            <a:extLst>
+              <a:ext uri="{FF2B5EF4-FFF2-40B4-BE49-F238E27FC236}">
+                <a16:creationId xmlns:a16="http://schemas.microsoft.com/office/drawing/2014/main" id="{594F1C53-E728-4CBB-B42E-401BAB534833}"/>
+              </a:ext>
+            </a:extLst>
+          </p:cNvPr>
+          <p:cNvSpPr>
+            <a:spLocks noGrp="1"/>
+          </p:cNvSpPr>
+          <p:nvPr>
+            <p:ph type="title"/>
+          </p:nvPr>
+        </p:nvSpPr>
+        <p:spPr/>
+        <p:txBody>
+          <a:bodyPr>
+            <a:normAutofit/>
+          </a:bodyPr>
+          <a:lstStyle/>
+          <a:p>
+            <a:r>
+              <a:rPr lang="en-US" sz="4000" dirty="0"/>
+              <a:t>The</a:t>
+            </a:r>
+            <a:r>
+              <a:rPr lang="zh-CN" altLang="en-US" sz="4000" dirty="0"/>
+              <a:t> </a:t>
+            </a:r>
+            <a:r>
+              <a:rPr lang="en-US" altLang="zh-CN" sz="4000" dirty="0"/>
+              <a:t>purposes</a:t>
+            </a:r>
+            <a:r>
+              <a:rPr lang="zh-CN" altLang="en-US" sz="4000" dirty="0"/>
+              <a:t> </a:t>
+            </a:r>
+            <a:r>
+              <a:rPr lang="en-US" altLang="zh-CN" sz="4000" dirty="0"/>
+              <a:t>and</a:t>
+            </a:r>
+            <a:r>
+              <a:rPr lang="zh-CN" altLang="en-US" sz="4000" dirty="0"/>
+              <a:t> </a:t>
+            </a:r>
+            <a:r>
+              <a:rPr lang="en-US" altLang="zh-CN" sz="4000" dirty="0"/>
+              <a:t>benefits</a:t>
+            </a:r>
+            <a:r>
+              <a:rPr lang="zh-CN" altLang="en-US" sz="4000" dirty="0"/>
+              <a:t> </a:t>
+            </a:r>
+            <a:r>
+              <a:rPr lang="en-US" altLang="zh-CN" sz="4000" dirty="0"/>
+              <a:t>of</a:t>
+            </a:r>
+            <a:r>
+              <a:rPr lang="zh-CN" altLang="en-US" sz="4000" dirty="0"/>
+              <a:t> </a:t>
+            </a:r>
+            <a:r>
+              <a:rPr lang="en-US" altLang="zh-CN" sz="4000" dirty="0"/>
+              <a:t>derivatives</a:t>
+            </a:r>
+            <a:endParaRPr lang="en-US" sz="4000" dirty="0"/>
+          </a:p>
+        </p:txBody>
+      </p:sp>
+      <p:sp>
+        <p:nvSpPr>
+          <p:cNvPr id="3" name="Content Placeholder 2">
+            <a:extLst>
+              <a:ext uri="{FF2B5EF4-FFF2-40B4-BE49-F238E27FC236}">
+                <a16:creationId xmlns:a16="http://schemas.microsoft.com/office/drawing/2014/main" id="{7A1D6DA6-953B-4B3D-BBAF-2BF3840CE174}"/>
+              </a:ext>
+            </a:extLst>
+          </p:cNvPr>
+          <p:cNvSpPr>
+            <a:spLocks noGrp="1"/>
+          </p:cNvSpPr>
+          <p:nvPr>
+            <p:ph idx="1"/>
+          </p:nvPr>
+        </p:nvSpPr>
+        <p:spPr/>
+        <p:txBody>
+          <a:bodyPr/>
+          <a:lstStyle/>
+          <a:p>
+            <a:r>
+              <a:rPr lang="en-US" dirty="0"/>
+              <a:t>Risk allocation , transfer , and management</a:t>
+            </a:r>
+          </a:p>
+          <a:p>
+            <a:r>
+              <a:rPr lang="en-US" dirty="0"/>
+              <a:t>Information discovery</a:t>
+            </a:r>
+          </a:p>
+          <a:p>
+            <a:r>
+              <a:rPr lang="en-US" dirty="0"/>
+              <a:t>Operational advantages</a:t>
+            </a:r>
+          </a:p>
+          <a:p>
+            <a:r>
+              <a:rPr lang="en-US" dirty="0"/>
+              <a:t>Market efficiency</a:t>
+            </a:r>
+          </a:p>
+          <a:p>
+            <a:endParaRPr lang="en-US" dirty="0"/>
+          </a:p>
+          <a:p>
+            <a:endParaRPr lang="en-US" dirty="0"/>
+          </a:p>
+        </p:txBody>
+      </p:sp>
+    </p:spTree>
+    <p:extLst>
+      <p:ext uri="{BB962C8B-B14F-4D97-AF65-F5344CB8AC3E}">
+        <p14:creationId xmlns:p14="http://schemas.microsoft.com/office/powerpoint/2010/main" val="1516918961"/>
+      </p:ext>
+    </p:extLst>
+  </p:cSld>
+  <p:clrMapOvr>
+    <a:masterClrMapping/>
+  </p:clrMapOvr>
+</p:sld>
+</file>
+
+<file path=ppt/slides/slide56.xml><?xml version="1.0" encoding="utf-8"?>
+<p:sld xmlns:a="http://schemas.openxmlformats.org/drawingml/2006/main" xmlns:r="http://schemas.openxmlformats.org/officeDocument/2006/relationships" xmlns:p="http://schemas.openxmlformats.org/presentationml/2006/main">
+  <p:cSld>
+    <p:spTree>
+      <p:nvGrpSpPr>
+        <p:cNvPr id="1" name=""/>
+        <p:cNvGrpSpPr/>
+        <p:nvPr/>
+      </p:nvGrpSpPr>
+      <p:grpSpPr>
+        <a:xfrm>
+          <a:off x="0" y="0"/>
+          <a:ext cx="0" cy="0"/>
+          <a:chOff x="0" y="0"/>
+          <a:chExt cx="0" cy="0"/>
+        </a:xfrm>
+      </p:grpSpPr>
+      <p:sp>
+        <p:nvSpPr>
+          <p:cNvPr id="2" name="Title 1">
+            <a:extLst>
+              <a:ext uri="{FF2B5EF4-FFF2-40B4-BE49-F238E27FC236}">
+                <a16:creationId xmlns:a16="http://schemas.microsoft.com/office/drawing/2014/main" id="{4615354A-E477-4616-83A2-BD4AC1206110}"/>
+              </a:ext>
+            </a:extLst>
+          </p:cNvPr>
+          <p:cNvSpPr>
+            <a:spLocks noGrp="1"/>
+          </p:cNvSpPr>
+          <p:nvPr>
+            <p:ph type="title"/>
+          </p:nvPr>
+        </p:nvSpPr>
+        <p:spPr/>
+        <p:txBody>
+          <a:bodyPr>
+            <a:normAutofit/>
+          </a:bodyPr>
+          <a:lstStyle/>
+          <a:p>
+            <a:r>
+              <a:rPr lang="en-US" sz="4000" dirty="0"/>
+              <a:t>Practices</a:t>
+            </a:r>
+          </a:p>
+        </p:txBody>
+      </p:sp>
+      <p:sp>
+        <p:nvSpPr>
+          <p:cNvPr id="3" name="Content Placeholder 2">
+            <a:extLst>
+              <a:ext uri="{FF2B5EF4-FFF2-40B4-BE49-F238E27FC236}">
+                <a16:creationId xmlns:a16="http://schemas.microsoft.com/office/drawing/2014/main" id="{E0C5A04C-3E9B-479A-BC64-0A200712E0E4}"/>
+              </a:ext>
+            </a:extLst>
+          </p:cNvPr>
+          <p:cNvSpPr>
+            <a:spLocks noGrp="1"/>
+          </p:cNvSpPr>
+          <p:nvPr>
+            <p:ph idx="1"/>
+          </p:nvPr>
+        </p:nvSpPr>
+        <p:spPr/>
+        <p:txBody>
+          <a:bodyPr>
+            <a:normAutofit/>
+          </a:bodyPr>
+          <a:lstStyle/>
+          <a:p>
+            <a:r>
+              <a:rPr lang="en-US" dirty="0"/>
+              <a:t>1.Which of the following is not an advantage of derivative markets?</a:t>
+            </a:r>
+          </a:p>
+          <a:p>
+            <a:pPr lvl="1"/>
+            <a:r>
+              <a:rPr lang="en-US" dirty="0"/>
+              <a:t>A They are less volatile than spot markets.</a:t>
+            </a:r>
+          </a:p>
+          <a:p>
+            <a:pPr lvl="1"/>
+            <a:r>
+              <a:rPr lang="en-US" dirty="0"/>
+              <a:t>B They facilitate the allocation of risk in the market.</a:t>
+            </a:r>
+          </a:p>
+          <a:p>
+            <a:pPr lvl="1"/>
+            <a:r>
+              <a:rPr lang="en-US" dirty="0"/>
+              <a:t>C They incur lower transaction costs than spot markets.</a:t>
+            </a:r>
+          </a:p>
+          <a:p>
+            <a:r>
+              <a:rPr lang="en-US" dirty="0"/>
+              <a:t>2.Which of the following pieces of information is not </a:t>
+            </a:r>
+            <a:r>
+              <a:rPr lang="en-US" dirty="0">
+                <a:solidFill>
+                  <a:srgbClr val="FF0000"/>
+                </a:solidFill>
+              </a:rPr>
+              <a:t>conveyed</a:t>
+            </a:r>
+            <a:r>
+              <a:rPr lang="en-US" dirty="0"/>
+              <a:t> by at least one type of derivative?</a:t>
+            </a:r>
+          </a:p>
+          <a:p>
+            <a:pPr lvl="1"/>
+            <a:r>
+              <a:rPr lang="en-US" dirty="0"/>
+              <a:t>A The volatility of the underlying</a:t>
+            </a:r>
+          </a:p>
+          <a:p>
+            <a:pPr lvl="1"/>
+            <a:r>
+              <a:rPr lang="en-US" dirty="0"/>
+              <a:t>B The most widely used strategy of the underlying</a:t>
+            </a:r>
+          </a:p>
+          <a:p>
+            <a:pPr lvl="1"/>
+            <a:r>
+              <a:rPr lang="en-US" dirty="0"/>
+              <a:t>C The price at which uncertainty in the underlying can be eliminated</a:t>
+            </a:r>
+          </a:p>
+        </p:txBody>
+      </p:sp>
+    </p:spTree>
+    <p:extLst>
+      <p:ext uri="{BB962C8B-B14F-4D97-AF65-F5344CB8AC3E}">
+        <p14:creationId xmlns:p14="http://schemas.microsoft.com/office/powerpoint/2010/main" val="679871349"/>
+      </p:ext>
+    </p:extLst>
+  </p:cSld>
+  <p:clrMapOvr>
+    <a:masterClrMapping/>
+  </p:clrMapOvr>
+</p:sld>
+</file>
+
+<file path=ppt/slides/slide57.xml><?xml version="1.0" encoding="utf-8"?>
+<p:sld xmlns:a="http://schemas.openxmlformats.org/drawingml/2006/main" xmlns:r="http://schemas.openxmlformats.org/officeDocument/2006/relationships" xmlns:p="http://schemas.openxmlformats.org/presentationml/2006/main">
+  <p:cSld>
+    <p:spTree>
+      <p:nvGrpSpPr>
+        <p:cNvPr id="1" name=""/>
+        <p:cNvGrpSpPr/>
+        <p:nvPr/>
+      </p:nvGrpSpPr>
+      <p:grpSpPr>
+        <a:xfrm>
+          <a:off x="0" y="0"/>
+          <a:ext cx="0" cy="0"/>
+          <a:chOff x="0" y="0"/>
+          <a:chExt cx="0" cy="0"/>
+        </a:xfrm>
+      </p:grpSpPr>
+      <p:sp>
+        <p:nvSpPr>
+          <p:cNvPr id="2" name="Title 1">
+            <a:extLst>
+              <a:ext uri="{FF2B5EF4-FFF2-40B4-BE49-F238E27FC236}">
+                <a16:creationId xmlns:a16="http://schemas.microsoft.com/office/drawing/2014/main" id="{6A4E77FE-41FA-4F07-9556-77EA5BAC14A6}"/>
+              </a:ext>
+            </a:extLst>
+          </p:cNvPr>
+          <p:cNvSpPr>
+            <a:spLocks noGrp="1"/>
+          </p:cNvSpPr>
+          <p:nvPr>
+            <p:ph type="title"/>
+          </p:nvPr>
+        </p:nvSpPr>
+        <p:spPr/>
+        <p:txBody>
+          <a:bodyPr>
+            <a:normAutofit/>
+          </a:bodyPr>
+          <a:lstStyle/>
+          <a:p>
+            <a:r>
+              <a:rPr lang="en-US" sz="4000" dirty="0"/>
+              <a:t>Criticisms and misuses of derivatives</a:t>
+            </a:r>
+            <a:br>
+              <a:rPr lang="en-US" sz="4000" dirty="0"/>
+            </a:br>
+            <a:r>
+              <a:rPr lang="en-US" sz="4000" dirty="0"/>
+              <a:t>S</a:t>
+            </a:r>
+            <a:r>
+              <a:rPr lang="en-US" altLang="zh-CN" sz="4000" dirty="0"/>
+              <a:t>peculation and gambling</a:t>
+            </a:r>
+            <a:endParaRPr lang="en-US" sz="4000" dirty="0"/>
+          </a:p>
+        </p:txBody>
+      </p:sp>
+      <p:sp>
+        <p:nvSpPr>
+          <p:cNvPr id="3" name="Content Placeholder 2">
+            <a:extLst>
+              <a:ext uri="{FF2B5EF4-FFF2-40B4-BE49-F238E27FC236}">
+                <a16:creationId xmlns:a16="http://schemas.microsoft.com/office/drawing/2014/main" id="{362F09A5-A3CB-4782-B9F6-D1BE6C31A73F}"/>
+              </a:ext>
+            </a:extLst>
+          </p:cNvPr>
+          <p:cNvSpPr>
+            <a:spLocks noGrp="1"/>
+          </p:cNvSpPr>
+          <p:nvPr>
+            <p:ph idx="1"/>
+          </p:nvPr>
+        </p:nvSpPr>
+        <p:spPr/>
+        <p:txBody>
+          <a:bodyPr/>
+          <a:lstStyle/>
+          <a:p>
+            <a:r>
+              <a:rPr lang="en-US" dirty="0"/>
+              <a:t>Speculators are often thought to be </a:t>
+            </a:r>
+            <a:r>
+              <a:rPr lang="en-US" dirty="0">
+                <a:solidFill>
+                  <a:srgbClr val="FF0000"/>
+                </a:solidFill>
+              </a:rPr>
+              <a:t>short- term traders </a:t>
+            </a:r>
+            <a:r>
+              <a:rPr lang="en-US" dirty="0"/>
+              <a:t>who attempt to exploit temporary inefficiencies.</a:t>
+            </a:r>
+          </a:p>
+          <a:p>
+            <a:r>
+              <a:rPr lang="en-US" dirty="0"/>
+              <a:t>Speculators are thought to engage in </a:t>
+            </a:r>
+            <a:r>
+              <a:rPr lang="en-US" dirty="0">
+                <a:solidFill>
+                  <a:srgbClr val="FF0000"/>
+                </a:solidFill>
+              </a:rPr>
+              <a:t>price manipulation </a:t>
+            </a:r>
+            <a:r>
+              <a:rPr lang="en-US" dirty="0"/>
+              <a:t>and to trade at extreme prices.</a:t>
+            </a:r>
+          </a:p>
+          <a:p>
+            <a:r>
+              <a:rPr lang="en-US" dirty="0"/>
+              <a:t>The profits from short- term trading are almost always taxed </a:t>
+            </a:r>
+            <a:r>
+              <a:rPr lang="en-US" dirty="0">
+                <a:solidFill>
+                  <a:srgbClr val="FF0000"/>
+                </a:solidFill>
+              </a:rPr>
+              <a:t>more heavily </a:t>
+            </a:r>
+            <a:r>
+              <a:rPr lang="en-US" dirty="0"/>
+              <a:t>than the profits from long- term trading.</a:t>
+            </a:r>
+          </a:p>
+          <a:p>
+            <a:endParaRPr lang="en-US" dirty="0"/>
+          </a:p>
+        </p:txBody>
+      </p:sp>
+    </p:spTree>
+    <p:extLst>
+      <p:ext uri="{BB962C8B-B14F-4D97-AF65-F5344CB8AC3E}">
+        <p14:creationId xmlns:p14="http://schemas.microsoft.com/office/powerpoint/2010/main" val="133782581"/>
+      </p:ext>
+    </p:extLst>
+  </p:cSld>
+  <p:clrMapOvr>
+    <a:masterClrMapping/>
+  </p:clrMapOvr>
+</p:sld>
+</file>
+
+<file path=ppt/slides/slide58.xml><?xml version="1.0" encoding="utf-8"?>
+<p:sld xmlns:a="http://schemas.openxmlformats.org/drawingml/2006/main" xmlns:r="http://schemas.openxmlformats.org/officeDocument/2006/relationships" xmlns:p="http://schemas.openxmlformats.org/presentationml/2006/main">
+  <p:cSld>
+    <p:spTree>
+      <p:nvGrpSpPr>
+        <p:cNvPr id="1" name=""/>
+        <p:cNvGrpSpPr/>
+        <p:nvPr/>
+      </p:nvGrpSpPr>
+      <p:grpSpPr>
+        <a:xfrm>
+          <a:off x="0" y="0"/>
+          <a:ext cx="0" cy="0"/>
+          <a:chOff x="0" y="0"/>
+          <a:chExt cx="0" cy="0"/>
+        </a:xfrm>
+      </p:grpSpPr>
+      <p:sp>
+        <p:nvSpPr>
+          <p:cNvPr id="2" name="Title 1">
+            <a:extLst>
+              <a:ext uri="{FF2B5EF4-FFF2-40B4-BE49-F238E27FC236}">
+                <a16:creationId xmlns:a16="http://schemas.microsoft.com/office/drawing/2014/main" id="{E482C202-64F2-44D8-9E40-0887E8F7325A}"/>
+              </a:ext>
+            </a:extLst>
+          </p:cNvPr>
+          <p:cNvSpPr>
+            <a:spLocks noGrp="1"/>
+          </p:cNvSpPr>
+          <p:nvPr>
+            <p:ph type="title"/>
+          </p:nvPr>
+        </p:nvSpPr>
+        <p:spPr/>
+        <p:txBody>
+          <a:bodyPr>
+            <a:normAutofit/>
+          </a:bodyPr>
+          <a:lstStyle/>
+          <a:p>
+            <a:r>
+              <a:rPr lang="en-US" sz="4000" dirty="0"/>
+              <a:t>Criticisms and misuses of derivatives</a:t>
+            </a:r>
+            <a:br>
+              <a:rPr lang="en-US" sz="4000" dirty="0"/>
+            </a:br>
+            <a:r>
+              <a:rPr lang="en-US" sz="4000" dirty="0"/>
+              <a:t>Destabilization and Systemic Risk</a:t>
+            </a:r>
+          </a:p>
+        </p:txBody>
+      </p:sp>
+      <p:sp>
+        <p:nvSpPr>
+          <p:cNvPr id="3" name="Content Placeholder 2">
+            <a:extLst>
+              <a:ext uri="{FF2B5EF4-FFF2-40B4-BE49-F238E27FC236}">
+                <a16:creationId xmlns:a16="http://schemas.microsoft.com/office/drawing/2014/main" id="{00AFAD99-D187-4A05-BD57-E28833651C75}"/>
+              </a:ext>
+            </a:extLst>
+          </p:cNvPr>
+          <p:cNvSpPr>
+            <a:spLocks noGrp="1"/>
+          </p:cNvSpPr>
+          <p:nvPr>
+            <p:ph idx="1"/>
+          </p:nvPr>
+        </p:nvSpPr>
+        <p:spPr/>
+        <p:txBody>
+          <a:bodyPr>
+            <a:normAutofit fontScale="92500"/>
+          </a:bodyPr>
+          <a:lstStyle/>
+          <a:p>
+            <a:r>
+              <a:rPr lang="en-US" dirty="0"/>
+              <a:t>Defaults by speculators can then lead to defaults by their creditors, their creditors’ creditors, and so on. These effects can, therefore, be systemic and reflect an epidemic </a:t>
+            </a:r>
+            <a:r>
+              <a:rPr lang="en-US" dirty="0">
+                <a:solidFill>
+                  <a:srgbClr val="FF0000"/>
+                </a:solidFill>
+              </a:rPr>
+              <a:t>contagion</a:t>
+            </a:r>
+            <a:r>
+              <a:rPr lang="en-US" dirty="0"/>
+              <a:t> whereby instability can spread throughout markets and an economy, if not the entire world.</a:t>
+            </a:r>
+          </a:p>
+          <a:p>
+            <a:r>
+              <a:rPr lang="en-US" dirty="0"/>
+              <a:t>Such effects occurred in the </a:t>
+            </a:r>
+            <a:r>
+              <a:rPr lang="en-US" dirty="0">
+                <a:solidFill>
+                  <a:srgbClr val="FF0000"/>
+                </a:solidFill>
+              </a:rPr>
+              <a:t>Long- Term Capital Management </a:t>
+            </a:r>
+            <a:r>
+              <a:rPr lang="en-US" dirty="0"/>
+              <a:t>fiasco of 1998 and again in the financial crisis of 2008, in which derivatives, particularly credit default swaps, were widely used by many of the problem entities.</a:t>
+            </a:r>
+          </a:p>
+          <a:p>
+            <a:r>
+              <a:rPr lang="en-US" dirty="0"/>
+              <a:t>Some of these events </a:t>
+            </a:r>
+            <a:r>
+              <a:rPr lang="en-US" dirty="0">
+                <a:solidFill>
+                  <a:srgbClr val="FF0000"/>
+                </a:solidFill>
+              </a:rPr>
+              <a:t>preceded</a:t>
+            </a:r>
+            <a:r>
+              <a:rPr lang="en-US" dirty="0"/>
+              <a:t> the era of modern derivatives markets, and others were completely </a:t>
+            </a:r>
+            <a:r>
+              <a:rPr lang="en-US" dirty="0">
+                <a:solidFill>
+                  <a:srgbClr val="FF0000"/>
+                </a:solidFill>
+              </a:rPr>
+              <a:t>unrelated</a:t>
+            </a:r>
+            <a:r>
+              <a:rPr lang="en-US" dirty="0"/>
+              <a:t> to the use of derivatives.</a:t>
+            </a:r>
+          </a:p>
+          <a:p>
+            <a:r>
+              <a:rPr lang="en-US" dirty="0"/>
+              <a:t>Another criticism of derivatives is simply their </a:t>
+            </a:r>
+            <a:r>
+              <a:rPr lang="en-US" dirty="0">
+                <a:solidFill>
+                  <a:srgbClr val="FF0000"/>
+                </a:solidFill>
+              </a:rPr>
+              <a:t>complexity</a:t>
+            </a:r>
+            <a:r>
+              <a:rPr lang="en-US" dirty="0"/>
+              <a:t>.</a:t>
+            </a:r>
+          </a:p>
+          <a:p>
+            <a:r>
+              <a:rPr lang="en-US" dirty="0"/>
+              <a:t>One explanation probably lies in the fact that scientists create models of markets by using scientific principles that </a:t>
+            </a:r>
+            <a:r>
+              <a:rPr lang="en-US" dirty="0">
+                <a:solidFill>
+                  <a:srgbClr val="FF0000"/>
+                </a:solidFill>
+              </a:rPr>
+              <a:t>often fail</a:t>
+            </a:r>
+            <a:r>
+              <a:rPr lang="en-US" dirty="0"/>
+              <a:t>.</a:t>
+            </a:r>
+          </a:p>
+        </p:txBody>
+      </p:sp>
+    </p:spTree>
+    <p:extLst>
+      <p:ext uri="{BB962C8B-B14F-4D97-AF65-F5344CB8AC3E}">
+        <p14:creationId xmlns:p14="http://schemas.microsoft.com/office/powerpoint/2010/main" val="1948992878"/>
+      </p:ext>
+    </p:extLst>
+  </p:cSld>
+  <p:clrMapOvr>
+    <a:masterClrMapping/>
+  </p:clrMapOvr>
+</p:sld>
+</file>
+
+<file path=ppt/slides/slide59.xml><?xml version="1.0" encoding="utf-8"?>
+<p:sld xmlns:a="http://schemas.openxmlformats.org/drawingml/2006/main" xmlns:r="http://schemas.openxmlformats.org/officeDocument/2006/relationships" xmlns:p="http://schemas.openxmlformats.org/presentationml/2006/main">
+  <p:cSld>
+    <p:spTree>
+      <p:nvGrpSpPr>
+        <p:cNvPr id="1" name=""/>
+        <p:cNvGrpSpPr/>
+        <p:nvPr/>
+      </p:nvGrpSpPr>
+      <p:grpSpPr>
+        <a:xfrm>
+          <a:off x="0" y="0"/>
+          <a:ext cx="0" cy="0"/>
+          <a:chOff x="0" y="0"/>
+          <a:chExt cx="0" cy="0"/>
+        </a:xfrm>
+      </p:grpSpPr>
+      <p:sp>
+        <p:nvSpPr>
+          <p:cNvPr id="2" name="Title 1">
+            <a:extLst>
+              <a:ext uri="{FF2B5EF4-FFF2-40B4-BE49-F238E27FC236}">
+                <a16:creationId xmlns:a16="http://schemas.microsoft.com/office/drawing/2014/main" id="{553F70E7-AA33-42A6-BC63-F08FC8453BD7}"/>
+              </a:ext>
+            </a:extLst>
+          </p:cNvPr>
+          <p:cNvSpPr>
+            <a:spLocks noGrp="1"/>
+          </p:cNvSpPr>
+          <p:nvPr>
+            <p:ph type="title"/>
+          </p:nvPr>
+        </p:nvSpPr>
+        <p:spPr/>
+        <p:txBody>
+          <a:bodyPr>
+            <a:normAutofit/>
+          </a:bodyPr>
+          <a:lstStyle/>
+          <a:p>
+            <a:r>
+              <a:rPr lang="en-US" sz="4000" dirty="0"/>
+              <a:t>Practices</a:t>
+            </a:r>
+          </a:p>
+        </p:txBody>
+      </p:sp>
+      <p:sp>
+        <p:nvSpPr>
+          <p:cNvPr id="3" name="Content Placeholder 2">
+            <a:extLst>
+              <a:ext uri="{FF2B5EF4-FFF2-40B4-BE49-F238E27FC236}">
+                <a16:creationId xmlns:a16="http://schemas.microsoft.com/office/drawing/2014/main" id="{ADDE3541-C827-46E6-AD4A-E75F304EA34D}"/>
+              </a:ext>
+            </a:extLst>
+          </p:cNvPr>
+          <p:cNvSpPr>
+            <a:spLocks noGrp="1"/>
+          </p:cNvSpPr>
+          <p:nvPr>
+            <p:ph idx="1"/>
+          </p:nvPr>
+        </p:nvSpPr>
+        <p:spPr/>
+        <p:txBody>
+          <a:bodyPr/>
+          <a:lstStyle/>
+          <a:p>
+            <a:r>
+              <a:rPr lang="en-US" dirty="0"/>
+              <a:t>1.Which of the following responds to the criticism that derivatives can be destabilizing to the underlying market?</a:t>
+            </a:r>
+          </a:p>
+          <a:p>
+            <a:pPr lvl="1"/>
+            <a:r>
+              <a:rPr lang="en-US" dirty="0"/>
+              <a:t>A Market crashes and panics have occurred since long before derivatives existed.</a:t>
+            </a:r>
+          </a:p>
+          <a:p>
+            <a:pPr lvl="1"/>
+            <a:r>
+              <a:rPr lang="en-US" dirty="0"/>
+              <a:t>B Derivatives are sufficiently regulated that they cannot destabilize the spot market.</a:t>
+            </a:r>
+          </a:p>
+          <a:p>
+            <a:pPr lvl="1"/>
+            <a:r>
+              <a:rPr lang="en-US" dirty="0"/>
+              <a:t>C The transaction costs of derivatives are high enough to keep their use at a minimum level.</a:t>
+            </a:r>
+          </a:p>
+        </p:txBody>
+      </p:sp>
+    </p:spTree>
+    <p:extLst>
+      <p:ext uri="{BB962C8B-B14F-4D97-AF65-F5344CB8AC3E}">
+        <p14:creationId xmlns:p14="http://schemas.microsoft.com/office/powerpoint/2010/main" val="425420384"/>
+      </p:ext>
+    </p:extLst>
+  </p:cSld>
+  <p:clrMapOvr>
+    <a:masterClrMapping/>
+  </p:clrMapOvr>
+</p:sld>
+</file>
+
+<file path=ppt/slides/slide6.xml><?xml version="1.0" encoding="utf-8"?>
 <p:sld xmlns:a="http://schemas.openxmlformats.org/drawingml/2006/main" xmlns:r="http://schemas.openxmlformats.org/officeDocument/2006/relationships" xmlns:p="http://schemas.openxmlformats.org/presentationml/2006/main">
   <p:cSld>
     <p:bg>
@@ -34759,7 +36308,7 @@
         </p:blipFill>
         <p:spPr>
           <a:xfrm>
-            <a:off x="1024127" y="2442779"/>
+            <a:off x="889819" y="3145638"/>
             <a:ext cx="3615605" cy="3335394"/>
           </a:xfrm>
           <a:prstGeom prst="rect">
@@ -34785,7 +36334,7 @@
         </p:nvSpPr>
         <p:spPr>
           <a:xfrm>
-            <a:off x="5063613" y="2286000"/>
+            <a:off x="757084" y="2084832"/>
             <a:ext cx="5680587" cy="4023360"/>
           </a:xfrm>
         </p:spPr>
@@ -34845,1315 +36394,7 @@
 </p:sld>
 </file>
 
-<file path=ppt/slides/slide50.xml><?xml version="1.0" encoding="utf-8"?>
-<p:sld xmlns:a="http://schemas.openxmlformats.org/drawingml/2006/main" xmlns:r="http://schemas.openxmlformats.org/officeDocument/2006/relationships" xmlns:p="http://schemas.openxmlformats.org/presentationml/2006/main">
-  <p:cSld>
-    <p:spTree>
-      <p:nvGrpSpPr>
-        <p:cNvPr id="1" name=""/>
-        <p:cNvGrpSpPr/>
-        <p:nvPr/>
-      </p:nvGrpSpPr>
-      <p:grpSpPr>
-        <a:xfrm>
-          <a:off x="0" y="0"/>
-          <a:ext cx="0" cy="0"/>
-          <a:chOff x="0" y="0"/>
-          <a:chExt cx="0" cy="0"/>
-        </a:xfrm>
-      </p:grpSpPr>
-      <p:sp>
-        <p:nvSpPr>
-          <p:cNvPr id="2" name="Title 1">
-            <a:extLst>
-              <a:ext uri="{FF2B5EF4-FFF2-40B4-BE49-F238E27FC236}">
-                <a16:creationId xmlns:a16="http://schemas.microsoft.com/office/drawing/2014/main" id="{E5071E7E-561B-4C61-8404-6C29256855A2}"/>
-              </a:ext>
-            </a:extLst>
-          </p:cNvPr>
-          <p:cNvSpPr>
-            <a:spLocks noGrp="1"/>
-          </p:cNvSpPr>
-          <p:nvPr>
-            <p:ph type="title"/>
-          </p:nvPr>
-        </p:nvSpPr>
-        <p:spPr/>
-        <p:txBody>
-          <a:bodyPr>
-            <a:normAutofit/>
-          </a:bodyPr>
-          <a:lstStyle/>
-          <a:p>
-            <a:r>
-              <a:rPr lang="en-US" sz="4000" dirty="0"/>
-              <a:t>Practices</a:t>
-            </a:r>
-          </a:p>
-        </p:txBody>
-      </p:sp>
-      <p:sp>
-        <p:nvSpPr>
-          <p:cNvPr id="3" name="Content Placeholder 2">
-            <a:extLst>
-              <a:ext uri="{FF2B5EF4-FFF2-40B4-BE49-F238E27FC236}">
-                <a16:creationId xmlns:a16="http://schemas.microsoft.com/office/drawing/2014/main" id="{CFF1D1EF-7E0F-48EE-98B9-A11615480828}"/>
-              </a:ext>
-            </a:extLst>
-          </p:cNvPr>
-          <p:cNvSpPr>
-            <a:spLocks noGrp="1"/>
-          </p:cNvSpPr>
-          <p:nvPr>
-            <p:ph idx="1"/>
-          </p:nvPr>
-        </p:nvSpPr>
-        <p:spPr/>
-        <p:txBody>
-          <a:bodyPr>
-            <a:normAutofit/>
-          </a:bodyPr>
-          <a:lstStyle/>
-          <a:p>
-            <a:r>
-              <a:rPr lang="en-US" dirty="0"/>
-              <a:t>1.Which of the following is not a forward commitment?</a:t>
-            </a:r>
-          </a:p>
-          <a:p>
-            <a:pPr lvl="1"/>
-            <a:r>
-              <a:rPr lang="en-US" dirty="0"/>
-              <a:t>A An agreement to take out a loan at a future date at a specific rate</a:t>
-            </a:r>
-          </a:p>
-          <a:p>
-            <a:pPr lvl="1"/>
-            <a:r>
-              <a:rPr lang="en-US" dirty="0"/>
-              <a:t>B An offer of employment that must be accepted or rejected in two weeks</a:t>
-            </a:r>
-          </a:p>
-          <a:p>
-            <a:pPr lvl="1"/>
-            <a:r>
-              <a:rPr lang="en-US" dirty="0"/>
-              <a:t>C An agreement to lease a piece of machinery for one year with a series of fixed monthly payments</a:t>
-            </a:r>
-          </a:p>
-          <a:p>
-            <a:r>
-              <a:rPr lang="en-US" dirty="0"/>
-              <a:t>2.Which of the following statements is true about contingent claims?</a:t>
-            </a:r>
-          </a:p>
-          <a:p>
-            <a:pPr lvl="1"/>
-            <a:r>
-              <a:rPr lang="en-US" dirty="0"/>
-              <a:t>A Either party can default to the other.</a:t>
-            </a:r>
-          </a:p>
-          <a:p>
-            <a:pPr lvl="1"/>
-            <a:r>
-              <a:rPr lang="en-US" dirty="0"/>
-              <a:t>B The payoffs are linearly related to the performance of the underlying.</a:t>
-            </a:r>
-          </a:p>
-          <a:p>
-            <a:pPr lvl="1"/>
-            <a:r>
-              <a:rPr lang="en-US" dirty="0"/>
-              <a:t>C The most the long can lose is the amount paid for the contingent claim.</a:t>
-            </a:r>
-          </a:p>
-        </p:txBody>
-      </p:sp>
-    </p:spTree>
-    <p:extLst>
-      <p:ext uri="{BB962C8B-B14F-4D97-AF65-F5344CB8AC3E}">
-        <p14:creationId xmlns:p14="http://schemas.microsoft.com/office/powerpoint/2010/main" val="1657439908"/>
-      </p:ext>
-    </p:extLst>
-  </p:cSld>
-  <p:clrMapOvr>
-    <a:masterClrMapping/>
-  </p:clrMapOvr>
-</p:sld>
-</file>
-
-<file path=ppt/slides/slide51.xml><?xml version="1.0" encoding="utf-8"?>
-<p:sld xmlns:a="http://schemas.openxmlformats.org/drawingml/2006/main" xmlns:r="http://schemas.openxmlformats.org/officeDocument/2006/relationships" xmlns:p="http://schemas.openxmlformats.org/presentationml/2006/main">
-  <p:cSld>
-    <p:spTree>
-      <p:nvGrpSpPr>
-        <p:cNvPr id="1" name=""/>
-        <p:cNvGrpSpPr/>
-        <p:nvPr/>
-      </p:nvGrpSpPr>
-      <p:grpSpPr>
-        <a:xfrm>
-          <a:off x="0" y="0"/>
-          <a:ext cx="0" cy="0"/>
-          <a:chOff x="0" y="0"/>
-          <a:chExt cx="0" cy="0"/>
-        </a:xfrm>
-      </p:grpSpPr>
-      <p:sp>
-        <p:nvSpPr>
-          <p:cNvPr id="2" name="Title 1">
-            <a:extLst>
-              <a:ext uri="{FF2B5EF4-FFF2-40B4-BE49-F238E27FC236}">
-                <a16:creationId xmlns:a16="http://schemas.microsoft.com/office/drawing/2014/main" id="{F20D5F44-83D3-4C3D-AA1E-B7B8E357D44D}"/>
-              </a:ext>
-            </a:extLst>
-          </p:cNvPr>
-          <p:cNvSpPr>
-            <a:spLocks noGrp="1"/>
-          </p:cNvSpPr>
-          <p:nvPr>
-            <p:ph type="title"/>
-          </p:nvPr>
-        </p:nvSpPr>
-        <p:spPr/>
-        <p:txBody>
-          <a:bodyPr>
-            <a:normAutofit/>
-          </a:bodyPr>
-          <a:lstStyle/>
-          <a:p>
-            <a:r>
-              <a:rPr lang="en-US" sz="4000" dirty="0"/>
-              <a:t>Practices</a:t>
-            </a:r>
-          </a:p>
-        </p:txBody>
-      </p:sp>
-      <p:sp>
-        <p:nvSpPr>
-          <p:cNvPr id="3" name="Content Placeholder 2">
-            <a:extLst>
-              <a:ext uri="{FF2B5EF4-FFF2-40B4-BE49-F238E27FC236}">
-                <a16:creationId xmlns:a16="http://schemas.microsoft.com/office/drawing/2014/main" id="{2EA05F35-4584-4A6C-B5B8-1E6EAF96AE0E}"/>
-              </a:ext>
-            </a:extLst>
-          </p:cNvPr>
-          <p:cNvSpPr>
-            <a:spLocks noGrp="1"/>
-          </p:cNvSpPr>
-          <p:nvPr>
-            <p:ph idx="1"/>
-          </p:nvPr>
-        </p:nvSpPr>
-        <p:spPr/>
-        <p:txBody>
-          <a:bodyPr>
-            <a:normAutofit/>
-          </a:bodyPr>
-          <a:lstStyle/>
-          <a:p>
-            <a:r>
-              <a:rPr lang="en-US" dirty="0"/>
-              <a:t>3.Which of the following characteristics is not associated with exchange-traded derivatives?</a:t>
-            </a:r>
-          </a:p>
-          <a:p>
-            <a:pPr lvl="1"/>
-            <a:r>
-              <a:rPr lang="en-US" dirty="0"/>
-              <a:t>A Margin or performance bonds are required.</a:t>
-            </a:r>
-          </a:p>
-          <a:p>
-            <a:pPr lvl="1"/>
-            <a:r>
-              <a:rPr lang="en-US" dirty="0"/>
-              <a:t>B The exchange guarantees all payments in the event of default.</a:t>
-            </a:r>
-          </a:p>
-          <a:p>
-            <a:pPr lvl="1"/>
-            <a:r>
-              <a:rPr lang="en-US" dirty="0"/>
-              <a:t>C All terms except the price are customized to the parties’ individual needs.</a:t>
-            </a:r>
-          </a:p>
-          <a:p>
-            <a:r>
-              <a:rPr lang="en-US" dirty="0"/>
-              <a:t>4.Which of the following characteristics is associated with over- the- counter derivatives?</a:t>
-            </a:r>
-          </a:p>
-          <a:p>
-            <a:pPr lvl="1"/>
-            <a:r>
-              <a:rPr lang="en-US" dirty="0"/>
-              <a:t>A Trading occurs in a central location.</a:t>
-            </a:r>
-          </a:p>
-          <a:p>
-            <a:pPr lvl="1"/>
-            <a:r>
-              <a:rPr lang="en-US" dirty="0"/>
-              <a:t>B They are more regulated than exchange- listed derivatives.</a:t>
-            </a:r>
-          </a:p>
-          <a:p>
-            <a:pPr lvl="1"/>
-            <a:r>
-              <a:rPr lang="en-US" dirty="0"/>
-              <a:t>C They are less transparent than exchange- listed derivatives.</a:t>
-            </a:r>
-          </a:p>
-        </p:txBody>
-      </p:sp>
-    </p:spTree>
-    <p:extLst>
-      <p:ext uri="{BB962C8B-B14F-4D97-AF65-F5344CB8AC3E}">
-        <p14:creationId xmlns:p14="http://schemas.microsoft.com/office/powerpoint/2010/main" val="3121291714"/>
-      </p:ext>
-    </p:extLst>
-  </p:cSld>
-  <p:clrMapOvr>
-    <a:masterClrMapping/>
-  </p:clrMapOvr>
-</p:sld>
-</file>
-
-<file path=ppt/slides/slide52.xml><?xml version="1.0" encoding="utf-8"?>
-<p:sld xmlns:a="http://schemas.openxmlformats.org/drawingml/2006/main" xmlns:r="http://schemas.openxmlformats.org/officeDocument/2006/relationships" xmlns:p="http://schemas.openxmlformats.org/presentationml/2006/main">
-  <p:cSld>
-    <p:spTree>
-      <p:nvGrpSpPr>
-        <p:cNvPr id="1" name=""/>
-        <p:cNvGrpSpPr/>
-        <p:nvPr/>
-      </p:nvGrpSpPr>
-      <p:grpSpPr>
-        <a:xfrm>
-          <a:off x="0" y="0"/>
-          <a:ext cx="0" cy="0"/>
-          <a:chOff x="0" y="0"/>
-          <a:chExt cx="0" cy="0"/>
-        </a:xfrm>
-      </p:grpSpPr>
-      <p:sp>
-        <p:nvSpPr>
-          <p:cNvPr id="2" name="Title 1">
-            <a:extLst>
-              <a:ext uri="{FF2B5EF4-FFF2-40B4-BE49-F238E27FC236}">
-                <a16:creationId xmlns:a16="http://schemas.microsoft.com/office/drawing/2014/main" id="{F20D5F44-83D3-4C3D-AA1E-B7B8E357D44D}"/>
-              </a:ext>
-            </a:extLst>
-          </p:cNvPr>
-          <p:cNvSpPr>
-            <a:spLocks noGrp="1"/>
-          </p:cNvSpPr>
-          <p:nvPr>
-            <p:ph type="title"/>
-          </p:nvPr>
-        </p:nvSpPr>
-        <p:spPr/>
-        <p:txBody>
-          <a:bodyPr>
-            <a:normAutofit/>
-          </a:bodyPr>
-          <a:lstStyle/>
-          <a:p>
-            <a:r>
-              <a:rPr lang="en-US" sz="4000" dirty="0"/>
-              <a:t>Practices</a:t>
-            </a:r>
-          </a:p>
-        </p:txBody>
-      </p:sp>
-      <p:sp>
-        <p:nvSpPr>
-          <p:cNvPr id="3" name="Content Placeholder 2">
-            <a:extLst>
-              <a:ext uri="{FF2B5EF4-FFF2-40B4-BE49-F238E27FC236}">
-                <a16:creationId xmlns:a16="http://schemas.microsoft.com/office/drawing/2014/main" id="{2EA05F35-4584-4A6C-B5B8-1E6EAF96AE0E}"/>
-              </a:ext>
-            </a:extLst>
-          </p:cNvPr>
-          <p:cNvSpPr>
-            <a:spLocks noGrp="1"/>
-          </p:cNvSpPr>
-          <p:nvPr>
-            <p:ph idx="1"/>
-          </p:nvPr>
-        </p:nvSpPr>
-        <p:spPr/>
-        <p:txBody>
-          <a:bodyPr>
-            <a:normAutofit/>
-          </a:bodyPr>
-          <a:lstStyle/>
-          <a:p>
-            <a:r>
-              <a:rPr lang="en-US" dirty="0"/>
-              <a:t>5.Market makers earn a profit in both exchange and over- the- counter derivatives markets by:</a:t>
-            </a:r>
-          </a:p>
-          <a:p>
-            <a:pPr lvl="1"/>
-            <a:r>
-              <a:rPr lang="en-US" dirty="0"/>
-              <a:t>A charging a commission on each trade.</a:t>
-            </a:r>
-          </a:p>
-          <a:p>
-            <a:pPr lvl="1"/>
-            <a:r>
-              <a:rPr lang="en-US" dirty="0"/>
-              <a:t>B a combination of commissions and markups.</a:t>
-            </a:r>
-          </a:p>
-          <a:p>
-            <a:pPr lvl="1"/>
-            <a:r>
-              <a:rPr lang="en-US" dirty="0"/>
-              <a:t>C buying at one price, selling at a higher price, and hedging any risk.</a:t>
-            </a:r>
-          </a:p>
-          <a:p>
-            <a:r>
-              <a:rPr lang="en-US" dirty="0"/>
-              <a:t>6.Which of the following statements most accurately describes exchange-traded derivatives relative to over- the- counter derivatives? Exchange-traded derivatives are more likely to have:</a:t>
-            </a:r>
-          </a:p>
-          <a:p>
-            <a:pPr lvl="1"/>
-            <a:r>
-              <a:rPr lang="en-US" dirty="0"/>
-              <a:t>A greater credit risk.</a:t>
-            </a:r>
-          </a:p>
-          <a:p>
-            <a:pPr lvl="1"/>
-            <a:r>
-              <a:rPr lang="en-US" dirty="0"/>
-              <a:t>B standardized contract terms.</a:t>
-            </a:r>
-          </a:p>
-          <a:p>
-            <a:pPr lvl="1"/>
-            <a:r>
-              <a:rPr lang="en-US" dirty="0"/>
-              <a:t>C greater risk management uses</a:t>
-            </a:r>
-          </a:p>
-        </p:txBody>
-      </p:sp>
-    </p:spTree>
-    <p:extLst>
-      <p:ext uri="{BB962C8B-B14F-4D97-AF65-F5344CB8AC3E}">
-        <p14:creationId xmlns:p14="http://schemas.microsoft.com/office/powerpoint/2010/main" val="1189956952"/>
-      </p:ext>
-    </p:extLst>
-  </p:cSld>
-  <p:clrMapOvr>
-    <a:masterClrMapping/>
-  </p:clrMapOvr>
-</p:sld>
-</file>
-
-<file path=ppt/slides/slide53.xml><?xml version="1.0" encoding="utf-8"?>
-<p:sld xmlns:a="http://schemas.openxmlformats.org/drawingml/2006/main" xmlns:r="http://schemas.openxmlformats.org/officeDocument/2006/relationships" xmlns:p="http://schemas.openxmlformats.org/presentationml/2006/main">
-  <p:cSld>
-    <p:spTree>
-      <p:nvGrpSpPr>
-        <p:cNvPr id="1" name=""/>
-        <p:cNvGrpSpPr/>
-        <p:nvPr/>
-      </p:nvGrpSpPr>
-      <p:grpSpPr>
-        <a:xfrm>
-          <a:off x="0" y="0"/>
-          <a:ext cx="0" cy="0"/>
-          <a:chOff x="0" y="0"/>
-          <a:chExt cx="0" cy="0"/>
-        </a:xfrm>
-      </p:grpSpPr>
-      <p:sp>
-        <p:nvSpPr>
-          <p:cNvPr id="2" name="Title 1">
-            <a:extLst>
-              <a:ext uri="{FF2B5EF4-FFF2-40B4-BE49-F238E27FC236}">
-                <a16:creationId xmlns:a16="http://schemas.microsoft.com/office/drawing/2014/main" id="{CBE36A6B-6E55-4FD0-8260-0BEFE68F4514}"/>
-              </a:ext>
-            </a:extLst>
-          </p:cNvPr>
-          <p:cNvSpPr>
-            <a:spLocks noGrp="1"/>
-          </p:cNvSpPr>
-          <p:nvPr>
-            <p:ph type="title"/>
-          </p:nvPr>
-        </p:nvSpPr>
-        <p:spPr/>
-        <p:txBody>
-          <a:bodyPr>
-            <a:normAutofit/>
-          </a:bodyPr>
-          <a:lstStyle/>
-          <a:p>
-            <a:r>
-              <a:rPr lang="en-US" sz="4000" dirty="0"/>
-              <a:t>The</a:t>
-            </a:r>
-            <a:r>
-              <a:rPr lang="zh-CN" altLang="en-US" sz="4000" dirty="0"/>
-              <a:t> </a:t>
-            </a:r>
-            <a:r>
-              <a:rPr lang="en-US" altLang="zh-CN" sz="4000" dirty="0"/>
-              <a:t>purposes</a:t>
-            </a:r>
-            <a:r>
-              <a:rPr lang="zh-CN" altLang="en-US" sz="4000" dirty="0"/>
-              <a:t> </a:t>
-            </a:r>
-            <a:r>
-              <a:rPr lang="en-US" altLang="zh-CN" sz="4000" dirty="0"/>
-              <a:t>and</a:t>
-            </a:r>
-            <a:r>
-              <a:rPr lang="zh-CN" altLang="en-US" sz="4000" dirty="0"/>
-              <a:t> </a:t>
-            </a:r>
-            <a:r>
-              <a:rPr lang="en-US" altLang="zh-CN" sz="4000" dirty="0"/>
-              <a:t>benefits</a:t>
-            </a:r>
-            <a:r>
-              <a:rPr lang="zh-CN" altLang="en-US" sz="4000" dirty="0"/>
-              <a:t> </a:t>
-            </a:r>
-            <a:r>
-              <a:rPr lang="en-US" altLang="zh-CN" sz="4000" dirty="0"/>
-              <a:t>of</a:t>
-            </a:r>
-            <a:r>
-              <a:rPr lang="zh-CN" altLang="en-US" sz="4000" dirty="0"/>
-              <a:t> </a:t>
-            </a:r>
-            <a:r>
-              <a:rPr lang="en-US" altLang="zh-CN" sz="4000" dirty="0"/>
-              <a:t>derivatives</a:t>
-            </a:r>
-            <a:endParaRPr lang="en-US" sz="4000" dirty="0"/>
-          </a:p>
-        </p:txBody>
-      </p:sp>
-      <p:sp>
-        <p:nvSpPr>
-          <p:cNvPr id="3" name="Content Placeholder 2">
-            <a:extLst>
-              <a:ext uri="{FF2B5EF4-FFF2-40B4-BE49-F238E27FC236}">
-                <a16:creationId xmlns:a16="http://schemas.microsoft.com/office/drawing/2014/main" id="{CF2F7B16-0AF8-4000-9305-F75458652CC6}"/>
-              </a:ext>
-            </a:extLst>
-          </p:cNvPr>
-          <p:cNvSpPr>
-            <a:spLocks noGrp="1"/>
-          </p:cNvSpPr>
-          <p:nvPr>
-            <p:ph idx="1"/>
-          </p:nvPr>
-        </p:nvSpPr>
-        <p:spPr/>
-        <p:txBody>
-          <a:bodyPr/>
-          <a:lstStyle/>
-          <a:p>
-            <a:r>
-              <a:rPr lang="en-US" dirty="0"/>
-              <a:t>The origin of modern futures markets is the creation of the Chicago board of trade in 1848.</a:t>
-            </a:r>
-          </a:p>
-          <a:p>
-            <a:r>
-              <a:rPr lang="en-US" dirty="0"/>
-              <a:t>‘To-arrive’ contract</a:t>
-            </a:r>
-          </a:p>
-          <a:p>
-            <a:endParaRPr lang="en-US" dirty="0"/>
-          </a:p>
-        </p:txBody>
-      </p:sp>
-    </p:spTree>
-    <p:extLst>
-      <p:ext uri="{BB962C8B-B14F-4D97-AF65-F5344CB8AC3E}">
-        <p14:creationId xmlns:p14="http://schemas.microsoft.com/office/powerpoint/2010/main" val="810741622"/>
-      </p:ext>
-    </p:extLst>
-  </p:cSld>
-  <p:clrMapOvr>
-    <a:masterClrMapping/>
-  </p:clrMapOvr>
-</p:sld>
-</file>
-
-<file path=ppt/slides/slide54.xml><?xml version="1.0" encoding="utf-8"?>
-<p:sld xmlns:a="http://schemas.openxmlformats.org/drawingml/2006/main" xmlns:r="http://schemas.openxmlformats.org/officeDocument/2006/relationships" xmlns:p="http://schemas.openxmlformats.org/presentationml/2006/main">
-  <p:cSld>
-    <p:spTree>
-      <p:nvGrpSpPr>
-        <p:cNvPr id="1" name=""/>
-        <p:cNvGrpSpPr/>
-        <p:nvPr/>
-      </p:nvGrpSpPr>
-      <p:grpSpPr>
-        <a:xfrm>
-          <a:off x="0" y="0"/>
-          <a:ext cx="0" cy="0"/>
-          <a:chOff x="0" y="0"/>
-          <a:chExt cx="0" cy="0"/>
-        </a:xfrm>
-      </p:grpSpPr>
-      <p:sp>
-        <p:nvSpPr>
-          <p:cNvPr id="2" name="Title 1">
-            <a:extLst>
-              <a:ext uri="{FF2B5EF4-FFF2-40B4-BE49-F238E27FC236}">
-                <a16:creationId xmlns:a16="http://schemas.microsoft.com/office/drawing/2014/main" id="{594F1C53-E728-4CBB-B42E-401BAB534833}"/>
-              </a:ext>
-            </a:extLst>
-          </p:cNvPr>
-          <p:cNvSpPr>
-            <a:spLocks noGrp="1"/>
-          </p:cNvSpPr>
-          <p:nvPr>
-            <p:ph type="title"/>
-          </p:nvPr>
-        </p:nvSpPr>
-        <p:spPr/>
-        <p:txBody>
-          <a:bodyPr>
-            <a:normAutofit/>
-          </a:bodyPr>
-          <a:lstStyle/>
-          <a:p>
-            <a:r>
-              <a:rPr lang="en-US" sz="4000" dirty="0"/>
-              <a:t>The</a:t>
-            </a:r>
-            <a:r>
-              <a:rPr lang="zh-CN" altLang="en-US" sz="4000" dirty="0"/>
-              <a:t> </a:t>
-            </a:r>
-            <a:r>
-              <a:rPr lang="en-US" altLang="zh-CN" sz="4000" dirty="0"/>
-              <a:t>purposes</a:t>
-            </a:r>
-            <a:r>
-              <a:rPr lang="zh-CN" altLang="en-US" sz="4000" dirty="0"/>
-              <a:t> </a:t>
-            </a:r>
-            <a:r>
-              <a:rPr lang="en-US" altLang="zh-CN" sz="4000" dirty="0"/>
-              <a:t>and</a:t>
-            </a:r>
-            <a:r>
-              <a:rPr lang="zh-CN" altLang="en-US" sz="4000" dirty="0"/>
-              <a:t> </a:t>
-            </a:r>
-            <a:r>
-              <a:rPr lang="en-US" altLang="zh-CN" sz="4000" dirty="0"/>
-              <a:t>benefits</a:t>
-            </a:r>
-            <a:r>
-              <a:rPr lang="zh-CN" altLang="en-US" sz="4000" dirty="0"/>
-              <a:t> </a:t>
-            </a:r>
-            <a:r>
-              <a:rPr lang="en-US" altLang="zh-CN" sz="4000" dirty="0"/>
-              <a:t>of</a:t>
-            </a:r>
-            <a:r>
-              <a:rPr lang="zh-CN" altLang="en-US" sz="4000" dirty="0"/>
-              <a:t> </a:t>
-            </a:r>
-            <a:r>
-              <a:rPr lang="en-US" altLang="zh-CN" sz="4000" dirty="0"/>
-              <a:t>derivatives</a:t>
-            </a:r>
-            <a:endParaRPr lang="en-US" sz="4000" dirty="0"/>
-          </a:p>
-        </p:txBody>
-      </p:sp>
-      <p:sp>
-        <p:nvSpPr>
-          <p:cNvPr id="3" name="Content Placeholder 2">
-            <a:extLst>
-              <a:ext uri="{FF2B5EF4-FFF2-40B4-BE49-F238E27FC236}">
-                <a16:creationId xmlns:a16="http://schemas.microsoft.com/office/drawing/2014/main" id="{7A1D6DA6-953B-4B3D-BBAF-2BF3840CE174}"/>
-              </a:ext>
-            </a:extLst>
-          </p:cNvPr>
-          <p:cNvSpPr>
-            <a:spLocks noGrp="1"/>
-          </p:cNvSpPr>
-          <p:nvPr>
-            <p:ph idx="1"/>
-          </p:nvPr>
-        </p:nvSpPr>
-        <p:spPr/>
-        <p:txBody>
-          <a:bodyPr/>
-          <a:lstStyle/>
-          <a:p>
-            <a:r>
-              <a:rPr lang="en-US" dirty="0"/>
-              <a:t>Risk allocation , transfer , and management</a:t>
-            </a:r>
-          </a:p>
-          <a:p>
-            <a:r>
-              <a:rPr lang="en-US" dirty="0"/>
-              <a:t>Information discovery</a:t>
-            </a:r>
-          </a:p>
-          <a:p>
-            <a:r>
-              <a:rPr lang="en-US" dirty="0"/>
-              <a:t>Operational advantages</a:t>
-            </a:r>
-          </a:p>
-          <a:p>
-            <a:r>
-              <a:rPr lang="en-US" dirty="0"/>
-              <a:t>Market efficiency</a:t>
-            </a:r>
-          </a:p>
-          <a:p>
-            <a:endParaRPr lang="en-US" dirty="0"/>
-          </a:p>
-          <a:p>
-            <a:endParaRPr lang="en-US" dirty="0"/>
-          </a:p>
-        </p:txBody>
-      </p:sp>
-    </p:spTree>
-    <p:extLst>
-      <p:ext uri="{BB962C8B-B14F-4D97-AF65-F5344CB8AC3E}">
-        <p14:creationId xmlns:p14="http://schemas.microsoft.com/office/powerpoint/2010/main" val="1516918961"/>
-      </p:ext>
-    </p:extLst>
-  </p:cSld>
-  <p:clrMapOvr>
-    <a:masterClrMapping/>
-  </p:clrMapOvr>
-</p:sld>
-</file>
-
-<file path=ppt/slides/slide55.xml><?xml version="1.0" encoding="utf-8"?>
-<p:sld xmlns:a="http://schemas.openxmlformats.org/drawingml/2006/main" xmlns:r="http://schemas.openxmlformats.org/officeDocument/2006/relationships" xmlns:p="http://schemas.openxmlformats.org/presentationml/2006/main">
-  <p:cSld>
-    <p:spTree>
-      <p:nvGrpSpPr>
-        <p:cNvPr id="1" name=""/>
-        <p:cNvGrpSpPr/>
-        <p:nvPr/>
-      </p:nvGrpSpPr>
-      <p:grpSpPr>
-        <a:xfrm>
-          <a:off x="0" y="0"/>
-          <a:ext cx="0" cy="0"/>
-          <a:chOff x="0" y="0"/>
-          <a:chExt cx="0" cy="0"/>
-        </a:xfrm>
-      </p:grpSpPr>
-      <p:sp>
-        <p:nvSpPr>
-          <p:cNvPr id="2" name="Title 1">
-            <a:extLst>
-              <a:ext uri="{FF2B5EF4-FFF2-40B4-BE49-F238E27FC236}">
-                <a16:creationId xmlns:a16="http://schemas.microsoft.com/office/drawing/2014/main" id="{4615354A-E477-4616-83A2-BD4AC1206110}"/>
-              </a:ext>
-            </a:extLst>
-          </p:cNvPr>
-          <p:cNvSpPr>
-            <a:spLocks noGrp="1"/>
-          </p:cNvSpPr>
-          <p:nvPr>
-            <p:ph type="title"/>
-          </p:nvPr>
-        </p:nvSpPr>
-        <p:spPr/>
-        <p:txBody>
-          <a:bodyPr>
-            <a:normAutofit/>
-          </a:bodyPr>
-          <a:lstStyle/>
-          <a:p>
-            <a:r>
-              <a:rPr lang="en-US" sz="4000" dirty="0"/>
-              <a:t>Practices</a:t>
-            </a:r>
-          </a:p>
-        </p:txBody>
-      </p:sp>
-      <p:sp>
-        <p:nvSpPr>
-          <p:cNvPr id="3" name="Content Placeholder 2">
-            <a:extLst>
-              <a:ext uri="{FF2B5EF4-FFF2-40B4-BE49-F238E27FC236}">
-                <a16:creationId xmlns:a16="http://schemas.microsoft.com/office/drawing/2014/main" id="{E0C5A04C-3E9B-479A-BC64-0A200712E0E4}"/>
-              </a:ext>
-            </a:extLst>
-          </p:cNvPr>
-          <p:cNvSpPr>
-            <a:spLocks noGrp="1"/>
-          </p:cNvSpPr>
-          <p:nvPr>
-            <p:ph idx="1"/>
-          </p:nvPr>
-        </p:nvSpPr>
-        <p:spPr/>
-        <p:txBody>
-          <a:bodyPr>
-            <a:normAutofit/>
-          </a:bodyPr>
-          <a:lstStyle/>
-          <a:p>
-            <a:r>
-              <a:rPr lang="en-US" dirty="0"/>
-              <a:t>1.Which of the following is not an advantage of derivative markets?</a:t>
-            </a:r>
-          </a:p>
-          <a:p>
-            <a:pPr lvl="1"/>
-            <a:r>
-              <a:rPr lang="en-US" dirty="0"/>
-              <a:t>A They are less volatile than spot markets.</a:t>
-            </a:r>
-          </a:p>
-          <a:p>
-            <a:pPr lvl="1"/>
-            <a:r>
-              <a:rPr lang="en-US" dirty="0"/>
-              <a:t>B They facilitate the allocation of risk in the market.</a:t>
-            </a:r>
-          </a:p>
-          <a:p>
-            <a:pPr lvl="1"/>
-            <a:r>
-              <a:rPr lang="en-US" dirty="0"/>
-              <a:t>C They incur lower transaction costs than spot markets.</a:t>
-            </a:r>
-          </a:p>
-          <a:p>
-            <a:r>
-              <a:rPr lang="en-US" dirty="0"/>
-              <a:t>2.Which of the following pieces of information is not </a:t>
-            </a:r>
-            <a:r>
-              <a:rPr lang="en-US" dirty="0">
-                <a:solidFill>
-                  <a:srgbClr val="FF0000"/>
-                </a:solidFill>
-              </a:rPr>
-              <a:t>conveyed</a:t>
-            </a:r>
-            <a:r>
-              <a:rPr lang="en-US" dirty="0"/>
-              <a:t> by at least one type of derivative?</a:t>
-            </a:r>
-          </a:p>
-          <a:p>
-            <a:pPr lvl="1"/>
-            <a:r>
-              <a:rPr lang="en-US" dirty="0"/>
-              <a:t>A The volatility of the underlying</a:t>
-            </a:r>
-          </a:p>
-          <a:p>
-            <a:pPr lvl="1"/>
-            <a:r>
-              <a:rPr lang="en-US" dirty="0"/>
-              <a:t>B The most widely used strategy of the underlying</a:t>
-            </a:r>
-          </a:p>
-          <a:p>
-            <a:pPr lvl="1"/>
-            <a:r>
-              <a:rPr lang="en-US" dirty="0"/>
-              <a:t>C The price at which uncertainty in the underlying can be eliminated</a:t>
-            </a:r>
-          </a:p>
-        </p:txBody>
-      </p:sp>
-    </p:spTree>
-    <p:extLst>
-      <p:ext uri="{BB962C8B-B14F-4D97-AF65-F5344CB8AC3E}">
-        <p14:creationId xmlns:p14="http://schemas.microsoft.com/office/powerpoint/2010/main" val="679871349"/>
-      </p:ext>
-    </p:extLst>
-  </p:cSld>
-  <p:clrMapOvr>
-    <a:masterClrMapping/>
-  </p:clrMapOvr>
-</p:sld>
-</file>
-
-<file path=ppt/slides/slide56.xml><?xml version="1.0" encoding="utf-8"?>
-<p:sld xmlns:a="http://schemas.openxmlformats.org/drawingml/2006/main" xmlns:r="http://schemas.openxmlformats.org/officeDocument/2006/relationships" xmlns:p="http://schemas.openxmlformats.org/presentationml/2006/main">
-  <p:cSld>
-    <p:spTree>
-      <p:nvGrpSpPr>
-        <p:cNvPr id="1" name=""/>
-        <p:cNvGrpSpPr/>
-        <p:nvPr/>
-      </p:nvGrpSpPr>
-      <p:grpSpPr>
-        <a:xfrm>
-          <a:off x="0" y="0"/>
-          <a:ext cx="0" cy="0"/>
-          <a:chOff x="0" y="0"/>
-          <a:chExt cx="0" cy="0"/>
-        </a:xfrm>
-      </p:grpSpPr>
-      <p:sp>
-        <p:nvSpPr>
-          <p:cNvPr id="2" name="Title 1">
-            <a:extLst>
-              <a:ext uri="{FF2B5EF4-FFF2-40B4-BE49-F238E27FC236}">
-                <a16:creationId xmlns:a16="http://schemas.microsoft.com/office/drawing/2014/main" id="{6A4E77FE-41FA-4F07-9556-77EA5BAC14A6}"/>
-              </a:ext>
-            </a:extLst>
-          </p:cNvPr>
-          <p:cNvSpPr>
-            <a:spLocks noGrp="1"/>
-          </p:cNvSpPr>
-          <p:nvPr>
-            <p:ph type="title"/>
-          </p:nvPr>
-        </p:nvSpPr>
-        <p:spPr/>
-        <p:txBody>
-          <a:bodyPr>
-            <a:normAutofit/>
-          </a:bodyPr>
-          <a:lstStyle/>
-          <a:p>
-            <a:r>
-              <a:rPr lang="en-US" sz="4000" dirty="0"/>
-              <a:t>Criticisms and misuses of derivatives</a:t>
-            </a:r>
-            <a:br>
-              <a:rPr lang="en-US" sz="4000" dirty="0"/>
-            </a:br>
-            <a:r>
-              <a:rPr lang="en-US" sz="4000" dirty="0"/>
-              <a:t>S</a:t>
-            </a:r>
-            <a:r>
-              <a:rPr lang="en-US" altLang="zh-CN" sz="4000" dirty="0"/>
-              <a:t>peculation and gambling</a:t>
-            </a:r>
-            <a:endParaRPr lang="en-US" sz="4000" dirty="0"/>
-          </a:p>
-        </p:txBody>
-      </p:sp>
-      <p:sp>
-        <p:nvSpPr>
-          <p:cNvPr id="3" name="Content Placeholder 2">
-            <a:extLst>
-              <a:ext uri="{FF2B5EF4-FFF2-40B4-BE49-F238E27FC236}">
-                <a16:creationId xmlns:a16="http://schemas.microsoft.com/office/drawing/2014/main" id="{362F09A5-A3CB-4782-B9F6-D1BE6C31A73F}"/>
-              </a:ext>
-            </a:extLst>
-          </p:cNvPr>
-          <p:cNvSpPr>
-            <a:spLocks noGrp="1"/>
-          </p:cNvSpPr>
-          <p:nvPr>
-            <p:ph idx="1"/>
-          </p:nvPr>
-        </p:nvSpPr>
-        <p:spPr/>
-        <p:txBody>
-          <a:bodyPr/>
-          <a:lstStyle/>
-          <a:p>
-            <a:r>
-              <a:rPr lang="en-US" dirty="0"/>
-              <a:t>Speculators are often thought to be </a:t>
-            </a:r>
-            <a:r>
-              <a:rPr lang="en-US" dirty="0">
-                <a:solidFill>
-                  <a:srgbClr val="FF0000"/>
-                </a:solidFill>
-              </a:rPr>
-              <a:t>short- term traders </a:t>
-            </a:r>
-            <a:r>
-              <a:rPr lang="en-US" dirty="0"/>
-              <a:t>who attempt to exploit temporary inefficiencies.</a:t>
-            </a:r>
-          </a:p>
-          <a:p>
-            <a:r>
-              <a:rPr lang="en-US" dirty="0"/>
-              <a:t>Speculators are thought to engage in </a:t>
-            </a:r>
-            <a:r>
-              <a:rPr lang="en-US" dirty="0">
-                <a:solidFill>
-                  <a:srgbClr val="FF0000"/>
-                </a:solidFill>
-              </a:rPr>
-              <a:t>price manipulation </a:t>
-            </a:r>
-            <a:r>
-              <a:rPr lang="en-US" dirty="0"/>
-              <a:t>and to trade at extreme prices.</a:t>
-            </a:r>
-          </a:p>
-          <a:p>
-            <a:r>
-              <a:rPr lang="en-US" dirty="0"/>
-              <a:t>The profits from short- term trading are almost always taxed </a:t>
-            </a:r>
-            <a:r>
-              <a:rPr lang="en-US" dirty="0">
-                <a:solidFill>
-                  <a:srgbClr val="FF0000"/>
-                </a:solidFill>
-              </a:rPr>
-              <a:t>more heavily </a:t>
-            </a:r>
-            <a:r>
-              <a:rPr lang="en-US" dirty="0"/>
-              <a:t>than the profits from long- term trading.</a:t>
-            </a:r>
-          </a:p>
-          <a:p>
-            <a:endParaRPr lang="en-US" dirty="0"/>
-          </a:p>
-        </p:txBody>
-      </p:sp>
-    </p:spTree>
-    <p:extLst>
-      <p:ext uri="{BB962C8B-B14F-4D97-AF65-F5344CB8AC3E}">
-        <p14:creationId xmlns:p14="http://schemas.microsoft.com/office/powerpoint/2010/main" val="133782581"/>
-      </p:ext>
-    </p:extLst>
-  </p:cSld>
-  <p:clrMapOvr>
-    <a:masterClrMapping/>
-  </p:clrMapOvr>
-</p:sld>
-</file>
-
-<file path=ppt/slides/slide57.xml><?xml version="1.0" encoding="utf-8"?>
-<p:sld xmlns:a="http://schemas.openxmlformats.org/drawingml/2006/main" xmlns:r="http://schemas.openxmlformats.org/officeDocument/2006/relationships" xmlns:p="http://schemas.openxmlformats.org/presentationml/2006/main">
-  <p:cSld>
-    <p:spTree>
-      <p:nvGrpSpPr>
-        <p:cNvPr id="1" name=""/>
-        <p:cNvGrpSpPr/>
-        <p:nvPr/>
-      </p:nvGrpSpPr>
-      <p:grpSpPr>
-        <a:xfrm>
-          <a:off x="0" y="0"/>
-          <a:ext cx="0" cy="0"/>
-          <a:chOff x="0" y="0"/>
-          <a:chExt cx="0" cy="0"/>
-        </a:xfrm>
-      </p:grpSpPr>
-      <p:sp>
-        <p:nvSpPr>
-          <p:cNvPr id="2" name="Title 1">
-            <a:extLst>
-              <a:ext uri="{FF2B5EF4-FFF2-40B4-BE49-F238E27FC236}">
-                <a16:creationId xmlns:a16="http://schemas.microsoft.com/office/drawing/2014/main" id="{E482C202-64F2-44D8-9E40-0887E8F7325A}"/>
-              </a:ext>
-            </a:extLst>
-          </p:cNvPr>
-          <p:cNvSpPr>
-            <a:spLocks noGrp="1"/>
-          </p:cNvSpPr>
-          <p:nvPr>
-            <p:ph type="title"/>
-          </p:nvPr>
-        </p:nvSpPr>
-        <p:spPr/>
-        <p:txBody>
-          <a:bodyPr>
-            <a:normAutofit/>
-          </a:bodyPr>
-          <a:lstStyle/>
-          <a:p>
-            <a:r>
-              <a:rPr lang="en-US" sz="4000" dirty="0"/>
-              <a:t>Criticisms and misuses of derivatives</a:t>
-            </a:r>
-            <a:br>
-              <a:rPr lang="en-US" sz="4000" dirty="0"/>
-            </a:br>
-            <a:r>
-              <a:rPr lang="en-US" sz="4000" dirty="0"/>
-              <a:t>Destabilization and Systemic Risk</a:t>
-            </a:r>
-          </a:p>
-        </p:txBody>
-      </p:sp>
-      <p:sp>
-        <p:nvSpPr>
-          <p:cNvPr id="3" name="Content Placeholder 2">
-            <a:extLst>
-              <a:ext uri="{FF2B5EF4-FFF2-40B4-BE49-F238E27FC236}">
-                <a16:creationId xmlns:a16="http://schemas.microsoft.com/office/drawing/2014/main" id="{00AFAD99-D187-4A05-BD57-E28833651C75}"/>
-              </a:ext>
-            </a:extLst>
-          </p:cNvPr>
-          <p:cNvSpPr>
-            <a:spLocks noGrp="1"/>
-          </p:cNvSpPr>
-          <p:nvPr>
-            <p:ph idx="1"/>
-          </p:nvPr>
-        </p:nvSpPr>
-        <p:spPr/>
-        <p:txBody>
-          <a:bodyPr>
-            <a:normAutofit fontScale="92500"/>
-          </a:bodyPr>
-          <a:lstStyle/>
-          <a:p>
-            <a:r>
-              <a:rPr lang="en-US" dirty="0"/>
-              <a:t>Defaults by speculators can then lead to defaults by their creditors, their creditors’ creditors, and so on. These effects can, therefore, be systemic and reflect an epidemic </a:t>
-            </a:r>
-            <a:r>
-              <a:rPr lang="en-US" dirty="0">
-                <a:solidFill>
-                  <a:srgbClr val="FF0000"/>
-                </a:solidFill>
-              </a:rPr>
-              <a:t>contagion</a:t>
-            </a:r>
-            <a:r>
-              <a:rPr lang="en-US" dirty="0"/>
-              <a:t> whereby instability can spread throughout markets and an economy, if not the entire world.</a:t>
-            </a:r>
-          </a:p>
-          <a:p>
-            <a:r>
-              <a:rPr lang="en-US" dirty="0"/>
-              <a:t>Such effects occurred in the </a:t>
-            </a:r>
-            <a:r>
-              <a:rPr lang="en-US" dirty="0">
-                <a:solidFill>
-                  <a:srgbClr val="FF0000"/>
-                </a:solidFill>
-              </a:rPr>
-              <a:t>Long- Term Capital Management </a:t>
-            </a:r>
-            <a:r>
-              <a:rPr lang="en-US" dirty="0"/>
-              <a:t>fiasco of 1998 and again in the financial crisis of 2008, in which derivatives, particularly credit default swaps, were widely used by many of the problem entities.</a:t>
-            </a:r>
-          </a:p>
-          <a:p>
-            <a:r>
-              <a:rPr lang="en-US" dirty="0"/>
-              <a:t>Some of these events </a:t>
-            </a:r>
-            <a:r>
-              <a:rPr lang="en-US" dirty="0">
-                <a:solidFill>
-                  <a:srgbClr val="FF0000"/>
-                </a:solidFill>
-              </a:rPr>
-              <a:t>preceded</a:t>
-            </a:r>
-            <a:r>
-              <a:rPr lang="en-US" dirty="0"/>
-              <a:t> the era of modern derivatives markets, and others were completely </a:t>
-            </a:r>
-            <a:r>
-              <a:rPr lang="en-US" dirty="0">
-                <a:solidFill>
-                  <a:srgbClr val="FF0000"/>
-                </a:solidFill>
-              </a:rPr>
-              <a:t>unrelated</a:t>
-            </a:r>
-            <a:r>
-              <a:rPr lang="en-US" dirty="0"/>
-              <a:t> to the use of derivatives.</a:t>
-            </a:r>
-          </a:p>
-          <a:p>
-            <a:r>
-              <a:rPr lang="en-US" dirty="0"/>
-              <a:t>Another criticism of derivatives is simply their </a:t>
-            </a:r>
-            <a:r>
-              <a:rPr lang="en-US" dirty="0">
-                <a:solidFill>
-                  <a:srgbClr val="FF0000"/>
-                </a:solidFill>
-              </a:rPr>
-              <a:t>complexity</a:t>
-            </a:r>
-            <a:r>
-              <a:rPr lang="en-US" dirty="0"/>
-              <a:t>.</a:t>
-            </a:r>
-          </a:p>
-          <a:p>
-            <a:r>
-              <a:rPr lang="en-US" dirty="0"/>
-              <a:t>One explanation probably lies in the fact that scientists create models of markets by using scientific principles that </a:t>
-            </a:r>
-            <a:r>
-              <a:rPr lang="en-US" dirty="0">
-                <a:solidFill>
-                  <a:srgbClr val="FF0000"/>
-                </a:solidFill>
-              </a:rPr>
-              <a:t>often fail</a:t>
-            </a:r>
-            <a:r>
-              <a:rPr lang="en-US" dirty="0"/>
-              <a:t>.</a:t>
-            </a:r>
-          </a:p>
-        </p:txBody>
-      </p:sp>
-    </p:spTree>
-    <p:extLst>
-      <p:ext uri="{BB962C8B-B14F-4D97-AF65-F5344CB8AC3E}">
-        <p14:creationId xmlns:p14="http://schemas.microsoft.com/office/powerpoint/2010/main" val="1948992878"/>
-      </p:ext>
-    </p:extLst>
-  </p:cSld>
-  <p:clrMapOvr>
-    <a:masterClrMapping/>
-  </p:clrMapOvr>
-</p:sld>
-</file>
-
-<file path=ppt/slides/slide58.xml><?xml version="1.0" encoding="utf-8"?>
-<p:sld xmlns:a="http://schemas.openxmlformats.org/drawingml/2006/main" xmlns:r="http://schemas.openxmlformats.org/officeDocument/2006/relationships" xmlns:p="http://schemas.openxmlformats.org/presentationml/2006/main">
-  <p:cSld>
-    <p:spTree>
-      <p:nvGrpSpPr>
-        <p:cNvPr id="1" name=""/>
-        <p:cNvGrpSpPr/>
-        <p:nvPr/>
-      </p:nvGrpSpPr>
-      <p:grpSpPr>
-        <a:xfrm>
-          <a:off x="0" y="0"/>
-          <a:ext cx="0" cy="0"/>
-          <a:chOff x="0" y="0"/>
-          <a:chExt cx="0" cy="0"/>
-        </a:xfrm>
-      </p:grpSpPr>
-      <p:sp>
-        <p:nvSpPr>
-          <p:cNvPr id="2" name="Title 1">
-            <a:extLst>
-              <a:ext uri="{FF2B5EF4-FFF2-40B4-BE49-F238E27FC236}">
-                <a16:creationId xmlns:a16="http://schemas.microsoft.com/office/drawing/2014/main" id="{553F70E7-AA33-42A6-BC63-F08FC8453BD7}"/>
-              </a:ext>
-            </a:extLst>
-          </p:cNvPr>
-          <p:cNvSpPr>
-            <a:spLocks noGrp="1"/>
-          </p:cNvSpPr>
-          <p:nvPr>
-            <p:ph type="title"/>
-          </p:nvPr>
-        </p:nvSpPr>
-        <p:spPr/>
-        <p:txBody>
-          <a:bodyPr>
-            <a:normAutofit/>
-          </a:bodyPr>
-          <a:lstStyle/>
-          <a:p>
-            <a:r>
-              <a:rPr lang="en-US" sz="4000" dirty="0"/>
-              <a:t>Practices</a:t>
-            </a:r>
-          </a:p>
-        </p:txBody>
-      </p:sp>
-      <p:sp>
-        <p:nvSpPr>
-          <p:cNvPr id="3" name="Content Placeholder 2">
-            <a:extLst>
-              <a:ext uri="{FF2B5EF4-FFF2-40B4-BE49-F238E27FC236}">
-                <a16:creationId xmlns:a16="http://schemas.microsoft.com/office/drawing/2014/main" id="{ADDE3541-C827-46E6-AD4A-E75F304EA34D}"/>
-              </a:ext>
-            </a:extLst>
-          </p:cNvPr>
-          <p:cNvSpPr>
-            <a:spLocks noGrp="1"/>
-          </p:cNvSpPr>
-          <p:nvPr>
-            <p:ph idx="1"/>
-          </p:nvPr>
-        </p:nvSpPr>
-        <p:spPr/>
-        <p:txBody>
-          <a:bodyPr/>
-          <a:lstStyle/>
-          <a:p>
-            <a:r>
-              <a:rPr lang="en-US" dirty="0"/>
-              <a:t>1.Which of the following responds to the criticism that derivatives can be destabilizing to the underlying market?</a:t>
-            </a:r>
-          </a:p>
-          <a:p>
-            <a:pPr lvl="1"/>
-            <a:r>
-              <a:rPr lang="en-US" dirty="0"/>
-              <a:t>A Market crashes and panics have occurred since long before derivatives existed.</a:t>
-            </a:r>
-          </a:p>
-          <a:p>
-            <a:pPr lvl="1"/>
-            <a:r>
-              <a:rPr lang="en-US" dirty="0"/>
-              <a:t>B Derivatives are sufficiently regulated that they cannot destabilize the spot market.</a:t>
-            </a:r>
-          </a:p>
-          <a:p>
-            <a:pPr lvl="1"/>
-            <a:r>
-              <a:rPr lang="en-US" dirty="0"/>
-              <a:t>C The transaction costs of derivatives are high enough to keep their use at a minimum level.</a:t>
-            </a:r>
-          </a:p>
-        </p:txBody>
-      </p:sp>
-    </p:spTree>
-    <p:extLst>
-      <p:ext uri="{BB962C8B-B14F-4D97-AF65-F5344CB8AC3E}">
-        <p14:creationId xmlns:p14="http://schemas.microsoft.com/office/powerpoint/2010/main" val="425420384"/>
-      </p:ext>
-    </p:extLst>
-  </p:cSld>
-  <p:clrMapOvr>
-    <a:masterClrMapping/>
-  </p:clrMapOvr>
-</p:sld>
-</file>
-
-<file path=ppt/slides/slide59.xml><?xml version="1.0" encoding="utf-8"?>
+<file path=ppt/slides/slide60.xml><?xml version="1.0" encoding="utf-8"?>
 <p:sld xmlns:a="http://schemas.openxmlformats.org/drawingml/2006/main" xmlns:r="http://schemas.openxmlformats.org/officeDocument/2006/relationships" xmlns:p="http://schemas.openxmlformats.org/presentationml/2006/main">
   <p:cSld>
     <p:spTree>
@@ -36273,233 +36514,7 @@
 </p:sld>
 </file>
 
-<file path=ppt/slides/slide6.xml><?xml version="1.0" encoding="utf-8"?>
-<p:sld xmlns:a="http://schemas.openxmlformats.org/drawingml/2006/main" xmlns:r="http://schemas.openxmlformats.org/officeDocument/2006/relationships" xmlns:p="http://schemas.openxmlformats.org/presentationml/2006/main">
-  <p:cSld>
-    <p:spTree>
-      <p:nvGrpSpPr>
-        <p:cNvPr id="1" name=""/>
-        <p:cNvGrpSpPr/>
-        <p:nvPr/>
-      </p:nvGrpSpPr>
-      <p:grpSpPr>
-        <a:xfrm>
-          <a:off x="0" y="0"/>
-          <a:ext cx="0" cy="0"/>
-          <a:chOff x="0" y="0"/>
-          <a:chExt cx="0" cy="0"/>
-        </a:xfrm>
-      </p:grpSpPr>
-      <p:sp>
-        <p:nvSpPr>
-          <p:cNvPr id="2" name="Title 1">
-            <a:extLst>
-              <a:ext uri="{FF2B5EF4-FFF2-40B4-BE49-F238E27FC236}">
-                <a16:creationId xmlns:a16="http://schemas.microsoft.com/office/drawing/2014/main" id="{37A28ABC-AE65-40D1-9D5C-6852A806CACA}"/>
-              </a:ext>
-            </a:extLst>
-          </p:cNvPr>
-          <p:cNvSpPr>
-            <a:spLocks noGrp="1"/>
-          </p:cNvSpPr>
-          <p:nvPr>
-            <p:ph type="title"/>
-          </p:nvPr>
-        </p:nvSpPr>
-        <p:spPr/>
-        <p:txBody>
-          <a:bodyPr>
-            <a:normAutofit/>
-          </a:bodyPr>
-          <a:lstStyle/>
-          <a:p>
-            <a:r>
-              <a:rPr lang="en-US" sz="4000" dirty="0"/>
-              <a:t>Forward Contracts</a:t>
-            </a:r>
-          </a:p>
-        </p:txBody>
-      </p:sp>
-      <p:sp>
-        <p:nvSpPr>
-          <p:cNvPr id="3" name="Content Placeholder 2">
-            <a:extLst>
-              <a:ext uri="{FF2B5EF4-FFF2-40B4-BE49-F238E27FC236}">
-                <a16:creationId xmlns:a16="http://schemas.microsoft.com/office/drawing/2014/main" id="{D22A806C-F69B-4DED-9FC2-EB92BEFA3A94}"/>
-              </a:ext>
-            </a:extLst>
-          </p:cNvPr>
-          <p:cNvSpPr>
-            <a:spLocks noGrp="1"/>
-          </p:cNvSpPr>
-          <p:nvPr>
-            <p:ph idx="1"/>
-          </p:nvPr>
-        </p:nvSpPr>
-        <p:spPr/>
-        <p:txBody>
-          <a:bodyPr>
-            <a:normAutofit/>
-          </a:bodyPr>
-          <a:lstStyle/>
-          <a:p>
-            <a:r>
-              <a:rPr lang="en-US" dirty="0"/>
-              <a:t>Characteristics:</a:t>
-            </a:r>
-          </a:p>
-          <a:p>
-            <a:pPr lvl="1"/>
-            <a:r>
-              <a:rPr lang="en-US" dirty="0"/>
-              <a:t>An important element of forward contracts is that </a:t>
-            </a:r>
-            <a:r>
-              <a:rPr lang="en-US" dirty="0">
-                <a:solidFill>
-                  <a:srgbClr val="FF0000"/>
-                </a:solidFill>
-              </a:rPr>
-              <a:t>no money changes </a:t>
-            </a:r>
-            <a:r>
-              <a:rPr lang="en-US" dirty="0"/>
-              <a:t>hands between parties when the contract is initiated.  </a:t>
-            </a:r>
-          </a:p>
-          <a:p>
-            <a:pPr lvl="1"/>
-            <a:r>
-              <a:rPr lang="en-US" altLang="zh-CN" dirty="0"/>
-              <a:t>Forward contracts have </a:t>
-            </a:r>
-            <a:r>
-              <a:rPr lang="en-US" altLang="zh-CN" dirty="0">
-                <a:solidFill>
-                  <a:srgbClr val="FF0000"/>
-                </a:solidFill>
-              </a:rPr>
-              <a:t>zero value at the start</a:t>
-            </a:r>
-            <a:r>
-              <a:rPr lang="en-US" altLang="zh-CN" dirty="0"/>
-              <a:t>.</a:t>
-            </a:r>
-            <a:endParaRPr lang="en-US" dirty="0"/>
-          </a:p>
-          <a:p>
-            <a:pPr lvl="1"/>
-            <a:r>
-              <a:rPr lang="en-US" dirty="0"/>
-              <a:t>The long and the short are engaged in a </a:t>
-            </a:r>
-            <a:r>
-              <a:rPr lang="en-US" dirty="0">
-                <a:solidFill>
-                  <a:srgbClr val="FF0000"/>
-                </a:solidFill>
-              </a:rPr>
-              <a:t>zero- sum game</a:t>
-            </a:r>
-            <a:r>
-              <a:rPr lang="en-US" dirty="0"/>
-              <a:t>, which is a type of competition in which one participant’s gains are the other’s losses. </a:t>
-            </a:r>
-          </a:p>
-          <a:p>
-            <a:pPr lvl="1"/>
-            <a:r>
-              <a:rPr lang="en-US" dirty="0"/>
-              <a:t>Forward contracts need not specifically settle by delivery of the underlying asset. They can settle by </a:t>
-            </a:r>
-            <a:r>
-              <a:rPr lang="en-US" dirty="0">
-                <a:solidFill>
-                  <a:srgbClr val="FF0000"/>
-                </a:solidFill>
-              </a:rPr>
-              <a:t>an exchange of cash</a:t>
-            </a:r>
-            <a:r>
-              <a:rPr lang="en-US" dirty="0"/>
-              <a:t>. These contracts—called </a:t>
-            </a:r>
-            <a:r>
-              <a:rPr lang="en-US" b="1" dirty="0"/>
-              <a:t>non- deliverable forwards </a:t>
-            </a:r>
-            <a:r>
-              <a:rPr lang="en-US" dirty="0"/>
-              <a:t>(NDFs), </a:t>
-            </a:r>
-            <a:r>
-              <a:rPr lang="en-US" b="1" dirty="0"/>
-              <a:t>cash- settled forwards</a:t>
-            </a:r>
-            <a:r>
-              <a:rPr lang="en-US" dirty="0"/>
-              <a:t>, or </a:t>
-            </a:r>
-            <a:r>
-              <a:rPr lang="en-US" b="1" dirty="0"/>
-              <a:t>contracts for differences.</a:t>
-            </a:r>
-          </a:p>
-          <a:p>
-            <a:pPr lvl="1"/>
-            <a:r>
-              <a:rPr lang="en-US" dirty="0"/>
-              <a:t>The primary purpose of derivatives is for </a:t>
-            </a:r>
-            <a:r>
-              <a:rPr lang="en-US" dirty="0">
-                <a:solidFill>
-                  <a:srgbClr val="FF0000"/>
-                </a:solidFill>
-              </a:rPr>
-              <a:t>risk management</a:t>
-            </a:r>
-            <a:r>
-              <a:rPr lang="en-US" dirty="0"/>
-              <a:t>.</a:t>
-            </a:r>
-            <a:endParaRPr lang="en-US" b="1" dirty="0"/>
-          </a:p>
-          <a:p>
-            <a:pPr lvl="1"/>
-            <a:r>
-              <a:rPr lang="en-US" dirty="0"/>
-              <a:t>As previously mentioned, forward contracts are </a:t>
-            </a:r>
-            <a:r>
-              <a:rPr lang="en-US" dirty="0">
-                <a:solidFill>
-                  <a:srgbClr val="FF0000"/>
-                </a:solidFill>
-              </a:rPr>
-              <a:t>OTC contracts</a:t>
-            </a:r>
-            <a:r>
-              <a:rPr lang="en-US" dirty="0"/>
-              <a:t>. There is no formal forward contract exchange.</a:t>
-            </a:r>
-          </a:p>
-        </p:txBody>
-      </p:sp>
-    </p:spTree>
-    <p:extLst>
-      <p:ext uri="{BB962C8B-B14F-4D97-AF65-F5344CB8AC3E}">
-        <p14:creationId xmlns:p14="http://schemas.microsoft.com/office/powerpoint/2010/main" val="807663133"/>
-      </p:ext>
-    </p:extLst>
-  </p:cSld>
-  <p:clrMapOvr>
-    <a:masterClrMapping/>
-  </p:clrMapOvr>
-</p:sld>
-</file>
-
-<file path=ppt/slides/slide60.xml><?xml version="1.0" encoding="utf-8"?>
+<file path=ppt/slides/slide61.xml><?xml version="1.0" encoding="utf-8"?>
 <p:sld xmlns:a="http://schemas.openxmlformats.org/drawingml/2006/main" xmlns:r="http://schemas.openxmlformats.org/officeDocument/2006/relationships" xmlns:p="http://schemas.openxmlformats.org/presentationml/2006/main">
   <p:cSld>
     <p:spTree>
@@ -36596,7 +36611,7 @@
 </p:sld>
 </file>
 
-<file path=ppt/slides/slide61.xml><?xml version="1.0" encoding="utf-8"?>
+<file path=ppt/slides/slide62.xml><?xml version="1.0" encoding="utf-8"?>
 <p:sld xmlns:a="http://schemas.openxmlformats.org/drawingml/2006/main" xmlns:r="http://schemas.openxmlformats.org/officeDocument/2006/relationships" xmlns:p="http://schemas.openxmlformats.org/presentationml/2006/main">
   <p:cSld>
     <p:spTree>
@@ -36776,7 +36791,7 @@
 </p:sld>
 </file>
 
-<file path=ppt/slides/slide62.xml><?xml version="1.0" encoding="utf-8"?>
+<file path=ppt/slides/slide63.xml><?xml version="1.0" encoding="utf-8"?>
 <p:sld xmlns:a="http://schemas.openxmlformats.org/drawingml/2006/main" xmlns:r="http://schemas.openxmlformats.org/officeDocument/2006/relationships" xmlns:p="http://schemas.openxmlformats.org/presentationml/2006/main">
   <p:cSld>
     <p:spTree>
@@ -36864,7 +36879,7 @@
 </p:sld>
 </file>
 
-<file path=ppt/slides/slide63.xml><?xml version="1.0" encoding="utf-8"?>
+<file path=ppt/slides/slide64.xml><?xml version="1.0" encoding="utf-8"?>
 <p:sld xmlns:a="http://schemas.openxmlformats.org/drawingml/2006/main" xmlns:r="http://schemas.openxmlformats.org/officeDocument/2006/relationships" xmlns:p="http://schemas.openxmlformats.org/presentationml/2006/main">
   <p:cSld>
     <p:spTree>
@@ -36968,7 +36983,7 @@
 </p:sld>
 </file>
 
-<file path=ppt/slides/slide64.xml><?xml version="1.0" encoding="utf-8"?>
+<file path=ppt/slides/slide65.xml><?xml version="1.0" encoding="utf-8"?>
 <p:sld xmlns:a="http://schemas.openxmlformats.org/drawingml/2006/main" xmlns:r="http://schemas.openxmlformats.org/officeDocument/2006/relationships" xmlns:p="http://schemas.openxmlformats.org/presentationml/2006/main">
   <p:cSld>
     <p:spTree>
@@ -37075,7 +37090,7 @@
 </p:sld>
 </file>
 
-<file path=ppt/slides/slide65.xml><?xml version="1.0" encoding="utf-8"?>
+<file path=ppt/slides/slide66.xml><?xml version="1.0" encoding="utf-8"?>
 <p:sld xmlns:a="http://schemas.openxmlformats.org/drawingml/2006/main" xmlns:r="http://schemas.openxmlformats.org/officeDocument/2006/relationships" xmlns:p="http://schemas.openxmlformats.org/presentationml/2006/main">
   <p:cSld>
     <p:spTree>
@@ -37164,7 +37179,7 @@
 </p:sld>
 </file>
 
-<file path=ppt/slides/slide66.xml><?xml version="1.0" encoding="utf-8"?>
+<file path=ppt/slides/slide67.xml><?xml version="1.0" encoding="utf-8"?>
 <p:sld xmlns:a="http://schemas.openxmlformats.org/drawingml/2006/main" xmlns:r="http://schemas.openxmlformats.org/officeDocument/2006/relationships" xmlns:p="http://schemas.openxmlformats.org/presentationml/2006/main">
   <p:cSld>
     <p:spTree>
@@ -37302,7 +37317,7 @@
 </p:sld>
 </file>
 
-<file path=ppt/slides/slide67.xml><?xml version="1.0" encoding="utf-8"?>
+<file path=ppt/slides/slide68.xml><?xml version="1.0" encoding="utf-8"?>
 <p:sld xmlns:a="http://schemas.openxmlformats.org/drawingml/2006/main" xmlns:r="http://schemas.openxmlformats.org/officeDocument/2006/relationships" xmlns:p="http://schemas.openxmlformats.org/presentationml/2006/main">
   <p:cSld>
     <p:spTree>
@@ -37441,6 +37456,213 @@
 </file>
 
 <file path=ppt/slides/slide7.xml><?xml version="1.0" encoding="utf-8"?>
+<p:sld xmlns:a="http://schemas.openxmlformats.org/drawingml/2006/main" xmlns:r="http://schemas.openxmlformats.org/officeDocument/2006/relationships" xmlns:p="http://schemas.openxmlformats.org/presentationml/2006/main">
+  <p:cSld>
+    <p:spTree>
+      <p:nvGrpSpPr>
+        <p:cNvPr id="1" name=""/>
+        <p:cNvGrpSpPr/>
+        <p:nvPr/>
+      </p:nvGrpSpPr>
+      <p:grpSpPr>
+        <a:xfrm>
+          <a:off x="0" y="0"/>
+          <a:ext cx="0" cy="0"/>
+          <a:chOff x="0" y="0"/>
+          <a:chExt cx="0" cy="0"/>
+        </a:xfrm>
+      </p:grpSpPr>
+      <p:sp>
+        <p:nvSpPr>
+          <p:cNvPr id="2" name="Title 1">
+            <a:extLst>
+              <a:ext uri="{FF2B5EF4-FFF2-40B4-BE49-F238E27FC236}">
+                <a16:creationId xmlns:a16="http://schemas.microsoft.com/office/drawing/2014/main" id="{37A28ABC-AE65-40D1-9D5C-6852A806CACA}"/>
+              </a:ext>
+            </a:extLst>
+          </p:cNvPr>
+          <p:cNvSpPr>
+            <a:spLocks noGrp="1"/>
+          </p:cNvSpPr>
+          <p:nvPr>
+            <p:ph type="title"/>
+          </p:nvPr>
+        </p:nvSpPr>
+        <p:spPr/>
+        <p:txBody>
+          <a:bodyPr>
+            <a:normAutofit/>
+          </a:bodyPr>
+          <a:lstStyle/>
+          <a:p>
+            <a:r>
+              <a:rPr lang="en-US" sz="4000" dirty="0"/>
+              <a:t>Forward Contracts</a:t>
+            </a:r>
+          </a:p>
+        </p:txBody>
+      </p:sp>
+      <p:sp>
+        <p:nvSpPr>
+          <p:cNvPr id="3" name="Content Placeholder 2">
+            <a:extLst>
+              <a:ext uri="{FF2B5EF4-FFF2-40B4-BE49-F238E27FC236}">
+                <a16:creationId xmlns:a16="http://schemas.microsoft.com/office/drawing/2014/main" id="{D22A806C-F69B-4DED-9FC2-EB92BEFA3A94}"/>
+              </a:ext>
+            </a:extLst>
+          </p:cNvPr>
+          <p:cNvSpPr>
+            <a:spLocks noGrp="1"/>
+          </p:cNvSpPr>
+          <p:nvPr>
+            <p:ph idx="1"/>
+          </p:nvPr>
+        </p:nvSpPr>
+        <p:spPr/>
+        <p:txBody>
+          <a:bodyPr>
+            <a:noAutofit/>
+          </a:bodyPr>
+          <a:lstStyle/>
+          <a:p>
+            <a:r>
+              <a:rPr lang="en-US" sz="2000" dirty="0"/>
+              <a:t>Characteristics:</a:t>
+            </a:r>
+          </a:p>
+          <a:p>
+            <a:pPr lvl="1"/>
+            <a:r>
+              <a:rPr lang="en-US" sz="2000" dirty="0"/>
+              <a:t>An important element of forward contracts is that </a:t>
+            </a:r>
+            <a:r>
+              <a:rPr lang="en-US" sz="2000" dirty="0">
+                <a:solidFill>
+                  <a:srgbClr val="FF0000"/>
+                </a:solidFill>
+              </a:rPr>
+              <a:t>no money changes </a:t>
+            </a:r>
+            <a:r>
+              <a:rPr lang="en-US" sz="2000" dirty="0"/>
+              <a:t>hands between parties when the contract is initiated.  </a:t>
+            </a:r>
+          </a:p>
+          <a:p>
+            <a:pPr lvl="1"/>
+            <a:r>
+              <a:rPr lang="en-US" sz="2000" dirty="0"/>
+              <a:t>The long and the short are engaged in a </a:t>
+            </a:r>
+            <a:r>
+              <a:rPr lang="en-US" sz="2000" dirty="0">
+                <a:solidFill>
+                  <a:srgbClr val="FF0000"/>
+                </a:solidFill>
+              </a:rPr>
+              <a:t>zero- sum game</a:t>
+            </a:r>
+            <a:r>
+              <a:rPr lang="en-US" sz="2000" dirty="0"/>
+              <a:t>, which is a type of competition in which one participant’s gains are the other’s losses. </a:t>
+            </a:r>
+          </a:p>
+          <a:p>
+            <a:pPr lvl="1"/>
+            <a:r>
+              <a:rPr lang="en-US" altLang="zh-CN" sz="2000" dirty="0"/>
+              <a:t>Forward contracts have </a:t>
+            </a:r>
+            <a:r>
+              <a:rPr lang="en-US" altLang="zh-CN" sz="2000" dirty="0">
+                <a:solidFill>
+                  <a:srgbClr val="FF0000"/>
+                </a:solidFill>
+              </a:rPr>
+              <a:t>zero value at the start</a:t>
+            </a:r>
+            <a:r>
+              <a:rPr lang="en-US" altLang="zh-CN" sz="2000" dirty="0"/>
+              <a:t>.</a:t>
+            </a:r>
+            <a:endParaRPr lang="en-US" sz="2000" dirty="0"/>
+          </a:p>
+          <a:p>
+            <a:pPr lvl="1"/>
+            <a:r>
+              <a:rPr lang="en-US" sz="2000" dirty="0"/>
+              <a:t>Forward contracts need not specifically settle by delivery of the underlying asset. They can settle by </a:t>
+            </a:r>
+            <a:r>
+              <a:rPr lang="en-US" sz="2000" dirty="0">
+                <a:solidFill>
+                  <a:srgbClr val="FF0000"/>
+                </a:solidFill>
+              </a:rPr>
+              <a:t>an exchange of cash</a:t>
+            </a:r>
+            <a:r>
+              <a:rPr lang="en-US" sz="2000" dirty="0"/>
+              <a:t>. These contracts—called </a:t>
+            </a:r>
+            <a:r>
+              <a:rPr lang="en-US" sz="2000" b="1" dirty="0"/>
+              <a:t>non- deliverable forwards </a:t>
+            </a:r>
+            <a:r>
+              <a:rPr lang="en-US" sz="2000" dirty="0"/>
+              <a:t>(NDFs), </a:t>
+            </a:r>
+            <a:r>
+              <a:rPr lang="en-US" sz="2000" b="1" dirty="0"/>
+              <a:t>cash- settled forwards</a:t>
+            </a:r>
+            <a:r>
+              <a:rPr lang="en-US" sz="2000" dirty="0"/>
+              <a:t>, or </a:t>
+            </a:r>
+            <a:r>
+              <a:rPr lang="en-US" sz="2000" b="1" dirty="0"/>
+              <a:t>contracts for differences.</a:t>
+            </a:r>
+          </a:p>
+          <a:p>
+            <a:pPr lvl="1"/>
+            <a:r>
+              <a:rPr lang="en-US" sz="2000" dirty="0"/>
+              <a:t>The primary purpose of derivatives is for </a:t>
+            </a:r>
+            <a:r>
+              <a:rPr lang="en-US" sz="2000" dirty="0">
+                <a:solidFill>
+                  <a:srgbClr val="FF0000"/>
+                </a:solidFill>
+              </a:rPr>
+              <a:t>risk management</a:t>
+            </a:r>
+            <a:r>
+              <a:rPr lang="en-US" sz="2000" dirty="0"/>
+              <a:t>.</a:t>
+            </a:r>
+            <a:endParaRPr lang="en-US" sz="2000" b="1" dirty="0"/>
+          </a:p>
+        </p:txBody>
+      </p:sp>
+    </p:spTree>
+    <p:extLst>
+      <p:ext uri="{BB962C8B-B14F-4D97-AF65-F5344CB8AC3E}">
+        <p14:creationId xmlns:p14="http://schemas.microsoft.com/office/powerpoint/2010/main" val="807663133"/>
+      </p:ext>
+    </p:extLst>
+  </p:cSld>
+  <p:clrMapOvr>
+    <a:masterClrMapping/>
+  </p:clrMapOvr>
+</p:sld>
+</file>
+
+<file path=ppt/slides/slide8.xml><?xml version="1.0" encoding="utf-8"?>
 <p:sld xmlns:a="http://schemas.openxmlformats.org/drawingml/2006/main" xmlns:r="http://schemas.openxmlformats.org/officeDocument/2006/relationships" xmlns:p="http://schemas.openxmlformats.org/presentationml/2006/main">
   <p:cSld>
     <p:bg>
@@ -37494,17 +37716,17 @@
           <a:lstStyle/>
           <a:p>
             <a:r>
-              <a:rPr lang="en-US" altLang="zh-CN" dirty="0"/>
+              <a:rPr lang="en-US" altLang="zh-CN" sz="4000" dirty="0"/>
               <a:t>Forward Contracts</a:t>
             </a:r>
             <a:br>
-              <a:rPr lang="en-US" altLang="zh-CN" dirty="0"/>
+              <a:rPr lang="en-US" altLang="zh-CN" sz="4000" dirty="0"/>
             </a:br>
             <a:r>
-              <a:rPr lang="en-US" altLang="zh-CN" dirty="0"/>
+              <a:rPr lang="en-US" altLang="zh-CN" sz="4000" dirty="0"/>
               <a:t>example</a:t>
             </a:r>
-            <a:endParaRPr kumimoji="1" lang="zh-CN" altLang="en-US" dirty="0"/>
+            <a:endParaRPr kumimoji="1" lang="zh-CN" altLang="en-US" sz="4000" dirty="0"/>
           </a:p>
         </p:txBody>
       </p:sp>
@@ -37631,7 +37853,7 @@
 </p:sld>
 </file>
 
-<file path=ppt/slides/slide8.xml><?xml version="1.0" encoding="utf-8"?>
+<file path=ppt/slides/slide9.xml><?xml version="1.0" encoding="utf-8"?>
 <p:sld xmlns:a="http://schemas.openxmlformats.org/drawingml/2006/main" xmlns:r="http://schemas.openxmlformats.org/officeDocument/2006/relationships" xmlns:p="http://schemas.openxmlformats.org/presentationml/2006/main">
   <p:cSld>
     <p:spTree>
@@ -37714,149 +37936,6 @@
     <p:extLst>
       <p:ext uri="{BB962C8B-B14F-4D97-AF65-F5344CB8AC3E}">
         <p14:creationId xmlns:p14="http://schemas.microsoft.com/office/powerpoint/2010/main" val="1570357213"/>
-      </p:ext>
-    </p:extLst>
-  </p:cSld>
-  <p:clrMapOvr>
-    <a:masterClrMapping/>
-  </p:clrMapOvr>
-</p:sld>
-</file>
-
-<file path=ppt/slides/slide9.xml><?xml version="1.0" encoding="utf-8"?>
-<p:sld xmlns:a="http://schemas.openxmlformats.org/drawingml/2006/main" xmlns:r="http://schemas.openxmlformats.org/officeDocument/2006/relationships" xmlns:p="http://schemas.openxmlformats.org/presentationml/2006/main">
-  <p:cSld>
-    <p:spTree>
-      <p:nvGrpSpPr>
-        <p:cNvPr id="1" name=""/>
-        <p:cNvGrpSpPr/>
-        <p:nvPr/>
-      </p:nvGrpSpPr>
-      <p:grpSpPr>
-        <a:xfrm>
-          <a:off x="0" y="0"/>
-          <a:ext cx="0" cy="0"/>
-          <a:chOff x="0" y="0"/>
-          <a:chExt cx="0" cy="0"/>
-        </a:xfrm>
-      </p:grpSpPr>
-      <p:sp>
-        <p:nvSpPr>
-          <p:cNvPr id="2" name="Title 1">
-            <a:extLst>
-              <a:ext uri="{FF2B5EF4-FFF2-40B4-BE49-F238E27FC236}">
-                <a16:creationId xmlns:a16="http://schemas.microsoft.com/office/drawing/2014/main" id="{3B6DC5E5-B49D-4096-80C1-B8052495A474}"/>
-              </a:ext>
-            </a:extLst>
-          </p:cNvPr>
-          <p:cNvSpPr>
-            <a:spLocks noGrp="1"/>
-          </p:cNvSpPr>
-          <p:nvPr>
-            <p:ph type="title"/>
-          </p:nvPr>
-        </p:nvSpPr>
-        <p:spPr/>
-        <p:txBody>
-          <a:bodyPr>
-            <a:normAutofit/>
-          </a:bodyPr>
-          <a:lstStyle/>
-          <a:p>
-            <a:r>
-              <a:rPr lang="en-US" sz="4000" dirty="0"/>
-              <a:t>Futures Contracts</a:t>
-            </a:r>
-          </a:p>
-        </p:txBody>
-      </p:sp>
-      <p:sp>
-        <p:nvSpPr>
-          <p:cNvPr id="3" name="Content Placeholder 2">
-            <a:extLst>
-              <a:ext uri="{FF2B5EF4-FFF2-40B4-BE49-F238E27FC236}">
-                <a16:creationId xmlns:a16="http://schemas.microsoft.com/office/drawing/2014/main" id="{831B6362-3303-4415-9D10-C4E0904D67AF}"/>
-              </a:ext>
-            </a:extLst>
-          </p:cNvPr>
-          <p:cNvSpPr>
-            <a:spLocks noGrp="1"/>
-          </p:cNvSpPr>
-          <p:nvPr>
-            <p:ph idx="1"/>
-          </p:nvPr>
-        </p:nvSpPr>
-        <p:spPr/>
-        <p:txBody>
-          <a:bodyPr>
-            <a:normAutofit/>
-          </a:bodyPr>
-          <a:lstStyle/>
-          <a:p>
-            <a:r>
-              <a:rPr lang="en-US" sz="2800" dirty="0"/>
-              <a:t>Forward commitments</a:t>
-            </a:r>
-          </a:p>
-          <a:p>
-            <a:pPr lvl="1"/>
-            <a:r>
-              <a:rPr lang="en-US" sz="2800" dirty="0">
-                <a:solidFill>
-                  <a:schemeClr val="tx1"/>
-                </a:solidFill>
-              </a:rPr>
-              <a:t>Forward</a:t>
-            </a:r>
-          </a:p>
-          <a:p>
-            <a:pPr lvl="1"/>
-            <a:r>
-              <a:rPr lang="en-US" sz="2800" u="sng" dirty="0">
-                <a:solidFill>
-                  <a:srgbClr val="FF0000"/>
-                </a:solidFill>
-              </a:rPr>
-              <a:t>Futures</a:t>
-            </a:r>
-          </a:p>
-          <a:p>
-            <a:pPr lvl="1"/>
-            <a:r>
-              <a:rPr lang="en-US" sz="2800" dirty="0"/>
-              <a:t>Swap</a:t>
-            </a:r>
-          </a:p>
-          <a:p>
-            <a:r>
-              <a:rPr lang="en-US" sz="2800" dirty="0"/>
-              <a:t>Contingent claims</a:t>
-            </a:r>
-          </a:p>
-          <a:p>
-            <a:pPr lvl="1"/>
-            <a:r>
-              <a:rPr lang="en-US" sz="2800" dirty="0"/>
-              <a:t>Option</a:t>
-            </a:r>
-          </a:p>
-          <a:p>
-            <a:pPr lvl="1"/>
-            <a:r>
-              <a:rPr lang="en-US" sz="2800" dirty="0"/>
-              <a:t>Credit Derivatives</a:t>
-            </a:r>
-          </a:p>
-          <a:p>
-            <a:pPr lvl="1"/>
-            <a:endParaRPr lang="en-US" dirty="0"/>
-          </a:p>
-        </p:txBody>
-      </p:sp>
-    </p:spTree>
-    <p:extLst>
-      <p:ext uri="{BB962C8B-B14F-4D97-AF65-F5344CB8AC3E}">
-        <p14:creationId xmlns:p14="http://schemas.microsoft.com/office/powerpoint/2010/main" val="1800058910"/>
       </p:ext>
     </p:extLst>
   </p:cSld>

--- a/Derivatives.pptx
+++ b/Derivatives.pptx
@@ -14645,7 +14645,7 @@
             <a:fld id="{B61BEF0D-F0BB-DE4B-95CE-6DB70DBA9567}" type="datetimeFigureOut">
               <a:rPr lang="en-US" smtClean="0"/>
               <a:pPr/>
-              <a:t>6/28/2022</a:t>
+              <a:t>7/4/2022</a:t>
             </a:fld>
             <a:endParaRPr lang="en-US" dirty="0"/>
           </a:p>
@@ -14854,7 +14854,7 @@
             <a:fld id="{B61BEF0D-F0BB-DE4B-95CE-6DB70DBA9567}" type="datetimeFigureOut">
               <a:rPr lang="en-US" smtClean="0"/>
               <a:pPr/>
-              <a:t>6/28/2022</a:t>
+              <a:t>7/4/2022</a:t>
             </a:fld>
             <a:endParaRPr lang="en-US" dirty="0"/>
           </a:p>
@@ -15036,7 +15036,7 @@
             <a:fld id="{B61BEF0D-F0BB-DE4B-95CE-6DB70DBA9567}" type="datetimeFigureOut">
               <a:rPr lang="en-US" smtClean="0"/>
               <a:pPr/>
-              <a:t>6/28/2022</a:t>
+              <a:t>7/4/2022</a:t>
             </a:fld>
             <a:endParaRPr lang="en-US" dirty="0"/>
           </a:p>
@@ -15243,7 +15243,7 @@
             <a:fld id="{B61BEF0D-F0BB-DE4B-95CE-6DB70DBA9567}" type="datetimeFigureOut">
               <a:rPr lang="en-US" smtClean="0"/>
               <a:pPr/>
-              <a:t>6/28/2022</a:t>
+              <a:t>7/4/2022</a:t>
             </a:fld>
             <a:endParaRPr lang="en-US" dirty="0"/>
           </a:p>
@@ -24143,7 +24143,7 @@
             <a:fld id="{B61BEF0D-F0BB-DE4B-95CE-6DB70DBA9567}" type="datetimeFigureOut">
               <a:rPr lang="en-US" smtClean="0"/>
               <a:pPr/>
-              <a:t>6/28/2022</a:t>
+              <a:t>7/4/2022</a:t>
             </a:fld>
             <a:endParaRPr lang="en-US" dirty="0"/>
           </a:p>
@@ -24419,7 +24419,7 @@
             <a:fld id="{B61BEF0D-F0BB-DE4B-95CE-6DB70DBA9567}" type="datetimeFigureOut">
               <a:rPr lang="en-US" smtClean="0"/>
               <a:pPr/>
-              <a:t>6/28/2022</a:t>
+              <a:t>7/4/2022</a:t>
             </a:fld>
             <a:endParaRPr lang="en-US" dirty="0"/>
           </a:p>
@@ -24819,7 +24819,7 @@
             <a:fld id="{B61BEF0D-F0BB-DE4B-95CE-6DB70DBA9567}" type="datetimeFigureOut">
               <a:rPr lang="en-US" smtClean="0"/>
               <a:pPr/>
-              <a:t>6/28/2022</a:t>
+              <a:t>7/4/2022</a:t>
             </a:fld>
             <a:endParaRPr lang="en-US" dirty="0"/>
           </a:p>
@@ -24939,7 +24939,7 @@
             <a:fld id="{B61BEF0D-F0BB-DE4B-95CE-6DB70DBA9567}" type="datetimeFigureOut">
               <a:rPr lang="en-US" smtClean="0"/>
               <a:pPr/>
-              <a:t>6/28/2022</a:t>
+              <a:t>7/4/2022</a:t>
             </a:fld>
             <a:endParaRPr lang="en-US" dirty="0"/>
           </a:p>
@@ -25036,7 +25036,7 @@
             <a:fld id="{B61BEF0D-F0BB-DE4B-95CE-6DB70DBA9567}" type="datetimeFigureOut">
               <a:rPr lang="en-US" smtClean="0"/>
               <a:pPr/>
-              <a:t>6/28/2022</a:t>
+              <a:t>7/4/2022</a:t>
             </a:fld>
             <a:endParaRPr lang="en-US" dirty="0"/>
           </a:p>
@@ -25328,7 +25328,7 @@
             <a:fld id="{B61BEF0D-F0BB-DE4B-95CE-6DB70DBA9567}" type="datetimeFigureOut">
               <a:rPr lang="en-US" smtClean="0"/>
               <a:pPr/>
-              <a:t>6/28/2022</a:t>
+              <a:t>7/4/2022</a:t>
             </a:fld>
             <a:endParaRPr lang="en-US" dirty="0"/>
           </a:p>
@@ -25610,7 +25610,7 @@
             <a:fld id="{B61BEF0D-F0BB-DE4B-95CE-6DB70DBA9567}" type="datetimeFigureOut">
               <a:rPr lang="en-US" smtClean="0"/>
               <a:pPr/>
-              <a:t>6/28/2022</a:t>
+              <a:t>7/4/2022</a:t>
             </a:fld>
             <a:endParaRPr lang="en-US" dirty="0"/>
           </a:p>
@@ -25862,7 +25862,7 @@
             <a:fld id="{B61BEF0D-F0BB-DE4B-95CE-6DB70DBA9567}" type="datetimeFigureOut">
               <a:rPr lang="en-US" smtClean="0"/>
               <a:pPr/>
-              <a:t>6/28/2022</a:t>
+              <a:t>7/4/2022</a:t>
             </a:fld>
             <a:endParaRPr lang="en-US" dirty="0"/>
           </a:p>
@@ -26717,12 +26717,14 @@
         </p:nvSpPr>
         <p:spPr/>
         <p:txBody>
-          <a:bodyPr/>
+          <a:bodyPr>
+            <a:normAutofit/>
+          </a:bodyPr>
           <a:lstStyle/>
           <a:p>
             <a:r>
               <a:rPr lang="en-US" sz="2000" dirty="0"/>
-              <a:t>Definition: A futures contract is a </a:t>
+              <a:t>Definition: Futures contracts are forward contracts with </a:t>
             </a:r>
             <a:r>
               <a:rPr lang="en-US" sz="2000" dirty="0">
@@ -26734,7 +26736,13 @@
             </a:r>
             <a:r>
               <a:rPr lang="en-US" sz="2000" dirty="0"/>
-              <a:t> derivative contract created and traded on </a:t>
+              <a:t> sizes, dates, and underlying that trade on futures exchanges.</a:t>
+            </a:r>
+          </a:p>
+          <a:p>
+            <a:r>
+              <a:rPr lang="en-US" sz="2000" dirty="0"/>
+              <a:t>The futures contract buyer creates a long exposure to the underlying by agreeing to purchase the underlying at a later date at a pre-agreed price. The seller makes the opposite commitment. This agreed-on price is called the </a:t>
             </a:r>
             <a:r>
               <a:rPr lang="en-US" sz="2000" dirty="0">
@@ -26742,71 +26750,11 @@
                   <a:srgbClr val="FF0000"/>
                 </a:solidFill>
               </a:rPr>
-              <a:t>a futures exchange </a:t>
-            </a:r>
-            <a:r>
-              <a:rPr lang="en-US" sz="2000" dirty="0"/>
-              <a:t>in which </a:t>
-            </a:r>
-            <a:r>
-              <a:rPr lang="en-US" sz="2000" dirty="0">
-                <a:highlight>
-                  <a:srgbClr val="FFFF00"/>
-                </a:highlight>
-              </a:rPr>
-              <a:t>two parties agree that one party, the buyer, will purchase an underlying asset from the other party, the seller, at a later date and at a price agreed on by the two parties when the contract is initiated</a:t>
-            </a:r>
-            <a:r>
-              <a:rPr lang="en-US" sz="2000" dirty="0"/>
-              <a:t> and in which there </a:t>
-            </a:r>
-            <a:r>
-              <a:rPr lang="en-US" sz="2000" dirty="0">
-                <a:solidFill>
-                  <a:schemeClr val="tx1"/>
-                </a:solidFill>
-              </a:rPr>
-              <a:t>is</a:t>
-            </a:r>
-            <a:r>
-              <a:rPr lang="en-US" sz="2000" dirty="0">
-                <a:solidFill>
-                  <a:srgbClr val="FF0000"/>
-                </a:solidFill>
-              </a:rPr>
-              <a:t> </a:t>
-            </a:r>
-            <a:r>
-              <a:rPr lang="en-US" sz="2000" b="1" dirty="0">
-                <a:solidFill>
-                  <a:srgbClr val="FF0000"/>
-                </a:solidFill>
-              </a:rPr>
-              <a:t>a daily settling of gains and losses</a:t>
-            </a:r>
-            <a:r>
-              <a:rPr lang="en-US" sz="2000" b="1" dirty="0"/>
-              <a:t> </a:t>
-            </a:r>
-            <a:r>
-              <a:rPr lang="en-US" sz="2000" dirty="0"/>
-              <a:t>and </a:t>
-            </a:r>
-            <a:r>
-              <a:rPr lang="en-US" sz="2000" b="1" dirty="0">
-                <a:solidFill>
-                  <a:srgbClr val="FF0000"/>
-                </a:solidFill>
-              </a:rPr>
-              <a:t>a credit guarantee by the futures exchange through its clearinghouse</a:t>
-            </a:r>
-            <a:r>
-              <a:rPr lang="en-US" sz="2000" b="1" dirty="0"/>
-              <a:t>.</a:t>
-            </a:r>
-          </a:p>
-          <a:p>
-            <a:endParaRPr lang="en-US" dirty="0"/>
+              <a:t>futures price, f0(T).</a:t>
+            </a:r>
+          </a:p>
+          <a:p>
+            <a:endParaRPr lang="en-US" sz="2000" dirty="0"/>
           </a:p>
         </p:txBody>
       </p:sp>
@@ -26894,60 +26842,11 @@
           <a:lstStyle/>
           <a:p>
             <a:r>
-              <a:rPr lang="en-US" sz="1600" dirty="0"/>
-              <a:t>Futures contracts are specialized versions of forward contracts that have been </a:t>
-            </a:r>
-            <a:r>
-              <a:rPr lang="en-US" sz="1600" dirty="0">
-                <a:solidFill>
-                  <a:srgbClr val="FF0000"/>
-                </a:solidFill>
-              </a:rPr>
-              <a:t>standardized</a:t>
-            </a:r>
-            <a:r>
-              <a:rPr lang="en-US" sz="1600" dirty="0"/>
-              <a:t> and that trade on </a:t>
-            </a:r>
-            <a:r>
-              <a:rPr lang="en-US" sz="1600" dirty="0">
-                <a:solidFill>
-                  <a:srgbClr val="FF0000"/>
-                </a:solidFill>
-              </a:rPr>
-              <a:t>a futures exchange</a:t>
-            </a:r>
-            <a:r>
-              <a:rPr lang="en-US" sz="1600" dirty="0"/>
-              <a:t>.</a:t>
-            </a:r>
-          </a:p>
-          <a:p>
-            <a:r>
-              <a:rPr lang="en-US" dirty="0"/>
-              <a:t>Futures exchanges </a:t>
-            </a:r>
-            <a:r>
-              <a:rPr lang="en-US" dirty="0">
-                <a:solidFill>
-                  <a:srgbClr val="FF0000"/>
-                </a:solidFill>
-              </a:rPr>
-              <a:t>are highly regulated </a:t>
-            </a:r>
-            <a:r>
-              <a:rPr lang="en-US" dirty="0"/>
-              <a:t>at the national level in all countries.</a:t>
-            </a:r>
-            <a:endParaRPr lang="en-US" sz="1600" dirty="0"/>
-          </a:p>
-          <a:p>
-            <a:r>
-              <a:rPr lang="en-US" sz="1600" dirty="0"/>
+              <a:rPr lang="en-US" sz="2000" dirty="0"/>
               <a:t>Probably the most important distinctive characteristic of futures contracts is the </a:t>
             </a:r>
             <a:r>
-              <a:rPr lang="en-US" sz="1600" dirty="0">
+              <a:rPr lang="en-US" sz="2000" dirty="0">
                 <a:solidFill>
                   <a:srgbClr val="FF0000"/>
                 </a:solidFill>
@@ -26955,17 +26854,17 @@
               <a:t>daily settlement of gains and losses and the associated credit guarantee </a:t>
             </a:r>
             <a:r>
-              <a:rPr lang="en-US" sz="1600" dirty="0"/>
+              <a:rPr lang="en-US" sz="2000" dirty="0"/>
               <a:t>provided by the exchange through its clearinghouse.</a:t>
             </a:r>
           </a:p>
           <a:p>
             <a:r>
-              <a:rPr lang="en-US" sz="1600" dirty="0"/>
+              <a:rPr lang="en-US" sz="2000" dirty="0"/>
               <a:t>At the end of each day, the clearinghouse engages in a practice called </a:t>
             </a:r>
             <a:r>
-              <a:rPr lang="en-US" sz="1600" dirty="0">
+              <a:rPr lang="en-US" sz="2000" dirty="0">
                 <a:solidFill>
                   <a:srgbClr val="FF0000"/>
                 </a:solidFill>
@@ -26973,11 +26872,11 @@
               <a:t>mark to market</a:t>
             </a:r>
             <a:r>
-              <a:rPr lang="en-US" sz="1600" dirty="0"/>
+              <a:rPr lang="en-US" sz="2000" dirty="0"/>
               <a:t>, also known as the </a:t>
             </a:r>
             <a:r>
-              <a:rPr lang="en-US" sz="1600" dirty="0">
+              <a:rPr lang="en-US" sz="2000" dirty="0">
                 <a:solidFill>
                   <a:srgbClr val="FF0000"/>
                 </a:solidFill>
@@ -26985,7 +26884,7 @@
               <a:t>daily settlement</a:t>
             </a:r>
             <a:r>
-              <a:rPr lang="en-US" sz="1600" dirty="0"/>
+              <a:rPr lang="en-US" sz="2000" dirty="0"/>
               <a:t>.</a:t>
             </a:r>
           </a:p>
@@ -27014,23 +26913,31 @@
           <a:p>
             <a:pPr lvl="1"/>
             <a:r>
-              <a:rPr lang="en-US" dirty="0"/>
+              <a:rPr lang="en-US" sz="2000" dirty="0"/>
               <a:t>Initial margin</a:t>
             </a:r>
           </a:p>
           <a:p>
             <a:pPr lvl="1"/>
             <a:r>
-              <a:rPr lang="en-US" dirty="0"/>
+              <a:rPr lang="en-US" sz="2000" dirty="0"/>
               <a:t>Maintenance margin</a:t>
             </a:r>
           </a:p>
           <a:p>
             <a:pPr lvl="1"/>
             <a:r>
-              <a:rPr lang="en-US" dirty="0"/>
+              <a:rPr lang="en-US" sz="2000" dirty="0"/>
               <a:t>Margin call</a:t>
             </a:r>
+          </a:p>
+          <a:p>
+            <a:pPr lvl="1"/>
+            <a:r>
+              <a:rPr lang="en-US" altLang="zh-CN" sz="2000" dirty="0"/>
+              <a:t>Variation margin</a:t>
+            </a:r>
+            <a:endParaRPr lang="en-US" sz="2000" dirty="0"/>
           </a:p>
           <a:p>
             <a:endParaRPr lang="en-US" sz="1600" dirty="0"/>
@@ -27100,6 +27007,13 @@
               <a:rPr lang="en-US" sz="4000" dirty="0"/>
               <a:t>Futures Contracts</a:t>
             </a:r>
+            <a:br>
+              <a:rPr lang="en-US" sz="4000" dirty="0"/>
+            </a:br>
+            <a:r>
+              <a:rPr lang="en-US" sz="4000" dirty="0"/>
+              <a:t>example</a:t>
+            </a:r>
           </a:p>
         </p:txBody>
       </p:sp>
@@ -27121,7 +27035,7 @@
         </p:nvSpPr>
         <p:spPr>
           <a:xfrm>
-            <a:off x="677334" y="1714269"/>
+            <a:off x="692082" y="2084832"/>
             <a:ext cx="8596668" cy="3880773"/>
           </a:xfrm>
         </p:spPr>
@@ -27165,13 +27079,13 @@
           <p:nvPr>
             <p:extLst>
               <p:ext uri="{D42A27DB-BD31-4B8C-83A1-F6EECF244321}">
-                <p14:modId xmlns:p14="http://schemas.microsoft.com/office/powerpoint/2010/main" val="4175775852"/>
+                <p14:modId xmlns:p14="http://schemas.microsoft.com/office/powerpoint/2010/main" val="865086050"/>
               </p:ext>
             </p:extLst>
           </p:nvPr>
         </p:nvGraphicFramePr>
         <p:xfrm>
-          <a:off x="677334" y="2287124"/>
+          <a:off x="810069" y="2445413"/>
           <a:ext cx="8795280" cy="4412587"/>
         </p:xfrm>
         <a:graphic>
@@ -28025,51 +27939,32 @@
               <a:rPr lang="en-US" dirty="0"/>
               <a:t>.</a:t>
             </a:r>
+          </a:p>
+          <a:p>
+            <a:r>
+              <a:rPr lang="en-US" dirty="0"/>
+              <a:t>Futures exchanges </a:t>
+            </a:r>
+            <a:r>
+              <a:rPr lang="en-US" dirty="0">
+                <a:solidFill>
+                  <a:srgbClr val="FF0000"/>
+                </a:solidFill>
+              </a:rPr>
+              <a:t>are highly regulated </a:t>
+            </a:r>
+            <a:r>
+              <a:rPr lang="en-US" dirty="0"/>
+              <a:t>at the national level in all countries.</a:t>
+            </a:r>
+            <a:endParaRPr lang="en-US" sz="1600" dirty="0"/>
+          </a:p>
+          <a:p>
             <a:endParaRPr lang="en-US" dirty="0">
               <a:solidFill>
                 <a:srgbClr val="FF0000"/>
               </a:solidFill>
             </a:endParaRPr>
-          </a:p>
-          <a:p>
-            <a:r>
-              <a:rPr lang="en-US" dirty="0"/>
-              <a:t>Futures markets can be used for </a:t>
-            </a:r>
-            <a:r>
-              <a:rPr lang="en-US" dirty="0">
-                <a:solidFill>
-                  <a:srgbClr val="FF0000"/>
-                </a:solidFill>
-              </a:rPr>
-              <a:t>hedging or speculation.</a:t>
-            </a:r>
-          </a:p>
-          <a:p>
-            <a:r>
-              <a:rPr lang="en-US" dirty="0">
-                <a:solidFill>
-                  <a:schemeClr val="tx1"/>
-                </a:solidFill>
-              </a:rPr>
-              <a:t>This required margin is typically </a:t>
-            </a:r>
-            <a:r>
-              <a:rPr lang="en-US" dirty="0">
-                <a:solidFill>
-                  <a:srgbClr val="FF0000"/>
-                </a:solidFill>
-              </a:rPr>
-              <a:t>less than 10% </a:t>
-            </a:r>
-            <a:r>
-              <a:rPr lang="en-US" dirty="0">
-                <a:solidFill>
-                  <a:schemeClr val="tx1"/>
-                </a:solidFill>
-              </a:rPr>
-              <a:t>of the futures price, which is considerably less than in equity margin trading.</a:t>
-            </a:r>
           </a:p>
           <a:p>
             <a:endParaRPr lang="en-US" dirty="0"/>

--- a/Derivatives.pptx
+++ b/Derivatives.pptx
@@ -20,8 +20,8 @@
     <p:sldId id="273" r:id="rId14"/>
     <p:sldId id="272" r:id="rId15"/>
     <p:sldId id="267" r:id="rId16"/>
-    <p:sldId id="331" r:id="rId17"/>
-    <p:sldId id="268" r:id="rId18"/>
+    <p:sldId id="268" r:id="rId17"/>
+    <p:sldId id="331" r:id="rId18"/>
     <p:sldId id="317" r:id="rId19"/>
     <p:sldId id="269" r:id="rId20"/>
     <p:sldId id="274" r:id="rId21"/>
@@ -200,8 +200,8 @@
             <p14:sldId id="273"/>
             <p14:sldId id="272"/>
             <p14:sldId id="267"/>
+            <p14:sldId id="268"/>
             <p14:sldId id="331"/>
-            <p14:sldId id="268"/>
           </p14:sldIdLst>
         </p14:section>
         <p14:section name="Swap" id="{FE1267C5-CE94-4A19-B1E8-627CAFAF5F71}">
@@ -4879,8 +4879,32 @@
             </a:lnSpc>
           </a:pPr>
           <a:r>
-            <a:rPr lang="en-US"/>
-            <a:t>Probably the most important distinctive characteristic of futures contracts is the daily settlement of gains and losses and the associated credit guarantee provided by the exchange through its clearinghouse.</a:t>
+            <a:rPr lang="en-US" dirty="0"/>
+            <a:t>Probably the most important distinctive characteristic of futures contracts is the </a:t>
+          </a:r>
+          <a:r>
+            <a:rPr lang="en-US" dirty="0">
+              <a:solidFill>
+                <a:srgbClr val="FF0000"/>
+              </a:solidFill>
+            </a:rPr>
+            <a:t>daily settlement </a:t>
+          </a:r>
+          <a:r>
+            <a:rPr lang="en-US" dirty="0"/>
+            <a:t>of gains and losses and the associated </a:t>
+          </a:r>
+          <a:r>
+            <a:rPr lang="en-US" dirty="0">
+              <a:solidFill>
+                <a:srgbClr val="FF0000"/>
+              </a:solidFill>
+            </a:rPr>
+            <a:t>credit guarantee </a:t>
+          </a:r>
+          <a:r>
+            <a:rPr lang="en-US" dirty="0"/>
+            <a:t>provided by the exchange through its clearinghouse.</a:t>
           </a:r>
         </a:p>
       </dgm:t>
@@ -4920,8 +4944,32 @@
             </a:lnSpc>
           </a:pPr>
           <a:r>
-            <a:rPr lang="en-US"/>
-            <a:t>At the end of each day, the clearinghouse engages in a practice called mark to market, also known as the daily settlement.</a:t>
+            <a:rPr lang="en-US" dirty="0"/>
+            <a:t>At the end of each day, the clearinghouse engages in a practice called </a:t>
+          </a:r>
+          <a:r>
+            <a:rPr lang="en-US" dirty="0">
+              <a:solidFill>
+                <a:srgbClr val="FF0000"/>
+              </a:solidFill>
+            </a:rPr>
+            <a:t>mark to market</a:t>
+          </a:r>
+          <a:r>
+            <a:rPr lang="en-US" dirty="0"/>
+            <a:t>, also known as the </a:t>
+          </a:r>
+          <a:r>
+            <a:rPr lang="en-US" dirty="0">
+              <a:solidFill>
+                <a:srgbClr val="FF0000"/>
+              </a:solidFill>
+            </a:rPr>
+            <a:t>daily settlement</a:t>
+          </a:r>
+          <a:r>
+            <a:rPr lang="en-US" dirty="0"/>
+            <a:t>.</a:t>
           </a:r>
         </a:p>
       </dgm:t>
@@ -5175,7 +5223,7 @@
       <dgm:spPr/>
     </dgm:pt>
     <dgm:pt modelId="{374E5866-3565-4839-BDEF-D1CC0E192629}" type="pres">
-      <dgm:prSet presAssocID="{66D154E6-E25D-467F-8E00-CAAB2F6AD7C2}" presName="bgRect" presStyleLbl="bgShp" presStyleIdx="0" presStyleCnt="3"/>
+      <dgm:prSet presAssocID="{66D154E6-E25D-467F-8E00-CAAB2F6AD7C2}" presName="bgRect" presStyleLbl="bgShp" presStyleIdx="0" presStyleCnt="3" custLinFactNeighborX="2180" custLinFactNeighborY="-645"/>
       <dgm:spPr/>
     </dgm:pt>
     <dgm:pt modelId="{6D4576ED-3D6A-4E27-8E8F-2B11C8CB60DB}" type="pres">
@@ -6537,8 +6585,8 @@
       </dsp:nvSpPr>
       <dsp:spPr>
         <a:xfrm>
-          <a:off x="0" y="166171"/>
-          <a:ext cx="9720262" cy="1804871"/>
+          <a:off x="0" y="70172"/>
+          <a:ext cx="9720262" cy="1902310"/>
         </a:xfrm>
         <a:prstGeom prst="roundRect">
           <a:avLst/>
@@ -6579,12 +6627,12 @@
         </a:fontRef>
       </dsp:style>
       <dsp:txBody>
-        <a:bodyPr spcFirstLastPara="0" vert="horz" wrap="square" lIns="106680" tIns="106680" rIns="106680" bIns="106680" numCol="1" spcCol="1270" anchor="ctr" anchorCtr="0">
+        <a:bodyPr spcFirstLastPara="0" vert="horz" wrap="square" lIns="102870" tIns="102870" rIns="102870" bIns="102870" numCol="1" spcCol="1270" anchor="ctr" anchorCtr="0">
           <a:noAutofit/>
         </a:bodyPr>
         <a:lstStyle/>
         <a:p>
-          <a:pPr marL="0" lvl="0" indent="0" algn="l" defTabSz="1244600">
+          <a:pPr marL="0" lvl="0" indent="0" algn="l" defTabSz="1200150">
             <a:lnSpc>
               <a:spcPct val="90000"/>
             </a:lnSpc>
@@ -6597,11 +6645,11 @@
             <a:buNone/>
           </a:pPr>
           <a:r>
-            <a:rPr lang="en-US" sz="2800" kern="1200" dirty="0"/>
+            <a:rPr lang="en-US" sz="2700" kern="1200" dirty="0"/>
             <a:t>Definition: Futures contracts are forward contracts with </a:t>
           </a:r>
           <a:r>
-            <a:rPr lang="en-US" sz="2800" kern="1200" dirty="0">
+            <a:rPr lang="en-US" sz="2700" kern="1200" dirty="0">
               <a:solidFill>
                 <a:srgbClr val="FF0000"/>
               </a:solidFill>
@@ -6609,14 +6657,14 @@
             <a:t>standardized</a:t>
           </a:r>
           <a:r>
-            <a:rPr lang="en-US" sz="2800" kern="1200" dirty="0"/>
+            <a:rPr lang="en-US" sz="2700" kern="1200" dirty="0"/>
             <a:t> sizes, dates, and underlying that trade on futures exchanges.</a:t>
           </a:r>
         </a:p>
       </dsp:txBody>
       <dsp:txXfrm>
-        <a:off x="88107" y="254278"/>
-        <a:ext cx="9544048" cy="1628657"/>
+        <a:off x="92863" y="163035"/>
+        <a:ext cx="9534536" cy="1716584"/>
       </dsp:txXfrm>
     </dsp:sp>
     <dsp:sp modelId="{3200F415-B300-1C4F-8BC2-0178721ECBA0}">
@@ -6626,8 +6674,8 @@
       </dsp:nvSpPr>
       <dsp:spPr>
         <a:xfrm>
-          <a:off x="0" y="2051682"/>
-          <a:ext cx="9720262" cy="1804871"/>
+          <a:off x="0" y="2050242"/>
+          <a:ext cx="9720262" cy="1902310"/>
         </a:xfrm>
         <a:prstGeom prst="roundRect">
           <a:avLst/>
@@ -6668,12 +6716,12 @@
         </a:fontRef>
       </dsp:style>
       <dsp:txBody>
-        <a:bodyPr spcFirstLastPara="0" vert="horz" wrap="square" lIns="106680" tIns="106680" rIns="106680" bIns="106680" numCol="1" spcCol="1270" anchor="ctr" anchorCtr="0">
+        <a:bodyPr spcFirstLastPara="0" vert="horz" wrap="square" lIns="102870" tIns="102870" rIns="102870" bIns="102870" numCol="1" spcCol="1270" anchor="ctr" anchorCtr="0">
           <a:noAutofit/>
         </a:bodyPr>
         <a:lstStyle/>
         <a:p>
-          <a:pPr marL="0" lvl="0" indent="0" algn="l" defTabSz="1244600">
+          <a:pPr marL="0" lvl="0" indent="0" algn="l" defTabSz="1200150">
             <a:lnSpc>
               <a:spcPct val="90000"/>
             </a:lnSpc>
@@ -6686,11 +6734,11 @@
             <a:buNone/>
           </a:pPr>
           <a:r>
-            <a:rPr lang="en-US" sz="2800" kern="1200" dirty="0"/>
+            <a:rPr lang="en-US" sz="2700" kern="1200" dirty="0"/>
             <a:t>The futures contract buyer creates a long exposure to the underlying by agreeing to purchase the underlying at a later date at a pre-agreed price. The seller makes the opposite commitment. This agreed-on price is called the </a:t>
           </a:r>
           <a:r>
-            <a:rPr lang="en-US" sz="2800" kern="1200" dirty="0">
+            <a:rPr lang="en-US" sz="2700" kern="1200" dirty="0">
               <a:solidFill>
                 <a:srgbClr val="FF0000"/>
               </a:solidFill>
@@ -6700,8 +6748,8 @@
         </a:p>
       </dsp:txBody>
       <dsp:txXfrm>
-        <a:off x="88107" y="2139789"/>
-        <a:ext cx="9544048" cy="1628657"/>
+        <a:off x="92863" y="2143105"/>
+        <a:ext cx="9534536" cy="1716584"/>
       </dsp:txXfrm>
     </dsp:sp>
   </dsp:spTree>
@@ -6723,7 +6771,7 @@
       </dsp:nvSpPr>
       <dsp:spPr>
         <a:xfrm>
-          <a:off x="0" y="2454"/>
+          <a:off x="0" y="0"/>
           <a:ext cx="9720262" cy="1147947"/>
         </a:xfrm>
         <a:prstGeom prst="roundRect">
@@ -6844,7 +6892,7 @@
         </a:bodyPr>
         <a:lstStyle/>
         <a:p>
-          <a:pPr marL="0" lvl="0" indent="0" algn="l" defTabSz="933450">
+          <a:pPr marL="0" lvl="0" indent="0" algn="l" defTabSz="844550">
             <a:lnSpc>
               <a:spcPct val="100000"/>
             </a:lnSpc>
@@ -6857,8 +6905,32 @@
             <a:buNone/>
           </a:pPr>
           <a:r>
-            <a:rPr lang="en-US" sz="2100" kern="1200"/>
-            <a:t>Probably the most important distinctive characteristic of futures contracts is the daily settlement of gains and losses and the associated credit guarantee provided by the exchange through its clearinghouse.</a:t>
+            <a:rPr lang="en-US" sz="1900" kern="1200" dirty="0"/>
+            <a:t>Probably the most important distinctive characteristic of futures contracts is the </a:t>
+          </a:r>
+          <a:r>
+            <a:rPr lang="en-US" sz="1900" kern="1200" dirty="0">
+              <a:solidFill>
+                <a:srgbClr val="FF0000"/>
+              </a:solidFill>
+            </a:rPr>
+            <a:t>daily settlement </a:t>
+          </a:r>
+          <a:r>
+            <a:rPr lang="en-US" sz="1900" kern="1200" dirty="0"/>
+            <a:t>of gains and losses and the associated </a:t>
+          </a:r>
+          <a:r>
+            <a:rPr lang="en-US" sz="1900" kern="1200" dirty="0">
+              <a:solidFill>
+                <a:srgbClr val="FF0000"/>
+              </a:solidFill>
+            </a:rPr>
+            <a:t>credit guarantee </a:t>
+          </a:r>
+          <a:r>
+            <a:rPr lang="en-US" sz="1900" kern="1200" dirty="0"/>
+            <a:t>provided by the exchange through its clearinghouse.</a:t>
           </a:r>
         </a:p>
       </dsp:txBody>
@@ -6995,7 +7067,7 @@
         </a:bodyPr>
         <a:lstStyle/>
         <a:p>
-          <a:pPr marL="0" lvl="0" indent="0" algn="l" defTabSz="933450">
+          <a:pPr marL="0" lvl="0" indent="0" algn="l" defTabSz="844550">
             <a:lnSpc>
               <a:spcPct val="100000"/>
             </a:lnSpc>
@@ -7008,8 +7080,32 @@
             <a:buNone/>
           </a:pPr>
           <a:r>
-            <a:rPr lang="en-US" sz="2100" kern="1200"/>
-            <a:t>At the end of each day, the clearinghouse engages in a practice called mark to market, also known as the daily settlement.</a:t>
+            <a:rPr lang="en-US" sz="1900" kern="1200" dirty="0"/>
+            <a:t>At the end of each day, the clearinghouse engages in a practice called </a:t>
+          </a:r>
+          <a:r>
+            <a:rPr lang="en-US" sz="1900" kern="1200" dirty="0">
+              <a:solidFill>
+                <a:srgbClr val="FF0000"/>
+              </a:solidFill>
+            </a:rPr>
+            <a:t>mark to market</a:t>
+          </a:r>
+          <a:r>
+            <a:rPr lang="en-US" sz="1900" kern="1200" dirty="0"/>
+            <a:t>, also known as the </a:t>
+          </a:r>
+          <a:r>
+            <a:rPr lang="en-US" sz="1900" kern="1200" dirty="0">
+              <a:solidFill>
+                <a:srgbClr val="FF0000"/>
+              </a:solidFill>
+            </a:rPr>
+            <a:t>daily settlement</a:t>
+          </a:r>
+          <a:r>
+            <a:rPr lang="en-US" sz="1900" kern="1200" dirty="0"/>
+            <a:t>.</a:t>
           </a:r>
         </a:p>
       </dsp:txBody>
@@ -7146,7 +7242,7 @@
         </a:bodyPr>
         <a:lstStyle/>
         <a:p>
-          <a:pPr marL="0" lvl="0" indent="0" algn="l" defTabSz="933450">
+          <a:pPr marL="0" lvl="0" indent="0" algn="l" defTabSz="844550">
             <a:lnSpc>
               <a:spcPct val="100000"/>
             </a:lnSpc>
@@ -7159,15 +7255,15 @@
             <a:buNone/>
           </a:pPr>
           <a:r>
-            <a:rPr lang="en-US" sz="2100" kern="1200"/>
+            <a:rPr lang="en-US" sz="1900" kern="1200"/>
             <a:t>The account is specifically referred to as a margin</a:t>
           </a:r>
           <a:r>
-            <a:rPr lang="en-US" sz="2100" b="1" kern="1200"/>
+            <a:rPr lang="en-US" sz="1900" b="1" kern="1200"/>
             <a:t> </a:t>
           </a:r>
           <a:r>
-            <a:rPr lang="en-US" sz="2100" kern="1200"/>
+            <a:rPr lang="en-US" sz="1900" kern="1200"/>
             <a:t>account.</a:t>
           </a:r>
         </a:p>
@@ -7310,8 +7406,8 @@
       </dsp:nvSpPr>
       <dsp:spPr>
         <a:xfrm>
-          <a:off x="0" y="17820"/>
-          <a:ext cx="9720072" cy="955890"/>
+          <a:off x="0" y="585720"/>
+          <a:ext cx="9720072" cy="676260"/>
         </a:xfrm>
         <a:prstGeom prst="roundRect">
           <a:avLst/>
@@ -7352,12 +7448,12 @@
         </a:fontRef>
       </dsp:style>
       <dsp:txBody>
-        <a:bodyPr spcFirstLastPara="0" vert="horz" wrap="square" lIns="72390" tIns="72390" rIns="72390" bIns="72390" numCol="1" spcCol="1270" anchor="ctr" anchorCtr="0">
+        <a:bodyPr spcFirstLastPara="0" vert="horz" wrap="square" lIns="64770" tIns="64770" rIns="64770" bIns="64770" numCol="1" spcCol="1270" anchor="ctr" anchorCtr="0">
           <a:noAutofit/>
         </a:bodyPr>
         <a:lstStyle/>
         <a:p>
-          <a:pPr marL="0" lvl="0" indent="0" algn="l" defTabSz="844550">
+          <a:pPr marL="0" lvl="0" indent="0" algn="l" defTabSz="755650">
             <a:lnSpc>
               <a:spcPct val="90000"/>
             </a:lnSpc>
@@ -7370,11 +7466,11 @@
             <a:buNone/>
           </a:pPr>
           <a:r>
-            <a:rPr lang="en-US" sz="1900" kern="1200" dirty="0"/>
+            <a:rPr lang="en-US" sz="1700" kern="1200" dirty="0"/>
             <a:t>By standardizing these contracts and creating an organized market with rules, regulations, and a central clearing facility, the futures markets offer an element of </a:t>
           </a:r>
           <a:r>
-            <a:rPr lang="en-US" sz="1900" kern="1200" dirty="0">
+            <a:rPr lang="en-US" sz="1700" kern="1200" dirty="0">
               <a:solidFill>
                 <a:srgbClr val="FF0000"/>
               </a:solidFill>
@@ -7382,11 +7478,11 @@
             <a:t>liquidity</a:t>
           </a:r>
           <a:r>
-            <a:rPr lang="en-US" sz="1900" kern="1200" dirty="0"/>
+            <a:rPr lang="en-US" sz="1700" kern="1200" dirty="0"/>
             <a:t> and </a:t>
           </a:r>
           <a:r>
-            <a:rPr lang="en-US" sz="1900" kern="1200" dirty="0">
+            <a:rPr lang="en-US" sz="1700" kern="1200" dirty="0">
               <a:solidFill>
                 <a:srgbClr val="FF0000"/>
               </a:solidFill>
@@ -7396,8 +7492,8 @@
         </a:p>
       </dsp:txBody>
       <dsp:txXfrm>
-        <a:off x="46663" y="64483"/>
-        <a:ext cx="9626746" cy="862564"/>
+        <a:off x="33012" y="618732"/>
+        <a:ext cx="9654048" cy="610236"/>
       </dsp:txXfrm>
     </dsp:sp>
     <dsp:sp modelId="{352C9AC7-103F-8044-8984-F5154942BA12}">
@@ -7407,8 +7503,8 @@
       </dsp:nvSpPr>
       <dsp:spPr>
         <a:xfrm>
-          <a:off x="0" y="1028430"/>
-          <a:ext cx="9720072" cy="955890"/>
+          <a:off x="0" y="1310940"/>
+          <a:ext cx="9720072" cy="676260"/>
         </a:xfrm>
         <a:prstGeom prst="roundRect">
           <a:avLst/>
@@ -7449,12 +7545,12 @@
         </a:fontRef>
       </dsp:style>
       <dsp:txBody>
-        <a:bodyPr spcFirstLastPara="0" vert="horz" wrap="square" lIns="72390" tIns="72390" rIns="72390" bIns="72390" numCol="1" spcCol="1270" anchor="ctr" anchorCtr="0">
+        <a:bodyPr spcFirstLastPara="0" vert="horz" wrap="square" lIns="64770" tIns="64770" rIns="64770" bIns="64770" numCol="1" spcCol="1270" anchor="ctr" anchorCtr="0">
           <a:noAutofit/>
         </a:bodyPr>
         <a:lstStyle/>
         <a:p>
-          <a:pPr marL="0" lvl="0" indent="0" algn="l" defTabSz="844550">
+          <a:pPr marL="0" lvl="0" indent="0" algn="l" defTabSz="755650">
             <a:lnSpc>
               <a:spcPct val="90000"/>
             </a:lnSpc>
@@ -7467,11 +7563,11 @@
             <a:buNone/>
           </a:pPr>
           <a:r>
-            <a:rPr lang="en-US" sz="1900" kern="1200" dirty="0"/>
+            <a:rPr lang="en-US" sz="1700" kern="1200" dirty="0"/>
             <a:t>Futures exchanges are </a:t>
           </a:r>
           <a:r>
-            <a:rPr lang="en-US" sz="1900" kern="1200" dirty="0">
+            <a:rPr lang="en-US" sz="1700" kern="1200" dirty="0">
               <a:solidFill>
                 <a:srgbClr val="FF0000"/>
               </a:solidFill>
@@ -7479,14 +7575,14 @@
             <a:t>highly regulated </a:t>
           </a:r>
           <a:r>
-            <a:rPr lang="en-US" sz="1900" kern="1200" dirty="0"/>
+            <a:rPr lang="en-US" sz="1700" kern="1200" dirty="0"/>
             <a:t>at the national level in all countries.</a:t>
           </a:r>
         </a:p>
       </dsp:txBody>
       <dsp:txXfrm>
-        <a:off x="46663" y="1075093"/>
-        <a:ext cx="9626746" cy="862564"/>
+        <a:off x="33012" y="1343952"/>
+        <a:ext cx="9654048" cy="610236"/>
       </dsp:txXfrm>
     </dsp:sp>
     <dsp:sp modelId="{5BFB7A5C-E8B1-C443-8439-A4D5978B922F}">
@@ -7496,8 +7592,8 @@
       </dsp:nvSpPr>
       <dsp:spPr>
         <a:xfrm>
-          <a:off x="0" y="2039040"/>
-          <a:ext cx="9720072" cy="955890"/>
+          <a:off x="0" y="2036160"/>
+          <a:ext cx="9720072" cy="676260"/>
         </a:xfrm>
         <a:prstGeom prst="roundRect">
           <a:avLst/>
@@ -7538,12 +7634,12 @@
         </a:fontRef>
       </dsp:style>
       <dsp:txBody>
-        <a:bodyPr spcFirstLastPara="0" vert="horz" wrap="square" lIns="72390" tIns="72390" rIns="72390" bIns="72390" numCol="1" spcCol="1270" anchor="ctr" anchorCtr="0">
+        <a:bodyPr spcFirstLastPara="0" vert="horz" wrap="square" lIns="64770" tIns="64770" rIns="64770" bIns="64770" numCol="1" spcCol="1270" anchor="ctr" anchorCtr="0">
           <a:noAutofit/>
         </a:bodyPr>
         <a:lstStyle/>
         <a:p>
-          <a:pPr marL="0" lvl="0" indent="0" algn="l" defTabSz="844550">
+          <a:pPr marL="0" lvl="0" indent="0" algn="l" defTabSz="755650">
             <a:lnSpc>
               <a:spcPct val="90000"/>
             </a:lnSpc>
@@ -7556,11 +7652,11 @@
             <a:buNone/>
           </a:pPr>
           <a:r>
-            <a:rPr lang="en-US" sz="1900" kern="1200" dirty="0"/>
+            <a:rPr lang="en-US" sz="1700" kern="1200" dirty="0"/>
             <a:t>Some futures contracts also limit daily price changes. These rules, called </a:t>
           </a:r>
           <a:r>
-            <a:rPr lang="en-US" sz="1900" kern="1200" dirty="0">
+            <a:rPr lang="en-US" sz="1700" kern="1200" dirty="0">
               <a:solidFill>
                 <a:srgbClr val="FF0000"/>
               </a:solidFill>
@@ -7568,14 +7664,14 @@
             <a:t>price limits</a:t>
           </a:r>
           <a:r>
-            <a:rPr lang="en-US" sz="1900" kern="1200" dirty="0"/>
+            <a:rPr lang="en-US" sz="1700" kern="1200" dirty="0"/>
             <a:t>, establish a band relative to the previous day’s settlement price within which all trades must occur. </a:t>
           </a:r>
         </a:p>
       </dsp:txBody>
       <dsp:txXfrm>
-        <a:off x="46663" y="2085703"/>
-        <a:ext cx="9626746" cy="862564"/>
+        <a:off x="33012" y="2069172"/>
+        <a:ext cx="9654048" cy="610236"/>
       </dsp:txXfrm>
     </dsp:sp>
     <dsp:sp modelId="{F6F4EDB1-3BE7-2844-81C8-E0A2E03EC209}">
@@ -7585,8 +7681,8 @@
       </dsp:nvSpPr>
       <dsp:spPr>
         <a:xfrm>
-          <a:off x="0" y="3049650"/>
-          <a:ext cx="9720072" cy="955890"/>
+          <a:off x="0" y="2761380"/>
+          <a:ext cx="9720072" cy="676260"/>
         </a:xfrm>
         <a:prstGeom prst="roundRect">
           <a:avLst/>
@@ -7627,12 +7723,12 @@
         </a:fontRef>
       </dsp:style>
       <dsp:txBody>
-        <a:bodyPr spcFirstLastPara="0" vert="horz" wrap="square" lIns="72390" tIns="72390" rIns="72390" bIns="72390" numCol="1" spcCol="1270" anchor="ctr" anchorCtr="0">
+        <a:bodyPr spcFirstLastPara="0" vert="horz" wrap="square" lIns="64770" tIns="64770" rIns="64770" bIns="64770" numCol="1" spcCol="1270" anchor="ctr" anchorCtr="0">
           <a:noAutofit/>
         </a:bodyPr>
         <a:lstStyle/>
         <a:p>
-          <a:pPr marL="0" lvl="0" indent="0" algn="l" defTabSz="844550">
+          <a:pPr marL="0" lvl="0" indent="0" algn="l" defTabSz="755650">
             <a:lnSpc>
               <a:spcPct val="90000"/>
             </a:lnSpc>
@@ -7645,11 +7741,11 @@
             <a:buNone/>
           </a:pPr>
           <a:r>
-            <a:rPr lang="en-US" sz="1900" kern="1200" dirty="0"/>
+            <a:rPr lang="en-US" sz="1700" kern="1200" dirty="0"/>
             <a:t>In other cases, exchanges use what is called a </a:t>
           </a:r>
           <a:r>
-            <a:rPr lang="en-US" sz="1900" kern="1200" dirty="0">
+            <a:rPr lang="en-US" sz="1700" kern="1200" dirty="0">
               <a:solidFill>
                 <a:srgbClr val="FF0000"/>
               </a:solidFill>
@@ -7657,14 +7753,14 @@
             <a:t>circuit breaker </a:t>
           </a:r>
           <a:r>
-            <a:rPr lang="en-US" sz="1900" kern="1200" dirty="0"/>
+            <a:rPr lang="en-US" sz="1700" kern="1200" dirty="0"/>
             <a:t>to pause intraday trading for a brief period if a price limit is reached. </a:t>
           </a:r>
         </a:p>
       </dsp:txBody>
       <dsp:txXfrm>
-        <a:off x="46663" y="3096313"/>
-        <a:ext cx="9626746" cy="862564"/>
+        <a:off x="33012" y="2794392"/>
+        <a:ext cx="9654048" cy="610236"/>
       </dsp:txXfrm>
     </dsp:sp>
   </dsp:spTree>
@@ -22752,7 +22848,7 @@
             <a:fld id="{B61BEF0D-F0BB-DE4B-95CE-6DB70DBA9567}" type="datetimeFigureOut">
               <a:rPr lang="en-US" smtClean="0"/>
               <a:pPr/>
-              <a:t>7/4/22</a:t>
+              <a:t>7/5/2022</a:t>
             </a:fld>
             <a:endParaRPr lang="en-US" dirty="0"/>
           </a:p>
@@ -22961,7 +23057,7 @@
             <a:fld id="{B61BEF0D-F0BB-DE4B-95CE-6DB70DBA9567}" type="datetimeFigureOut">
               <a:rPr lang="en-US" smtClean="0"/>
               <a:pPr/>
-              <a:t>7/4/22</a:t>
+              <a:t>7/5/2022</a:t>
             </a:fld>
             <a:endParaRPr lang="en-US" dirty="0"/>
           </a:p>
@@ -23143,7 +23239,7 @@
             <a:fld id="{B61BEF0D-F0BB-DE4B-95CE-6DB70DBA9567}" type="datetimeFigureOut">
               <a:rPr lang="en-US" smtClean="0"/>
               <a:pPr/>
-              <a:t>7/4/22</a:t>
+              <a:t>7/5/2022</a:t>
             </a:fld>
             <a:endParaRPr lang="en-US" dirty="0"/>
           </a:p>
@@ -23350,7 +23446,7 @@
             <a:fld id="{B61BEF0D-F0BB-DE4B-95CE-6DB70DBA9567}" type="datetimeFigureOut">
               <a:rPr lang="en-US" smtClean="0"/>
               <a:pPr/>
-              <a:t>7/4/22</a:t>
+              <a:t>7/5/2022</a:t>
             </a:fld>
             <a:endParaRPr lang="en-US" dirty="0"/>
           </a:p>
@@ -32250,7 +32346,7 @@
             <a:fld id="{B61BEF0D-F0BB-DE4B-95CE-6DB70DBA9567}" type="datetimeFigureOut">
               <a:rPr lang="en-US" smtClean="0"/>
               <a:pPr/>
-              <a:t>7/4/22</a:t>
+              <a:t>7/5/2022</a:t>
             </a:fld>
             <a:endParaRPr lang="en-US" dirty="0"/>
           </a:p>
@@ -32526,7 +32622,7 @@
             <a:fld id="{B61BEF0D-F0BB-DE4B-95CE-6DB70DBA9567}" type="datetimeFigureOut">
               <a:rPr lang="en-US" smtClean="0"/>
               <a:pPr/>
-              <a:t>7/4/22</a:t>
+              <a:t>7/5/2022</a:t>
             </a:fld>
             <a:endParaRPr lang="en-US" dirty="0"/>
           </a:p>
@@ -32926,7 +33022,7 @@
             <a:fld id="{B61BEF0D-F0BB-DE4B-95CE-6DB70DBA9567}" type="datetimeFigureOut">
               <a:rPr lang="en-US" smtClean="0"/>
               <a:pPr/>
-              <a:t>7/4/22</a:t>
+              <a:t>7/5/2022</a:t>
             </a:fld>
             <a:endParaRPr lang="en-US" dirty="0"/>
           </a:p>
@@ -33046,7 +33142,7 @@
             <a:fld id="{B61BEF0D-F0BB-DE4B-95CE-6DB70DBA9567}" type="datetimeFigureOut">
               <a:rPr lang="en-US" smtClean="0"/>
               <a:pPr/>
-              <a:t>7/4/22</a:t>
+              <a:t>7/5/2022</a:t>
             </a:fld>
             <a:endParaRPr lang="en-US" dirty="0"/>
           </a:p>
@@ -33143,7 +33239,7 @@
             <a:fld id="{B61BEF0D-F0BB-DE4B-95CE-6DB70DBA9567}" type="datetimeFigureOut">
               <a:rPr lang="en-US" smtClean="0"/>
               <a:pPr/>
-              <a:t>7/4/22</a:t>
+              <a:t>7/5/2022</a:t>
             </a:fld>
             <a:endParaRPr lang="en-US" dirty="0"/>
           </a:p>
@@ -33435,7 +33531,7 @@
             <a:fld id="{B61BEF0D-F0BB-DE4B-95CE-6DB70DBA9567}" type="datetimeFigureOut">
               <a:rPr lang="en-US" smtClean="0"/>
               <a:pPr/>
-              <a:t>7/4/22</a:t>
+              <a:t>7/5/2022</a:t>
             </a:fld>
             <a:endParaRPr lang="en-US" dirty="0"/>
           </a:p>
@@ -33717,7 +33813,7 @@
             <a:fld id="{B61BEF0D-F0BB-DE4B-95CE-6DB70DBA9567}" type="datetimeFigureOut">
               <a:rPr lang="en-US" smtClean="0"/>
               <a:pPr/>
-              <a:t>7/4/22</a:t>
+              <a:t>7/5/2022</a:t>
             </a:fld>
             <a:endParaRPr lang="en-US" dirty="0"/>
           </a:p>
@@ -33969,7 +34065,7 @@
             <a:fld id="{B61BEF0D-F0BB-DE4B-95CE-6DB70DBA9567}" type="datetimeFigureOut">
               <a:rPr lang="en-US" smtClean="0"/>
               <a:pPr/>
-              <a:t>7/4/22</a:t>
+              <a:t>7/5/2022</a:t>
             </a:fld>
             <a:endParaRPr lang="en-US" dirty="0"/>
           </a:p>
@@ -35025,7 +35121,7 @@
             <p:ph idx="1"/>
             <p:extLst>
               <p:ext uri="{D42A27DB-BD31-4B8C-83A1-F6EECF244321}">
-                <p14:modId xmlns:p14="http://schemas.microsoft.com/office/powerpoint/2010/main" val="336294465"/>
+                <p14:modId xmlns:p14="http://schemas.microsoft.com/office/powerpoint/2010/main" val="2591087248"/>
               </p:ext>
             </p:extLst>
           </p:nvPr>
@@ -36227,336 +36323,6 @@
 <file path=ppt/slides/slide16.xml><?xml version="1.0" encoding="utf-8"?>
 <p:sld xmlns:a="http://schemas.openxmlformats.org/drawingml/2006/main" xmlns:r="http://schemas.openxmlformats.org/officeDocument/2006/relationships" xmlns:p="http://schemas.openxmlformats.org/presentationml/2006/main">
   <p:cSld>
-    <p:bg>
-      <p:bgPr>
-        <a:solidFill>
-          <a:schemeClr val="bg1"/>
-        </a:solidFill>
-        <a:effectLst/>
-      </p:bgPr>
-    </p:bg>
-    <p:spTree>
-      <p:nvGrpSpPr>
-        <p:cNvPr id="1" name=""/>
-        <p:cNvGrpSpPr/>
-        <p:nvPr/>
-      </p:nvGrpSpPr>
-      <p:grpSpPr>
-        <a:xfrm>
-          <a:off x="0" y="0"/>
-          <a:ext cx="0" cy="0"/>
-          <a:chOff x="0" y="0"/>
-          <a:chExt cx="0" cy="0"/>
-        </a:xfrm>
-      </p:grpSpPr>
-      <p:sp>
-        <p:nvSpPr>
-          <p:cNvPr id="16" name="Rectangle 15">
-            <a:extLst>
-              <a:ext uri="{FF2B5EF4-FFF2-40B4-BE49-F238E27FC236}">
-                <a16:creationId xmlns:a16="http://schemas.microsoft.com/office/drawing/2014/main" id="{4FAE1107-CEC3-4041-8BAA-CDB6F6759B35}"/>
-              </a:ext>
-              <a:ext uri="{C183D7F6-B498-43B3-948B-1728B52AA6E4}">
-                <adec:decorative xmlns:adec="http://schemas.microsoft.com/office/drawing/2017/decorative" val="1"/>
-              </a:ext>
-            </a:extLst>
-          </p:cNvPr>
-          <p:cNvSpPr>
-            <a:spLocks noGrp="1" noRot="1" noChangeAspect="1" noMove="1" noResize="1" noEditPoints="1" noAdjustHandles="1" noChangeArrowheads="1" noChangeShapeType="1" noTextEdit="1"/>
-          </p:cNvSpPr>
-          <p:nvPr>
-            <p:extLst>
-              <p:ext uri="{386F3935-93C4-4BCD-93E2-E3B085C9AB24}">
-                <p16:designElem xmlns:p16="http://schemas.microsoft.com/office/powerpoint/2015/main" val="1"/>
-              </p:ext>
-            </p:extLst>
-          </p:nvPr>
-        </p:nvSpPr>
-        <p:spPr>
-          <a:xfrm>
-            <a:off x="0" y="0"/>
-            <a:ext cx="5468548" cy="6858000"/>
-          </a:xfrm>
-          <a:prstGeom prst="rect">
-            <a:avLst/>
-          </a:prstGeom>
-          <a:solidFill>
-            <a:schemeClr val="accent1"/>
-          </a:solidFill>
-          <a:ln>
-            <a:noFill/>
-          </a:ln>
-        </p:spPr>
-        <p:style>
-          <a:lnRef idx="2">
-            <a:schemeClr val="accent1">
-              <a:shade val="50000"/>
-            </a:schemeClr>
-          </a:lnRef>
-          <a:fillRef idx="1">
-            <a:schemeClr val="accent1"/>
-          </a:fillRef>
-          <a:effectRef idx="0">
-            <a:schemeClr val="accent1"/>
-          </a:effectRef>
-          <a:fontRef idx="minor">
-            <a:schemeClr val="lt1"/>
-          </a:fontRef>
-        </p:style>
-        <p:txBody>
-          <a:bodyPr rtlCol="0" anchor="ctr"/>
-          <a:lstStyle/>
-          <a:p>
-            <a:pPr algn="ctr"/>
-            <a:endParaRPr lang="en-US"/>
-          </a:p>
-        </p:txBody>
-      </p:sp>
-      <p:sp>
-        <p:nvSpPr>
-          <p:cNvPr id="2" name="标题 1">
-            <a:extLst>
-              <a:ext uri="{FF2B5EF4-FFF2-40B4-BE49-F238E27FC236}">
-                <a16:creationId xmlns:a16="http://schemas.microsoft.com/office/drawing/2014/main" id="{C2F50208-41F1-E14D-A989-56B5CBE8F076}"/>
-              </a:ext>
-            </a:extLst>
-          </p:cNvPr>
-          <p:cNvSpPr>
-            <a:spLocks noGrp="1"/>
-          </p:cNvSpPr>
-          <p:nvPr>
-            <p:ph type="title"/>
-          </p:nvPr>
-        </p:nvSpPr>
-        <p:spPr>
-          <a:xfrm>
-            <a:off x="1024129" y="585216"/>
-            <a:ext cx="3779085" cy="1499616"/>
-          </a:xfrm>
-        </p:spPr>
-        <p:txBody>
-          <a:bodyPr>
-            <a:normAutofit/>
-          </a:bodyPr>
-          <a:lstStyle/>
-          <a:p>
-            <a:r>
-              <a:rPr lang="en-US" altLang="zh-CN" sz="4300">
-                <a:solidFill>
-                  <a:srgbClr val="FFFFFF"/>
-                </a:solidFill>
-              </a:rPr>
-              <a:t>Futures Contracts</a:t>
-            </a:r>
-            <a:br>
-              <a:rPr lang="en-US" altLang="zh-CN" sz="4300">
-                <a:solidFill>
-                  <a:srgbClr val="FFFFFF"/>
-                </a:solidFill>
-              </a:rPr>
-            </a:br>
-            <a:r>
-              <a:rPr lang="en-US" altLang="zh-CN" sz="4300">
-                <a:solidFill>
-                  <a:srgbClr val="FFFFFF"/>
-                </a:solidFill>
-              </a:rPr>
-              <a:t>example</a:t>
-            </a:r>
-            <a:endParaRPr kumimoji="1" lang="zh-CN" altLang="en-US" sz="4300">
-              <a:solidFill>
-                <a:srgbClr val="FFFFFF"/>
-              </a:solidFill>
-            </a:endParaRPr>
-          </a:p>
-        </p:txBody>
-      </p:sp>
-      <p:cxnSp>
-        <p:nvCxnSpPr>
-          <p:cNvPr id="18" name="Straight Connector 17">
-            <a:extLst>
-              <a:ext uri="{FF2B5EF4-FFF2-40B4-BE49-F238E27FC236}">
-                <a16:creationId xmlns:a16="http://schemas.microsoft.com/office/drawing/2014/main" id="{1AEA88FB-F5DD-45CE-AAE1-7B33D0ABDD25}"/>
-              </a:ext>
-              <a:ext uri="{C183D7F6-B498-43B3-948B-1728B52AA6E4}">
-                <adec:decorative xmlns:adec="http://schemas.microsoft.com/office/drawing/2017/decorative" val="1"/>
-              </a:ext>
-            </a:extLst>
-          </p:cNvPr>
-          <p:cNvCxnSpPr>
-            <a:cxnSpLocks noGrp="1" noRot="1" noChangeAspect="1" noMove="1" noResize="1" noEditPoints="1" noAdjustHandles="1" noChangeArrowheads="1" noChangeShapeType="1"/>
-          </p:cNvCxnSpPr>
-          <p:nvPr>
-            <p:extLst>
-              <p:ext uri="{386F3935-93C4-4BCD-93E2-E3B085C9AB24}">
-                <p16:designElem xmlns:p16="http://schemas.microsoft.com/office/powerpoint/2015/main" val="1"/>
-              </p:ext>
-            </p:extLst>
-          </p:nvPr>
-        </p:nvCxnSpPr>
-        <p:spPr>
-          <a:xfrm flipV="1">
-            <a:off x="762000" y="826324"/>
-            <a:ext cx="0" cy="914400"/>
-          </a:xfrm>
-          <a:prstGeom prst="line">
-            <a:avLst/>
-          </a:prstGeom>
-          <a:ln w="19050">
-            <a:solidFill>
-              <a:schemeClr val="accent1">
-                <a:lumMod val="20000"/>
-                <a:lumOff val="80000"/>
-              </a:schemeClr>
-            </a:solidFill>
-          </a:ln>
-        </p:spPr>
-        <p:style>
-          <a:lnRef idx="1">
-            <a:schemeClr val="accent1"/>
-          </a:lnRef>
-          <a:fillRef idx="0">
-            <a:schemeClr val="accent1"/>
-          </a:fillRef>
-          <a:effectRef idx="0">
-            <a:schemeClr val="accent1"/>
-          </a:effectRef>
-          <a:fontRef idx="minor">
-            <a:schemeClr val="tx1"/>
-          </a:fontRef>
-        </p:style>
-      </p:cxnSp>
-      <p:sp>
-        <p:nvSpPr>
-          <p:cNvPr id="11" name="Content Placeholder 8">
-            <a:extLst>
-              <a:ext uri="{FF2B5EF4-FFF2-40B4-BE49-F238E27FC236}">
-                <a16:creationId xmlns:a16="http://schemas.microsoft.com/office/drawing/2014/main" id="{A11AAF08-0E72-7636-60F4-AB3BF6795F91}"/>
-              </a:ext>
-            </a:extLst>
-          </p:cNvPr>
-          <p:cNvSpPr>
-            <a:spLocks noGrp="1"/>
-          </p:cNvSpPr>
-          <p:nvPr>
-            <p:ph idx="1"/>
-          </p:nvPr>
-        </p:nvSpPr>
-        <p:spPr>
-          <a:xfrm>
-            <a:off x="1024129" y="2286000"/>
-            <a:ext cx="3791711" cy="3931920"/>
-          </a:xfrm>
-        </p:spPr>
-        <p:txBody>
-          <a:bodyPr>
-            <a:normAutofit/>
-          </a:bodyPr>
-          <a:lstStyle/>
-          <a:p>
-            <a:r>
-              <a:rPr lang="en" altLang="zh-CN">
-                <a:solidFill>
-                  <a:srgbClr val="FFFFFF"/>
-                </a:solidFill>
-              </a:rPr>
-              <a:t>Procam purchases a futures contract [</a:t>
-            </a:r>
-            <a:r>
-              <a:rPr lang="en" altLang="zh-CN" i="1">
-                <a:solidFill>
-                  <a:srgbClr val="FFFFFF"/>
-                </a:solidFill>
-              </a:rPr>
-              <a:t>f</a:t>
-            </a:r>
-            <a:r>
-              <a:rPr lang="en" altLang="zh-CN">
-                <a:solidFill>
-                  <a:srgbClr val="FFFFFF"/>
-                </a:solidFill>
-              </a:rPr>
-              <a:t>0(</a:t>
-            </a:r>
-            <a:r>
-              <a:rPr lang="en" altLang="zh-CN" i="1">
-                <a:solidFill>
-                  <a:srgbClr val="FFFFFF"/>
-                </a:solidFill>
-              </a:rPr>
-              <a:t>T</a:t>
-            </a:r>
-            <a:r>
-              <a:rPr lang="en" altLang="zh-CN">
-                <a:solidFill>
-                  <a:srgbClr val="FFFFFF"/>
-                </a:solidFill>
-              </a:rPr>
-              <a:t>) = $1,792.13] on the exchange via a financial intermediary. </a:t>
-            </a:r>
-          </a:p>
-          <a:p>
-            <a:endParaRPr lang="en" altLang="zh-CN">
-              <a:solidFill>
-                <a:srgbClr val="FFFFFF"/>
-              </a:solidFill>
-            </a:endParaRPr>
-          </a:p>
-          <a:p>
-            <a:endParaRPr lang="en-US">
-              <a:solidFill>
-                <a:srgbClr val="FFFFFF"/>
-              </a:solidFill>
-            </a:endParaRPr>
-          </a:p>
-        </p:txBody>
-      </p:sp>
-      <p:pic>
-        <p:nvPicPr>
-          <p:cNvPr id="5" name="内容占位符 4" descr="表格&#10;&#10;描述已自动生成">
-            <a:extLst>
-              <a:ext uri="{FF2B5EF4-FFF2-40B4-BE49-F238E27FC236}">
-                <a16:creationId xmlns:a16="http://schemas.microsoft.com/office/drawing/2014/main" id="{1623BCBD-1AF7-894A-9ADA-F66657994101}"/>
-              </a:ext>
-            </a:extLst>
-          </p:cNvPr>
-          <p:cNvPicPr>
-            <a:picLocks noChangeAspect="1"/>
-          </p:cNvPicPr>
-          <p:nvPr/>
-        </p:nvPicPr>
-        <p:blipFill>
-          <a:blip r:embed="rId2"/>
-          <a:stretch>
-            <a:fillRect/>
-          </a:stretch>
-        </p:blipFill>
-        <p:spPr>
-          <a:xfrm>
-            <a:off x="6096000" y="1137513"/>
-            <a:ext cx="5455921" cy="4582973"/>
-          </a:xfrm>
-          <a:prstGeom prst="rect">
-            <a:avLst/>
-          </a:prstGeom>
-        </p:spPr>
-      </p:pic>
-    </p:spTree>
-    <p:extLst>
-      <p:ext uri="{BB962C8B-B14F-4D97-AF65-F5344CB8AC3E}">
-        <p14:creationId xmlns:p14="http://schemas.microsoft.com/office/powerpoint/2010/main" val="424181482"/>
-      </p:ext>
-    </p:extLst>
-  </p:cSld>
-  <p:clrMapOvr>
-    <a:masterClrMapping/>
-  </p:clrMapOvr>
-</p:sld>
-</file>
-
-<file path=ppt/slides/slide17.xml><?xml version="1.0" encoding="utf-8"?>
-<p:sld xmlns:a="http://schemas.openxmlformats.org/drawingml/2006/main" xmlns:r="http://schemas.openxmlformats.org/officeDocument/2006/relationships" xmlns:p="http://schemas.openxmlformats.org/presentationml/2006/main">
-  <p:cSld>
     <p:spTree>
       <p:nvGrpSpPr>
         <p:cNvPr id="1" name=""/>
@@ -36905,6 +36671,336 @@
     <p:extLst>
       <p:ext uri="{BB962C8B-B14F-4D97-AF65-F5344CB8AC3E}">
         <p14:creationId xmlns:p14="http://schemas.microsoft.com/office/powerpoint/2010/main" val="2325912325"/>
+      </p:ext>
+    </p:extLst>
+  </p:cSld>
+  <p:clrMapOvr>
+    <a:masterClrMapping/>
+  </p:clrMapOvr>
+</p:sld>
+</file>
+
+<file path=ppt/slides/slide17.xml><?xml version="1.0" encoding="utf-8"?>
+<p:sld xmlns:a="http://schemas.openxmlformats.org/drawingml/2006/main" xmlns:r="http://schemas.openxmlformats.org/officeDocument/2006/relationships" xmlns:p="http://schemas.openxmlformats.org/presentationml/2006/main">
+  <p:cSld>
+    <p:bg>
+      <p:bgPr>
+        <a:solidFill>
+          <a:schemeClr val="bg1"/>
+        </a:solidFill>
+        <a:effectLst/>
+      </p:bgPr>
+    </p:bg>
+    <p:spTree>
+      <p:nvGrpSpPr>
+        <p:cNvPr id="1" name=""/>
+        <p:cNvGrpSpPr/>
+        <p:nvPr/>
+      </p:nvGrpSpPr>
+      <p:grpSpPr>
+        <a:xfrm>
+          <a:off x="0" y="0"/>
+          <a:ext cx="0" cy="0"/>
+          <a:chOff x="0" y="0"/>
+          <a:chExt cx="0" cy="0"/>
+        </a:xfrm>
+      </p:grpSpPr>
+      <p:sp>
+        <p:nvSpPr>
+          <p:cNvPr id="16" name="Rectangle 15">
+            <a:extLst>
+              <a:ext uri="{FF2B5EF4-FFF2-40B4-BE49-F238E27FC236}">
+                <a16:creationId xmlns:a16="http://schemas.microsoft.com/office/drawing/2014/main" id="{4FAE1107-CEC3-4041-8BAA-CDB6F6759B35}"/>
+              </a:ext>
+              <a:ext uri="{C183D7F6-B498-43B3-948B-1728B52AA6E4}">
+                <adec:decorative xmlns:adec="http://schemas.microsoft.com/office/drawing/2017/decorative" val="1"/>
+              </a:ext>
+            </a:extLst>
+          </p:cNvPr>
+          <p:cNvSpPr>
+            <a:spLocks noGrp="1" noRot="1" noChangeAspect="1" noMove="1" noResize="1" noEditPoints="1" noAdjustHandles="1" noChangeArrowheads="1" noChangeShapeType="1" noTextEdit="1"/>
+          </p:cNvSpPr>
+          <p:nvPr>
+            <p:extLst>
+              <p:ext uri="{386F3935-93C4-4BCD-93E2-E3B085C9AB24}">
+                <p16:designElem xmlns:p16="http://schemas.microsoft.com/office/powerpoint/2015/main" val="1"/>
+              </p:ext>
+            </p:extLst>
+          </p:nvPr>
+        </p:nvSpPr>
+        <p:spPr>
+          <a:xfrm>
+            <a:off x="0" y="0"/>
+            <a:ext cx="5468548" cy="6858000"/>
+          </a:xfrm>
+          <a:prstGeom prst="rect">
+            <a:avLst/>
+          </a:prstGeom>
+          <a:solidFill>
+            <a:schemeClr val="accent1"/>
+          </a:solidFill>
+          <a:ln>
+            <a:noFill/>
+          </a:ln>
+        </p:spPr>
+        <p:style>
+          <a:lnRef idx="2">
+            <a:schemeClr val="accent1">
+              <a:shade val="50000"/>
+            </a:schemeClr>
+          </a:lnRef>
+          <a:fillRef idx="1">
+            <a:schemeClr val="accent1"/>
+          </a:fillRef>
+          <a:effectRef idx="0">
+            <a:schemeClr val="accent1"/>
+          </a:effectRef>
+          <a:fontRef idx="minor">
+            <a:schemeClr val="lt1"/>
+          </a:fontRef>
+        </p:style>
+        <p:txBody>
+          <a:bodyPr rtlCol="0" anchor="ctr"/>
+          <a:lstStyle/>
+          <a:p>
+            <a:pPr algn="ctr"/>
+            <a:endParaRPr lang="en-US"/>
+          </a:p>
+        </p:txBody>
+      </p:sp>
+      <p:sp>
+        <p:nvSpPr>
+          <p:cNvPr id="2" name="标题 1">
+            <a:extLst>
+              <a:ext uri="{FF2B5EF4-FFF2-40B4-BE49-F238E27FC236}">
+                <a16:creationId xmlns:a16="http://schemas.microsoft.com/office/drawing/2014/main" id="{C2F50208-41F1-E14D-A989-56B5CBE8F076}"/>
+              </a:ext>
+            </a:extLst>
+          </p:cNvPr>
+          <p:cNvSpPr>
+            <a:spLocks noGrp="1"/>
+          </p:cNvSpPr>
+          <p:nvPr>
+            <p:ph type="title"/>
+          </p:nvPr>
+        </p:nvSpPr>
+        <p:spPr>
+          <a:xfrm>
+            <a:off x="1024129" y="585216"/>
+            <a:ext cx="3779085" cy="1499616"/>
+          </a:xfrm>
+        </p:spPr>
+        <p:txBody>
+          <a:bodyPr>
+            <a:normAutofit fontScale="90000"/>
+          </a:bodyPr>
+          <a:lstStyle/>
+          <a:p>
+            <a:r>
+              <a:rPr lang="en-US" altLang="zh-CN" sz="4300">
+                <a:solidFill>
+                  <a:srgbClr val="FFFFFF"/>
+                </a:solidFill>
+              </a:rPr>
+              <a:t>Futures Contracts</a:t>
+            </a:r>
+            <a:br>
+              <a:rPr lang="en-US" altLang="zh-CN" sz="4300">
+                <a:solidFill>
+                  <a:srgbClr val="FFFFFF"/>
+                </a:solidFill>
+              </a:rPr>
+            </a:br>
+            <a:r>
+              <a:rPr lang="en-US" altLang="zh-CN" sz="4300">
+                <a:solidFill>
+                  <a:srgbClr val="FFFFFF"/>
+                </a:solidFill>
+              </a:rPr>
+              <a:t>example</a:t>
+            </a:r>
+            <a:endParaRPr kumimoji="1" lang="zh-CN" altLang="en-US" sz="4300">
+              <a:solidFill>
+                <a:srgbClr val="FFFFFF"/>
+              </a:solidFill>
+            </a:endParaRPr>
+          </a:p>
+        </p:txBody>
+      </p:sp>
+      <p:cxnSp>
+        <p:nvCxnSpPr>
+          <p:cNvPr id="18" name="Straight Connector 17">
+            <a:extLst>
+              <a:ext uri="{FF2B5EF4-FFF2-40B4-BE49-F238E27FC236}">
+                <a16:creationId xmlns:a16="http://schemas.microsoft.com/office/drawing/2014/main" id="{1AEA88FB-F5DD-45CE-AAE1-7B33D0ABDD25}"/>
+              </a:ext>
+              <a:ext uri="{C183D7F6-B498-43B3-948B-1728B52AA6E4}">
+                <adec:decorative xmlns:adec="http://schemas.microsoft.com/office/drawing/2017/decorative" val="1"/>
+              </a:ext>
+            </a:extLst>
+          </p:cNvPr>
+          <p:cNvCxnSpPr>
+            <a:cxnSpLocks noGrp="1" noRot="1" noChangeAspect="1" noMove="1" noResize="1" noEditPoints="1" noAdjustHandles="1" noChangeArrowheads="1" noChangeShapeType="1"/>
+          </p:cNvCxnSpPr>
+          <p:nvPr>
+            <p:extLst>
+              <p:ext uri="{386F3935-93C4-4BCD-93E2-E3B085C9AB24}">
+                <p16:designElem xmlns:p16="http://schemas.microsoft.com/office/powerpoint/2015/main" val="1"/>
+              </p:ext>
+            </p:extLst>
+          </p:nvPr>
+        </p:nvCxnSpPr>
+        <p:spPr>
+          <a:xfrm flipV="1">
+            <a:off x="762000" y="826324"/>
+            <a:ext cx="0" cy="914400"/>
+          </a:xfrm>
+          <a:prstGeom prst="line">
+            <a:avLst/>
+          </a:prstGeom>
+          <a:ln w="19050">
+            <a:solidFill>
+              <a:schemeClr val="accent1">
+                <a:lumMod val="20000"/>
+                <a:lumOff val="80000"/>
+              </a:schemeClr>
+            </a:solidFill>
+          </a:ln>
+        </p:spPr>
+        <p:style>
+          <a:lnRef idx="1">
+            <a:schemeClr val="accent1"/>
+          </a:lnRef>
+          <a:fillRef idx="0">
+            <a:schemeClr val="accent1"/>
+          </a:fillRef>
+          <a:effectRef idx="0">
+            <a:schemeClr val="accent1"/>
+          </a:effectRef>
+          <a:fontRef idx="minor">
+            <a:schemeClr val="tx1"/>
+          </a:fontRef>
+        </p:style>
+      </p:cxnSp>
+      <p:sp>
+        <p:nvSpPr>
+          <p:cNvPr id="11" name="Content Placeholder 8">
+            <a:extLst>
+              <a:ext uri="{FF2B5EF4-FFF2-40B4-BE49-F238E27FC236}">
+                <a16:creationId xmlns:a16="http://schemas.microsoft.com/office/drawing/2014/main" id="{A11AAF08-0E72-7636-60F4-AB3BF6795F91}"/>
+              </a:ext>
+            </a:extLst>
+          </p:cNvPr>
+          <p:cNvSpPr>
+            <a:spLocks noGrp="1"/>
+          </p:cNvSpPr>
+          <p:nvPr>
+            <p:ph idx="1"/>
+          </p:nvPr>
+        </p:nvSpPr>
+        <p:spPr>
+          <a:xfrm>
+            <a:off x="1024129" y="2286000"/>
+            <a:ext cx="3791711" cy="3931920"/>
+          </a:xfrm>
+        </p:spPr>
+        <p:txBody>
+          <a:bodyPr>
+            <a:normAutofit/>
+          </a:bodyPr>
+          <a:lstStyle/>
+          <a:p>
+            <a:r>
+              <a:rPr lang="en" altLang="zh-CN">
+                <a:solidFill>
+                  <a:srgbClr val="FFFFFF"/>
+                </a:solidFill>
+              </a:rPr>
+              <a:t>Procam purchases a futures contract [</a:t>
+            </a:r>
+            <a:r>
+              <a:rPr lang="en" altLang="zh-CN" i="1">
+                <a:solidFill>
+                  <a:srgbClr val="FFFFFF"/>
+                </a:solidFill>
+              </a:rPr>
+              <a:t>f</a:t>
+            </a:r>
+            <a:r>
+              <a:rPr lang="en" altLang="zh-CN">
+                <a:solidFill>
+                  <a:srgbClr val="FFFFFF"/>
+                </a:solidFill>
+              </a:rPr>
+              <a:t>0(</a:t>
+            </a:r>
+            <a:r>
+              <a:rPr lang="en" altLang="zh-CN" i="1">
+                <a:solidFill>
+                  <a:srgbClr val="FFFFFF"/>
+                </a:solidFill>
+              </a:rPr>
+              <a:t>T</a:t>
+            </a:r>
+            <a:r>
+              <a:rPr lang="en" altLang="zh-CN">
+                <a:solidFill>
+                  <a:srgbClr val="FFFFFF"/>
+                </a:solidFill>
+              </a:rPr>
+              <a:t>) = $1,792.13] on the exchange via a financial intermediary. </a:t>
+            </a:r>
+          </a:p>
+          <a:p>
+            <a:endParaRPr lang="en" altLang="zh-CN">
+              <a:solidFill>
+                <a:srgbClr val="FFFFFF"/>
+              </a:solidFill>
+            </a:endParaRPr>
+          </a:p>
+          <a:p>
+            <a:endParaRPr lang="en-US">
+              <a:solidFill>
+                <a:srgbClr val="FFFFFF"/>
+              </a:solidFill>
+            </a:endParaRPr>
+          </a:p>
+        </p:txBody>
+      </p:sp>
+      <p:pic>
+        <p:nvPicPr>
+          <p:cNvPr id="5" name="内容占位符 4" descr="表格&#10;&#10;描述已自动生成">
+            <a:extLst>
+              <a:ext uri="{FF2B5EF4-FFF2-40B4-BE49-F238E27FC236}">
+                <a16:creationId xmlns:a16="http://schemas.microsoft.com/office/drawing/2014/main" id="{1623BCBD-1AF7-894A-9ADA-F66657994101}"/>
+              </a:ext>
+            </a:extLst>
+          </p:cNvPr>
+          <p:cNvPicPr>
+            <a:picLocks noChangeAspect="1"/>
+          </p:cNvPicPr>
+          <p:nvPr/>
+        </p:nvPicPr>
+        <p:blipFill>
+          <a:blip r:embed="rId2"/>
+          <a:stretch>
+            <a:fillRect/>
+          </a:stretch>
+        </p:blipFill>
+        <p:spPr>
+          <a:xfrm>
+            <a:off x="6096000" y="1137513"/>
+            <a:ext cx="5455921" cy="4582973"/>
+          </a:xfrm>
+          <a:prstGeom prst="rect">
+            <a:avLst/>
+          </a:prstGeom>
+        </p:spPr>
+      </p:pic>
+    </p:spTree>
+    <p:extLst>
+      <p:ext uri="{BB962C8B-B14F-4D97-AF65-F5344CB8AC3E}">
+        <p14:creationId xmlns:p14="http://schemas.microsoft.com/office/powerpoint/2010/main" val="424181482"/>
       </p:ext>
     </p:extLst>
   </p:cSld>
@@ -42709,7 +42805,7 @@
         <p:spPr/>
         <p:txBody>
           <a:bodyPr>
-            <a:normAutofit/>
+            <a:normAutofit fontScale="90000"/>
           </a:bodyPr>
           <a:lstStyle/>
           <a:p>
@@ -42952,7 +43048,7 @@
         <p:spPr/>
         <p:txBody>
           <a:bodyPr>
-            <a:normAutofit/>
+            <a:normAutofit fontScale="90000"/>
           </a:bodyPr>
           <a:lstStyle/>
           <a:p>
@@ -43118,7 +43214,7 @@
         <p:spPr/>
         <p:txBody>
           <a:bodyPr>
-            <a:normAutofit/>
+            <a:normAutofit fontScale="90000"/>
           </a:bodyPr>
           <a:lstStyle/>
           <a:p>

--- a/Derivatives.pptx
+++ b/Derivatives.pptx
@@ -5429,7 +5429,7 @@
 <dgm:dataModel xmlns:dgm="http://schemas.openxmlformats.org/drawingml/2006/diagram" xmlns:a="http://schemas.openxmlformats.org/drawingml/2006/main">
   <dgm:ptLst>
     <dgm:pt modelId="{D1B65AD8-174B-4062-BF05-55E5FA535CD5}" type="doc">
-      <dgm:prSet loTypeId="urn:microsoft.com/office/officeart/2005/8/layout/vList2" loCatId="list" qsTypeId="urn:microsoft.com/office/officeart/2005/8/quickstyle/simple1" qsCatId="simple" csTypeId="urn:microsoft.com/office/officeart/2005/8/colors/accent1_2" csCatId="accent1"/>
+      <dgm:prSet loTypeId="urn:microsoft.com/office/officeart/2008/layout/LinedList" loCatId="list" qsTypeId="urn:microsoft.com/office/officeart/2005/8/quickstyle/simple1" qsCatId="simple" csTypeId="urn:microsoft.com/office/officeart/2005/8/colors/accent1_2" csCatId="accent1"/>
       <dgm:spPr/>
       <dgm:t>
         <a:bodyPr/>
@@ -5447,11 +5447,11 @@
         <a:lstStyle/>
         <a:p>
           <a:r>
-            <a:rPr lang="en-US" dirty="0"/>
+            <a:rPr lang="en-US"/>
             <a:t>By standardizing these contracts and creating an organized market with rules, regulations, and a central clearing facility, the futures markets offer an element of </a:t>
           </a:r>
           <a:r>
-            <a:rPr lang="en-US" dirty="0">
+            <a:rPr lang="en-US">
               <a:solidFill>
                 <a:srgbClr val="FF0000"/>
               </a:solidFill>
@@ -5459,17 +5459,22 @@
             <a:t>liquidity</a:t>
           </a:r>
           <a:r>
-            <a:rPr lang="en-US" dirty="0"/>
+            <a:rPr lang="en-US"/>
             <a:t> and </a:t>
           </a:r>
           <a:r>
-            <a:rPr lang="en-US" dirty="0">
+            <a:rPr lang="en-US">
               <a:solidFill>
                 <a:srgbClr val="FF0000"/>
               </a:solidFill>
             </a:rPr>
             <a:t>protection against loss by default.</a:t>
           </a:r>
+          <a:endParaRPr lang="en-US" dirty="0">
+            <a:solidFill>
+              <a:srgbClr val="FF0000"/>
+            </a:solidFill>
+          </a:endParaRPr>
         </a:p>
       </dgm:t>
     </dgm:pt>
@@ -5503,11 +5508,11 @@
         <a:lstStyle/>
         <a:p>
           <a:r>
-            <a:rPr lang="en-US" dirty="0"/>
+            <a:rPr lang="en-US"/>
             <a:t>Futures exchanges are </a:t>
           </a:r>
           <a:r>
-            <a:rPr lang="en-US" dirty="0">
+            <a:rPr lang="en-US">
               <a:solidFill>
                 <a:srgbClr val="FF0000"/>
               </a:solidFill>
@@ -5515,9 +5520,10 @@
             <a:t>highly regulated </a:t>
           </a:r>
           <a:r>
-            <a:rPr lang="en-US" dirty="0"/>
+            <a:rPr lang="en-US"/>
             <a:t>at the national level in all countries.</a:t>
           </a:r>
+          <a:endParaRPr lang="en-US" dirty="0"/>
         </a:p>
       </dgm:t>
     </dgm:pt>
@@ -5551,11 +5557,11 @@
         <a:lstStyle/>
         <a:p>
           <a:r>
-            <a:rPr lang="en-US" dirty="0"/>
+            <a:rPr lang="en-US"/>
             <a:t>Some futures contracts also limit daily price changes. These rules, called </a:t>
           </a:r>
           <a:r>
-            <a:rPr lang="en-US" dirty="0">
+            <a:rPr lang="en-US">
               <a:solidFill>
                 <a:srgbClr val="FF0000"/>
               </a:solidFill>
@@ -5563,9 +5569,10 @@
             <a:t>price limits</a:t>
           </a:r>
           <a:r>
-            <a:rPr lang="en-US" dirty="0"/>
+            <a:rPr lang="en-US"/>
             <a:t>, establish a band relative to the previous day’s settlement price within which all trades must occur. </a:t>
           </a:r>
+          <a:endParaRPr lang="en-US" dirty="0"/>
         </a:p>
       </dgm:t>
     </dgm:pt>
@@ -5599,11 +5606,11 @@
         <a:lstStyle/>
         <a:p>
           <a:r>
-            <a:rPr lang="en-US" dirty="0"/>
+            <a:rPr lang="en-US"/>
             <a:t>In other cases, exchanges use what is called a </a:t>
           </a:r>
           <a:r>
-            <a:rPr lang="en-US" dirty="0">
+            <a:rPr lang="en-US">
               <a:solidFill>
                 <a:srgbClr val="FF0000"/>
               </a:solidFill>
@@ -5611,9 +5618,10 @@
             <a:t>circuit breaker </a:t>
           </a:r>
           <a:r>
-            <a:rPr lang="en-US" dirty="0"/>
+            <a:rPr lang="en-US"/>
             <a:t>to pause intraday trading for a brief period if a price limit is reached. </a:t>
           </a:r>
+          <a:endParaRPr lang="en-US" dirty="0"/>
         </a:p>
       </dgm:t>
     </dgm:pt>
@@ -5639,81 +5647,107 @@
         </a:p>
       </dgm:t>
     </dgm:pt>
-    <dgm:pt modelId="{5602F172-A983-1C4D-B110-7FA3C9CE34A4}" type="pres">
-      <dgm:prSet presAssocID="{D1B65AD8-174B-4062-BF05-55E5FA535CD5}" presName="linear" presStyleCnt="0">
+    <dgm:pt modelId="{84B47712-FD26-CC49-879F-0F7CAD434D73}" type="pres">
+      <dgm:prSet presAssocID="{D1B65AD8-174B-4062-BF05-55E5FA535CD5}" presName="vert0" presStyleCnt="0">
         <dgm:presLayoutVars>
+          <dgm:dir/>
+          <dgm:animOne val="branch"/>
           <dgm:animLvl val="lvl"/>
-          <dgm:resizeHandles val="exact"/>
         </dgm:presLayoutVars>
       </dgm:prSet>
       <dgm:spPr/>
     </dgm:pt>
-    <dgm:pt modelId="{C08FA8F8-DA9E-8B44-8D6F-6375A3536BD1}" type="pres">
-      <dgm:prSet presAssocID="{0EF7827D-B6DB-4485-B0C7-8E2167C10211}" presName="parentText" presStyleLbl="node1" presStyleIdx="0" presStyleCnt="4">
-        <dgm:presLayoutVars>
-          <dgm:chMax val="0"/>
-          <dgm:bulletEnabled val="1"/>
-        </dgm:presLayoutVars>
-      </dgm:prSet>
+    <dgm:pt modelId="{97DFD4A7-C2A1-C74F-A973-5F9A167B4112}" type="pres">
+      <dgm:prSet presAssocID="{0EF7827D-B6DB-4485-B0C7-8E2167C10211}" presName="thickLine" presStyleLbl="alignNode1" presStyleIdx="0" presStyleCnt="4"/>
       <dgm:spPr/>
     </dgm:pt>
-    <dgm:pt modelId="{14E74796-704B-084B-9CA9-0759E81FFA02}" type="pres">
-      <dgm:prSet presAssocID="{3E41C04B-59D8-405B-A436-1890E66ACD9F}" presName="spacer" presStyleCnt="0"/>
+    <dgm:pt modelId="{7EDF30D1-633C-6D46-846D-3EC342240150}" type="pres">
+      <dgm:prSet presAssocID="{0EF7827D-B6DB-4485-B0C7-8E2167C10211}" presName="horz1" presStyleCnt="0"/>
       <dgm:spPr/>
     </dgm:pt>
-    <dgm:pt modelId="{352C9AC7-103F-8044-8984-F5154942BA12}" type="pres">
-      <dgm:prSet presAssocID="{82615668-9298-41E1-B341-8A4546B2A4E5}" presName="parentText" presStyleLbl="node1" presStyleIdx="1" presStyleCnt="4">
-        <dgm:presLayoutVars>
-          <dgm:chMax val="0"/>
-          <dgm:bulletEnabled val="1"/>
-        </dgm:presLayoutVars>
-      </dgm:prSet>
+    <dgm:pt modelId="{560CAC27-02F5-E442-8BE3-0C95993508B0}" type="pres">
+      <dgm:prSet presAssocID="{0EF7827D-B6DB-4485-B0C7-8E2167C10211}" presName="tx1" presStyleLbl="revTx" presStyleIdx="0" presStyleCnt="4"/>
       <dgm:spPr/>
     </dgm:pt>
-    <dgm:pt modelId="{AC66093A-6C84-B249-A239-7C156047F6FA}" type="pres">
-      <dgm:prSet presAssocID="{66B92007-DDF1-43ED-B4CF-AEC388F928B6}" presName="spacer" presStyleCnt="0"/>
+    <dgm:pt modelId="{2AADE89F-F613-6C44-B22B-E1BB787E8F74}" type="pres">
+      <dgm:prSet presAssocID="{0EF7827D-B6DB-4485-B0C7-8E2167C10211}" presName="vert1" presStyleCnt="0"/>
       <dgm:spPr/>
     </dgm:pt>
-    <dgm:pt modelId="{5BFB7A5C-E8B1-C443-8439-A4D5978B922F}" type="pres">
-      <dgm:prSet presAssocID="{B2AF295F-D774-49A4-BB34-FB57A47646C2}" presName="parentText" presStyleLbl="node1" presStyleIdx="2" presStyleCnt="4">
-        <dgm:presLayoutVars>
-          <dgm:chMax val="0"/>
-          <dgm:bulletEnabled val="1"/>
-        </dgm:presLayoutVars>
-      </dgm:prSet>
+    <dgm:pt modelId="{F1D31064-4C06-1540-BE8C-5FE12E95365F}" type="pres">
+      <dgm:prSet presAssocID="{82615668-9298-41E1-B341-8A4546B2A4E5}" presName="thickLine" presStyleLbl="alignNode1" presStyleIdx="1" presStyleCnt="4"/>
       <dgm:spPr/>
     </dgm:pt>
-    <dgm:pt modelId="{88E48E28-EC49-7E4F-9278-5D057BE79357}" type="pres">
-      <dgm:prSet presAssocID="{BF450C8A-38B2-40D2-A973-E50C5DB8734D}" presName="spacer" presStyleCnt="0"/>
+    <dgm:pt modelId="{BAC8157D-49B2-FC46-9F2A-C8C0EB942576}" type="pres">
+      <dgm:prSet presAssocID="{82615668-9298-41E1-B341-8A4546B2A4E5}" presName="horz1" presStyleCnt="0"/>
       <dgm:spPr/>
     </dgm:pt>
-    <dgm:pt modelId="{F6F4EDB1-3BE7-2844-81C8-E0A2E03EC209}" type="pres">
-      <dgm:prSet presAssocID="{BFDF2C22-9BAB-45BF-A3EF-D491AEB77377}" presName="parentText" presStyleLbl="node1" presStyleIdx="3" presStyleCnt="4">
-        <dgm:presLayoutVars>
-          <dgm:chMax val="0"/>
-          <dgm:bulletEnabled val="1"/>
-        </dgm:presLayoutVars>
-      </dgm:prSet>
+    <dgm:pt modelId="{6E378C91-B29D-FE40-99FF-CE022965CD4C}" type="pres">
+      <dgm:prSet presAssocID="{82615668-9298-41E1-B341-8A4546B2A4E5}" presName="tx1" presStyleLbl="revTx" presStyleIdx="1" presStyleCnt="4"/>
+      <dgm:spPr/>
+    </dgm:pt>
+    <dgm:pt modelId="{B3065F60-3C0C-1442-930E-D191883BDEE3}" type="pres">
+      <dgm:prSet presAssocID="{82615668-9298-41E1-B341-8A4546B2A4E5}" presName="vert1" presStyleCnt="0"/>
+      <dgm:spPr/>
+    </dgm:pt>
+    <dgm:pt modelId="{F4F2A090-F9CA-CA40-9462-A2C95A9A2465}" type="pres">
+      <dgm:prSet presAssocID="{B2AF295F-D774-49A4-BB34-FB57A47646C2}" presName="thickLine" presStyleLbl="alignNode1" presStyleIdx="2" presStyleCnt="4"/>
+      <dgm:spPr/>
+    </dgm:pt>
+    <dgm:pt modelId="{B146FACA-EA14-2441-9596-4501AE44EE89}" type="pres">
+      <dgm:prSet presAssocID="{B2AF295F-D774-49A4-BB34-FB57A47646C2}" presName="horz1" presStyleCnt="0"/>
+      <dgm:spPr/>
+    </dgm:pt>
+    <dgm:pt modelId="{92898DB0-0AFA-804C-BE7C-226DD71C3525}" type="pres">
+      <dgm:prSet presAssocID="{B2AF295F-D774-49A4-BB34-FB57A47646C2}" presName="tx1" presStyleLbl="revTx" presStyleIdx="2" presStyleCnt="4"/>
+      <dgm:spPr/>
+    </dgm:pt>
+    <dgm:pt modelId="{DBC0AB16-076A-A145-A81F-4D4BFC568ECE}" type="pres">
+      <dgm:prSet presAssocID="{B2AF295F-D774-49A4-BB34-FB57A47646C2}" presName="vert1" presStyleCnt="0"/>
+      <dgm:spPr/>
+    </dgm:pt>
+    <dgm:pt modelId="{282D01C7-5421-FC47-B894-A52C8C71D1AA}" type="pres">
+      <dgm:prSet presAssocID="{BFDF2C22-9BAB-45BF-A3EF-D491AEB77377}" presName="thickLine" presStyleLbl="alignNode1" presStyleIdx="3" presStyleCnt="4"/>
+      <dgm:spPr/>
+    </dgm:pt>
+    <dgm:pt modelId="{CB965484-A3E5-734B-BFA5-B5C2C3DB243C}" type="pres">
+      <dgm:prSet presAssocID="{BFDF2C22-9BAB-45BF-A3EF-D491AEB77377}" presName="horz1" presStyleCnt="0"/>
+      <dgm:spPr/>
+    </dgm:pt>
+    <dgm:pt modelId="{1D8084A1-529C-284C-949D-7A4361452083}" type="pres">
+      <dgm:prSet presAssocID="{BFDF2C22-9BAB-45BF-A3EF-D491AEB77377}" presName="tx1" presStyleLbl="revTx" presStyleIdx="3" presStyleCnt="4"/>
+      <dgm:spPr/>
+    </dgm:pt>
+    <dgm:pt modelId="{2E9DD721-A7AD-CA41-A166-61DC44EBBB85}" type="pres">
+      <dgm:prSet presAssocID="{BFDF2C22-9BAB-45BF-A3EF-D491AEB77377}" presName="vert1" presStyleCnt="0"/>
       <dgm:spPr/>
     </dgm:pt>
   </dgm:ptLst>
   <dgm:cxnLst>
-    <dgm:cxn modelId="{8E685A22-269E-694A-A8B0-BA5211F340B1}" type="presOf" srcId="{B2AF295F-D774-49A4-BB34-FB57A47646C2}" destId="{5BFB7A5C-E8B1-C443-8439-A4D5978B922F}" srcOrd="0" destOrd="0" presId="urn:microsoft.com/office/officeart/2005/8/layout/vList2"/>
-    <dgm:cxn modelId="{7911562B-8475-0549-9251-C26D7E8E8F78}" type="presOf" srcId="{82615668-9298-41E1-B341-8A4546B2A4E5}" destId="{352C9AC7-103F-8044-8984-F5154942BA12}" srcOrd="0" destOrd="0" presId="urn:microsoft.com/office/officeart/2005/8/layout/vList2"/>
-    <dgm:cxn modelId="{9CB57C4D-E06C-6747-A6A9-9D5DBA1EF183}" type="presOf" srcId="{BFDF2C22-9BAB-45BF-A3EF-D491AEB77377}" destId="{F6F4EDB1-3BE7-2844-81C8-E0A2E03EC209}" srcOrd="0" destOrd="0" presId="urn:microsoft.com/office/officeart/2005/8/layout/vList2"/>
+    <dgm:cxn modelId="{330DA824-852B-4645-AB82-1B215BFF56A4}" type="presOf" srcId="{0EF7827D-B6DB-4485-B0C7-8E2167C10211}" destId="{560CAC27-02F5-E442-8BE3-0C95993508B0}" srcOrd="0" destOrd="0" presId="urn:microsoft.com/office/officeart/2008/layout/LinedList"/>
+    <dgm:cxn modelId="{119A1B28-F2B4-BD40-9DA3-DE2E7B55EED4}" type="presOf" srcId="{B2AF295F-D774-49A4-BB34-FB57A47646C2}" destId="{92898DB0-0AFA-804C-BE7C-226DD71C3525}" srcOrd="0" destOrd="0" presId="urn:microsoft.com/office/officeart/2008/layout/LinedList"/>
     <dgm:cxn modelId="{1DB93653-08FF-471B-B649-B9CF6EAE370F}" srcId="{D1B65AD8-174B-4062-BF05-55E5FA535CD5}" destId="{0EF7827D-B6DB-4485-B0C7-8E2167C10211}" srcOrd="0" destOrd="0" parTransId="{39B5CF56-C446-4E10-9541-4D1001826C53}" sibTransId="{3E41C04B-59D8-405B-A436-1890E66ACD9F}"/>
-    <dgm:cxn modelId="{97AFC4AA-C5DE-E54F-8C8E-9D71E732626C}" type="presOf" srcId="{D1B65AD8-174B-4062-BF05-55E5FA535CD5}" destId="{5602F172-A983-1C4D-B110-7FA3C9CE34A4}" srcOrd="0" destOrd="0" presId="urn:microsoft.com/office/officeart/2005/8/layout/vList2"/>
-    <dgm:cxn modelId="{CA8447BF-7EE2-6740-8E50-3A8E8521AB49}" type="presOf" srcId="{0EF7827D-B6DB-4485-B0C7-8E2167C10211}" destId="{C08FA8F8-DA9E-8B44-8D6F-6375A3536BD1}" srcOrd="0" destOrd="0" presId="urn:microsoft.com/office/officeart/2005/8/layout/vList2"/>
+    <dgm:cxn modelId="{0558FE5A-FC6E-8843-95ED-8CEEF93B335F}" type="presOf" srcId="{82615668-9298-41E1-B341-8A4546B2A4E5}" destId="{6E378C91-B29D-FE40-99FF-CE022965CD4C}" srcOrd="0" destOrd="0" presId="urn:microsoft.com/office/officeart/2008/layout/LinedList"/>
+    <dgm:cxn modelId="{11DD5CD0-F450-4C43-BBB0-F6F6CA9BC59D}" type="presOf" srcId="{BFDF2C22-9BAB-45BF-A3EF-D491AEB77377}" destId="{1D8084A1-529C-284C-949D-7A4361452083}" srcOrd="0" destOrd="0" presId="urn:microsoft.com/office/officeart/2008/layout/LinedList"/>
     <dgm:cxn modelId="{23E907D5-C655-45F6-A5D5-5C2BFF16C164}" srcId="{D1B65AD8-174B-4062-BF05-55E5FA535CD5}" destId="{B2AF295F-D774-49A4-BB34-FB57A47646C2}" srcOrd="2" destOrd="0" parTransId="{476ADF77-062C-4DD5-AB76-524873A84D53}" sibTransId="{BF450C8A-38B2-40D2-A973-E50C5DB8734D}"/>
     <dgm:cxn modelId="{691611D9-D5AE-4585-8ED2-7834EB1C9B1B}" srcId="{D1B65AD8-174B-4062-BF05-55E5FA535CD5}" destId="{BFDF2C22-9BAB-45BF-A3EF-D491AEB77377}" srcOrd="3" destOrd="0" parTransId="{8DC2B6DC-0C6B-4418-AE81-FA5D6D322016}" sibTransId="{1882DD2C-78D8-4BC9-B831-7D26BE287A37}"/>
+    <dgm:cxn modelId="{4A06AADC-3D82-D14C-88BF-3596FCE41453}" type="presOf" srcId="{D1B65AD8-174B-4062-BF05-55E5FA535CD5}" destId="{84B47712-FD26-CC49-879F-0F7CAD434D73}" srcOrd="0" destOrd="0" presId="urn:microsoft.com/office/officeart/2008/layout/LinedList"/>
     <dgm:cxn modelId="{7F222AFD-41E8-4CB4-B2A1-403C99D9F63B}" srcId="{D1B65AD8-174B-4062-BF05-55E5FA535CD5}" destId="{82615668-9298-41E1-B341-8A4546B2A4E5}" srcOrd="1" destOrd="0" parTransId="{A74D0589-7572-4312-94CA-98327AF8A4A0}" sibTransId="{66B92007-DDF1-43ED-B4CF-AEC388F928B6}"/>
-    <dgm:cxn modelId="{FFBD25E6-E18A-C740-8B4C-94E8E18BF186}" type="presParOf" srcId="{5602F172-A983-1C4D-B110-7FA3C9CE34A4}" destId="{C08FA8F8-DA9E-8B44-8D6F-6375A3536BD1}" srcOrd="0" destOrd="0" presId="urn:microsoft.com/office/officeart/2005/8/layout/vList2"/>
-    <dgm:cxn modelId="{A961A733-2966-154A-A3A5-963CBD2707DE}" type="presParOf" srcId="{5602F172-A983-1C4D-B110-7FA3C9CE34A4}" destId="{14E74796-704B-084B-9CA9-0759E81FFA02}" srcOrd="1" destOrd="0" presId="urn:microsoft.com/office/officeart/2005/8/layout/vList2"/>
-    <dgm:cxn modelId="{66A378BE-709C-F84E-B6DF-97F3B103DC82}" type="presParOf" srcId="{5602F172-A983-1C4D-B110-7FA3C9CE34A4}" destId="{352C9AC7-103F-8044-8984-F5154942BA12}" srcOrd="2" destOrd="0" presId="urn:microsoft.com/office/officeart/2005/8/layout/vList2"/>
-    <dgm:cxn modelId="{A196878C-D945-434E-BD35-2C93362DB810}" type="presParOf" srcId="{5602F172-A983-1C4D-B110-7FA3C9CE34A4}" destId="{AC66093A-6C84-B249-A239-7C156047F6FA}" srcOrd="3" destOrd="0" presId="urn:microsoft.com/office/officeart/2005/8/layout/vList2"/>
-    <dgm:cxn modelId="{84DB4B4B-B2CA-C14A-8EAD-119F2271B231}" type="presParOf" srcId="{5602F172-A983-1C4D-B110-7FA3C9CE34A4}" destId="{5BFB7A5C-E8B1-C443-8439-A4D5978B922F}" srcOrd="4" destOrd="0" presId="urn:microsoft.com/office/officeart/2005/8/layout/vList2"/>
-    <dgm:cxn modelId="{C25552AA-8CFB-4C4F-9A1C-A4FE0F400034}" type="presParOf" srcId="{5602F172-A983-1C4D-B110-7FA3C9CE34A4}" destId="{88E48E28-EC49-7E4F-9278-5D057BE79357}" srcOrd="5" destOrd="0" presId="urn:microsoft.com/office/officeart/2005/8/layout/vList2"/>
-    <dgm:cxn modelId="{4E6B486F-6833-584E-9362-5FBB8349F55B}" type="presParOf" srcId="{5602F172-A983-1C4D-B110-7FA3C9CE34A4}" destId="{F6F4EDB1-3BE7-2844-81C8-E0A2E03EC209}" srcOrd="6" destOrd="0" presId="urn:microsoft.com/office/officeart/2005/8/layout/vList2"/>
+    <dgm:cxn modelId="{24C29948-7D97-A441-B16E-F54C38130A5A}" type="presParOf" srcId="{84B47712-FD26-CC49-879F-0F7CAD434D73}" destId="{97DFD4A7-C2A1-C74F-A973-5F9A167B4112}" srcOrd="0" destOrd="0" presId="urn:microsoft.com/office/officeart/2008/layout/LinedList"/>
+    <dgm:cxn modelId="{153DC5AC-C539-0749-A341-D838AEC46272}" type="presParOf" srcId="{84B47712-FD26-CC49-879F-0F7CAD434D73}" destId="{7EDF30D1-633C-6D46-846D-3EC342240150}" srcOrd="1" destOrd="0" presId="urn:microsoft.com/office/officeart/2008/layout/LinedList"/>
+    <dgm:cxn modelId="{7BBBF3D3-9407-1E4E-953C-8666A1683978}" type="presParOf" srcId="{7EDF30D1-633C-6D46-846D-3EC342240150}" destId="{560CAC27-02F5-E442-8BE3-0C95993508B0}" srcOrd="0" destOrd="0" presId="urn:microsoft.com/office/officeart/2008/layout/LinedList"/>
+    <dgm:cxn modelId="{7DBDBD11-B45E-F24F-B281-604E293FDE1C}" type="presParOf" srcId="{7EDF30D1-633C-6D46-846D-3EC342240150}" destId="{2AADE89F-F613-6C44-B22B-E1BB787E8F74}" srcOrd="1" destOrd="0" presId="urn:microsoft.com/office/officeart/2008/layout/LinedList"/>
+    <dgm:cxn modelId="{7BA57D08-E205-3D4F-9246-905C0DCE7AC8}" type="presParOf" srcId="{84B47712-FD26-CC49-879F-0F7CAD434D73}" destId="{F1D31064-4C06-1540-BE8C-5FE12E95365F}" srcOrd="2" destOrd="0" presId="urn:microsoft.com/office/officeart/2008/layout/LinedList"/>
+    <dgm:cxn modelId="{885960B7-A465-244E-B161-E0FE24240E2B}" type="presParOf" srcId="{84B47712-FD26-CC49-879F-0F7CAD434D73}" destId="{BAC8157D-49B2-FC46-9F2A-C8C0EB942576}" srcOrd="3" destOrd="0" presId="urn:microsoft.com/office/officeart/2008/layout/LinedList"/>
+    <dgm:cxn modelId="{4A1B3A86-4051-124F-B953-B752791E51B0}" type="presParOf" srcId="{BAC8157D-49B2-FC46-9F2A-C8C0EB942576}" destId="{6E378C91-B29D-FE40-99FF-CE022965CD4C}" srcOrd="0" destOrd="0" presId="urn:microsoft.com/office/officeart/2008/layout/LinedList"/>
+    <dgm:cxn modelId="{561C65C4-19E3-174E-832C-C205451A87F7}" type="presParOf" srcId="{BAC8157D-49B2-FC46-9F2A-C8C0EB942576}" destId="{B3065F60-3C0C-1442-930E-D191883BDEE3}" srcOrd="1" destOrd="0" presId="urn:microsoft.com/office/officeart/2008/layout/LinedList"/>
+    <dgm:cxn modelId="{4DDE1B70-C10D-794A-A0D6-60F01EB8C0A7}" type="presParOf" srcId="{84B47712-FD26-CC49-879F-0F7CAD434D73}" destId="{F4F2A090-F9CA-CA40-9462-A2C95A9A2465}" srcOrd="4" destOrd="0" presId="urn:microsoft.com/office/officeart/2008/layout/LinedList"/>
+    <dgm:cxn modelId="{04C040A7-2076-5143-ACF0-F2DA2D0B33E0}" type="presParOf" srcId="{84B47712-FD26-CC49-879F-0F7CAD434D73}" destId="{B146FACA-EA14-2441-9596-4501AE44EE89}" srcOrd="5" destOrd="0" presId="urn:microsoft.com/office/officeart/2008/layout/LinedList"/>
+    <dgm:cxn modelId="{5E9B6BA9-49BC-774A-A4FB-C6CEA3DE5D76}" type="presParOf" srcId="{B146FACA-EA14-2441-9596-4501AE44EE89}" destId="{92898DB0-0AFA-804C-BE7C-226DD71C3525}" srcOrd="0" destOrd="0" presId="urn:microsoft.com/office/officeart/2008/layout/LinedList"/>
+    <dgm:cxn modelId="{60C836D7-F297-1847-B8EF-7829A1F74469}" type="presParOf" srcId="{B146FACA-EA14-2441-9596-4501AE44EE89}" destId="{DBC0AB16-076A-A145-A81F-4D4BFC568ECE}" srcOrd="1" destOrd="0" presId="urn:microsoft.com/office/officeart/2008/layout/LinedList"/>
+    <dgm:cxn modelId="{F4818542-267F-0449-91D4-DF01FDDA5A93}" type="presParOf" srcId="{84B47712-FD26-CC49-879F-0F7CAD434D73}" destId="{282D01C7-5421-FC47-B894-A52C8C71D1AA}" srcOrd="6" destOrd="0" presId="urn:microsoft.com/office/officeart/2008/layout/LinedList"/>
+    <dgm:cxn modelId="{74415844-A81D-6749-8360-ECB25F3FF792}" type="presParOf" srcId="{84B47712-FD26-CC49-879F-0F7CAD434D73}" destId="{CB965484-A3E5-734B-BFA5-B5C2C3DB243C}" srcOrd="7" destOrd="0" presId="urn:microsoft.com/office/officeart/2008/layout/LinedList"/>
+    <dgm:cxn modelId="{702404BC-9EE2-CF48-89F4-391F2FD48BF5}" type="presParOf" srcId="{CB965484-A3E5-734B-BFA5-B5C2C3DB243C}" destId="{1D8084A1-529C-284C-949D-7A4361452083}" srcOrd="0" destOrd="0" presId="urn:microsoft.com/office/officeart/2008/layout/LinedList"/>
+    <dgm:cxn modelId="{6F3949F2-CAFF-A342-99C1-14EC46D1E20D}" type="presParOf" srcId="{CB965484-A3E5-734B-BFA5-B5C2C3DB243C}" destId="{2E9DD721-A7AD-CA41-A166-61DC44EBBB85}" srcOrd="1" destOrd="0" presId="urn:microsoft.com/office/officeart/2008/layout/LinedList"/>
   </dgm:cxnLst>
   <dgm:bg/>
   <dgm:whole/>
@@ -6585,8 +6619,8 @@
       </dsp:nvSpPr>
       <dsp:spPr>
         <a:xfrm>
-          <a:off x="0" y="70172"/>
-          <a:ext cx="9720262" cy="1902310"/>
+          <a:off x="0" y="166171"/>
+          <a:ext cx="9720262" cy="1804871"/>
         </a:xfrm>
         <a:prstGeom prst="roundRect">
           <a:avLst/>
@@ -6627,12 +6661,12 @@
         </a:fontRef>
       </dsp:style>
       <dsp:txBody>
-        <a:bodyPr spcFirstLastPara="0" vert="horz" wrap="square" lIns="102870" tIns="102870" rIns="102870" bIns="102870" numCol="1" spcCol="1270" anchor="ctr" anchorCtr="0">
+        <a:bodyPr spcFirstLastPara="0" vert="horz" wrap="square" lIns="106680" tIns="106680" rIns="106680" bIns="106680" numCol="1" spcCol="1270" anchor="ctr" anchorCtr="0">
           <a:noAutofit/>
         </a:bodyPr>
         <a:lstStyle/>
         <a:p>
-          <a:pPr marL="0" lvl="0" indent="0" algn="l" defTabSz="1200150">
+          <a:pPr marL="0" lvl="0" indent="0" algn="l" defTabSz="1244600">
             <a:lnSpc>
               <a:spcPct val="90000"/>
             </a:lnSpc>
@@ -6645,11 +6679,11 @@
             <a:buNone/>
           </a:pPr>
           <a:r>
-            <a:rPr lang="en-US" sz="2700" kern="1200" dirty="0"/>
+            <a:rPr lang="en-US" sz="2800" kern="1200" dirty="0"/>
             <a:t>Definition: Futures contracts are forward contracts with </a:t>
           </a:r>
           <a:r>
-            <a:rPr lang="en-US" sz="2700" kern="1200" dirty="0">
+            <a:rPr lang="en-US" sz="2800" kern="1200" dirty="0">
               <a:solidFill>
                 <a:srgbClr val="FF0000"/>
               </a:solidFill>
@@ -6657,14 +6691,14 @@
             <a:t>standardized</a:t>
           </a:r>
           <a:r>
-            <a:rPr lang="en-US" sz="2700" kern="1200" dirty="0"/>
+            <a:rPr lang="en-US" sz="2800" kern="1200" dirty="0"/>
             <a:t> sizes, dates, and underlying that trade on futures exchanges.</a:t>
           </a:r>
         </a:p>
       </dsp:txBody>
       <dsp:txXfrm>
-        <a:off x="92863" y="163035"/>
-        <a:ext cx="9534536" cy="1716584"/>
+        <a:off x="88107" y="254278"/>
+        <a:ext cx="9544048" cy="1628657"/>
       </dsp:txXfrm>
     </dsp:sp>
     <dsp:sp modelId="{3200F415-B300-1C4F-8BC2-0178721ECBA0}">
@@ -6674,8 +6708,8 @@
       </dsp:nvSpPr>
       <dsp:spPr>
         <a:xfrm>
-          <a:off x="0" y="2050242"/>
-          <a:ext cx="9720262" cy="1902310"/>
+          <a:off x="0" y="2051682"/>
+          <a:ext cx="9720262" cy="1804871"/>
         </a:xfrm>
         <a:prstGeom prst="roundRect">
           <a:avLst/>
@@ -6716,12 +6750,12 @@
         </a:fontRef>
       </dsp:style>
       <dsp:txBody>
-        <a:bodyPr spcFirstLastPara="0" vert="horz" wrap="square" lIns="102870" tIns="102870" rIns="102870" bIns="102870" numCol="1" spcCol="1270" anchor="ctr" anchorCtr="0">
+        <a:bodyPr spcFirstLastPara="0" vert="horz" wrap="square" lIns="106680" tIns="106680" rIns="106680" bIns="106680" numCol="1" spcCol="1270" anchor="ctr" anchorCtr="0">
           <a:noAutofit/>
         </a:bodyPr>
         <a:lstStyle/>
         <a:p>
-          <a:pPr marL="0" lvl="0" indent="0" algn="l" defTabSz="1200150">
+          <a:pPr marL="0" lvl="0" indent="0" algn="l" defTabSz="1244600">
             <a:lnSpc>
               <a:spcPct val="90000"/>
             </a:lnSpc>
@@ -6734,11 +6768,11 @@
             <a:buNone/>
           </a:pPr>
           <a:r>
-            <a:rPr lang="en-US" sz="2700" kern="1200" dirty="0"/>
+            <a:rPr lang="en-US" sz="2800" kern="1200" dirty="0"/>
             <a:t>The futures contract buyer creates a long exposure to the underlying by agreeing to purchase the underlying at a later date at a pre-agreed price. The seller makes the opposite commitment. This agreed-on price is called the </a:t>
           </a:r>
           <a:r>
-            <a:rPr lang="en-US" sz="2700" kern="1200" dirty="0">
+            <a:rPr lang="en-US" sz="2800" kern="1200" dirty="0">
               <a:solidFill>
                 <a:srgbClr val="FF0000"/>
               </a:solidFill>
@@ -6748,8 +6782,8 @@
         </a:p>
       </dsp:txBody>
       <dsp:txXfrm>
-        <a:off x="92863" y="2143105"/>
-        <a:ext cx="9534536" cy="1716584"/>
+        <a:off x="88107" y="2139789"/>
+        <a:ext cx="9544048" cy="1628657"/>
       </dsp:txXfrm>
     </dsp:sp>
   </dsp:spTree>
@@ -6892,7 +6926,7 @@
         </a:bodyPr>
         <a:lstStyle/>
         <a:p>
-          <a:pPr marL="0" lvl="0" indent="0" algn="l" defTabSz="844550">
+          <a:pPr marL="0" lvl="0" indent="0" algn="l" defTabSz="933450">
             <a:lnSpc>
               <a:spcPct val="100000"/>
             </a:lnSpc>
@@ -6905,11 +6939,11 @@
             <a:buNone/>
           </a:pPr>
           <a:r>
-            <a:rPr lang="en-US" sz="1900" kern="1200" dirty="0"/>
+            <a:rPr lang="en-US" sz="2100" kern="1200" dirty="0"/>
             <a:t>Probably the most important distinctive characteristic of futures contracts is the </a:t>
           </a:r>
           <a:r>
-            <a:rPr lang="en-US" sz="1900" kern="1200" dirty="0">
+            <a:rPr lang="en-US" sz="2100" kern="1200" dirty="0">
               <a:solidFill>
                 <a:srgbClr val="FF0000"/>
               </a:solidFill>
@@ -6917,11 +6951,11 @@
             <a:t>daily settlement </a:t>
           </a:r>
           <a:r>
-            <a:rPr lang="en-US" sz="1900" kern="1200" dirty="0"/>
+            <a:rPr lang="en-US" sz="2100" kern="1200" dirty="0"/>
             <a:t>of gains and losses and the associated </a:t>
           </a:r>
           <a:r>
-            <a:rPr lang="en-US" sz="1900" kern="1200" dirty="0">
+            <a:rPr lang="en-US" sz="2100" kern="1200" dirty="0">
               <a:solidFill>
                 <a:srgbClr val="FF0000"/>
               </a:solidFill>
@@ -6929,7 +6963,7 @@
             <a:t>credit guarantee </a:t>
           </a:r>
           <a:r>
-            <a:rPr lang="en-US" sz="1900" kern="1200" dirty="0"/>
+            <a:rPr lang="en-US" sz="2100" kern="1200" dirty="0"/>
             <a:t>provided by the exchange through its clearinghouse.</a:t>
           </a:r>
         </a:p>
@@ -7067,7 +7101,7 @@
         </a:bodyPr>
         <a:lstStyle/>
         <a:p>
-          <a:pPr marL="0" lvl="0" indent="0" algn="l" defTabSz="844550">
+          <a:pPr marL="0" lvl="0" indent="0" algn="l" defTabSz="933450">
             <a:lnSpc>
               <a:spcPct val="100000"/>
             </a:lnSpc>
@@ -7080,11 +7114,11 @@
             <a:buNone/>
           </a:pPr>
           <a:r>
-            <a:rPr lang="en-US" sz="1900" kern="1200" dirty="0"/>
+            <a:rPr lang="en-US" sz="2100" kern="1200" dirty="0"/>
             <a:t>At the end of each day, the clearinghouse engages in a practice called </a:t>
           </a:r>
           <a:r>
-            <a:rPr lang="en-US" sz="1900" kern="1200" dirty="0">
+            <a:rPr lang="en-US" sz="2100" kern="1200" dirty="0">
               <a:solidFill>
                 <a:srgbClr val="FF0000"/>
               </a:solidFill>
@@ -7092,11 +7126,11 @@
             <a:t>mark to market</a:t>
           </a:r>
           <a:r>
-            <a:rPr lang="en-US" sz="1900" kern="1200" dirty="0"/>
+            <a:rPr lang="en-US" sz="2100" kern="1200" dirty="0"/>
             <a:t>, also known as the </a:t>
           </a:r>
           <a:r>
-            <a:rPr lang="en-US" sz="1900" kern="1200" dirty="0">
+            <a:rPr lang="en-US" sz="2100" kern="1200" dirty="0">
               <a:solidFill>
                 <a:srgbClr val="FF0000"/>
               </a:solidFill>
@@ -7104,7 +7138,7 @@
             <a:t>daily settlement</a:t>
           </a:r>
           <a:r>
-            <a:rPr lang="en-US" sz="1900" kern="1200" dirty="0"/>
+            <a:rPr lang="en-US" sz="2100" kern="1200" dirty="0"/>
             <a:t>.</a:t>
           </a:r>
         </a:p>
@@ -7242,7 +7276,7 @@
         </a:bodyPr>
         <a:lstStyle/>
         <a:p>
-          <a:pPr marL="0" lvl="0" indent="0" algn="l" defTabSz="844550">
+          <a:pPr marL="0" lvl="0" indent="0" algn="l" defTabSz="933450">
             <a:lnSpc>
               <a:spcPct val="100000"/>
             </a:lnSpc>
@@ -7255,15 +7289,15 @@
             <a:buNone/>
           </a:pPr>
           <a:r>
-            <a:rPr lang="en-US" sz="1900" kern="1200"/>
+            <a:rPr lang="en-US" sz="2100" kern="1200"/>
             <a:t>The account is specifically referred to as a margin</a:t>
           </a:r>
           <a:r>
-            <a:rPr lang="en-US" sz="1900" b="1" kern="1200"/>
+            <a:rPr lang="en-US" sz="2100" b="1" kern="1200"/>
             <a:t> </a:t>
           </a:r>
           <a:r>
-            <a:rPr lang="en-US" sz="1900" kern="1200"/>
+            <a:rPr lang="en-US" sz="2100" kern="1200"/>
             <a:t>account.</a:t>
           </a:r>
         </a:p>
@@ -7399,17 +7433,17 @@
       <dsp:cNvGrpSpPr/>
     </dsp:nvGrpSpPr>
     <dsp:grpSpPr/>
-    <dsp:sp modelId="{C08FA8F8-DA9E-8B44-8D6F-6375A3536BD1}">
+    <dsp:sp modelId="{97DFD4A7-C2A1-C74F-A973-5F9A167B4112}">
       <dsp:nvSpPr>
         <dsp:cNvPr id="0" name=""/>
         <dsp:cNvSpPr/>
       </dsp:nvSpPr>
       <dsp:spPr>
         <a:xfrm>
-          <a:off x="0" y="585720"/>
-          <a:ext cx="9720072" cy="676260"/>
+          <a:off x="0" y="0"/>
+          <a:ext cx="9720072" cy="0"/>
         </a:xfrm>
-        <a:prstGeom prst="roundRect">
+        <a:prstGeom prst="line">
           <a:avLst/>
         </a:prstGeom>
         <a:solidFill>
@@ -7422,7 +7456,7 @@
         </a:solidFill>
         <a:ln w="15875" cap="flat" cmpd="sng" algn="ctr">
           <a:solidFill>
-            <a:schemeClr val="lt1">
+            <a:schemeClr val="accent1">
               <a:hueOff val="0"/>
               <a:satOff val="0"/>
               <a:lumOff val="0"/>
@@ -7447,13 +7481,45 @@
           <a:schemeClr val="lt1"/>
         </a:fontRef>
       </dsp:style>
+    </dsp:sp>
+    <dsp:sp modelId="{560CAC27-02F5-E442-8BE3-0C95993508B0}">
+      <dsp:nvSpPr>
+        <dsp:cNvPr id="0" name=""/>
+        <dsp:cNvSpPr/>
+      </dsp:nvSpPr>
+      <dsp:spPr>
+        <a:xfrm>
+          <a:off x="0" y="0"/>
+          <a:ext cx="9720072" cy="1005840"/>
+        </a:xfrm>
+        <a:prstGeom prst="rect">
+          <a:avLst/>
+        </a:prstGeom>
+        <a:noFill/>
+        <a:ln>
+          <a:noFill/>
+        </a:ln>
+        <a:effectLst/>
+      </dsp:spPr>
+      <dsp:style>
+        <a:lnRef idx="0">
+          <a:scrgbClr r="0" g="0" b="0"/>
+        </a:lnRef>
+        <a:fillRef idx="0">
+          <a:scrgbClr r="0" g="0" b="0"/>
+        </a:fillRef>
+        <a:effectRef idx="0">
+          <a:scrgbClr r="0" g="0" b="0"/>
+        </a:effectRef>
+        <a:fontRef idx="minor"/>
+      </dsp:style>
       <dsp:txBody>
-        <a:bodyPr spcFirstLastPara="0" vert="horz" wrap="square" lIns="64770" tIns="64770" rIns="64770" bIns="64770" numCol="1" spcCol="1270" anchor="ctr" anchorCtr="0">
+        <a:bodyPr spcFirstLastPara="0" vert="horz" wrap="square" lIns="83820" tIns="83820" rIns="83820" bIns="83820" numCol="1" spcCol="1270" anchor="t" anchorCtr="0">
           <a:noAutofit/>
         </a:bodyPr>
         <a:lstStyle/>
         <a:p>
-          <a:pPr marL="0" lvl="0" indent="0" algn="l" defTabSz="755650">
+          <a:pPr marL="0" lvl="0" indent="0" algn="l" defTabSz="977900">
             <a:lnSpc>
               <a:spcPct val="90000"/>
             </a:lnSpc>
@@ -7466,11 +7532,11 @@
             <a:buNone/>
           </a:pPr>
           <a:r>
-            <a:rPr lang="en-US" sz="1700" kern="1200" dirty="0"/>
+            <a:rPr lang="en-US" sz="2200" kern="1200"/>
             <a:t>By standardizing these contracts and creating an organized market with rules, regulations, and a central clearing facility, the futures markets offer an element of </a:t>
           </a:r>
           <a:r>
-            <a:rPr lang="en-US" sz="1700" kern="1200" dirty="0">
+            <a:rPr lang="en-US" sz="2200" kern="1200">
               <a:solidFill>
                 <a:srgbClr val="FF0000"/>
               </a:solidFill>
@@ -7478,35 +7544,40 @@
             <a:t>liquidity</a:t>
           </a:r>
           <a:r>
-            <a:rPr lang="en-US" sz="1700" kern="1200" dirty="0"/>
+            <a:rPr lang="en-US" sz="2200" kern="1200"/>
             <a:t> and </a:t>
           </a:r>
           <a:r>
-            <a:rPr lang="en-US" sz="1700" kern="1200" dirty="0">
+            <a:rPr lang="en-US" sz="2200" kern="1200">
               <a:solidFill>
                 <a:srgbClr val="FF0000"/>
               </a:solidFill>
             </a:rPr>
             <a:t>protection against loss by default.</a:t>
           </a:r>
+          <a:endParaRPr lang="en-US" sz="2200" kern="1200" dirty="0">
+            <a:solidFill>
+              <a:srgbClr val="FF0000"/>
+            </a:solidFill>
+          </a:endParaRPr>
         </a:p>
       </dsp:txBody>
       <dsp:txXfrm>
-        <a:off x="33012" y="618732"/>
-        <a:ext cx="9654048" cy="610236"/>
+        <a:off x="0" y="0"/>
+        <a:ext cx="9720072" cy="1005840"/>
       </dsp:txXfrm>
     </dsp:sp>
-    <dsp:sp modelId="{352C9AC7-103F-8044-8984-F5154942BA12}">
+    <dsp:sp modelId="{F1D31064-4C06-1540-BE8C-5FE12E95365F}">
       <dsp:nvSpPr>
         <dsp:cNvPr id="0" name=""/>
         <dsp:cNvSpPr/>
       </dsp:nvSpPr>
       <dsp:spPr>
         <a:xfrm>
-          <a:off x="0" y="1310940"/>
-          <a:ext cx="9720072" cy="676260"/>
+          <a:off x="0" y="1005840"/>
+          <a:ext cx="9720072" cy="0"/>
         </a:xfrm>
-        <a:prstGeom prst="roundRect">
+        <a:prstGeom prst="line">
           <a:avLst/>
         </a:prstGeom>
         <a:solidFill>
@@ -7519,7 +7590,7 @@
         </a:solidFill>
         <a:ln w="15875" cap="flat" cmpd="sng" algn="ctr">
           <a:solidFill>
-            <a:schemeClr val="lt1">
+            <a:schemeClr val="accent1">
               <a:hueOff val="0"/>
               <a:satOff val="0"/>
               <a:lumOff val="0"/>
@@ -7544,13 +7615,45 @@
           <a:schemeClr val="lt1"/>
         </a:fontRef>
       </dsp:style>
+    </dsp:sp>
+    <dsp:sp modelId="{6E378C91-B29D-FE40-99FF-CE022965CD4C}">
+      <dsp:nvSpPr>
+        <dsp:cNvPr id="0" name=""/>
+        <dsp:cNvSpPr/>
+      </dsp:nvSpPr>
+      <dsp:spPr>
+        <a:xfrm>
+          <a:off x="0" y="1005840"/>
+          <a:ext cx="9720072" cy="1005840"/>
+        </a:xfrm>
+        <a:prstGeom prst="rect">
+          <a:avLst/>
+        </a:prstGeom>
+        <a:noFill/>
+        <a:ln>
+          <a:noFill/>
+        </a:ln>
+        <a:effectLst/>
+      </dsp:spPr>
+      <dsp:style>
+        <a:lnRef idx="0">
+          <a:scrgbClr r="0" g="0" b="0"/>
+        </a:lnRef>
+        <a:fillRef idx="0">
+          <a:scrgbClr r="0" g="0" b="0"/>
+        </a:fillRef>
+        <a:effectRef idx="0">
+          <a:scrgbClr r="0" g="0" b="0"/>
+        </a:effectRef>
+        <a:fontRef idx="minor"/>
+      </dsp:style>
       <dsp:txBody>
-        <a:bodyPr spcFirstLastPara="0" vert="horz" wrap="square" lIns="64770" tIns="64770" rIns="64770" bIns="64770" numCol="1" spcCol="1270" anchor="ctr" anchorCtr="0">
+        <a:bodyPr spcFirstLastPara="0" vert="horz" wrap="square" lIns="83820" tIns="83820" rIns="83820" bIns="83820" numCol="1" spcCol="1270" anchor="t" anchorCtr="0">
           <a:noAutofit/>
         </a:bodyPr>
         <a:lstStyle/>
         <a:p>
-          <a:pPr marL="0" lvl="0" indent="0" algn="l" defTabSz="755650">
+          <a:pPr marL="0" lvl="0" indent="0" algn="l" defTabSz="977900">
             <a:lnSpc>
               <a:spcPct val="90000"/>
             </a:lnSpc>
@@ -7563,11 +7666,11 @@
             <a:buNone/>
           </a:pPr>
           <a:r>
-            <a:rPr lang="en-US" sz="1700" kern="1200" dirty="0"/>
+            <a:rPr lang="en-US" sz="2200" kern="1200"/>
             <a:t>Futures exchanges are </a:t>
           </a:r>
           <a:r>
-            <a:rPr lang="en-US" sz="1700" kern="1200" dirty="0">
+            <a:rPr lang="en-US" sz="2200" kern="1200">
               <a:solidFill>
                 <a:srgbClr val="FF0000"/>
               </a:solidFill>
@@ -7575,27 +7678,28 @@
             <a:t>highly regulated </a:t>
           </a:r>
           <a:r>
-            <a:rPr lang="en-US" sz="1700" kern="1200" dirty="0"/>
+            <a:rPr lang="en-US" sz="2200" kern="1200"/>
             <a:t>at the national level in all countries.</a:t>
           </a:r>
+          <a:endParaRPr lang="en-US" sz="2200" kern="1200" dirty="0"/>
         </a:p>
       </dsp:txBody>
       <dsp:txXfrm>
-        <a:off x="33012" y="1343952"/>
-        <a:ext cx="9654048" cy="610236"/>
+        <a:off x="0" y="1005840"/>
+        <a:ext cx="9720072" cy="1005840"/>
       </dsp:txXfrm>
     </dsp:sp>
-    <dsp:sp modelId="{5BFB7A5C-E8B1-C443-8439-A4D5978B922F}">
+    <dsp:sp modelId="{F4F2A090-F9CA-CA40-9462-A2C95A9A2465}">
       <dsp:nvSpPr>
         <dsp:cNvPr id="0" name=""/>
         <dsp:cNvSpPr/>
       </dsp:nvSpPr>
       <dsp:spPr>
         <a:xfrm>
-          <a:off x="0" y="2036160"/>
-          <a:ext cx="9720072" cy="676260"/>
+          <a:off x="0" y="2011680"/>
+          <a:ext cx="9720072" cy="0"/>
         </a:xfrm>
-        <a:prstGeom prst="roundRect">
+        <a:prstGeom prst="line">
           <a:avLst/>
         </a:prstGeom>
         <a:solidFill>
@@ -7608,7 +7712,7 @@
         </a:solidFill>
         <a:ln w="15875" cap="flat" cmpd="sng" algn="ctr">
           <a:solidFill>
-            <a:schemeClr val="lt1">
+            <a:schemeClr val="accent1">
               <a:hueOff val="0"/>
               <a:satOff val="0"/>
               <a:lumOff val="0"/>
@@ -7633,13 +7737,45 @@
           <a:schemeClr val="lt1"/>
         </a:fontRef>
       </dsp:style>
+    </dsp:sp>
+    <dsp:sp modelId="{92898DB0-0AFA-804C-BE7C-226DD71C3525}">
+      <dsp:nvSpPr>
+        <dsp:cNvPr id="0" name=""/>
+        <dsp:cNvSpPr/>
+      </dsp:nvSpPr>
+      <dsp:spPr>
+        <a:xfrm>
+          <a:off x="0" y="2011680"/>
+          <a:ext cx="9720072" cy="1005840"/>
+        </a:xfrm>
+        <a:prstGeom prst="rect">
+          <a:avLst/>
+        </a:prstGeom>
+        <a:noFill/>
+        <a:ln>
+          <a:noFill/>
+        </a:ln>
+        <a:effectLst/>
+      </dsp:spPr>
+      <dsp:style>
+        <a:lnRef idx="0">
+          <a:scrgbClr r="0" g="0" b="0"/>
+        </a:lnRef>
+        <a:fillRef idx="0">
+          <a:scrgbClr r="0" g="0" b="0"/>
+        </a:fillRef>
+        <a:effectRef idx="0">
+          <a:scrgbClr r="0" g="0" b="0"/>
+        </a:effectRef>
+        <a:fontRef idx="minor"/>
+      </dsp:style>
       <dsp:txBody>
-        <a:bodyPr spcFirstLastPara="0" vert="horz" wrap="square" lIns="64770" tIns="64770" rIns="64770" bIns="64770" numCol="1" spcCol="1270" anchor="ctr" anchorCtr="0">
+        <a:bodyPr spcFirstLastPara="0" vert="horz" wrap="square" lIns="83820" tIns="83820" rIns="83820" bIns="83820" numCol="1" spcCol="1270" anchor="t" anchorCtr="0">
           <a:noAutofit/>
         </a:bodyPr>
         <a:lstStyle/>
         <a:p>
-          <a:pPr marL="0" lvl="0" indent="0" algn="l" defTabSz="755650">
+          <a:pPr marL="0" lvl="0" indent="0" algn="l" defTabSz="977900">
             <a:lnSpc>
               <a:spcPct val="90000"/>
             </a:lnSpc>
@@ -7652,11 +7788,11 @@
             <a:buNone/>
           </a:pPr>
           <a:r>
-            <a:rPr lang="en-US" sz="1700" kern="1200" dirty="0"/>
+            <a:rPr lang="en-US" sz="2200" kern="1200"/>
             <a:t>Some futures contracts also limit daily price changes. These rules, called </a:t>
           </a:r>
           <a:r>
-            <a:rPr lang="en-US" sz="1700" kern="1200" dirty="0">
+            <a:rPr lang="en-US" sz="2200" kern="1200">
               <a:solidFill>
                 <a:srgbClr val="FF0000"/>
               </a:solidFill>
@@ -7664,27 +7800,28 @@
             <a:t>price limits</a:t>
           </a:r>
           <a:r>
-            <a:rPr lang="en-US" sz="1700" kern="1200" dirty="0"/>
+            <a:rPr lang="en-US" sz="2200" kern="1200"/>
             <a:t>, establish a band relative to the previous day’s settlement price within which all trades must occur. </a:t>
           </a:r>
+          <a:endParaRPr lang="en-US" sz="2200" kern="1200" dirty="0"/>
         </a:p>
       </dsp:txBody>
       <dsp:txXfrm>
-        <a:off x="33012" y="2069172"/>
-        <a:ext cx="9654048" cy="610236"/>
+        <a:off x="0" y="2011680"/>
+        <a:ext cx="9720072" cy="1005840"/>
       </dsp:txXfrm>
     </dsp:sp>
-    <dsp:sp modelId="{F6F4EDB1-3BE7-2844-81C8-E0A2E03EC209}">
+    <dsp:sp modelId="{282D01C7-5421-FC47-B894-A52C8C71D1AA}">
       <dsp:nvSpPr>
         <dsp:cNvPr id="0" name=""/>
         <dsp:cNvSpPr/>
       </dsp:nvSpPr>
       <dsp:spPr>
         <a:xfrm>
-          <a:off x="0" y="2761380"/>
-          <a:ext cx="9720072" cy="676260"/>
+          <a:off x="0" y="3017520"/>
+          <a:ext cx="9720072" cy="0"/>
         </a:xfrm>
-        <a:prstGeom prst="roundRect">
+        <a:prstGeom prst="line">
           <a:avLst/>
         </a:prstGeom>
         <a:solidFill>
@@ -7697,7 +7834,7 @@
         </a:solidFill>
         <a:ln w="15875" cap="flat" cmpd="sng" algn="ctr">
           <a:solidFill>
-            <a:schemeClr val="lt1">
+            <a:schemeClr val="accent1">
               <a:hueOff val="0"/>
               <a:satOff val="0"/>
               <a:lumOff val="0"/>
@@ -7722,13 +7859,45 @@
           <a:schemeClr val="lt1"/>
         </a:fontRef>
       </dsp:style>
+    </dsp:sp>
+    <dsp:sp modelId="{1D8084A1-529C-284C-949D-7A4361452083}">
+      <dsp:nvSpPr>
+        <dsp:cNvPr id="0" name=""/>
+        <dsp:cNvSpPr/>
+      </dsp:nvSpPr>
+      <dsp:spPr>
+        <a:xfrm>
+          <a:off x="0" y="3017520"/>
+          <a:ext cx="9720072" cy="1005840"/>
+        </a:xfrm>
+        <a:prstGeom prst="rect">
+          <a:avLst/>
+        </a:prstGeom>
+        <a:noFill/>
+        <a:ln>
+          <a:noFill/>
+        </a:ln>
+        <a:effectLst/>
+      </dsp:spPr>
+      <dsp:style>
+        <a:lnRef idx="0">
+          <a:scrgbClr r="0" g="0" b="0"/>
+        </a:lnRef>
+        <a:fillRef idx="0">
+          <a:scrgbClr r="0" g="0" b="0"/>
+        </a:fillRef>
+        <a:effectRef idx="0">
+          <a:scrgbClr r="0" g="0" b="0"/>
+        </a:effectRef>
+        <a:fontRef idx="minor"/>
+      </dsp:style>
       <dsp:txBody>
-        <a:bodyPr spcFirstLastPara="0" vert="horz" wrap="square" lIns="64770" tIns="64770" rIns="64770" bIns="64770" numCol="1" spcCol="1270" anchor="ctr" anchorCtr="0">
+        <a:bodyPr spcFirstLastPara="0" vert="horz" wrap="square" lIns="83820" tIns="83820" rIns="83820" bIns="83820" numCol="1" spcCol="1270" anchor="t" anchorCtr="0">
           <a:noAutofit/>
         </a:bodyPr>
         <a:lstStyle/>
         <a:p>
-          <a:pPr marL="0" lvl="0" indent="0" algn="l" defTabSz="755650">
+          <a:pPr marL="0" lvl="0" indent="0" algn="l" defTabSz="977900">
             <a:lnSpc>
               <a:spcPct val="90000"/>
             </a:lnSpc>
@@ -7741,11 +7910,11 @@
             <a:buNone/>
           </a:pPr>
           <a:r>
-            <a:rPr lang="en-US" sz="1700" kern="1200" dirty="0"/>
+            <a:rPr lang="en-US" sz="2200" kern="1200"/>
             <a:t>In other cases, exchanges use what is called a </a:t>
           </a:r>
           <a:r>
-            <a:rPr lang="en-US" sz="1700" kern="1200" dirty="0">
+            <a:rPr lang="en-US" sz="2200" kern="1200">
               <a:solidFill>
                 <a:srgbClr val="FF0000"/>
               </a:solidFill>
@@ -7753,14 +7922,15 @@
             <a:t>circuit breaker </a:t>
           </a:r>
           <a:r>
-            <a:rPr lang="en-US" sz="1700" kern="1200" dirty="0"/>
+            <a:rPr lang="en-US" sz="2200" kern="1200"/>
             <a:t>to pause intraday trading for a brief period if a price limit is reached. </a:t>
           </a:r>
+          <a:endParaRPr lang="en-US" sz="2200" kern="1200" dirty="0"/>
         </a:p>
       </dsp:txBody>
       <dsp:txXfrm>
-        <a:off x="33012" y="2794392"/>
-        <a:ext cx="9654048" cy="610236"/>
+        <a:off x="0" y="3017520"/>
+        <a:ext cx="9720072" cy="1005840"/>
       </dsp:txXfrm>
     </dsp:sp>
   </dsp:spTree>
@@ -8690,12 +8860,12 @@
 </file>
 
 <file path=ppt/diagrams/layout5.xml><?xml version="1.0" encoding="utf-8"?>
-<dgm:layoutDef xmlns:dgm="http://schemas.openxmlformats.org/drawingml/2006/diagram" xmlns:a="http://schemas.openxmlformats.org/drawingml/2006/main" uniqueId="urn:microsoft.com/office/officeart/2005/8/layout/vList2">
+<dgm:layoutDef xmlns:dgm="http://schemas.openxmlformats.org/drawingml/2006/diagram" xmlns:a="http://schemas.openxmlformats.org/drawingml/2006/main" uniqueId="urn:microsoft.com/office/officeart/2008/layout/LinedList">
   <dgm:title val=""/>
   <dgm:desc val=""/>
   <dgm:catLst>
-    <dgm:cat type="list" pri="3000"/>
-    <dgm:cat type="convert" pri="1000"/>
+    <dgm:cat type="hierarchy" pri="8000"/>
+    <dgm:cat type="list" pri="2500"/>
   </dgm:catLst>
   <dgm:sampData>
     <dgm:dataModel>
@@ -8707,18 +8877,18 @@
         <dgm:pt modelId="11">
           <dgm:prSet phldr="1"/>
         </dgm:pt>
-        <dgm:pt modelId="2">
+        <dgm:pt modelId="12">
           <dgm:prSet phldr="1"/>
         </dgm:pt>
-        <dgm:pt modelId="21">
+        <dgm:pt modelId="13">
           <dgm:prSet phldr="1"/>
         </dgm:pt>
       </dgm:ptLst>
       <dgm:cxnLst>
-        <dgm:cxn modelId="4" srcId="0" destId="1" srcOrd="0" destOrd="0"/>
-        <dgm:cxn modelId="5" srcId="0" destId="2" srcOrd="1" destOrd="0"/>
-        <dgm:cxn modelId="12" srcId="1" destId="11" srcOrd="0" destOrd="0"/>
-        <dgm:cxn modelId="23" srcId="2" destId="21" srcOrd="0" destOrd="0"/>
+        <dgm:cxn modelId="2" srcId="0" destId="1" srcOrd="0" destOrd="0"/>
+        <dgm:cxn modelId="3" srcId="1" destId="11" srcOrd="0" destOrd="0"/>
+        <dgm:cxn modelId="4" srcId="1" destId="12" srcOrd="1" destOrd="0"/>
+        <dgm:cxn modelId="5" srcId="1" destId="13" srcOrd="2" destOrd="0"/>
       </dgm:cxnLst>
       <dgm:bg/>
       <dgm:whole/>
@@ -8728,12 +8898,20 @@
     <dgm:dataModel>
       <dgm:ptLst>
         <dgm:pt modelId="0" type="doc"/>
-        <dgm:pt modelId="1"/>
-        <dgm:pt modelId="2"/>
+        <dgm:pt modelId="1">
+          <dgm:prSet phldr="1"/>
+        </dgm:pt>
+        <dgm:pt modelId="11">
+          <dgm:prSet phldr="1"/>
+        </dgm:pt>
+        <dgm:pt modelId="12">
+          <dgm:prSet phldr="1"/>
+        </dgm:pt>
       </dgm:ptLst>
       <dgm:cxnLst>
-        <dgm:cxn modelId="3" srcId="0" destId="1" srcOrd="0" destOrd="0"/>
-        <dgm:cxn modelId="4" srcId="0" destId="2" srcOrd="1" destOrd="0"/>
+        <dgm:cxn modelId="2" srcId="0" destId="1" srcOrd="0" destOrd="0"/>
+        <dgm:cxn modelId="3" srcId="1" destId="11" srcOrd="0" destOrd="0"/>
+        <dgm:cxn modelId="4" srcId="1" destId="12" srcOrd="1" destOrd="0"/>
       </dgm:cxnLst>
       <dgm:bg/>
       <dgm:whole/>
@@ -8743,114 +8921,405 @@
     <dgm:dataModel>
       <dgm:ptLst>
         <dgm:pt modelId="0" type="doc"/>
-        <dgm:pt modelId="1"/>
-        <dgm:pt modelId="2"/>
-        <dgm:pt modelId="3"/>
-        <dgm:pt modelId="4"/>
+        <dgm:pt modelId="1">
+          <dgm:prSet phldr="1"/>
+        </dgm:pt>
+        <dgm:pt modelId="11">
+          <dgm:prSet phldr="1"/>
+        </dgm:pt>
+        <dgm:pt modelId="12">
+          <dgm:prSet phldr="1"/>
+        </dgm:pt>
       </dgm:ptLst>
       <dgm:cxnLst>
-        <dgm:cxn modelId="5" srcId="0" destId="1" srcOrd="0" destOrd="0"/>
-        <dgm:cxn modelId="6" srcId="0" destId="2" srcOrd="1" destOrd="0"/>
-        <dgm:cxn modelId="7" srcId="0" destId="3" srcOrd="2" destOrd="0"/>
-        <dgm:cxn modelId="8" srcId="0" destId="4" srcOrd="3" destOrd="0"/>
+        <dgm:cxn modelId="2" srcId="0" destId="1" srcOrd="0" destOrd="0"/>
+        <dgm:cxn modelId="3" srcId="1" destId="11" srcOrd="0" destOrd="0"/>
+        <dgm:cxn modelId="4" srcId="1" destId="12" srcOrd="1" destOrd="0"/>
       </dgm:cxnLst>
       <dgm:bg/>
       <dgm:whole/>
     </dgm:dataModel>
   </dgm:clrData>
-  <dgm:layoutNode name="linear">
+  <dgm:layoutNode name="vert0">
     <dgm:varLst>
+      <dgm:dir/>
+      <dgm:animOne val="branch"/>
       <dgm:animLvl val="lvl"/>
-      <dgm:resizeHandles val="exact"/>
     </dgm:varLst>
-    <dgm:alg type="lin">
-      <dgm:param type="linDir" val="fromT"/>
-      <dgm:param type="vertAlign" val="mid"/>
-    </dgm:alg>
+    <dgm:choose name="Name0">
+      <dgm:if name="Name1" func="var" arg="dir" op="equ" val="norm">
+        <dgm:alg type="lin">
+          <dgm:param type="linDir" val="fromT"/>
+          <dgm:param type="nodeHorzAlign" val="l"/>
+        </dgm:alg>
+      </dgm:if>
+      <dgm:else name="Name2">
+        <dgm:alg type="lin">
+          <dgm:param type="linDir" val="fromT"/>
+          <dgm:param type="nodeHorzAlign" val="r"/>
+        </dgm:alg>
+      </dgm:else>
+    </dgm:choose>
     <dgm:shape xmlns:r="http://schemas.openxmlformats.org/officeDocument/2006/relationships" r:blip="">
       <dgm:adjLst/>
     </dgm:shape>
     <dgm:presOf/>
     <dgm:constrLst>
-      <dgm:constr type="w" for="ch" forName="parentText" refType="w"/>
-      <dgm:constr type="h" for="ch" forName="parentText" refType="primFontSz" refFor="ch" refForName="parentText" fact="0.52"/>
-      <dgm:constr type="w" for="ch" forName="childText" refType="w"/>
-      <dgm:constr type="h" for="ch" forName="childText" refType="primFontSz" refFor="ch" refForName="parentText" fact="0.46"/>
-      <dgm:constr type="h" for="ch" forName="parentText" op="equ"/>
-      <dgm:constr type="primFontSz" for="ch" forName="parentText" op="equ" val="65"/>
-      <dgm:constr type="primFontSz" for="ch" forName="childText" refType="primFontSz" refFor="ch" refForName="parentText" op="equ"/>
-      <dgm:constr type="h" for="ch" forName="spacer" refType="primFontSz" refFor="ch" refForName="parentText" fact="0.08"/>
+      <dgm:constr type="w" for="ch" forName="horz1" refType="w"/>
+      <dgm:constr type="h" for="ch" forName="horz1" refType="h"/>
+      <dgm:constr type="h" for="des" forName="vert1" refType="h"/>
+      <dgm:constr type="h" for="des" forName="tx1" refType="h"/>
+      <dgm:constr type="h" for="des" forName="horz2" refType="h"/>
+      <dgm:constr type="h" for="des" forName="vert2" refType="h"/>
+      <dgm:constr type="h" for="des" forName="horz3" refType="h"/>
+      <dgm:constr type="h" for="des" forName="vert3" refType="h"/>
+      <dgm:constr type="h" for="des" forName="horz4" refType="h"/>
+      <dgm:constr type="h" for="des" ptType="node" refType="h"/>
+      <dgm:constr type="primFontSz" for="des" forName="tx1" op="equ" val="65"/>
+      <dgm:constr type="primFontSz" for="des" forName="tx2" op="equ" val="65"/>
+      <dgm:constr type="primFontSz" for="des" forName="tx3" op="equ" val="65"/>
+      <dgm:constr type="primFontSz" for="des" forName="tx4" op="equ" val="65"/>
+      <dgm:constr type="w" for="des" forName="thickLine" refType="w"/>
+      <dgm:constr type="h" for="des" forName="thickLine"/>
+      <dgm:constr type="h" for="des" forName="thinLine1"/>
+      <dgm:constr type="h" for="des" forName="thinLine2b"/>
+      <dgm:constr type="h" for="des" forName="thinLine3"/>
+      <dgm:constr type="h" for="des" forName="vertSpace2a" refType="h" fact="0.05"/>
+      <dgm:constr type="h" for="des" forName="vertSpace2b" refType="h" refFor="des" refForName="vertSpace2a"/>
     </dgm:constrLst>
-    <dgm:ruleLst>
-      <dgm:rule type="primFontSz" for="ch" forName="parentText" val="5" fact="NaN" max="NaN"/>
-    </dgm:ruleLst>
-    <dgm:forEach name="Name0" axis="ch" ptType="node">
-      <dgm:layoutNode name="parentText" styleLbl="node1">
-        <dgm:varLst>
-          <dgm:chMax val="0"/>
-          <dgm:bulletEnabled val="1"/>
-        </dgm:varLst>
-        <dgm:alg type="tx">
-          <dgm:param type="parTxLTRAlign" val="l"/>
-          <dgm:param type="parTxRTLAlign" val="r"/>
-        </dgm:alg>
-        <dgm:shape xmlns:r="http://schemas.openxmlformats.org/officeDocument/2006/relationships" type="roundRect" r:blip="">
+    <dgm:forEach name="Name3" axis="ch" ptType="node">
+      <dgm:layoutNode name="thickLine" styleLbl="alignNode1">
+        <dgm:alg type="sp"/>
+        <dgm:shape xmlns:r="http://schemas.openxmlformats.org/officeDocument/2006/relationships" type="line" r:blip="">
           <dgm:adjLst/>
         </dgm:shape>
-        <dgm:presOf axis="self"/>
-        <dgm:constrLst>
-          <dgm:constr type="tMarg" refType="primFontSz" fact="0.3"/>
-          <dgm:constr type="bMarg" refType="primFontSz" fact="0.3"/>
-          <dgm:constr type="lMarg" refType="primFontSz" fact="0.3"/>
-          <dgm:constr type="rMarg" refType="primFontSz" fact="0.3"/>
-        </dgm:constrLst>
-        <dgm:ruleLst>
-          <dgm:rule type="h" val="INF" fact="NaN" max="NaN"/>
-        </dgm:ruleLst>
+        <dgm:presOf/>
       </dgm:layoutNode>
-      <dgm:choose name="Name1">
-        <dgm:if name="Name2" axis="ch" ptType="node" func="cnt" op="gte" val="1">
-          <dgm:layoutNode name="childText" styleLbl="revTx">
-            <dgm:varLst>
-              <dgm:bulletEnabled val="1"/>
-            </dgm:varLst>
-            <dgm:alg type="tx">
-              <dgm:param type="stBulletLvl" val="1"/>
-              <dgm:param type="lnSpAfChP" val="20"/>
+      <dgm:layoutNode name="horz1">
+        <dgm:choose name="Name4">
+          <dgm:if name="Name5" func="var" arg="dir" op="equ" val="norm">
+            <dgm:alg type="lin">
+              <dgm:param type="linDir" val="fromL"/>
+              <dgm:param type="nodeVertAlign" val="t"/>
             </dgm:alg>
-            <dgm:shape xmlns:r="http://schemas.openxmlformats.org/officeDocument/2006/relationships" type="rect" r:blip="">
-              <dgm:adjLst/>
-            </dgm:shape>
-            <dgm:presOf axis="des" ptType="node"/>
+          </dgm:if>
+          <dgm:else name="Name6">
+            <dgm:alg type="lin">
+              <dgm:param type="linDir" val="fromR"/>
+              <dgm:param type="nodeVertAlign" val="t"/>
+            </dgm:alg>
+          </dgm:else>
+        </dgm:choose>
+        <dgm:shape xmlns:r="http://schemas.openxmlformats.org/officeDocument/2006/relationships" r:blip="">
+          <dgm:adjLst/>
+        </dgm:shape>
+        <dgm:presOf/>
+        <dgm:choose name="Name7">
+          <dgm:if name="Name8" axis="root des" func="maxDepth" op="equ" val="1">
             <dgm:constrLst>
-              <dgm:constr type="tMarg" refType="primFontSz" fact="0.1"/>
-              <dgm:constr type="bMarg" refType="primFontSz" fact="0.1"/>
-              <dgm:constr type="lMarg" refType="w" fact="0.09"/>
+              <dgm:constr type="w" for="ch" forName="tx1" refType="w"/>
             </dgm:constrLst>
-            <dgm:ruleLst>
-              <dgm:rule type="h" val="INF" fact="NaN" max="NaN"/>
-            </dgm:ruleLst>
-          </dgm:layoutNode>
-        </dgm:if>
-        <dgm:else name="Name3">
-          <dgm:choose name="Name4">
-            <dgm:if name="Name5" axis="par ch" ptType="doc node" func="cnt" op="gte" val="2">
-              <dgm:forEach name="Name6" axis="followSib" ptType="sibTrans" cnt="1">
-                <dgm:layoutNode name="spacer">
+          </dgm:if>
+          <dgm:if name="Name9" axis="root des" func="maxDepth" op="equ" val="2">
+            <dgm:constrLst>
+              <dgm:constr type="w" for="ch" forName="tx1" refType="w" fact="0.2"/>
+              <dgm:constr type="w" for="des" forName="tx2" refType="w" fact="0.785"/>
+              <dgm:constr type="w" for="des" forName="horzSpace2" refType="w" fact="0.015"/>
+              <dgm:constr type="w" for="des" forName="thinLine2b" refType="w" fact="0.8"/>
+            </dgm:constrLst>
+          </dgm:if>
+          <dgm:if name="Name10" axis="root des" func="maxDepth" op="equ" val="3">
+            <dgm:constrLst>
+              <dgm:constr type="w" for="ch" forName="tx1" refType="w" fact="0.2"/>
+              <dgm:constr type="w" for="des" forName="tx2" refType="w" fact="0.385"/>
+              <dgm:constr type="w" for="des" forName="tx3" refType="w" fact="0.385"/>
+              <dgm:constr type="w" for="des" forName="horzSpace2" refType="w" fact="0.015"/>
+              <dgm:constr type="w" for="des" forName="horzSpace3" refType="w" fact="0.015"/>
+              <dgm:constr type="w" for="des" forName="thinLine2b" refType="w" fact="0.8"/>
+              <dgm:constr type="w" for="des" forName="thinLine3" refType="w" fact="0.385"/>
+            </dgm:constrLst>
+          </dgm:if>
+          <dgm:if name="Name11" axis="root des" func="maxDepth" op="gte" val="4">
+            <dgm:constrLst>
+              <dgm:constr type="w" for="ch" forName="tx1" refType="w" fact="0.2"/>
+              <dgm:constr type="w" for="des" forName="tx2" refType="w" fact="0.2516"/>
+              <dgm:constr type="w" for="des" forName="tx3" refType="w" fact="0.2516"/>
+              <dgm:constr type="w" for="des" forName="tx4" refType="w" fact="0.2516"/>
+              <dgm:constr type="w" for="des" forName="horzSpace2" refType="w" fact="0.015"/>
+              <dgm:constr type="w" for="des" forName="horzSpace3" refType="w" fact="0.015"/>
+              <dgm:constr type="w" for="des" forName="horzSpace4" refType="w" fact="0.015"/>
+              <dgm:constr type="w" for="des" forName="thinLine2b" refType="w" fact="0.8"/>
+              <dgm:constr type="w" for="des" forName="thinLine3" refType="w" fact="0.5332"/>
+            </dgm:constrLst>
+          </dgm:if>
+          <dgm:else name="Name12"/>
+        </dgm:choose>
+        <dgm:layoutNode name="tx1" styleLbl="revTx">
+          <dgm:alg type="tx">
+            <dgm:param type="parTxLTRAlign" val="l"/>
+            <dgm:param type="parTxRTLAlign" val="r"/>
+            <dgm:param type="txAnchorVert" val="t"/>
+          </dgm:alg>
+          <dgm:shape xmlns:r="http://schemas.openxmlformats.org/officeDocument/2006/relationships" type="rect" r:blip="">
+            <dgm:adjLst/>
+          </dgm:shape>
+          <dgm:presOf axis="self"/>
+          <dgm:constrLst>
+            <dgm:constr type="tMarg" refType="primFontSz" fact="0.3"/>
+            <dgm:constr type="bMarg" refType="primFontSz" fact="0.3"/>
+            <dgm:constr type="lMarg" refType="primFontSz" fact="0.3"/>
+            <dgm:constr type="rMarg" refType="primFontSz" fact="0.3"/>
+          </dgm:constrLst>
+          <dgm:ruleLst>
+            <dgm:rule type="primFontSz" val="5" fact="NaN" max="NaN"/>
+          </dgm:ruleLst>
+        </dgm:layoutNode>
+        <dgm:layoutNode name="vert1">
+          <dgm:choose name="Name13">
+            <dgm:if name="Name14" func="var" arg="dir" op="equ" val="norm">
+              <dgm:alg type="lin">
+                <dgm:param type="linDir" val="fromT"/>
+                <dgm:param type="nodeHorzAlign" val="l"/>
+              </dgm:alg>
+            </dgm:if>
+            <dgm:else name="Name15">
+              <dgm:alg type="lin">
+                <dgm:param type="linDir" val="fromT"/>
+                <dgm:param type="nodeHorzAlign" val="r"/>
+              </dgm:alg>
+            </dgm:else>
+          </dgm:choose>
+          <dgm:shape xmlns:r="http://schemas.openxmlformats.org/officeDocument/2006/relationships" r:blip="">
+            <dgm:adjLst/>
+          </dgm:shape>
+          <dgm:presOf/>
+          <dgm:forEach name="Name16" axis="ch" ptType="node">
+            <dgm:choose name="Name17">
+              <dgm:if name="Name18" axis="self" ptType="node" func="pos" op="equ" val="1">
+                <dgm:layoutNode name="vertSpace2a">
                   <dgm:alg type="sp"/>
                   <dgm:shape xmlns:r="http://schemas.openxmlformats.org/officeDocument/2006/relationships" r:blip="">
                     <dgm:adjLst/>
                   </dgm:shape>
                   <dgm:presOf/>
-                  <dgm:constrLst/>
-                  <dgm:ruleLst/>
                 </dgm:layoutNode>
-              </dgm:forEach>
-            </dgm:if>
-            <dgm:else name="Name7"/>
-          </dgm:choose>
-        </dgm:else>
-      </dgm:choose>
+              </dgm:if>
+              <dgm:else name="Name19"/>
+            </dgm:choose>
+            <dgm:layoutNode name="horz2">
+              <dgm:choose name="Name20">
+                <dgm:if name="Name21" func="var" arg="dir" op="equ" val="norm">
+                  <dgm:alg type="lin">
+                    <dgm:param type="linDir" val="fromL"/>
+                    <dgm:param type="nodeVertAlign" val="t"/>
+                  </dgm:alg>
+                </dgm:if>
+                <dgm:else name="Name22">
+                  <dgm:alg type="lin">
+                    <dgm:param type="linDir" val="fromR"/>
+                    <dgm:param type="nodeVertAlign" val="t"/>
+                  </dgm:alg>
+                </dgm:else>
+              </dgm:choose>
+              <dgm:shape xmlns:r="http://schemas.openxmlformats.org/officeDocument/2006/relationships" r:blip="">
+                <dgm:adjLst/>
+              </dgm:shape>
+              <dgm:presOf/>
+              <dgm:layoutNode name="horzSpace2">
+                <dgm:alg type="sp"/>
+                <dgm:shape xmlns:r="http://schemas.openxmlformats.org/officeDocument/2006/relationships" r:blip="">
+                  <dgm:adjLst/>
+                </dgm:shape>
+                <dgm:presOf/>
+              </dgm:layoutNode>
+              <dgm:layoutNode name="tx2" styleLbl="revTx">
+                <dgm:alg type="tx">
+                  <dgm:param type="parTxLTRAlign" val="l"/>
+                  <dgm:param type="parTxRTLAlign" val="r"/>
+                  <dgm:param type="txAnchorVert" val="t"/>
+                </dgm:alg>
+                <dgm:shape xmlns:r="http://schemas.openxmlformats.org/officeDocument/2006/relationships" type="rect" r:blip="">
+                  <dgm:adjLst/>
+                </dgm:shape>
+                <dgm:presOf axis="self"/>
+                <dgm:constrLst>
+                  <dgm:constr type="tMarg" refType="primFontSz" fact="0.3"/>
+                  <dgm:constr type="bMarg" refType="primFontSz" fact="0.3"/>
+                  <dgm:constr type="lMarg" refType="primFontSz" fact="0.3"/>
+                  <dgm:constr type="rMarg" refType="primFontSz" fact="0.3"/>
+                </dgm:constrLst>
+                <dgm:ruleLst>
+                  <dgm:rule type="primFontSz" val="5" fact="NaN" max="NaN"/>
+                </dgm:ruleLst>
+              </dgm:layoutNode>
+              <dgm:layoutNode name="vert2">
+                <dgm:choose name="Name23">
+                  <dgm:if name="Name24" func="var" arg="dir" op="equ" val="norm">
+                    <dgm:alg type="lin">
+                      <dgm:param type="linDir" val="fromT"/>
+                      <dgm:param type="nodeHorzAlign" val="l"/>
+                    </dgm:alg>
+                  </dgm:if>
+                  <dgm:else name="Name25">
+                    <dgm:alg type="lin">
+                      <dgm:param type="linDir" val="fromT"/>
+                      <dgm:param type="nodeHorzAlign" val="r"/>
+                    </dgm:alg>
+                  </dgm:else>
+                </dgm:choose>
+                <dgm:shape xmlns:r="http://schemas.openxmlformats.org/officeDocument/2006/relationships" r:blip="">
+                  <dgm:adjLst/>
+                </dgm:shape>
+                <dgm:presOf/>
+                <dgm:forEach name="Name26" axis="ch" ptType="node">
+                  <dgm:layoutNode name="horz3">
+                    <dgm:choose name="Name27">
+                      <dgm:if name="Name28" func="var" arg="dir" op="equ" val="norm">
+                        <dgm:alg type="lin">
+                          <dgm:param type="linDir" val="fromL"/>
+                          <dgm:param type="nodeVertAlign" val="t"/>
+                        </dgm:alg>
+                      </dgm:if>
+                      <dgm:else name="Name29">
+                        <dgm:alg type="lin">
+                          <dgm:param type="linDir" val="fromR"/>
+                          <dgm:param type="nodeVertAlign" val="t"/>
+                        </dgm:alg>
+                      </dgm:else>
+                    </dgm:choose>
+                    <dgm:shape xmlns:r="http://schemas.openxmlformats.org/officeDocument/2006/relationships" r:blip="">
+                      <dgm:adjLst/>
+                    </dgm:shape>
+                    <dgm:presOf/>
+                    <dgm:layoutNode name="horzSpace3">
+                      <dgm:alg type="sp"/>
+                      <dgm:shape xmlns:r="http://schemas.openxmlformats.org/officeDocument/2006/relationships" r:blip="">
+                        <dgm:adjLst/>
+                      </dgm:shape>
+                      <dgm:presOf/>
+                    </dgm:layoutNode>
+                    <dgm:layoutNode name="tx3" styleLbl="revTx">
+                      <dgm:alg type="tx">
+                        <dgm:param type="parTxLTRAlign" val="l"/>
+                        <dgm:param type="parTxRTLAlign" val="r"/>
+                        <dgm:param type="txAnchorVert" val="t"/>
+                      </dgm:alg>
+                      <dgm:shape xmlns:r="http://schemas.openxmlformats.org/officeDocument/2006/relationships" type="rect" r:blip="">
+                        <dgm:adjLst/>
+                      </dgm:shape>
+                      <dgm:presOf axis="self"/>
+                      <dgm:constrLst>
+                        <dgm:constr type="tMarg" refType="primFontSz" fact="0.3"/>
+                        <dgm:constr type="bMarg" refType="primFontSz" fact="0.3"/>
+                        <dgm:constr type="lMarg" refType="primFontSz" fact="0.3"/>
+                        <dgm:constr type="rMarg" refType="primFontSz" fact="0.3"/>
+                      </dgm:constrLst>
+                      <dgm:ruleLst>
+                        <dgm:rule type="primFontSz" val="5" fact="NaN" max="NaN"/>
+                      </dgm:ruleLst>
+                    </dgm:layoutNode>
+                    <dgm:layoutNode name="vert3">
+                      <dgm:choose name="Name30">
+                        <dgm:if name="Name31" func="var" arg="dir" op="equ" val="norm">
+                          <dgm:alg type="lin">
+                            <dgm:param type="linDir" val="fromT"/>
+                            <dgm:param type="nodeHorzAlign" val="l"/>
+                          </dgm:alg>
+                        </dgm:if>
+                        <dgm:else name="Name32">
+                          <dgm:alg type="lin">
+                            <dgm:param type="linDir" val="fromT"/>
+                            <dgm:param type="nodeHorzAlign" val="r"/>
+                          </dgm:alg>
+                        </dgm:else>
+                      </dgm:choose>
+                      <dgm:shape xmlns:r="http://schemas.openxmlformats.org/officeDocument/2006/relationships" r:blip="">
+                        <dgm:adjLst/>
+                      </dgm:shape>
+                      <dgm:presOf/>
+                      <dgm:forEach name="Name33" axis="ch" ptType="node">
+                        <dgm:layoutNode name="horz4">
+                          <dgm:choose name="Name34">
+                            <dgm:if name="Name35" func="var" arg="dir" op="equ" val="norm">
+                              <dgm:alg type="lin">
+                                <dgm:param type="linDir" val="fromL"/>
+                                <dgm:param type="nodeVertAlign" val="t"/>
+                              </dgm:alg>
+                            </dgm:if>
+                            <dgm:else name="Name36">
+                              <dgm:alg type="lin">
+                                <dgm:param type="linDir" val="fromR"/>
+                                <dgm:param type="nodeVertAlign" val="t"/>
+                              </dgm:alg>
+                            </dgm:else>
+                          </dgm:choose>
+                          <dgm:shape xmlns:r="http://schemas.openxmlformats.org/officeDocument/2006/relationships" r:blip="">
+                            <dgm:adjLst/>
+                          </dgm:shape>
+                          <dgm:presOf/>
+                          <dgm:layoutNode name="horzSpace4">
+                            <dgm:alg type="sp"/>
+                            <dgm:shape xmlns:r="http://schemas.openxmlformats.org/officeDocument/2006/relationships" r:blip="">
+                              <dgm:adjLst/>
+                            </dgm:shape>
+                            <dgm:presOf/>
+                          </dgm:layoutNode>
+                          <dgm:layoutNode name="tx4" styleLbl="revTx">
+                            <dgm:varLst>
+                              <dgm:bulletEnabled val="1"/>
+                            </dgm:varLst>
+                            <dgm:alg type="tx">
+                              <dgm:param type="parTxLTRAlign" val="l"/>
+                              <dgm:param type="parTxRTLAlign" val="r"/>
+                              <dgm:param type="txAnchorVert" val="t"/>
+                            </dgm:alg>
+                            <dgm:shape xmlns:r="http://schemas.openxmlformats.org/officeDocument/2006/relationships" type="rect" r:blip="">
+                              <dgm:adjLst/>
+                            </dgm:shape>
+                            <dgm:presOf axis="desOrSelf" ptType="node"/>
+                            <dgm:constrLst>
+                              <dgm:constr type="tMarg" refType="primFontSz" fact="0.3"/>
+                              <dgm:constr type="bMarg" refType="primFontSz" fact="0.3"/>
+                              <dgm:constr type="lMarg" refType="primFontSz" fact="0.3"/>
+                              <dgm:constr type="rMarg" refType="primFontSz" fact="0.3"/>
+                            </dgm:constrLst>
+                            <dgm:ruleLst>
+                              <dgm:rule type="primFontSz" val="5" fact="NaN" max="NaN"/>
+                            </dgm:ruleLst>
+                          </dgm:layoutNode>
+                        </dgm:layoutNode>
+                      </dgm:forEach>
+                    </dgm:layoutNode>
+                  </dgm:layoutNode>
+                  <dgm:forEach name="Name37" axis="followSib" ptType="sibTrans" cnt="1">
+                    <dgm:layoutNode name="thinLine3" styleLbl="callout">
+                      <dgm:alg type="sp"/>
+                      <dgm:shape xmlns:r="http://schemas.openxmlformats.org/officeDocument/2006/relationships" type="line" r:blip="">
+                        <dgm:adjLst/>
+                      </dgm:shape>
+                      <dgm:presOf/>
+                    </dgm:layoutNode>
+                  </dgm:forEach>
+                </dgm:forEach>
+              </dgm:layoutNode>
+            </dgm:layoutNode>
+            <dgm:layoutNode name="thinLine2b" styleLbl="callout">
+              <dgm:alg type="sp"/>
+              <dgm:shape xmlns:r="http://schemas.openxmlformats.org/officeDocument/2006/relationships" type="line" r:blip="">
+                <dgm:adjLst/>
+              </dgm:shape>
+              <dgm:presOf/>
+            </dgm:layoutNode>
+            <dgm:layoutNode name="vertSpace2b">
+              <dgm:alg type="sp"/>
+              <dgm:shape xmlns:r="http://schemas.openxmlformats.org/officeDocument/2006/relationships" r:blip="">
+                <dgm:adjLst/>
+              </dgm:shape>
+              <dgm:presOf/>
+            </dgm:layoutNode>
+          </dgm:forEach>
+        </dgm:layoutNode>
+      </dgm:layoutNode>
     </dgm:forEach>
   </dgm:layoutNode>
 </dgm:layoutDef>
@@ -22848,7 +23317,7 @@
             <a:fld id="{B61BEF0D-F0BB-DE4B-95CE-6DB70DBA9567}" type="datetimeFigureOut">
               <a:rPr lang="en-US" smtClean="0"/>
               <a:pPr/>
-              <a:t>7/5/2022</a:t>
+              <a:t>7/5/22</a:t>
             </a:fld>
             <a:endParaRPr lang="en-US" dirty="0"/>
           </a:p>
@@ -23057,7 +23526,7 @@
             <a:fld id="{B61BEF0D-F0BB-DE4B-95CE-6DB70DBA9567}" type="datetimeFigureOut">
               <a:rPr lang="en-US" smtClean="0"/>
               <a:pPr/>
-              <a:t>7/5/2022</a:t>
+              <a:t>7/5/22</a:t>
             </a:fld>
             <a:endParaRPr lang="en-US" dirty="0"/>
           </a:p>
@@ -23239,7 +23708,7 @@
             <a:fld id="{B61BEF0D-F0BB-DE4B-95CE-6DB70DBA9567}" type="datetimeFigureOut">
               <a:rPr lang="en-US" smtClean="0"/>
               <a:pPr/>
-              <a:t>7/5/2022</a:t>
+              <a:t>7/5/22</a:t>
             </a:fld>
             <a:endParaRPr lang="en-US" dirty="0"/>
           </a:p>
@@ -23446,7 +23915,7 @@
             <a:fld id="{B61BEF0D-F0BB-DE4B-95CE-6DB70DBA9567}" type="datetimeFigureOut">
               <a:rPr lang="en-US" smtClean="0"/>
               <a:pPr/>
-              <a:t>7/5/2022</a:t>
+              <a:t>7/5/22</a:t>
             </a:fld>
             <a:endParaRPr lang="en-US" dirty="0"/>
           </a:p>
@@ -32346,7 +32815,7 @@
             <a:fld id="{B61BEF0D-F0BB-DE4B-95CE-6DB70DBA9567}" type="datetimeFigureOut">
               <a:rPr lang="en-US" smtClean="0"/>
               <a:pPr/>
-              <a:t>7/5/2022</a:t>
+              <a:t>7/5/22</a:t>
             </a:fld>
             <a:endParaRPr lang="en-US" dirty="0"/>
           </a:p>
@@ -32622,7 +33091,7 @@
             <a:fld id="{B61BEF0D-F0BB-DE4B-95CE-6DB70DBA9567}" type="datetimeFigureOut">
               <a:rPr lang="en-US" smtClean="0"/>
               <a:pPr/>
-              <a:t>7/5/2022</a:t>
+              <a:t>7/5/22</a:t>
             </a:fld>
             <a:endParaRPr lang="en-US" dirty="0"/>
           </a:p>
@@ -33022,7 +33491,7 @@
             <a:fld id="{B61BEF0D-F0BB-DE4B-95CE-6DB70DBA9567}" type="datetimeFigureOut">
               <a:rPr lang="en-US" smtClean="0"/>
               <a:pPr/>
-              <a:t>7/5/2022</a:t>
+              <a:t>7/5/22</a:t>
             </a:fld>
             <a:endParaRPr lang="en-US" dirty="0"/>
           </a:p>
@@ -33142,7 +33611,7 @@
             <a:fld id="{B61BEF0D-F0BB-DE4B-95CE-6DB70DBA9567}" type="datetimeFigureOut">
               <a:rPr lang="en-US" smtClean="0"/>
               <a:pPr/>
-              <a:t>7/5/2022</a:t>
+              <a:t>7/5/22</a:t>
             </a:fld>
             <a:endParaRPr lang="en-US" dirty="0"/>
           </a:p>
@@ -33239,7 +33708,7 @@
             <a:fld id="{B61BEF0D-F0BB-DE4B-95CE-6DB70DBA9567}" type="datetimeFigureOut">
               <a:rPr lang="en-US" smtClean="0"/>
               <a:pPr/>
-              <a:t>7/5/2022</a:t>
+              <a:t>7/5/22</a:t>
             </a:fld>
             <a:endParaRPr lang="en-US" dirty="0"/>
           </a:p>
@@ -33531,7 +34000,7 @@
             <a:fld id="{B61BEF0D-F0BB-DE4B-95CE-6DB70DBA9567}" type="datetimeFigureOut">
               <a:rPr lang="en-US" smtClean="0"/>
               <a:pPr/>
-              <a:t>7/5/2022</a:t>
+              <a:t>7/5/22</a:t>
             </a:fld>
             <a:endParaRPr lang="en-US" dirty="0"/>
           </a:p>
@@ -33813,7 +34282,7 @@
             <a:fld id="{B61BEF0D-F0BB-DE4B-95CE-6DB70DBA9567}" type="datetimeFigureOut">
               <a:rPr lang="en-US" smtClean="0"/>
               <a:pPr/>
-              <a:t>7/5/2022</a:t>
+              <a:t>7/5/22</a:t>
             </a:fld>
             <a:endParaRPr lang="en-US" dirty="0"/>
           </a:p>
@@ -34065,7 +34534,7 @@
             <a:fld id="{B61BEF0D-F0BB-DE4B-95CE-6DB70DBA9567}" type="datetimeFigureOut">
               <a:rPr lang="en-US" smtClean="0"/>
               <a:pPr/>
-              <a:t>7/5/2022</a:t>
+              <a:t>7/5/22</a:t>
             </a:fld>
             <a:endParaRPr lang="en-US" dirty="0"/>
           </a:p>
@@ -36065,14 +36534,25 @@
         <p:spPr/>
         <p:txBody>
           <a:bodyPr>
-            <a:normAutofit/>
+            <a:normAutofit fontScale="90000"/>
           </a:bodyPr>
           <a:lstStyle/>
           <a:p>
             <a:r>
-              <a:rPr lang="en-US" sz="4000" dirty="0"/>
+              <a:rPr lang="en-US" sz="4000"/>
               <a:t>Futures Contracts</a:t>
             </a:r>
+            <a:br>
+              <a:rPr lang="en-US" sz="4000"/>
+            </a:br>
+            <a:r>
+              <a:rPr kumimoji="1" lang="en-US" altLang="zh-CN" sz="4000"/>
+              <a:t>Way to against default</a:t>
+            </a:r>
+            <a:br>
+              <a:rPr kumimoji="1" lang="zh-CN" altLang="en-US" sz="4000"/>
+            </a:br>
+            <a:endParaRPr lang="en-US" sz="4000" dirty="0"/>
           </a:p>
         </p:txBody>
       </p:sp>
@@ -36092,7 +36572,7 @@
             <p:ph idx="1"/>
             <p:extLst>
               <p:ext uri="{D42A27DB-BD31-4B8C-83A1-F6EECF244321}">
-                <p14:modId xmlns:p14="http://schemas.microsoft.com/office/powerpoint/2010/main" val="3508808584"/>
+                <p14:modId xmlns:p14="http://schemas.microsoft.com/office/powerpoint/2010/main" val="1084850669"/>
               </p:ext>
             </p:extLst>
           </p:nvPr>
@@ -36169,14 +36649,25 @@
         </p:spPr>
         <p:txBody>
           <a:bodyPr>
-            <a:normAutofit/>
+            <a:normAutofit fontScale="90000"/>
           </a:bodyPr>
           <a:lstStyle/>
           <a:p>
             <a:r>
-              <a:rPr lang="en-US"/>
+              <a:rPr lang="en-US" dirty="0"/>
               <a:t>Futures Contracts</a:t>
             </a:r>
+            <a:br>
+              <a:rPr lang="en-US" dirty="0"/>
+            </a:br>
+            <a:r>
+              <a:rPr lang="en" altLang="zh-CN" sz="3100" dirty="0"/>
+              <a:t>Final Settlement of futures</a:t>
+            </a:r>
+            <a:br>
+              <a:rPr lang="en" altLang="zh-CN" dirty="0"/>
+            </a:br>
+            <a:endParaRPr lang="en-US" dirty="0"/>
           </a:p>
         </p:txBody>
       </p:sp>
@@ -36207,15 +36698,6 @@
             <a:normAutofit/>
           </a:bodyPr>
           <a:lstStyle/>
-          <a:p>
-            <a:pPr marL="128016" lvl="1" indent="0">
-              <a:buNone/>
-            </a:pPr>
-            <a:r>
-              <a:rPr lang="en-US" b="1" dirty="0"/>
-              <a:t>Characteristics:</a:t>
-            </a:r>
-          </a:p>
           <a:p>
             <a:pPr lvl="1"/>
             <a:r>
@@ -36792,7 +37274,7 @@
         </p:spPr>
         <p:txBody>
           <a:bodyPr>
-            <a:normAutofit fontScale="90000"/>
+            <a:normAutofit/>
           </a:bodyPr>
           <a:lstStyle/>
           <a:p>
@@ -42805,7 +43287,7 @@
         <p:spPr/>
         <p:txBody>
           <a:bodyPr>
-            <a:normAutofit fontScale="90000"/>
+            <a:normAutofit/>
           </a:bodyPr>
           <a:lstStyle/>
           <a:p>
@@ -43048,7 +43530,7 @@
         <p:spPr/>
         <p:txBody>
           <a:bodyPr>
-            <a:normAutofit fontScale="90000"/>
+            <a:normAutofit/>
           </a:bodyPr>
           <a:lstStyle/>
           <a:p>
@@ -43214,7 +43696,7 @@
         <p:spPr/>
         <p:txBody>
           <a:bodyPr>
-            <a:normAutofit fontScale="90000"/>
+            <a:normAutofit/>
           </a:bodyPr>
           <a:lstStyle/>
           <a:p>

--- a/Derivatives.pptx
+++ b/Derivatives.pptx
@@ -24,56 +24,58 @@
     <p:sldId id="331" r:id="rId18"/>
     <p:sldId id="317" r:id="rId19"/>
     <p:sldId id="269" r:id="rId20"/>
-    <p:sldId id="274" r:id="rId21"/>
-    <p:sldId id="275" r:id="rId22"/>
-    <p:sldId id="276" r:id="rId23"/>
-    <p:sldId id="277" r:id="rId24"/>
-    <p:sldId id="318" r:id="rId25"/>
-    <p:sldId id="278" r:id="rId26"/>
-    <p:sldId id="279" r:id="rId27"/>
-    <p:sldId id="280" r:id="rId28"/>
-    <p:sldId id="281" r:id="rId29"/>
-    <p:sldId id="282" r:id="rId30"/>
-    <p:sldId id="283" r:id="rId31"/>
-    <p:sldId id="284" r:id="rId32"/>
-    <p:sldId id="285" r:id="rId33"/>
-    <p:sldId id="286" r:id="rId34"/>
-    <p:sldId id="287" r:id="rId35"/>
-    <p:sldId id="288" r:id="rId36"/>
-    <p:sldId id="319" r:id="rId37"/>
-    <p:sldId id="320" r:id="rId38"/>
-    <p:sldId id="289" r:id="rId39"/>
-    <p:sldId id="290" r:id="rId40"/>
-    <p:sldId id="291" r:id="rId41"/>
-    <p:sldId id="292" r:id="rId42"/>
-    <p:sldId id="293" r:id="rId43"/>
-    <p:sldId id="294" r:id="rId44"/>
-    <p:sldId id="321" r:id="rId45"/>
-    <p:sldId id="295" r:id="rId46"/>
-    <p:sldId id="296" r:id="rId47"/>
-    <p:sldId id="297" r:id="rId48"/>
-    <p:sldId id="302" r:id="rId49"/>
-    <p:sldId id="303" r:id="rId50"/>
-    <p:sldId id="298" r:id="rId51"/>
-    <p:sldId id="299" r:id="rId52"/>
-    <p:sldId id="322" r:id="rId53"/>
-    <p:sldId id="323" r:id="rId54"/>
-    <p:sldId id="324" r:id="rId55"/>
-    <p:sldId id="301" r:id="rId56"/>
-    <p:sldId id="300" r:id="rId57"/>
-    <p:sldId id="306" r:id="rId58"/>
-    <p:sldId id="304" r:id="rId59"/>
-    <p:sldId id="305" r:id="rId60"/>
-    <p:sldId id="307" r:id="rId61"/>
-    <p:sldId id="308" r:id="rId62"/>
-    <p:sldId id="309" r:id="rId63"/>
-    <p:sldId id="310" r:id="rId64"/>
-    <p:sldId id="325" r:id="rId65"/>
-    <p:sldId id="326" r:id="rId66"/>
-    <p:sldId id="327" r:id="rId67"/>
-    <p:sldId id="311" r:id="rId68"/>
-    <p:sldId id="312" r:id="rId69"/>
-    <p:sldId id="313" r:id="rId70"/>
+    <p:sldId id="275" r:id="rId21"/>
+    <p:sldId id="332" r:id="rId22"/>
+    <p:sldId id="333" r:id="rId23"/>
+    <p:sldId id="274" r:id="rId24"/>
+    <p:sldId id="276" r:id="rId25"/>
+    <p:sldId id="277" r:id="rId26"/>
+    <p:sldId id="318" r:id="rId27"/>
+    <p:sldId id="278" r:id="rId28"/>
+    <p:sldId id="279" r:id="rId29"/>
+    <p:sldId id="280" r:id="rId30"/>
+    <p:sldId id="281" r:id="rId31"/>
+    <p:sldId id="282" r:id="rId32"/>
+    <p:sldId id="283" r:id="rId33"/>
+    <p:sldId id="284" r:id="rId34"/>
+    <p:sldId id="285" r:id="rId35"/>
+    <p:sldId id="286" r:id="rId36"/>
+    <p:sldId id="287" r:id="rId37"/>
+    <p:sldId id="288" r:id="rId38"/>
+    <p:sldId id="319" r:id="rId39"/>
+    <p:sldId id="320" r:id="rId40"/>
+    <p:sldId id="289" r:id="rId41"/>
+    <p:sldId id="290" r:id="rId42"/>
+    <p:sldId id="291" r:id="rId43"/>
+    <p:sldId id="292" r:id="rId44"/>
+    <p:sldId id="293" r:id="rId45"/>
+    <p:sldId id="294" r:id="rId46"/>
+    <p:sldId id="321" r:id="rId47"/>
+    <p:sldId id="295" r:id="rId48"/>
+    <p:sldId id="296" r:id="rId49"/>
+    <p:sldId id="297" r:id="rId50"/>
+    <p:sldId id="302" r:id="rId51"/>
+    <p:sldId id="303" r:id="rId52"/>
+    <p:sldId id="298" r:id="rId53"/>
+    <p:sldId id="299" r:id="rId54"/>
+    <p:sldId id="322" r:id="rId55"/>
+    <p:sldId id="323" r:id="rId56"/>
+    <p:sldId id="324" r:id="rId57"/>
+    <p:sldId id="301" r:id="rId58"/>
+    <p:sldId id="300" r:id="rId59"/>
+    <p:sldId id="306" r:id="rId60"/>
+    <p:sldId id="304" r:id="rId61"/>
+    <p:sldId id="305" r:id="rId62"/>
+    <p:sldId id="307" r:id="rId63"/>
+    <p:sldId id="308" r:id="rId64"/>
+    <p:sldId id="309" r:id="rId65"/>
+    <p:sldId id="310" r:id="rId66"/>
+    <p:sldId id="325" r:id="rId67"/>
+    <p:sldId id="326" r:id="rId68"/>
+    <p:sldId id="327" r:id="rId69"/>
+    <p:sldId id="311" r:id="rId70"/>
+    <p:sldId id="312" r:id="rId71"/>
+    <p:sldId id="313" r:id="rId72"/>
   </p:sldIdLst>
   <p:sldSz cx="12192000" cy="6858000"/>
   <p:notesSz cx="6858000" cy="9144000"/>
@@ -208,8 +210,10 @@
           <p14:sldIdLst>
             <p14:sldId id="317"/>
             <p14:sldId id="269"/>
+            <p14:sldId id="275"/>
+            <p14:sldId id="332"/>
+            <p14:sldId id="333"/>
             <p14:sldId id="274"/>
-            <p14:sldId id="275"/>
             <p14:sldId id="276"/>
             <p14:sldId id="277"/>
           </p14:sldIdLst>
@@ -6453,8 +6457,8 @@
       </dsp:nvSpPr>
       <dsp:spPr>
         <a:xfrm>
-          <a:off x="0" y="72627"/>
-          <a:ext cx="9720262" cy="1904174"/>
+          <a:off x="0" y="348505"/>
+          <a:ext cx="9720262" cy="1629736"/>
         </a:xfrm>
         <a:prstGeom prst="roundRect">
           <a:avLst/>
@@ -6495,12 +6499,12 @@
         </a:fontRef>
       </dsp:style>
       <dsp:txBody>
-        <a:bodyPr spcFirstLastPara="0" vert="horz" wrap="square" lIns="91440" tIns="91440" rIns="91440" bIns="91440" numCol="1" spcCol="1270" anchor="ctr" anchorCtr="0">
+        <a:bodyPr spcFirstLastPara="0" vert="horz" wrap="square" lIns="87630" tIns="87630" rIns="87630" bIns="87630" numCol="1" spcCol="1270" anchor="ctr" anchorCtr="0">
           <a:noAutofit/>
         </a:bodyPr>
         <a:lstStyle/>
         <a:p>
-          <a:pPr marL="0" lvl="0" indent="0" algn="l" defTabSz="1066800">
+          <a:pPr marL="0" lvl="0" indent="0" algn="l" defTabSz="1022350">
             <a:lnSpc>
               <a:spcPct val="90000"/>
             </a:lnSpc>
@@ -6513,14 +6517,14 @@
             <a:buNone/>
           </a:pPr>
           <a:r>
-            <a:rPr lang="en-US" sz="2400" kern="1200"/>
+            <a:rPr lang="en-US" sz="2300" kern="1200"/>
             <a:t>1. Describe a scenario in which a forward contract has cash settlement of zero at maturity and neither counterparty has defaulted. </a:t>
           </a:r>
         </a:p>
       </dsp:txBody>
       <dsp:txXfrm>
-        <a:off x="92954" y="165581"/>
-        <a:ext cx="9534354" cy="1718266"/>
+        <a:off x="79557" y="428062"/>
+        <a:ext cx="9561148" cy="1470622"/>
       </dsp:txXfrm>
     </dsp:sp>
     <dsp:sp modelId="{2935446E-BFB4-B145-B594-12528465BFB3}">
@@ -6530,8 +6534,8 @@
       </dsp:nvSpPr>
       <dsp:spPr>
         <a:xfrm>
-          <a:off x="0" y="2045922"/>
-          <a:ext cx="9720262" cy="1904174"/>
+          <a:off x="0" y="2044482"/>
+          <a:ext cx="9720262" cy="1629736"/>
         </a:xfrm>
         <a:prstGeom prst="roundRect">
           <a:avLst/>
@@ -6572,12 +6576,12 @@
         </a:fontRef>
       </dsp:style>
       <dsp:txBody>
-        <a:bodyPr spcFirstLastPara="0" vert="horz" wrap="square" lIns="91440" tIns="91440" rIns="91440" bIns="91440" numCol="1" spcCol="1270" anchor="ctr" anchorCtr="0">
+        <a:bodyPr spcFirstLastPara="0" vert="horz" wrap="square" lIns="87630" tIns="87630" rIns="87630" bIns="87630" numCol="1" spcCol="1270" anchor="ctr" anchorCtr="0">
           <a:noAutofit/>
         </a:bodyPr>
         <a:lstStyle/>
         <a:p>
-          <a:pPr marL="0" lvl="0" indent="0" algn="l" defTabSz="1066800">
+          <a:pPr marL="0" lvl="0" indent="0" algn="l" defTabSz="1022350">
             <a:lnSpc>
               <a:spcPct val="90000"/>
             </a:lnSpc>
@@ -6590,14 +6594,14 @@
             <a:buNone/>
           </a:pPr>
           <a:r>
-            <a:rPr lang="en-US" sz="2400" kern="1200"/>
+            <a:rPr lang="en-US" sz="2300" kern="1200"/>
             <a:t>2. Determine the correct answers to fill in the blanks: An oil producer enters a derivative contract with an investor to sell 1,000 barrels of oil in two months at a forward price of $64 per barrel. If the spot oil price at maturity is $58.50 per barrel, the investor realizes a __________ at maturity equal to __________. </a:t>
           </a:r>
         </a:p>
       </dsp:txBody>
       <dsp:txXfrm>
-        <a:off x="92954" y="2138876"/>
-        <a:ext cx="9534354" cy="1718266"/>
+        <a:off x="79557" y="2124039"/>
+        <a:ext cx="9561148" cy="1470622"/>
       </dsp:txXfrm>
     </dsp:sp>
   </dsp:spTree>
@@ -6619,8 +6623,8 @@
       </dsp:nvSpPr>
       <dsp:spPr>
         <a:xfrm>
-          <a:off x="0" y="166171"/>
-          <a:ext cx="9720262" cy="1804871"/>
+          <a:off x="0" y="70172"/>
+          <a:ext cx="9720262" cy="1902310"/>
         </a:xfrm>
         <a:prstGeom prst="roundRect">
           <a:avLst/>
@@ -6661,12 +6665,12 @@
         </a:fontRef>
       </dsp:style>
       <dsp:txBody>
-        <a:bodyPr spcFirstLastPara="0" vert="horz" wrap="square" lIns="106680" tIns="106680" rIns="106680" bIns="106680" numCol="1" spcCol="1270" anchor="ctr" anchorCtr="0">
+        <a:bodyPr spcFirstLastPara="0" vert="horz" wrap="square" lIns="102870" tIns="102870" rIns="102870" bIns="102870" numCol="1" spcCol="1270" anchor="ctr" anchorCtr="0">
           <a:noAutofit/>
         </a:bodyPr>
         <a:lstStyle/>
         <a:p>
-          <a:pPr marL="0" lvl="0" indent="0" algn="l" defTabSz="1244600">
+          <a:pPr marL="0" lvl="0" indent="0" algn="l" defTabSz="1200150">
             <a:lnSpc>
               <a:spcPct val="90000"/>
             </a:lnSpc>
@@ -6679,11 +6683,11 @@
             <a:buNone/>
           </a:pPr>
           <a:r>
-            <a:rPr lang="en-US" sz="2800" kern="1200" dirty="0"/>
+            <a:rPr lang="en-US" sz="2700" kern="1200" dirty="0"/>
             <a:t>Definition: Futures contracts are forward contracts with </a:t>
           </a:r>
           <a:r>
-            <a:rPr lang="en-US" sz="2800" kern="1200" dirty="0">
+            <a:rPr lang="en-US" sz="2700" kern="1200" dirty="0">
               <a:solidFill>
                 <a:srgbClr val="FF0000"/>
               </a:solidFill>
@@ -6691,14 +6695,14 @@
             <a:t>standardized</a:t>
           </a:r>
           <a:r>
-            <a:rPr lang="en-US" sz="2800" kern="1200" dirty="0"/>
+            <a:rPr lang="en-US" sz="2700" kern="1200" dirty="0"/>
             <a:t> sizes, dates, and underlying that trade on futures exchanges.</a:t>
           </a:r>
         </a:p>
       </dsp:txBody>
       <dsp:txXfrm>
-        <a:off x="88107" y="254278"/>
-        <a:ext cx="9544048" cy="1628657"/>
+        <a:off x="92863" y="163035"/>
+        <a:ext cx="9534536" cy="1716584"/>
       </dsp:txXfrm>
     </dsp:sp>
     <dsp:sp modelId="{3200F415-B300-1C4F-8BC2-0178721ECBA0}">
@@ -6708,8 +6712,8 @@
       </dsp:nvSpPr>
       <dsp:spPr>
         <a:xfrm>
-          <a:off x="0" y="2051682"/>
-          <a:ext cx="9720262" cy="1804871"/>
+          <a:off x="0" y="2050242"/>
+          <a:ext cx="9720262" cy="1902310"/>
         </a:xfrm>
         <a:prstGeom prst="roundRect">
           <a:avLst/>
@@ -6750,12 +6754,12 @@
         </a:fontRef>
       </dsp:style>
       <dsp:txBody>
-        <a:bodyPr spcFirstLastPara="0" vert="horz" wrap="square" lIns="106680" tIns="106680" rIns="106680" bIns="106680" numCol="1" spcCol="1270" anchor="ctr" anchorCtr="0">
+        <a:bodyPr spcFirstLastPara="0" vert="horz" wrap="square" lIns="102870" tIns="102870" rIns="102870" bIns="102870" numCol="1" spcCol="1270" anchor="ctr" anchorCtr="0">
           <a:noAutofit/>
         </a:bodyPr>
         <a:lstStyle/>
         <a:p>
-          <a:pPr marL="0" lvl="0" indent="0" algn="l" defTabSz="1244600">
+          <a:pPr marL="0" lvl="0" indent="0" algn="l" defTabSz="1200150">
             <a:lnSpc>
               <a:spcPct val="90000"/>
             </a:lnSpc>
@@ -6768,11 +6772,11 @@
             <a:buNone/>
           </a:pPr>
           <a:r>
-            <a:rPr lang="en-US" sz="2800" kern="1200" dirty="0"/>
+            <a:rPr lang="en-US" sz="2700" kern="1200" dirty="0"/>
             <a:t>The futures contract buyer creates a long exposure to the underlying by agreeing to purchase the underlying at a later date at a pre-agreed price. The seller makes the opposite commitment. This agreed-on price is called the </a:t>
           </a:r>
           <a:r>
-            <a:rPr lang="en-US" sz="2800" kern="1200" dirty="0">
+            <a:rPr lang="en-US" sz="2700" kern="1200" dirty="0">
               <a:solidFill>
                 <a:srgbClr val="FF0000"/>
               </a:solidFill>
@@ -6782,8 +6786,8 @@
         </a:p>
       </dsp:txBody>
       <dsp:txXfrm>
-        <a:off x="88107" y="2139789"/>
-        <a:ext cx="9544048" cy="1628657"/>
+        <a:off x="92863" y="2143105"/>
+        <a:ext cx="9534536" cy="1716584"/>
       </dsp:txXfrm>
     </dsp:sp>
   </dsp:spTree>
@@ -6926,7 +6930,7 @@
         </a:bodyPr>
         <a:lstStyle/>
         <a:p>
-          <a:pPr marL="0" lvl="0" indent="0" algn="l" defTabSz="933450">
+          <a:pPr marL="0" lvl="0" indent="0" algn="l" defTabSz="844550">
             <a:lnSpc>
               <a:spcPct val="100000"/>
             </a:lnSpc>
@@ -6939,11 +6943,11 @@
             <a:buNone/>
           </a:pPr>
           <a:r>
-            <a:rPr lang="en-US" sz="2100" kern="1200" dirty="0"/>
+            <a:rPr lang="en-US" sz="1900" kern="1200" dirty="0"/>
             <a:t>Probably the most important distinctive characteristic of futures contracts is the </a:t>
           </a:r>
           <a:r>
-            <a:rPr lang="en-US" sz="2100" kern="1200" dirty="0">
+            <a:rPr lang="en-US" sz="1900" kern="1200" dirty="0">
               <a:solidFill>
                 <a:srgbClr val="FF0000"/>
               </a:solidFill>
@@ -6951,11 +6955,11 @@
             <a:t>daily settlement </a:t>
           </a:r>
           <a:r>
-            <a:rPr lang="en-US" sz="2100" kern="1200" dirty="0"/>
+            <a:rPr lang="en-US" sz="1900" kern="1200" dirty="0"/>
             <a:t>of gains and losses and the associated </a:t>
           </a:r>
           <a:r>
-            <a:rPr lang="en-US" sz="2100" kern="1200" dirty="0">
+            <a:rPr lang="en-US" sz="1900" kern="1200" dirty="0">
               <a:solidFill>
                 <a:srgbClr val="FF0000"/>
               </a:solidFill>
@@ -6963,7 +6967,7 @@
             <a:t>credit guarantee </a:t>
           </a:r>
           <a:r>
-            <a:rPr lang="en-US" sz="2100" kern="1200" dirty="0"/>
+            <a:rPr lang="en-US" sz="1900" kern="1200" dirty="0"/>
             <a:t>provided by the exchange through its clearinghouse.</a:t>
           </a:r>
         </a:p>
@@ -7101,7 +7105,7 @@
         </a:bodyPr>
         <a:lstStyle/>
         <a:p>
-          <a:pPr marL="0" lvl="0" indent="0" algn="l" defTabSz="933450">
+          <a:pPr marL="0" lvl="0" indent="0" algn="l" defTabSz="844550">
             <a:lnSpc>
               <a:spcPct val="100000"/>
             </a:lnSpc>
@@ -7114,11 +7118,11 @@
             <a:buNone/>
           </a:pPr>
           <a:r>
-            <a:rPr lang="en-US" sz="2100" kern="1200" dirty="0"/>
+            <a:rPr lang="en-US" sz="1900" kern="1200" dirty="0"/>
             <a:t>At the end of each day, the clearinghouse engages in a practice called </a:t>
           </a:r>
           <a:r>
-            <a:rPr lang="en-US" sz="2100" kern="1200" dirty="0">
+            <a:rPr lang="en-US" sz="1900" kern="1200" dirty="0">
               <a:solidFill>
                 <a:srgbClr val="FF0000"/>
               </a:solidFill>
@@ -7126,11 +7130,11 @@
             <a:t>mark to market</a:t>
           </a:r>
           <a:r>
-            <a:rPr lang="en-US" sz="2100" kern="1200" dirty="0"/>
+            <a:rPr lang="en-US" sz="1900" kern="1200" dirty="0"/>
             <a:t>, also known as the </a:t>
           </a:r>
           <a:r>
-            <a:rPr lang="en-US" sz="2100" kern="1200" dirty="0">
+            <a:rPr lang="en-US" sz="1900" kern="1200" dirty="0">
               <a:solidFill>
                 <a:srgbClr val="FF0000"/>
               </a:solidFill>
@@ -7138,7 +7142,7 @@
             <a:t>daily settlement</a:t>
           </a:r>
           <a:r>
-            <a:rPr lang="en-US" sz="2100" kern="1200" dirty="0"/>
+            <a:rPr lang="en-US" sz="1900" kern="1200" dirty="0"/>
             <a:t>.</a:t>
           </a:r>
         </a:p>
@@ -7276,7 +7280,7 @@
         </a:bodyPr>
         <a:lstStyle/>
         <a:p>
-          <a:pPr marL="0" lvl="0" indent="0" algn="l" defTabSz="933450">
+          <a:pPr marL="0" lvl="0" indent="0" algn="l" defTabSz="844550">
             <a:lnSpc>
               <a:spcPct val="100000"/>
             </a:lnSpc>
@@ -7289,15 +7293,15 @@
             <a:buNone/>
           </a:pPr>
           <a:r>
-            <a:rPr lang="en-US" sz="2100" kern="1200"/>
+            <a:rPr lang="en-US" sz="1900" kern="1200"/>
             <a:t>The account is specifically referred to as a margin</a:t>
           </a:r>
           <a:r>
-            <a:rPr lang="en-US" sz="2100" b="1" kern="1200"/>
+            <a:rPr lang="en-US" sz="1900" b="1" kern="1200"/>
             <a:t> </a:t>
           </a:r>
           <a:r>
-            <a:rPr lang="en-US" sz="2100" kern="1200"/>
+            <a:rPr lang="en-US" sz="1900" kern="1200"/>
             <a:t>account.</a:t>
           </a:r>
         </a:p>
@@ -7514,12 +7518,12 @@
         <a:fontRef idx="minor"/>
       </dsp:style>
       <dsp:txBody>
-        <a:bodyPr spcFirstLastPara="0" vert="horz" wrap="square" lIns="83820" tIns="83820" rIns="83820" bIns="83820" numCol="1" spcCol="1270" anchor="t" anchorCtr="0">
+        <a:bodyPr spcFirstLastPara="0" vert="horz" wrap="square" lIns="76200" tIns="76200" rIns="76200" bIns="76200" numCol="1" spcCol="1270" anchor="t" anchorCtr="0">
           <a:noAutofit/>
         </a:bodyPr>
         <a:lstStyle/>
         <a:p>
-          <a:pPr marL="0" lvl="0" indent="0" algn="l" defTabSz="977900">
+          <a:pPr marL="0" lvl="0" indent="0" algn="l" defTabSz="889000">
             <a:lnSpc>
               <a:spcPct val="90000"/>
             </a:lnSpc>
@@ -7532,11 +7536,11 @@
             <a:buNone/>
           </a:pPr>
           <a:r>
-            <a:rPr lang="en-US" sz="2200" kern="1200"/>
+            <a:rPr lang="en-US" sz="2000" kern="1200"/>
             <a:t>By standardizing these contracts and creating an organized market with rules, regulations, and a central clearing facility, the futures markets offer an element of </a:t>
           </a:r>
           <a:r>
-            <a:rPr lang="en-US" sz="2200" kern="1200">
+            <a:rPr lang="en-US" sz="2000" kern="1200">
               <a:solidFill>
                 <a:srgbClr val="FF0000"/>
               </a:solidFill>
@@ -7544,18 +7548,18 @@
             <a:t>liquidity</a:t>
           </a:r>
           <a:r>
-            <a:rPr lang="en-US" sz="2200" kern="1200"/>
+            <a:rPr lang="en-US" sz="2000" kern="1200"/>
             <a:t> and </a:t>
           </a:r>
           <a:r>
-            <a:rPr lang="en-US" sz="2200" kern="1200">
+            <a:rPr lang="en-US" sz="2000" kern="1200">
               <a:solidFill>
                 <a:srgbClr val="FF0000"/>
               </a:solidFill>
             </a:rPr>
             <a:t>protection against loss by default.</a:t>
           </a:r>
-          <a:endParaRPr lang="en-US" sz="2200" kern="1200" dirty="0">
+          <a:endParaRPr lang="en-US" sz="2000" kern="1200" dirty="0">
             <a:solidFill>
               <a:srgbClr val="FF0000"/>
             </a:solidFill>
@@ -7648,12 +7652,12 @@
         <a:fontRef idx="minor"/>
       </dsp:style>
       <dsp:txBody>
-        <a:bodyPr spcFirstLastPara="0" vert="horz" wrap="square" lIns="83820" tIns="83820" rIns="83820" bIns="83820" numCol="1" spcCol="1270" anchor="t" anchorCtr="0">
+        <a:bodyPr spcFirstLastPara="0" vert="horz" wrap="square" lIns="76200" tIns="76200" rIns="76200" bIns="76200" numCol="1" spcCol="1270" anchor="t" anchorCtr="0">
           <a:noAutofit/>
         </a:bodyPr>
         <a:lstStyle/>
         <a:p>
-          <a:pPr marL="0" lvl="0" indent="0" algn="l" defTabSz="977900">
+          <a:pPr marL="0" lvl="0" indent="0" algn="l" defTabSz="889000">
             <a:lnSpc>
               <a:spcPct val="90000"/>
             </a:lnSpc>
@@ -7666,11 +7670,11 @@
             <a:buNone/>
           </a:pPr>
           <a:r>
-            <a:rPr lang="en-US" sz="2200" kern="1200"/>
+            <a:rPr lang="en-US" sz="2000" kern="1200"/>
             <a:t>Futures exchanges are </a:t>
           </a:r>
           <a:r>
-            <a:rPr lang="en-US" sz="2200" kern="1200">
+            <a:rPr lang="en-US" sz="2000" kern="1200">
               <a:solidFill>
                 <a:srgbClr val="FF0000"/>
               </a:solidFill>
@@ -7678,10 +7682,10 @@
             <a:t>highly regulated </a:t>
           </a:r>
           <a:r>
-            <a:rPr lang="en-US" sz="2200" kern="1200"/>
+            <a:rPr lang="en-US" sz="2000" kern="1200"/>
             <a:t>at the national level in all countries.</a:t>
           </a:r>
-          <a:endParaRPr lang="en-US" sz="2200" kern="1200" dirty="0"/>
+          <a:endParaRPr lang="en-US" sz="2000" kern="1200" dirty="0"/>
         </a:p>
       </dsp:txBody>
       <dsp:txXfrm>
@@ -7770,12 +7774,12 @@
         <a:fontRef idx="minor"/>
       </dsp:style>
       <dsp:txBody>
-        <a:bodyPr spcFirstLastPara="0" vert="horz" wrap="square" lIns="83820" tIns="83820" rIns="83820" bIns="83820" numCol="1" spcCol="1270" anchor="t" anchorCtr="0">
+        <a:bodyPr spcFirstLastPara="0" vert="horz" wrap="square" lIns="76200" tIns="76200" rIns="76200" bIns="76200" numCol="1" spcCol="1270" anchor="t" anchorCtr="0">
           <a:noAutofit/>
         </a:bodyPr>
         <a:lstStyle/>
         <a:p>
-          <a:pPr marL="0" lvl="0" indent="0" algn="l" defTabSz="977900">
+          <a:pPr marL="0" lvl="0" indent="0" algn="l" defTabSz="889000">
             <a:lnSpc>
               <a:spcPct val="90000"/>
             </a:lnSpc>
@@ -7788,11 +7792,11 @@
             <a:buNone/>
           </a:pPr>
           <a:r>
-            <a:rPr lang="en-US" sz="2200" kern="1200"/>
+            <a:rPr lang="en-US" sz="2000" kern="1200"/>
             <a:t>Some futures contracts also limit daily price changes. These rules, called </a:t>
           </a:r>
           <a:r>
-            <a:rPr lang="en-US" sz="2200" kern="1200">
+            <a:rPr lang="en-US" sz="2000" kern="1200">
               <a:solidFill>
                 <a:srgbClr val="FF0000"/>
               </a:solidFill>
@@ -7800,10 +7804,10 @@
             <a:t>price limits</a:t>
           </a:r>
           <a:r>
-            <a:rPr lang="en-US" sz="2200" kern="1200"/>
+            <a:rPr lang="en-US" sz="2000" kern="1200"/>
             <a:t>, establish a band relative to the previous day’s settlement price within which all trades must occur. </a:t>
           </a:r>
-          <a:endParaRPr lang="en-US" sz="2200" kern="1200" dirty="0"/>
+          <a:endParaRPr lang="en-US" sz="2000" kern="1200" dirty="0"/>
         </a:p>
       </dsp:txBody>
       <dsp:txXfrm>
@@ -7892,12 +7896,12 @@
         <a:fontRef idx="minor"/>
       </dsp:style>
       <dsp:txBody>
-        <a:bodyPr spcFirstLastPara="0" vert="horz" wrap="square" lIns="83820" tIns="83820" rIns="83820" bIns="83820" numCol="1" spcCol="1270" anchor="t" anchorCtr="0">
+        <a:bodyPr spcFirstLastPara="0" vert="horz" wrap="square" lIns="76200" tIns="76200" rIns="76200" bIns="76200" numCol="1" spcCol="1270" anchor="t" anchorCtr="0">
           <a:noAutofit/>
         </a:bodyPr>
         <a:lstStyle/>
         <a:p>
-          <a:pPr marL="0" lvl="0" indent="0" algn="l" defTabSz="977900">
+          <a:pPr marL="0" lvl="0" indent="0" algn="l" defTabSz="889000">
             <a:lnSpc>
               <a:spcPct val="90000"/>
             </a:lnSpc>
@@ -7910,11 +7914,11 @@
             <a:buNone/>
           </a:pPr>
           <a:r>
-            <a:rPr lang="en-US" sz="2200" kern="1200"/>
+            <a:rPr lang="en-US" sz="2000" kern="1200"/>
             <a:t>In other cases, exchanges use what is called a </a:t>
           </a:r>
           <a:r>
-            <a:rPr lang="en-US" sz="2200" kern="1200">
+            <a:rPr lang="en-US" sz="2000" kern="1200">
               <a:solidFill>
                 <a:srgbClr val="FF0000"/>
               </a:solidFill>
@@ -7922,10 +7926,10 @@
             <a:t>circuit breaker </a:t>
           </a:r>
           <a:r>
-            <a:rPr lang="en-US" sz="2200" kern="1200"/>
+            <a:rPr lang="en-US" sz="2000" kern="1200"/>
             <a:t>to pause intraday trading for a brief period if a price limit is reached. </a:t>
           </a:r>
-          <a:endParaRPr lang="en-US" sz="2200" kern="1200" dirty="0"/>
+          <a:endParaRPr lang="en-US" sz="2000" kern="1200" dirty="0"/>
         </a:p>
       </dsp:txBody>
       <dsp:txXfrm>
@@ -23317,7 +23321,7 @@
             <a:fld id="{B61BEF0D-F0BB-DE4B-95CE-6DB70DBA9567}" type="datetimeFigureOut">
               <a:rPr lang="en-US" smtClean="0"/>
               <a:pPr/>
-              <a:t>7/5/22</a:t>
+              <a:t>7/6/2022</a:t>
             </a:fld>
             <a:endParaRPr lang="en-US" dirty="0"/>
           </a:p>
@@ -23526,7 +23530,7 @@
             <a:fld id="{B61BEF0D-F0BB-DE4B-95CE-6DB70DBA9567}" type="datetimeFigureOut">
               <a:rPr lang="en-US" smtClean="0"/>
               <a:pPr/>
-              <a:t>7/5/22</a:t>
+              <a:t>7/6/2022</a:t>
             </a:fld>
             <a:endParaRPr lang="en-US" dirty="0"/>
           </a:p>
@@ -23708,7 +23712,7 @@
             <a:fld id="{B61BEF0D-F0BB-DE4B-95CE-6DB70DBA9567}" type="datetimeFigureOut">
               <a:rPr lang="en-US" smtClean="0"/>
               <a:pPr/>
-              <a:t>7/5/22</a:t>
+              <a:t>7/6/2022</a:t>
             </a:fld>
             <a:endParaRPr lang="en-US" dirty="0"/>
           </a:p>
@@ -23915,7 +23919,7 @@
             <a:fld id="{B61BEF0D-F0BB-DE4B-95CE-6DB70DBA9567}" type="datetimeFigureOut">
               <a:rPr lang="en-US" smtClean="0"/>
               <a:pPr/>
-              <a:t>7/5/22</a:t>
+              <a:t>7/6/2022</a:t>
             </a:fld>
             <a:endParaRPr lang="en-US" dirty="0"/>
           </a:p>
@@ -32815,7 +32819,7 @@
             <a:fld id="{B61BEF0D-F0BB-DE4B-95CE-6DB70DBA9567}" type="datetimeFigureOut">
               <a:rPr lang="en-US" smtClean="0"/>
               <a:pPr/>
-              <a:t>7/5/22</a:t>
+              <a:t>7/6/2022</a:t>
             </a:fld>
             <a:endParaRPr lang="en-US" dirty="0"/>
           </a:p>
@@ -33091,7 +33095,7 @@
             <a:fld id="{B61BEF0D-F0BB-DE4B-95CE-6DB70DBA9567}" type="datetimeFigureOut">
               <a:rPr lang="en-US" smtClean="0"/>
               <a:pPr/>
-              <a:t>7/5/22</a:t>
+              <a:t>7/6/2022</a:t>
             </a:fld>
             <a:endParaRPr lang="en-US" dirty="0"/>
           </a:p>
@@ -33491,7 +33495,7 @@
             <a:fld id="{B61BEF0D-F0BB-DE4B-95CE-6DB70DBA9567}" type="datetimeFigureOut">
               <a:rPr lang="en-US" smtClean="0"/>
               <a:pPr/>
-              <a:t>7/5/22</a:t>
+              <a:t>7/6/2022</a:t>
             </a:fld>
             <a:endParaRPr lang="en-US" dirty="0"/>
           </a:p>
@@ -33611,7 +33615,7 @@
             <a:fld id="{B61BEF0D-F0BB-DE4B-95CE-6DB70DBA9567}" type="datetimeFigureOut">
               <a:rPr lang="en-US" smtClean="0"/>
               <a:pPr/>
-              <a:t>7/5/22</a:t>
+              <a:t>7/6/2022</a:t>
             </a:fld>
             <a:endParaRPr lang="en-US" dirty="0"/>
           </a:p>
@@ -33708,7 +33712,7 @@
             <a:fld id="{B61BEF0D-F0BB-DE4B-95CE-6DB70DBA9567}" type="datetimeFigureOut">
               <a:rPr lang="en-US" smtClean="0"/>
               <a:pPr/>
-              <a:t>7/5/22</a:t>
+              <a:t>7/6/2022</a:t>
             </a:fld>
             <a:endParaRPr lang="en-US" dirty="0"/>
           </a:p>
@@ -34000,7 +34004,7 @@
             <a:fld id="{B61BEF0D-F0BB-DE4B-95CE-6DB70DBA9567}" type="datetimeFigureOut">
               <a:rPr lang="en-US" smtClean="0"/>
               <a:pPr/>
-              <a:t>7/5/22</a:t>
+              <a:t>7/6/2022</a:t>
             </a:fld>
             <a:endParaRPr lang="en-US" dirty="0"/>
           </a:p>
@@ -34282,7 +34286,7 @@
             <a:fld id="{B61BEF0D-F0BB-DE4B-95CE-6DB70DBA9567}" type="datetimeFigureOut">
               <a:rPr lang="en-US" smtClean="0"/>
               <a:pPr/>
-              <a:t>7/5/22</a:t>
+              <a:t>7/6/2022</a:t>
             </a:fld>
             <a:endParaRPr lang="en-US" dirty="0"/>
           </a:p>
@@ -34534,7 +34538,7 @@
             <a:fld id="{B61BEF0D-F0BB-DE4B-95CE-6DB70DBA9567}" type="datetimeFigureOut">
               <a:rPr lang="en-US" smtClean="0"/>
               <a:pPr/>
-              <a:t>7/5/22</a:t>
+              <a:t>7/6/2022</a:t>
             </a:fld>
             <a:endParaRPr lang="en-US" dirty="0"/>
           </a:p>
@@ -35235,7 +35239,7 @@
           <a:lstStyle/>
           <a:p>
             <a:r>
-              <a:rPr lang="en-US"/>
+              <a:rPr lang="en-US" dirty="0"/>
               <a:t>Futures Contracts</a:t>
             </a:r>
           </a:p>
@@ -37274,7 +37278,7 @@
         </p:spPr>
         <p:txBody>
           <a:bodyPr>
-            <a:normAutofit/>
+            <a:normAutofit fontScale="90000"/>
           </a:bodyPr>
           <a:lstStyle/>
           <a:p>
@@ -37704,56 +37708,51 @@
         </p:nvSpPr>
         <p:spPr/>
         <p:txBody>
-          <a:bodyPr/>
+          <a:bodyPr>
+            <a:normAutofit/>
+          </a:bodyPr>
           <a:lstStyle/>
           <a:p>
             <a:r>
-              <a:rPr lang="en-US" sz="2000" dirty="0"/>
-              <a:t>Definition: </a:t>
-            </a:r>
-            <a:r>
-              <a:rPr lang="en-US" sz="2000" i="1" dirty="0"/>
-              <a:t>A swap is an over- the- counter derivative contract in which two parties agree to </a:t>
-            </a:r>
-            <a:r>
-              <a:rPr lang="en-US" sz="2000" i="1" dirty="0">
+              <a:rPr lang="en-US" sz="2400" dirty="0"/>
+              <a:t>Definition: A swap is a firm commitment under which two counterparties </a:t>
+            </a:r>
+            <a:r>
+              <a:rPr lang="en-US" sz="2400" dirty="0">
                 <a:solidFill>
                   <a:srgbClr val="FF0000"/>
                 </a:solidFill>
               </a:rPr>
-              <a:t>exchange a series of cash flows </a:t>
-            </a:r>
-            <a:r>
-              <a:rPr lang="en-US" sz="2000" i="1" dirty="0"/>
-              <a:t>whereby one party </a:t>
-            </a:r>
-            <a:r>
-              <a:rPr lang="en-US" sz="2000" i="1" dirty="0">
+              <a:t>exchange a series of cash flows</a:t>
+            </a:r>
+            <a:r>
+              <a:rPr lang="en-US" sz="2400" dirty="0"/>
+              <a:t> in the future. One set of cash flows is typically </a:t>
+            </a:r>
+            <a:r>
+              <a:rPr lang="en-US" sz="2400" dirty="0">
                 <a:solidFill>
                   <a:srgbClr val="FF0000"/>
                 </a:solidFill>
               </a:rPr>
-              <a:t>pays a variable series that will be determined by an underlying asset or rate </a:t>
-            </a:r>
-            <a:r>
-              <a:rPr lang="en-US" sz="2000" i="1" dirty="0"/>
-              <a:t>and the other party pays </a:t>
-            </a:r>
-            <a:r>
-              <a:rPr lang="en-US" sz="2000" i="1" dirty="0">
+              <a:t>variable, or floating</a:t>
+            </a:r>
+            <a:r>
+              <a:rPr lang="en-US" sz="2400" dirty="0"/>
+              <a:t>, and determined by a market reference rate that resets each period. The other cash flow stream is usually </a:t>
+            </a:r>
+            <a:r>
+              <a:rPr lang="en-US" sz="2400" dirty="0">
                 <a:solidFill>
                   <a:srgbClr val="FF0000"/>
                 </a:solidFill>
               </a:rPr>
-              <a:t>either (1) a variable series determined by a different underlying asset or rate or (2) a fixed series</a:t>
-            </a:r>
-            <a:r>
-              <a:rPr lang="en-US" sz="2000" i="1" dirty="0"/>
+              <a:t>fixed or may vary based on a different underlying asset or rate</a:t>
+            </a:r>
+            <a:r>
+              <a:rPr lang="en-US" sz="2400" dirty="0"/>
               <a:t>.</a:t>
             </a:r>
-          </a:p>
-          <a:p>
-            <a:endParaRPr lang="en-US" dirty="0"/>
           </a:p>
         </p:txBody>
       </p:sp>
@@ -37960,7 +37959,7 @@
           <p:cNvPr id="2" name="Title 1">
             <a:extLst>
               <a:ext uri="{FF2B5EF4-FFF2-40B4-BE49-F238E27FC236}">
-                <a16:creationId xmlns:a16="http://schemas.microsoft.com/office/drawing/2014/main" id="{5A10EA45-A5A2-42F9-854A-97D36B351187}"/>
+                <a16:creationId xmlns:a16="http://schemas.microsoft.com/office/drawing/2014/main" id="{E66C3C2E-2A64-4F58-B789-1B63C5258C5E}"/>
               </a:ext>
             </a:extLst>
           </p:cNvPr>
@@ -37990,7 +37989,7 @@
           <p:cNvPr id="3" name="Content Placeholder 2">
             <a:extLst>
               <a:ext uri="{FF2B5EF4-FFF2-40B4-BE49-F238E27FC236}">
-                <a16:creationId xmlns:a16="http://schemas.microsoft.com/office/drawing/2014/main" id="{756A3F7F-5B00-42B7-8E4E-1E5E7810A23A}"/>
+                <a16:creationId xmlns:a16="http://schemas.microsoft.com/office/drawing/2014/main" id="{AD620B4E-9854-4F96-8EDD-9D7D2A35DAEB}"/>
               </a:ext>
             </a:extLst>
           </p:cNvPr>
@@ -38003,104 +38002,61 @@
         </p:nvSpPr>
         <p:spPr/>
         <p:txBody>
-          <a:bodyPr>
-            <a:normAutofit/>
-          </a:bodyPr>
+          <a:bodyPr/>
           <a:lstStyle/>
           <a:p>
             <a:r>
-              <a:rPr lang="en-US" dirty="0"/>
-              <a:t>Characteristics</a:t>
-            </a:r>
-          </a:p>
-          <a:p>
-            <a:pPr lvl="1"/>
-            <a:r>
-              <a:rPr lang="en-US" dirty="0"/>
-              <a:t>A swap is more or less just </a:t>
-            </a:r>
-            <a:r>
-              <a:rPr lang="en-US" dirty="0">
-                <a:solidFill>
-                  <a:srgbClr val="FF0000"/>
-                </a:solidFill>
-              </a:rPr>
-              <a:t>a series of forwards</a:t>
-            </a:r>
-          </a:p>
-          <a:p>
-            <a:pPr lvl="1"/>
-            <a:r>
-              <a:rPr lang="en-US" dirty="0"/>
-              <a:t>A swap is a bit more like a forward contract than a futures contract in that it is an OTC contract, so it is </a:t>
-            </a:r>
-            <a:r>
-              <a:rPr lang="en-US" dirty="0">
-                <a:solidFill>
-                  <a:srgbClr val="FF0000"/>
-                </a:solidFill>
-              </a:rPr>
-              <a:t>privately negotiated and subject to default. </a:t>
-            </a:r>
-          </a:p>
-          <a:p>
-            <a:pPr lvl="1"/>
-            <a:r>
-              <a:rPr lang="en-US" dirty="0"/>
-              <a:t>The party </a:t>
-            </a:r>
-            <a:r>
-              <a:rPr lang="en-US" dirty="0">
-                <a:solidFill>
-                  <a:srgbClr val="FF0000"/>
-                </a:solidFill>
-              </a:rPr>
-              <a:t>owing the lesser amount cannot default </a:t>
-            </a:r>
-            <a:r>
-              <a:rPr lang="en-US" dirty="0"/>
-              <a:t>to the party owing the greater amount.</a:t>
-            </a:r>
-          </a:p>
-          <a:p>
-            <a:pPr lvl="1"/>
-            <a:r>
-              <a:rPr lang="en-US" dirty="0"/>
-              <a:t>As with futures and forwards, no money changes hands at the start; thus, </a:t>
-            </a:r>
-            <a:r>
-              <a:rPr lang="en-US" dirty="0">
-                <a:solidFill>
-                  <a:srgbClr val="FF0000"/>
-                </a:solidFill>
-              </a:rPr>
-              <a:t>the value of a swap when initiated must be zero.</a:t>
-            </a:r>
-          </a:p>
-          <a:p>
-            <a:pPr lvl="1"/>
-            <a:r>
-              <a:rPr lang="en-US" dirty="0">
-                <a:solidFill>
-                  <a:schemeClr val="tx1"/>
-                </a:solidFill>
-              </a:rPr>
-              <a:t>The notional amount of a swap is not typically exchanged, the credit risk of a swap is much less than that of a loan.</a:t>
-            </a:r>
-          </a:p>
-          <a:p>
-            <a:endParaRPr lang="en-US" dirty="0">
-              <a:solidFill>
-                <a:srgbClr val="FF0000"/>
-              </a:solidFill>
-            </a:endParaRPr>
+              <a:rPr lang="en-US" sz="2000" dirty="0"/>
+              <a:t>Plain vanilla swap: the most common swap is the </a:t>
+            </a:r>
+            <a:r>
+              <a:rPr lang="en-US" sz="2000" b="1" dirty="0"/>
+              <a:t>fixed- for- floating interest rate swap</a:t>
+            </a:r>
+            <a:r>
+              <a:rPr lang="en-US" sz="2000" dirty="0"/>
+              <a:t>.</a:t>
+            </a:r>
+          </a:p>
+          <a:p>
+            <a:endParaRPr lang="en-US" dirty="0"/>
           </a:p>
         </p:txBody>
       </p:sp>
+      <p:pic>
+        <p:nvPicPr>
+          <p:cNvPr id="5" name="Picture 4">
+            <a:extLst>
+              <a:ext uri="{FF2B5EF4-FFF2-40B4-BE49-F238E27FC236}">
+                <a16:creationId xmlns:a16="http://schemas.microsoft.com/office/drawing/2014/main" id="{2D705A49-1A9F-46BD-B5D6-83C9A0C8FD30}"/>
+              </a:ext>
+            </a:extLst>
+          </p:cNvPr>
+          <p:cNvPicPr>
+            <a:picLocks noChangeAspect="1"/>
+          </p:cNvPicPr>
+          <p:nvPr/>
+        </p:nvPicPr>
+        <p:blipFill>
+          <a:blip r:embed="rId2"/>
+          <a:stretch>
+            <a:fillRect/>
+          </a:stretch>
+        </p:blipFill>
+        <p:spPr>
+          <a:xfrm>
+            <a:off x="2383891" y="3245988"/>
+            <a:ext cx="6900974" cy="1735915"/>
+          </a:xfrm>
+          <a:prstGeom prst="rect">
+            <a:avLst/>
+          </a:prstGeom>
+        </p:spPr>
+      </p:pic>
     </p:spTree>
     <p:extLst>
       <p:ext uri="{BB962C8B-B14F-4D97-AF65-F5344CB8AC3E}">
-        <p14:creationId xmlns:p14="http://schemas.microsoft.com/office/powerpoint/2010/main" val="4136834001"/>
+        <p14:creationId xmlns:p14="http://schemas.microsoft.com/office/powerpoint/2010/main" val="3152884269"/>
       </p:ext>
     </p:extLst>
   </p:cSld>
@@ -38132,7 +38088,7 @@
           <p:cNvPr id="2" name="Title 1">
             <a:extLst>
               <a:ext uri="{FF2B5EF4-FFF2-40B4-BE49-F238E27FC236}">
-                <a16:creationId xmlns:a16="http://schemas.microsoft.com/office/drawing/2014/main" id="{E66C3C2E-2A64-4F58-B789-1B63C5258C5E}"/>
+                <a16:creationId xmlns:a16="http://schemas.microsoft.com/office/drawing/2014/main" id="{1D19DFCE-6589-4D53-B883-11C3B60766E0}"/>
               </a:ext>
             </a:extLst>
           </p:cNvPr>
@@ -38162,7 +38118,7 @@
           <p:cNvPr id="3" name="Content Placeholder 2">
             <a:extLst>
               <a:ext uri="{FF2B5EF4-FFF2-40B4-BE49-F238E27FC236}">
-                <a16:creationId xmlns:a16="http://schemas.microsoft.com/office/drawing/2014/main" id="{AD620B4E-9854-4F96-8EDD-9D7D2A35DAEB}"/>
+                <a16:creationId xmlns:a16="http://schemas.microsoft.com/office/drawing/2014/main" id="{3214D9F7-CB77-437B-A14A-42B54002FCC2}"/>
               </a:ext>
             </a:extLst>
           </p:cNvPr>
@@ -38179,16 +38135,14 @@
           <a:lstStyle/>
           <a:p>
             <a:r>
-              <a:rPr lang="en-US" sz="2000" dirty="0"/>
-              <a:t>Plain vanilla swap: the most common swap is the </a:t>
-            </a:r>
-            <a:r>
-              <a:rPr lang="en-US" sz="2000" b="1" dirty="0"/>
-              <a:t>fixed- for- floating interest rate swap</a:t>
-            </a:r>
-            <a:r>
-              <a:rPr lang="en-US" sz="2000" dirty="0"/>
-              <a:t>.</a:t>
+              <a:rPr lang="en-US" dirty="0"/>
+              <a:t>Swap as a series of forward exchanges</a:t>
+            </a:r>
+          </a:p>
+          <a:p>
+            <a:r>
+              <a:rPr lang="en-US" dirty="0"/>
+              <a:t>Counterparties usually exchange a net payment on fixed- and floating-rate payments</a:t>
             </a:r>
           </a:p>
           <a:p>
@@ -38196,10 +38150,40 @@
           </a:p>
         </p:txBody>
       </p:sp>
+      <p:pic>
+        <p:nvPicPr>
+          <p:cNvPr id="5" name="Picture 4">
+            <a:extLst>
+              <a:ext uri="{FF2B5EF4-FFF2-40B4-BE49-F238E27FC236}">
+                <a16:creationId xmlns:a16="http://schemas.microsoft.com/office/drawing/2014/main" id="{1D164FCF-BAAA-4C78-BBA5-426D826EB636}"/>
+              </a:ext>
+            </a:extLst>
+          </p:cNvPr>
+          <p:cNvPicPr>
+            <a:picLocks noChangeAspect="1"/>
+          </p:cNvPicPr>
+          <p:nvPr/>
+        </p:nvPicPr>
+        <p:blipFill>
+          <a:blip r:embed="rId2"/>
+          <a:stretch>
+            <a:fillRect/>
+          </a:stretch>
+        </p:blipFill>
+        <p:spPr>
+          <a:xfrm>
+            <a:off x="1024128" y="3533606"/>
+            <a:ext cx="6045090" cy="2976922"/>
+          </a:xfrm>
+          <a:prstGeom prst="rect">
+            <a:avLst/>
+          </a:prstGeom>
+        </p:spPr>
+      </p:pic>
     </p:spTree>
     <p:extLst>
       <p:ext uri="{BB962C8B-B14F-4D97-AF65-F5344CB8AC3E}">
-        <p14:creationId xmlns:p14="http://schemas.microsoft.com/office/powerpoint/2010/main" val="3152884269"/>
+        <p14:creationId xmlns:p14="http://schemas.microsoft.com/office/powerpoint/2010/main" val="686179415"/>
       </p:ext>
     </p:extLst>
   </p:cSld>
@@ -38210,6 +38194,325 @@
 </file>
 
 <file path=ppt/slides/slide22.xml><?xml version="1.0" encoding="utf-8"?>
+<p:sld xmlns:a="http://schemas.openxmlformats.org/drawingml/2006/main" xmlns:r="http://schemas.openxmlformats.org/officeDocument/2006/relationships" xmlns:p="http://schemas.openxmlformats.org/presentationml/2006/main">
+  <p:cSld>
+    <p:spTree>
+      <p:nvGrpSpPr>
+        <p:cNvPr id="1" name=""/>
+        <p:cNvGrpSpPr/>
+        <p:nvPr/>
+      </p:nvGrpSpPr>
+      <p:grpSpPr>
+        <a:xfrm>
+          <a:off x="0" y="0"/>
+          <a:ext cx="0" cy="0"/>
+          <a:chOff x="0" y="0"/>
+          <a:chExt cx="0" cy="0"/>
+        </a:xfrm>
+      </p:grpSpPr>
+      <p:sp>
+        <p:nvSpPr>
+          <p:cNvPr id="2" name="Title 1">
+            <a:extLst>
+              <a:ext uri="{FF2B5EF4-FFF2-40B4-BE49-F238E27FC236}">
+                <a16:creationId xmlns:a16="http://schemas.microsoft.com/office/drawing/2014/main" id="{02742250-409F-430B-BF16-EDD37453946C}"/>
+              </a:ext>
+            </a:extLst>
+          </p:cNvPr>
+          <p:cNvSpPr>
+            <a:spLocks noGrp="1"/>
+          </p:cNvSpPr>
+          <p:nvPr>
+            <p:ph type="title"/>
+          </p:nvPr>
+        </p:nvSpPr>
+        <p:spPr/>
+        <p:txBody>
+          <a:bodyPr>
+            <a:normAutofit/>
+          </a:bodyPr>
+          <a:lstStyle/>
+          <a:p>
+            <a:r>
+              <a:rPr lang="en-US" sz="4000" dirty="0"/>
+              <a:t>Swap Contracts</a:t>
+            </a:r>
+            <a:br>
+              <a:rPr lang="en-US" sz="4000" dirty="0"/>
+            </a:br>
+            <a:r>
+              <a:rPr lang="en-US" sz="3600" dirty="0"/>
+              <a:t>example</a:t>
+            </a:r>
+          </a:p>
+        </p:txBody>
+      </p:sp>
+      <p:sp>
+        <p:nvSpPr>
+          <p:cNvPr id="3" name="Content Placeholder 2">
+            <a:extLst>
+              <a:ext uri="{FF2B5EF4-FFF2-40B4-BE49-F238E27FC236}">
+                <a16:creationId xmlns:a16="http://schemas.microsoft.com/office/drawing/2014/main" id="{2BB44AB6-F389-485B-8ACC-BB01F57F8501}"/>
+              </a:ext>
+            </a:extLst>
+          </p:cNvPr>
+          <p:cNvSpPr>
+            <a:spLocks noGrp="1"/>
+          </p:cNvSpPr>
+          <p:nvPr>
+            <p:ph idx="1"/>
+          </p:nvPr>
+        </p:nvSpPr>
+        <p:spPr/>
+        <p:txBody>
+          <a:bodyPr/>
+          <a:lstStyle/>
+          <a:p>
+            <a:r>
+              <a:rPr lang="en-US" dirty="0" err="1"/>
+              <a:t>Fyleton</a:t>
+            </a:r>
+            <a:r>
+              <a:rPr lang="en-US" dirty="0"/>
+              <a:t> Investments has entered a five-year, receive-fixed GBP200 million</a:t>
+            </a:r>
+          </a:p>
+          <a:p>
+            <a:r>
+              <a:rPr lang="en-US" dirty="0"/>
+              <a:t>interest rate swap with a financial intermediary to increase the duration of its</a:t>
+            </a:r>
+          </a:p>
+          <a:p>
+            <a:r>
+              <a:rPr lang="en-US" dirty="0"/>
+              <a:t>fixed-income portfolio. Under terms of the swap, </a:t>
+            </a:r>
+            <a:r>
+              <a:rPr lang="en-US" dirty="0" err="1"/>
+              <a:t>Fyleton</a:t>
+            </a:r>
+            <a:r>
+              <a:rPr lang="en-US" dirty="0"/>
+              <a:t> has agreed to receive</a:t>
+            </a:r>
+          </a:p>
+          <a:p>
+            <a:r>
+              <a:rPr lang="en-US" dirty="0"/>
+              <a:t>a semiannual GBP fixed rate of 2.25% and pay six-month MRR.</a:t>
+            </a:r>
+          </a:p>
+          <a:p>
+            <a:r>
+              <a:rPr lang="en-US" dirty="0"/>
+              <a:t>Calculate the first swap cash flow exchange if six-month MRR is set at 1.95%.</a:t>
+            </a:r>
+          </a:p>
+        </p:txBody>
+      </p:sp>
+    </p:spTree>
+    <p:extLst>
+      <p:ext uri="{BB962C8B-B14F-4D97-AF65-F5344CB8AC3E}">
+        <p14:creationId xmlns:p14="http://schemas.microsoft.com/office/powerpoint/2010/main" val="3433654046"/>
+      </p:ext>
+    </p:extLst>
+  </p:cSld>
+  <p:clrMapOvr>
+    <a:masterClrMapping/>
+  </p:clrMapOvr>
+</p:sld>
+</file>
+
+<file path=ppt/slides/slide23.xml><?xml version="1.0" encoding="utf-8"?>
+<p:sld xmlns:a="http://schemas.openxmlformats.org/drawingml/2006/main" xmlns:r="http://schemas.openxmlformats.org/officeDocument/2006/relationships" xmlns:p="http://schemas.openxmlformats.org/presentationml/2006/main">
+  <p:cSld>
+    <p:spTree>
+      <p:nvGrpSpPr>
+        <p:cNvPr id="1" name=""/>
+        <p:cNvGrpSpPr/>
+        <p:nvPr/>
+      </p:nvGrpSpPr>
+      <p:grpSpPr>
+        <a:xfrm>
+          <a:off x="0" y="0"/>
+          <a:ext cx="0" cy="0"/>
+          <a:chOff x="0" y="0"/>
+          <a:chExt cx="0" cy="0"/>
+        </a:xfrm>
+      </p:grpSpPr>
+      <p:sp>
+        <p:nvSpPr>
+          <p:cNvPr id="2" name="Title 1">
+            <a:extLst>
+              <a:ext uri="{FF2B5EF4-FFF2-40B4-BE49-F238E27FC236}">
+                <a16:creationId xmlns:a16="http://schemas.microsoft.com/office/drawing/2014/main" id="{5A10EA45-A5A2-42F9-854A-97D36B351187}"/>
+              </a:ext>
+            </a:extLst>
+          </p:cNvPr>
+          <p:cNvSpPr>
+            <a:spLocks noGrp="1"/>
+          </p:cNvSpPr>
+          <p:nvPr>
+            <p:ph type="title"/>
+          </p:nvPr>
+        </p:nvSpPr>
+        <p:spPr/>
+        <p:txBody>
+          <a:bodyPr>
+            <a:normAutofit/>
+          </a:bodyPr>
+          <a:lstStyle/>
+          <a:p>
+            <a:r>
+              <a:rPr lang="en-US" sz="4000" dirty="0"/>
+              <a:t>Swap Contracts</a:t>
+            </a:r>
+          </a:p>
+        </p:txBody>
+      </p:sp>
+      <p:sp>
+        <p:nvSpPr>
+          <p:cNvPr id="3" name="Content Placeholder 2">
+            <a:extLst>
+              <a:ext uri="{FF2B5EF4-FFF2-40B4-BE49-F238E27FC236}">
+                <a16:creationId xmlns:a16="http://schemas.microsoft.com/office/drawing/2014/main" id="{756A3F7F-5B00-42B7-8E4E-1E5E7810A23A}"/>
+              </a:ext>
+            </a:extLst>
+          </p:cNvPr>
+          <p:cNvSpPr>
+            <a:spLocks noGrp="1"/>
+          </p:cNvSpPr>
+          <p:nvPr>
+            <p:ph idx="1"/>
+          </p:nvPr>
+        </p:nvSpPr>
+        <p:spPr/>
+        <p:txBody>
+          <a:bodyPr>
+            <a:normAutofit/>
+          </a:bodyPr>
+          <a:lstStyle/>
+          <a:p>
+            <a:r>
+              <a:rPr lang="en-US" dirty="0"/>
+              <a:t>Characteristics</a:t>
+            </a:r>
+          </a:p>
+          <a:p>
+            <a:pPr lvl="1"/>
+            <a:r>
+              <a:rPr lang="en-US" dirty="0"/>
+              <a:t>A swap is more or less just </a:t>
+            </a:r>
+            <a:r>
+              <a:rPr lang="en-US" dirty="0">
+                <a:solidFill>
+                  <a:srgbClr val="FF0000"/>
+                </a:solidFill>
+              </a:rPr>
+              <a:t>a series of forwards</a:t>
+            </a:r>
+          </a:p>
+          <a:p>
+            <a:pPr lvl="1"/>
+            <a:r>
+              <a:rPr lang="en-US" dirty="0"/>
+              <a:t>A swap is a bit more like a forward contract than a futures contract in that it is an OTC contract, so it is </a:t>
+            </a:r>
+            <a:r>
+              <a:rPr lang="en-US" dirty="0">
+                <a:solidFill>
+                  <a:srgbClr val="FF0000"/>
+                </a:solidFill>
+              </a:rPr>
+              <a:t>privately negotiated and subject to default. </a:t>
+            </a:r>
+          </a:p>
+          <a:p>
+            <a:pPr lvl="1"/>
+            <a:r>
+              <a:rPr lang="en-US" dirty="0"/>
+              <a:t>The party </a:t>
+            </a:r>
+            <a:r>
+              <a:rPr lang="en-US" dirty="0">
+                <a:solidFill>
+                  <a:srgbClr val="FF0000"/>
+                </a:solidFill>
+              </a:rPr>
+              <a:t>owing the lesser amount cannot default </a:t>
+            </a:r>
+            <a:r>
+              <a:rPr lang="en-US" dirty="0"/>
+              <a:t>to the party owing the greater amount.</a:t>
+            </a:r>
+          </a:p>
+          <a:p>
+            <a:pPr lvl="1"/>
+            <a:r>
+              <a:rPr lang="en-US" dirty="0"/>
+              <a:t>As with futures and forwards, no money changes hands at the start; thus, </a:t>
+            </a:r>
+            <a:r>
+              <a:rPr lang="en-US" dirty="0">
+                <a:solidFill>
+                  <a:srgbClr val="FF0000"/>
+                </a:solidFill>
+              </a:rPr>
+              <a:t>the value of a swap when initiated must be zero.</a:t>
+            </a:r>
+          </a:p>
+          <a:p>
+            <a:pPr lvl="1"/>
+            <a:r>
+              <a:rPr lang="en-US" dirty="0">
+                <a:solidFill>
+                  <a:schemeClr val="tx1"/>
+                </a:solidFill>
+              </a:rPr>
+              <a:t>The notional amount of a swap is </a:t>
+            </a:r>
+            <a:r>
+              <a:rPr lang="en-US" dirty="0">
+                <a:solidFill>
+                  <a:srgbClr val="FF0000"/>
+                </a:solidFill>
+              </a:rPr>
+              <a:t>not typically exchanged</a:t>
+            </a:r>
+            <a:r>
+              <a:rPr lang="en-US" dirty="0">
+                <a:solidFill>
+                  <a:schemeClr val="tx1"/>
+                </a:solidFill>
+              </a:rPr>
+              <a:t>, the credit risk of a swap is much less than that of a loan.</a:t>
+            </a:r>
+          </a:p>
+          <a:p>
+            <a:endParaRPr lang="en-US" dirty="0">
+              <a:solidFill>
+                <a:srgbClr val="FF0000"/>
+              </a:solidFill>
+            </a:endParaRPr>
+          </a:p>
+        </p:txBody>
+      </p:sp>
+    </p:spTree>
+    <p:extLst>
+      <p:ext uri="{BB962C8B-B14F-4D97-AF65-F5344CB8AC3E}">
+        <p14:creationId xmlns:p14="http://schemas.microsoft.com/office/powerpoint/2010/main" val="4136834001"/>
+      </p:ext>
+    </p:extLst>
+  </p:cSld>
+  <p:clrMapOvr>
+    <a:masterClrMapping/>
+  </p:clrMapOvr>
+</p:sld>
+</file>
+
+<file path=ppt/slides/slide24.xml><?xml version="1.0" encoding="utf-8"?>
 <p:sld xmlns:a="http://schemas.openxmlformats.org/drawingml/2006/main" xmlns:r="http://schemas.openxmlformats.org/officeDocument/2006/relationships" xmlns:p="http://schemas.openxmlformats.org/presentationml/2006/main">
   <p:cSld>
     <p:spTree>
@@ -38245,13 +38548,20 @@
         <p:spPr/>
         <p:txBody>
           <a:bodyPr>
-            <a:normAutofit/>
+            <a:normAutofit fontScale="90000"/>
           </a:bodyPr>
           <a:lstStyle/>
           <a:p>
             <a:r>
-              <a:rPr lang="en-US" sz="4000" dirty="0"/>
-              <a:t>Practices</a:t>
+              <a:rPr lang="en-US" sz="4400" dirty="0"/>
+              <a:t>Swap contracts</a:t>
+            </a:r>
+            <a:br>
+              <a:rPr lang="en-US" sz="4400" dirty="0"/>
+            </a:br>
+            <a:r>
+              <a:rPr lang="en-US" sz="4400" dirty="0"/>
+              <a:t>practices</a:t>
             </a:r>
             <a:br>
               <a:rPr lang="en-US" dirty="0"/>
@@ -38383,7 +38693,7 @@
 </p:sld>
 </file>
 
-<file path=ppt/slides/slide23.xml><?xml version="1.0" encoding="utf-8"?>
+<file path=ppt/slides/slide25.xml><?xml version="1.0" encoding="utf-8"?>
 <p:sld xmlns:a="http://schemas.openxmlformats.org/drawingml/2006/main" xmlns:r="http://schemas.openxmlformats.org/officeDocument/2006/relationships" xmlns:p="http://schemas.openxmlformats.org/presentationml/2006/main">
   <p:cSld>
     <p:spTree>
@@ -38425,7 +38735,14 @@
           <a:p>
             <a:r>
               <a:rPr lang="en-US" sz="4000" dirty="0"/>
-              <a:t>Practices</a:t>
+              <a:t>Swap contracts</a:t>
+            </a:r>
+            <a:br>
+              <a:rPr lang="en-US" sz="4000" dirty="0"/>
+            </a:br>
+            <a:r>
+              <a:rPr lang="en-US" sz="4000" dirty="0"/>
+              <a:t>practices</a:t>
             </a:r>
           </a:p>
         </p:txBody>
@@ -38506,7 +38823,7 @@
 </p:sld>
 </file>
 
-<file path=ppt/slides/slide24.xml><?xml version="1.0" encoding="utf-8"?>
+<file path=ppt/slides/slide26.xml><?xml version="1.0" encoding="utf-8"?>
 <p:sld xmlns:a="http://schemas.openxmlformats.org/drawingml/2006/main" xmlns:r="http://schemas.openxmlformats.org/officeDocument/2006/relationships" xmlns:p="http://schemas.openxmlformats.org/presentationml/2006/main">
   <p:cSld>
     <p:spTree>
@@ -38657,7 +38974,7 @@
 </p:sld>
 </file>
 
-<file path=ppt/slides/slide25.xml><?xml version="1.0" encoding="utf-8"?>
+<file path=ppt/slides/slide27.xml><?xml version="1.0" encoding="utf-8"?>
 <p:sld xmlns:a="http://schemas.openxmlformats.org/drawingml/2006/main" xmlns:r="http://schemas.openxmlformats.org/officeDocument/2006/relationships" xmlns:p="http://schemas.openxmlformats.org/presentationml/2006/main">
   <p:cSld>
     <p:spTree>
@@ -38843,7 +39160,7 @@
 </p:sld>
 </file>
 
-<file path=ppt/slides/slide26.xml><?xml version="1.0" encoding="utf-8"?>
+<file path=ppt/slides/slide28.xml><?xml version="1.0" encoding="utf-8"?>
 <p:sld xmlns:a="http://schemas.openxmlformats.org/drawingml/2006/main" xmlns:r="http://schemas.openxmlformats.org/officeDocument/2006/relationships" xmlns:p="http://schemas.openxmlformats.org/presentationml/2006/main">
   <p:cSld>
     <p:spTree>
@@ -39365,7 +39682,7 @@
 </p:sld>
 </file>
 
-<file path=ppt/slides/slide27.xml><?xml version="1.0" encoding="utf-8"?>
+<file path=ppt/slides/slide29.xml><?xml version="1.0" encoding="utf-8"?>
 <p:sld xmlns:a="http://schemas.openxmlformats.org/drawingml/2006/main" xmlns:r="http://schemas.openxmlformats.org/officeDocument/2006/relationships" xmlns:p="http://schemas.openxmlformats.org/presentationml/2006/main">
   <p:cSld>
     <p:spTree>
@@ -39523,314 +39840,6 @@
 </p:sld>
 </file>
 
-<file path=ppt/slides/slide28.xml><?xml version="1.0" encoding="utf-8"?>
-<p:sld xmlns:a="http://schemas.openxmlformats.org/drawingml/2006/main" xmlns:r="http://schemas.openxmlformats.org/officeDocument/2006/relationships" xmlns:p="http://schemas.openxmlformats.org/presentationml/2006/main">
-  <p:cSld>
-    <p:spTree>
-      <p:nvGrpSpPr>
-        <p:cNvPr id="1" name=""/>
-        <p:cNvGrpSpPr/>
-        <p:nvPr/>
-      </p:nvGrpSpPr>
-      <p:grpSpPr>
-        <a:xfrm>
-          <a:off x="0" y="0"/>
-          <a:ext cx="0" cy="0"/>
-          <a:chOff x="0" y="0"/>
-          <a:chExt cx="0" cy="0"/>
-        </a:xfrm>
-      </p:grpSpPr>
-      <p:sp>
-        <p:nvSpPr>
-          <p:cNvPr id="2" name="Title 1">
-            <a:extLst>
-              <a:ext uri="{FF2B5EF4-FFF2-40B4-BE49-F238E27FC236}">
-                <a16:creationId xmlns:a16="http://schemas.microsoft.com/office/drawing/2014/main" id="{DEE8B14E-6C89-44B2-997A-D533828A5927}"/>
-              </a:ext>
-            </a:extLst>
-          </p:cNvPr>
-          <p:cNvSpPr>
-            <a:spLocks noGrp="1"/>
-          </p:cNvSpPr>
-          <p:nvPr>
-            <p:ph type="title"/>
-          </p:nvPr>
-        </p:nvSpPr>
-        <p:spPr/>
-        <p:txBody>
-          <a:bodyPr>
-            <a:normAutofit/>
-          </a:bodyPr>
-          <a:lstStyle/>
-          <a:p>
-            <a:r>
-              <a:rPr lang="en-US" sz="4000" dirty="0"/>
-              <a:t>Option Contracts</a:t>
-            </a:r>
-            <a:br>
-              <a:rPr lang="en-US" dirty="0"/>
-            </a:br>
-            <a:r>
-              <a:rPr lang="en-US" dirty="0"/>
-              <a:t>Call Option</a:t>
-            </a:r>
-          </a:p>
-        </p:txBody>
-      </p:sp>
-      <p:sp>
-        <p:nvSpPr>
-          <p:cNvPr id="3" name="Content Placeholder 2">
-            <a:extLst>
-              <a:ext uri="{FF2B5EF4-FFF2-40B4-BE49-F238E27FC236}">
-                <a16:creationId xmlns:a16="http://schemas.microsoft.com/office/drawing/2014/main" id="{3ECD996B-BC89-4834-BB58-AC2340B223D3}"/>
-              </a:ext>
-            </a:extLst>
-          </p:cNvPr>
-          <p:cNvSpPr>
-            <a:spLocks noGrp="1"/>
-          </p:cNvSpPr>
-          <p:nvPr>
-            <p:ph idx="1"/>
-          </p:nvPr>
-        </p:nvSpPr>
-        <p:spPr/>
-        <p:txBody>
-          <a:bodyPr>
-            <a:normAutofit/>
-          </a:bodyPr>
-          <a:lstStyle/>
-          <a:p>
-            <a:r>
-              <a:rPr lang="en-US" dirty="0"/>
-              <a:t>Payoff of call option</a:t>
-            </a:r>
-          </a:p>
-          <a:p>
-            <a:pPr lvl="1"/>
-            <a:r>
-              <a:rPr lang="en-US" dirty="0"/>
-              <a:t>Long call = MAX (S</a:t>
-            </a:r>
-            <a:r>
-              <a:rPr lang="en-US" baseline="-25000" dirty="0"/>
-              <a:t>T</a:t>
-            </a:r>
-            <a:r>
-              <a:rPr lang="en-US" dirty="0"/>
-              <a:t>-X,0)</a:t>
-            </a:r>
-          </a:p>
-          <a:p>
-            <a:pPr lvl="1"/>
-            <a:r>
-              <a:rPr lang="en-US" dirty="0"/>
-              <a:t>Short call = - MAX (S</a:t>
-            </a:r>
-            <a:r>
-              <a:rPr lang="en-US" baseline="-25000" dirty="0"/>
-              <a:t>T</a:t>
-            </a:r>
-            <a:r>
-              <a:rPr lang="en-US" dirty="0"/>
-              <a:t>-X,0)</a:t>
-            </a:r>
-          </a:p>
-          <a:p>
-            <a:endParaRPr lang="en-US" dirty="0"/>
-          </a:p>
-          <a:p>
-            <a:r>
-              <a:rPr lang="en-US" dirty="0"/>
-              <a:t>Profit of call option</a:t>
-            </a:r>
-          </a:p>
-          <a:p>
-            <a:pPr lvl="1"/>
-            <a:r>
-              <a:rPr lang="en-US" dirty="0"/>
-              <a:t>Long call = MAX (S</a:t>
-            </a:r>
-            <a:r>
-              <a:rPr lang="en-US" baseline="-25000" dirty="0"/>
-              <a:t>T</a:t>
-            </a:r>
-            <a:r>
-              <a:rPr lang="en-US" dirty="0"/>
-              <a:t>-X,0) – C</a:t>
-            </a:r>
-          </a:p>
-          <a:p>
-            <a:pPr lvl="1"/>
-            <a:r>
-              <a:rPr lang="en-US" dirty="0"/>
-              <a:t>Short call = - MAX (S</a:t>
-            </a:r>
-            <a:r>
-              <a:rPr lang="en-US" baseline="-25000" dirty="0"/>
-              <a:t>T</a:t>
-            </a:r>
-            <a:r>
-              <a:rPr lang="en-US" dirty="0"/>
-              <a:t>-X,0) + C</a:t>
-            </a:r>
-          </a:p>
-          <a:p>
-            <a:endParaRPr lang="en-US" dirty="0"/>
-          </a:p>
-          <a:p>
-            <a:endParaRPr lang="en-US" dirty="0"/>
-          </a:p>
-        </p:txBody>
-      </p:sp>
-    </p:spTree>
-    <p:extLst>
-      <p:ext uri="{BB962C8B-B14F-4D97-AF65-F5344CB8AC3E}">
-        <p14:creationId xmlns:p14="http://schemas.microsoft.com/office/powerpoint/2010/main" val="788119096"/>
-      </p:ext>
-    </p:extLst>
-  </p:cSld>
-  <p:clrMapOvr>
-    <a:masterClrMapping/>
-  </p:clrMapOvr>
-</p:sld>
-</file>
-
-<file path=ppt/slides/slide29.xml><?xml version="1.0" encoding="utf-8"?>
-<p:sld xmlns:a="http://schemas.openxmlformats.org/drawingml/2006/main" xmlns:r="http://schemas.openxmlformats.org/officeDocument/2006/relationships" xmlns:p="http://schemas.openxmlformats.org/presentationml/2006/main">
-  <p:cSld>
-    <p:spTree>
-      <p:nvGrpSpPr>
-        <p:cNvPr id="1" name=""/>
-        <p:cNvGrpSpPr/>
-        <p:nvPr/>
-      </p:nvGrpSpPr>
-      <p:grpSpPr>
-        <a:xfrm>
-          <a:off x="0" y="0"/>
-          <a:ext cx="0" cy="0"/>
-          <a:chOff x="0" y="0"/>
-          <a:chExt cx="0" cy="0"/>
-        </a:xfrm>
-      </p:grpSpPr>
-      <p:sp>
-        <p:nvSpPr>
-          <p:cNvPr id="2" name="Title 1">
-            <a:extLst>
-              <a:ext uri="{FF2B5EF4-FFF2-40B4-BE49-F238E27FC236}">
-                <a16:creationId xmlns:a16="http://schemas.microsoft.com/office/drawing/2014/main" id="{0BD82D5C-0BCB-4204-880D-B8CFE7F77D6E}"/>
-              </a:ext>
-            </a:extLst>
-          </p:cNvPr>
-          <p:cNvSpPr>
-            <a:spLocks noGrp="1"/>
-          </p:cNvSpPr>
-          <p:nvPr>
-            <p:ph type="title"/>
-          </p:nvPr>
-        </p:nvSpPr>
-        <p:spPr/>
-        <p:txBody>
-          <a:bodyPr>
-            <a:normAutofit/>
-          </a:bodyPr>
-          <a:lstStyle/>
-          <a:p>
-            <a:r>
-              <a:rPr lang="en-US" sz="4000" dirty="0"/>
-              <a:t>Practices</a:t>
-            </a:r>
-            <a:br>
-              <a:rPr lang="en-US" dirty="0"/>
-            </a:br>
-            <a:endParaRPr lang="en-US" dirty="0"/>
-          </a:p>
-        </p:txBody>
-      </p:sp>
-      <p:sp>
-        <p:nvSpPr>
-          <p:cNvPr id="3" name="Content Placeholder 2">
-            <a:extLst>
-              <a:ext uri="{FF2B5EF4-FFF2-40B4-BE49-F238E27FC236}">
-                <a16:creationId xmlns:a16="http://schemas.microsoft.com/office/drawing/2014/main" id="{91D403FB-8075-4E19-B84A-D37BB626F210}"/>
-              </a:ext>
-            </a:extLst>
-          </p:cNvPr>
-          <p:cNvSpPr>
-            <a:spLocks noGrp="1"/>
-          </p:cNvSpPr>
-          <p:nvPr>
-            <p:ph idx="1"/>
-          </p:nvPr>
-        </p:nvSpPr>
-        <p:spPr/>
-        <p:txBody>
-          <a:bodyPr>
-            <a:normAutofit/>
-          </a:bodyPr>
-          <a:lstStyle/>
-          <a:p>
-            <a:r>
-              <a:rPr lang="en-US" dirty="0"/>
-              <a:t>Consider a call option selling for $7 in which the exercise price is $100 and the price of the underlying is $98.</a:t>
-            </a:r>
-          </a:p>
-          <a:p>
-            <a:pPr lvl="1"/>
-            <a:r>
-              <a:rPr lang="en-US" dirty="0"/>
-              <a:t>1 Determine the value at expiration and the profit for a call buyer under the following outcomes:</a:t>
-            </a:r>
-          </a:p>
-          <a:p>
-            <a:pPr lvl="2"/>
-            <a:r>
-              <a:rPr lang="en-US" dirty="0"/>
-              <a:t>A The price of the underlying at expiration is $102.</a:t>
-            </a:r>
-          </a:p>
-          <a:p>
-            <a:pPr lvl="2"/>
-            <a:r>
-              <a:rPr lang="en-US" dirty="0"/>
-              <a:t>B The price of the underlying at expiration is $94.</a:t>
-            </a:r>
-          </a:p>
-          <a:p>
-            <a:pPr lvl="1"/>
-            <a:r>
-              <a:rPr lang="en-US" dirty="0"/>
-              <a:t>2 Determine the value at expiration and the profit for a call seller under the following outcomes:</a:t>
-            </a:r>
-          </a:p>
-          <a:p>
-            <a:pPr lvl="2"/>
-            <a:r>
-              <a:rPr lang="en-US" dirty="0"/>
-              <a:t>A The price of the underlying at expiration is $91.</a:t>
-            </a:r>
-          </a:p>
-          <a:p>
-            <a:pPr lvl="2"/>
-            <a:r>
-              <a:rPr lang="en-US" dirty="0"/>
-              <a:t>B The price of the underlying at expiration is $101.</a:t>
-            </a:r>
-          </a:p>
-        </p:txBody>
-      </p:sp>
-    </p:spTree>
-    <p:extLst>
-      <p:ext uri="{BB962C8B-B14F-4D97-AF65-F5344CB8AC3E}">
-        <p14:creationId xmlns:p14="http://schemas.microsoft.com/office/powerpoint/2010/main" val="2842250652"/>
-      </p:ext>
-    </p:extLst>
-  </p:cSld>
-  <p:clrMapOvr>
-    <a:masterClrMapping/>
-  </p:clrMapOvr>
-</p:sld>
-</file>
-
 <file path=ppt/slides/slide3.xml><?xml version="1.0" encoding="utf-8"?>
 <p:sld xmlns:a="http://schemas.openxmlformats.org/drawingml/2006/main" xmlns:r="http://schemas.openxmlformats.org/officeDocument/2006/relationships" xmlns:p="http://schemas.openxmlformats.org/presentationml/2006/main">
   <p:cSld>
@@ -40018,6 +40027,314 @@
 </file>
 
 <file path=ppt/slides/slide30.xml><?xml version="1.0" encoding="utf-8"?>
+<p:sld xmlns:a="http://schemas.openxmlformats.org/drawingml/2006/main" xmlns:r="http://schemas.openxmlformats.org/officeDocument/2006/relationships" xmlns:p="http://schemas.openxmlformats.org/presentationml/2006/main">
+  <p:cSld>
+    <p:spTree>
+      <p:nvGrpSpPr>
+        <p:cNvPr id="1" name=""/>
+        <p:cNvGrpSpPr/>
+        <p:nvPr/>
+      </p:nvGrpSpPr>
+      <p:grpSpPr>
+        <a:xfrm>
+          <a:off x="0" y="0"/>
+          <a:ext cx="0" cy="0"/>
+          <a:chOff x="0" y="0"/>
+          <a:chExt cx="0" cy="0"/>
+        </a:xfrm>
+      </p:grpSpPr>
+      <p:sp>
+        <p:nvSpPr>
+          <p:cNvPr id="2" name="Title 1">
+            <a:extLst>
+              <a:ext uri="{FF2B5EF4-FFF2-40B4-BE49-F238E27FC236}">
+                <a16:creationId xmlns:a16="http://schemas.microsoft.com/office/drawing/2014/main" id="{DEE8B14E-6C89-44B2-997A-D533828A5927}"/>
+              </a:ext>
+            </a:extLst>
+          </p:cNvPr>
+          <p:cNvSpPr>
+            <a:spLocks noGrp="1"/>
+          </p:cNvSpPr>
+          <p:nvPr>
+            <p:ph type="title"/>
+          </p:nvPr>
+        </p:nvSpPr>
+        <p:spPr/>
+        <p:txBody>
+          <a:bodyPr>
+            <a:normAutofit/>
+          </a:bodyPr>
+          <a:lstStyle/>
+          <a:p>
+            <a:r>
+              <a:rPr lang="en-US" sz="4000" dirty="0"/>
+              <a:t>Option Contracts</a:t>
+            </a:r>
+            <a:br>
+              <a:rPr lang="en-US" dirty="0"/>
+            </a:br>
+            <a:r>
+              <a:rPr lang="en-US" dirty="0"/>
+              <a:t>Call Option</a:t>
+            </a:r>
+          </a:p>
+        </p:txBody>
+      </p:sp>
+      <p:sp>
+        <p:nvSpPr>
+          <p:cNvPr id="3" name="Content Placeholder 2">
+            <a:extLst>
+              <a:ext uri="{FF2B5EF4-FFF2-40B4-BE49-F238E27FC236}">
+                <a16:creationId xmlns:a16="http://schemas.microsoft.com/office/drawing/2014/main" id="{3ECD996B-BC89-4834-BB58-AC2340B223D3}"/>
+              </a:ext>
+            </a:extLst>
+          </p:cNvPr>
+          <p:cNvSpPr>
+            <a:spLocks noGrp="1"/>
+          </p:cNvSpPr>
+          <p:nvPr>
+            <p:ph idx="1"/>
+          </p:nvPr>
+        </p:nvSpPr>
+        <p:spPr/>
+        <p:txBody>
+          <a:bodyPr>
+            <a:normAutofit/>
+          </a:bodyPr>
+          <a:lstStyle/>
+          <a:p>
+            <a:r>
+              <a:rPr lang="en-US" dirty="0"/>
+              <a:t>Payoff of call option</a:t>
+            </a:r>
+          </a:p>
+          <a:p>
+            <a:pPr lvl="1"/>
+            <a:r>
+              <a:rPr lang="en-US" dirty="0"/>
+              <a:t>Long call = MAX (S</a:t>
+            </a:r>
+            <a:r>
+              <a:rPr lang="en-US" baseline="-25000" dirty="0"/>
+              <a:t>T</a:t>
+            </a:r>
+            <a:r>
+              <a:rPr lang="en-US" dirty="0"/>
+              <a:t>-X,0)</a:t>
+            </a:r>
+          </a:p>
+          <a:p>
+            <a:pPr lvl="1"/>
+            <a:r>
+              <a:rPr lang="en-US" dirty="0"/>
+              <a:t>Short call = - MAX (S</a:t>
+            </a:r>
+            <a:r>
+              <a:rPr lang="en-US" baseline="-25000" dirty="0"/>
+              <a:t>T</a:t>
+            </a:r>
+            <a:r>
+              <a:rPr lang="en-US" dirty="0"/>
+              <a:t>-X,0)</a:t>
+            </a:r>
+          </a:p>
+          <a:p>
+            <a:endParaRPr lang="en-US" dirty="0"/>
+          </a:p>
+          <a:p>
+            <a:r>
+              <a:rPr lang="en-US" dirty="0"/>
+              <a:t>Profit of call option</a:t>
+            </a:r>
+          </a:p>
+          <a:p>
+            <a:pPr lvl="1"/>
+            <a:r>
+              <a:rPr lang="en-US" dirty="0"/>
+              <a:t>Long call = MAX (S</a:t>
+            </a:r>
+            <a:r>
+              <a:rPr lang="en-US" baseline="-25000" dirty="0"/>
+              <a:t>T</a:t>
+            </a:r>
+            <a:r>
+              <a:rPr lang="en-US" dirty="0"/>
+              <a:t>-X,0) – C</a:t>
+            </a:r>
+          </a:p>
+          <a:p>
+            <a:pPr lvl="1"/>
+            <a:r>
+              <a:rPr lang="en-US" dirty="0"/>
+              <a:t>Short call = - MAX (S</a:t>
+            </a:r>
+            <a:r>
+              <a:rPr lang="en-US" baseline="-25000" dirty="0"/>
+              <a:t>T</a:t>
+            </a:r>
+            <a:r>
+              <a:rPr lang="en-US" dirty="0"/>
+              <a:t>-X,0) + C</a:t>
+            </a:r>
+          </a:p>
+          <a:p>
+            <a:endParaRPr lang="en-US" dirty="0"/>
+          </a:p>
+          <a:p>
+            <a:endParaRPr lang="en-US" dirty="0"/>
+          </a:p>
+        </p:txBody>
+      </p:sp>
+    </p:spTree>
+    <p:extLst>
+      <p:ext uri="{BB962C8B-B14F-4D97-AF65-F5344CB8AC3E}">
+        <p14:creationId xmlns:p14="http://schemas.microsoft.com/office/powerpoint/2010/main" val="788119096"/>
+      </p:ext>
+    </p:extLst>
+  </p:cSld>
+  <p:clrMapOvr>
+    <a:masterClrMapping/>
+  </p:clrMapOvr>
+</p:sld>
+</file>
+
+<file path=ppt/slides/slide31.xml><?xml version="1.0" encoding="utf-8"?>
+<p:sld xmlns:a="http://schemas.openxmlformats.org/drawingml/2006/main" xmlns:r="http://schemas.openxmlformats.org/officeDocument/2006/relationships" xmlns:p="http://schemas.openxmlformats.org/presentationml/2006/main">
+  <p:cSld>
+    <p:spTree>
+      <p:nvGrpSpPr>
+        <p:cNvPr id="1" name=""/>
+        <p:cNvGrpSpPr/>
+        <p:nvPr/>
+      </p:nvGrpSpPr>
+      <p:grpSpPr>
+        <a:xfrm>
+          <a:off x="0" y="0"/>
+          <a:ext cx="0" cy="0"/>
+          <a:chOff x="0" y="0"/>
+          <a:chExt cx="0" cy="0"/>
+        </a:xfrm>
+      </p:grpSpPr>
+      <p:sp>
+        <p:nvSpPr>
+          <p:cNvPr id="2" name="Title 1">
+            <a:extLst>
+              <a:ext uri="{FF2B5EF4-FFF2-40B4-BE49-F238E27FC236}">
+                <a16:creationId xmlns:a16="http://schemas.microsoft.com/office/drawing/2014/main" id="{0BD82D5C-0BCB-4204-880D-B8CFE7F77D6E}"/>
+              </a:ext>
+            </a:extLst>
+          </p:cNvPr>
+          <p:cNvSpPr>
+            <a:spLocks noGrp="1"/>
+          </p:cNvSpPr>
+          <p:nvPr>
+            <p:ph type="title"/>
+          </p:nvPr>
+        </p:nvSpPr>
+        <p:spPr/>
+        <p:txBody>
+          <a:bodyPr>
+            <a:normAutofit/>
+          </a:bodyPr>
+          <a:lstStyle/>
+          <a:p>
+            <a:r>
+              <a:rPr lang="en-US" sz="4000" dirty="0"/>
+              <a:t>Practices</a:t>
+            </a:r>
+            <a:br>
+              <a:rPr lang="en-US" dirty="0"/>
+            </a:br>
+            <a:endParaRPr lang="en-US" dirty="0"/>
+          </a:p>
+        </p:txBody>
+      </p:sp>
+      <p:sp>
+        <p:nvSpPr>
+          <p:cNvPr id="3" name="Content Placeholder 2">
+            <a:extLst>
+              <a:ext uri="{FF2B5EF4-FFF2-40B4-BE49-F238E27FC236}">
+                <a16:creationId xmlns:a16="http://schemas.microsoft.com/office/drawing/2014/main" id="{91D403FB-8075-4E19-B84A-D37BB626F210}"/>
+              </a:ext>
+            </a:extLst>
+          </p:cNvPr>
+          <p:cNvSpPr>
+            <a:spLocks noGrp="1"/>
+          </p:cNvSpPr>
+          <p:nvPr>
+            <p:ph idx="1"/>
+          </p:nvPr>
+        </p:nvSpPr>
+        <p:spPr/>
+        <p:txBody>
+          <a:bodyPr>
+            <a:normAutofit/>
+          </a:bodyPr>
+          <a:lstStyle/>
+          <a:p>
+            <a:r>
+              <a:rPr lang="en-US" dirty="0"/>
+              <a:t>Consider a call option selling for $7 in which the exercise price is $100 and the price of the underlying is $98.</a:t>
+            </a:r>
+          </a:p>
+          <a:p>
+            <a:pPr lvl="1"/>
+            <a:r>
+              <a:rPr lang="en-US" dirty="0"/>
+              <a:t>1 Determine the value at expiration and the profit for a call buyer under the following outcomes:</a:t>
+            </a:r>
+          </a:p>
+          <a:p>
+            <a:pPr lvl="2"/>
+            <a:r>
+              <a:rPr lang="en-US" dirty="0"/>
+              <a:t>A The price of the underlying at expiration is $102.</a:t>
+            </a:r>
+          </a:p>
+          <a:p>
+            <a:pPr lvl="2"/>
+            <a:r>
+              <a:rPr lang="en-US" dirty="0"/>
+              <a:t>B The price of the underlying at expiration is $94.</a:t>
+            </a:r>
+          </a:p>
+          <a:p>
+            <a:pPr lvl="1"/>
+            <a:r>
+              <a:rPr lang="en-US" dirty="0"/>
+              <a:t>2 Determine the value at expiration and the profit for a call seller under the following outcomes:</a:t>
+            </a:r>
+          </a:p>
+          <a:p>
+            <a:pPr lvl="2"/>
+            <a:r>
+              <a:rPr lang="en-US" dirty="0"/>
+              <a:t>A The price of the underlying at expiration is $91.</a:t>
+            </a:r>
+          </a:p>
+          <a:p>
+            <a:pPr lvl="2"/>
+            <a:r>
+              <a:rPr lang="en-US" dirty="0"/>
+              <a:t>B The price of the underlying at expiration is $101.</a:t>
+            </a:r>
+          </a:p>
+        </p:txBody>
+      </p:sp>
+    </p:spTree>
+    <p:extLst>
+      <p:ext uri="{BB962C8B-B14F-4D97-AF65-F5344CB8AC3E}">
+        <p14:creationId xmlns:p14="http://schemas.microsoft.com/office/powerpoint/2010/main" val="2842250652"/>
+      </p:ext>
+    </p:extLst>
+  </p:cSld>
+  <p:clrMapOvr>
+    <a:masterClrMapping/>
+  </p:clrMapOvr>
+</p:sld>
+</file>
+
+<file path=ppt/slides/slide32.xml><?xml version="1.0" encoding="utf-8"?>
 <p:sld xmlns:a="http://schemas.openxmlformats.org/drawingml/2006/main" xmlns:r="http://schemas.openxmlformats.org/officeDocument/2006/relationships" xmlns:p="http://schemas.openxmlformats.org/presentationml/2006/main">
   <p:cSld>
     <p:spTree>
@@ -40466,7 +40783,7 @@
 </p:sld>
 </file>
 
-<file path=ppt/slides/slide31.xml><?xml version="1.0" encoding="utf-8"?>
+<file path=ppt/slides/slide33.xml><?xml version="1.0" encoding="utf-8"?>
 <p:sld xmlns:a="http://schemas.openxmlformats.org/drawingml/2006/main" xmlns:r="http://schemas.openxmlformats.org/officeDocument/2006/relationships" xmlns:p="http://schemas.openxmlformats.org/presentationml/2006/main">
   <p:cSld>
     <p:spTree>
@@ -40624,7 +40941,7 @@
 </p:sld>
 </file>
 
-<file path=ppt/slides/slide32.xml><?xml version="1.0" encoding="utf-8"?>
+<file path=ppt/slides/slide34.xml><?xml version="1.0" encoding="utf-8"?>
 <p:sld xmlns:a="http://schemas.openxmlformats.org/drawingml/2006/main" xmlns:r="http://schemas.openxmlformats.org/officeDocument/2006/relationships" xmlns:p="http://schemas.openxmlformats.org/presentationml/2006/main">
   <p:cSld>
     <p:spTree>
@@ -40842,7 +41159,7 @@
 </p:sld>
 </file>
 
-<file path=ppt/slides/slide33.xml><?xml version="1.0" encoding="utf-8"?>
+<file path=ppt/slides/slide35.xml><?xml version="1.0" encoding="utf-8"?>
 <p:sld xmlns:a="http://schemas.openxmlformats.org/drawingml/2006/main" xmlns:r="http://schemas.openxmlformats.org/officeDocument/2006/relationships" xmlns:p="http://schemas.openxmlformats.org/presentationml/2006/main">
   <p:cSld>
     <p:spTree>
@@ -40974,7 +41291,7 @@
 </p:sld>
 </file>
 
-<file path=ppt/slides/slide34.xml><?xml version="1.0" encoding="utf-8"?>
+<file path=ppt/slides/slide36.xml><?xml version="1.0" encoding="utf-8"?>
 <p:sld xmlns:a="http://schemas.openxmlformats.org/drawingml/2006/main" xmlns:r="http://schemas.openxmlformats.org/officeDocument/2006/relationships" xmlns:p="http://schemas.openxmlformats.org/presentationml/2006/main">
   <p:cSld>
     <p:spTree>
@@ -41175,7 +41492,7 @@
 </p:sld>
 </file>
 
-<file path=ppt/slides/slide35.xml><?xml version="1.0" encoding="utf-8"?>
+<file path=ppt/slides/slide37.xml><?xml version="1.0" encoding="utf-8"?>
 <p:sld xmlns:a="http://schemas.openxmlformats.org/drawingml/2006/main" xmlns:r="http://schemas.openxmlformats.org/officeDocument/2006/relationships" xmlns:p="http://schemas.openxmlformats.org/presentationml/2006/main">
   <p:cSld>
     <p:spTree>
@@ -41625,7 +41942,7 @@
 </p:sld>
 </file>
 
-<file path=ppt/slides/slide36.xml><?xml version="1.0" encoding="utf-8"?>
+<file path=ppt/slides/slide38.xml><?xml version="1.0" encoding="utf-8"?>
 <p:sld xmlns:a="http://schemas.openxmlformats.org/drawingml/2006/main" xmlns:r="http://schemas.openxmlformats.org/officeDocument/2006/relationships" xmlns:p="http://schemas.openxmlformats.org/presentationml/2006/main">
   <p:cSld>
     <p:spTree>
@@ -41771,7 +42088,7 @@
 </p:sld>
 </file>
 
-<file path=ppt/slides/slide37.xml><?xml version="1.0" encoding="utf-8"?>
+<file path=ppt/slides/slide39.xml><?xml version="1.0" encoding="utf-8"?>
 <p:sld xmlns:a="http://schemas.openxmlformats.org/drawingml/2006/main" xmlns:r="http://schemas.openxmlformats.org/officeDocument/2006/relationships" xmlns:p="http://schemas.openxmlformats.org/presentationml/2006/main">
   <p:cSld>
     <p:spTree>
@@ -41924,231 +42241,6 @@
     <p:extLst>
       <p:ext uri="{BB962C8B-B14F-4D97-AF65-F5344CB8AC3E}">
         <p14:creationId xmlns:p14="http://schemas.microsoft.com/office/powerpoint/2010/main" val="2303669535"/>
-      </p:ext>
-    </p:extLst>
-  </p:cSld>
-  <p:clrMapOvr>
-    <a:masterClrMapping/>
-  </p:clrMapOvr>
-</p:sld>
-</file>
-
-<file path=ppt/slides/slide38.xml><?xml version="1.0" encoding="utf-8"?>
-<p:sld xmlns:a="http://schemas.openxmlformats.org/drawingml/2006/main" xmlns:r="http://schemas.openxmlformats.org/officeDocument/2006/relationships" xmlns:p="http://schemas.openxmlformats.org/presentationml/2006/main">
-  <p:cSld>
-    <p:spTree>
-      <p:nvGrpSpPr>
-        <p:cNvPr id="1" name=""/>
-        <p:cNvGrpSpPr/>
-        <p:nvPr/>
-      </p:nvGrpSpPr>
-      <p:grpSpPr>
-        <a:xfrm>
-          <a:off x="0" y="0"/>
-          <a:ext cx="0" cy="0"/>
-          <a:chOff x="0" y="0"/>
-          <a:chExt cx="0" cy="0"/>
-        </a:xfrm>
-      </p:grpSpPr>
-      <p:sp>
-        <p:nvSpPr>
-          <p:cNvPr id="2" name="Title 1">
-            <a:extLst>
-              <a:ext uri="{FF2B5EF4-FFF2-40B4-BE49-F238E27FC236}">
-                <a16:creationId xmlns:a16="http://schemas.microsoft.com/office/drawing/2014/main" id="{20DB8FC4-573F-4A09-AE2A-04D0353ECBFD}"/>
-              </a:ext>
-            </a:extLst>
-          </p:cNvPr>
-          <p:cNvSpPr>
-            <a:spLocks noGrp="1"/>
-          </p:cNvSpPr>
-          <p:nvPr>
-            <p:ph type="title"/>
-          </p:nvPr>
-        </p:nvSpPr>
-        <p:spPr/>
-        <p:txBody>
-          <a:bodyPr>
-            <a:normAutofit/>
-          </a:bodyPr>
-          <a:lstStyle/>
-          <a:p>
-            <a:r>
-              <a:rPr lang="en-US" sz="4000" dirty="0"/>
-              <a:t>Credit Derivatives</a:t>
-            </a:r>
-          </a:p>
-        </p:txBody>
-      </p:sp>
-      <p:sp>
-        <p:nvSpPr>
-          <p:cNvPr id="3" name="Content Placeholder 2">
-            <a:extLst>
-              <a:ext uri="{FF2B5EF4-FFF2-40B4-BE49-F238E27FC236}">
-                <a16:creationId xmlns:a16="http://schemas.microsoft.com/office/drawing/2014/main" id="{2F42ACB6-E17F-425E-ACDC-30219AB1355F}"/>
-              </a:ext>
-            </a:extLst>
-          </p:cNvPr>
-          <p:cNvSpPr>
-            <a:spLocks noGrp="1"/>
-          </p:cNvSpPr>
-          <p:nvPr>
-            <p:ph idx="1"/>
-          </p:nvPr>
-        </p:nvSpPr>
-        <p:spPr/>
-        <p:txBody>
-          <a:bodyPr>
-            <a:normAutofit/>
-          </a:bodyPr>
-          <a:lstStyle/>
-          <a:p>
-            <a:r>
-              <a:rPr lang="en-US" sz="2400" dirty="0"/>
-              <a:t>Definition : A credit derivative is a class of derivative contracts between two parties, a credit protection buyer and a credit protection seller, in which the latter provides protection to the former against a specific credit loss.</a:t>
-            </a:r>
-          </a:p>
-          <a:p>
-            <a:r>
-              <a:rPr lang="en-US" sz="2400" dirty="0"/>
-              <a:t>Buyer:</a:t>
-            </a:r>
-            <a:r>
-              <a:rPr lang="zh-CN" altLang="en-US" sz="2400" dirty="0"/>
-              <a:t>面临信用风险，买入信用保护</a:t>
-            </a:r>
-            <a:endParaRPr lang="en-US" altLang="zh-CN" sz="2400" dirty="0"/>
-          </a:p>
-          <a:p>
-            <a:pPr lvl="1"/>
-            <a:r>
-              <a:rPr lang="zh-CN" altLang="en-US" sz="2200" dirty="0"/>
-              <a:t>债券持有人，发放贷款机构</a:t>
-            </a:r>
-            <a:endParaRPr lang="en-US" altLang="zh-CN" sz="2200" dirty="0"/>
-          </a:p>
-          <a:p>
-            <a:r>
-              <a:rPr lang="en-US" sz="2400" dirty="0"/>
-              <a:t>S</a:t>
-            </a:r>
-            <a:r>
-              <a:rPr lang="en-US" altLang="zh-CN" sz="2400" dirty="0"/>
-              <a:t>eller:</a:t>
-            </a:r>
-            <a:r>
-              <a:rPr lang="zh-CN" altLang="en-US" sz="2400" dirty="0"/>
-              <a:t>卖出信用保护</a:t>
-            </a:r>
-            <a:endParaRPr lang="en-US" altLang="zh-CN" sz="2400" dirty="0"/>
-          </a:p>
-          <a:p>
-            <a:pPr lvl="1"/>
-            <a:r>
-              <a:rPr lang="zh-CN" altLang="en-US" sz="2200" dirty="0"/>
-              <a:t>各类金融机构（保险公司，券商，投资银行）</a:t>
-            </a:r>
-            <a:endParaRPr lang="en-US" sz="2200" dirty="0"/>
-          </a:p>
-          <a:p>
-            <a:endParaRPr lang="en-US" dirty="0"/>
-          </a:p>
-        </p:txBody>
-      </p:sp>
-    </p:spTree>
-    <p:extLst>
-      <p:ext uri="{BB962C8B-B14F-4D97-AF65-F5344CB8AC3E}">
-        <p14:creationId xmlns:p14="http://schemas.microsoft.com/office/powerpoint/2010/main" val="1165323640"/>
-      </p:ext>
-    </p:extLst>
-  </p:cSld>
-  <p:clrMapOvr>
-    <a:masterClrMapping/>
-  </p:clrMapOvr>
-</p:sld>
-</file>
-
-<file path=ppt/slides/slide39.xml><?xml version="1.0" encoding="utf-8"?>
-<p:sld xmlns:a="http://schemas.openxmlformats.org/drawingml/2006/main" xmlns:r="http://schemas.openxmlformats.org/officeDocument/2006/relationships" xmlns:p="http://schemas.openxmlformats.org/presentationml/2006/main">
-  <p:cSld>
-    <p:spTree>
-      <p:nvGrpSpPr>
-        <p:cNvPr id="1" name=""/>
-        <p:cNvGrpSpPr/>
-        <p:nvPr/>
-      </p:nvGrpSpPr>
-      <p:grpSpPr>
-        <a:xfrm>
-          <a:off x="0" y="0"/>
-          <a:ext cx="0" cy="0"/>
-          <a:chOff x="0" y="0"/>
-          <a:chExt cx="0" cy="0"/>
-        </a:xfrm>
-      </p:grpSpPr>
-      <p:sp>
-        <p:nvSpPr>
-          <p:cNvPr id="2" name="Title 1">
-            <a:extLst>
-              <a:ext uri="{FF2B5EF4-FFF2-40B4-BE49-F238E27FC236}">
-                <a16:creationId xmlns:a16="http://schemas.microsoft.com/office/drawing/2014/main" id="{3F303233-1831-4E4A-9324-5AA1E3371CBF}"/>
-              </a:ext>
-            </a:extLst>
-          </p:cNvPr>
-          <p:cNvSpPr>
-            <a:spLocks noGrp="1"/>
-          </p:cNvSpPr>
-          <p:nvPr>
-            <p:ph type="title"/>
-          </p:nvPr>
-        </p:nvSpPr>
-        <p:spPr/>
-        <p:txBody>
-          <a:bodyPr>
-            <a:normAutofit/>
-          </a:bodyPr>
-          <a:lstStyle/>
-          <a:p>
-            <a:r>
-              <a:rPr lang="en-US" sz="4000" dirty="0"/>
-              <a:t>Credit Derivatives</a:t>
-            </a:r>
-          </a:p>
-        </p:txBody>
-      </p:sp>
-      <p:sp>
-        <p:nvSpPr>
-          <p:cNvPr id="3" name="Content Placeholder 2">
-            <a:extLst>
-              <a:ext uri="{FF2B5EF4-FFF2-40B4-BE49-F238E27FC236}">
-                <a16:creationId xmlns:a16="http://schemas.microsoft.com/office/drawing/2014/main" id="{A91A19E5-F393-4382-B424-ABF09382E331}"/>
-              </a:ext>
-            </a:extLst>
-          </p:cNvPr>
-          <p:cNvSpPr>
-            <a:spLocks noGrp="1"/>
-          </p:cNvSpPr>
-          <p:nvPr>
-            <p:ph idx="1"/>
-          </p:nvPr>
-        </p:nvSpPr>
-        <p:spPr/>
-        <p:txBody>
-          <a:bodyPr>
-            <a:normAutofit/>
-          </a:bodyPr>
-          <a:lstStyle/>
-          <a:p>
-            <a:r>
-              <a:rPr lang="en-US" sz="2000" dirty="0"/>
-              <a:t>Total return swap</a:t>
-            </a:r>
-          </a:p>
-        </p:txBody>
-      </p:sp>
-    </p:spTree>
-    <p:extLst>
-      <p:ext uri="{BB962C8B-B14F-4D97-AF65-F5344CB8AC3E}">
-        <p14:creationId xmlns:p14="http://schemas.microsoft.com/office/powerpoint/2010/main" val="3215247430"/>
       </p:ext>
     </p:extLst>
   </p:cSld>
@@ -42326,6 +42418,231 @@
           <p:cNvPr id="2" name="Title 1">
             <a:extLst>
               <a:ext uri="{FF2B5EF4-FFF2-40B4-BE49-F238E27FC236}">
+                <a16:creationId xmlns:a16="http://schemas.microsoft.com/office/drawing/2014/main" id="{20DB8FC4-573F-4A09-AE2A-04D0353ECBFD}"/>
+              </a:ext>
+            </a:extLst>
+          </p:cNvPr>
+          <p:cNvSpPr>
+            <a:spLocks noGrp="1"/>
+          </p:cNvSpPr>
+          <p:nvPr>
+            <p:ph type="title"/>
+          </p:nvPr>
+        </p:nvSpPr>
+        <p:spPr/>
+        <p:txBody>
+          <a:bodyPr>
+            <a:normAutofit/>
+          </a:bodyPr>
+          <a:lstStyle/>
+          <a:p>
+            <a:r>
+              <a:rPr lang="en-US" sz="4000" dirty="0"/>
+              <a:t>Credit Derivatives</a:t>
+            </a:r>
+          </a:p>
+        </p:txBody>
+      </p:sp>
+      <p:sp>
+        <p:nvSpPr>
+          <p:cNvPr id="3" name="Content Placeholder 2">
+            <a:extLst>
+              <a:ext uri="{FF2B5EF4-FFF2-40B4-BE49-F238E27FC236}">
+                <a16:creationId xmlns:a16="http://schemas.microsoft.com/office/drawing/2014/main" id="{2F42ACB6-E17F-425E-ACDC-30219AB1355F}"/>
+              </a:ext>
+            </a:extLst>
+          </p:cNvPr>
+          <p:cNvSpPr>
+            <a:spLocks noGrp="1"/>
+          </p:cNvSpPr>
+          <p:nvPr>
+            <p:ph idx="1"/>
+          </p:nvPr>
+        </p:nvSpPr>
+        <p:spPr/>
+        <p:txBody>
+          <a:bodyPr>
+            <a:normAutofit/>
+          </a:bodyPr>
+          <a:lstStyle/>
+          <a:p>
+            <a:r>
+              <a:rPr lang="en-US" sz="2400" dirty="0"/>
+              <a:t>Definition : A credit derivative is a class of derivative contracts between two parties, a credit protection buyer and a credit protection seller, in which the latter provides protection to the former against a specific credit loss.</a:t>
+            </a:r>
+          </a:p>
+          <a:p>
+            <a:r>
+              <a:rPr lang="en-US" sz="2400" dirty="0"/>
+              <a:t>Buyer:</a:t>
+            </a:r>
+            <a:r>
+              <a:rPr lang="zh-CN" altLang="en-US" sz="2400" dirty="0"/>
+              <a:t>面临信用风险，买入信用保护</a:t>
+            </a:r>
+            <a:endParaRPr lang="en-US" altLang="zh-CN" sz="2400" dirty="0"/>
+          </a:p>
+          <a:p>
+            <a:pPr lvl="1"/>
+            <a:r>
+              <a:rPr lang="zh-CN" altLang="en-US" sz="2200" dirty="0"/>
+              <a:t>债券持有人，发放贷款机构</a:t>
+            </a:r>
+            <a:endParaRPr lang="en-US" altLang="zh-CN" sz="2200" dirty="0"/>
+          </a:p>
+          <a:p>
+            <a:r>
+              <a:rPr lang="en-US" sz="2400" dirty="0"/>
+              <a:t>S</a:t>
+            </a:r>
+            <a:r>
+              <a:rPr lang="en-US" altLang="zh-CN" sz="2400" dirty="0"/>
+              <a:t>eller:</a:t>
+            </a:r>
+            <a:r>
+              <a:rPr lang="zh-CN" altLang="en-US" sz="2400" dirty="0"/>
+              <a:t>卖出信用保护</a:t>
+            </a:r>
+            <a:endParaRPr lang="en-US" altLang="zh-CN" sz="2400" dirty="0"/>
+          </a:p>
+          <a:p>
+            <a:pPr lvl="1"/>
+            <a:r>
+              <a:rPr lang="zh-CN" altLang="en-US" sz="2200" dirty="0"/>
+              <a:t>各类金融机构（保险公司，券商，投资银行）</a:t>
+            </a:r>
+            <a:endParaRPr lang="en-US" sz="2200" dirty="0"/>
+          </a:p>
+          <a:p>
+            <a:endParaRPr lang="en-US" dirty="0"/>
+          </a:p>
+        </p:txBody>
+      </p:sp>
+    </p:spTree>
+    <p:extLst>
+      <p:ext uri="{BB962C8B-B14F-4D97-AF65-F5344CB8AC3E}">
+        <p14:creationId xmlns:p14="http://schemas.microsoft.com/office/powerpoint/2010/main" val="1165323640"/>
+      </p:ext>
+    </p:extLst>
+  </p:cSld>
+  <p:clrMapOvr>
+    <a:masterClrMapping/>
+  </p:clrMapOvr>
+</p:sld>
+</file>
+
+<file path=ppt/slides/slide41.xml><?xml version="1.0" encoding="utf-8"?>
+<p:sld xmlns:a="http://schemas.openxmlformats.org/drawingml/2006/main" xmlns:r="http://schemas.openxmlformats.org/officeDocument/2006/relationships" xmlns:p="http://schemas.openxmlformats.org/presentationml/2006/main">
+  <p:cSld>
+    <p:spTree>
+      <p:nvGrpSpPr>
+        <p:cNvPr id="1" name=""/>
+        <p:cNvGrpSpPr/>
+        <p:nvPr/>
+      </p:nvGrpSpPr>
+      <p:grpSpPr>
+        <a:xfrm>
+          <a:off x="0" y="0"/>
+          <a:ext cx="0" cy="0"/>
+          <a:chOff x="0" y="0"/>
+          <a:chExt cx="0" cy="0"/>
+        </a:xfrm>
+      </p:grpSpPr>
+      <p:sp>
+        <p:nvSpPr>
+          <p:cNvPr id="2" name="Title 1">
+            <a:extLst>
+              <a:ext uri="{FF2B5EF4-FFF2-40B4-BE49-F238E27FC236}">
+                <a16:creationId xmlns:a16="http://schemas.microsoft.com/office/drawing/2014/main" id="{3F303233-1831-4E4A-9324-5AA1E3371CBF}"/>
+              </a:ext>
+            </a:extLst>
+          </p:cNvPr>
+          <p:cNvSpPr>
+            <a:spLocks noGrp="1"/>
+          </p:cNvSpPr>
+          <p:nvPr>
+            <p:ph type="title"/>
+          </p:nvPr>
+        </p:nvSpPr>
+        <p:spPr/>
+        <p:txBody>
+          <a:bodyPr>
+            <a:normAutofit/>
+          </a:bodyPr>
+          <a:lstStyle/>
+          <a:p>
+            <a:r>
+              <a:rPr lang="en-US" sz="4000" dirty="0"/>
+              <a:t>Credit Derivatives</a:t>
+            </a:r>
+          </a:p>
+        </p:txBody>
+      </p:sp>
+      <p:sp>
+        <p:nvSpPr>
+          <p:cNvPr id="3" name="Content Placeholder 2">
+            <a:extLst>
+              <a:ext uri="{FF2B5EF4-FFF2-40B4-BE49-F238E27FC236}">
+                <a16:creationId xmlns:a16="http://schemas.microsoft.com/office/drawing/2014/main" id="{A91A19E5-F393-4382-B424-ABF09382E331}"/>
+              </a:ext>
+            </a:extLst>
+          </p:cNvPr>
+          <p:cNvSpPr>
+            <a:spLocks noGrp="1"/>
+          </p:cNvSpPr>
+          <p:nvPr>
+            <p:ph idx="1"/>
+          </p:nvPr>
+        </p:nvSpPr>
+        <p:spPr/>
+        <p:txBody>
+          <a:bodyPr>
+            <a:normAutofit/>
+          </a:bodyPr>
+          <a:lstStyle/>
+          <a:p>
+            <a:r>
+              <a:rPr lang="en-US" sz="2000" dirty="0"/>
+              <a:t>Total return swap</a:t>
+            </a:r>
+          </a:p>
+        </p:txBody>
+      </p:sp>
+    </p:spTree>
+    <p:extLst>
+      <p:ext uri="{BB962C8B-B14F-4D97-AF65-F5344CB8AC3E}">
+        <p14:creationId xmlns:p14="http://schemas.microsoft.com/office/powerpoint/2010/main" val="3215247430"/>
+      </p:ext>
+    </p:extLst>
+  </p:cSld>
+  <p:clrMapOvr>
+    <a:masterClrMapping/>
+  </p:clrMapOvr>
+</p:sld>
+</file>
+
+<file path=ppt/slides/slide42.xml><?xml version="1.0" encoding="utf-8"?>
+<p:sld xmlns:a="http://schemas.openxmlformats.org/drawingml/2006/main" xmlns:r="http://schemas.openxmlformats.org/officeDocument/2006/relationships" xmlns:p="http://schemas.openxmlformats.org/presentationml/2006/main">
+  <p:cSld>
+    <p:spTree>
+      <p:nvGrpSpPr>
+        <p:cNvPr id="1" name=""/>
+        <p:cNvGrpSpPr/>
+        <p:nvPr/>
+      </p:nvGrpSpPr>
+      <p:grpSpPr>
+        <a:xfrm>
+          <a:off x="0" y="0"/>
+          <a:ext cx="0" cy="0"/>
+          <a:chOff x="0" y="0"/>
+          <a:chExt cx="0" cy="0"/>
+        </a:xfrm>
+      </p:grpSpPr>
+      <p:sp>
+        <p:nvSpPr>
+          <p:cNvPr id="2" name="Title 1">
+            <a:extLst>
+              <a:ext uri="{FF2B5EF4-FFF2-40B4-BE49-F238E27FC236}">
                 <a16:creationId xmlns:a16="http://schemas.microsoft.com/office/drawing/2014/main" id="{C7BDF7C6-BD38-4D2C-B7EC-F25AB1968614}"/>
               </a:ext>
             </a:extLst>
@@ -42392,7 +42709,7 @@
 </p:sld>
 </file>
 
-<file path=ppt/slides/slide41.xml><?xml version="1.0" encoding="utf-8"?>
+<file path=ppt/slides/slide43.xml><?xml version="1.0" encoding="utf-8"?>
 <p:sld xmlns:a="http://schemas.openxmlformats.org/drawingml/2006/main" xmlns:r="http://schemas.openxmlformats.org/officeDocument/2006/relationships" xmlns:p="http://schemas.openxmlformats.org/presentationml/2006/main">
   <p:cSld>
     <p:spTree>
@@ -42483,7 +42800,7 @@
 </p:sld>
 </file>
 
-<file path=ppt/slides/slide42.xml><?xml version="1.0" encoding="utf-8"?>
+<file path=ppt/slides/slide44.xml><?xml version="1.0" encoding="utf-8"?>
 <p:sld xmlns:a="http://schemas.openxmlformats.org/drawingml/2006/main" xmlns:r="http://schemas.openxmlformats.org/officeDocument/2006/relationships" xmlns:p="http://schemas.openxmlformats.org/presentationml/2006/main">
   <p:cSld>
     <p:spTree>
@@ -42571,7 +42888,7 @@
 </p:sld>
 </file>
 
-<file path=ppt/slides/slide43.xml><?xml version="1.0" encoding="utf-8"?>
+<file path=ppt/slides/slide45.xml><?xml version="1.0" encoding="utf-8"?>
 <p:sld xmlns:a="http://schemas.openxmlformats.org/drawingml/2006/main" xmlns:r="http://schemas.openxmlformats.org/officeDocument/2006/relationships" xmlns:p="http://schemas.openxmlformats.org/presentationml/2006/main">
   <p:cSld>
     <p:spTree>
@@ -42660,7 +42977,7 @@
 </p:sld>
 </file>
 
-<file path=ppt/slides/slide44.xml><?xml version="1.0" encoding="utf-8"?>
+<file path=ppt/slides/slide46.xml><?xml version="1.0" encoding="utf-8"?>
 <p:sld xmlns:a="http://schemas.openxmlformats.org/drawingml/2006/main" xmlns:r="http://schemas.openxmlformats.org/officeDocument/2006/relationships" xmlns:p="http://schemas.openxmlformats.org/presentationml/2006/main">
   <p:cSld>
     <p:spTree>
@@ -42779,7 +43096,7 @@
 </p:sld>
 </file>
 
-<file path=ppt/slides/slide45.xml><?xml version="1.0" encoding="utf-8"?>
+<file path=ppt/slides/slide47.xml><?xml version="1.0" encoding="utf-8"?>
 <p:sld xmlns:a="http://schemas.openxmlformats.org/drawingml/2006/main" xmlns:r="http://schemas.openxmlformats.org/officeDocument/2006/relationships" xmlns:p="http://schemas.openxmlformats.org/presentationml/2006/main">
   <p:cSld>
     <p:spTree>
@@ -42878,7 +43195,7 @@
 </p:sld>
 </file>
 
-<file path=ppt/slides/slide46.xml><?xml version="1.0" encoding="utf-8"?>
+<file path=ppt/slides/slide48.xml><?xml version="1.0" encoding="utf-8"?>
 <p:sld xmlns:a="http://schemas.openxmlformats.org/drawingml/2006/main" xmlns:r="http://schemas.openxmlformats.org/officeDocument/2006/relationships" xmlns:p="http://schemas.openxmlformats.org/presentationml/2006/main">
   <p:cSld>
     <p:spTree>
@@ -42986,7 +43303,7 @@
 </p:sld>
 </file>
 
-<file path=ppt/slides/slide47.xml><?xml version="1.0" encoding="utf-8"?>
+<file path=ppt/slides/slide49.xml><?xml version="1.0" encoding="utf-8"?>
 <p:sld xmlns:a="http://schemas.openxmlformats.org/drawingml/2006/main" xmlns:r="http://schemas.openxmlformats.org/officeDocument/2006/relationships" xmlns:p="http://schemas.openxmlformats.org/presentationml/2006/main">
   <p:cSld>
     <p:spTree>
@@ -43098,297 +43415,6 @@
     <p:extLst>
       <p:ext uri="{BB962C8B-B14F-4D97-AF65-F5344CB8AC3E}">
         <p14:creationId xmlns:p14="http://schemas.microsoft.com/office/powerpoint/2010/main" val="3920046498"/>
-      </p:ext>
-    </p:extLst>
-  </p:cSld>
-  <p:clrMapOvr>
-    <a:masterClrMapping/>
-  </p:clrMapOvr>
-</p:sld>
-</file>
-
-<file path=ppt/slides/slide48.xml><?xml version="1.0" encoding="utf-8"?>
-<p:sld xmlns:a="http://schemas.openxmlformats.org/drawingml/2006/main" xmlns:r="http://schemas.openxmlformats.org/officeDocument/2006/relationships" xmlns:p="http://schemas.openxmlformats.org/presentationml/2006/main">
-  <p:cSld>
-    <p:spTree>
-      <p:nvGrpSpPr>
-        <p:cNvPr id="1" name=""/>
-        <p:cNvGrpSpPr/>
-        <p:nvPr/>
-      </p:nvGrpSpPr>
-      <p:grpSpPr>
-        <a:xfrm>
-          <a:off x="0" y="0"/>
-          <a:ext cx="0" cy="0"/>
-          <a:chOff x="0" y="0"/>
-          <a:chExt cx="0" cy="0"/>
-        </a:xfrm>
-      </p:grpSpPr>
-      <p:sp>
-        <p:nvSpPr>
-          <p:cNvPr id="2" name="Title 1">
-            <a:extLst>
-              <a:ext uri="{FF2B5EF4-FFF2-40B4-BE49-F238E27FC236}">
-                <a16:creationId xmlns:a16="http://schemas.microsoft.com/office/drawing/2014/main" id="{0B33124B-F8B1-44FB-B9D6-3239CDA95508}"/>
-              </a:ext>
-            </a:extLst>
-          </p:cNvPr>
-          <p:cNvSpPr>
-            <a:spLocks noGrp="1"/>
-          </p:cNvSpPr>
-          <p:nvPr>
-            <p:ph type="title"/>
-          </p:nvPr>
-        </p:nvSpPr>
-        <p:spPr/>
-        <p:txBody>
-          <a:bodyPr>
-            <a:normAutofit fontScale="90000"/>
-          </a:bodyPr>
-          <a:lstStyle/>
-          <a:p>
-            <a:r>
-              <a:rPr lang="en-US" altLang="zh-CN" sz="4400" dirty="0"/>
-              <a:t>Classification </a:t>
-            </a:r>
-            <a:r>
-              <a:rPr lang="en-US" sz="4400" dirty="0"/>
-              <a:t>of derivatives</a:t>
-            </a:r>
-            <a:br>
-              <a:rPr lang="en-US" dirty="0"/>
-            </a:br>
-            <a:r>
-              <a:rPr lang="en-US" dirty="0"/>
-              <a:t>Forward commitments and contingent claims</a:t>
-            </a:r>
-          </a:p>
-        </p:txBody>
-      </p:sp>
-      <p:sp>
-        <p:nvSpPr>
-          <p:cNvPr id="3" name="Content Placeholder 2">
-            <a:extLst>
-              <a:ext uri="{FF2B5EF4-FFF2-40B4-BE49-F238E27FC236}">
-                <a16:creationId xmlns:a16="http://schemas.microsoft.com/office/drawing/2014/main" id="{AEE854A1-1496-4876-AC8F-11F97047424B}"/>
-              </a:ext>
-            </a:extLst>
-          </p:cNvPr>
-          <p:cNvSpPr>
-            <a:spLocks noGrp="1"/>
-          </p:cNvSpPr>
-          <p:nvPr>
-            <p:ph idx="1"/>
-          </p:nvPr>
-        </p:nvSpPr>
-        <p:spPr/>
-        <p:txBody>
-          <a:bodyPr/>
-          <a:lstStyle/>
-          <a:p>
-            <a:r>
-              <a:rPr lang="en-US" sz="2800" dirty="0"/>
-              <a:t>Forward commitments</a:t>
-            </a:r>
-          </a:p>
-          <a:p>
-            <a:pPr lvl="1"/>
-            <a:r>
-              <a:rPr lang="en-US" sz="1800" dirty="0">
-                <a:solidFill>
-                  <a:schemeClr val="tx1"/>
-                </a:solidFill>
-              </a:rPr>
-              <a:t>Forward</a:t>
-            </a:r>
-          </a:p>
-          <a:p>
-            <a:pPr lvl="1"/>
-            <a:r>
-              <a:rPr lang="en-US" sz="1800" dirty="0"/>
-              <a:t>Futures</a:t>
-            </a:r>
-          </a:p>
-          <a:p>
-            <a:pPr lvl="1"/>
-            <a:r>
-              <a:rPr lang="en-US" sz="1800" dirty="0"/>
-              <a:t>Swap</a:t>
-            </a:r>
-          </a:p>
-          <a:p>
-            <a:r>
-              <a:rPr lang="en-US" sz="2800" dirty="0"/>
-              <a:t>Contingent claims</a:t>
-            </a:r>
-          </a:p>
-          <a:p>
-            <a:pPr lvl="1"/>
-            <a:r>
-              <a:rPr lang="en-US" sz="1800" dirty="0"/>
-              <a:t>Option</a:t>
-            </a:r>
-          </a:p>
-          <a:p>
-            <a:pPr lvl="1"/>
-            <a:r>
-              <a:rPr lang="en-US" sz="1800" dirty="0"/>
-              <a:t>Credit Default Swap</a:t>
-            </a:r>
-          </a:p>
-        </p:txBody>
-      </p:sp>
-    </p:spTree>
-    <p:extLst>
-      <p:ext uri="{BB962C8B-B14F-4D97-AF65-F5344CB8AC3E}">
-        <p14:creationId xmlns:p14="http://schemas.microsoft.com/office/powerpoint/2010/main" val="3548463849"/>
-      </p:ext>
-    </p:extLst>
-  </p:cSld>
-  <p:clrMapOvr>
-    <a:masterClrMapping/>
-  </p:clrMapOvr>
-</p:sld>
-</file>
-
-<file path=ppt/slides/slide49.xml><?xml version="1.0" encoding="utf-8"?>
-<p:sld xmlns:a="http://schemas.openxmlformats.org/drawingml/2006/main" xmlns:r="http://schemas.openxmlformats.org/officeDocument/2006/relationships" xmlns:p="http://schemas.openxmlformats.org/presentationml/2006/main">
-  <p:cSld>
-    <p:spTree>
-      <p:nvGrpSpPr>
-        <p:cNvPr id="1" name=""/>
-        <p:cNvGrpSpPr/>
-        <p:nvPr/>
-      </p:nvGrpSpPr>
-      <p:grpSpPr>
-        <a:xfrm>
-          <a:off x="0" y="0"/>
-          <a:ext cx="0" cy="0"/>
-          <a:chOff x="0" y="0"/>
-          <a:chExt cx="0" cy="0"/>
-        </a:xfrm>
-      </p:grpSpPr>
-      <p:sp>
-        <p:nvSpPr>
-          <p:cNvPr id="2" name="Title 1">
-            <a:extLst>
-              <a:ext uri="{FF2B5EF4-FFF2-40B4-BE49-F238E27FC236}">
-                <a16:creationId xmlns:a16="http://schemas.microsoft.com/office/drawing/2014/main" id="{61C782C3-1713-4158-BD07-C849C3C4CC28}"/>
-              </a:ext>
-            </a:extLst>
-          </p:cNvPr>
-          <p:cNvSpPr>
-            <a:spLocks noGrp="1"/>
-          </p:cNvSpPr>
-          <p:nvPr>
-            <p:ph type="title"/>
-          </p:nvPr>
-        </p:nvSpPr>
-        <p:spPr/>
-        <p:txBody>
-          <a:bodyPr>
-            <a:normAutofit/>
-          </a:bodyPr>
-          <a:lstStyle/>
-          <a:p>
-            <a:r>
-              <a:rPr lang="en-US" altLang="zh-CN" sz="4000" dirty="0"/>
-              <a:t>Classification</a:t>
-            </a:r>
-            <a:r>
-              <a:rPr lang="en-US" sz="4000" dirty="0"/>
-              <a:t> of derivatives	</a:t>
-            </a:r>
-            <a:r>
-              <a:rPr lang="en-US" dirty="0"/>
-              <a:t>	</a:t>
-            </a:r>
-            <a:br>
-              <a:rPr lang="en-US" dirty="0"/>
-            </a:br>
-            <a:r>
-              <a:rPr lang="en-US" dirty="0"/>
-              <a:t>Exchange-traded and OTC market</a:t>
-            </a:r>
-          </a:p>
-        </p:txBody>
-      </p:sp>
-      <p:sp>
-        <p:nvSpPr>
-          <p:cNvPr id="3" name="Content Placeholder 2">
-            <a:extLst>
-              <a:ext uri="{FF2B5EF4-FFF2-40B4-BE49-F238E27FC236}">
-                <a16:creationId xmlns:a16="http://schemas.microsoft.com/office/drawing/2014/main" id="{AF25ED95-A7A6-4FF7-B6AE-E00C8A4243CE}"/>
-              </a:ext>
-            </a:extLst>
-          </p:cNvPr>
-          <p:cNvSpPr>
-            <a:spLocks noGrp="1"/>
-          </p:cNvSpPr>
-          <p:nvPr>
-            <p:ph idx="1"/>
-          </p:nvPr>
-        </p:nvSpPr>
-        <p:spPr/>
-        <p:txBody>
-          <a:bodyPr/>
-          <a:lstStyle/>
-          <a:p>
-            <a:r>
-              <a:rPr lang="en-US" sz="2800" dirty="0"/>
-              <a:t>Over-the-counter market</a:t>
-            </a:r>
-          </a:p>
-          <a:p>
-            <a:pPr lvl="1"/>
-            <a:r>
-              <a:rPr lang="en-US" sz="1800" dirty="0"/>
-              <a:t>Forward</a:t>
-            </a:r>
-          </a:p>
-          <a:p>
-            <a:pPr lvl="1"/>
-            <a:r>
-              <a:rPr lang="en-US" sz="1800" dirty="0"/>
-              <a:t>Swap</a:t>
-            </a:r>
-          </a:p>
-          <a:p>
-            <a:pPr lvl="1"/>
-            <a:r>
-              <a:rPr lang="en-US" sz="1800" dirty="0"/>
-              <a:t>Option</a:t>
-            </a:r>
-          </a:p>
-          <a:p>
-            <a:r>
-              <a:rPr lang="en-US" sz="2800" dirty="0"/>
-              <a:t>Exchange-traded market</a:t>
-            </a:r>
-          </a:p>
-          <a:p>
-            <a:pPr lvl="1"/>
-            <a:r>
-              <a:rPr lang="en-US" sz="1800" dirty="0"/>
-              <a:t>Futures</a:t>
-            </a:r>
-          </a:p>
-          <a:p>
-            <a:pPr lvl="1"/>
-            <a:r>
-              <a:rPr lang="en-US" sz="1800" dirty="0"/>
-              <a:t>Option</a:t>
-            </a:r>
-          </a:p>
-          <a:p>
-            <a:endParaRPr lang="en-US" dirty="0"/>
-          </a:p>
-        </p:txBody>
-      </p:sp>
-    </p:spTree>
-    <p:extLst>
-      <p:ext uri="{BB962C8B-B14F-4D97-AF65-F5344CB8AC3E}">
-        <p14:creationId xmlns:p14="http://schemas.microsoft.com/office/powerpoint/2010/main" val="2063123738"/>
       </p:ext>
     </p:extLst>
   </p:cSld>
@@ -43516,6 +43542,297 @@
           <p:cNvPr id="2" name="Title 1">
             <a:extLst>
               <a:ext uri="{FF2B5EF4-FFF2-40B4-BE49-F238E27FC236}">
+                <a16:creationId xmlns:a16="http://schemas.microsoft.com/office/drawing/2014/main" id="{0B33124B-F8B1-44FB-B9D6-3239CDA95508}"/>
+              </a:ext>
+            </a:extLst>
+          </p:cNvPr>
+          <p:cNvSpPr>
+            <a:spLocks noGrp="1"/>
+          </p:cNvSpPr>
+          <p:nvPr>
+            <p:ph type="title"/>
+          </p:nvPr>
+        </p:nvSpPr>
+        <p:spPr/>
+        <p:txBody>
+          <a:bodyPr>
+            <a:normAutofit fontScale="90000"/>
+          </a:bodyPr>
+          <a:lstStyle/>
+          <a:p>
+            <a:r>
+              <a:rPr lang="en-US" altLang="zh-CN" sz="4400" dirty="0"/>
+              <a:t>Classification </a:t>
+            </a:r>
+            <a:r>
+              <a:rPr lang="en-US" sz="4400" dirty="0"/>
+              <a:t>of derivatives</a:t>
+            </a:r>
+            <a:br>
+              <a:rPr lang="en-US" dirty="0"/>
+            </a:br>
+            <a:r>
+              <a:rPr lang="en-US" dirty="0"/>
+              <a:t>Forward commitments and contingent claims</a:t>
+            </a:r>
+          </a:p>
+        </p:txBody>
+      </p:sp>
+      <p:sp>
+        <p:nvSpPr>
+          <p:cNvPr id="3" name="Content Placeholder 2">
+            <a:extLst>
+              <a:ext uri="{FF2B5EF4-FFF2-40B4-BE49-F238E27FC236}">
+                <a16:creationId xmlns:a16="http://schemas.microsoft.com/office/drawing/2014/main" id="{AEE854A1-1496-4876-AC8F-11F97047424B}"/>
+              </a:ext>
+            </a:extLst>
+          </p:cNvPr>
+          <p:cNvSpPr>
+            <a:spLocks noGrp="1"/>
+          </p:cNvSpPr>
+          <p:nvPr>
+            <p:ph idx="1"/>
+          </p:nvPr>
+        </p:nvSpPr>
+        <p:spPr/>
+        <p:txBody>
+          <a:bodyPr/>
+          <a:lstStyle/>
+          <a:p>
+            <a:r>
+              <a:rPr lang="en-US" sz="2800" dirty="0"/>
+              <a:t>Forward commitments</a:t>
+            </a:r>
+          </a:p>
+          <a:p>
+            <a:pPr lvl="1"/>
+            <a:r>
+              <a:rPr lang="en-US" sz="1800" dirty="0">
+                <a:solidFill>
+                  <a:schemeClr val="tx1"/>
+                </a:solidFill>
+              </a:rPr>
+              <a:t>Forward</a:t>
+            </a:r>
+          </a:p>
+          <a:p>
+            <a:pPr lvl="1"/>
+            <a:r>
+              <a:rPr lang="en-US" sz="1800" dirty="0"/>
+              <a:t>Futures</a:t>
+            </a:r>
+          </a:p>
+          <a:p>
+            <a:pPr lvl="1"/>
+            <a:r>
+              <a:rPr lang="en-US" sz="1800" dirty="0"/>
+              <a:t>Swap</a:t>
+            </a:r>
+          </a:p>
+          <a:p>
+            <a:r>
+              <a:rPr lang="en-US" sz="2800" dirty="0"/>
+              <a:t>Contingent claims</a:t>
+            </a:r>
+          </a:p>
+          <a:p>
+            <a:pPr lvl="1"/>
+            <a:r>
+              <a:rPr lang="en-US" sz="1800" dirty="0"/>
+              <a:t>Option</a:t>
+            </a:r>
+          </a:p>
+          <a:p>
+            <a:pPr lvl="1"/>
+            <a:r>
+              <a:rPr lang="en-US" sz="1800" dirty="0"/>
+              <a:t>Credit Default Swap</a:t>
+            </a:r>
+          </a:p>
+        </p:txBody>
+      </p:sp>
+    </p:spTree>
+    <p:extLst>
+      <p:ext uri="{BB962C8B-B14F-4D97-AF65-F5344CB8AC3E}">
+        <p14:creationId xmlns:p14="http://schemas.microsoft.com/office/powerpoint/2010/main" val="3548463849"/>
+      </p:ext>
+    </p:extLst>
+  </p:cSld>
+  <p:clrMapOvr>
+    <a:masterClrMapping/>
+  </p:clrMapOvr>
+</p:sld>
+</file>
+
+<file path=ppt/slides/slide51.xml><?xml version="1.0" encoding="utf-8"?>
+<p:sld xmlns:a="http://schemas.openxmlformats.org/drawingml/2006/main" xmlns:r="http://schemas.openxmlformats.org/officeDocument/2006/relationships" xmlns:p="http://schemas.openxmlformats.org/presentationml/2006/main">
+  <p:cSld>
+    <p:spTree>
+      <p:nvGrpSpPr>
+        <p:cNvPr id="1" name=""/>
+        <p:cNvGrpSpPr/>
+        <p:nvPr/>
+      </p:nvGrpSpPr>
+      <p:grpSpPr>
+        <a:xfrm>
+          <a:off x="0" y="0"/>
+          <a:ext cx="0" cy="0"/>
+          <a:chOff x="0" y="0"/>
+          <a:chExt cx="0" cy="0"/>
+        </a:xfrm>
+      </p:grpSpPr>
+      <p:sp>
+        <p:nvSpPr>
+          <p:cNvPr id="2" name="Title 1">
+            <a:extLst>
+              <a:ext uri="{FF2B5EF4-FFF2-40B4-BE49-F238E27FC236}">
+                <a16:creationId xmlns:a16="http://schemas.microsoft.com/office/drawing/2014/main" id="{61C782C3-1713-4158-BD07-C849C3C4CC28}"/>
+              </a:ext>
+            </a:extLst>
+          </p:cNvPr>
+          <p:cNvSpPr>
+            <a:spLocks noGrp="1"/>
+          </p:cNvSpPr>
+          <p:nvPr>
+            <p:ph type="title"/>
+          </p:nvPr>
+        </p:nvSpPr>
+        <p:spPr/>
+        <p:txBody>
+          <a:bodyPr>
+            <a:normAutofit fontScale="90000"/>
+          </a:bodyPr>
+          <a:lstStyle/>
+          <a:p>
+            <a:r>
+              <a:rPr lang="en-US" altLang="zh-CN" sz="4000" dirty="0"/>
+              <a:t>Classification</a:t>
+            </a:r>
+            <a:r>
+              <a:rPr lang="en-US" sz="4000" dirty="0"/>
+              <a:t> of derivatives	</a:t>
+            </a:r>
+            <a:r>
+              <a:rPr lang="en-US" dirty="0"/>
+              <a:t>	</a:t>
+            </a:r>
+            <a:br>
+              <a:rPr lang="en-US" dirty="0"/>
+            </a:br>
+            <a:r>
+              <a:rPr lang="en-US" dirty="0"/>
+              <a:t>Exchange-traded and OTC market</a:t>
+            </a:r>
+          </a:p>
+        </p:txBody>
+      </p:sp>
+      <p:sp>
+        <p:nvSpPr>
+          <p:cNvPr id="3" name="Content Placeholder 2">
+            <a:extLst>
+              <a:ext uri="{FF2B5EF4-FFF2-40B4-BE49-F238E27FC236}">
+                <a16:creationId xmlns:a16="http://schemas.microsoft.com/office/drawing/2014/main" id="{AF25ED95-A7A6-4FF7-B6AE-E00C8A4243CE}"/>
+              </a:ext>
+            </a:extLst>
+          </p:cNvPr>
+          <p:cNvSpPr>
+            <a:spLocks noGrp="1"/>
+          </p:cNvSpPr>
+          <p:nvPr>
+            <p:ph idx="1"/>
+          </p:nvPr>
+        </p:nvSpPr>
+        <p:spPr/>
+        <p:txBody>
+          <a:bodyPr/>
+          <a:lstStyle/>
+          <a:p>
+            <a:r>
+              <a:rPr lang="en-US" sz="2800" dirty="0"/>
+              <a:t>Over-the-counter market</a:t>
+            </a:r>
+          </a:p>
+          <a:p>
+            <a:pPr lvl="1"/>
+            <a:r>
+              <a:rPr lang="en-US" sz="1800" dirty="0"/>
+              <a:t>Forward</a:t>
+            </a:r>
+          </a:p>
+          <a:p>
+            <a:pPr lvl="1"/>
+            <a:r>
+              <a:rPr lang="en-US" sz="1800" dirty="0"/>
+              <a:t>Swap</a:t>
+            </a:r>
+          </a:p>
+          <a:p>
+            <a:pPr lvl="1"/>
+            <a:r>
+              <a:rPr lang="en-US" sz="1800" dirty="0"/>
+              <a:t>Option</a:t>
+            </a:r>
+          </a:p>
+          <a:p>
+            <a:r>
+              <a:rPr lang="en-US" sz="2800" dirty="0"/>
+              <a:t>Exchange-traded market</a:t>
+            </a:r>
+          </a:p>
+          <a:p>
+            <a:pPr lvl="1"/>
+            <a:r>
+              <a:rPr lang="en-US" sz="1800" dirty="0"/>
+              <a:t>Futures</a:t>
+            </a:r>
+          </a:p>
+          <a:p>
+            <a:pPr lvl="1"/>
+            <a:r>
+              <a:rPr lang="en-US" sz="1800" dirty="0"/>
+              <a:t>Option</a:t>
+            </a:r>
+          </a:p>
+          <a:p>
+            <a:endParaRPr lang="en-US" dirty="0"/>
+          </a:p>
+        </p:txBody>
+      </p:sp>
+    </p:spTree>
+    <p:extLst>
+      <p:ext uri="{BB962C8B-B14F-4D97-AF65-F5344CB8AC3E}">
+        <p14:creationId xmlns:p14="http://schemas.microsoft.com/office/powerpoint/2010/main" val="2063123738"/>
+      </p:ext>
+    </p:extLst>
+  </p:cSld>
+  <p:clrMapOvr>
+    <a:masterClrMapping/>
+  </p:clrMapOvr>
+</p:sld>
+</file>
+
+<file path=ppt/slides/slide52.xml><?xml version="1.0" encoding="utf-8"?>
+<p:sld xmlns:a="http://schemas.openxmlformats.org/drawingml/2006/main" xmlns:r="http://schemas.openxmlformats.org/officeDocument/2006/relationships" xmlns:p="http://schemas.openxmlformats.org/presentationml/2006/main">
+  <p:cSld>
+    <p:spTree>
+      <p:nvGrpSpPr>
+        <p:cNvPr id="1" name=""/>
+        <p:cNvGrpSpPr/>
+        <p:nvPr/>
+      </p:nvGrpSpPr>
+      <p:grpSpPr>
+        <a:xfrm>
+          <a:off x="0" y="0"/>
+          <a:ext cx="0" cy="0"/>
+          <a:chOff x="0" y="0"/>
+          <a:chExt cx="0" cy="0"/>
+        </a:xfrm>
+      </p:grpSpPr>
+      <p:sp>
+        <p:nvSpPr>
+          <p:cNvPr id="2" name="Title 1">
+            <a:extLst>
+              <a:ext uri="{FF2B5EF4-FFF2-40B4-BE49-F238E27FC236}">
                 <a16:creationId xmlns:a16="http://schemas.microsoft.com/office/drawing/2014/main" id="{63CC868E-9E09-460D-AFC5-F06FE734B18C}"/>
               </a:ext>
             </a:extLst>
@@ -43530,7 +43847,7 @@
         <p:spPr/>
         <p:txBody>
           <a:bodyPr>
-            <a:normAutofit/>
+            <a:normAutofit fontScale="90000"/>
           </a:bodyPr>
           <a:lstStyle/>
           <a:p>
@@ -43660,7 +43977,7 @@
 </p:sld>
 </file>
 
-<file path=ppt/slides/slide51.xml><?xml version="1.0" encoding="utf-8"?>
+<file path=ppt/slides/slide53.xml><?xml version="1.0" encoding="utf-8"?>
 <p:sld xmlns:a="http://schemas.openxmlformats.org/drawingml/2006/main" xmlns:r="http://schemas.openxmlformats.org/officeDocument/2006/relationships" xmlns:p="http://schemas.openxmlformats.org/presentationml/2006/main">
   <p:cSld>
     <p:spTree>
@@ -43696,7 +44013,7 @@
         <p:spPr/>
         <p:txBody>
           <a:bodyPr>
-            <a:normAutofit/>
+            <a:normAutofit fontScale="90000"/>
           </a:bodyPr>
           <a:lstStyle/>
           <a:p>
@@ -43804,7 +44121,7 @@
 </p:sld>
 </file>
 
-<file path=ppt/slides/slide52.xml><?xml version="1.0" encoding="utf-8"?>
+<file path=ppt/slides/slide54.xml><?xml version="1.0" encoding="utf-8"?>
 <p:sld xmlns:a="http://schemas.openxmlformats.org/drawingml/2006/main" xmlns:r="http://schemas.openxmlformats.org/officeDocument/2006/relationships" xmlns:p="http://schemas.openxmlformats.org/presentationml/2006/main">
   <p:cSld>
     <p:spTree>
@@ -43942,7 +44259,7 @@
 </p:sld>
 </file>
 
-<file path=ppt/slides/slide53.xml><?xml version="1.0" encoding="utf-8"?>
+<file path=ppt/slides/slide55.xml><?xml version="1.0" encoding="utf-8"?>
 <p:sld xmlns:a="http://schemas.openxmlformats.org/drawingml/2006/main" xmlns:r="http://schemas.openxmlformats.org/officeDocument/2006/relationships" xmlns:p="http://schemas.openxmlformats.org/presentationml/2006/main">
   <p:cSld>
     <p:spTree>
@@ -44080,7 +44397,7 @@
 </p:sld>
 </file>
 
-<file path=ppt/slides/slide54.xml><?xml version="1.0" encoding="utf-8"?>
+<file path=ppt/slides/slide56.xml><?xml version="1.0" encoding="utf-8"?>
 <p:sld xmlns:a="http://schemas.openxmlformats.org/drawingml/2006/main" xmlns:r="http://schemas.openxmlformats.org/officeDocument/2006/relationships" xmlns:p="http://schemas.openxmlformats.org/presentationml/2006/main">
   <p:cSld>
     <p:spTree>
@@ -44218,7 +44535,7 @@
 </p:sld>
 </file>
 
-<file path=ppt/slides/slide55.xml><?xml version="1.0" encoding="utf-8"?>
+<file path=ppt/slides/slide57.xml><?xml version="1.0" encoding="utf-8"?>
 <p:sld xmlns:a="http://schemas.openxmlformats.org/drawingml/2006/main" xmlns:r="http://schemas.openxmlformats.org/officeDocument/2006/relationships" xmlns:p="http://schemas.openxmlformats.org/presentationml/2006/main">
   <p:cSld>
     <p:spTree>
@@ -44356,7 +44673,7 @@
 </p:sld>
 </file>
 
-<file path=ppt/slides/slide56.xml><?xml version="1.0" encoding="utf-8"?>
+<file path=ppt/slides/slide58.xml><?xml version="1.0" encoding="utf-8"?>
 <p:sld xmlns:a="http://schemas.openxmlformats.org/drawingml/2006/main" xmlns:r="http://schemas.openxmlformats.org/officeDocument/2006/relationships" xmlns:p="http://schemas.openxmlformats.org/presentationml/2006/main">
   <p:cSld>
     <p:spTree>
@@ -44509,7 +44826,7 @@
 </p:sld>
 </file>
 
-<file path=ppt/slides/slide57.xml><?xml version="1.0" encoding="utf-8"?>
+<file path=ppt/slides/slide59.xml><?xml version="1.0" encoding="utf-8"?>
 <p:sld xmlns:a="http://schemas.openxmlformats.org/drawingml/2006/main" xmlns:r="http://schemas.openxmlformats.org/officeDocument/2006/relationships" xmlns:p="http://schemas.openxmlformats.org/presentationml/2006/main">
   <p:cSld>
     <p:spTree>
@@ -44650,350 +44967,6 @@
     <p:extLst>
       <p:ext uri="{BB962C8B-B14F-4D97-AF65-F5344CB8AC3E}">
         <p14:creationId xmlns:p14="http://schemas.microsoft.com/office/powerpoint/2010/main" val="679871349"/>
-      </p:ext>
-    </p:extLst>
-  </p:cSld>
-  <p:clrMapOvr>
-    <a:masterClrMapping/>
-  </p:clrMapOvr>
-</p:sld>
-</file>
-
-<file path=ppt/slides/slide58.xml><?xml version="1.0" encoding="utf-8"?>
-<p:sld xmlns:a="http://schemas.openxmlformats.org/drawingml/2006/main" xmlns:r="http://schemas.openxmlformats.org/officeDocument/2006/relationships" xmlns:p="http://schemas.openxmlformats.org/presentationml/2006/main">
-  <p:cSld>
-    <p:spTree>
-      <p:nvGrpSpPr>
-        <p:cNvPr id="1" name=""/>
-        <p:cNvGrpSpPr/>
-        <p:nvPr/>
-      </p:nvGrpSpPr>
-      <p:grpSpPr>
-        <a:xfrm>
-          <a:off x="0" y="0"/>
-          <a:ext cx="0" cy="0"/>
-          <a:chOff x="0" y="0"/>
-          <a:chExt cx="0" cy="0"/>
-        </a:xfrm>
-      </p:grpSpPr>
-      <p:sp>
-        <p:nvSpPr>
-          <p:cNvPr id="2" name="Title 1">
-            <a:extLst>
-              <a:ext uri="{FF2B5EF4-FFF2-40B4-BE49-F238E27FC236}">
-                <a16:creationId xmlns:a16="http://schemas.microsoft.com/office/drawing/2014/main" id="{6A4E77FE-41FA-4F07-9556-77EA5BAC14A6}"/>
-              </a:ext>
-            </a:extLst>
-          </p:cNvPr>
-          <p:cNvSpPr>
-            <a:spLocks noGrp="1"/>
-          </p:cNvSpPr>
-          <p:nvPr>
-            <p:ph type="title"/>
-          </p:nvPr>
-        </p:nvSpPr>
-        <p:spPr/>
-        <p:txBody>
-          <a:bodyPr>
-            <a:normAutofit/>
-          </a:bodyPr>
-          <a:lstStyle/>
-          <a:p>
-            <a:r>
-              <a:rPr lang="en-US" sz="4000" dirty="0"/>
-              <a:t>Criticisms and misuses of derivatives</a:t>
-            </a:r>
-            <a:br>
-              <a:rPr lang="en-US" sz="4000" dirty="0"/>
-            </a:br>
-            <a:r>
-              <a:rPr lang="en-US" sz="4000" dirty="0"/>
-              <a:t>S</a:t>
-            </a:r>
-            <a:r>
-              <a:rPr lang="en-US" altLang="zh-CN" sz="4000" dirty="0"/>
-              <a:t>peculation and gambling</a:t>
-            </a:r>
-            <a:endParaRPr lang="en-US" sz="4000" dirty="0"/>
-          </a:p>
-        </p:txBody>
-      </p:sp>
-      <p:sp>
-        <p:nvSpPr>
-          <p:cNvPr id="3" name="Content Placeholder 2">
-            <a:extLst>
-              <a:ext uri="{FF2B5EF4-FFF2-40B4-BE49-F238E27FC236}">
-                <a16:creationId xmlns:a16="http://schemas.microsoft.com/office/drawing/2014/main" id="{362F09A5-A3CB-4782-B9F6-D1BE6C31A73F}"/>
-              </a:ext>
-            </a:extLst>
-          </p:cNvPr>
-          <p:cNvSpPr>
-            <a:spLocks noGrp="1"/>
-          </p:cNvSpPr>
-          <p:nvPr>
-            <p:ph idx="1"/>
-          </p:nvPr>
-        </p:nvSpPr>
-        <p:spPr/>
-        <p:txBody>
-          <a:bodyPr/>
-          <a:lstStyle/>
-          <a:p>
-            <a:r>
-              <a:rPr lang="en-US" dirty="0"/>
-              <a:t>Speculators are often thought to be </a:t>
-            </a:r>
-            <a:r>
-              <a:rPr lang="en-US" dirty="0">
-                <a:solidFill>
-                  <a:srgbClr val="FF0000"/>
-                </a:solidFill>
-              </a:rPr>
-              <a:t>short- term traders </a:t>
-            </a:r>
-            <a:r>
-              <a:rPr lang="en-US" dirty="0"/>
-              <a:t>who attempt to exploit temporary inefficiencies.</a:t>
-            </a:r>
-          </a:p>
-          <a:p>
-            <a:r>
-              <a:rPr lang="en-US" dirty="0"/>
-              <a:t>Speculators are thought to engage in </a:t>
-            </a:r>
-            <a:r>
-              <a:rPr lang="en-US" dirty="0">
-                <a:solidFill>
-                  <a:srgbClr val="FF0000"/>
-                </a:solidFill>
-              </a:rPr>
-              <a:t>price manipulation </a:t>
-            </a:r>
-            <a:r>
-              <a:rPr lang="en-US" dirty="0"/>
-              <a:t>and to trade at extreme prices.</a:t>
-            </a:r>
-          </a:p>
-          <a:p>
-            <a:r>
-              <a:rPr lang="en-US" dirty="0"/>
-              <a:t>The profits from short- term trading are almost always taxed </a:t>
-            </a:r>
-            <a:r>
-              <a:rPr lang="en-US" dirty="0">
-                <a:solidFill>
-                  <a:srgbClr val="FF0000"/>
-                </a:solidFill>
-              </a:rPr>
-              <a:t>more heavily </a:t>
-            </a:r>
-            <a:r>
-              <a:rPr lang="en-US" dirty="0"/>
-              <a:t>than the profits from long- term trading.</a:t>
-            </a:r>
-          </a:p>
-          <a:p>
-            <a:endParaRPr lang="en-US" dirty="0"/>
-          </a:p>
-        </p:txBody>
-      </p:sp>
-    </p:spTree>
-    <p:extLst>
-      <p:ext uri="{BB962C8B-B14F-4D97-AF65-F5344CB8AC3E}">
-        <p14:creationId xmlns:p14="http://schemas.microsoft.com/office/powerpoint/2010/main" val="133782581"/>
-      </p:ext>
-    </p:extLst>
-  </p:cSld>
-  <p:clrMapOvr>
-    <a:masterClrMapping/>
-  </p:clrMapOvr>
-</p:sld>
-</file>
-
-<file path=ppt/slides/slide59.xml><?xml version="1.0" encoding="utf-8"?>
-<p:sld xmlns:a="http://schemas.openxmlformats.org/drawingml/2006/main" xmlns:r="http://schemas.openxmlformats.org/officeDocument/2006/relationships" xmlns:p="http://schemas.openxmlformats.org/presentationml/2006/main">
-  <p:cSld>
-    <p:spTree>
-      <p:nvGrpSpPr>
-        <p:cNvPr id="1" name=""/>
-        <p:cNvGrpSpPr/>
-        <p:nvPr/>
-      </p:nvGrpSpPr>
-      <p:grpSpPr>
-        <a:xfrm>
-          <a:off x="0" y="0"/>
-          <a:ext cx="0" cy="0"/>
-          <a:chOff x="0" y="0"/>
-          <a:chExt cx="0" cy="0"/>
-        </a:xfrm>
-      </p:grpSpPr>
-      <p:sp>
-        <p:nvSpPr>
-          <p:cNvPr id="2" name="Title 1">
-            <a:extLst>
-              <a:ext uri="{FF2B5EF4-FFF2-40B4-BE49-F238E27FC236}">
-                <a16:creationId xmlns:a16="http://schemas.microsoft.com/office/drawing/2014/main" id="{E482C202-64F2-44D8-9E40-0887E8F7325A}"/>
-              </a:ext>
-            </a:extLst>
-          </p:cNvPr>
-          <p:cNvSpPr>
-            <a:spLocks noGrp="1"/>
-          </p:cNvSpPr>
-          <p:nvPr>
-            <p:ph type="title"/>
-          </p:nvPr>
-        </p:nvSpPr>
-        <p:spPr/>
-        <p:txBody>
-          <a:bodyPr>
-            <a:normAutofit/>
-          </a:bodyPr>
-          <a:lstStyle/>
-          <a:p>
-            <a:r>
-              <a:rPr lang="en-US" sz="4000" dirty="0"/>
-              <a:t>Criticisms and misuses of derivatives</a:t>
-            </a:r>
-            <a:br>
-              <a:rPr lang="en-US" sz="4000" dirty="0"/>
-            </a:br>
-            <a:r>
-              <a:rPr lang="en-US" sz="4000" dirty="0"/>
-              <a:t>Destabilization and Systemic Risk</a:t>
-            </a:r>
-          </a:p>
-        </p:txBody>
-      </p:sp>
-      <p:sp>
-        <p:nvSpPr>
-          <p:cNvPr id="3" name="Content Placeholder 2">
-            <a:extLst>
-              <a:ext uri="{FF2B5EF4-FFF2-40B4-BE49-F238E27FC236}">
-                <a16:creationId xmlns:a16="http://schemas.microsoft.com/office/drawing/2014/main" id="{00AFAD99-D187-4A05-BD57-E28833651C75}"/>
-              </a:ext>
-            </a:extLst>
-          </p:cNvPr>
-          <p:cNvSpPr>
-            <a:spLocks noGrp="1"/>
-          </p:cNvSpPr>
-          <p:nvPr>
-            <p:ph idx="1"/>
-          </p:nvPr>
-        </p:nvSpPr>
-        <p:spPr/>
-        <p:txBody>
-          <a:bodyPr>
-            <a:normAutofit fontScale="92500"/>
-          </a:bodyPr>
-          <a:lstStyle/>
-          <a:p>
-            <a:r>
-              <a:rPr lang="en-US" dirty="0"/>
-              <a:t>Defaults by speculators can then lead to defaults by their creditors, their creditors’ creditors, and so on. These effects can, therefore, be systemic and reflect an epidemic </a:t>
-            </a:r>
-            <a:r>
-              <a:rPr lang="en-US" dirty="0">
-                <a:solidFill>
-                  <a:srgbClr val="FF0000"/>
-                </a:solidFill>
-              </a:rPr>
-              <a:t>contagion</a:t>
-            </a:r>
-            <a:r>
-              <a:rPr lang="en-US" dirty="0"/>
-              <a:t> whereby instability can spread throughout markets and an economy, if not the entire world.</a:t>
-            </a:r>
-          </a:p>
-          <a:p>
-            <a:r>
-              <a:rPr lang="en-US" dirty="0"/>
-              <a:t>Such effects occurred in the </a:t>
-            </a:r>
-            <a:r>
-              <a:rPr lang="en-US" dirty="0">
-                <a:solidFill>
-                  <a:srgbClr val="FF0000"/>
-                </a:solidFill>
-              </a:rPr>
-              <a:t>Long- Term Capital Management </a:t>
-            </a:r>
-            <a:r>
-              <a:rPr lang="en-US" dirty="0"/>
-              <a:t>fiasco of 1998 and again in the financial crisis of 2008, in which derivatives, particularly credit default swaps, were widely used by many of the problem entities.</a:t>
-            </a:r>
-          </a:p>
-          <a:p>
-            <a:r>
-              <a:rPr lang="en-US" dirty="0"/>
-              <a:t>Some of these events </a:t>
-            </a:r>
-            <a:r>
-              <a:rPr lang="en-US" dirty="0">
-                <a:solidFill>
-                  <a:srgbClr val="FF0000"/>
-                </a:solidFill>
-              </a:rPr>
-              <a:t>preceded</a:t>
-            </a:r>
-            <a:r>
-              <a:rPr lang="en-US" dirty="0"/>
-              <a:t> the era of modern derivatives markets, and others were completely </a:t>
-            </a:r>
-            <a:r>
-              <a:rPr lang="en-US" dirty="0">
-                <a:solidFill>
-                  <a:srgbClr val="FF0000"/>
-                </a:solidFill>
-              </a:rPr>
-              <a:t>unrelated</a:t>
-            </a:r>
-            <a:r>
-              <a:rPr lang="en-US" dirty="0"/>
-              <a:t> to the use of derivatives.</a:t>
-            </a:r>
-          </a:p>
-          <a:p>
-            <a:r>
-              <a:rPr lang="en-US" dirty="0"/>
-              <a:t>Another criticism of derivatives is simply their </a:t>
-            </a:r>
-            <a:r>
-              <a:rPr lang="en-US" dirty="0">
-                <a:solidFill>
-                  <a:srgbClr val="FF0000"/>
-                </a:solidFill>
-              </a:rPr>
-              <a:t>complexity</a:t>
-            </a:r>
-            <a:r>
-              <a:rPr lang="en-US" dirty="0"/>
-              <a:t>.</a:t>
-            </a:r>
-          </a:p>
-          <a:p>
-            <a:r>
-              <a:rPr lang="en-US" dirty="0"/>
-              <a:t>One explanation probably lies in the fact that scientists create models of markets by using scientific principles that </a:t>
-            </a:r>
-            <a:r>
-              <a:rPr lang="en-US" dirty="0">
-                <a:solidFill>
-                  <a:srgbClr val="FF0000"/>
-                </a:solidFill>
-              </a:rPr>
-              <a:t>often fail</a:t>
-            </a:r>
-            <a:r>
-              <a:rPr lang="en-US" dirty="0"/>
-              <a:t>.</a:t>
-            </a:r>
-          </a:p>
-        </p:txBody>
-      </p:sp>
-    </p:spTree>
-    <p:extLst>
-      <p:ext uri="{BB962C8B-B14F-4D97-AF65-F5344CB8AC3E}">
-        <p14:creationId xmlns:p14="http://schemas.microsoft.com/office/powerpoint/2010/main" val="1948992878"/>
       </p:ext>
     </p:extLst>
   </p:cSld>
@@ -45188,6 +45161,350 @@
           <p:cNvPr id="2" name="Title 1">
             <a:extLst>
               <a:ext uri="{FF2B5EF4-FFF2-40B4-BE49-F238E27FC236}">
+                <a16:creationId xmlns:a16="http://schemas.microsoft.com/office/drawing/2014/main" id="{6A4E77FE-41FA-4F07-9556-77EA5BAC14A6}"/>
+              </a:ext>
+            </a:extLst>
+          </p:cNvPr>
+          <p:cNvSpPr>
+            <a:spLocks noGrp="1"/>
+          </p:cNvSpPr>
+          <p:nvPr>
+            <p:ph type="title"/>
+          </p:nvPr>
+        </p:nvSpPr>
+        <p:spPr/>
+        <p:txBody>
+          <a:bodyPr>
+            <a:normAutofit/>
+          </a:bodyPr>
+          <a:lstStyle/>
+          <a:p>
+            <a:r>
+              <a:rPr lang="en-US" sz="4000" dirty="0"/>
+              <a:t>Criticisms and misuses of derivatives</a:t>
+            </a:r>
+            <a:br>
+              <a:rPr lang="en-US" sz="4000" dirty="0"/>
+            </a:br>
+            <a:r>
+              <a:rPr lang="en-US" sz="4000" dirty="0"/>
+              <a:t>S</a:t>
+            </a:r>
+            <a:r>
+              <a:rPr lang="en-US" altLang="zh-CN" sz="4000" dirty="0"/>
+              <a:t>peculation and gambling</a:t>
+            </a:r>
+            <a:endParaRPr lang="en-US" sz="4000" dirty="0"/>
+          </a:p>
+        </p:txBody>
+      </p:sp>
+      <p:sp>
+        <p:nvSpPr>
+          <p:cNvPr id="3" name="Content Placeholder 2">
+            <a:extLst>
+              <a:ext uri="{FF2B5EF4-FFF2-40B4-BE49-F238E27FC236}">
+                <a16:creationId xmlns:a16="http://schemas.microsoft.com/office/drawing/2014/main" id="{362F09A5-A3CB-4782-B9F6-D1BE6C31A73F}"/>
+              </a:ext>
+            </a:extLst>
+          </p:cNvPr>
+          <p:cNvSpPr>
+            <a:spLocks noGrp="1"/>
+          </p:cNvSpPr>
+          <p:nvPr>
+            <p:ph idx="1"/>
+          </p:nvPr>
+        </p:nvSpPr>
+        <p:spPr/>
+        <p:txBody>
+          <a:bodyPr/>
+          <a:lstStyle/>
+          <a:p>
+            <a:r>
+              <a:rPr lang="en-US" dirty="0"/>
+              <a:t>Speculators are often thought to be </a:t>
+            </a:r>
+            <a:r>
+              <a:rPr lang="en-US" dirty="0">
+                <a:solidFill>
+                  <a:srgbClr val="FF0000"/>
+                </a:solidFill>
+              </a:rPr>
+              <a:t>short- term traders </a:t>
+            </a:r>
+            <a:r>
+              <a:rPr lang="en-US" dirty="0"/>
+              <a:t>who attempt to exploit temporary inefficiencies.</a:t>
+            </a:r>
+          </a:p>
+          <a:p>
+            <a:r>
+              <a:rPr lang="en-US" dirty="0"/>
+              <a:t>Speculators are thought to engage in </a:t>
+            </a:r>
+            <a:r>
+              <a:rPr lang="en-US" dirty="0">
+                <a:solidFill>
+                  <a:srgbClr val="FF0000"/>
+                </a:solidFill>
+              </a:rPr>
+              <a:t>price manipulation </a:t>
+            </a:r>
+            <a:r>
+              <a:rPr lang="en-US" dirty="0"/>
+              <a:t>and to trade at extreme prices.</a:t>
+            </a:r>
+          </a:p>
+          <a:p>
+            <a:r>
+              <a:rPr lang="en-US" dirty="0"/>
+              <a:t>The profits from short- term trading are almost always taxed </a:t>
+            </a:r>
+            <a:r>
+              <a:rPr lang="en-US" dirty="0">
+                <a:solidFill>
+                  <a:srgbClr val="FF0000"/>
+                </a:solidFill>
+              </a:rPr>
+              <a:t>more heavily </a:t>
+            </a:r>
+            <a:r>
+              <a:rPr lang="en-US" dirty="0"/>
+              <a:t>than the profits from long- term trading.</a:t>
+            </a:r>
+          </a:p>
+          <a:p>
+            <a:endParaRPr lang="en-US" dirty="0"/>
+          </a:p>
+        </p:txBody>
+      </p:sp>
+    </p:spTree>
+    <p:extLst>
+      <p:ext uri="{BB962C8B-B14F-4D97-AF65-F5344CB8AC3E}">
+        <p14:creationId xmlns:p14="http://schemas.microsoft.com/office/powerpoint/2010/main" val="133782581"/>
+      </p:ext>
+    </p:extLst>
+  </p:cSld>
+  <p:clrMapOvr>
+    <a:masterClrMapping/>
+  </p:clrMapOvr>
+</p:sld>
+</file>
+
+<file path=ppt/slides/slide61.xml><?xml version="1.0" encoding="utf-8"?>
+<p:sld xmlns:a="http://schemas.openxmlformats.org/drawingml/2006/main" xmlns:r="http://schemas.openxmlformats.org/officeDocument/2006/relationships" xmlns:p="http://schemas.openxmlformats.org/presentationml/2006/main">
+  <p:cSld>
+    <p:spTree>
+      <p:nvGrpSpPr>
+        <p:cNvPr id="1" name=""/>
+        <p:cNvGrpSpPr/>
+        <p:nvPr/>
+      </p:nvGrpSpPr>
+      <p:grpSpPr>
+        <a:xfrm>
+          <a:off x="0" y="0"/>
+          <a:ext cx="0" cy="0"/>
+          <a:chOff x="0" y="0"/>
+          <a:chExt cx="0" cy="0"/>
+        </a:xfrm>
+      </p:grpSpPr>
+      <p:sp>
+        <p:nvSpPr>
+          <p:cNvPr id="2" name="Title 1">
+            <a:extLst>
+              <a:ext uri="{FF2B5EF4-FFF2-40B4-BE49-F238E27FC236}">
+                <a16:creationId xmlns:a16="http://schemas.microsoft.com/office/drawing/2014/main" id="{E482C202-64F2-44D8-9E40-0887E8F7325A}"/>
+              </a:ext>
+            </a:extLst>
+          </p:cNvPr>
+          <p:cNvSpPr>
+            <a:spLocks noGrp="1"/>
+          </p:cNvSpPr>
+          <p:nvPr>
+            <p:ph type="title"/>
+          </p:nvPr>
+        </p:nvSpPr>
+        <p:spPr/>
+        <p:txBody>
+          <a:bodyPr>
+            <a:normAutofit/>
+          </a:bodyPr>
+          <a:lstStyle/>
+          <a:p>
+            <a:r>
+              <a:rPr lang="en-US" sz="4000" dirty="0"/>
+              <a:t>Criticisms and misuses of derivatives</a:t>
+            </a:r>
+            <a:br>
+              <a:rPr lang="en-US" sz="4000" dirty="0"/>
+            </a:br>
+            <a:r>
+              <a:rPr lang="en-US" sz="4000" dirty="0"/>
+              <a:t>Destabilization and Systemic Risk</a:t>
+            </a:r>
+          </a:p>
+        </p:txBody>
+      </p:sp>
+      <p:sp>
+        <p:nvSpPr>
+          <p:cNvPr id="3" name="Content Placeholder 2">
+            <a:extLst>
+              <a:ext uri="{FF2B5EF4-FFF2-40B4-BE49-F238E27FC236}">
+                <a16:creationId xmlns:a16="http://schemas.microsoft.com/office/drawing/2014/main" id="{00AFAD99-D187-4A05-BD57-E28833651C75}"/>
+              </a:ext>
+            </a:extLst>
+          </p:cNvPr>
+          <p:cNvSpPr>
+            <a:spLocks noGrp="1"/>
+          </p:cNvSpPr>
+          <p:nvPr>
+            <p:ph idx="1"/>
+          </p:nvPr>
+        </p:nvSpPr>
+        <p:spPr/>
+        <p:txBody>
+          <a:bodyPr>
+            <a:normAutofit fontScale="92500"/>
+          </a:bodyPr>
+          <a:lstStyle/>
+          <a:p>
+            <a:r>
+              <a:rPr lang="en-US" dirty="0"/>
+              <a:t>Defaults by speculators can then lead to defaults by their creditors, their creditors’ creditors, and so on. These effects can, therefore, be systemic and reflect an epidemic </a:t>
+            </a:r>
+            <a:r>
+              <a:rPr lang="en-US" dirty="0">
+                <a:solidFill>
+                  <a:srgbClr val="FF0000"/>
+                </a:solidFill>
+              </a:rPr>
+              <a:t>contagion</a:t>
+            </a:r>
+            <a:r>
+              <a:rPr lang="en-US" dirty="0"/>
+              <a:t> whereby instability can spread throughout markets and an economy, if not the entire world.</a:t>
+            </a:r>
+          </a:p>
+          <a:p>
+            <a:r>
+              <a:rPr lang="en-US" dirty="0"/>
+              <a:t>Such effects occurred in the </a:t>
+            </a:r>
+            <a:r>
+              <a:rPr lang="en-US" dirty="0">
+                <a:solidFill>
+                  <a:srgbClr val="FF0000"/>
+                </a:solidFill>
+              </a:rPr>
+              <a:t>Long- Term Capital Management </a:t>
+            </a:r>
+            <a:r>
+              <a:rPr lang="en-US" dirty="0"/>
+              <a:t>fiasco of 1998 and again in the financial crisis of 2008, in which derivatives, particularly credit default swaps, were widely used by many of the problem entities.</a:t>
+            </a:r>
+          </a:p>
+          <a:p>
+            <a:r>
+              <a:rPr lang="en-US" dirty="0"/>
+              <a:t>Some of these events </a:t>
+            </a:r>
+            <a:r>
+              <a:rPr lang="en-US" dirty="0">
+                <a:solidFill>
+                  <a:srgbClr val="FF0000"/>
+                </a:solidFill>
+              </a:rPr>
+              <a:t>preceded</a:t>
+            </a:r>
+            <a:r>
+              <a:rPr lang="en-US" dirty="0"/>
+              <a:t> the era of modern derivatives markets, and others were completely </a:t>
+            </a:r>
+            <a:r>
+              <a:rPr lang="en-US" dirty="0">
+                <a:solidFill>
+                  <a:srgbClr val="FF0000"/>
+                </a:solidFill>
+              </a:rPr>
+              <a:t>unrelated</a:t>
+            </a:r>
+            <a:r>
+              <a:rPr lang="en-US" dirty="0"/>
+              <a:t> to the use of derivatives.</a:t>
+            </a:r>
+          </a:p>
+          <a:p>
+            <a:r>
+              <a:rPr lang="en-US" dirty="0"/>
+              <a:t>Another criticism of derivatives is simply their </a:t>
+            </a:r>
+            <a:r>
+              <a:rPr lang="en-US" dirty="0">
+                <a:solidFill>
+                  <a:srgbClr val="FF0000"/>
+                </a:solidFill>
+              </a:rPr>
+              <a:t>complexity</a:t>
+            </a:r>
+            <a:r>
+              <a:rPr lang="en-US" dirty="0"/>
+              <a:t>.</a:t>
+            </a:r>
+          </a:p>
+          <a:p>
+            <a:r>
+              <a:rPr lang="en-US" dirty="0"/>
+              <a:t>One explanation probably lies in the fact that scientists create models of markets by using scientific principles that </a:t>
+            </a:r>
+            <a:r>
+              <a:rPr lang="en-US" dirty="0">
+                <a:solidFill>
+                  <a:srgbClr val="FF0000"/>
+                </a:solidFill>
+              </a:rPr>
+              <a:t>often fail</a:t>
+            </a:r>
+            <a:r>
+              <a:rPr lang="en-US" dirty="0"/>
+              <a:t>.</a:t>
+            </a:r>
+          </a:p>
+        </p:txBody>
+      </p:sp>
+    </p:spTree>
+    <p:extLst>
+      <p:ext uri="{BB962C8B-B14F-4D97-AF65-F5344CB8AC3E}">
+        <p14:creationId xmlns:p14="http://schemas.microsoft.com/office/powerpoint/2010/main" val="1948992878"/>
+      </p:ext>
+    </p:extLst>
+  </p:cSld>
+  <p:clrMapOvr>
+    <a:masterClrMapping/>
+  </p:clrMapOvr>
+</p:sld>
+</file>
+
+<file path=ppt/slides/slide62.xml><?xml version="1.0" encoding="utf-8"?>
+<p:sld xmlns:a="http://schemas.openxmlformats.org/drawingml/2006/main" xmlns:r="http://schemas.openxmlformats.org/officeDocument/2006/relationships" xmlns:p="http://schemas.openxmlformats.org/presentationml/2006/main">
+  <p:cSld>
+    <p:spTree>
+      <p:nvGrpSpPr>
+        <p:cNvPr id="1" name=""/>
+        <p:cNvGrpSpPr/>
+        <p:nvPr/>
+      </p:nvGrpSpPr>
+      <p:grpSpPr>
+        <a:xfrm>
+          <a:off x="0" y="0"/>
+          <a:ext cx="0" cy="0"/>
+          <a:chOff x="0" y="0"/>
+          <a:chExt cx="0" cy="0"/>
+        </a:xfrm>
+      </p:grpSpPr>
+      <p:sp>
+        <p:nvSpPr>
+          <p:cNvPr id="2" name="Title 1">
+            <a:extLst>
+              <a:ext uri="{FF2B5EF4-FFF2-40B4-BE49-F238E27FC236}">
                 <a16:creationId xmlns:a16="http://schemas.microsoft.com/office/drawing/2014/main" id="{553F70E7-AA33-42A6-BC63-F08FC8453BD7}"/>
               </a:ext>
             </a:extLst>
@@ -45275,7 +45592,7 @@
 </p:sld>
 </file>
 
-<file path=ppt/slides/slide61.xml><?xml version="1.0" encoding="utf-8"?>
+<file path=ppt/slides/slide63.xml><?xml version="1.0" encoding="utf-8"?>
 <p:sld xmlns:a="http://schemas.openxmlformats.org/drawingml/2006/main" xmlns:r="http://schemas.openxmlformats.org/officeDocument/2006/relationships" xmlns:p="http://schemas.openxmlformats.org/presentationml/2006/main">
   <p:cSld>
     <p:spTree>
@@ -45395,7 +45712,7 @@
 </p:sld>
 </file>
 
-<file path=ppt/slides/slide62.xml><?xml version="1.0" encoding="utf-8"?>
+<file path=ppt/slides/slide64.xml><?xml version="1.0" encoding="utf-8"?>
 <p:sld xmlns:a="http://schemas.openxmlformats.org/drawingml/2006/main" xmlns:r="http://schemas.openxmlformats.org/officeDocument/2006/relationships" xmlns:p="http://schemas.openxmlformats.org/presentationml/2006/main">
   <p:cSld>
     <p:spTree>
@@ -45492,7 +45809,7 @@
 </p:sld>
 </file>
 
-<file path=ppt/slides/slide63.xml><?xml version="1.0" encoding="utf-8"?>
+<file path=ppt/slides/slide65.xml><?xml version="1.0" encoding="utf-8"?>
 <p:sld xmlns:a="http://schemas.openxmlformats.org/drawingml/2006/main" xmlns:r="http://schemas.openxmlformats.org/officeDocument/2006/relationships" xmlns:p="http://schemas.openxmlformats.org/presentationml/2006/main">
   <p:cSld>
     <p:spTree>
@@ -45672,7 +45989,7 @@
 </p:sld>
 </file>
 
-<file path=ppt/slides/slide64.xml><?xml version="1.0" encoding="utf-8"?>
+<file path=ppt/slides/slide66.xml><?xml version="1.0" encoding="utf-8"?>
 <p:sld xmlns:a="http://schemas.openxmlformats.org/drawingml/2006/main" xmlns:r="http://schemas.openxmlformats.org/officeDocument/2006/relationships" xmlns:p="http://schemas.openxmlformats.org/presentationml/2006/main">
   <p:cSld>
     <p:spTree>
@@ -45760,7 +46077,7 @@
 </p:sld>
 </file>
 
-<file path=ppt/slides/slide65.xml><?xml version="1.0" encoding="utf-8"?>
+<file path=ppt/slides/slide67.xml><?xml version="1.0" encoding="utf-8"?>
 <p:sld xmlns:a="http://schemas.openxmlformats.org/drawingml/2006/main" xmlns:r="http://schemas.openxmlformats.org/officeDocument/2006/relationships" xmlns:p="http://schemas.openxmlformats.org/presentationml/2006/main">
   <p:cSld>
     <p:spTree>
@@ -45864,7 +46181,7 @@
 </p:sld>
 </file>
 
-<file path=ppt/slides/slide66.xml><?xml version="1.0" encoding="utf-8"?>
+<file path=ppt/slides/slide68.xml><?xml version="1.0" encoding="utf-8"?>
 <p:sld xmlns:a="http://schemas.openxmlformats.org/drawingml/2006/main" xmlns:r="http://schemas.openxmlformats.org/officeDocument/2006/relationships" xmlns:p="http://schemas.openxmlformats.org/presentationml/2006/main">
   <p:cSld>
     <p:spTree>
@@ -45971,7 +46288,7 @@
 </p:sld>
 </file>
 
-<file path=ppt/slides/slide67.xml><?xml version="1.0" encoding="utf-8"?>
+<file path=ppt/slides/slide69.xml><?xml version="1.0" encoding="utf-8"?>
 <p:sld xmlns:a="http://schemas.openxmlformats.org/drawingml/2006/main" xmlns:r="http://schemas.openxmlformats.org/officeDocument/2006/relationships" xmlns:p="http://schemas.openxmlformats.org/presentationml/2006/main">
   <p:cSld>
     <p:spTree>
@@ -46051,282 +46368,6 @@
     <p:extLst>
       <p:ext uri="{BB962C8B-B14F-4D97-AF65-F5344CB8AC3E}">
         <p14:creationId xmlns:p14="http://schemas.microsoft.com/office/powerpoint/2010/main" val="3866623829"/>
-      </p:ext>
-    </p:extLst>
-  </p:cSld>
-  <p:clrMapOvr>
-    <a:masterClrMapping/>
-  </p:clrMapOvr>
-</p:sld>
-</file>
-
-<file path=ppt/slides/slide68.xml><?xml version="1.0" encoding="utf-8"?>
-<p:sld xmlns:a="http://schemas.openxmlformats.org/drawingml/2006/main" xmlns:r="http://schemas.openxmlformats.org/officeDocument/2006/relationships" xmlns:p="http://schemas.openxmlformats.org/presentationml/2006/main">
-  <p:cSld>
-    <p:spTree>
-      <p:nvGrpSpPr>
-        <p:cNvPr id="1" name=""/>
-        <p:cNvGrpSpPr/>
-        <p:nvPr/>
-      </p:nvGrpSpPr>
-      <p:grpSpPr>
-        <a:xfrm>
-          <a:off x="0" y="0"/>
-          <a:ext cx="0" cy="0"/>
-          <a:chOff x="0" y="0"/>
-          <a:chExt cx="0" cy="0"/>
-        </a:xfrm>
-      </p:grpSpPr>
-      <p:sp>
-        <p:nvSpPr>
-          <p:cNvPr id="2" name="Title 1">
-            <a:extLst>
-              <a:ext uri="{FF2B5EF4-FFF2-40B4-BE49-F238E27FC236}">
-                <a16:creationId xmlns:a16="http://schemas.microsoft.com/office/drawing/2014/main" id="{35F38695-B7CE-4D6E-A785-C1D727736631}"/>
-              </a:ext>
-            </a:extLst>
-          </p:cNvPr>
-          <p:cNvSpPr>
-            <a:spLocks noGrp="1"/>
-          </p:cNvSpPr>
-          <p:nvPr>
-            <p:ph type="title"/>
-          </p:nvPr>
-        </p:nvSpPr>
-        <p:spPr/>
-        <p:txBody>
-          <a:bodyPr>
-            <a:normAutofit/>
-          </a:bodyPr>
-          <a:lstStyle/>
-          <a:p>
-            <a:r>
-              <a:rPr lang="en-US" sz="4000" dirty="0"/>
-              <a:t>Practices</a:t>
-            </a:r>
-          </a:p>
-        </p:txBody>
-      </p:sp>
-      <p:sp>
-        <p:nvSpPr>
-          <p:cNvPr id="3" name="Content Placeholder 2">
-            <a:extLst>
-              <a:ext uri="{FF2B5EF4-FFF2-40B4-BE49-F238E27FC236}">
-                <a16:creationId xmlns:a16="http://schemas.microsoft.com/office/drawing/2014/main" id="{BF809369-364C-494D-A422-54CB9C9C3E54}"/>
-              </a:ext>
-            </a:extLst>
-          </p:cNvPr>
-          <p:cNvSpPr>
-            <a:spLocks noGrp="1"/>
-          </p:cNvSpPr>
-          <p:nvPr>
-            <p:ph idx="1"/>
-          </p:nvPr>
-        </p:nvSpPr>
-        <p:spPr/>
-        <p:txBody>
-          <a:bodyPr>
-            <a:normAutofit/>
-          </a:bodyPr>
-          <a:lstStyle/>
-          <a:p>
-            <a:r>
-              <a:rPr lang="en-US" dirty="0"/>
-              <a:t>1 Which of the following is a result of arbitrage?</a:t>
-            </a:r>
-          </a:p>
-          <a:p>
-            <a:pPr lvl="1"/>
-            <a:r>
-              <a:rPr lang="en-US" dirty="0"/>
-              <a:t>A The law of one price</a:t>
-            </a:r>
-          </a:p>
-          <a:p>
-            <a:pPr lvl="1"/>
-            <a:r>
-              <a:rPr lang="en-US" dirty="0"/>
-              <a:t>B The law of similar prices</a:t>
-            </a:r>
-          </a:p>
-          <a:p>
-            <a:pPr lvl="1"/>
-            <a:r>
-              <a:rPr lang="en-US" dirty="0"/>
-              <a:t>C The law of limited profitability</a:t>
-            </a:r>
-          </a:p>
-          <a:p>
-            <a:r>
-              <a:rPr lang="en-US" dirty="0"/>
-              <a:t>2 When an arbitrage opportunity exists, what happens in the market?</a:t>
-            </a:r>
-          </a:p>
-          <a:p>
-            <a:pPr lvl="1"/>
-            <a:r>
-              <a:rPr lang="en-US" dirty="0"/>
-              <a:t>A The combined actions of all arbitrageurs force the prices to converge.</a:t>
-            </a:r>
-          </a:p>
-          <a:p>
-            <a:pPr lvl="1"/>
-            <a:r>
-              <a:rPr lang="en-US" dirty="0"/>
-              <a:t>B The combined actions of arbitrageurs result in a locked- limit situation.</a:t>
-            </a:r>
-          </a:p>
-          <a:p>
-            <a:pPr lvl="1"/>
-            <a:r>
-              <a:rPr lang="en-US" dirty="0"/>
-              <a:t>C The combined actions of all arbitrageurs result in sustained profits to all.</a:t>
-            </a:r>
-          </a:p>
-        </p:txBody>
-      </p:sp>
-    </p:spTree>
-    <p:extLst>
-      <p:ext uri="{BB962C8B-B14F-4D97-AF65-F5344CB8AC3E}">
-        <p14:creationId xmlns:p14="http://schemas.microsoft.com/office/powerpoint/2010/main" val="3312634249"/>
-      </p:ext>
-    </p:extLst>
-  </p:cSld>
-  <p:clrMapOvr>
-    <a:masterClrMapping/>
-  </p:clrMapOvr>
-</p:sld>
-</file>
-
-<file path=ppt/slides/slide69.xml><?xml version="1.0" encoding="utf-8"?>
-<p:sld xmlns:a="http://schemas.openxmlformats.org/drawingml/2006/main" xmlns:r="http://schemas.openxmlformats.org/officeDocument/2006/relationships" xmlns:p="http://schemas.openxmlformats.org/presentationml/2006/main">
-  <p:cSld>
-    <p:spTree>
-      <p:nvGrpSpPr>
-        <p:cNvPr id="1" name=""/>
-        <p:cNvGrpSpPr/>
-        <p:nvPr/>
-      </p:nvGrpSpPr>
-      <p:grpSpPr>
-        <a:xfrm>
-          <a:off x="0" y="0"/>
-          <a:ext cx="0" cy="0"/>
-          <a:chOff x="0" y="0"/>
-          <a:chExt cx="0" cy="0"/>
-        </a:xfrm>
-      </p:grpSpPr>
-      <p:sp>
-        <p:nvSpPr>
-          <p:cNvPr id="2" name="Title 1">
-            <a:extLst>
-              <a:ext uri="{FF2B5EF4-FFF2-40B4-BE49-F238E27FC236}">
-                <a16:creationId xmlns:a16="http://schemas.microsoft.com/office/drawing/2014/main" id="{FFCC137A-1E39-46C4-88CE-9C922D97F5F5}"/>
-              </a:ext>
-            </a:extLst>
-          </p:cNvPr>
-          <p:cNvSpPr>
-            <a:spLocks noGrp="1"/>
-          </p:cNvSpPr>
-          <p:nvPr>
-            <p:ph type="title"/>
-          </p:nvPr>
-        </p:nvSpPr>
-        <p:spPr/>
-        <p:txBody>
-          <a:bodyPr>
-            <a:normAutofit/>
-          </a:bodyPr>
-          <a:lstStyle/>
-          <a:p>
-            <a:r>
-              <a:rPr lang="en-US" sz="4000" dirty="0"/>
-              <a:t>Practices</a:t>
-            </a:r>
-          </a:p>
-        </p:txBody>
-      </p:sp>
-      <p:sp>
-        <p:nvSpPr>
-          <p:cNvPr id="3" name="Content Placeholder 2">
-            <a:extLst>
-              <a:ext uri="{FF2B5EF4-FFF2-40B4-BE49-F238E27FC236}">
-                <a16:creationId xmlns:a16="http://schemas.microsoft.com/office/drawing/2014/main" id="{62E00AED-25DB-4B87-9D94-BFC755ED3CCF}"/>
-              </a:ext>
-            </a:extLst>
-          </p:cNvPr>
-          <p:cNvSpPr>
-            <a:spLocks noGrp="1"/>
-          </p:cNvSpPr>
-          <p:nvPr>
-            <p:ph idx="1"/>
-          </p:nvPr>
-        </p:nvSpPr>
-        <p:spPr/>
-        <p:txBody>
-          <a:bodyPr>
-            <a:normAutofit/>
-          </a:bodyPr>
-          <a:lstStyle/>
-          <a:p>
-            <a:r>
-              <a:rPr lang="en-US" dirty="0"/>
-              <a:t>3 Which of the following accurately defines arbitrage?</a:t>
-            </a:r>
-          </a:p>
-          <a:p>
-            <a:pPr lvl="1"/>
-            <a:r>
-              <a:rPr lang="en-US" dirty="0"/>
-              <a:t>A An opportunity to make a profit at no risk</a:t>
-            </a:r>
-          </a:p>
-          <a:p>
-            <a:pPr lvl="1"/>
-            <a:r>
-              <a:rPr lang="en-US" dirty="0"/>
-              <a:t>B An opportunity to make a profit at no risk and with the investment of no capital</a:t>
-            </a:r>
-          </a:p>
-          <a:p>
-            <a:pPr lvl="1"/>
-            <a:r>
-              <a:rPr lang="en-US" dirty="0"/>
-              <a:t>C An opportunity to earn a return in excess of the return appropriate for the risk assumed</a:t>
-            </a:r>
-          </a:p>
-          <a:p>
-            <a:r>
-              <a:rPr lang="en-US" dirty="0"/>
-              <a:t>4 Which of the following ways best describes how arbitrage contributes to market efficiency?</a:t>
-            </a:r>
-          </a:p>
-          <a:p>
-            <a:pPr lvl="1"/>
-            <a:r>
-              <a:rPr lang="en-US" dirty="0"/>
-              <a:t>A Arbitrage penalizes those who trade too rapidly.</a:t>
-            </a:r>
-          </a:p>
-          <a:p>
-            <a:pPr lvl="1"/>
-            <a:r>
-              <a:rPr lang="en-US" dirty="0"/>
-              <a:t>B Arbitrage equalizes the risks taken by all market participants.</a:t>
-            </a:r>
-          </a:p>
-          <a:p>
-            <a:pPr lvl="1"/>
-            <a:r>
-              <a:rPr lang="en-US" dirty="0"/>
-              <a:t>C Arbitrage improves the rate at which prices converge to their relative fair values.</a:t>
-            </a:r>
-          </a:p>
-        </p:txBody>
-      </p:sp>
-    </p:spTree>
-    <p:extLst>
-      <p:ext uri="{BB962C8B-B14F-4D97-AF65-F5344CB8AC3E}">
-        <p14:creationId xmlns:p14="http://schemas.microsoft.com/office/powerpoint/2010/main" val="2203094148"/>
       </p:ext>
     </p:extLst>
   </p:cSld>
@@ -46534,6 +46575,282 @@
     <p:extLst>
       <p:ext uri="{BB962C8B-B14F-4D97-AF65-F5344CB8AC3E}">
         <p14:creationId xmlns:p14="http://schemas.microsoft.com/office/powerpoint/2010/main" val="807663133"/>
+      </p:ext>
+    </p:extLst>
+  </p:cSld>
+  <p:clrMapOvr>
+    <a:masterClrMapping/>
+  </p:clrMapOvr>
+</p:sld>
+</file>
+
+<file path=ppt/slides/slide70.xml><?xml version="1.0" encoding="utf-8"?>
+<p:sld xmlns:a="http://schemas.openxmlformats.org/drawingml/2006/main" xmlns:r="http://schemas.openxmlformats.org/officeDocument/2006/relationships" xmlns:p="http://schemas.openxmlformats.org/presentationml/2006/main">
+  <p:cSld>
+    <p:spTree>
+      <p:nvGrpSpPr>
+        <p:cNvPr id="1" name=""/>
+        <p:cNvGrpSpPr/>
+        <p:nvPr/>
+      </p:nvGrpSpPr>
+      <p:grpSpPr>
+        <a:xfrm>
+          <a:off x="0" y="0"/>
+          <a:ext cx="0" cy="0"/>
+          <a:chOff x="0" y="0"/>
+          <a:chExt cx="0" cy="0"/>
+        </a:xfrm>
+      </p:grpSpPr>
+      <p:sp>
+        <p:nvSpPr>
+          <p:cNvPr id="2" name="Title 1">
+            <a:extLst>
+              <a:ext uri="{FF2B5EF4-FFF2-40B4-BE49-F238E27FC236}">
+                <a16:creationId xmlns:a16="http://schemas.microsoft.com/office/drawing/2014/main" id="{35F38695-B7CE-4D6E-A785-C1D727736631}"/>
+              </a:ext>
+            </a:extLst>
+          </p:cNvPr>
+          <p:cNvSpPr>
+            <a:spLocks noGrp="1"/>
+          </p:cNvSpPr>
+          <p:nvPr>
+            <p:ph type="title"/>
+          </p:nvPr>
+        </p:nvSpPr>
+        <p:spPr/>
+        <p:txBody>
+          <a:bodyPr>
+            <a:normAutofit/>
+          </a:bodyPr>
+          <a:lstStyle/>
+          <a:p>
+            <a:r>
+              <a:rPr lang="en-US" sz="4000" dirty="0"/>
+              <a:t>Practices</a:t>
+            </a:r>
+          </a:p>
+        </p:txBody>
+      </p:sp>
+      <p:sp>
+        <p:nvSpPr>
+          <p:cNvPr id="3" name="Content Placeholder 2">
+            <a:extLst>
+              <a:ext uri="{FF2B5EF4-FFF2-40B4-BE49-F238E27FC236}">
+                <a16:creationId xmlns:a16="http://schemas.microsoft.com/office/drawing/2014/main" id="{BF809369-364C-494D-A422-54CB9C9C3E54}"/>
+              </a:ext>
+            </a:extLst>
+          </p:cNvPr>
+          <p:cNvSpPr>
+            <a:spLocks noGrp="1"/>
+          </p:cNvSpPr>
+          <p:nvPr>
+            <p:ph idx="1"/>
+          </p:nvPr>
+        </p:nvSpPr>
+        <p:spPr/>
+        <p:txBody>
+          <a:bodyPr>
+            <a:normAutofit/>
+          </a:bodyPr>
+          <a:lstStyle/>
+          <a:p>
+            <a:r>
+              <a:rPr lang="en-US" dirty="0"/>
+              <a:t>1 Which of the following is a result of arbitrage?</a:t>
+            </a:r>
+          </a:p>
+          <a:p>
+            <a:pPr lvl="1"/>
+            <a:r>
+              <a:rPr lang="en-US" dirty="0"/>
+              <a:t>A The law of one price</a:t>
+            </a:r>
+          </a:p>
+          <a:p>
+            <a:pPr lvl="1"/>
+            <a:r>
+              <a:rPr lang="en-US" dirty="0"/>
+              <a:t>B The law of similar prices</a:t>
+            </a:r>
+          </a:p>
+          <a:p>
+            <a:pPr lvl="1"/>
+            <a:r>
+              <a:rPr lang="en-US" dirty="0"/>
+              <a:t>C The law of limited profitability</a:t>
+            </a:r>
+          </a:p>
+          <a:p>
+            <a:r>
+              <a:rPr lang="en-US" dirty="0"/>
+              <a:t>2 When an arbitrage opportunity exists, what happens in the market?</a:t>
+            </a:r>
+          </a:p>
+          <a:p>
+            <a:pPr lvl="1"/>
+            <a:r>
+              <a:rPr lang="en-US" dirty="0"/>
+              <a:t>A The combined actions of all arbitrageurs force the prices to converge.</a:t>
+            </a:r>
+          </a:p>
+          <a:p>
+            <a:pPr lvl="1"/>
+            <a:r>
+              <a:rPr lang="en-US" dirty="0"/>
+              <a:t>B The combined actions of arbitrageurs result in a locked- limit situation.</a:t>
+            </a:r>
+          </a:p>
+          <a:p>
+            <a:pPr lvl="1"/>
+            <a:r>
+              <a:rPr lang="en-US" dirty="0"/>
+              <a:t>C The combined actions of all arbitrageurs result in sustained profits to all.</a:t>
+            </a:r>
+          </a:p>
+        </p:txBody>
+      </p:sp>
+    </p:spTree>
+    <p:extLst>
+      <p:ext uri="{BB962C8B-B14F-4D97-AF65-F5344CB8AC3E}">
+        <p14:creationId xmlns:p14="http://schemas.microsoft.com/office/powerpoint/2010/main" val="3312634249"/>
+      </p:ext>
+    </p:extLst>
+  </p:cSld>
+  <p:clrMapOvr>
+    <a:masterClrMapping/>
+  </p:clrMapOvr>
+</p:sld>
+</file>
+
+<file path=ppt/slides/slide71.xml><?xml version="1.0" encoding="utf-8"?>
+<p:sld xmlns:a="http://schemas.openxmlformats.org/drawingml/2006/main" xmlns:r="http://schemas.openxmlformats.org/officeDocument/2006/relationships" xmlns:p="http://schemas.openxmlformats.org/presentationml/2006/main">
+  <p:cSld>
+    <p:spTree>
+      <p:nvGrpSpPr>
+        <p:cNvPr id="1" name=""/>
+        <p:cNvGrpSpPr/>
+        <p:nvPr/>
+      </p:nvGrpSpPr>
+      <p:grpSpPr>
+        <a:xfrm>
+          <a:off x="0" y="0"/>
+          <a:ext cx="0" cy="0"/>
+          <a:chOff x="0" y="0"/>
+          <a:chExt cx="0" cy="0"/>
+        </a:xfrm>
+      </p:grpSpPr>
+      <p:sp>
+        <p:nvSpPr>
+          <p:cNvPr id="2" name="Title 1">
+            <a:extLst>
+              <a:ext uri="{FF2B5EF4-FFF2-40B4-BE49-F238E27FC236}">
+                <a16:creationId xmlns:a16="http://schemas.microsoft.com/office/drawing/2014/main" id="{FFCC137A-1E39-46C4-88CE-9C922D97F5F5}"/>
+              </a:ext>
+            </a:extLst>
+          </p:cNvPr>
+          <p:cNvSpPr>
+            <a:spLocks noGrp="1"/>
+          </p:cNvSpPr>
+          <p:nvPr>
+            <p:ph type="title"/>
+          </p:nvPr>
+        </p:nvSpPr>
+        <p:spPr/>
+        <p:txBody>
+          <a:bodyPr>
+            <a:normAutofit/>
+          </a:bodyPr>
+          <a:lstStyle/>
+          <a:p>
+            <a:r>
+              <a:rPr lang="en-US" sz="4000" dirty="0"/>
+              <a:t>Practices</a:t>
+            </a:r>
+          </a:p>
+        </p:txBody>
+      </p:sp>
+      <p:sp>
+        <p:nvSpPr>
+          <p:cNvPr id="3" name="Content Placeholder 2">
+            <a:extLst>
+              <a:ext uri="{FF2B5EF4-FFF2-40B4-BE49-F238E27FC236}">
+                <a16:creationId xmlns:a16="http://schemas.microsoft.com/office/drawing/2014/main" id="{62E00AED-25DB-4B87-9D94-BFC755ED3CCF}"/>
+              </a:ext>
+            </a:extLst>
+          </p:cNvPr>
+          <p:cNvSpPr>
+            <a:spLocks noGrp="1"/>
+          </p:cNvSpPr>
+          <p:nvPr>
+            <p:ph idx="1"/>
+          </p:nvPr>
+        </p:nvSpPr>
+        <p:spPr/>
+        <p:txBody>
+          <a:bodyPr>
+            <a:normAutofit/>
+          </a:bodyPr>
+          <a:lstStyle/>
+          <a:p>
+            <a:r>
+              <a:rPr lang="en-US" dirty="0"/>
+              <a:t>3 Which of the following accurately defines arbitrage?</a:t>
+            </a:r>
+          </a:p>
+          <a:p>
+            <a:pPr lvl="1"/>
+            <a:r>
+              <a:rPr lang="en-US" dirty="0"/>
+              <a:t>A An opportunity to make a profit at no risk</a:t>
+            </a:r>
+          </a:p>
+          <a:p>
+            <a:pPr lvl="1"/>
+            <a:r>
+              <a:rPr lang="en-US" dirty="0"/>
+              <a:t>B An opportunity to make a profit at no risk and with the investment of no capital</a:t>
+            </a:r>
+          </a:p>
+          <a:p>
+            <a:pPr lvl="1"/>
+            <a:r>
+              <a:rPr lang="en-US" dirty="0"/>
+              <a:t>C An opportunity to earn a return in excess of the return appropriate for the risk assumed</a:t>
+            </a:r>
+          </a:p>
+          <a:p>
+            <a:r>
+              <a:rPr lang="en-US" dirty="0"/>
+              <a:t>4 Which of the following ways best describes how arbitrage contributes to market efficiency?</a:t>
+            </a:r>
+          </a:p>
+          <a:p>
+            <a:pPr lvl="1"/>
+            <a:r>
+              <a:rPr lang="en-US" dirty="0"/>
+              <a:t>A Arbitrage penalizes those who trade too rapidly.</a:t>
+            </a:r>
+          </a:p>
+          <a:p>
+            <a:pPr lvl="1"/>
+            <a:r>
+              <a:rPr lang="en-US" dirty="0"/>
+              <a:t>B Arbitrage equalizes the risks taken by all market participants.</a:t>
+            </a:r>
+          </a:p>
+          <a:p>
+            <a:pPr lvl="1"/>
+            <a:r>
+              <a:rPr lang="en-US" dirty="0"/>
+              <a:t>C Arbitrage improves the rate at which prices converge to their relative fair values.</a:t>
+            </a:r>
+          </a:p>
+        </p:txBody>
+      </p:sp>
+    </p:spTree>
+    <p:extLst>
+      <p:ext uri="{BB962C8B-B14F-4D97-AF65-F5344CB8AC3E}">
+        <p14:creationId xmlns:p14="http://schemas.microsoft.com/office/powerpoint/2010/main" val="2203094148"/>
       </p:ext>
     </p:extLst>
   </p:cSld>

--- a/Derivatives.pptx
+++ b/Derivatives.pptx
@@ -4005,6 +4005,788 @@
     <dgm:fillClrLst meth="repeat">
       <a:schemeClr val="accent1">
         <a:tint val="60000"/>
+      </a:schemeClr>
+    </dgm:fillClrLst>
+    <dgm:linClrLst meth="repeat">
+      <a:schemeClr val="lt1"/>
+    </dgm:linClrLst>
+    <dgm:effectClrLst/>
+    <dgm:txLinClrLst/>
+    <dgm:txFillClrLst meth="repeat">
+      <a:schemeClr val="dk1"/>
+    </dgm:txFillClrLst>
+    <dgm:txEffectClrLst/>
+  </dgm:styleLbl>
+  <dgm:styleLbl name="revTx">
+    <dgm:fillClrLst meth="repeat">
+      <a:schemeClr val="lt1">
+        <a:alpha val="0"/>
+      </a:schemeClr>
+    </dgm:fillClrLst>
+    <dgm:linClrLst meth="repeat">
+      <a:schemeClr val="dk1">
+        <a:alpha val="0"/>
+      </a:schemeClr>
+    </dgm:linClrLst>
+    <dgm:effectClrLst/>
+    <dgm:txLinClrLst/>
+    <dgm:txFillClrLst meth="repeat">
+      <a:schemeClr val="tx1"/>
+    </dgm:txFillClrLst>
+    <dgm:txEffectClrLst/>
+  </dgm:styleLbl>
+</dgm:colorsDef>
+</file>
+
+<file path=ppt/diagrams/colors6.xml><?xml version="1.0" encoding="utf-8"?>
+<dgm:colorsDef xmlns:dgm="http://schemas.openxmlformats.org/drawingml/2006/diagram" xmlns:a="http://schemas.openxmlformats.org/drawingml/2006/main" uniqueId="urn:microsoft.com/office/officeart/2005/8/colors/colorful2">
+  <dgm:title val=""/>
+  <dgm:desc val=""/>
+  <dgm:catLst>
+    <dgm:cat type="colorful" pri="10200"/>
+  </dgm:catLst>
+  <dgm:styleLbl name="node0">
+    <dgm:fillClrLst meth="repeat">
+      <a:schemeClr val="accent1"/>
+    </dgm:fillClrLst>
+    <dgm:linClrLst meth="repeat">
+      <a:schemeClr val="lt1"/>
+    </dgm:linClrLst>
+    <dgm:effectClrLst/>
+    <dgm:txLinClrLst/>
+    <dgm:txFillClrLst/>
+    <dgm:txEffectClrLst/>
+  </dgm:styleLbl>
+  <dgm:styleLbl name="node1">
+    <dgm:fillClrLst>
+      <a:schemeClr val="accent2"/>
+      <a:schemeClr val="accent3"/>
+    </dgm:fillClrLst>
+    <dgm:linClrLst meth="repeat">
+      <a:schemeClr val="lt1"/>
+    </dgm:linClrLst>
+    <dgm:effectClrLst/>
+    <dgm:txLinClrLst/>
+    <dgm:txFillClrLst/>
+    <dgm:txEffectClrLst/>
+  </dgm:styleLbl>
+  <dgm:styleLbl name="alignNode1">
+    <dgm:fillClrLst>
+      <a:schemeClr val="accent2"/>
+      <a:schemeClr val="accent3"/>
+    </dgm:fillClrLst>
+    <dgm:linClrLst>
+      <a:schemeClr val="accent2"/>
+      <a:schemeClr val="accent3"/>
+    </dgm:linClrLst>
+    <dgm:effectClrLst/>
+    <dgm:txLinClrLst/>
+    <dgm:txFillClrLst/>
+    <dgm:txEffectClrLst/>
+  </dgm:styleLbl>
+  <dgm:styleLbl name="lnNode1">
+    <dgm:fillClrLst>
+      <a:schemeClr val="accent2"/>
+      <a:schemeClr val="accent3"/>
+    </dgm:fillClrLst>
+    <dgm:linClrLst meth="repeat">
+      <a:schemeClr val="lt1"/>
+    </dgm:linClrLst>
+    <dgm:effectClrLst/>
+    <dgm:txLinClrLst/>
+    <dgm:txFillClrLst/>
+    <dgm:txEffectClrLst/>
+  </dgm:styleLbl>
+  <dgm:styleLbl name="vennNode1">
+    <dgm:fillClrLst>
+      <a:schemeClr val="accent2">
+        <a:alpha val="50000"/>
+      </a:schemeClr>
+      <a:schemeClr val="accent3">
+        <a:alpha val="50000"/>
+      </a:schemeClr>
+    </dgm:fillClrLst>
+    <dgm:linClrLst meth="repeat">
+      <a:schemeClr val="lt1"/>
+    </dgm:linClrLst>
+    <dgm:effectClrLst/>
+    <dgm:txLinClrLst/>
+    <dgm:txFillClrLst/>
+    <dgm:txEffectClrLst/>
+  </dgm:styleLbl>
+  <dgm:styleLbl name="node2">
+    <dgm:fillClrLst>
+      <a:schemeClr val="accent3"/>
+    </dgm:fillClrLst>
+    <dgm:linClrLst meth="repeat">
+      <a:schemeClr val="lt1"/>
+    </dgm:linClrLst>
+    <dgm:effectClrLst/>
+    <dgm:txLinClrLst/>
+    <dgm:txFillClrLst/>
+    <dgm:txEffectClrLst/>
+  </dgm:styleLbl>
+  <dgm:styleLbl name="node3">
+    <dgm:fillClrLst>
+      <a:schemeClr val="accent4"/>
+    </dgm:fillClrLst>
+    <dgm:linClrLst meth="repeat">
+      <a:schemeClr val="lt1"/>
+    </dgm:linClrLst>
+    <dgm:effectClrLst/>
+    <dgm:txLinClrLst/>
+    <dgm:txFillClrLst/>
+    <dgm:txEffectClrLst/>
+  </dgm:styleLbl>
+  <dgm:styleLbl name="node4">
+    <dgm:fillClrLst>
+      <a:schemeClr val="accent5"/>
+    </dgm:fillClrLst>
+    <dgm:linClrLst meth="repeat">
+      <a:schemeClr val="lt1"/>
+    </dgm:linClrLst>
+    <dgm:effectClrLst/>
+    <dgm:txLinClrLst/>
+    <dgm:txFillClrLst/>
+    <dgm:txEffectClrLst/>
+  </dgm:styleLbl>
+  <dgm:styleLbl name="fgImgPlace1">
+    <dgm:fillClrLst>
+      <a:schemeClr val="accent2">
+        <a:tint val="50000"/>
+      </a:schemeClr>
+      <a:schemeClr val="accent3">
+        <a:tint val="50000"/>
+      </a:schemeClr>
+    </dgm:fillClrLst>
+    <dgm:linClrLst meth="repeat">
+      <a:schemeClr val="lt1"/>
+    </dgm:linClrLst>
+    <dgm:effectClrLst/>
+    <dgm:txLinClrLst/>
+    <dgm:txFillClrLst meth="repeat">
+      <a:schemeClr val="lt1"/>
+    </dgm:txFillClrLst>
+    <dgm:txEffectClrLst/>
+  </dgm:styleLbl>
+  <dgm:styleLbl name="alignImgPlace1">
+    <dgm:fillClrLst>
+      <a:schemeClr val="accent2">
+        <a:tint val="50000"/>
+      </a:schemeClr>
+      <a:schemeClr val="accent3">
+        <a:tint val="20000"/>
+      </a:schemeClr>
+    </dgm:fillClrLst>
+    <dgm:linClrLst meth="repeat">
+      <a:schemeClr val="lt1"/>
+    </dgm:linClrLst>
+    <dgm:effectClrLst/>
+    <dgm:txLinClrLst/>
+    <dgm:txFillClrLst meth="repeat">
+      <a:schemeClr val="lt1"/>
+    </dgm:txFillClrLst>
+    <dgm:txEffectClrLst/>
+  </dgm:styleLbl>
+  <dgm:styleLbl name="bgImgPlace1">
+    <dgm:fillClrLst>
+      <a:schemeClr val="accent2">
+        <a:tint val="50000"/>
+      </a:schemeClr>
+      <a:schemeClr val="accent3">
+        <a:tint val="20000"/>
+      </a:schemeClr>
+    </dgm:fillClrLst>
+    <dgm:linClrLst meth="repeat">
+      <a:schemeClr val="lt1"/>
+    </dgm:linClrLst>
+    <dgm:effectClrLst/>
+    <dgm:txLinClrLst/>
+    <dgm:txFillClrLst meth="repeat">
+      <a:schemeClr val="lt1"/>
+    </dgm:txFillClrLst>
+    <dgm:txEffectClrLst/>
+  </dgm:styleLbl>
+  <dgm:styleLbl name="sibTrans2D1">
+    <dgm:fillClrLst>
+      <a:schemeClr val="accent2"/>
+      <a:schemeClr val="accent3"/>
+    </dgm:fillClrLst>
+    <dgm:linClrLst meth="repeat">
+      <a:schemeClr val="lt1"/>
+    </dgm:linClrLst>
+    <dgm:effectClrLst/>
+    <dgm:txLinClrLst/>
+    <dgm:txFillClrLst/>
+    <dgm:txEffectClrLst/>
+  </dgm:styleLbl>
+  <dgm:styleLbl name="fgSibTrans2D1">
+    <dgm:fillClrLst>
+      <a:schemeClr val="accent2"/>
+      <a:schemeClr val="accent3"/>
+    </dgm:fillClrLst>
+    <dgm:linClrLst meth="repeat">
+      <a:schemeClr val="lt1"/>
+    </dgm:linClrLst>
+    <dgm:effectClrLst/>
+    <dgm:txLinClrLst/>
+    <dgm:txFillClrLst meth="repeat">
+      <a:schemeClr val="lt1"/>
+    </dgm:txFillClrLst>
+    <dgm:txEffectClrLst/>
+  </dgm:styleLbl>
+  <dgm:styleLbl name="bgSibTrans2D1">
+    <dgm:fillClrLst>
+      <a:schemeClr val="accent2"/>
+      <a:schemeClr val="accent3"/>
+    </dgm:fillClrLst>
+    <dgm:linClrLst meth="repeat">
+      <a:schemeClr val="lt1"/>
+    </dgm:linClrLst>
+    <dgm:effectClrLst/>
+    <dgm:txLinClrLst/>
+    <dgm:txFillClrLst meth="repeat">
+      <a:schemeClr val="lt1"/>
+    </dgm:txFillClrLst>
+    <dgm:txEffectClrLst/>
+  </dgm:styleLbl>
+  <dgm:styleLbl name="sibTrans1D1">
+    <dgm:fillClrLst/>
+    <dgm:linClrLst>
+      <a:schemeClr val="accent2"/>
+      <a:schemeClr val="accent3"/>
+    </dgm:linClrLst>
+    <dgm:effectClrLst/>
+    <dgm:txLinClrLst/>
+    <dgm:txFillClrLst meth="repeat">
+      <a:schemeClr val="tx1"/>
+    </dgm:txFillClrLst>
+    <dgm:txEffectClrLst/>
+  </dgm:styleLbl>
+  <dgm:styleLbl name="callout">
+    <dgm:fillClrLst meth="repeat">
+      <a:schemeClr val="accent2"/>
+    </dgm:fillClrLst>
+    <dgm:linClrLst meth="repeat">
+      <a:schemeClr val="accent2">
+        <a:tint val="50000"/>
+      </a:schemeClr>
+    </dgm:linClrLst>
+    <dgm:effectClrLst/>
+    <dgm:txLinClrLst/>
+    <dgm:txFillClrLst meth="repeat">
+      <a:schemeClr val="tx1"/>
+    </dgm:txFillClrLst>
+    <dgm:txEffectClrLst/>
+  </dgm:styleLbl>
+  <dgm:styleLbl name="asst0">
+    <dgm:fillClrLst meth="repeat">
+      <a:schemeClr val="accent2"/>
+    </dgm:fillClrLst>
+    <dgm:linClrLst meth="repeat">
+      <a:schemeClr val="lt1">
+        <a:shade val="80000"/>
+      </a:schemeClr>
+    </dgm:linClrLst>
+    <dgm:effectClrLst/>
+    <dgm:txLinClrLst/>
+    <dgm:txFillClrLst/>
+    <dgm:txEffectClrLst/>
+  </dgm:styleLbl>
+  <dgm:styleLbl name="asst1">
+    <dgm:fillClrLst meth="repeat">
+      <a:schemeClr val="accent3"/>
+    </dgm:fillClrLst>
+    <dgm:linClrLst meth="repeat">
+      <a:schemeClr val="lt1">
+        <a:shade val="80000"/>
+      </a:schemeClr>
+    </dgm:linClrLst>
+    <dgm:effectClrLst/>
+    <dgm:txLinClrLst/>
+    <dgm:txFillClrLst/>
+    <dgm:txEffectClrLst/>
+  </dgm:styleLbl>
+  <dgm:styleLbl name="asst2">
+    <dgm:fillClrLst>
+      <a:schemeClr val="accent4"/>
+    </dgm:fillClrLst>
+    <dgm:linClrLst meth="repeat">
+      <a:schemeClr val="lt1"/>
+    </dgm:linClrLst>
+    <dgm:effectClrLst/>
+    <dgm:txLinClrLst/>
+    <dgm:txFillClrLst/>
+    <dgm:txEffectClrLst/>
+  </dgm:styleLbl>
+  <dgm:styleLbl name="asst3">
+    <dgm:fillClrLst>
+      <a:schemeClr val="accent5"/>
+    </dgm:fillClrLst>
+    <dgm:linClrLst meth="repeat">
+      <a:schemeClr val="lt1"/>
+    </dgm:linClrLst>
+    <dgm:effectClrLst/>
+    <dgm:txLinClrLst/>
+    <dgm:txFillClrLst/>
+    <dgm:txEffectClrLst/>
+  </dgm:styleLbl>
+  <dgm:styleLbl name="asst4">
+    <dgm:fillClrLst>
+      <a:schemeClr val="accent6"/>
+    </dgm:fillClrLst>
+    <dgm:linClrLst meth="repeat">
+      <a:schemeClr val="lt1"/>
+    </dgm:linClrLst>
+    <dgm:effectClrLst/>
+    <dgm:txLinClrLst/>
+    <dgm:txFillClrLst/>
+    <dgm:txEffectClrLst/>
+  </dgm:styleLbl>
+  <dgm:styleLbl name="parChTrans2D1">
+    <dgm:fillClrLst meth="repeat">
+      <a:schemeClr val="accent2"/>
+    </dgm:fillClrLst>
+    <dgm:linClrLst meth="repeat">
+      <a:schemeClr val="lt1"/>
+    </dgm:linClrLst>
+    <dgm:effectClrLst/>
+    <dgm:txLinClrLst/>
+    <dgm:txFillClrLst meth="repeat">
+      <a:schemeClr val="lt1"/>
+    </dgm:txFillClrLst>
+    <dgm:txEffectClrLst/>
+  </dgm:styleLbl>
+  <dgm:styleLbl name="parChTrans2D2">
+    <dgm:fillClrLst meth="repeat">
+      <a:schemeClr val="accent3"/>
+    </dgm:fillClrLst>
+    <dgm:linClrLst meth="repeat">
+      <a:schemeClr val="lt1"/>
+    </dgm:linClrLst>
+    <dgm:effectClrLst/>
+    <dgm:txLinClrLst/>
+    <dgm:txFillClrLst/>
+    <dgm:txEffectClrLst/>
+  </dgm:styleLbl>
+  <dgm:styleLbl name="parChTrans2D3">
+    <dgm:fillClrLst meth="repeat">
+      <a:schemeClr val="accent4"/>
+    </dgm:fillClrLst>
+    <dgm:linClrLst meth="repeat">
+      <a:schemeClr val="lt1"/>
+    </dgm:linClrLst>
+    <dgm:effectClrLst/>
+    <dgm:txLinClrLst/>
+    <dgm:txFillClrLst/>
+    <dgm:txEffectClrLst/>
+  </dgm:styleLbl>
+  <dgm:styleLbl name="parChTrans2D4">
+    <dgm:fillClrLst meth="repeat">
+      <a:schemeClr val="accent5"/>
+    </dgm:fillClrLst>
+    <dgm:linClrLst meth="repeat">
+      <a:schemeClr val="lt1"/>
+    </dgm:linClrLst>
+    <dgm:effectClrLst/>
+    <dgm:txLinClrLst/>
+    <dgm:txFillClrLst meth="repeat">
+      <a:schemeClr val="lt1"/>
+    </dgm:txFillClrLst>
+    <dgm:txEffectClrLst/>
+  </dgm:styleLbl>
+  <dgm:styleLbl name="parChTrans1D1">
+    <dgm:fillClrLst meth="repeat">
+      <a:schemeClr val="accent2"/>
+    </dgm:fillClrLst>
+    <dgm:linClrLst meth="repeat">
+      <a:schemeClr val="accent2"/>
+    </dgm:linClrLst>
+    <dgm:effectClrLst/>
+    <dgm:txLinClrLst/>
+    <dgm:txFillClrLst meth="repeat">
+      <a:schemeClr val="tx1"/>
+    </dgm:txFillClrLst>
+    <dgm:txEffectClrLst/>
+  </dgm:styleLbl>
+  <dgm:styleLbl name="parChTrans1D2">
+    <dgm:fillClrLst meth="repeat">
+      <a:schemeClr val="accent2">
+        <a:tint val="90000"/>
+      </a:schemeClr>
+    </dgm:fillClrLst>
+    <dgm:linClrLst meth="repeat">
+      <a:schemeClr val="accent3"/>
+    </dgm:linClrLst>
+    <dgm:effectClrLst/>
+    <dgm:txLinClrLst/>
+    <dgm:txFillClrLst meth="repeat">
+      <a:schemeClr val="tx1"/>
+    </dgm:txFillClrLst>
+    <dgm:txEffectClrLst/>
+  </dgm:styleLbl>
+  <dgm:styleLbl name="parChTrans1D3">
+    <dgm:fillClrLst meth="repeat">
+      <a:schemeClr val="accent2">
+        <a:tint val="70000"/>
+      </a:schemeClr>
+    </dgm:fillClrLst>
+    <dgm:linClrLst meth="repeat">
+      <a:schemeClr val="accent4"/>
+    </dgm:linClrLst>
+    <dgm:effectClrLst/>
+    <dgm:txLinClrLst/>
+    <dgm:txFillClrLst meth="repeat">
+      <a:schemeClr val="tx1"/>
+    </dgm:txFillClrLst>
+    <dgm:txEffectClrLst/>
+  </dgm:styleLbl>
+  <dgm:styleLbl name="parChTrans1D4">
+    <dgm:fillClrLst meth="repeat">
+      <a:schemeClr val="accent2">
+        <a:tint val="50000"/>
+      </a:schemeClr>
+    </dgm:fillClrLst>
+    <dgm:linClrLst meth="repeat">
+      <a:schemeClr val="accent5"/>
+    </dgm:linClrLst>
+    <dgm:effectClrLst/>
+    <dgm:txLinClrLst/>
+    <dgm:txFillClrLst meth="repeat">
+      <a:schemeClr val="tx1"/>
+    </dgm:txFillClrLst>
+    <dgm:txEffectClrLst/>
+  </dgm:styleLbl>
+  <dgm:styleLbl name="fgAcc1">
+    <dgm:fillClrLst meth="repeat">
+      <a:schemeClr val="lt1">
+        <a:alpha val="90000"/>
+      </a:schemeClr>
+    </dgm:fillClrLst>
+    <dgm:linClrLst>
+      <a:schemeClr val="accent2"/>
+      <a:schemeClr val="accent3"/>
+    </dgm:linClrLst>
+    <dgm:effectClrLst/>
+    <dgm:txLinClrLst/>
+    <dgm:txFillClrLst meth="repeat">
+      <a:schemeClr val="dk1"/>
+    </dgm:txFillClrLst>
+    <dgm:txEffectClrLst/>
+  </dgm:styleLbl>
+  <dgm:styleLbl name="conFgAcc1">
+    <dgm:fillClrLst meth="repeat">
+      <a:schemeClr val="lt1">
+        <a:alpha val="90000"/>
+      </a:schemeClr>
+    </dgm:fillClrLst>
+    <dgm:linClrLst>
+      <a:schemeClr val="accent2"/>
+      <a:schemeClr val="accent3"/>
+    </dgm:linClrLst>
+    <dgm:effectClrLst/>
+    <dgm:txLinClrLst/>
+    <dgm:txFillClrLst meth="repeat">
+      <a:schemeClr val="dk1"/>
+    </dgm:txFillClrLst>
+    <dgm:txEffectClrLst/>
+  </dgm:styleLbl>
+  <dgm:styleLbl name="alignAcc1">
+    <dgm:fillClrLst meth="repeat">
+      <a:schemeClr val="lt1">
+        <a:alpha val="90000"/>
+      </a:schemeClr>
+    </dgm:fillClrLst>
+    <dgm:linClrLst>
+      <a:schemeClr val="accent2"/>
+      <a:schemeClr val="accent3"/>
+    </dgm:linClrLst>
+    <dgm:effectClrLst/>
+    <dgm:txLinClrLst/>
+    <dgm:txFillClrLst meth="repeat">
+      <a:schemeClr val="dk1"/>
+    </dgm:txFillClrLst>
+    <dgm:txEffectClrLst/>
+  </dgm:styleLbl>
+  <dgm:styleLbl name="trAlignAcc1">
+    <dgm:fillClrLst meth="repeat">
+      <a:schemeClr val="lt1">
+        <a:alpha val="40000"/>
+      </a:schemeClr>
+    </dgm:fillClrLst>
+    <dgm:linClrLst meth="repeat">
+      <a:schemeClr val="accent2"/>
+    </dgm:linClrLst>
+    <dgm:effectClrLst/>
+    <dgm:txLinClrLst/>
+    <dgm:txFillClrLst meth="repeat">
+      <a:schemeClr val="dk1"/>
+    </dgm:txFillClrLst>
+    <dgm:txEffectClrLst/>
+  </dgm:styleLbl>
+  <dgm:styleLbl name="bgAcc1">
+    <dgm:fillClrLst meth="repeat">
+      <a:schemeClr val="lt1">
+        <a:alpha val="90000"/>
+      </a:schemeClr>
+    </dgm:fillClrLst>
+    <dgm:linClrLst>
+      <a:schemeClr val="accent2"/>
+      <a:schemeClr val="accent3"/>
+    </dgm:linClrLst>
+    <dgm:effectClrLst/>
+    <dgm:txLinClrLst/>
+    <dgm:txFillClrLst meth="repeat">
+      <a:schemeClr val="dk1"/>
+    </dgm:txFillClrLst>
+    <dgm:txEffectClrLst/>
+  </dgm:styleLbl>
+  <dgm:styleLbl name="solidFgAcc1">
+    <dgm:fillClrLst meth="repeat">
+      <a:schemeClr val="lt1"/>
+    </dgm:fillClrLst>
+    <dgm:linClrLst>
+      <a:schemeClr val="accent2"/>
+      <a:schemeClr val="accent3"/>
+    </dgm:linClrLst>
+    <dgm:effectClrLst/>
+    <dgm:txLinClrLst/>
+    <dgm:txFillClrLst meth="repeat">
+      <a:schemeClr val="dk1"/>
+    </dgm:txFillClrLst>
+    <dgm:txEffectClrLst/>
+  </dgm:styleLbl>
+  <dgm:styleLbl name="solidAlignAcc1">
+    <dgm:fillClrLst meth="repeat">
+      <a:schemeClr val="lt1"/>
+    </dgm:fillClrLst>
+    <dgm:linClrLst>
+      <a:schemeClr val="accent2"/>
+      <a:schemeClr val="accent3"/>
+    </dgm:linClrLst>
+    <dgm:effectClrLst/>
+    <dgm:txLinClrLst/>
+    <dgm:txFillClrLst meth="repeat">
+      <a:schemeClr val="dk1"/>
+    </dgm:txFillClrLst>
+    <dgm:txEffectClrLst/>
+  </dgm:styleLbl>
+  <dgm:styleLbl name="solidBgAcc1">
+    <dgm:fillClrLst meth="repeat">
+      <a:schemeClr val="lt1"/>
+    </dgm:fillClrLst>
+    <dgm:linClrLst>
+      <a:schemeClr val="accent2"/>
+      <a:schemeClr val="accent3"/>
+    </dgm:linClrLst>
+    <dgm:effectClrLst/>
+    <dgm:txLinClrLst/>
+    <dgm:txFillClrLst meth="repeat">
+      <a:schemeClr val="dk1"/>
+    </dgm:txFillClrLst>
+    <dgm:txEffectClrLst/>
+  </dgm:styleLbl>
+  <dgm:styleLbl name="fgAccFollowNode1">
+    <dgm:fillClrLst>
+      <a:schemeClr val="accent2">
+        <a:tint val="40000"/>
+        <a:alpha val="90000"/>
+      </a:schemeClr>
+      <a:schemeClr val="accent3">
+        <a:tint val="40000"/>
+        <a:alpha val="90000"/>
+      </a:schemeClr>
+    </dgm:fillClrLst>
+    <dgm:linClrLst>
+      <a:schemeClr val="accent2">
+        <a:tint val="40000"/>
+        <a:alpha val="90000"/>
+      </a:schemeClr>
+      <a:schemeClr val="accent3">
+        <a:tint val="40000"/>
+        <a:alpha val="90000"/>
+      </a:schemeClr>
+    </dgm:linClrLst>
+    <dgm:effectClrLst/>
+    <dgm:txLinClrLst/>
+    <dgm:txFillClrLst meth="repeat">
+      <a:schemeClr val="dk1"/>
+    </dgm:txFillClrLst>
+    <dgm:txEffectClrLst/>
+  </dgm:styleLbl>
+  <dgm:styleLbl name="alignAccFollowNode1">
+    <dgm:fillClrLst>
+      <a:schemeClr val="accent2">
+        <a:tint val="40000"/>
+        <a:alpha val="90000"/>
+      </a:schemeClr>
+      <a:schemeClr val="accent3">
+        <a:tint val="40000"/>
+        <a:alpha val="90000"/>
+      </a:schemeClr>
+    </dgm:fillClrLst>
+    <dgm:linClrLst>
+      <a:schemeClr val="accent2">
+        <a:tint val="40000"/>
+        <a:alpha val="90000"/>
+      </a:schemeClr>
+      <a:schemeClr val="accent3">
+        <a:tint val="40000"/>
+        <a:alpha val="90000"/>
+      </a:schemeClr>
+    </dgm:linClrLst>
+    <dgm:effectClrLst/>
+    <dgm:txLinClrLst/>
+    <dgm:txFillClrLst meth="repeat">
+      <a:schemeClr val="dk1"/>
+    </dgm:txFillClrLst>
+    <dgm:txEffectClrLst/>
+  </dgm:styleLbl>
+  <dgm:styleLbl name="bgAccFollowNode1">
+    <dgm:fillClrLst>
+      <a:schemeClr val="accent2">
+        <a:tint val="40000"/>
+        <a:alpha val="90000"/>
+      </a:schemeClr>
+      <a:schemeClr val="accent3">
+        <a:tint val="40000"/>
+        <a:alpha val="90000"/>
+      </a:schemeClr>
+    </dgm:fillClrLst>
+    <dgm:linClrLst>
+      <a:schemeClr val="accent2">
+        <a:tint val="40000"/>
+        <a:alpha val="90000"/>
+      </a:schemeClr>
+      <a:schemeClr val="accent3">
+        <a:tint val="40000"/>
+        <a:alpha val="90000"/>
+      </a:schemeClr>
+    </dgm:linClrLst>
+    <dgm:effectClrLst/>
+    <dgm:txLinClrLst/>
+    <dgm:txFillClrLst meth="repeat">
+      <a:schemeClr val="dk1"/>
+    </dgm:txFillClrLst>
+    <dgm:txEffectClrLst/>
+  </dgm:styleLbl>
+  <dgm:styleLbl name="fgAcc0">
+    <dgm:fillClrLst meth="repeat">
+      <a:schemeClr val="lt1">
+        <a:alpha val="90000"/>
+      </a:schemeClr>
+    </dgm:fillClrLst>
+    <dgm:linClrLst>
+      <a:schemeClr val="accent1"/>
+    </dgm:linClrLst>
+    <dgm:effectClrLst/>
+    <dgm:txLinClrLst/>
+    <dgm:txFillClrLst meth="repeat">
+      <a:schemeClr val="dk1"/>
+    </dgm:txFillClrLst>
+    <dgm:txEffectClrLst/>
+  </dgm:styleLbl>
+  <dgm:styleLbl name="fgAcc2">
+    <dgm:fillClrLst meth="repeat">
+      <a:schemeClr val="lt1">
+        <a:alpha val="90000"/>
+      </a:schemeClr>
+    </dgm:fillClrLst>
+    <dgm:linClrLst>
+      <a:schemeClr val="accent3"/>
+    </dgm:linClrLst>
+    <dgm:effectClrLst/>
+    <dgm:txLinClrLst/>
+    <dgm:txFillClrLst meth="repeat">
+      <a:schemeClr val="dk1"/>
+    </dgm:txFillClrLst>
+    <dgm:txEffectClrLst/>
+  </dgm:styleLbl>
+  <dgm:styleLbl name="fgAcc3">
+    <dgm:fillClrLst meth="repeat">
+      <a:schemeClr val="lt1">
+        <a:alpha val="90000"/>
+      </a:schemeClr>
+    </dgm:fillClrLst>
+    <dgm:linClrLst>
+      <a:schemeClr val="accent4"/>
+    </dgm:linClrLst>
+    <dgm:effectClrLst/>
+    <dgm:txLinClrLst/>
+    <dgm:txFillClrLst meth="repeat">
+      <a:schemeClr val="dk1"/>
+    </dgm:txFillClrLst>
+    <dgm:txEffectClrLst/>
+  </dgm:styleLbl>
+  <dgm:styleLbl name="fgAcc4">
+    <dgm:fillClrLst meth="repeat">
+      <a:schemeClr val="lt1">
+        <a:alpha val="90000"/>
+      </a:schemeClr>
+    </dgm:fillClrLst>
+    <dgm:linClrLst>
+      <a:schemeClr val="accent5"/>
+    </dgm:linClrLst>
+    <dgm:effectClrLst/>
+    <dgm:txLinClrLst/>
+    <dgm:txFillClrLst meth="repeat">
+      <a:schemeClr val="dk1"/>
+    </dgm:txFillClrLst>
+    <dgm:txEffectClrLst/>
+  </dgm:styleLbl>
+  <dgm:styleLbl name="bgShp">
+    <dgm:fillClrLst meth="repeat">
+      <a:schemeClr val="accent2">
+        <a:tint val="40000"/>
+      </a:schemeClr>
+    </dgm:fillClrLst>
+    <dgm:linClrLst meth="repeat">
+      <a:schemeClr val="dk1"/>
+    </dgm:linClrLst>
+    <dgm:effectClrLst/>
+    <dgm:txLinClrLst/>
+    <dgm:txFillClrLst meth="repeat">
+      <a:schemeClr val="dk1"/>
+    </dgm:txFillClrLst>
+    <dgm:txEffectClrLst/>
+  </dgm:styleLbl>
+  <dgm:styleLbl name="dkBgShp">
+    <dgm:fillClrLst meth="repeat">
+      <a:schemeClr val="accent2">
+        <a:shade val="90000"/>
+      </a:schemeClr>
+    </dgm:fillClrLst>
+    <dgm:linClrLst meth="repeat">
+      <a:schemeClr val="dk1"/>
+    </dgm:linClrLst>
+    <dgm:effectClrLst/>
+    <dgm:txLinClrLst/>
+    <dgm:txFillClrLst meth="repeat">
+      <a:schemeClr val="lt1"/>
+    </dgm:txFillClrLst>
+    <dgm:txEffectClrLst/>
+  </dgm:styleLbl>
+  <dgm:styleLbl name="trBgShp">
+    <dgm:fillClrLst meth="repeat">
+      <a:schemeClr val="accent2">
+        <a:tint val="50000"/>
+        <a:alpha val="40000"/>
+      </a:schemeClr>
+    </dgm:fillClrLst>
+    <dgm:linClrLst meth="repeat">
+      <a:schemeClr val="accent2"/>
+    </dgm:linClrLst>
+    <dgm:effectClrLst/>
+    <dgm:txLinClrLst/>
+    <dgm:txFillClrLst meth="repeat">
+      <a:schemeClr val="lt1"/>
+    </dgm:txFillClrLst>
+    <dgm:txEffectClrLst/>
+  </dgm:styleLbl>
+  <dgm:styleLbl name="fgShp">
+    <dgm:fillClrLst meth="repeat">
+      <a:schemeClr val="accent2">
+        <a:tint val="40000"/>
       </a:schemeClr>
     </dgm:fillClrLst>
     <dgm:linClrLst meth="repeat">
@@ -5752,6 +6534,417 @@
     <dgm:cxn modelId="{74415844-A81D-6749-8360-ECB25F3FF792}" type="presParOf" srcId="{84B47712-FD26-CC49-879F-0F7CAD434D73}" destId="{CB965484-A3E5-734B-BFA5-B5C2C3DB243C}" srcOrd="7" destOrd="0" presId="urn:microsoft.com/office/officeart/2008/layout/LinedList"/>
     <dgm:cxn modelId="{702404BC-9EE2-CF48-89F4-391F2FD48BF5}" type="presParOf" srcId="{CB965484-A3E5-734B-BFA5-B5C2C3DB243C}" destId="{1D8084A1-529C-284C-949D-7A4361452083}" srcOrd="0" destOrd="0" presId="urn:microsoft.com/office/officeart/2008/layout/LinedList"/>
     <dgm:cxn modelId="{6F3949F2-CAFF-A342-99C1-14EC46D1E20D}" type="presParOf" srcId="{CB965484-A3E5-734B-BFA5-B5C2C3DB243C}" destId="{2E9DD721-A7AD-CA41-A166-61DC44EBBB85}" srcOrd="1" destOrd="0" presId="urn:microsoft.com/office/officeart/2008/layout/LinedList"/>
+  </dgm:cxnLst>
+  <dgm:bg/>
+  <dgm:whole/>
+  <dgm:extLst>
+    <a:ext uri="http://schemas.microsoft.com/office/drawing/2008/diagram">
+      <dsp:dataModelExt xmlns:dsp="http://schemas.microsoft.com/office/drawing/2008/diagram" relId="rId6" minVer="http://schemas.openxmlformats.org/drawingml/2006/diagram"/>
+    </a:ext>
+  </dgm:extLst>
+</dgm:dataModel>
+</file>
+
+<file path=ppt/diagrams/data6.xml><?xml version="1.0" encoding="utf-8"?>
+<dgm:dataModel xmlns:dgm="http://schemas.openxmlformats.org/drawingml/2006/diagram" xmlns:a="http://schemas.openxmlformats.org/drawingml/2006/main">
+  <dgm:ptLst>
+    <dgm:pt modelId="{FBB0296E-7212-478B-9E68-3C8F25BEAFA8}" type="doc">
+      <dgm:prSet loTypeId="urn:microsoft.com/office/officeart/2005/8/layout/vList2" loCatId="list" qsTypeId="urn:microsoft.com/office/officeart/2005/8/quickstyle/simple1" qsCatId="simple" csTypeId="urn:microsoft.com/office/officeart/2005/8/colors/colorful2" csCatId="colorful"/>
+      <dgm:spPr/>
+      <dgm:t>
+        <a:bodyPr/>
+        <a:lstStyle/>
+        <a:p>
+          <a:endParaRPr lang="en-US"/>
+        </a:p>
+      </dgm:t>
+    </dgm:pt>
+    <dgm:pt modelId="{527B0F91-877D-49AD-916C-EF3536788A84}">
+      <dgm:prSet/>
+      <dgm:spPr/>
+      <dgm:t>
+        <a:bodyPr/>
+        <a:lstStyle/>
+        <a:p>
+          <a:r>
+            <a:rPr lang="en-US"/>
+            <a:t>1.Which of the following characterizes forward contracts and swaps but </a:t>
+          </a:r>
+          <a:r>
+            <a:rPr lang="en-US" b="1"/>
+            <a:t>not </a:t>
+          </a:r>
+          <a:r>
+            <a:rPr lang="en-US"/>
+            <a:t>futures?</a:t>
+          </a:r>
+        </a:p>
+      </dgm:t>
+    </dgm:pt>
+    <dgm:pt modelId="{AE9BD099-53AE-49DA-B39F-5368CD3C9156}" type="parTrans" cxnId="{7201E227-F787-4256-8118-FA39A7F03403}">
+      <dgm:prSet/>
+      <dgm:spPr/>
+      <dgm:t>
+        <a:bodyPr/>
+        <a:lstStyle/>
+        <a:p>
+          <a:endParaRPr lang="en-US"/>
+        </a:p>
+      </dgm:t>
+    </dgm:pt>
+    <dgm:pt modelId="{5AFDD6CE-8A84-4CB1-9B57-AF968091646A}" type="sibTrans" cxnId="{7201E227-F787-4256-8118-FA39A7F03403}">
+      <dgm:prSet/>
+      <dgm:spPr/>
+      <dgm:t>
+        <a:bodyPr/>
+        <a:lstStyle/>
+        <a:p>
+          <a:endParaRPr lang="en-US"/>
+        </a:p>
+      </dgm:t>
+    </dgm:pt>
+    <dgm:pt modelId="{D8649B81-5AE8-409B-BA8B-7BB125384DFE}">
+      <dgm:prSet/>
+      <dgm:spPr/>
+      <dgm:t>
+        <a:bodyPr/>
+        <a:lstStyle/>
+        <a:p>
+          <a:r>
+            <a:rPr lang="en-US" b="1"/>
+            <a:t>A </a:t>
+          </a:r>
+          <a:r>
+            <a:rPr lang="en-US"/>
+            <a:t>They are customized.</a:t>
+          </a:r>
+        </a:p>
+      </dgm:t>
+    </dgm:pt>
+    <dgm:pt modelId="{7EC6AEEF-CA79-4750-9ED3-30B91DC4DE04}" type="parTrans" cxnId="{E849DFD0-B8F9-4A52-A0BC-12DA66D640A8}">
+      <dgm:prSet/>
+      <dgm:spPr/>
+      <dgm:t>
+        <a:bodyPr/>
+        <a:lstStyle/>
+        <a:p>
+          <a:endParaRPr lang="en-US"/>
+        </a:p>
+      </dgm:t>
+    </dgm:pt>
+    <dgm:pt modelId="{D8BF16FF-2921-4871-9DAC-B1AEF6788A88}" type="sibTrans" cxnId="{E849DFD0-B8F9-4A52-A0BC-12DA66D640A8}">
+      <dgm:prSet/>
+      <dgm:spPr/>
+      <dgm:t>
+        <a:bodyPr/>
+        <a:lstStyle/>
+        <a:p>
+          <a:endParaRPr lang="en-US"/>
+        </a:p>
+      </dgm:t>
+    </dgm:pt>
+    <dgm:pt modelId="{B7819002-23DC-4F69-8064-59D7B1498B22}">
+      <dgm:prSet/>
+      <dgm:spPr/>
+      <dgm:t>
+        <a:bodyPr/>
+        <a:lstStyle/>
+        <a:p>
+          <a:r>
+            <a:rPr lang="en-US" b="1"/>
+            <a:t>B </a:t>
+          </a:r>
+          <a:r>
+            <a:rPr lang="en-US"/>
+            <a:t>They are subject to daily price limits.</a:t>
+          </a:r>
+        </a:p>
+      </dgm:t>
+    </dgm:pt>
+    <dgm:pt modelId="{0DF56D08-AD65-463B-A440-AFE70396433C}" type="parTrans" cxnId="{F18E4C09-69B6-493B-8E5A-0A50B9E0D02A}">
+      <dgm:prSet/>
+      <dgm:spPr/>
+      <dgm:t>
+        <a:bodyPr/>
+        <a:lstStyle/>
+        <a:p>
+          <a:endParaRPr lang="en-US"/>
+        </a:p>
+      </dgm:t>
+    </dgm:pt>
+    <dgm:pt modelId="{43CB7CA6-26FA-461B-9556-97CFF853A5AF}" type="sibTrans" cxnId="{F18E4C09-69B6-493B-8E5A-0A50B9E0D02A}">
+      <dgm:prSet/>
+      <dgm:spPr/>
+      <dgm:t>
+        <a:bodyPr/>
+        <a:lstStyle/>
+        <a:p>
+          <a:endParaRPr lang="en-US"/>
+        </a:p>
+      </dgm:t>
+    </dgm:pt>
+    <dgm:pt modelId="{FCAAA9BA-9FDC-4E1B-8591-09E6DCC5F69D}">
+      <dgm:prSet/>
+      <dgm:spPr/>
+      <dgm:t>
+        <a:bodyPr/>
+        <a:lstStyle/>
+        <a:p>
+          <a:r>
+            <a:rPr lang="en-US" b="1"/>
+            <a:t>C </a:t>
+          </a:r>
+          <a:r>
+            <a:rPr lang="en-US"/>
+            <a:t>Their payoffs are received on a daily basis.</a:t>
+          </a:r>
+        </a:p>
+      </dgm:t>
+    </dgm:pt>
+    <dgm:pt modelId="{5C17375E-A2FE-4D17-B55E-AD2C8A0FC726}" type="parTrans" cxnId="{B31287D5-473B-4485-A2C6-8D969D240FDD}">
+      <dgm:prSet/>
+      <dgm:spPr/>
+      <dgm:t>
+        <a:bodyPr/>
+        <a:lstStyle/>
+        <a:p>
+          <a:endParaRPr lang="en-US"/>
+        </a:p>
+      </dgm:t>
+    </dgm:pt>
+    <dgm:pt modelId="{6BD9A85B-1AFE-42EB-A791-E37889635EC2}" type="sibTrans" cxnId="{B31287D5-473B-4485-A2C6-8D969D240FDD}">
+      <dgm:prSet/>
+      <dgm:spPr/>
+      <dgm:t>
+        <a:bodyPr/>
+        <a:lstStyle/>
+        <a:p>
+          <a:endParaRPr lang="en-US"/>
+        </a:p>
+      </dgm:t>
+    </dgm:pt>
+    <dgm:pt modelId="{65596D37-E1CB-4A03-8D5A-444FC6F72285}">
+      <dgm:prSet/>
+      <dgm:spPr/>
+      <dgm:t>
+        <a:bodyPr/>
+        <a:lstStyle/>
+        <a:p>
+          <a:r>
+            <a:rPr lang="en-US"/>
+            <a:t>2.Which of the following distinguishes forwards from swaps?</a:t>
+          </a:r>
+        </a:p>
+      </dgm:t>
+    </dgm:pt>
+    <dgm:pt modelId="{BAE7DC3E-4C9B-43BD-9964-8A82D6767740}" type="parTrans" cxnId="{F9BC2E1C-694E-406F-A9B9-F299FB39B3C1}">
+      <dgm:prSet/>
+      <dgm:spPr/>
+      <dgm:t>
+        <a:bodyPr/>
+        <a:lstStyle/>
+        <a:p>
+          <a:endParaRPr lang="en-US"/>
+        </a:p>
+      </dgm:t>
+    </dgm:pt>
+    <dgm:pt modelId="{CC784F8D-C9CD-444E-A5CA-77ECC481D6BA}" type="sibTrans" cxnId="{F9BC2E1C-694E-406F-A9B9-F299FB39B3C1}">
+      <dgm:prSet/>
+      <dgm:spPr/>
+      <dgm:t>
+        <a:bodyPr/>
+        <a:lstStyle/>
+        <a:p>
+          <a:endParaRPr lang="en-US"/>
+        </a:p>
+      </dgm:t>
+    </dgm:pt>
+    <dgm:pt modelId="{39F0B295-D897-4E53-80F8-AF172D73D48B}">
+      <dgm:prSet/>
+      <dgm:spPr/>
+      <dgm:t>
+        <a:bodyPr/>
+        <a:lstStyle/>
+        <a:p>
+          <a:r>
+            <a:rPr lang="en-US" b="1"/>
+            <a:t>A </a:t>
+          </a:r>
+          <a:r>
+            <a:rPr lang="en-US"/>
+            <a:t>Forwards are OTC instruments, whereas swaps are exchange traded.</a:t>
+          </a:r>
+        </a:p>
+      </dgm:t>
+    </dgm:pt>
+    <dgm:pt modelId="{19D4D583-836D-476C-92DE-49A3F302BA11}" type="parTrans" cxnId="{82C6FF59-B1FA-4B06-B8D4-0161AA8B793F}">
+      <dgm:prSet/>
+      <dgm:spPr/>
+      <dgm:t>
+        <a:bodyPr/>
+        <a:lstStyle/>
+        <a:p>
+          <a:endParaRPr lang="en-US"/>
+        </a:p>
+      </dgm:t>
+    </dgm:pt>
+    <dgm:pt modelId="{F8E4AA6D-BA77-44AA-9A33-1B4A1BE4F739}" type="sibTrans" cxnId="{82C6FF59-B1FA-4B06-B8D4-0161AA8B793F}">
+      <dgm:prSet/>
+      <dgm:spPr/>
+      <dgm:t>
+        <a:bodyPr/>
+        <a:lstStyle/>
+        <a:p>
+          <a:endParaRPr lang="en-US"/>
+        </a:p>
+      </dgm:t>
+    </dgm:pt>
+    <dgm:pt modelId="{AF029C49-331A-4D7A-AD92-52F0E74C6F09}">
+      <dgm:prSet/>
+      <dgm:spPr/>
+      <dgm:t>
+        <a:bodyPr/>
+        <a:lstStyle/>
+        <a:p>
+          <a:r>
+            <a:rPr lang="en-US" b="1"/>
+            <a:t>B </a:t>
+          </a:r>
+          <a:r>
+            <a:rPr lang="en-US"/>
+            <a:t>Forwards are regulated as futures, whereas swaps are regulated as securities.</a:t>
+          </a:r>
+        </a:p>
+      </dgm:t>
+    </dgm:pt>
+    <dgm:pt modelId="{69D7AE62-6DFE-4984-8205-A32FCA2F2DCD}" type="parTrans" cxnId="{8F334B9B-2FEF-4205-B79B-F9DBD54673EC}">
+      <dgm:prSet/>
+      <dgm:spPr/>
+      <dgm:t>
+        <a:bodyPr/>
+        <a:lstStyle/>
+        <a:p>
+          <a:endParaRPr lang="en-US"/>
+        </a:p>
+      </dgm:t>
+    </dgm:pt>
+    <dgm:pt modelId="{E2BDE811-A1AE-4664-9046-AB50CC6F993C}" type="sibTrans" cxnId="{8F334B9B-2FEF-4205-B79B-F9DBD54673EC}">
+      <dgm:prSet/>
+      <dgm:spPr/>
+      <dgm:t>
+        <a:bodyPr/>
+        <a:lstStyle/>
+        <a:p>
+          <a:endParaRPr lang="en-US"/>
+        </a:p>
+      </dgm:t>
+    </dgm:pt>
+    <dgm:pt modelId="{8C623E95-5A40-4089-B075-3D3566D55E48}">
+      <dgm:prSet/>
+      <dgm:spPr/>
+      <dgm:t>
+        <a:bodyPr/>
+        <a:lstStyle/>
+        <a:p>
+          <a:r>
+            <a:rPr lang="en-US" b="1"/>
+            <a:t>C </a:t>
+          </a:r>
+          <a:r>
+            <a:rPr lang="en-US"/>
+            <a:t>Swaps have multiple payments, whereas forwards have only a single payment.</a:t>
+          </a:r>
+        </a:p>
+      </dgm:t>
+    </dgm:pt>
+    <dgm:pt modelId="{C0175C0E-A3B8-4864-BE4A-457CD6456174}" type="parTrans" cxnId="{993A63F6-D1D8-4BD1-9CAE-06A94980254C}">
+      <dgm:prSet/>
+      <dgm:spPr/>
+      <dgm:t>
+        <a:bodyPr/>
+        <a:lstStyle/>
+        <a:p>
+          <a:endParaRPr lang="en-US"/>
+        </a:p>
+      </dgm:t>
+    </dgm:pt>
+    <dgm:pt modelId="{D7797197-CDE2-469F-8F30-E6AF69BBE596}" type="sibTrans" cxnId="{993A63F6-D1D8-4BD1-9CAE-06A94980254C}">
+      <dgm:prSet/>
+      <dgm:spPr/>
+      <dgm:t>
+        <a:bodyPr/>
+        <a:lstStyle/>
+        <a:p>
+          <a:endParaRPr lang="en-US"/>
+        </a:p>
+      </dgm:t>
+    </dgm:pt>
+    <dgm:pt modelId="{AFD19139-385F-F847-AC6C-EB8D632B1914}" type="pres">
+      <dgm:prSet presAssocID="{FBB0296E-7212-478B-9E68-3C8F25BEAFA8}" presName="linear" presStyleCnt="0">
+        <dgm:presLayoutVars>
+          <dgm:animLvl val="lvl"/>
+          <dgm:resizeHandles val="exact"/>
+        </dgm:presLayoutVars>
+      </dgm:prSet>
+      <dgm:spPr/>
+    </dgm:pt>
+    <dgm:pt modelId="{747060F3-FDCA-EA43-A3F9-0786C1EAD75B}" type="pres">
+      <dgm:prSet presAssocID="{527B0F91-877D-49AD-916C-EF3536788A84}" presName="parentText" presStyleLbl="node1" presStyleIdx="0" presStyleCnt="2">
+        <dgm:presLayoutVars>
+          <dgm:chMax val="0"/>
+          <dgm:bulletEnabled val="1"/>
+        </dgm:presLayoutVars>
+      </dgm:prSet>
+      <dgm:spPr/>
+    </dgm:pt>
+    <dgm:pt modelId="{AF402BFF-BA0D-7342-8DA8-20FBB769EC1F}" type="pres">
+      <dgm:prSet presAssocID="{527B0F91-877D-49AD-916C-EF3536788A84}" presName="childText" presStyleLbl="revTx" presStyleIdx="0" presStyleCnt="2">
+        <dgm:presLayoutVars>
+          <dgm:bulletEnabled val="1"/>
+        </dgm:presLayoutVars>
+      </dgm:prSet>
+      <dgm:spPr/>
+    </dgm:pt>
+    <dgm:pt modelId="{CE121D11-52D8-EE4E-A283-BB34035B0E62}" type="pres">
+      <dgm:prSet presAssocID="{65596D37-E1CB-4A03-8D5A-444FC6F72285}" presName="parentText" presStyleLbl="node1" presStyleIdx="1" presStyleCnt="2">
+        <dgm:presLayoutVars>
+          <dgm:chMax val="0"/>
+          <dgm:bulletEnabled val="1"/>
+        </dgm:presLayoutVars>
+      </dgm:prSet>
+      <dgm:spPr/>
+    </dgm:pt>
+    <dgm:pt modelId="{30B22EB0-7959-E34E-B9B2-274B912F380E}" type="pres">
+      <dgm:prSet presAssocID="{65596D37-E1CB-4A03-8D5A-444FC6F72285}" presName="childText" presStyleLbl="revTx" presStyleIdx="1" presStyleCnt="2">
+        <dgm:presLayoutVars>
+          <dgm:bulletEnabled val="1"/>
+        </dgm:presLayoutVars>
+      </dgm:prSet>
+      <dgm:spPr/>
+    </dgm:pt>
+  </dgm:ptLst>
+  <dgm:cxnLst>
+    <dgm:cxn modelId="{F18E4C09-69B6-493B-8E5A-0A50B9E0D02A}" srcId="{527B0F91-877D-49AD-916C-EF3536788A84}" destId="{B7819002-23DC-4F69-8064-59D7B1498B22}" srcOrd="1" destOrd="0" parTransId="{0DF56D08-AD65-463B-A440-AFE70396433C}" sibTransId="{43CB7CA6-26FA-461B-9556-97CFF853A5AF}"/>
+    <dgm:cxn modelId="{F9BC2E1C-694E-406F-A9B9-F299FB39B3C1}" srcId="{FBB0296E-7212-478B-9E68-3C8F25BEAFA8}" destId="{65596D37-E1CB-4A03-8D5A-444FC6F72285}" srcOrd="1" destOrd="0" parTransId="{BAE7DC3E-4C9B-43BD-9964-8A82D6767740}" sibTransId="{CC784F8D-C9CD-444E-A5CA-77ECC481D6BA}"/>
+    <dgm:cxn modelId="{7201E227-F787-4256-8118-FA39A7F03403}" srcId="{FBB0296E-7212-478B-9E68-3C8F25BEAFA8}" destId="{527B0F91-877D-49AD-916C-EF3536788A84}" srcOrd="0" destOrd="0" parTransId="{AE9BD099-53AE-49DA-B39F-5368CD3C9156}" sibTransId="{5AFDD6CE-8A84-4CB1-9B57-AF968091646A}"/>
+    <dgm:cxn modelId="{EDDD493A-0D5D-A148-BA36-95DF885A5414}" type="presOf" srcId="{D8649B81-5AE8-409B-BA8B-7BB125384DFE}" destId="{AF402BFF-BA0D-7342-8DA8-20FBB769EC1F}" srcOrd="0" destOrd="0" presId="urn:microsoft.com/office/officeart/2005/8/layout/vList2"/>
+    <dgm:cxn modelId="{A6562041-32EA-A14E-97B8-67C4BADA2C50}" type="presOf" srcId="{527B0F91-877D-49AD-916C-EF3536788A84}" destId="{747060F3-FDCA-EA43-A3F9-0786C1EAD75B}" srcOrd="0" destOrd="0" presId="urn:microsoft.com/office/officeart/2005/8/layout/vList2"/>
+    <dgm:cxn modelId="{82C6FF59-B1FA-4B06-B8D4-0161AA8B793F}" srcId="{65596D37-E1CB-4A03-8D5A-444FC6F72285}" destId="{39F0B295-D897-4E53-80F8-AF172D73D48B}" srcOrd="0" destOrd="0" parTransId="{19D4D583-836D-476C-92DE-49A3F302BA11}" sibTransId="{F8E4AA6D-BA77-44AA-9A33-1B4A1BE4F739}"/>
+    <dgm:cxn modelId="{AFABD67B-055B-AB47-A91E-7DDF56654B09}" type="presOf" srcId="{65596D37-E1CB-4A03-8D5A-444FC6F72285}" destId="{CE121D11-52D8-EE4E-A283-BB34035B0E62}" srcOrd="0" destOrd="0" presId="urn:microsoft.com/office/officeart/2005/8/layout/vList2"/>
+    <dgm:cxn modelId="{87946188-6249-8B4F-96DA-452BE85ADD56}" type="presOf" srcId="{FBB0296E-7212-478B-9E68-3C8F25BEAFA8}" destId="{AFD19139-385F-F847-AC6C-EB8D632B1914}" srcOrd="0" destOrd="0" presId="urn:microsoft.com/office/officeart/2005/8/layout/vList2"/>
+    <dgm:cxn modelId="{8F334B9B-2FEF-4205-B79B-F9DBD54673EC}" srcId="{65596D37-E1CB-4A03-8D5A-444FC6F72285}" destId="{AF029C49-331A-4D7A-AD92-52F0E74C6F09}" srcOrd="1" destOrd="0" parTransId="{69D7AE62-6DFE-4984-8205-A32FCA2F2DCD}" sibTransId="{E2BDE811-A1AE-4664-9046-AB50CC6F993C}"/>
+    <dgm:cxn modelId="{6BA917A7-4D1B-8E42-938D-0B04D0136F22}" type="presOf" srcId="{AF029C49-331A-4D7A-AD92-52F0E74C6F09}" destId="{30B22EB0-7959-E34E-B9B2-274B912F380E}" srcOrd="0" destOrd="1" presId="urn:microsoft.com/office/officeart/2005/8/layout/vList2"/>
+    <dgm:cxn modelId="{0A1AD6B4-4311-7C44-AF65-3CF135408D55}" type="presOf" srcId="{B7819002-23DC-4F69-8064-59D7B1498B22}" destId="{AF402BFF-BA0D-7342-8DA8-20FBB769EC1F}" srcOrd="0" destOrd="1" presId="urn:microsoft.com/office/officeart/2005/8/layout/vList2"/>
+    <dgm:cxn modelId="{F6B083CC-4415-1346-A1F2-21744A0B5D80}" type="presOf" srcId="{8C623E95-5A40-4089-B075-3D3566D55E48}" destId="{30B22EB0-7959-E34E-B9B2-274B912F380E}" srcOrd="0" destOrd="2" presId="urn:microsoft.com/office/officeart/2005/8/layout/vList2"/>
+    <dgm:cxn modelId="{E849DFD0-B8F9-4A52-A0BC-12DA66D640A8}" srcId="{527B0F91-877D-49AD-916C-EF3536788A84}" destId="{D8649B81-5AE8-409B-BA8B-7BB125384DFE}" srcOrd="0" destOrd="0" parTransId="{7EC6AEEF-CA79-4750-9ED3-30B91DC4DE04}" sibTransId="{D8BF16FF-2921-4871-9DAC-B1AEF6788A88}"/>
+    <dgm:cxn modelId="{B31287D5-473B-4485-A2C6-8D969D240FDD}" srcId="{527B0F91-877D-49AD-916C-EF3536788A84}" destId="{FCAAA9BA-9FDC-4E1B-8591-09E6DCC5F69D}" srcOrd="2" destOrd="0" parTransId="{5C17375E-A2FE-4D17-B55E-AD2C8A0FC726}" sibTransId="{6BD9A85B-1AFE-42EB-A791-E37889635EC2}"/>
+    <dgm:cxn modelId="{993A63F6-D1D8-4BD1-9CAE-06A94980254C}" srcId="{65596D37-E1CB-4A03-8D5A-444FC6F72285}" destId="{8C623E95-5A40-4089-B075-3D3566D55E48}" srcOrd="2" destOrd="0" parTransId="{C0175C0E-A3B8-4864-BE4A-457CD6456174}" sibTransId="{D7797197-CDE2-469F-8F30-E6AF69BBE596}"/>
+    <dgm:cxn modelId="{97670FFD-BB58-DF41-B783-24EA841EA110}" type="presOf" srcId="{FCAAA9BA-9FDC-4E1B-8591-09E6DCC5F69D}" destId="{AF402BFF-BA0D-7342-8DA8-20FBB769EC1F}" srcOrd="0" destOrd="2" presId="urn:microsoft.com/office/officeart/2005/8/layout/vList2"/>
+    <dgm:cxn modelId="{C33434FF-E52C-3544-AD29-6FF0FDAB0A2C}" type="presOf" srcId="{39F0B295-D897-4E53-80F8-AF172D73D48B}" destId="{30B22EB0-7959-E34E-B9B2-274B912F380E}" srcOrd="0" destOrd="0" presId="urn:microsoft.com/office/officeart/2005/8/layout/vList2"/>
+    <dgm:cxn modelId="{0D17D882-75FD-F942-8206-BB542C4D2E56}" type="presParOf" srcId="{AFD19139-385F-F847-AC6C-EB8D632B1914}" destId="{747060F3-FDCA-EA43-A3F9-0786C1EAD75B}" srcOrd="0" destOrd="0" presId="urn:microsoft.com/office/officeart/2005/8/layout/vList2"/>
+    <dgm:cxn modelId="{6C59A492-0B5E-FD4B-97A7-9A995678E956}" type="presParOf" srcId="{AFD19139-385F-F847-AC6C-EB8D632B1914}" destId="{AF402BFF-BA0D-7342-8DA8-20FBB769EC1F}" srcOrd="1" destOrd="0" presId="urn:microsoft.com/office/officeart/2005/8/layout/vList2"/>
+    <dgm:cxn modelId="{D618EE6F-760E-D544-A89A-BDA667D14FFE}" type="presParOf" srcId="{AFD19139-385F-F847-AC6C-EB8D632B1914}" destId="{CE121D11-52D8-EE4E-A283-BB34035B0E62}" srcOrd="2" destOrd="0" presId="urn:microsoft.com/office/officeart/2005/8/layout/vList2"/>
+    <dgm:cxn modelId="{420B5E9B-5C8F-A847-970F-B2AC96221039}" type="presParOf" srcId="{AFD19139-385F-F847-AC6C-EB8D632B1914}" destId="{30B22EB0-7959-E34E-B9B2-274B912F380E}" srcOrd="3" destOrd="0" presId="urn:microsoft.com/office/officeart/2005/8/layout/vList2"/>
   </dgm:cxnLst>
   <dgm:bg/>
   <dgm:whole/>
@@ -7941,6 +9134,396 @@
 </dsp:drawing>
 </file>
 
+<file path=ppt/diagrams/drawing6.xml><?xml version="1.0" encoding="utf-8"?>
+<dsp:drawing xmlns:dgm="http://schemas.openxmlformats.org/drawingml/2006/diagram" xmlns:dsp="http://schemas.microsoft.com/office/drawing/2008/diagram" xmlns:a="http://schemas.openxmlformats.org/drawingml/2006/main">
+  <dsp:spTree>
+    <dsp:nvGrpSpPr>
+      <dsp:cNvPr id="0" name=""/>
+      <dsp:cNvGrpSpPr/>
+    </dsp:nvGrpSpPr>
+    <dsp:grpSpPr/>
+    <dsp:sp modelId="{747060F3-FDCA-EA43-A3F9-0786C1EAD75B}">
+      <dsp:nvSpPr>
+        <dsp:cNvPr id="0" name=""/>
+        <dsp:cNvSpPr/>
+      </dsp:nvSpPr>
+      <dsp:spPr>
+        <a:xfrm>
+          <a:off x="0" y="11185"/>
+          <a:ext cx="5641974" cy="1207439"/>
+        </a:xfrm>
+        <a:prstGeom prst="roundRect">
+          <a:avLst/>
+        </a:prstGeom>
+        <a:solidFill>
+          <a:schemeClr val="accent2">
+            <a:hueOff val="0"/>
+            <a:satOff val="0"/>
+            <a:lumOff val="0"/>
+            <a:alphaOff val="0"/>
+          </a:schemeClr>
+        </a:solidFill>
+        <a:ln w="15875" cap="flat" cmpd="sng" algn="ctr">
+          <a:solidFill>
+            <a:schemeClr val="lt1">
+              <a:hueOff val="0"/>
+              <a:satOff val="0"/>
+              <a:lumOff val="0"/>
+              <a:alphaOff val="0"/>
+            </a:schemeClr>
+          </a:solidFill>
+          <a:prstDash val="solid"/>
+        </a:ln>
+        <a:effectLst/>
+      </dsp:spPr>
+      <dsp:style>
+        <a:lnRef idx="2">
+          <a:scrgbClr r="0" g="0" b="0"/>
+        </a:lnRef>
+        <a:fillRef idx="1">
+          <a:scrgbClr r="0" g="0" b="0"/>
+        </a:fillRef>
+        <a:effectRef idx="0">
+          <a:scrgbClr r="0" g="0" b="0"/>
+        </a:effectRef>
+        <a:fontRef idx="minor">
+          <a:schemeClr val="lt1"/>
+        </a:fontRef>
+      </dsp:style>
+      <dsp:txBody>
+        <a:bodyPr spcFirstLastPara="0" vert="horz" wrap="square" lIns="91440" tIns="91440" rIns="91440" bIns="91440" numCol="1" spcCol="1270" anchor="ctr" anchorCtr="0">
+          <a:noAutofit/>
+        </a:bodyPr>
+        <a:lstStyle/>
+        <a:p>
+          <a:pPr marL="0" lvl="0" indent="0" algn="l" defTabSz="1066800">
+            <a:lnSpc>
+              <a:spcPct val="90000"/>
+            </a:lnSpc>
+            <a:spcBef>
+              <a:spcPct val="0"/>
+            </a:spcBef>
+            <a:spcAft>
+              <a:spcPct val="35000"/>
+            </a:spcAft>
+            <a:buNone/>
+          </a:pPr>
+          <a:r>
+            <a:rPr lang="en-US" sz="2400" kern="1200"/>
+            <a:t>1.Which of the following characterizes forward contracts and swaps but </a:t>
+          </a:r>
+          <a:r>
+            <a:rPr lang="en-US" sz="2400" b="1" kern="1200"/>
+            <a:t>not </a:t>
+          </a:r>
+          <a:r>
+            <a:rPr lang="en-US" sz="2400" kern="1200"/>
+            <a:t>futures?</a:t>
+          </a:r>
+        </a:p>
+      </dsp:txBody>
+      <dsp:txXfrm>
+        <a:off x="58942" y="70127"/>
+        <a:ext cx="5524090" cy="1089555"/>
+      </dsp:txXfrm>
+    </dsp:sp>
+    <dsp:sp modelId="{AF402BFF-BA0D-7342-8DA8-20FBB769EC1F}">
+      <dsp:nvSpPr>
+        <dsp:cNvPr id="0" name=""/>
+        <dsp:cNvSpPr/>
+      </dsp:nvSpPr>
+      <dsp:spPr>
+        <a:xfrm>
+          <a:off x="0" y="1218625"/>
+          <a:ext cx="5641974" cy="894240"/>
+        </a:xfrm>
+        <a:prstGeom prst="rect">
+          <a:avLst/>
+        </a:prstGeom>
+        <a:noFill/>
+        <a:ln>
+          <a:noFill/>
+        </a:ln>
+        <a:effectLst/>
+      </dsp:spPr>
+      <dsp:style>
+        <a:lnRef idx="0">
+          <a:scrgbClr r="0" g="0" b="0"/>
+        </a:lnRef>
+        <a:fillRef idx="0">
+          <a:scrgbClr r="0" g="0" b="0"/>
+        </a:fillRef>
+        <a:effectRef idx="0">
+          <a:scrgbClr r="0" g="0" b="0"/>
+        </a:effectRef>
+        <a:fontRef idx="minor"/>
+      </dsp:style>
+      <dsp:txBody>
+        <a:bodyPr spcFirstLastPara="0" vert="horz" wrap="square" lIns="179133" tIns="30480" rIns="170688" bIns="30480" numCol="1" spcCol="1270" anchor="t" anchorCtr="0">
+          <a:noAutofit/>
+        </a:bodyPr>
+        <a:lstStyle/>
+        <a:p>
+          <a:pPr marL="171450" lvl="1" indent="-171450" algn="l" defTabSz="844550">
+            <a:lnSpc>
+              <a:spcPct val="90000"/>
+            </a:lnSpc>
+            <a:spcBef>
+              <a:spcPct val="0"/>
+            </a:spcBef>
+            <a:spcAft>
+              <a:spcPct val="20000"/>
+            </a:spcAft>
+            <a:buChar char="•"/>
+          </a:pPr>
+          <a:r>
+            <a:rPr lang="en-US" sz="1900" b="1" kern="1200"/>
+            <a:t>A </a:t>
+          </a:r>
+          <a:r>
+            <a:rPr lang="en-US" sz="1900" kern="1200"/>
+            <a:t>They are customized.</a:t>
+          </a:r>
+        </a:p>
+        <a:p>
+          <a:pPr marL="171450" lvl="1" indent="-171450" algn="l" defTabSz="844550">
+            <a:lnSpc>
+              <a:spcPct val="90000"/>
+            </a:lnSpc>
+            <a:spcBef>
+              <a:spcPct val="0"/>
+            </a:spcBef>
+            <a:spcAft>
+              <a:spcPct val="20000"/>
+            </a:spcAft>
+            <a:buChar char="•"/>
+          </a:pPr>
+          <a:r>
+            <a:rPr lang="en-US" sz="1900" b="1" kern="1200"/>
+            <a:t>B </a:t>
+          </a:r>
+          <a:r>
+            <a:rPr lang="en-US" sz="1900" kern="1200"/>
+            <a:t>They are subject to daily price limits.</a:t>
+          </a:r>
+        </a:p>
+        <a:p>
+          <a:pPr marL="171450" lvl="1" indent="-171450" algn="l" defTabSz="844550">
+            <a:lnSpc>
+              <a:spcPct val="90000"/>
+            </a:lnSpc>
+            <a:spcBef>
+              <a:spcPct val="0"/>
+            </a:spcBef>
+            <a:spcAft>
+              <a:spcPct val="20000"/>
+            </a:spcAft>
+            <a:buChar char="•"/>
+          </a:pPr>
+          <a:r>
+            <a:rPr lang="en-US" sz="1900" b="1" kern="1200"/>
+            <a:t>C </a:t>
+          </a:r>
+          <a:r>
+            <a:rPr lang="en-US" sz="1900" kern="1200"/>
+            <a:t>Their payoffs are received on a daily basis.</a:t>
+          </a:r>
+        </a:p>
+      </dsp:txBody>
+      <dsp:txXfrm>
+        <a:off x="0" y="1218625"/>
+        <a:ext cx="5641974" cy="894240"/>
+      </dsp:txXfrm>
+    </dsp:sp>
+    <dsp:sp modelId="{CE121D11-52D8-EE4E-A283-BB34035B0E62}">
+      <dsp:nvSpPr>
+        <dsp:cNvPr id="0" name=""/>
+        <dsp:cNvSpPr/>
+      </dsp:nvSpPr>
+      <dsp:spPr>
+        <a:xfrm>
+          <a:off x="0" y="2112865"/>
+          <a:ext cx="5641974" cy="1207439"/>
+        </a:xfrm>
+        <a:prstGeom prst="roundRect">
+          <a:avLst/>
+        </a:prstGeom>
+        <a:solidFill>
+          <a:schemeClr val="accent2">
+            <a:hueOff val="-1323373"/>
+            <a:satOff val="1492"/>
+            <a:lumOff val="3530"/>
+            <a:alphaOff val="0"/>
+          </a:schemeClr>
+        </a:solidFill>
+        <a:ln w="15875" cap="flat" cmpd="sng" algn="ctr">
+          <a:solidFill>
+            <a:schemeClr val="lt1">
+              <a:hueOff val="0"/>
+              <a:satOff val="0"/>
+              <a:lumOff val="0"/>
+              <a:alphaOff val="0"/>
+            </a:schemeClr>
+          </a:solidFill>
+          <a:prstDash val="solid"/>
+        </a:ln>
+        <a:effectLst/>
+      </dsp:spPr>
+      <dsp:style>
+        <a:lnRef idx="2">
+          <a:scrgbClr r="0" g="0" b="0"/>
+        </a:lnRef>
+        <a:fillRef idx="1">
+          <a:scrgbClr r="0" g="0" b="0"/>
+        </a:fillRef>
+        <a:effectRef idx="0">
+          <a:scrgbClr r="0" g="0" b="0"/>
+        </a:effectRef>
+        <a:fontRef idx="minor">
+          <a:schemeClr val="lt1"/>
+        </a:fontRef>
+      </dsp:style>
+      <dsp:txBody>
+        <a:bodyPr spcFirstLastPara="0" vert="horz" wrap="square" lIns="91440" tIns="91440" rIns="91440" bIns="91440" numCol="1" spcCol="1270" anchor="ctr" anchorCtr="0">
+          <a:noAutofit/>
+        </a:bodyPr>
+        <a:lstStyle/>
+        <a:p>
+          <a:pPr marL="0" lvl="0" indent="0" algn="l" defTabSz="1066800">
+            <a:lnSpc>
+              <a:spcPct val="90000"/>
+            </a:lnSpc>
+            <a:spcBef>
+              <a:spcPct val="0"/>
+            </a:spcBef>
+            <a:spcAft>
+              <a:spcPct val="35000"/>
+            </a:spcAft>
+            <a:buNone/>
+          </a:pPr>
+          <a:r>
+            <a:rPr lang="en-US" sz="2400" kern="1200"/>
+            <a:t>2.Which of the following distinguishes forwards from swaps?</a:t>
+          </a:r>
+        </a:p>
+      </dsp:txBody>
+      <dsp:txXfrm>
+        <a:off x="58942" y="2171807"/>
+        <a:ext cx="5524090" cy="1089555"/>
+      </dsp:txXfrm>
+    </dsp:sp>
+    <dsp:sp modelId="{30B22EB0-7959-E34E-B9B2-274B912F380E}">
+      <dsp:nvSpPr>
+        <dsp:cNvPr id="0" name=""/>
+        <dsp:cNvSpPr/>
+      </dsp:nvSpPr>
+      <dsp:spPr>
+        <a:xfrm>
+          <a:off x="0" y="3320304"/>
+          <a:ext cx="5641974" cy="1589760"/>
+        </a:xfrm>
+        <a:prstGeom prst="rect">
+          <a:avLst/>
+        </a:prstGeom>
+        <a:noFill/>
+        <a:ln>
+          <a:noFill/>
+        </a:ln>
+        <a:effectLst/>
+      </dsp:spPr>
+      <dsp:style>
+        <a:lnRef idx="0">
+          <a:scrgbClr r="0" g="0" b="0"/>
+        </a:lnRef>
+        <a:fillRef idx="0">
+          <a:scrgbClr r="0" g="0" b="0"/>
+        </a:fillRef>
+        <a:effectRef idx="0">
+          <a:scrgbClr r="0" g="0" b="0"/>
+        </a:effectRef>
+        <a:fontRef idx="minor"/>
+      </dsp:style>
+      <dsp:txBody>
+        <a:bodyPr spcFirstLastPara="0" vert="horz" wrap="square" lIns="179133" tIns="30480" rIns="170688" bIns="30480" numCol="1" spcCol="1270" anchor="t" anchorCtr="0">
+          <a:noAutofit/>
+        </a:bodyPr>
+        <a:lstStyle/>
+        <a:p>
+          <a:pPr marL="171450" lvl="1" indent="-171450" algn="l" defTabSz="844550">
+            <a:lnSpc>
+              <a:spcPct val="90000"/>
+            </a:lnSpc>
+            <a:spcBef>
+              <a:spcPct val="0"/>
+            </a:spcBef>
+            <a:spcAft>
+              <a:spcPct val="20000"/>
+            </a:spcAft>
+            <a:buChar char="•"/>
+          </a:pPr>
+          <a:r>
+            <a:rPr lang="en-US" sz="1900" b="1" kern="1200"/>
+            <a:t>A </a:t>
+          </a:r>
+          <a:r>
+            <a:rPr lang="en-US" sz="1900" kern="1200"/>
+            <a:t>Forwards are OTC instruments, whereas swaps are exchange traded.</a:t>
+          </a:r>
+        </a:p>
+        <a:p>
+          <a:pPr marL="171450" lvl="1" indent="-171450" algn="l" defTabSz="844550">
+            <a:lnSpc>
+              <a:spcPct val="90000"/>
+            </a:lnSpc>
+            <a:spcBef>
+              <a:spcPct val="0"/>
+            </a:spcBef>
+            <a:spcAft>
+              <a:spcPct val="20000"/>
+            </a:spcAft>
+            <a:buChar char="•"/>
+          </a:pPr>
+          <a:r>
+            <a:rPr lang="en-US" sz="1900" b="1" kern="1200"/>
+            <a:t>B </a:t>
+          </a:r>
+          <a:r>
+            <a:rPr lang="en-US" sz="1900" kern="1200"/>
+            <a:t>Forwards are regulated as futures, whereas swaps are regulated as securities.</a:t>
+          </a:r>
+        </a:p>
+        <a:p>
+          <a:pPr marL="171450" lvl="1" indent="-171450" algn="l" defTabSz="844550">
+            <a:lnSpc>
+              <a:spcPct val="90000"/>
+            </a:lnSpc>
+            <a:spcBef>
+              <a:spcPct val="0"/>
+            </a:spcBef>
+            <a:spcAft>
+              <a:spcPct val="20000"/>
+            </a:spcAft>
+            <a:buChar char="•"/>
+          </a:pPr>
+          <a:r>
+            <a:rPr lang="en-US" sz="1900" b="1" kern="1200"/>
+            <a:t>C </a:t>
+          </a:r>
+          <a:r>
+            <a:rPr lang="en-US" sz="1900" kern="1200"/>
+            <a:t>Swaps have multiple payments, whereas forwards have only a single payment.</a:t>
+          </a:r>
+        </a:p>
+      </dsp:txBody>
+      <dsp:txXfrm>
+        <a:off x="0" y="3320304"/>
+        <a:ext cx="5641974" cy="1589760"/>
+      </dsp:txXfrm>
+    </dsp:sp>
+  </dsp:spTree>
+</dsp:drawing>
+</file>
+
 <file path=ppt/diagrams/layout1.xml><?xml version="1.0" encoding="utf-8"?>
 <dgm:layoutDef xmlns:dgm="http://schemas.openxmlformats.org/drawingml/2006/diagram" xmlns:a="http://schemas.openxmlformats.org/drawingml/2006/main" uniqueId="urn:microsoft.com/office/officeart/2018/2/layout/IconVerticalSolidList">
   <dgm:title val="Icon Vertical Solid List"/>
@@ -9329,6 +10912,173 @@
 </dgm:layoutDef>
 </file>
 
+<file path=ppt/diagrams/layout6.xml><?xml version="1.0" encoding="utf-8"?>
+<dgm:layoutDef xmlns:dgm="http://schemas.openxmlformats.org/drawingml/2006/diagram" xmlns:a="http://schemas.openxmlformats.org/drawingml/2006/main" uniqueId="urn:microsoft.com/office/officeart/2005/8/layout/vList2">
+  <dgm:title val=""/>
+  <dgm:desc val=""/>
+  <dgm:catLst>
+    <dgm:cat type="list" pri="3000"/>
+    <dgm:cat type="convert" pri="1000"/>
+  </dgm:catLst>
+  <dgm:sampData>
+    <dgm:dataModel>
+      <dgm:ptLst>
+        <dgm:pt modelId="0" type="doc"/>
+        <dgm:pt modelId="1">
+          <dgm:prSet phldr="1"/>
+        </dgm:pt>
+        <dgm:pt modelId="11">
+          <dgm:prSet phldr="1"/>
+        </dgm:pt>
+        <dgm:pt modelId="2">
+          <dgm:prSet phldr="1"/>
+        </dgm:pt>
+        <dgm:pt modelId="21">
+          <dgm:prSet phldr="1"/>
+        </dgm:pt>
+      </dgm:ptLst>
+      <dgm:cxnLst>
+        <dgm:cxn modelId="4" srcId="0" destId="1" srcOrd="0" destOrd="0"/>
+        <dgm:cxn modelId="5" srcId="0" destId="2" srcOrd="1" destOrd="0"/>
+        <dgm:cxn modelId="12" srcId="1" destId="11" srcOrd="0" destOrd="0"/>
+        <dgm:cxn modelId="23" srcId="2" destId="21" srcOrd="0" destOrd="0"/>
+      </dgm:cxnLst>
+      <dgm:bg/>
+      <dgm:whole/>
+    </dgm:dataModel>
+  </dgm:sampData>
+  <dgm:styleData>
+    <dgm:dataModel>
+      <dgm:ptLst>
+        <dgm:pt modelId="0" type="doc"/>
+        <dgm:pt modelId="1"/>
+        <dgm:pt modelId="2"/>
+      </dgm:ptLst>
+      <dgm:cxnLst>
+        <dgm:cxn modelId="3" srcId="0" destId="1" srcOrd="0" destOrd="0"/>
+        <dgm:cxn modelId="4" srcId="0" destId="2" srcOrd="1" destOrd="0"/>
+      </dgm:cxnLst>
+      <dgm:bg/>
+      <dgm:whole/>
+    </dgm:dataModel>
+  </dgm:styleData>
+  <dgm:clrData>
+    <dgm:dataModel>
+      <dgm:ptLst>
+        <dgm:pt modelId="0" type="doc"/>
+        <dgm:pt modelId="1"/>
+        <dgm:pt modelId="2"/>
+        <dgm:pt modelId="3"/>
+        <dgm:pt modelId="4"/>
+      </dgm:ptLst>
+      <dgm:cxnLst>
+        <dgm:cxn modelId="5" srcId="0" destId="1" srcOrd="0" destOrd="0"/>
+        <dgm:cxn modelId="6" srcId="0" destId="2" srcOrd="1" destOrd="0"/>
+        <dgm:cxn modelId="7" srcId="0" destId="3" srcOrd="2" destOrd="0"/>
+        <dgm:cxn modelId="8" srcId="0" destId="4" srcOrd="3" destOrd="0"/>
+      </dgm:cxnLst>
+      <dgm:bg/>
+      <dgm:whole/>
+    </dgm:dataModel>
+  </dgm:clrData>
+  <dgm:layoutNode name="linear">
+    <dgm:varLst>
+      <dgm:animLvl val="lvl"/>
+      <dgm:resizeHandles val="exact"/>
+    </dgm:varLst>
+    <dgm:alg type="lin">
+      <dgm:param type="linDir" val="fromT"/>
+      <dgm:param type="vertAlign" val="mid"/>
+    </dgm:alg>
+    <dgm:shape xmlns:r="http://schemas.openxmlformats.org/officeDocument/2006/relationships" r:blip="">
+      <dgm:adjLst/>
+    </dgm:shape>
+    <dgm:presOf/>
+    <dgm:constrLst>
+      <dgm:constr type="w" for="ch" forName="parentText" refType="w"/>
+      <dgm:constr type="h" for="ch" forName="parentText" refType="primFontSz" refFor="ch" refForName="parentText" fact="0.52"/>
+      <dgm:constr type="w" for="ch" forName="childText" refType="w"/>
+      <dgm:constr type="h" for="ch" forName="childText" refType="primFontSz" refFor="ch" refForName="parentText" fact="0.46"/>
+      <dgm:constr type="h" for="ch" forName="parentText" op="equ"/>
+      <dgm:constr type="primFontSz" for="ch" forName="parentText" op="equ" val="65"/>
+      <dgm:constr type="primFontSz" for="ch" forName="childText" refType="primFontSz" refFor="ch" refForName="parentText" op="equ"/>
+      <dgm:constr type="h" for="ch" forName="spacer" refType="primFontSz" refFor="ch" refForName="parentText" fact="0.08"/>
+    </dgm:constrLst>
+    <dgm:ruleLst>
+      <dgm:rule type="primFontSz" for="ch" forName="parentText" val="5" fact="NaN" max="NaN"/>
+    </dgm:ruleLst>
+    <dgm:forEach name="Name0" axis="ch" ptType="node">
+      <dgm:layoutNode name="parentText" styleLbl="node1">
+        <dgm:varLst>
+          <dgm:chMax val="0"/>
+          <dgm:bulletEnabled val="1"/>
+        </dgm:varLst>
+        <dgm:alg type="tx">
+          <dgm:param type="parTxLTRAlign" val="l"/>
+          <dgm:param type="parTxRTLAlign" val="r"/>
+        </dgm:alg>
+        <dgm:shape xmlns:r="http://schemas.openxmlformats.org/officeDocument/2006/relationships" type="roundRect" r:blip="">
+          <dgm:adjLst/>
+        </dgm:shape>
+        <dgm:presOf axis="self"/>
+        <dgm:constrLst>
+          <dgm:constr type="tMarg" refType="primFontSz" fact="0.3"/>
+          <dgm:constr type="bMarg" refType="primFontSz" fact="0.3"/>
+          <dgm:constr type="lMarg" refType="primFontSz" fact="0.3"/>
+          <dgm:constr type="rMarg" refType="primFontSz" fact="0.3"/>
+        </dgm:constrLst>
+        <dgm:ruleLst>
+          <dgm:rule type="h" val="INF" fact="NaN" max="NaN"/>
+        </dgm:ruleLst>
+      </dgm:layoutNode>
+      <dgm:choose name="Name1">
+        <dgm:if name="Name2" axis="ch" ptType="node" func="cnt" op="gte" val="1">
+          <dgm:layoutNode name="childText" styleLbl="revTx">
+            <dgm:varLst>
+              <dgm:bulletEnabled val="1"/>
+            </dgm:varLst>
+            <dgm:alg type="tx">
+              <dgm:param type="stBulletLvl" val="1"/>
+              <dgm:param type="lnSpAfChP" val="20"/>
+            </dgm:alg>
+            <dgm:shape xmlns:r="http://schemas.openxmlformats.org/officeDocument/2006/relationships" type="rect" r:blip="">
+              <dgm:adjLst/>
+            </dgm:shape>
+            <dgm:presOf axis="des" ptType="node"/>
+            <dgm:constrLst>
+              <dgm:constr type="tMarg" refType="primFontSz" fact="0.1"/>
+              <dgm:constr type="bMarg" refType="primFontSz" fact="0.1"/>
+              <dgm:constr type="lMarg" refType="w" fact="0.09"/>
+            </dgm:constrLst>
+            <dgm:ruleLst>
+              <dgm:rule type="h" val="INF" fact="NaN" max="NaN"/>
+            </dgm:ruleLst>
+          </dgm:layoutNode>
+        </dgm:if>
+        <dgm:else name="Name3">
+          <dgm:choose name="Name4">
+            <dgm:if name="Name5" axis="par ch" ptType="doc node" func="cnt" op="gte" val="2">
+              <dgm:forEach name="Name6" axis="followSib" ptType="sibTrans" cnt="1">
+                <dgm:layoutNode name="spacer">
+                  <dgm:alg type="sp"/>
+                  <dgm:shape xmlns:r="http://schemas.openxmlformats.org/officeDocument/2006/relationships" r:blip="">
+                    <dgm:adjLst/>
+                  </dgm:shape>
+                  <dgm:presOf/>
+                  <dgm:constrLst/>
+                  <dgm:ruleLst/>
+                </dgm:layoutNode>
+              </dgm:forEach>
+            </dgm:if>
+            <dgm:else name="Name7"/>
+          </dgm:choose>
+        </dgm:else>
+      </dgm:choose>
+    </dgm:forEach>
+  </dgm:layoutNode>
+</dgm:layoutDef>
+</file>
+
 <file path=ppt/diagrams/quickStyle1.xml><?xml version="1.0" encoding="utf-8"?>
 <dgm:styleDef xmlns:dgm="http://schemas.openxmlformats.org/drawingml/2006/diagram" xmlns:a="http://schemas.openxmlformats.org/drawingml/2006/main" uniqueId="urn:microsoft.com/office/officeart/2005/8/quickstyle/simple1">
   <dgm:title val=""/>
@@ -13466,6 +15216,1040 @@
 </file>
 
 <file path=ppt/diagrams/quickStyle5.xml><?xml version="1.0" encoding="utf-8"?>
+<dgm:styleDef xmlns:dgm="http://schemas.openxmlformats.org/drawingml/2006/diagram" xmlns:a="http://schemas.openxmlformats.org/drawingml/2006/main" uniqueId="urn:microsoft.com/office/officeart/2005/8/quickstyle/simple1">
+  <dgm:title val=""/>
+  <dgm:desc val=""/>
+  <dgm:catLst>
+    <dgm:cat type="simple" pri="10100"/>
+  </dgm:catLst>
+  <dgm:scene3d>
+    <a:camera prst="orthographicFront"/>
+    <a:lightRig rig="threePt" dir="t"/>
+  </dgm:scene3d>
+  <dgm:styleLbl name="node0">
+    <dgm:scene3d>
+      <a:camera prst="orthographicFront"/>
+      <a:lightRig rig="threePt" dir="t"/>
+    </dgm:scene3d>
+    <dgm:sp3d/>
+    <dgm:txPr/>
+    <dgm:style>
+      <a:lnRef idx="2">
+        <a:scrgbClr r="0" g="0" b="0"/>
+      </a:lnRef>
+      <a:fillRef idx="1">
+        <a:scrgbClr r="0" g="0" b="0"/>
+      </a:fillRef>
+      <a:effectRef idx="0">
+        <a:scrgbClr r="0" g="0" b="0"/>
+      </a:effectRef>
+      <a:fontRef idx="minor">
+        <a:schemeClr val="lt1"/>
+      </a:fontRef>
+    </dgm:style>
+  </dgm:styleLbl>
+  <dgm:styleLbl name="lnNode1">
+    <dgm:scene3d>
+      <a:camera prst="orthographicFront"/>
+      <a:lightRig rig="threePt" dir="t"/>
+    </dgm:scene3d>
+    <dgm:sp3d/>
+    <dgm:txPr/>
+    <dgm:style>
+      <a:lnRef idx="2">
+        <a:scrgbClr r="0" g="0" b="0"/>
+      </a:lnRef>
+      <a:fillRef idx="1">
+        <a:scrgbClr r="0" g="0" b="0"/>
+      </a:fillRef>
+      <a:effectRef idx="0">
+        <a:scrgbClr r="0" g="0" b="0"/>
+      </a:effectRef>
+      <a:fontRef idx="minor">
+        <a:schemeClr val="lt1"/>
+      </a:fontRef>
+    </dgm:style>
+  </dgm:styleLbl>
+  <dgm:styleLbl name="vennNode1">
+    <dgm:scene3d>
+      <a:camera prst="orthographicFront"/>
+      <a:lightRig rig="threePt" dir="t"/>
+    </dgm:scene3d>
+    <dgm:sp3d/>
+    <dgm:txPr/>
+    <dgm:style>
+      <a:lnRef idx="2">
+        <a:scrgbClr r="0" g="0" b="0"/>
+      </a:lnRef>
+      <a:fillRef idx="1">
+        <a:scrgbClr r="0" g="0" b="0"/>
+      </a:fillRef>
+      <a:effectRef idx="0">
+        <a:scrgbClr r="0" g="0" b="0"/>
+      </a:effectRef>
+      <a:fontRef idx="minor">
+        <a:schemeClr val="tx1"/>
+      </a:fontRef>
+    </dgm:style>
+  </dgm:styleLbl>
+  <dgm:styleLbl name="alignNode1">
+    <dgm:scene3d>
+      <a:camera prst="orthographicFront"/>
+      <a:lightRig rig="threePt" dir="t"/>
+    </dgm:scene3d>
+    <dgm:sp3d/>
+    <dgm:txPr/>
+    <dgm:style>
+      <a:lnRef idx="2">
+        <a:scrgbClr r="0" g="0" b="0"/>
+      </a:lnRef>
+      <a:fillRef idx="1">
+        <a:scrgbClr r="0" g="0" b="0"/>
+      </a:fillRef>
+      <a:effectRef idx="0">
+        <a:scrgbClr r="0" g="0" b="0"/>
+      </a:effectRef>
+      <a:fontRef idx="minor">
+        <a:schemeClr val="lt1"/>
+      </a:fontRef>
+    </dgm:style>
+  </dgm:styleLbl>
+  <dgm:styleLbl name="node1">
+    <dgm:scene3d>
+      <a:camera prst="orthographicFront"/>
+      <a:lightRig rig="threePt" dir="t"/>
+    </dgm:scene3d>
+    <dgm:sp3d/>
+    <dgm:txPr/>
+    <dgm:style>
+      <a:lnRef idx="2">
+        <a:scrgbClr r="0" g="0" b="0"/>
+      </a:lnRef>
+      <a:fillRef idx="1">
+        <a:scrgbClr r="0" g="0" b="0"/>
+      </a:fillRef>
+      <a:effectRef idx="0">
+        <a:scrgbClr r="0" g="0" b="0"/>
+      </a:effectRef>
+      <a:fontRef idx="minor">
+        <a:schemeClr val="lt1"/>
+      </a:fontRef>
+    </dgm:style>
+  </dgm:styleLbl>
+  <dgm:styleLbl name="node2">
+    <dgm:scene3d>
+      <a:camera prst="orthographicFront"/>
+      <a:lightRig rig="threePt" dir="t"/>
+    </dgm:scene3d>
+    <dgm:sp3d/>
+    <dgm:txPr/>
+    <dgm:style>
+      <a:lnRef idx="2">
+        <a:scrgbClr r="0" g="0" b="0"/>
+      </a:lnRef>
+      <a:fillRef idx="1">
+        <a:scrgbClr r="0" g="0" b="0"/>
+      </a:fillRef>
+      <a:effectRef idx="0">
+        <a:scrgbClr r="0" g="0" b="0"/>
+      </a:effectRef>
+      <a:fontRef idx="minor">
+        <a:schemeClr val="lt1"/>
+      </a:fontRef>
+    </dgm:style>
+  </dgm:styleLbl>
+  <dgm:styleLbl name="node3">
+    <dgm:scene3d>
+      <a:camera prst="orthographicFront"/>
+      <a:lightRig rig="threePt" dir="t"/>
+    </dgm:scene3d>
+    <dgm:sp3d/>
+    <dgm:txPr/>
+    <dgm:style>
+      <a:lnRef idx="2">
+        <a:scrgbClr r="0" g="0" b="0"/>
+      </a:lnRef>
+      <a:fillRef idx="1">
+        <a:scrgbClr r="0" g="0" b="0"/>
+      </a:fillRef>
+      <a:effectRef idx="0">
+        <a:scrgbClr r="0" g="0" b="0"/>
+      </a:effectRef>
+      <a:fontRef idx="minor">
+        <a:schemeClr val="lt1"/>
+      </a:fontRef>
+    </dgm:style>
+  </dgm:styleLbl>
+  <dgm:styleLbl name="node4">
+    <dgm:scene3d>
+      <a:camera prst="orthographicFront"/>
+      <a:lightRig rig="threePt" dir="t"/>
+    </dgm:scene3d>
+    <dgm:sp3d/>
+    <dgm:txPr/>
+    <dgm:style>
+      <a:lnRef idx="2">
+        <a:scrgbClr r="0" g="0" b="0"/>
+      </a:lnRef>
+      <a:fillRef idx="1">
+        <a:scrgbClr r="0" g="0" b="0"/>
+      </a:fillRef>
+      <a:effectRef idx="0">
+        <a:scrgbClr r="0" g="0" b="0"/>
+      </a:effectRef>
+      <a:fontRef idx="minor">
+        <a:schemeClr val="lt1"/>
+      </a:fontRef>
+    </dgm:style>
+  </dgm:styleLbl>
+  <dgm:styleLbl name="fgImgPlace1">
+    <dgm:scene3d>
+      <a:camera prst="orthographicFront"/>
+      <a:lightRig rig="threePt" dir="t"/>
+    </dgm:scene3d>
+    <dgm:sp3d/>
+    <dgm:txPr/>
+    <dgm:style>
+      <a:lnRef idx="2">
+        <a:scrgbClr r="0" g="0" b="0"/>
+      </a:lnRef>
+      <a:fillRef idx="1">
+        <a:scrgbClr r="0" g="0" b="0"/>
+      </a:fillRef>
+      <a:effectRef idx="0">
+        <a:scrgbClr r="0" g="0" b="0"/>
+      </a:effectRef>
+      <a:fontRef idx="minor"/>
+    </dgm:style>
+  </dgm:styleLbl>
+  <dgm:styleLbl name="alignImgPlace1">
+    <dgm:scene3d>
+      <a:camera prst="orthographicFront"/>
+      <a:lightRig rig="threePt" dir="t"/>
+    </dgm:scene3d>
+    <dgm:sp3d/>
+    <dgm:txPr/>
+    <dgm:style>
+      <a:lnRef idx="2">
+        <a:scrgbClr r="0" g="0" b="0"/>
+      </a:lnRef>
+      <a:fillRef idx="1">
+        <a:scrgbClr r="0" g="0" b="0"/>
+      </a:fillRef>
+      <a:effectRef idx="0">
+        <a:scrgbClr r="0" g="0" b="0"/>
+      </a:effectRef>
+      <a:fontRef idx="minor"/>
+    </dgm:style>
+  </dgm:styleLbl>
+  <dgm:styleLbl name="bgImgPlace1">
+    <dgm:scene3d>
+      <a:camera prst="orthographicFront"/>
+      <a:lightRig rig="threePt" dir="t"/>
+    </dgm:scene3d>
+    <dgm:sp3d/>
+    <dgm:txPr/>
+    <dgm:style>
+      <a:lnRef idx="2">
+        <a:scrgbClr r="0" g="0" b="0"/>
+      </a:lnRef>
+      <a:fillRef idx="1">
+        <a:scrgbClr r="0" g="0" b="0"/>
+      </a:fillRef>
+      <a:effectRef idx="0">
+        <a:scrgbClr r="0" g="0" b="0"/>
+      </a:effectRef>
+      <a:fontRef idx="minor"/>
+    </dgm:style>
+  </dgm:styleLbl>
+  <dgm:styleLbl name="sibTrans2D1">
+    <dgm:scene3d>
+      <a:camera prst="orthographicFront"/>
+      <a:lightRig rig="threePt" dir="t"/>
+    </dgm:scene3d>
+    <dgm:sp3d/>
+    <dgm:txPr/>
+    <dgm:style>
+      <a:lnRef idx="0">
+        <a:scrgbClr r="0" g="0" b="0"/>
+      </a:lnRef>
+      <a:fillRef idx="1">
+        <a:scrgbClr r="0" g="0" b="0"/>
+      </a:fillRef>
+      <a:effectRef idx="0">
+        <a:scrgbClr r="0" g="0" b="0"/>
+      </a:effectRef>
+      <a:fontRef idx="minor">
+        <a:schemeClr val="lt1"/>
+      </a:fontRef>
+    </dgm:style>
+  </dgm:styleLbl>
+  <dgm:styleLbl name="fgSibTrans2D1">
+    <dgm:scene3d>
+      <a:camera prst="orthographicFront"/>
+      <a:lightRig rig="threePt" dir="t"/>
+    </dgm:scene3d>
+    <dgm:sp3d/>
+    <dgm:txPr/>
+    <dgm:style>
+      <a:lnRef idx="0">
+        <a:scrgbClr r="0" g="0" b="0"/>
+      </a:lnRef>
+      <a:fillRef idx="1">
+        <a:scrgbClr r="0" g="0" b="0"/>
+      </a:fillRef>
+      <a:effectRef idx="0">
+        <a:scrgbClr r="0" g="0" b="0"/>
+      </a:effectRef>
+      <a:fontRef idx="minor">
+        <a:schemeClr val="lt1"/>
+      </a:fontRef>
+    </dgm:style>
+  </dgm:styleLbl>
+  <dgm:styleLbl name="bgSibTrans2D1">
+    <dgm:scene3d>
+      <a:camera prst="orthographicFront"/>
+      <a:lightRig rig="threePt" dir="t"/>
+    </dgm:scene3d>
+    <dgm:sp3d/>
+    <dgm:txPr/>
+    <dgm:style>
+      <a:lnRef idx="0">
+        <a:scrgbClr r="0" g="0" b="0"/>
+      </a:lnRef>
+      <a:fillRef idx="1">
+        <a:scrgbClr r="0" g="0" b="0"/>
+      </a:fillRef>
+      <a:effectRef idx="0">
+        <a:scrgbClr r="0" g="0" b="0"/>
+      </a:effectRef>
+      <a:fontRef idx="minor">
+        <a:schemeClr val="lt1"/>
+      </a:fontRef>
+    </dgm:style>
+  </dgm:styleLbl>
+  <dgm:styleLbl name="sibTrans1D1">
+    <dgm:scene3d>
+      <a:camera prst="orthographicFront"/>
+      <a:lightRig rig="threePt" dir="t"/>
+    </dgm:scene3d>
+    <dgm:sp3d/>
+    <dgm:txPr/>
+    <dgm:style>
+      <a:lnRef idx="1">
+        <a:scrgbClr r="0" g="0" b="0"/>
+      </a:lnRef>
+      <a:fillRef idx="0">
+        <a:scrgbClr r="0" g="0" b="0"/>
+      </a:fillRef>
+      <a:effectRef idx="0">
+        <a:scrgbClr r="0" g="0" b="0"/>
+      </a:effectRef>
+      <a:fontRef idx="minor"/>
+    </dgm:style>
+  </dgm:styleLbl>
+  <dgm:styleLbl name="callout">
+    <dgm:scene3d>
+      <a:camera prst="orthographicFront"/>
+      <a:lightRig rig="threePt" dir="t"/>
+    </dgm:scene3d>
+    <dgm:sp3d/>
+    <dgm:txPr/>
+    <dgm:style>
+      <a:lnRef idx="2">
+        <a:scrgbClr r="0" g="0" b="0"/>
+      </a:lnRef>
+      <a:fillRef idx="1">
+        <a:scrgbClr r="0" g="0" b="0"/>
+      </a:fillRef>
+      <a:effectRef idx="0">
+        <a:scrgbClr r="0" g="0" b="0"/>
+      </a:effectRef>
+      <a:fontRef idx="minor"/>
+    </dgm:style>
+  </dgm:styleLbl>
+  <dgm:styleLbl name="asst0">
+    <dgm:scene3d>
+      <a:camera prst="orthographicFront"/>
+      <a:lightRig rig="threePt" dir="t"/>
+    </dgm:scene3d>
+    <dgm:sp3d/>
+    <dgm:txPr/>
+    <dgm:style>
+      <a:lnRef idx="2">
+        <a:scrgbClr r="0" g="0" b="0"/>
+      </a:lnRef>
+      <a:fillRef idx="1">
+        <a:scrgbClr r="0" g="0" b="0"/>
+      </a:fillRef>
+      <a:effectRef idx="0">
+        <a:scrgbClr r="0" g="0" b="0"/>
+      </a:effectRef>
+      <a:fontRef idx="minor">
+        <a:schemeClr val="lt1"/>
+      </a:fontRef>
+    </dgm:style>
+  </dgm:styleLbl>
+  <dgm:styleLbl name="asst1">
+    <dgm:scene3d>
+      <a:camera prst="orthographicFront"/>
+      <a:lightRig rig="threePt" dir="t"/>
+    </dgm:scene3d>
+    <dgm:sp3d/>
+    <dgm:txPr/>
+    <dgm:style>
+      <a:lnRef idx="2">
+        <a:scrgbClr r="0" g="0" b="0"/>
+      </a:lnRef>
+      <a:fillRef idx="1">
+        <a:scrgbClr r="0" g="0" b="0"/>
+      </a:fillRef>
+      <a:effectRef idx="0">
+        <a:scrgbClr r="0" g="0" b="0"/>
+      </a:effectRef>
+      <a:fontRef idx="minor">
+        <a:schemeClr val="lt1"/>
+      </a:fontRef>
+    </dgm:style>
+  </dgm:styleLbl>
+  <dgm:styleLbl name="asst2">
+    <dgm:scene3d>
+      <a:camera prst="orthographicFront"/>
+      <a:lightRig rig="threePt" dir="t"/>
+    </dgm:scene3d>
+    <dgm:sp3d/>
+    <dgm:txPr/>
+    <dgm:style>
+      <a:lnRef idx="2">
+        <a:scrgbClr r="0" g="0" b="0"/>
+      </a:lnRef>
+      <a:fillRef idx="1">
+        <a:scrgbClr r="0" g="0" b="0"/>
+      </a:fillRef>
+      <a:effectRef idx="0">
+        <a:scrgbClr r="0" g="0" b="0"/>
+      </a:effectRef>
+      <a:fontRef idx="minor">
+        <a:schemeClr val="lt1"/>
+      </a:fontRef>
+    </dgm:style>
+  </dgm:styleLbl>
+  <dgm:styleLbl name="asst3">
+    <dgm:scene3d>
+      <a:camera prst="orthographicFront"/>
+      <a:lightRig rig="threePt" dir="t"/>
+    </dgm:scene3d>
+    <dgm:sp3d/>
+    <dgm:txPr/>
+    <dgm:style>
+      <a:lnRef idx="2">
+        <a:scrgbClr r="0" g="0" b="0"/>
+      </a:lnRef>
+      <a:fillRef idx="1">
+        <a:scrgbClr r="0" g="0" b="0"/>
+      </a:fillRef>
+      <a:effectRef idx="0">
+        <a:scrgbClr r="0" g="0" b="0"/>
+      </a:effectRef>
+      <a:fontRef idx="minor">
+        <a:schemeClr val="lt1"/>
+      </a:fontRef>
+    </dgm:style>
+  </dgm:styleLbl>
+  <dgm:styleLbl name="asst4">
+    <dgm:scene3d>
+      <a:camera prst="orthographicFront"/>
+      <a:lightRig rig="threePt" dir="t"/>
+    </dgm:scene3d>
+    <dgm:sp3d/>
+    <dgm:txPr/>
+    <dgm:style>
+      <a:lnRef idx="2">
+        <a:scrgbClr r="0" g="0" b="0"/>
+      </a:lnRef>
+      <a:fillRef idx="1">
+        <a:scrgbClr r="0" g="0" b="0"/>
+      </a:fillRef>
+      <a:effectRef idx="0">
+        <a:scrgbClr r="0" g="0" b="0"/>
+      </a:effectRef>
+      <a:fontRef idx="minor">
+        <a:schemeClr val="lt1"/>
+      </a:fontRef>
+    </dgm:style>
+  </dgm:styleLbl>
+  <dgm:styleLbl name="parChTrans2D1">
+    <dgm:scene3d>
+      <a:camera prst="orthographicFront"/>
+      <a:lightRig rig="threePt" dir="t"/>
+    </dgm:scene3d>
+    <dgm:sp3d/>
+    <dgm:txPr/>
+    <dgm:style>
+      <a:lnRef idx="2">
+        <a:scrgbClr r="0" g="0" b="0"/>
+      </a:lnRef>
+      <a:fillRef idx="1">
+        <a:scrgbClr r="0" g="0" b="0"/>
+      </a:fillRef>
+      <a:effectRef idx="0">
+        <a:scrgbClr r="0" g="0" b="0"/>
+      </a:effectRef>
+      <a:fontRef idx="minor">
+        <a:schemeClr val="lt1"/>
+      </a:fontRef>
+    </dgm:style>
+  </dgm:styleLbl>
+  <dgm:styleLbl name="parChTrans2D2">
+    <dgm:scene3d>
+      <a:camera prst="orthographicFront"/>
+      <a:lightRig rig="threePt" dir="t"/>
+    </dgm:scene3d>
+    <dgm:sp3d/>
+    <dgm:txPr/>
+    <dgm:style>
+      <a:lnRef idx="2">
+        <a:scrgbClr r="0" g="0" b="0"/>
+      </a:lnRef>
+      <a:fillRef idx="1">
+        <a:scrgbClr r="0" g="0" b="0"/>
+      </a:fillRef>
+      <a:effectRef idx="0">
+        <a:scrgbClr r="0" g="0" b="0"/>
+      </a:effectRef>
+      <a:fontRef idx="minor">
+        <a:schemeClr val="lt1"/>
+      </a:fontRef>
+    </dgm:style>
+  </dgm:styleLbl>
+  <dgm:styleLbl name="parChTrans2D3">
+    <dgm:scene3d>
+      <a:camera prst="orthographicFront"/>
+      <a:lightRig rig="threePt" dir="t"/>
+    </dgm:scene3d>
+    <dgm:sp3d/>
+    <dgm:txPr/>
+    <dgm:style>
+      <a:lnRef idx="2">
+        <a:scrgbClr r="0" g="0" b="0"/>
+      </a:lnRef>
+      <a:fillRef idx="1">
+        <a:scrgbClr r="0" g="0" b="0"/>
+      </a:fillRef>
+      <a:effectRef idx="0">
+        <a:scrgbClr r="0" g="0" b="0"/>
+      </a:effectRef>
+      <a:fontRef idx="minor">
+        <a:schemeClr val="lt1"/>
+      </a:fontRef>
+    </dgm:style>
+  </dgm:styleLbl>
+  <dgm:styleLbl name="parChTrans2D4">
+    <dgm:scene3d>
+      <a:camera prst="orthographicFront"/>
+      <a:lightRig rig="threePt" dir="t"/>
+    </dgm:scene3d>
+    <dgm:sp3d/>
+    <dgm:txPr/>
+    <dgm:style>
+      <a:lnRef idx="2">
+        <a:scrgbClr r="0" g="0" b="0"/>
+      </a:lnRef>
+      <a:fillRef idx="1">
+        <a:scrgbClr r="0" g="0" b="0"/>
+      </a:fillRef>
+      <a:effectRef idx="0">
+        <a:scrgbClr r="0" g="0" b="0"/>
+      </a:effectRef>
+      <a:fontRef idx="minor">
+        <a:schemeClr val="lt1"/>
+      </a:fontRef>
+    </dgm:style>
+  </dgm:styleLbl>
+  <dgm:styleLbl name="parChTrans1D1">
+    <dgm:scene3d>
+      <a:camera prst="orthographicFront"/>
+      <a:lightRig rig="threePt" dir="t"/>
+    </dgm:scene3d>
+    <dgm:sp3d/>
+    <dgm:txPr/>
+    <dgm:style>
+      <a:lnRef idx="2">
+        <a:scrgbClr r="0" g="0" b="0"/>
+      </a:lnRef>
+      <a:fillRef idx="0">
+        <a:scrgbClr r="0" g="0" b="0"/>
+      </a:fillRef>
+      <a:effectRef idx="0">
+        <a:scrgbClr r="0" g="0" b="0"/>
+      </a:effectRef>
+      <a:fontRef idx="minor"/>
+    </dgm:style>
+  </dgm:styleLbl>
+  <dgm:styleLbl name="parChTrans1D2">
+    <dgm:scene3d>
+      <a:camera prst="orthographicFront"/>
+      <a:lightRig rig="threePt" dir="t"/>
+    </dgm:scene3d>
+    <dgm:sp3d/>
+    <dgm:txPr/>
+    <dgm:style>
+      <a:lnRef idx="2">
+        <a:scrgbClr r="0" g="0" b="0"/>
+      </a:lnRef>
+      <a:fillRef idx="0">
+        <a:scrgbClr r="0" g="0" b="0"/>
+      </a:fillRef>
+      <a:effectRef idx="0">
+        <a:scrgbClr r="0" g="0" b="0"/>
+      </a:effectRef>
+      <a:fontRef idx="minor"/>
+    </dgm:style>
+  </dgm:styleLbl>
+  <dgm:styleLbl name="parChTrans1D3">
+    <dgm:scene3d>
+      <a:camera prst="orthographicFront"/>
+      <a:lightRig rig="threePt" dir="t"/>
+    </dgm:scene3d>
+    <dgm:sp3d/>
+    <dgm:txPr/>
+    <dgm:style>
+      <a:lnRef idx="2">
+        <a:scrgbClr r="0" g="0" b="0"/>
+      </a:lnRef>
+      <a:fillRef idx="0">
+        <a:scrgbClr r="0" g="0" b="0"/>
+      </a:fillRef>
+      <a:effectRef idx="0">
+        <a:scrgbClr r="0" g="0" b="0"/>
+      </a:effectRef>
+      <a:fontRef idx="minor"/>
+    </dgm:style>
+  </dgm:styleLbl>
+  <dgm:styleLbl name="parChTrans1D4">
+    <dgm:scene3d>
+      <a:camera prst="orthographicFront"/>
+      <a:lightRig rig="threePt" dir="t"/>
+    </dgm:scene3d>
+    <dgm:sp3d/>
+    <dgm:txPr/>
+    <dgm:style>
+      <a:lnRef idx="2">
+        <a:scrgbClr r="0" g="0" b="0"/>
+      </a:lnRef>
+      <a:fillRef idx="0">
+        <a:scrgbClr r="0" g="0" b="0"/>
+      </a:fillRef>
+      <a:effectRef idx="0">
+        <a:scrgbClr r="0" g="0" b="0"/>
+      </a:effectRef>
+      <a:fontRef idx="minor"/>
+    </dgm:style>
+  </dgm:styleLbl>
+  <dgm:styleLbl name="fgAcc1">
+    <dgm:scene3d>
+      <a:camera prst="orthographicFront"/>
+      <a:lightRig rig="threePt" dir="t"/>
+    </dgm:scene3d>
+    <dgm:sp3d/>
+    <dgm:txPr/>
+    <dgm:style>
+      <a:lnRef idx="2">
+        <a:scrgbClr r="0" g="0" b="0"/>
+      </a:lnRef>
+      <a:fillRef idx="1">
+        <a:scrgbClr r="0" g="0" b="0"/>
+      </a:fillRef>
+      <a:effectRef idx="0">
+        <a:scrgbClr r="0" g="0" b="0"/>
+      </a:effectRef>
+      <a:fontRef idx="minor"/>
+    </dgm:style>
+  </dgm:styleLbl>
+  <dgm:styleLbl name="conFgAcc1">
+    <dgm:scene3d>
+      <a:camera prst="orthographicFront"/>
+      <a:lightRig rig="threePt" dir="t"/>
+    </dgm:scene3d>
+    <dgm:sp3d/>
+    <dgm:txPr/>
+    <dgm:style>
+      <a:lnRef idx="2">
+        <a:scrgbClr r="0" g="0" b="0"/>
+      </a:lnRef>
+      <a:fillRef idx="1">
+        <a:scrgbClr r="0" g="0" b="0"/>
+      </a:fillRef>
+      <a:effectRef idx="0">
+        <a:scrgbClr r="0" g="0" b="0"/>
+      </a:effectRef>
+      <a:fontRef idx="minor"/>
+    </dgm:style>
+  </dgm:styleLbl>
+  <dgm:styleLbl name="alignAcc1">
+    <dgm:scene3d>
+      <a:camera prst="orthographicFront"/>
+      <a:lightRig rig="threePt" dir="t"/>
+    </dgm:scene3d>
+    <dgm:sp3d/>
+    <dgm:txPr/>
+    <dgm:style>
+      <a:lnRef idx="2">
+        <a:scrgbClr r="0" g="0" b="0"/>
+      </a:lnRef>
+      <a:fillRef idx="1">
+        <a:scrgbClr r="0" g="0" b="0"/>
+      </a:fillRef>
+      <a:effectRef idx="0">
+        <a:scrgbClr r="0" g="0" b="0"/>
+      </a:effectRef>
+      <a:fontRef idx="minor"/>
+    </dgm:style>
+  </dgm:styleLbl>
+  <dgm:styleLbl name="trAlignAcc1">
+    <dgm:scene3d>
+      <a:camera prst="orthographicFront"/>
+      <a:lightRig rig="threePt" dir="t"/>
+    </dgm:scene3d>
+    <dgm:sp3d/>
+    <dgm:txPr/>
+    <dgm:style>
+      <a:lnRef idx="1">
+        <a:scrgbClr r="0" g="0" b="0"/>
+      </a:lnRef>
+      <a:fillRef idx="1">
+        <a:scrgbClr r="0" g="0" b="0"/>
+      </a:fillRef>
+      <a:effectRef idx="0">
+        <a:scrgbClr r="0" g="0" b="0"/>
+      </a:effectRef>
+      <a:fontRef idx="minor"/>
+    </dgm:style>
+  </dgm:styleLbl>
+  <dgm:styleLbl name="bgAcc1">
+    <dgm:scene3d>
+      <a:camera prst="orthographicFront"/>
+      <a:lightRig rig="threePt" dir="t"/>
+    </dgm:scene3d>
+    <dgm:sp3d/>
+    <dgm:txPr/>
+    <dgm:style>
+      <a:lnRef idx="2">
+        <a:scrgbClr r="0" g="0" b="0"/>
+      </a:lnRef>
+      <a:fillRef idx="1">
+        <a:scrgbClr r="0" g="0" b="0"/>
+      </a:fillRef>
+      <a:effectRef idx="0">
+        <a:scrgbClr r="0" g="0" b="0"/>
+      </a:effectRef>
+      <a:fontRef idx="minor"/>
+    </dgm:style>
+  </dgm:styleLbl>
+  <dgm:styleLbl name="solidFgAcc1">
+    <dgm:scene3d>
+      <a:camera prst="orthographicFront"/>
+      <a:lightRig rig="threePt" dir="t"/>
+    </dgm:scene3d>
+    <dgm:sp3d/>
+    <dgm:txPr/>
+    <dgm:style>
+      <a:lnRef idx="2">
+        <a:scrgbClr r="0" g="0" b="0"/>
+      </a:lnRef>
+      <a:fillRef idx="1">
+        <a:scrgbClr r="0" g="0" b="0"/>
+      </a:fillRef>
+      <a:effectRef idx="0">
+        <a:scrgbClr r="0" g="0" b="0"/>
+      </a:effectRef>
+      <a:fontRef idx="minor"/>
+    </dgm:style>
+  </dgm:styleLbl>
+  <dgm:styleLbl name="solidAlignAcc1">
+    <dgm:scene3d>
+      <a:camera prst="orthographicFront"/>
+      <a:lightRig rig="threePt" dir="t"/>
+    </dgm:scene3d>
+    <dgm:sp3d/>
+    <dgm:txPr/>
+    <dgm:style>
+      <a:lnRef idx="2">
+        <a:scrgbClr r="0" g="0" b="0"/>
+      </a:lnRef>
+      <a:fillRef idx="1">
+        <a:scrgbClr r="0" g="0" b="0"/>
+      </a:fillRef>
+      <a:effectRef idx="0">
+        <a:scrgbClr r="0" g="0" b="0"/>
+      </a:effectRef>
+      <a:fontRef idx="minor"/>
+    </dgm:style>
+  </dgm:styleLbl>
+  <dgm:styleLbl name="solidBgAcc1">
+    <dgm:scene3d>
+      <a:camera prst="orthographicFront"/>
+      <a:lightRig rig="threePt" dir="t"/>
+    </dgm:scene3d>
+    <dgm:sp3d/>
+    <dgm:txPr/>
+    <dgm:style>
+      <a:lnRef idx="2">
+        <a:scrgbClr r="0" g="0" b="0"/>
+      </a:lnRef>
+      <a:fillRef idx="1">
+        <a:scrgbClr r="0" g="0" b="0"/>
+      </a:fillRef>
+      <a:effectRef idx="0">
+        <a:scrgbClr r="0" g="0" b="0"/>
+      </a:effectRef>
+      <a:fontRef idx="minor"/>
+    </dgm:style>
+  </dgm:styleLbl>
+  <dgm:styleLbl name="fgAccFollowNode1">
+    <dgm:scene3d>
+      <a:camera prst="orthographicFront"/>
+      <a:lightRig rig="threePt" dir="t"/>
+    </dgm:scene3d>
+    <dgm:sp3d/>
+    <dgm:txPr/>
+    <dgm:style>
+      <a:lnRef idx="2">
+        <a:scrgbClr r="0" g="0" b="0"/>
+      </a:lnRef>
+      <a:fillRef idx="1">
+        <a:scrgbClr r="0" g="0" b="0"/>
+      </a:fillRef>
+      <a:effectRef idx="0">
+        <a:scrgbClr r="0" g="0" b="0"/>
+      </a:effectRef>
+      <a:fontRef idx="minor"/>
+    </dgm:style>
+  </dgm:styleLbl>
+  <dgm:styleLbl name="alignAccFollowNode1">
+    <dgm:scene3d>
+      <a:camera prst="orthographicFront"/>
+      <a:lightRig rig="threePt" dir="t"/>
+    </dgm:scene3d>
+    <dgm:sp3d/>
+    <dgm:txPr/>
+    <dgm:style>
+      <a:lnRef idx="2">
+        <a:scrgbClr r="0" g="0" b="0"/>
+      </a:lnRef>
+      <a:fillRef idx="1">
+        <a:scrgbClr r="0" g="0" b="0"/>
+      </a:fillRef>
+      <a:effectRef idx="0">
+        <a:scrgbClr r="0" g="0" b="0"/>
+      </a:effectRef>
+      <a:fontRef idx="minor"/>
+    </dgm:style>
+  </dgm:styleLbl>
+  <dgm:styleLbl name="bgAccFollowNode1">
+    <dgm:scene3d>
+      <a:camera prst="orthographicFront"/>
+      <a:lightRig rig="threePt" dir="t"/>
+    </dgm:scene3d>
+    <dgm:sp3d/>
+    <dgm:txPr/>
+    <dgm:style>
+      <a:lnRef idx="2">
+        <a:scrgbClr r="0" g="0" b="0"/>
+      </a:lnRef>
+      <a:fillRef idx="1">
+        <a:scrgbClr r="0" g="0" b="0"/>
+      </a:fillRef>
+      <a:effectRef idx="0">
+        <a:scrgbClr r="0" g="0" b="0"/>
+      </a:effectRef>
+      <a:fontRef idx="minor"/>
+    </dgm:style>
+  </dgm:styleLbl>
+  <dgm:styleLbl name="fgAcc0">
+    <dgm:scene3d>
+      <a:camera prst="orthographicFront"/>
+      <a:lightRig rig="threePt" dir="t"/>
+    </dgm:scene3d>
+    <dgm:sp3d/>
+    <dgm:txPr/>
+    <dgm:style>
+      <a:lnRef idx="2">
+        <a:scrgbClr r="0" g="0" b="0"/>
+      </a:lnRef>
+      <a:fillRef idx="1">
+        <a:scrgbClr r="0" g="0" b="0"/>
+      </a:fillRef>
+      <a:effectRef idx="0">
+        <a:scrgbClr r="0" g="0" b="0"/>
+      </a:effectRef>
+      <a:fontRef idx="minor"/>
+    </dgm:style>
+  </dgm:styleLbl>
+  <dgm:styleLbl name="fgAcc2">
+    <dgm:scene3d>
+      <a:camera prst="orthographicFront"/>
+      <a:lightRig rig="threePt" dir="t"/>
+    </dgm:scene3d>
+    <dgm:sp3d/>
+    <dgm:txPr/>
+    <dgm:style>
+      <a:lnRef idx="2">
+        <a:scrgbClr r="0" g="0" b="0"/>
+      </a:lnRef>
+      <a:fillRef idx="1">
+        <a:scrgbClr r="0" g="0" b="0"/>
+      </a:fillRef>
+      <a:effectRef idx="0">
+        <a:scrgbClr r="0" g="0" b="0"/>
+      </a:effectRef>
+      <a:fontRef idx="minor"/>
+    </dgm:style>
+  </dgm:styleLbl>
+  <dgm:styleLbl name="fgAcc3">
+    <dgm:scene3d>
+      <a:camera prst="orthographicFront"/>
+      <a:lightRig rig="threePt" dir="t"/>
+    </dgm:scene3d>
+    <dgm:sp3d/>
+    <dgm:txPr/>
+    <dgm:style>
+      <a:lnRef idx="2">
+        <a:scrgbClr r="0" g="0" b="0"/>
+      </a:lnRef>
+      <a:fillRef idx="1">
+        <a:scrgbClr r="0" g="0" b="0"/>
+      </a:fillRef>
+      <a:effectRef idx="0">
+        <a:scrgbClr r="0" g="0" b="0"/>
+      </a:effectRef>
+      <a:fontRef idx="minor"/>
+    </dgm:style>
+  </dgm:styleLbl>
+  <dgm:styleLbl name="fgAcc4">
+    <dgm:scene3d>
+      <a:camera prst="orthographicFront"/>
+      <a:lightRig rig="threePt" dir="t"/>
+    </dgm:scene3d>
+    <dgm:sp3d/>
+    <dgm:txPr/>
+    <dgm:style>
+      <a:lnRef idx="2">
+        <a:scrgbClr r="0" g="0" b="0"/>
+      </a:lnRef>
+      <a:fillRef idx="1">
+        <a:scrgbClr r="0" g="0" b="0"/>
+      </a:fillRef>
+      <a:effectRef idx="0">
+        <a:scrgbClr r="0" g="0" b="0"/>
+      </a:effectRef>
+      <a:fontRef idx="minor"/>
+    </dgm:style>
+  </dgm:styleLbl>
+  <dgm:styleLbl name="bgShp">
+    <dgm:scene3d>
+      <a:camera prst="orthographicFront"/>
+      <a:lightRig rig="threePt" dir="t"/>
+    </dgm:scene3d>
+    <dgm:sp3d/>
+    <dgm:txPr/>
+    <dgm:style>
+      <a:lnRef idx="0">
+        <a:scrgbClr r="0" g="0" b="0"/>
+      </a:lnRef>
+      <a:fillRef idx="1">
+        <a:scrgbClr r="0" g="0" b="0"/>
+      </a:fillRef>
+      <a:effectRef idx="0">
+        <a:scrgbClr r="0" g="0" b="0"/>
+      </a:effectRef>
+      <a:fontRef idx="minor"/>
+    </dgm:style>
+  </dgm:styleLbl>
+  <dgm:styleLbl name="dkBgShp">
+    <dgm:scene3d>
+      <a:camera prst="orthographicFront"/>
+      <a:lightRig rig="threePt" dir="t"/>
+    </dgm:scene3d>
+    <dgm:sp3d/>
+    <dgm:txPr/>
+    <dgm:style>
+      <a:lnRef idx="0">
+        <a:scrgbClr r="0" g="0" b="0"/>
+      </a:lnRef>
+      <a:fillRef idx="1">
+        <a:scrgbClr r="0" g="0" b="0"/>
+      </a:fillRef>
+      <a:effectRef idx="0">
+        <a:scrgbClr r="0" g="0" b="0"/>
+      </a:effectRef>
+      <a:fontRef idx="minor"/>
+    </dgm:style>
+  </dgm:styleLbl>
+  <dgm:styleLbl name="trBgShp">
+    <dgm:scene3d>
+      <a:camera prst="orthographicFront"/>
+      <a:lightRig rig="threePt" dir="t"/>
+    </dgm:scene3d>
+    <dgm:sp3d/>
+    <dgm:txPr/>
+    <dgm:style>
+      <a:lnRef idx="0">
+        <a:scrgbClr r="0" g="0" b="0"/>
+      </a:lnRef>
+      <a:fillRef idx="1">
+        <a:scrgbClr r="0" g="0" b="0"/>
+      </a:fillRef>
+      <a:effectRef idx="0">
+        <a:scrgbClr r="0" g="0" b="0"/>
+      </a:effectRef>
+      <a:fontRef idx="minor"/>
+    </dgm:style>
+  </dgm:styleLbl>
+  <dgm:styleLbl name="fgShp">
+    <dgm:scene3d>
+      <a:camera prst="orthographicFront"/>
+      <a:lightRig rig="threePt" dir="t"/>
+    </dgm:scene3d>
+    <dgm:sp3d/>
+    <dgm:txPr/>
+    <dgm:style>
+      <a:lnRef idx="2">
+        <a:scrgbClr r="0" g="0" b="0"/>
+      </a:lnRef>
+      <a:fillRef idx="1">
+        <a:scrgbClr r="0" g="0" b="0"/>
+      </a:fillRef>
+      <a:effectRef idx="0">
+        <a:scrgbClr r="0" g="0" b="0"/>
+      </a:effectRef>
+      <a:fontRef idx="minor"/>
+    </dgm:style>
+  </dgm:styleLbl>
+  <dgm:styleLbl name="revTx">
+    <dgm:scene3d>
+      <a:camera prst="orthographicFront"/>
+      <a:lightRig rig="threePt" dir="t"/>
+    </dgm:scene3d>
+    <dgm:sp3d/>
+    <dgm:txPr/>
+    <dgm:style>
+      <a:lnRef idx="0">
+        <a:scrgbClr r="0" g="0" b="0"/>
+      </a:lnRef>
+      <a:fillRef idx="0">
+        <a:scrgbClr r="0" g="0" b="0"/>
+      </a:fillRef>
+      <a:effectRef idx="0">
+        <a:scrgbClr r="0" g="0" b="0"/>
+      </a:effectRef>
+      <a:fontRef idx="minor"/>
+    </dgm:style>
+  </dgm:styleLbl>
+</dgm:styleDef>
+</file>
+
+<file path=ppt/diagrams/quickStyle6.xml><?xml version="1.0" encoding="utf-8"?>
 <dgm:styleDef xmlns:dgm="http://schemas.openxmlformats.org/drawingml/2006/diagram" xmlns:a="http://schemas.openxmlformats.org/drawingml/2006/main" uniqueId="urn:microsoft.com/office/officeart/2005/8/quickstyle/simple1">
   <dgm:title val=""/>
   <dgm:desc val=""/>
@@ -23321,7 +26105,7 @@
             <a:fld id="{B61BEF0D-F0BB-DE4B-95CE-6DB70DBA9567}" type="datetimeFigureOut">
               <a:rPr lang="en-US" smtClean="0"/>
               <a:pPr/>
-              <a:t>7/6/2022</a:t>
+              <a:t>7/7/22</a:t>
             </a:fld>
             <a:endParaRPr lang="en-US" dirty="0"/>
           </a:p>
@@ -23530,7 +26314,7 @@
             <a:fld id="{B61BEF0D-F0BB-DE4B-95CE-6DB70DBA9567}" type="datetimeFigureOut">
               <a:rPr lang="en-US" smtClean="0"/>
               <a:pPr/>
-              <a:t>7/6/2022</a:t>
+              <a:t>7/7/22</a:t>
             </a:fld>
             <a:endParaRPr lang="en-US" dirty="0"/>
           </a:p>
@@ -23712,7 +26496,7 @@
             <a:fld id="{B61BEF0D-F0BB-DE4B-95CE-6DB70DBA9567}" type="datetimeFigureOut">
               <a:rPr lang="en-US" smtClean="0"/>
               <a:pPr/>
-              <a:t>7/6/2022</a:t>
+              <a:t>7/7/22</a:t>
             </a:fld>
             <a:endParaRPr lang="en-US" dirty="0"/>
           </a:p>
@@ -23919,7 +26703,7 @@
             <a:fld id="{B61BEF0D-F0BB-DE4B-95CE-6DB70DBA9567}" type="datetimeFigureOut">
               <a:rPr lang="en-US" smtClean="0"/>
               <a:pPr/>
-              <a:t>7/6/2022</a:t>
+              <a:t>7/7/22</a:t>
             </a:fld>
             <a:endParaRPr lang="en-US" dirty="0"/>
           </a:p>
@@ -32819,7 +35603,7 @@
             <a:fld id="{B61BEF0D-F0BB-DE4B-95CE-6DB70DBA9567}" type="datetimeFigureOut">
               <a:rPr lang="en-US" smtClean="0"/>
               <a:pPr/>
-              <a:t>7/6/2022</a:t>
+              <a:t>7/7/22</a:t>
             </a:fld>
             <a:endParaRPr lang="en-US" dirty="0"/>
           </a:p>
@@ -33095,7 +35879,7 @@
             <a:fld id="{B61BEF0D-F0BB-DE4B-95CE-6DB70DBA9567}" type="datetimeFigureOut">
               <a:rPr lang="en-US" smtClean="0"/>
               <a:pPr/>
-              <a:t>7/6/2022</a:t>
+              <a:t>7/7/22</a:t>
             </a:fld>
             <a:endParaRPr lang="en-US" dirty="0"/>
           </a:p>
@@ -33495,7 +36279,7 @@
             <a:fld id="{B61BEF0D-F0BB-DE4B-95CE-6DB70DBA9567}" type="datetimeFigureOut">
               <a:rPr lang="en-US" smtClean="0"/>
               <a:pPr/>
-              <a:t>7/6/2022</a:t>
+              <a:t>7/7/22</a:t>
             </a:fld>
             <a:endParaRPr lang="en-US" dirty="0"/>
           </a:p>
@@ -33615,7 +36399,7 @@
             <a:fld id="{B61BEF0D-F0BB-DE4B-95CE-6DB70DBA9567}" type="datetimeFigureOut">
               <a:rPr lang="en-US" smtClean="0"/>
               <a:pPr/>
-              <a:t>7/6/2022</a:t>
+              <a:t>7/7/22</a:t>
             </a:fld>
             <a:endParaRPr lang="en-US" dirty="0"/>
           </a:p>
@@ -33712,7 +36496,7 @@
             <a:fld id="{B61BEF0D-F0BB-DE4B-95CE-6DB70DBA9567}" type="datetimeFigureOut">
               <a:rPr lang="en-US" smtClean="0"/>
               <a:pPr/>
-              <a:t>7/6/2022</a:t>
+              <a:t>7/7/22</a:t>
             </a:fld>
             <a:endParaRPr lang="en-US" dirty="0"/>
           </a:p>
@@ -34004,7 +36788,7 @@
             <a:fld id="{B61BEF0D-F0BB-DE4B-95CE-6DB70DBA9567}" type="datetimeFigureOut">
               <a:rPr lang="en-US" smtClean="0"/>
               <a:pPr/>
-              <a:t>7/6/2022</a:t>
+              <a:t>7/7/22</a:t>
             </a:fld>
             <a:endParaRPr lang="en-US" dirty="0"/>
           </a:p>
@@ -34286,7 +37070,7 @@
             <a:fld id="{B61BEF0D-F0BB-DE4B-95CE-6DB70DBA9567}" type="datetimeFigureOut">
               <a:rPr lang="en-US" smtClean="0"/>
               <a:pPr/>
-              <a:t>7/6/2022</a:t>
+              <a:t>7/7/22</a:t>
             </a:fld>
             <a:endParaRPr lang="en-US" dirty="0"/>
           </a:p>
@@ -34538,7 +37322,7 @@
             <a:fld id="{B61BEF0D-F0BB-DE4B-95CE-6DB70DBA9567}" type="datetimeFigureOut">
               <a:rPr lang="en-US" smtClean="0"/>
               <a:pPr/>
-              <a:t>7/6/2022</a:t>
+              <a:t>7/7/22</a:t>
             </a:fld>
             <a:endParaRPr lang="en-US" dirty="0"/>
           </a:p>
@@ -37499,6 +40283,14 @@
 <file path=ppt/slides/slide18.xml><?xml version="1.0" encoding="utf-8"?>
 <p:sld xmlns:a="http://schemas.openxmlformats.org/drawingml/2006/main" xmlns:r="http://schemas.openxmlformats.org/officeDocument/2006/relationships" xmlns:p="http://schemas.openxmlformats.org/presentationml/2006/main">
   <p:cSld>
+    <p:bg>
+      <p:bgPr>
+        <a:solidFill>
+          <a:schemeClr val="bg1"/>
+        </a:solidFill>
+        <a:effectLst/>
+      </p:bgPr>
+    </p:bg>
     <p:spTree>
       <p:nvGrpSpPr>
         <p:cNvPr id="1" name=""/>
@@ -37529,7 +40321,12 @@
             <p:ph type="title"/>
           </p:nvPr>
         </p:nvSpPr>
-        <p:spPr/>
+        <p:spPr>
+          <a:xfrm>
+            <a:off x="1024129" y="585216"/>
+            <a:ext cx="4431792" cy="1499616"/>
+          </a:xfrm>
+        </p:spPr>
         <p:txBody>
           <a:bodyPr>
             <a:normAutofit/>
@@ -37537,7 +40334,7 @@
           <a:lstStyle/>
           <a:p>
             <a:r>
-              <a:rPr lang="en-US" sz="4000" dirty="0"/>
+              <a:rPr lang="en-US"/>
               <a:t>Swap Contracts</a:t>
             </a:r>
           </a:p>
@@ -37559,7 +40356,12 @@
             <p:ph idx="1"/>
           </p:nvPr>
         </p:nvSpPr>
-        <p:spPr/>
+        <p:spPr>
+          <a:xfrm>
+            <a:off x="1024128" y="2286000"/>
+            <a:ext cx="4429615" cy="3931920"/>
+          </a:xfrm>
+        </p:spPr>
         <p:txBody>
           <a:bodyPr>
             <a:normAutofit/>
@@ -37567,36 +40369,28 @@
           <a:lstStyle/>
           <a:p>
             <a:r>
-              <a:rPr lang="en-US" sz="2800" dirty="0"/>
+              <a:rPr lang="en-US" dirty="0"/>
               <a:t>Forward commitments</a:t>
             </a:r>
           </a:p>
           <a:p>
             <a:pPr lvl="1"/>
             <a:r>
-              <a:rPr lang="en-US" sz="2800" dirty="0">
-                <a:solidFill>
-                  <a:schemeClr val="tx1"/>
-                </a:solidFill>
-              </a:rPr>
+              <a:rPr lang="en-US" dirty="0"/>
               <a:t>Forward</a:t>
             </a:r>
           </a:p>
           <a:p>
             <a:pPr lvl="1"/>
             <a:r>
-              <a:rPr lang="en-US" sz="2800" dirty="0">
-                <a:solidFill>
-                  <a:schemeClr val="tx1"/>
-                </a:solidFill>
-              </a:rPr>
+              <a:rPr lang="en-US" dirty="0"/>
               <a:t>Futures</a:t>
             </a:r>
           </a:p>
           <a:p>
             <a:pPr lvl="1"/>
             <a:r>
-              <a:rPr lang="en-US" sz="2800" u="sng" dirty="0">
+              <a:rPr lang="en-US" u="sng" dirty="0">
                 <a:solidFill>
                   <a:srgbClr val="FF0000"/>
                 </a:solidFill>
@@ -37606,21 +40400,21 @@
           </a:p>
           <a:p>
             <a:r>
-              <a:rPr lang="en-US" sz="2800" dirty="0"/>
+              <a:rPr lang="en-US" dirty="0"/>
               <a:t>Contingent claims</a:t>
             </a:r>
           </a:p>
           <a:p>
             <a:pPr lvl="1"/>
             <a:r>
-              <a:rPr lang="en-US" sz="2800" dirty="0"/>
+              <a:rPr lang="en-US" dirty="0"/>
               <a:t>Option</a:t>
             </a:r>
           </a:p>
           <a:p>
             <a:pPr lvl="1"/>
             <a:r>
-              <a:rPr lang="en-US" sz="2800" dirty="0"/>
+              <a:rPr lang="en-US" dirty="0"/>
               <a:t>Credit Derivatives</a:t>
             </a:r>
           </a:p>
@@ -37630,6 +40424,45 @@
           </a:p>
         </p:txBody>
       </p:sp>
+      <p:pic>
+        <p:nvPicPr>
+          <p:cNvPr id="7" name="Graphic 6" descr="握手">
+            <a:extLst>
+              <a:ext uri="{FF2B5EF4-FFF2-40B4-BE49-F238E27FC236}">
+                <a16:creationId xmlns:a16="http://schemas.microsoft.com/office/drawing/2014/main" id="{45C5EA3D-CAA2-2E31-4A50-F16271CBA835}"/>
+              </a:ext>
+            </a:extLst>
+          </p:cNvPr>
+          <p:cNvPicPr>
+            <a:picLocks noChangeAspect="1"/>
+          </p:cNvPicPr>
+          <p:nvPr/>
+        </p:nvPicPr>
+        <p:blipFill>
+          <a:blip r:embed="rId2">
+            <a:extLst>
+              <a:ext uri="{28A0092B-C50C-407E-A947-70E740481C1C}">
+                <a14:useLocalDpi xmlns:a14="http://schemas.microsoft.com/office/drawing/2010/main" val="0"/>
+              </a:ext>
+              <a:ext uri="{96DAC541-7B7A-43D3-8B79-37D633B846F1}">
+                <asvg:svgBlip xmlns:asvg="http://schemas.microsoft.com/office/drawing/2016/SVG/main" r:embed="rId3"/>
+              </a:ext>
+            </a:extLst>
+          </a:blip>
+          <a:stretch>
+            <a:fillRect/>
+          </a:stretch>
+        </p:blipFill>
+        <p:spPr>
+          <a:xfrm>
+            <a:off x="6096000" y="701039"/>
+            <a:ext cx="5455921" cy="5455921"/>
+          </a:xfrm>
+          <a:prstGeom prst="rect">
+            <a:avLst/>
+          </a:prstGeom>
+        </p:spPr>
+      </p:pic>
     </p:spTree>
     <p:extLst>
       <p:ext uri="{BB962C8B-B14F-4D97-AF65-F5344CB8AC3E}">
@@ -37646,6 +40479,14 @@
 <file path=ppt/slides/slide19.xml><?xml version="1.0" encoding="utf-8"?>
 <p:sld xmlns:a="http://schemas.openxmlformats.org/drawingml/2006/main" xmlns:r="http://schemas.openxmlformats.org/officeDocument/2006/relationships" xmlns:p="http://schemas.openxmlformats.org/presentationml/2006/main">
   <p:cSld>
+    <p:bg>
+      <p:bgPr>
+        <a:solidFill>
+          <a:schemeClr val="bg1"/>
+        </a:solidFill>
+        <a:effectLst/>
+      </p:bgPr>
+    </p:bg>
     <p:spTree>
       <p:nvGrpSpPr>
         <p:cNvPr id="1" name=""/>
@@ -37676,7 +40517,12 @@
             <p:ph type="title"/>
           </p:nvPr>
         </p:nvSpPr>
-        <p:spPr/>
+        <p:spPr>
+          <a:xfrm>
+            <a:off x="1024128" y="585216"/>
+            <a:ext cx="8018272" cy="1499616"/>
+          </a:xfrm>
+        </p:spPr>
         <p:txBody>
           <a:bodyPr>
             <a:normAutofit/>
@@ -37684,7 +40530,7 @@
           <a:lstStyle/>
           <a:p>
             <a:r>
-              <a:rPr lang="en-US" sz="4000" dirty="0"/>
+              <a:rPr lang="en-US"/>
               <a:t>Swap Contracts</a:t>
             </a:r>
           </a:p>
@@ -37706,7 +40552,12 @@
             <p:ph idx="1"/>
           </p:nvPr>
         </p:nvSpPr>
-        <p:spPr/>
+        <p:spPr>
+          <a:xfrm>
+            <a:off x="1024128" y="2286000"/>
+            <a:ext cx="8018271" cy="4023360"/>
+          </a:xfrm>
+        </p:spPr>
         <p:txBody>
           <a:bodyPr>
             <a:normAutofit/>
@@ -37714,23 +40565,23 @@
           <a:lstStyle/>
           <a:p>
             <a:r>
-              <a:rPr lang="en-US" sz="2400" dirty="0"/>
+              <a:rPr lang="en-US" dirty="0"/>
               <a:t>Definition: A swap is a firm commitment under which two counterparties </a:t>
             </a:r>
             <a:r>
-              <a:rPr lang="en-US" sz="2400" dirty="0">
+              <a:rPr lang="en-US" dirty="0">
                 <a:solidFill>
                   <a:srgbClr val="FF0000"/>
                 </a:solidFill>
               </a:rPr>
-              <a:t>exchange a series of cash flows</a:t>
-            </a:r>
-            <a:r>
-              <a:rPr lang="en-US" sz="2400" dirty="0"/>
-              <a:t> in the future. One set of cash flows is typically </a:t>
-            </a:r>
-            <a:r>
-              <a:rPr lang="en-US" sz="2400" dirty="0">
+              <a:t>exchange a series of cash flows </a:t>
+            </a:r>
+            <a:r>
+              <a:rPr lang="en-US" dirty="0"/>
+              <a:t>in the future. One set of cash flows is typically </a:t>
+            </a:r>
+            <a:r>
+              <a:rPr lang="en-US" dirty="0">
                 <a:solidFill>
                   <a:srgbClr val="FF0000"/>
                 </a:solidFill>
@@ -37738,11 +40589,11 @@
               <a:t>variable, or floating</a:t>
             </a:r>
             <a:r>
-              <a:rPr lang="en-US" sz="2400" dirty="0"/>
+              <a:rPr lang="en-US" dirty="0"/>
               <a:t>, and determined by a market reference rate that resets each period. The other cash flow stream is usually </a:t>
             </a:r>
             <a:r>
-              <a:rPr lang="en-US" sz="2400" dirty="0">
+              <a:rPr lang="en-US" dirty="0">
                 <a:solidFill>
                   <a:srgbClr val="FF0000"/>
                 </a:solidFill>
@@ -37750,9 +40601,137 @@
               <a:t>fixed or may vary based on a different underlying asset or rate</a:t>
             </a:r>
             <a:r>
-              <a:rPr lang="en-US" sz="2400" dirty="0"/>
+              <a:rPr lang="en-US" dirty="0"/>
               <a:t>.</a:t>
             </a:r>
+          </a:p>
+        </p:txBody>
+      </p:sp>
+      <p:sp>
+        <p:nvSpPr>
+          <p:cNvPr id="8" name="Rectangle 7">
+            <a:extLst>
+              <a:ext uri="{FF2B5EF4-FFF2-40B4-BE49-F238E27FC236}">
+                <a16:creationId xmlns:a16="http://schemas.microsoft.com/office/drawing/2014/main" id="{77D7B666-D5E6-48CE-B26A-FB5E5C34AF90}"/>
+              </a:ext>
+              <a:ext uri="{C183D7F6-B498-43B3-948B-1728B52AA6E4}">
+                <adec:decorative xmlns:adec="http://schemas.microsoft.com/office/drawing/2017/decorative" val="1"/>
+              </a:ext>
+            </a:extLst>
+          </p:cNvPr>
+          <p:cNvSpPr>
+            <a:spLocks noGrp="1" noRot="1" noChangeAspect="1" noMove="1" noResize="1" noEditPoints="1" noAdjustHandles="1" noChangeArrowheads="1" noChangeShapeType="1" noTextEdit="1"/>
+          </p:cNvSpPr>
+          <p:nvPr>
+            <p:extLst>
+              <p:ext uri="{386F3935-93C4-4BCD-93E2-E3B085C9AB24}">
+                <p16:designElem xmlns:p16="http://schemas.microsoft.com/office/powerpoint/2015/main" val="1"/>
+              </p:ext>
+            </p:extLst>
+          </p:nvPr>
+        </p:nvSpPr>
+        <p:spPr>
+          <a:xfrm>
+            <a:off x="9583348" y="325601"/>
+            <a:ext cx="2286920" cy="3908071"/>
+          </a:xfrm>
+          <a:prstGeom prst="rect">
+            <a:avLst/>
+          </a:prstGeom>
+          <a:solidFill>
+            <a:schemeClr val="accent1"/>
+          </a:solidFill>
+          <a:ln>
+            <a:noFill/>
+          </a:ln>
+        </p:spPr>
+        <p:style>
+          <a:lnRef idx="2">
+            <a:schemeClr val="accent1">
+              <a:shade val="50000"/>
+            </a:schemeClr>
+          </a:lnRef>
+          <a:fillRef idx="1">
+            <a:schemeClr val="accent1"/>
+          </a:fillRef>
+          <a:effectRef idx="0">
+            <a:schemeClr val="accent1"/>
+          </a:effectRef>
+          <a:fontRef idx="minor">
+            <a:schemeClr val="lt1"/>
+          </a:fontRef>
+        </p:style>
+        <p:txBody>
+          <a:bodyPr rtlCol="0" anchor="ctr"/>
+          <a:lstStyle/>
+          <a:p>
+            <a:pPr algn="ctr"/>
+            <a:endParaRPr lang="en-US" dirty="0"/>
+          </a:p>
+        </p:txBody>
+      </p:sp>
+      <p:sp>
+        <p:nvSpPr>
+          <p:cNvPr id="10" name="Rectangle 9">
+            <a:extLst>
+              <a:ext uri="{FF2B5EF4-FFF2-40B4-BE49-F238E27FC236}">
+                <a16:creationId xmlns:a16="http://schemas.microsoft.com/office/drawing/2014/main" id="{F6EE670A-A41A-44AD-BC1C-2090365EB5B3}"/>
+              </a:ext>
+              <a:ext uri="{C183D7F6-B498-43B3-948B-1728B52AA6E4}">
+                <adec:decorative xmlns:adec="http://schemas.microsoft.com/office/drawing/2017/decorative" val="1"/>
+              </a:ext>
+            </a:extLst>
+          </p:cNvPr>
+          <p:cNvSpPr>
+            <a:spLocks noGrp="1" noRot="1" noChangeAspect="1" noMove="1" noResize="1" noEditPoints="1" noAdjustHandles="1" noChangeArrowheads="1" noChangeShapeType="1" noTextEdit="1"/>
+          </p:cNvSpPr>
+          <p:nvPr>
+            <p:extLst>
+              <p:ext uri="{386F3935-93C4-4BCD-93E2-E3B085C9AB24}">
+                <p16:designElem xmlns:p16="http://schemas.microsoft.com/office/powerpoint/2015/main" val="1"/>
+              </p:ext>
+            </p:extLst>
+          </p:nvPr>
+        </p:nvSpPr>
+        <p:spPr>
+          <a:xfrm>
+            <a:off x="9583348" y="4394539"/>
+            <a:ext cx="2286920" cy="2029724"/>
+          </a:xfrm>
+          <a:prstGeom prst="rect">
+            <a:avLst/>
+          </a:prstGeom>
+          <a:solidFill>
+            <a:schemeClr val="tx2">
+              <a:alpha val="80000"/>
+            </a:schemeClr>
+          </a:solidFill>
+          <a:ln>
+            <a:noFill/>
+          </a:ln>
+        </p:spPr>
+        <p:style>
+          <a:lnRef idx="2">
+            <a:schemeClr val="accent1">
+              <a:shade val="50000"/>
+            </a:schemeClr>
+          </a:lnRef>
+          <a:fillRef idx="1">
+            <a:schemeClr val="accent1"/>
+          </a:fillRef>
+          <a:effectRef idx="0">
+            <a:schemeClr val="accent1"/>
+          </a:effectRef>
+          <a:fontRef idx="minor">
+            <a:schemeClr val="lt1"/>
+          </a:fontRef>
+        </p:style>
+        <p:txBody>
+          <a:bodyPr rtlCol="0" anchor="ctr"/>
+          <a:lstStyle/>
+          <a:p>
+            <a:pPr algn="ctr"/>
+            <a:endParaRPr lang="en-US"/>
           </a:p>
         </p:txBody>
       </p:sp>
@@ -38069,6 +41048,14 @@
 <file path=ppt/slides/slide21.xml><?xml version="1.0" encoding="utf-8"?>
 <p:sld xmlns:a="http://schemas.openxmlformats.org/drawingml/2006/main" xmlns:r="http://schemas.openxmlformats.org/officeDocument/2006/relationships" xmlns:p="http://schemas.openxmlformats.org/presentationml/2006/main">
   <p:cSld>
+    <p:bg>
+      <p:bgPr>
+        <a:solidFill>
+          <a:schemeClr val="bg1"/>
+        </a:solidFill>
+        <a:effectLst/>
+      </p:bgPr>
+    </p:bg>
     <p:spTree>
       <p:nvGrpSpPr>
         <p:cNvPr id="1" name=""/>
@@ -38099,7 +41086,12 @@
             <p:ph type="title"/>
           </p:nvPr>
         </p:nvSpPr>
-        <p:spPr/>
+        <p:spPr>
+          <a:xfrm>
+            <a:off x="1024128" y="585216"/>
+            <a:ext cx="3133581" cy="1499616"/>
+          </a:xfrm>
+        </p:spPr>
         <p:txBody>
           <a:bodyPr>
             <a:normAutofit/>
@@ -38107,9 +41099,10 @@
           <a:lstStyle/>
           <a:p>
             <a:r>
-              <a:rPr lang="en-US" sz="4000" dirty="0"/>
+              <a:rPr lang="en-US" sz="4000"/>
               <a:t>Swap Contracts</a:t>
             </a:r>
+            <a:endParaRPr lang="en-US" sz="4000" dirty="0"/>
           </a:p>
         </p:txBody>
       </p:sp>
@@ -38129,24 +41122,25 @@
             <p:ph idx="1"/>
           </p:nvPr>
         </p:nvSpPr>
-        <p:spPr/>
+        <p:spPr>
+          <a:xfrm>
+            <a:off x="1024128" y="2286000"/>
+            <a:ext cx="3133580" cy="3931920"/>
+          </a:xfrm>
+        </p:spPr>
         <p:txBody>
-          <a:bodyPr/>
+          <a:bodyPr>
+            <a:normAutofit/>
+          </a:bodyPr>
           <a:lstStyle/>
           <a:p>
             <a:r>
-              <a:rPr lang="en-US" dirty="0"/>
-              <a:t>Swap as a series of forward exchanges</a:t>
+              <a:rPr lang="en-US" sz="1600"/>
+              <a:t>Counterparties usually exchange a net payment on fixed- and floating-rate payments</a:t>
             </a:r>
           </a:p>
           <a:p>
-            <a:r>
-              <a:rPr lang="en-US" dirty="0"/>
-              <a:t>Counterparties usually exchange a net payment on fixed- and floating-rate payments</a:t>
-            </a:r>
-          </a:p>
-          <a:p>
-            <a:endParaRPr lang="en-US" dirty="0"/>
+            <a:endParaRPr lang="en-US" sz="1600"/>
           </a:p>
         </p:txBody>
       </p:sp>
@@ -38172,8 +41166,8 @@
         </p:blipFill>
         <p:spPr>
           <a:xfrm>
-            <a:off x="1024128" y="3533606"/>
-            <a:ext cx="6045090" cy="2976922"/>
+            <a:off x="4642342" y="1727517"/>
+            <a:ext cx="6909577" cy="3402966"/>
           </a:xfrm>
           <a:prstGeom prst="rect">
             <a:avLst/>
@@ -38196,6 +41190,14 @@
 <file path=ppt/slides/slide22.xml><?xml version="1.0" encoding="utf-8"?>
 <p:sld xmlns:a="http://schemas.openxmlformats.org/drawingml/2006/main" xmlns:r="http://schemas.openxmlformats.org/officeDocument/2006/relationships" xmlns:p="http://schemas.openxmlformats.org/presentationml/2006/main">
   <p:cSld>
+    <p:bg>
+      <p:bgPr>
+        <a:solidFill>
+          <a:schemeClr val="bg1"/>
+        </a:solidFill>
+        <a:effectLst/>
+      </p:bgPr>
+    </p:bg>
     <p:spTree>
       <p:nvGrpSpPr>
         <p:cNvPr id="1" name=""/>
@@ -38226,7 +41228,12 @@
             <p:ph type="title"/>
           </p:nvPr>
         </p:nvSpPr>
-        <p:spPr/>
+        <p:spPr>
+          <a:xfrm>
+            <a:off x="1024128" y="585216"/>
+            <a:ext cx="8018272" cy="1499616"/>
+          </a:xfrm>
+        </p:spPr>
         <p:txBody>
           <a:bodyPr>
             <a:normAutofit/>
@@ -38234,14 +41241,14 @@
           <a:lstStyle/>
           <a:p>
             <a:r>
-              <a:rPr lang="en-US" sz="4000" dirty="0"/>
+              <a:rPr lang="en-US"/>
               <a:t>Swap Contracts</a:t>
             </a:r>
             <a:br>
-              <a:rPr lang="en-US" sz="4000" dirty="0"/>
+              <a:rPr lang="en-US"/>
             </a:br>
             <a:r>
-              <a:rPr lang="en-US" sz="3600" dirty="0"/>
+              <a:rPr lang="en-US"/>
               <a:t>example</a:t>
             </a:r>
           </a:p>
@@ -38263,9 +41270,16 @@
             <p:ph idx="1"/>
           </p:nvPr>
         </p:nvSpPr>
-        <p:spPr/>
+        <p:spPr>
+          <a:xfrm>
+            <a:off x="1024128" y="2286000"/>
+            <a:ext cx="8018271" cy="4023360"/>
+          </a:xfrm>
+        </p:spPr>
         <p:txBody>
-          <a:bodyPr/>
+          <a:bodyPr>
+            <a:normAutofit/>
+          </a:bodyPr>
           <a:lstStyle/>
           <a:p>
             <a:r>
@@ -38276,38 +41290,172 @@
               <a:rPr lang="en-US" dirty="0"/>
               <a:t> Investments has entered a five-year, receive-fixed GBP200 million</a:t>
             </a:r>
+            <a:r>
+              <a:rPr lang="zh-CN" altLang="en-US" dirty="0"/>
+              <a:t> </a:t>
+            </a:r>
+            <a:r>
+              <a:rPr lang="en-US" dirty="0"/>
+              <a:t>interest rate swap with a financial intermediary to increase the duration of its</a:t>
+            </a:r>
+            <a:r>
+              <a:rPr lang="zh-CN" altLang="en-US" dirty="0"/>
+              <a:t> </a:t>
+            </a:r>
+            <a:r>
+              <a:rPr lang="en-US" dirty="0"/>
+              <a:t>fixed-income portfolio. Under terms of the swap, </a:t>
+            </a:r>
+            <a:r>
+              <a:rPr lang="en-US" dirty="0" err="1"/>
+              <a:t>Fyleton</a:t>
+            </a:r>
+            <a:r>
+              <a:rPr lang="en-US" dirty="0"/>
+              <a:t> has agreed to receive</a:t>
+            </a:r>
+            <a:r>
+              <a:rPr lang="zh-CN" altLang="en-US" dirty="0"/>
+              <a:t> </a:t>
+            </a:r>
+            <a:r>
+              <a:rPr lang="en-US" dirty="0"/>
+              <a:t>a semiannual GBP fixed rate of 2.25% and pay six-month MRR.</a:t>
+            </a:r>
           </a:p>
           <a:p>
             <a:r>
               <a:rPr lang="en-US" dirty="0"/>
-              <a:t>interest rate swap with a financial intermediary to increase the duration of its</a:t>
+              <a:t>Calculate the first swap cash flow exchange if six-month MRR is set at 1.95%.</a:t>
             </a:r>
           </a:p>
+        </p:txBody>
+      </p:sp>
+      <p:sp>
+        <p:nvSpPr>
+          <p:cNvPr id="8" name="Rectangle 7">
+            <a:extLst>
+              <a:ext uri="{FF2B5EF4-FFF2-40B4-BE49-F238E27FC236}">
+                <a16:creationId xmlns:a16="http://schemas.microsoft.com/office/drawing/2014/main" id="{77D7B666-D5E6-48CE-B26A-FB5E5C34AF90}"/>
+              </a:ext>
+              <a:ext uri="{C183D7F6-B498-43B3-948B-1728B52AA6E4}">
+                <adec:decorative xmlns:adec="http://schemas.microsoft.com/office/drawing/2017/decorative" val="1"/>
+              </a:ext>
+            </a:extLst>
+          </p:cNvPr>
+          <p:cNvSpPr>
+            <a:spLocks noGrp="1" noRot="1" noChangeAspect="1" noMove="1" noResize="1" noEditPoints="1" noAdjustHandles="1" noChangeArrowheads="1" noChangeShapeType="1" noTextEdit="1"/>
+          </p:cNvSpPr>
+          <p:nvPr>
+            <p:extLst>
+              <p:ext uri="{386F3935-93C4-4BCD-93E2-E3B085C9AB24}">
+                <p16:designElem xmlns:p16="http://schemas.microsoft.com/office/powerpoint/2015/main" val="1"/>
+              </p:ext>
+            </p:extLst>
+          </p:nvPr>
+        </p:nvSpPr>
+        <p:spPr>
+          <a:xfrm>
+            <a:off x="9583348" y="325601"/>
+            <a:ext cx="2286920" cy="3908071"/>
+          </a:xfrm>
+          <a:prstGeom prst="rect">
+            <a:avLst/>
+          </a:prstGeom>
+          <a:solidFill>
+            <a:schemeClr val="accent1"/>
+          </a:solidFill>
+          <a:ln>
+            <a:noFill/>
+          </a:ln>
+        </p:spPr>
+        <p:style>
+          <a:lnRef idx="2">
+            <a:schemeClr val="accent1">
+              <a:shade val="50000"/>
+            </a:schemeClr>
+          </a:lnRef>
+          <a:fillRef idx="1">
+            <a:schemeClr val="accent1"/>
+          </a:fillRef>
+          <a:effectRef idx="0">
+            <a:schemeClr val="accent1"/>
+          </a:effectRef>
+          <a:fontRef idx="minor">
+            <a:schemeClr val="lt1"/>
+          </a:fontRef>
+        </p:style>
+        <p:txBody>
+          <a:bodyPr rtlCol="0" anchor="ctr"/>
+          <a:lstStyle/>
           <a:p>
-            <a:r>
-              <a:rPr lang="en-US" dirty="0"/>
-              <a:t>fixed-income portfolio. Under terms of the swap, </a:t>
-            </a:r>
-            <a:r>
-              <a:rPr lang="en-US" dirty="0" err="1"/>
-              <a:t>Fyleton</a:t>
-            </a:r>
-            <a:r>
-              <a:rPr lang="en-US" dirty="0"/>
-              <a:t> has agreed to receive</a:t>
-            </a:r>
+            <a:pPr algn="ctr"/>
+            <a:endParaRPr lang="en-US" dirty="0"/>
           </a:p>
+        </p:txBody>
+      </p:sp>
+      <p:sp>
+        <p:nvSpPr>
+          <p:cNvPr id="10" name="Rectangle 9">
+            <a:extLst>
+              <a:ext uri="{FF2B5EF4-FFF2-40B4-BE49-F238E27FC236}">
+                <a16:creationId xmlns:a16="http://schemas.microsoft.com/office/drawing/2014/main" id="{F6EE670A-A41A-44AD-BC1C-2090365EB5B3}"/>
+              </a:ext>
+              <a:ext uri="{C183D7F6-B498-43B3-948B-1728B52AA6E4}">
+                <adec:decorative xmlns:adec="http://schemas.microsoft.com/office/drawing/2017/decorative" val="1"/>
+              </a:ext>
+            </a:extLst>
+          </p:cNvPr>
+          <p:cNvSpPr>
+            <a:spLocks noGrp="1" noRot="1" noChangeAspect="1" noMove="1" noResize="1" noEditPoints="1" noAdjustHandles="1" noChangeArrowheads="1" noChangeShapeType="1" noTextEdit="1"/>
+          </p:cNvSpPr>
+          <p:nvPr>
+            <p:extLst>
+              <p:ext uri="{386F3935-93C4-4BCD-93E2-E3B085C9AB24}">
+                <p16:designElem xmlns:p16="http://schemas.microsoft.com/office/powerpoint/2015/main" val="1"/>
+              </p:ext>
+            </p:extLst>
+          </p:nvPr>
+        </p:nvSpPr>
+        <p:spPr>
+          <a:xfrm>
+            <a:off x="9583348" y="4394539"/>
+            <a:ext cx="2286920" cy="2029724"/>
+          </a:xfrm>
+          <a:prstGeom prst="rect">
+            <a:avLst/>
+          </a:prstGeom>
+          <a:solidFill>
+            <a:schemeClr val="tx2">
+              <a:alpha val="80000"/>
+            </a:schemeClr>
+          </a:solidFill>
+          <a:ln>
+            <a:noFill/>
+          </a:ln>
+        </p:spPr>
+        <p:style>
+          <a:lnRef idx="2">
+            <a:schemeClr val="accent1">
+              <a:shade val="50000"/>
+            </a:schemeClr>
+          </a:lnRef>
+          <a:fillRef idx="1">
+            <a:schemeClr val="accent1"/>
+          </a:fillRef>
+          <a:effectRef idx="0">
+            <a:schemeClr val="accent1"/>
+          </a:effectRef>
+          <a:fontRef idx="minor">
+            <a:schemeClr val="lt1"/>
+          </a:fontRef>
+        </p:style>
+        <p:txBody>
+          <a:bodyPr rtlCol="0" anchor="ctr"/>
+          <a:lstStyle/>
           <a:p>
-            <a:r>
-              <a:rPr lang="en-US" dirty="0"/>
-              <a:t>a semiannual GBP fixed rate of 2.25% and pay six-month MRR.</a:t>
-            </a:r>
-          </a:p>
-          <a:p>
-            <a:r>
-              <a:rPr lang="en-US" dirty="0"/>
-              <a:t>Calculate the first swap cash flow exchange if six-month MRR is set at 1.95%.</a:t>
-            </a:r>
+            <a:pPr algn="ctr"/>
+            <a:endParaRPr lang="en-US"/>
           </a:p>
         </p:txBody>
       </p:sp>
@@ -38327,6 +41475,14 @@
 <file path=ppt/slides/slide23.xml><?xml version="1.0" encoding="utf-8"?>
 <p:sld xmlns:a="http://schemas.openxmlformats.org/drawingml/2006/main" xmlns:r="http://schemas.openxmlformats.org/officeDocument/2006/relationships" xmlns:p="http://schemas.openxmlformats.org/presentationml/2006/main">
   <p:cSld>
+    <p:bg>
+      <p:bgPr>
+        <a:solidFill>
+          <a:schemeClr val="bg1"/>
+        </a:solidFill>
+        <a:effectLst/>
+      </p:bgPr>
+    </p:bg>
     <p:spTree>
       <p:nvGrpSpPr>
         <p:cNvPr id="1" name=""/>
@@ -38357,7 +41513,12 @@
             <p:ph type="title"/>
           </p:nvPr>
         </p:nvSpPr>
-        <p:spPr/>
+        <p:spPr>
+          <a:xfrm>
+            <a:off x="1024128" y="585216"/>
+            <a:ext cx="8018272" cy="1499616"/>
+          </a:xfrm>
+        </p:spPr>
         <p:txBody>
           <a:bodyPr>
             <a:normAutofit/>
@@ -38365,7 +41526,7 @@
           <a:lstStyle/>
           <a:p>
             <a:r>
-              <a:rPr lang="en-US" sz="4000" dirty="0"/>
+              <a:rPr lang="en-US"/>
               <a:t>Swap Contracts</a:t>
             </a:r>
           </a:p>
@@ -38387,7 +41548,12 @@
             <p:ph idx="1"/>
           </p:nvPr>
         </p:nvSpPr>
-        <p:spPr/>
+        <p:spPr>
+          <a:xfrm>
+            <a:off x="1024128" y="2286000"/>
+            <a:ext cx="8018271" cy="4023360"/>
+          </a:xfrm>
+        </p:spPr>
         <p:txBody>
           <a:bodyPr>
             <a:normAutofit/>
@@ -38411,14 +41577,14 @@
                   <a:srgbClr val="FF0000"/>
                 </a:solidFill>
               </a:rPr>
-              <a:t>a series of forwards</a:t>
+              <a:t>a series of forwards.</a:t>
             </a:r>
           </a:p>
           <a:p>
             <a:pPr lvl="1"/>
             <a:r>
               <a:rPr lang="en-US" dirty="0"/>
-              <a:t>A swap is a bit more like a forward contract than a futures contract in that it is an OTC contract, so it is </a:t>
+              <a:t>A swap is a bit more like a forward contract than a futures contract in that it is an </a:t>
             </a:r>
             <a:r>
               <a:rPr lang="en-US" dirty="0">
@@ -38426,7 +41592,11 @@
                   <a:srgbClr val="FF0000"/>
                 </a:solidFill>
               </a:rPr>
-              <a:t>privately negotiated and subject to default. </a:t>
+              <a:t>OTC</a:t>
+            </a:r>
+            <a:r>
+              <a:rPr lang="en-US" dirty="0"/>
+              <a:t> contract, so it is privately negotiated and subject to default. </a:t>
             </a:r>
           </a:p>
           <a:p>
@@ -38452,7 +41622,7 @@
             <a:pPr lvl="1"/>
             <a:r>
               <a:rPr lang="en-US" dirty="0"/>
-              <a:t>As with futures and forwards, no money changes hands at the start; thus, </a:t>
+              <a:t>As with futures and forwards, </a:t>
             </a:r>
             <a:r>
               <a:rPr lang="en-US" dirty="0">
@@ -38460,17 +41630,29 @@
                   <a:srgbClr val="FF0000"/>
                 </a:solidFill>
               </a:rPr>
-              <a:t>the value of a swap when initiated must be zero.</a:t>
+              <a:t>no money changes hands at the start</a:t>
+            </a:r>
+            <a:r>
+              <a:rPr lang="en-US" dirty="0"/>
+              <a:t>; thus, the value of a swap when </a:t>
+            </a:r>
+            <a:r>
+              <a:rPr lang="en-US" dirty="0">
+                <a:solidFill>
+                  <a:srgbClr val="FF0000"/>
+                </a:solidFill>
+              </a:rPr>
+              <a:t>initiated must be zero</a:t>
+            </a:r>
+            <a:r>
+              <a:rPr lang="en-US" dirty="0"/>
+              <a:t>.</a:t>
             </a:r>
           </a:p>
           <a:p>
             <a:pPr lvl="1"/>
             <a:r>
-              <a:rPr lang="en-US" dirty="0">
-                <a:solidFill>
-                  <a:schemeClr val="tx1"/>
-                </a:solidFill>
-              </a:rPr>
+              <a:rPr lang="en-US" dirty="0"/>
               <a:t>The notional amount of a swap is </a:t>
             </a:r>
             <a:r>
@@ -38482,20 +41664,140 @@
               <a:t>not typically exchanged</a:t>
             </a:r>
             <a:r>
-              <a:rPr lang="en-US" dirty="0">
-                <a:solidFill>
-                  <a:schemeClr val="tx1"/>
-                </a:solidFill>
-              </a:rPr>
+              <a:rPr lang="en-US" dirty="0"/>
               <a:t>, the credit risk of a swap is much less than that of a loan.</a:t>
             </a:r>
           </a:p>
           <a:p>
-            <a:endParaRPr lang="en-US" dirty="0">
-              <a:solidFill>
-                <a:srgbClr val="FF0000"/>
-              </a:solidFill>
-            </a:endParaRPr>
+            <a:endParaRPr lang="en-US" dirty="0"/>
+          </a:p>
+        </p:txBody>
+      </p:sp>
+      <p:sp>
+        <p:nvSpPr>
+          <p:cNvPr id="12" name="Rectangle 7">
+            <a:extLst>
+              <a:ext uri="{FF2B5EF4-FFF2-40B4-BE49-F238E27FC236}">
+                <a16:creationId xmlns:a16="http://schemas.microsoft.com/office/drawing/2014/main" id="{77D7B666-D5E6-48CE-B26A-FB5E5C34AF90}"/>
+              </a:ext>
+              <a:ext uri="{C183D7F6-B498-43B3-948B-1728B52AA6E4}">
+                <adec:decorative xmlns:adec="http://schemas.microsoft.com/office/drawing/2017/decorative" val="1"/>
+              </a:ext>
+            </a:extLst>
+          </p:cNvPr>
+          <p:cNvSpPr>
+            <a:spLocks noGrp="1" noRot="1" noChangeAspect="1" noMove="1" noResize="1" noEditPoints="1" noAdjustHandles="1" noChangeArrowheads="1" noChangeShapeType="1" noTextEdit="1"/>
+          </p:cNvSpPr>
+          <p:nvPr>
+            <p:extLst>
+              <p:ext uri="{386F3935-93C4-4BCD-93E2-E3B085C9AB24}">
+                <p16:designElem xmlns:p16="http://schemas.microsoft.com/office/powerpoint/2015/main" val="1"/>
+              </p:ext>
+            </p:extLst>
+          </p:nvPr>
+        </p:nvSpPr>
+        <p:spPr>
+          <a:xfrm>
+            <a:off x="9583348" y="325601"/>
+            <a:ext cx="2286920" cy="3908071"/>
+          </a:xfrm>
+          <a:prstGeom prst="rect">
+            <a:avLst/>
+          </a:prstGeom>
+          <a:solidFill>
+            <a:schemeClr val="accent1"/>
+          </a:solidFill>
+          <a:ln>
+            <a:noFill/>
+          </a:ln>
+        </p:spPr>
+        <p:style>
+          <a:lnRef idx="2">
+            <a:schemeClr val="accent1">
+              <a:shade val="50000"/>
+            </a:schemeClr>
+          </a:lnRef>
+          <a:fillRef idx="1">
+            <a:schemeClr val="accent1"/>
+          </a:fillRef>
+          <a:effectRef idx="0">
+            <a:schemeClr val="accent1"/>
+          </a:effectRef>
+          <a:fontRef idx="minor">
+            <a:schemeClr val="lt1"/>
+          </a:fontRef>
+        </p:style>
+        <p:txBody>
+          <a:bodyPr rtlCol="0" anchor="ctr"/>
+          <a:lstStyle/>
+          <a:p>
+            <a:pPr algn="ctr"/>
+            <a:endParaRPr lang="en-US" dirty="0"/>
+          </a:p>
+        </p:txBody>
+      </p:sp>
+      <p:sp>
+        <p:nvSpPr>
+          <p:cNvPr id="13" name="Rectangle 9">
+            <a:extLst>
+              <a:ext uri="{FF2B5EF4-FFF2-40B4-BE49-F238E27FC236}">
+                <a16:creationId xmlns:a16="http://schemas.microsoft.com/office/drawing/2014/main" id="{F6EE670A-A41A-44AD-BC1C-2090365EB5B3}"/>
+              </a:ext>
+              <a:ext uri="{C183D7F6-B498-43B3-948B-1728B52AA6E4}">
+                <adec:decorative xmlns:adec="http://schemas.microsoft.com/office/drawing/2017/decorative" val="1"/>
+              </a:ext>
+            </a:extLst>
+          </p:cNvPr>
+          <p:cNvSpPr>
+            <a:spLocks noGrp="1" noRot="1" noChangeAspect="1" noMove="1" noResize="1" noEditPoints="1" noAdjustHandles="1" noChangeArrowheads="1" noChangeShapeType="1" noTextEdit="1"/>
+          </p:cNvSpPr>
+          <p:nvPr>
+            <p:extLst>
+              <p:ext uri="{386F3935-93C4-4BCD-93E2-E3B085C9AB24}">
+                <p16:designElem xmlns:p16="http://schemas.microsoft.com/office/powerpoint/2015/main" val="1"/>
+              </p:ext>
+            </p:extLst>
+          </p:nvPr>
+        </p:nvSpPr>
+        <p:spPr>
+          <a:xfrm>
+            <a:off x="9583348" y="4394539"/>
+            <a:ext cx="2286920" cy="2029724"/>
+          </a:xfrm>
+          <a:prstGeom prst="rect">
+            <a:avLst/>
+          </a:prstGeom>
+          <a:solidFill>
+            <a:schemeClr val="tx2">
+              <a:alpha val="80000"/>
+            </a:schemeClr>
+          </a:solidFill>
+          <a:ln>
+            <a:noFill/>
+          </a:ln>
+        </p:spPr>
+        <p:style>
+          <a:lnRef idx="2">
+            <a:schemeClr val="accent1">
+              <a:shade val="50000"/>
+            </a:schemeClr>
+          </a:lnRef>
+          <a:fillRef idx="1">
+            <a:schemeClr val="accent1"/>
+          </a:fillRef>
+          <a:effectRef idx="0">
+            <a:schemeClr val="accent1"/>
+          </a:effectRef>
+          <a:fontRef idx="minor">
+            <a:schemeClr val="lt1"/>
+          </a:fontRef>
+        </p:style>
+        <p:txBody>
+          <a:bodyPr rtlCol="0" anchor="ctr"/>
+          <a:lstStyle/>
+          <a:p>
+            <a:pPr algn="ctr"/>
+            <a:endParaRPr lang="en-US"/>
           </a:p>
         </p:txBody>
       </p:sp>
@@ -38515,6 +41817,14 @@
 <file path=ppt/slides/slide24.xml><?xml version="1.0" encoding="utf-8"?>
 <p:sld xmlns:a="http://schemas.openxmlformats.org/drawingml/2006/main" xmlns:r="http://schemas.openxmlformats.org/officeDocument/2006/relationships" xmlns:p="http://schemas.openxmlformats.org/presentationml/2006/main">
   <p:cSld>
+    <p:bg>
+      <p:bgPr>
+        <a:solidFill>
+          <a:schemeClr val="bg1"/>
+        </a:solidFill>
+        <a:effectLst/>
+      </p:bgPr>
+    </p:bg>
     <p:spTree>
       <p:nvGrpSpPr>
         <p:cNvPr id="1" name=""/>
@@ -38531,6 +41841,69 @@
       </p:grpSpPr>
       <p:sp>
         <p:nvSpPr>
+          <p:cNvPr id="9" name="Rectangle 8">
+            <a:extLst>
+              <a:ext uri="{FF2B5EF4-FFF2-40B4-BE49-F238E27FC236}">
+                <a16:creationId xmlns:a16="http://schemas.microsoft.com/office/drawing/2014/main" id="{F7422F06-6017-4361-8872-E0E2CEB20B48}"/>
+              </a:ext>
+              <a:ext uri="{C183D7F6-B498-43B3-948B-1728B52AA6E4}">
+                <adec:decorative xmlns:adec="http://schemas.microsoft.com/office/drawing/2017/decorative" val="1"/>
+              </a:ext>
+            </a:extLst>
+          </p:cNvPr>
+          <p:cNvSpPr>
+            <a:spLocks noGrp="1" noRot="1" noChangeAspect="1" noMove="1" noResize="1" noEditPoints="1" noAdjustHandles="1" noChangeArrowheads="1" noChangeShapeType="1" noTextEdit="1"/>
+          </p:cNvSpPr>
+          <p:nvPr>
+            <p:extLst>
+              <p:ext uri="{386F3935-93C4-4BCD-93E2-E3B085C9AB24}">
+                <p16:designElem xmlns:p16="http://schemas.microsoft.com/office/powerpoint/2015/main" val="1"/>
+              </p:ext>
+            </p:extLst>
+          </p:nvPr>
+        </p:nvSpPr>
+        <p:spPr>
+          <a:xfrm>
+            <a:off x="0" y="0"/>
+            <a:ext cx="4648199" cy="6858000"/>
+          </a:xfrm>
+          <a:prstGeom prst="rect">
+            <a:avLst/>
+          </a:prstGeom>
+          <a:solidFill>
+            <a:schemeClr val="accent1"/>
+          </a:solidFill>
+          <a:ln>
+            <a:noFill/>
+          </a:ln>
+        </p:spPr>
+        <p:style>
+          <a:lnRef idx="2">
+            <a:schemeClr val="accent1">
+              <a:shade val="50000"/>
+            </a:schemeClr>
+          </a:lnRef>
+          <a:fillRef idx="1">
+            <a:schemeClr val="accent1"/>
+          </a:fillRef>
+          <a:effectRef idx="0">
+            <a:schemeClr val="accent1"/>
+          </a:effectRef>
+          <a:fontRef idx="minor">
+            <a:schemeClr val="lt1"/>
+          </a:fontRef>
+        </p:style>
+        <p:txBody>
+          <a:bodyPr rtlCol="0" anchor="ctr"/>
+          <a:lstStyle/>
+          <a:p>
+            <a:pPr algn="ctr"/>
+            <a:endParaRPr lang="en-US"/>
+          </a:p>
+        </p:txBody>
+      </p:sp>
+      <p:sp>
+        <p:nvSpPr>
           <p:cNvPr id="2" name="Title 1">
             <a:extLst>
               <a:ext uri="{FF2B5EF4-FFF2-40B4-BE49-F238E27FC236}">
@@ -38545,48 +41918,12 @@
             <p:ph type="title"/>
           </p:nvPr>
         </p:nvSpPr>
-        <p:spPr/>
-        <p:txBody>
-          <a:bodyPr>
-            <a:normAutofit fontScale="90000"/>
-          </a:bodyPr>
-          <a:lstStyle/>
-          <a:p>
-            <a:r>
-              <a:rPr lang="en-US" sz="4400" dirty="0"/>
-              <a:t>Swap contracts</a:t>
-            </a:r>
-            <a:br>
-              <a:rPr lang="en-US" sz="4400" dirty="0"/>
-            </a:br>
-            <a:r>
-              <a:rPr lang="en-US" sz="4400" dirty="0"/>
-              <a:t>practices</a:t>
-            </a:r>
-            <a:br>
-              <a:rPr lang="en-US" dirty="0"/>
-            </a:br>
-            <a:endParaRPr lang="en-US" dirty="0"/>
-          </a:p>
-        </p:txBody>
-      </p:sp>
-      <p:sp>
-        <p:nvSpPr>
-          <p:cNvPr id="3" name="Content Placeholder 2">
-            <a:extLst>
-              <a:ext uri="{FF2B5EF4-FFF2-40B4-BE49-F238E27FC236}">
-                <a16:creationId xmlns:a16="http://schemas.microsoft.com/office/drawing/2014/main" id="{EF3A84B9-8E45-4AD9-931B-C39F1DF28022}"/>
-              </a:ext>
-            </a:extLst>
-          </p:cNvPr>
-          <p:cNvSpPr>
-            <a:spLocks noGrp="1"/>
-          </p:cNvSpPr>
-          <p:nvPr>
-            <p:ph idx="1"/>
-          </p:nvPr>
-        </p:nvSpPr>
-        <p:spPr/>
+        <p:spPr>
+          <a:xfrm>
+            <a:off x="643468" y="643467"/>
+            <a:ext cx="3415612" cy="5571066"/>
+          </a:xfrm>
+        </p:spPr>
         <p:txBody>
           <a:bodyPr>
             <a:normAutofit/>
@@ -38594,92 +41931,74 @@
           <a:lstStyle/>
           <a:p>
             <a:r>
-              <a:rPr lang="en-US" dirty="0"/>
-              <a:t>1.Which of the following characterizes forward contracts and swaps but </a:t>
-            </a:r>
-            <a:r>
-              <a:rPr lang="en-US" b="1" dirty="0"/>
-              <a:t>not </a:t>
-            </a:r>
-            <a:r>
-              <a:rPr lang="en-US" dirty="0"/>
-              <a:t>futures?</a:t>
-            </a:r>
-          </a:p>
-          <a:p>
-            <a:pPr lvl="1"/>
-            <a:r>
-              <a:rPr lang="en-US" b="1" dirty="0"/>
-              <a:t>A </a:t>
-            </a:r>
-            <a:r>
-              <a:rPr lang="en-US" dirty="0"/>
-              <a:t>They are customized.</a:t>
-            </a:r>
-          </a:p>
-          <a:p>
-            <a:pPr lvl="1"/>
-            <a:r>
-              <a:rPr lang="en-US" b="1" dirty="0"/>
-              <a:t>B </a:t>
-            </a:r>
-            <a:r>
-              <a:rPr lang="en-US" dirty="0"/>
-              <a:t>They are subject to daily price limits.</a:t>
-            </a:r>
-          </a:p>
-          <a:p>
-            <a:pPr lvl="1"/>
-            <a:r>
-              <a:rPr lang="en-US" b="1" dirty="0"/>
-              <a:t>C </a:t>
-            </a:r>
-            <a:r>
-              <a:rPr lang="en-US" dirty="0"/>
-              <a:t>Their payoffs are received on a daily basis.</a:t>
-            </a:r>
-          </a:p>
-          <a:p>
-            <a:r>
-              <a:rPr lang="en-US" dirty="0"/>
-              <a:t>2.Which of the following distinguishes forwards from swaps?</a:t>
-            </a:r>
-          </a:p>
-          <a:p>
-            <a:pPr lvl="1"/>
-            <a:r>
-              <a:rPr lang="en-US" b="1" dirty="0"/>
-              <a:t>A </a:t>
-            </a:r>
-            <a:r>
-              <a:rPr lang="en-US" dirty="0"/>
-              <a:t>Forwards are OTC instruments, whereas swaps are exchange traded.</a:t>
-            </a:r>
-          </a:p>
-          <a:p>
-            <a:pPr lvl="1"/>
-            <a:r>
-              <a:rPr lang="en-US" b="1" dirty="0"/>
-              <a:t>B </a:t>
-            </a:r>
-            <a:r>
-              <a:rPr lang="en-US" dirty="0"/>
-              <a:t>Forwards are regulated as futures, whereas swaps are regulated as securities.</a:t>
-            </a:r>
-          </a:p>
-          <a:p>
-            <a:pPr lvl="1"/>
-            <a:r>
-              <a:rPr lang="en-US" b="1" dirty="0"/>
-              <a:t>C </a:t>
-            </a:r>
-            <a:r>
-              <a:rPr lang="en-US" dirty="0"/>
-              <a:t>Swaps have multiple payments, whereas forwards have only a single payment.</a:t>
-            </a:r>
+              <a:rPr lang="en-US">
+                <a:solidFill>
+                  <a:srgbClr val="FFFFFF"/>
+                </a:solidFill>
+              </a:rPr>
+              <a:t>Swap contracts</a:t>
+            </a:r>
+            <a:br>
+              <a:rPr lang="en-US">
+                <a:solidFill>
+                  <a:srgbClr val="FFFFFF"/>
+                </a:solidFill>
+              </a:rPr>
+            </a:br>
+            <a:r>
+              <a:rPr lang="en-US">
+                <a:solidFill>
+                  <a:srgbClr val="FFFFFF"/>
+                </a:solidFill>
+              </a:rPr>
+              <a:t>practices</a:t>
+            </a:r>
+            <a:br>
+              <a:rPr lang="en-US">
+                <a:solidFill>
+                  <a:srgbClr val="FFFFFF"/>
+                </a:solidFill>
+              </a:rPr>
+            </a:br>
+            <a:endParaRPr lang="en-US">
+              <a:solidFill>
+                <a:srgbClr val="FFFFFF"/>
+              </a:solidFill>
+            </a:endParaRPr>
           </a:p>
         </p:txBody>
       </p:sp>
+      <p:graphicFrame>
+        <p:nvGraphicFramePr>
+          <p:cNvPr id="13" name="Content Placeholder 2">
+            <a:extLst>
+              <a:ext uri="{FF2B5EF4-FFF2-40B4-BE49-F238E27FC236}">
+                <a16:creationId xmlns:a16="http://schemas.microsoft.com/office/drawing/2014/main" id="{9B8E425D-1423-AE5C-C041-6320AA663B38}"/>
+              </a:ext>
+            </a:extLst>
+          </p:cNvPr>
+          <p:cNvGraphicFramePr>
+            <a:graphicFrameLocks noGrp="1"/>
+          </p:cNvGraphicFramePr>
+          <p:nvPr>
+            <p:ph idx="1"/>
+            <p:extLst>
+              <p:ext uri="{D42A27DB-BD31-4B8C-83A1-F6EECF244321}">
+                <p14:modId xmlns:p14="http://schemas.microsoft.com/office/powerpoint/2010/main" val="3164597635"/>
+              </p:ext>
+            </p:extLst>
+          </p:nvPr>
+        </p:nvGraphicFramePr>
+        <p:xfrm>
+          <a:off x="5603875" y="954088"/>
+          <a:ext cx="5641975" cy="4921250"/>
+        </p:xfrm>
+        <a:graphic>
+          <a:graphicData uri="http://schemas.openxmlformats.org/drawingml/2006/diagram">
+            <dgm:relIds xmlns:dgm="http://schemas.openxmlformats.org/drawingml/2006/diagram" xmlns:r="http://schemas.openxmlformats.org/officeDocument/2006/relationships" r:dm="rId2" r:lo="rId3" r:qs="rId4" r:cs="rId5"/>
+          </a:graphicData>
+        </a:graphic>
+      </p:graphicFrame>
     </p:spTree>
     <p:extLst>
       <p:ext uri="{BB962C8B-B14F-4D97-AF65-F5344CB8AC3E}">
@@ -38696,6 +42015,14 @@
 <file path=ppt/slides/slide25.xml><?xml version="1.0" encoding="utf-8"?>
 <p:sld xmlns:a="http://schemas.openxmlformats.org/drawingml/2006/main" xmlns:r="http://schemas.openxmlformats.org/officeDocument/2006/relationships" xmlns:p="http://schemas.openxmlformats.org/presentationml/2006/main">
   <p:cSld>
+    <p:bg>
+      <p:bgPr>
+        <a:solidFill>
+          <a:schemeClr val="bg1"/>
+        </a:solidFill>
+        <a:effectLst/>
+      </p:bgPr>
+    </p:bg>
     <p:spTree>
       <p:nvGrpSpPr>
         <p:cNvPr id="1" name=""/>
@@ -38710,6 +42037,44 @@
           <a:chExt cx="0" cy="0"/>
         </a:xfrm>
       </p:grpSpPr>
+      <p:pic>
+        <p:nvPicPr>
+          <p:cNvPr id="5" name="Picture 4" descr="Angled shot of pen on a graph">
+            <a:extLst>
+              <a:ext uri="{FF2B5EF4-FFF2-40B4-BE49-F238E27FC236}">
+                <a16:creationId xmlns:a16="http://schemas.microsoft.com/office/drawing/2014/main" id="{3DBA2730-15D5-3FA9-2225-D0D08E9850C2}"/>
+              </a:ext>
+            </a:extLst>
+          </p:cNvPr>
+          <p:cNvPicPr>
+            <a:picLocks noChangeAspect="1"/>
+          </p:cNvPicPr>
+          <p:nvPr/>
+        </p:nvPicPr>
+        <p:blipFill rotWithShape="1">
+          <a:blip r:embed="rId2">
+            <a:duotone>
+              <a:schemeClr val="bg2">
+                <a:shade val="45000"/>
+                <a:satMod val="135000"/>
+              </a:schemeClr>
+              <a:prstClr val="white"/>
+            </a:duotone>
+            <a:alphaModFix amt="40000"/>
+          </a:blip>
+          <a:srcRect t="9441" b="6290"/>
+          <a:stretch/>
+        </p:blipFill>
+        <p:spPr>
+          <a:xfrm>
+            <a:off x="20" y="10"/>
+            <a:ext cx="12191980" cy="6857989"/>
+          </a:xfrm>
+          <a:prstGeom prst="rect">
+            <a:avLst/>
+          </a:prstGeom>
+        </p:spPr>
+      </p:pic>
       <p:sp>
         <p:nvSpPr>
           <p:cNvPr id="2" name="Title 1">
@@ -38726,7 +42091,12 @@
             <p:ph type="title"/>
           </p:nvPr>
         </p:nvSpPr>
-        <p:spPr/>
+        <p:spPr>
+          <a:xfrm>
+            <a:off x="1024128" y="585216"/>
+            <a:ext cx="9720072" cy="1499616"/>
+          </a:xfrm>
+        </p:spPr>
         <p:txBody>
           <a:bodyPr>
             <a:normAutofit/>
@@ -38734,19 +42104,71 @@
           <a:lstStyle/>
           <a:p>
             <a:r>
-              <a:rPr lang="en-US" sz="4000" dirty="0"/>
+              <a:rPr lang="en-US"/>
               <a:t>Swap contracts</a:t>
             </a:r>
             <a:br>
-              <a:rPr lang="en-US" sz="4000" dirty="0"/>
+              <a:rPr lang="en-US"/>
             </a:br>
             <a:r>
-              <a:rPr lang="en-US" sz="4000" dirty="0"/>
+              <a:rPr lang="en-US"/>
               <a:t>practices</a:t>
             </a:r>
           </a:p>
         </p:txBody>
       </p:sp>
+      <p:cxnSp>
+        <p:nvCxnSpPr>
+          <p:cNvPr id="9" name="Straight Connector 8">
+            <a:extLst>
+              <a:ext uri="{FF2B5EF4-FFF2-40B4-BE49-F238E27FC236}">
+                <a16:creationId xmlns:a16="http://schemas.microsoft.com/office/drawing/2014/main" id="{3FEFDF7D-B17C-4F16-B8BE-C55FFC7E295E}"/>
+              </a:ext>
+              <a:ext uri="{C183D7F6-B498-43B3-948B-1728B52AA6E4}">
+                <adec:decorative xmlns:adec="http://schemas.microsoft.com/office/drawing/2017/decorative" val="1"/>
+              </a:ext>
+            </a:extLst>
+          </p:cNvPr>
+          <p:cNvCxnSpPr>
+            <a:cxnSpLocks noGrp="1" noRot="1" noChangeAspect="1" noMove="1" noResize="1" noEditPoints="1" noAdjustHandles="1" noChangeArrowheads="1" noChangeShapeType="1"/>
+          </p:cNvCxnSpPr>
+          <p:nvPr>
+            <p:extLst>
+              <p:ext uri="{386F3935-93C4-4BCD-93E2-E3B085C9AB24}">
+                <p16:designElem xmlns:p16="http://schemas.microsoft.com/office/powerpoint/2015/main" val="1"/>
+              </p:ext>
+            </p:extLst>
+          </p:nvPr>
+        </p:nvCxnSpPr>
+        <p:spPr>
+          <a:xfrm flipV="1">
+            <a:off x="762000" y="826324"/>
+            <a:ext cx="0" cy="914400"/>
+          </a:xfrm>
+          <a:prstGeom prst="line">
+            <a:avLst/>
+          </a:prstGeom>
+          <a:ln w="19050">
+            <a:solidFill>
+              <a:schemeClr val="accent1"/>
+            </a:solidFill>
+          </a:ln>
+        </p:spPr>
+        <p:style>
+          <a:lnRef idx="1">
+            <a:schemeClr val="accent1"/>
+          </a:lnRef>
+          <a:fillRef idx="0">
+            <a:schemeClr val="accent1"/>
+          </a:fillRef>
+          <a:effectRef idx="0">
+            <a:schemeClr val="accent1"/>
+          </a:effectRef>
+          <a:fontRef idx="minor">
+            <a:schemeClr val="tx1"/>
+          </a:fontRef>
+        </p:style>
+      </p:cxnSp>
       <p:sp>
         <p:nvSpPr>
           <p:cNvPr id="3" name="Content Placeholder 2">
@@ -38763,7 +42185,12 @@
             <p:ph idx="1"/>
           </p:nvPr>
         </p:nvSpPr>
-        <p:spPr/>
+        <p:spPr>
+          <a:xfrm>
+            <a:off x="1024128" y="2286000"/>
+            <a:ext cx="9720073" cy="4023360"/>
+          </a:xfrm>
+        </p:spPr>
         <p:txBody>
           <a:bodyPr>
             <a:normAutofit/>
@@ -38778,33 +42205,33 @@
           <a:p>
             <a:pPr lvl="1"/>
             <a:r>
-              <a:rPr lang="en-US" sz="1800" b="1" dirty="0"/>
+              <a:rPr lang="en-US" b="1"/>
               <a:t>A </a:t>
             </a:r>
             <a:r>
-              <a:rPr lang="en-US" sz="1800" dirty="0"/>
+              <a:rPr lang="en-US"/>
               <a:t>Initial margin deposits are refunded to the two parties.</a:t>
             </a:r>
           </a:p>
           <a:p>
             <a:pPr lvl="1"/>
             <a:r>
-              <a:rPr lang="en-US" sz="1800" b="1" dirty="0"/>
+              <a:rPr lang="en-US" b="1"/>
               <a:t>B </a:t>
             </a:r>
             <a:r>
-              <a:rPr lang="en-US" sz="1800" dirty="0"/>
+              <a:rPr lang="en-US"/>
               <a:t>Gains and losses are reported to other market participants.</a:t>
             </a:r>
           </a:p>
           <a:p>
             <a:pPr lvl="1"/>
             <a:r>
-              <a:rPr lang="en-US" sz="1800" b="1" dirty="0"/>
+              <a:rPr lang="en-US" b="1"/>
               <a:t>C </a:t>
             </a:r>
             <a:r>
-              <a:rPr lang="en-US" sz="1800" dirty="0"/>
+              <a:rPr lang="en-US"/>
               <a:t>Losses are charged to one party and gains credited to the other.</a:t>
             </a:r>
           </a:p>

--- a/Derivatives.pptx
+++ b/Derivatives.pptx
@@ -40,43 +40,41 @@
     <p:sldId id="283" r:id="rId34"/>
     <p:sldId id="284" r:id="rId35"/>
     <p:sldId id="285" r:id="rId36"/>
-    <p:sldId id="286" r:id="rId37"/>
-    <p:sldId id="287" r:id="rId38"/>
-    <p:sldId id="288" r:id="rId39"/>
-    <p:sldId id="319" r:id="rId40"/>
-    <p:sldId id="320" r:id="rId41"/>
-    <p:sldId id="289" r:id="rId42"/>
-    <p:sldId id="290" r:id="rId43"/>
-    <p:sldId id="291" r:id="rId44"/>
-    <p:sldId id="292" r:id="rId45"/>
-    <p:sldId id="293" r:id="rId46"/>
-    <p:sldId id="294" r:id="rId47"/>
-    <p:sldId id="321" r:id="rId48"/>
-    <p:sldId id="295" r:id="rId49"/>
-    <p:sldId id="296" r:id="rId50"/>
-    <p:sldId id="297" r:id="rId51"/>
-    <p:sldId id="302" r:id="rId52"/>
-    <p:sldId id="303" r:id="rId53"/>
-    <p:sldId id="298" r:id="rId54"/>
-    <p:sldId id="299" r:id="rId55"/>
-    <p:sldId id="322" r:id="rId56"/>
-    <p:sldId id="323" r:id="rId57"/>
-    <p:sldId id="324" r:id="rId58"/>
-    <p:sldId id="301" r:id="rId59"/>
-    <p:sldId id="300" r:id="rId60"/>
-    <p:sldId id="306" r:id="rId61"/>
-    <p:sldId id="304" r:id="rId62"/>
-    <p:sldId id="305" r:id="rId63"/>
-    <p:sldId id="307" r:id="rId64"/>
-    <p:sldId id="308" r:id="rId65"/>
-    <p:sldId id="309" r:id="rId66"/>
-    <p:sldId id="310" r:id="rId67"/>
-    <p:sldId id="325" r:id="rId68"/>
-    <p:sldId id="326" r:id="rId69"/>
-    <p:sldId id="327" r:id="rId70"/>
-    <p:sldId id="311" r:id="rId71"/>
-    <p:sldId id="312" r:id="rId72"/>
-    <p:sldId id="313" r:id="rId73"/>
+    <p:sldId id="287" r:id="rId37"/>
+    <p:sldId id="288" r:id="rId38"/>
+    <p:sldId id="319" r:id="rId39"/>
+    <p:sldId id="336" r:id="rId40"/>
+    <p:sldId id="337" r:id="rId41"/>
+    <p:sldId id="338" r:id="rId42"/>
+    <p:sldId id="339" r:id="rId43"/>
+    <p:sldId id="340" r:id="rId44"/>
+    <p:sldId id="341" r:id="rId45"/>
+    <p:sldId id="320" r:id="rId46"/>
+    <p:sldId id="289" r:id="rId47"/>
+    <p:sldId id="293" r:id="rId48"/>
+    <p:sldId id="294" r:id="rId49"/>
+    <p:sldId id="302" r:id="rId50"/>
+    <p:sldId id="303" r:id="rId51"/>
+    <p:sldId id="298" r:id="rId52"/>
+    <p:sldId id="299" r:id="rId53"/>
+    <p:sldId id="322" r:id="rId54"/>
+    <p:sldId id="323" r:id="rId55"/>
+    <p:sldId id="324" r:id="rId56"/>
+    <p:sldId id="301" r:id="rId57"/>
+    <p:sldId id="300" r:id="rId58"/>
+    <p:sldId id="306" r:id="rId59"/>
+    <p:sldId id="304" r:id="rId60"/>
+    <p:sldId id="305" r:id="rId61"/>
+    <p:sldId id="307" r:id="rId62"/>
+    <p:sldId id="308" r:id="rId63"/>
+    <p:sldId id="309" r:id="rId64"/>
+    <p:sldId id="310" r:id="rId65"/>
+    <p:sldId id="325" r:id="rId66"/>
+    <p:sldId id="326" r:id="rId67"/>
+    <p:sldId id="327" r:id="rId68"/>
+    <p:sldId id="311" r:id="rId69"/>
+    <p:sldId id="312" r:id="rId70"/>
+    <p:sldId id="313" r:id="rId71"/>
   </p:sldIdLst>
   <p:sldSz cx="12192000" cy="6858000"/>
   <p:notesSz cx="6858000" cy="9144000"/>
@@ -235,25 +233,27 @@
             <p14:sldId id="283"/>
             <p14:sldId id="284"/>
             <p14:sldId id="285"/>
-            <p14:sldId id="286"/>
             <p14:sldId id="287"/>
             <p14:sldId id="288"/>
             <p14:sldId id="319"/>
+          </p14:sldIdLst>
+        </p14:section>
+        <p14:section name="Comparison between forward and option" id="{C781B9C3-72D2-4ECC-BD77-2F6B9F524339}">
+          <p14:sldIdLst>
+            <p14:sldId id="336"/>
+            <p14:sldId id="337"/>
+            <p14:sldId id="338"/>
+            <p14:sldId id="339"/>
+            <p14:sldId id="340"/>
+            <p14:sldId id="341"/>
           </p14:sldIdLst>
         </p14:section>
         <p14:section name="Credit derivative" id="{494C713D-80B0-45A0-B370-DC82C55533EC}">
           <p14:sldIdLst>
             <p14:sldId id="320"/>
             <p14:sldId id="289"/>
-            <p14:sldId id="290"/>
-            <p14:sldId id="291"/>
-            <p14:sldId id="292"/>
             <p14:sldId id="293"/>
             <p14:sldId id="294"/>
-            <p14:sldId id="321"/>
-            <p14:sldId id="295"/>
-            <p14:sldId id="296"/>
-            <p14:sldId id="297"/>
           </p14:sldIdLst>
         </p14:section>
         <p14:section name="classification of derivatives" id="{591468FC-0187-4848-8A3C-8CAE8D503BDD}">
@@ -7679,12 +7679,12 @@
     <dgm:cxn modelId="{ABEF1127-094C-0149-848C-BD7BF811B185}" type="presOf" srcId="{966D03F3-DC1D-4E42-8C30-DAC0C3557962}" destId="{39676DB7-2527-3D4F-919C-BDA311CC068B}" srcOrd="0" destOrd="1" presId="urn:microsoft.com/office/officeart/2005/8/layout/list1"/>
     <dgm:cxn modelId="{8EE2492E-42BE-4C59-ACB9-7C859F5CCF09}" srcId="{DA6164CB-A06E-4B6E-99CC-DD3FDB07091C}" destId="{7AB37B6C-FAAE-4DEF-B472-D2BF8F2952FE}" srcOrd="0" destOrd="0" parTransId="{B031CA50-EE72-442C-A30A-23E7A1F8010D}" sibTransId="{B3EF27EA-9CFF-4A45-9D69-1A08E119ABCA}"/>
     <dgm:cxn modelId="{95F4E532-88B5-AE41-A0C5-D6401B5AE336}" type="presOf" srcId="{063BF0E3-E3B9-4CCF-B511-F1A936E546BB}" destId="{F26527DB-83AD-CE4E-91CB-365872A330DD}" srcOrd="0" destOrd="0" presId="urn:microsoft.com/office/officeart/2005/8/layout/list1"/>
-    <dgm:cxn modelId="{C09A4E57-FCE0-4848-AD0E-E699C7007ED4}" type="presOf" srcId="{DA6164CB-A06E-4B6E-99CC-DD3FDB07091C}" destId="{37DE697B-0EEF-754F-93A2-A1713E19818D}" srcOrd="1" destOrd="0" presId="urn:microsoft.com/office/officeart/2005/8/layout/list1"/>
     <dgm:cxn modelId="{21E78166-3038-4432-9F33-98A4568D88E9}" srcId="{DA6164CB-A06E-4B6E-99CC-DD3FDB07091C}" destId="{966D03F3-DC1D-4E42-8C30-DAC0C3557962}" srcOrd="1" destOrd="0" parTransId="{E055EA7B-1547-47AE-B5D4-6C3274E4B815}" sibTransId="{067788F0-B44B-4060-9B48-2A2E85C53931}"/>
     <dgm:cxn modelId="{46F86A71-DB40-4A00-BC8D-1BFDE31FF721}" srcId="{063BF0E3-E3B9-4CCF-B511-F1A936E546BB}" destId="{CDCE3CBB-5BC4-4351-8F12-E57D8055FB45}" srcOrd="0" destOrd="0" parTransId="{7C0D7797-73F8-48E3-8866-D4E9A761E27E}" sibTransId="{C944C84B-A74E-49F4-8ED8-73B55BCF943F}"/>
     <dgm:cxn modelId="{C5EB7772-B5DE-9546-B468-680FC063A8C1}" type="presOf" srcId="{3A464ED9-86AF-4442-AED1-6EE0317D1083}" destId="{6C553FE9-FEFD-C54E-A90E-2429DD63DAAA}" srcOrd="0" destOrd="1" presId="urn:microsoft.com/office/officeart/2005/8/layout/list1"/>
     <dgm:cxn modelId="{F1E40E74-774D-0D4A-9448-E8EB592CB89B}" type="presOf" srcId="{CDCE3CBB-5BC4-4351-8F12-E57D8055FB45}" destId="{AD19BEF1-0A33-7E4A-8098-9601916D664A}" srcOrd="1" destOrd="0" presId="urn:microsoft.com/office/officeart/2005/8/layout/list1"/>
     <dgm:cxn modelId="{A0166774-F391-124A-9542-D2E0EFBC5F8D}" type="presOf" srcId="{33FDC042-90D3-43C2-81E3-0FB52A62A738}" destId="{6C553FE9-FEFD-C54E-A90E-2429DD63DAAA}" srcOrd="0" destOrd="0" presId="urn:microsoft.com/office/officeart/2005/8/layout/list1"/>
+    <dgm:cxn modelId="{C09A4E57-FCE0-4848-AD0E-E699C7007ED4}" type="presOf" srcId="{DA6164CB-A06E-4B6E-99CC-DD3FDB07091C}" destId="{37DE697B-0EEF-754F-93A2-A1713E19818D}" srcOrd="1" destOrd="0" presId="urn:microsoft.com/office/officeart/2005/8/layout/list1"/>
     <dgm:cxn modelId="{2509EA78-25D1-9444-A24A-451A1943E59A}" type="presOf" srcId="{CDCE3CBB-5BC4-4351-8F12-E57D8055FB45}" destId="{8C5B777D-D2A6-2040-AA3D-69F0BDFCEC5E}" srcOrd="0" destOrd="0" presId="urn:microsoft.com/office/officeart/2005/8/layout/list1"/>
     <dgm:cxn modelId="{C3560883-F9FC-4C0B-82A9-C21D990F2B55}" srcId="{063BF0E3-E3B9-4CCF-B511-F1A936E546BB}" destId="{DA6164CB-A06E-4B6E-99CC-DD3FDB07091C}" srcOrd="1" destOrd="0" parTransId="{2E581130-A4F8-4351-9674-24B6D27E1223}" sibTransId="{94B73F33-030B-4AB5-9A25-598ACA1DA86D}"/>
     <dgm:cxn modelId="{E5E70AB3-5799-4FE1-8B10-26248F1D30B5}" srcId="{CDCE3CBB-5BC4-4351-8F12-E57D8055FB45}" destId="{33FDC042-90D3-43C2-81E3-0FB52A62A738}" srcOrd="0" destOrd="0" parTransId="{3D5D4BEF-1074-432C-B5E4-CCAE27405295}" sibTransId="{43C58A6A-107D-4B04-8047-5BD5C32B383A}"/>
@@ -8060,8 +8060,8 @@
     <dgm:cxn modelId="{518B4C33-7CE4-9C42-959A-963A364D875D}" type="presOf" srcId="{3ED8D291-AD89-42D5-8935-88830B75DD4E}" destId="{177DBB82-8603-5B4D-80D5-2E4B066B6446}" srcOrd="1" destOrd="0" presId="urn:microsoft.com/office/officeart/2005/8/layout/list1"/>
     <dgm:cxn modelId="{4DAA0A36-0841-4A87-91F6-5CB1FAF4BFC8}" srcId="{3ED8D291-AD89-42D5-8935-88830B75DD4E}" destId="{D651CC8D-4053-4309-9276-F7E57B0A2267}" srcOrd="1" destOrd="0" parTransId="{6E2973C1-B204-40FE-B4C8-C4AD4796600D}" sibTransId="{8B488927-4932-4338-B142-A1A88D807C42}"/>
     <dgm:cxn modelId="{10FE9B3F-EC94-D94B-A9F8-34B60A60A05C}" type="presOf" srcId="{387A1ECF-C013-4FB6-B39D-5ABD992B4A79}" destId="{0C1C8A11-C178-174B-A90E-94FC6E8238AC}" srcOrd="0" destOrd="0" presId="urn:microsoft.com/office/officeart/2005/8/layout/list1"/>
+    <dgm:cxn modelId="{0D031761-38F1-4FC7-B6BC-D79BE5990100}" srcId="{3ED8D291-AD89-42D5-8935-88830B75DD4E}" destId="{6C786338-A8BE-4297-8163-EAA94157ED4E}" srcOrd="0" destOrd="0" parTransId="{3B1ECA57-CD2E-44F3-99AE-F73AFCDD8A39}" sibTransId="{3DE5BB76-86FB-4E64-A682-A9AF33886F4A}"/>
     <dgm:cxn modelId="{FDCF0449-7603-334C-AFFF-E96F26A2DDDD}" type="presOf" srcId="{5DB131D5-AEE7-4E6F-A455-562802529600}" destId="{DBB0D78E-D296-DF44-BA66-866DC8AD8E63}" srcOrd="1" destOrd="0" presId="urn:microsoft.com/office/officeart/2005/8/layout/list1"/>
-    <dgm:cxn modelId="{0D031761-38F1-4FC7-B6BC-D79BE5990100}" srcId="{3ED8D291-AD89-42D5-8935-88830B75DD4E}" destId="{6C786338-A8BE-4297-8163-EAA94157ED4E}" srcOrd="0" destOrd="0" parTransId="{3B1ECA57-CD2E-44F3-99AE-F73AFCDD8A39}" sibTransId="{3DE5BB76-86FB-4E64-A682-A9AF33886F4A}"/>
     <dgm:cxn modelId="{EE746C7F-3DB7-FD40-BFA0-2F1F166AA43C}" type="presOf" srcId="{6E15E482-481A-4E52-A562-3A519FAD1F1D}" destId="{418E135A-9F1C-1442-9E21-093A20BEBA9A}" srcOrd="0" destOrd="0" presId="urn:microsoft.com/office/officeart/2005/8/layout/list1"/>
     <dgm:cxn modelId="{B44CA182-6323-491A-9C74-DBA6EDD038C5}" srcId="{6E15E482-481A-4E52-A562-3A519FAD1F1D}" destId="{3ED8D291-AD89-42D5-8935-88830B75DD4E}" srcOrd="1" destOrd="0" parTransId="{A9565618-FCB7-43DA-B4D6-B6E6035386BE}" sibTransId="{73EB315B-3DEE-4221-913F-BEEDEC494F03}"/>
     <dgm:cxn modelId="{E246DDA7-0FB2-496C-B43E-99411A47C305}" srcId="{5DB131D5-AEE7-4E6F-A455-562802529600}" destId="{B3E98B51-CBC6-4CED-A206-6B28CEBF9506}" srcOrd="1" destOrd="0" parTransId="{CAA3F8E6-C497-41FF-AEB4-C701B78BE8CD}" sibTransId="{40093B44-B252-4ED8-9422-71F400577426}"/>
@@ -8953,8 +8953,8 @@
       </dsp:nvSpPr>
       <dsp:spPr>
         <a:xfrm>
-          <a:off x="0" y="112383"/>
-          <a:ext cx="9720262" cy="1804871"/>
+          <a:off x="0" y="18305"/>
+          <a:ext cx="9720262" cy="1902310"/>
         </a:xfrm>
         <a:prstGeom prst="roundRect">
           <a:avLst/>
@@ -8995,12 +8995,12 @@
         </a:fontRef>
       </dsp:style>
       <dsp:txBody>
-        <a:bodyPr spcFirstLastPara="0" vert="horz" wrap="square" lIns="106680" tIns="106680" rIns="106680" bIns="106680" numCol="1" spcCol="1270" anchor="ctr" anchorCtr="0">
+        <a:bodyPr spcFirstLastPara="0" vert="horz" wrap="square" lIns="102870" tIns="102870" rIns="102870" bIns="102870" numCol="1" spcCol="1270" anchor="ctr" anchorCtr="0">
           <a:noAutofit/>
         </a:bodyPr>
         <a:lstStyle/>
         <a:p>
-          <a:pPr marL="0" lvl="0" indent="0" algn="l" defTabSz="1244600">
+          <a:pPr marL="0" lvl="0" indent="0" algn="l" defTabSz="1200150">
             <a:lnSpc>
               <a:spcPct val="90000"/>
             </a:lnSpc>
@@ -9013,11 +9013,11 @@
             <a:buNone/>
           </a:pPr>
           <a:r>
-            <a:rPr lang="en-US" sz="2800" kern="1200" dirty="0"/>
+            <a:rPr lang="en-US" sz="2700" kern="1200" dirty="0"/>
             <a:t>Definition: Futures contracts are forward contracts with </a:t>
           </a:r>
           <a:r>
-            <a:rPr lang="en-US" sz="2800" kern="1200" dirty="0">
+            <a:rPr lang="en-US" sz="2700" kern="1200" dirty="0">
               <a:solidFill>
                 <a:srgbClr val="FF0000"/>
               </a:solidFill>
@@ -9025,14 +9025,14 @@
             <a:t>standardized</a:t>
           </a:r>
           <a:r>
-            <a:rPr lang="en-US" sz="2800" kern="1200" dirty="0"/>
+            <a:rPr lang="en-US" sz="2700" kern="1200" dirty="0"/>
             <a:t> sizes, dates, and underlying that trade on futures exchanges.</a:t>
           </a:r>
         </a:p>
       </dsp:txBody>
       <dsp:txXfrm>
-        <a:off x="88107" y="200490"/>
-        <a:ext cx="9544048" cy="1628657"/>
+        <a:off x="92863" y="111168"/>
+        <a:ext cx="9534536" cy="1716584"/>
       </dsp:txXfrm>
     </dsp:sp>
     <dsp:sp modelId="{3200F415-B300-1C4F-8BC2-0178721ECBA0}">
@@ -9042,8 +9042,8 @@
       </dsp:nvSpPr>
       <dsp:spPr>
         <a:xfrm>
-          <a:off x="0" y="2051682"/>
-          <a:ext cx="9720262" cy="1804871"/>
+          <a:off x="0" y="2050242"/>
+          <a:ext cx="9720262" cy="1902310"/>
         </a:xfrm>
         <a:prstGeom prst="roundRect">
           <a:avLst/>
@@ -9084,12 +9084,12 @@
         </a:fontRef>
       </dsp:style>
       <dsp:txBody>
-        <a:bodyPr spcFirstLastPara="0" vert="horz" wrap="square" lIns="106680" tIns="106680" rIns="106680" bIns="106680" numCol="1" spcCol="1270" anchor="ctr" anchorCtr="0">
+        <a:bodyPr spcFirstLastPara="0" vert="horz" wrap="square" lIns="102870" tIns="102870" rIns="102870" bIns="102870" numCol="1" spcCol="1270" anchor="ctr" anchorCtr="0">
           <a:noAutofit/>
         </a:bodyPr>
         <a:lstStyle/>
         <a:p>
-          <a:pPr marL="0" lvl="0" indent="0" algn="l" defTabSz="1244600">
+          <a:pPr marL="0" lvl="0" indent="0" algn="l" defTabSz="1200150">
             <a:lnSpc>
               <a:spcPct val="90000"/>
             </a:lnSpc>
@@ -9102,11 +9102,11 @@
             <a:buNone/>
           </a:pPr>
           <a:r>
-            <a:rPr lang="en-US" sz="2800" kern="1200" dirty="0"/>
+            <a:rPr lang="en-US" sz="2700" kern="1200" dirty="0"/>
             <a:t>The futures contract buyer creates a long exposure to the underlying by agreeing to purchase the underlying at a later date at a pre-agreed price. The seller makes the opposite commitment. This agreed-on price is called the </a:t>
           </a:r>
           <a:r>
-            <a:rPr lang="en-US" sz="2800" kern="1200" dirty="0">
+            <a:rPr lang="en-US" sz="2700" kern="1200" dirty="0">
               <a:solidFill>
                 <a:srgbClr val="FF0000"/>
               </a:solidFill>
@@ -9116,8 +9116,8 @@
         </a:p>
       </dsp:txBody>
       <dsp:txXfrm>
-        <a:off x="88107" y="2139789"/>
-        <a:ext cx="9544048" cy="1628657"/>
+        <a:off x="92863" y="2143105"/>
+        <a:ext cx="9534536" cy="1716584"/>
       </dsp:txXfrm>
     </dsp:sp>
   </dsp:spTree>
@@ -9260,7 +9260,7 @@
         </a:bodyPr>
         <a:lstStyle/>
         <a:p>
-          <a:pPr marL="0" lvl="0" indent="0" algn="l" defTabSz="933450">
+          <a:pPr marL="0" lvl="0" indent="0" algn="l" defTabSz="844550">
             <a:lnSpc>
               <a:spcPct val="100000"/>
             </a:lnSpc>
@@ -9273,11 +9273,11 @@
             <a:buNone/>
           </a:pPr>
           <a:r>
-            <a:rPr lang="en-US" sz="2100" kern="1200" dirty="0"/>
+            <a:rPr lang="en-US" sz="1900" kern="1200" dirty="0"/>
             <a:t>Probably the most important distinctive characteristic of futures contracts is the </a:t>
           </a:r>
           <a:r>
-            <a:rPr lang="en-US" sz="2100" kern="1200" dirty="0">
+            <a:rPr lang="en-US" sz="1900" kern="1200" dirty="0">
               <a:solidFill>
                 <a:srgbClr val="FF0000"/>
               </a:solidFill>
@@ -9285,11 +9285,11 @@
             <a:t>daily settlement </a:t>
           </a:r>
           <a:r>
-            <a:rPr lang="en-US" sz="2100" kern="1200" dirty="0"/>
+            <a:rPr lang="en-US" sz="1900" kern="1200" dirty="0"/>
             <a:t>of gains and losses and the associated </a:t>
           </a:r>
           <a:r>
-            <a:rPr lang="en-US" sz="2100" kern="1200" dirty="0">
+            <a:rPr lang="en-US" sz="1900" kern="1200" dirty="0">
               <a:solidFill>
                 <a:srgbClr val="FF0000"/>
               </a:solidFill>
@@ -9297,7 +9297,7 @@
             <a:t>credit guarantee </a:t>
           </a:r>
           <a:r>
-            <a:rPr lang="en-US" sz="2100" kern="1200" dirty="0"/>
+            <a:rPr lang="en-US" sz="1900" kern="1200" dirty="0"/>
             <a:t>provided by the exchange through its clearinghouse.</a:t>
           </a:r>
         </a:p>
@@ -9435,7 +9435,7 @@
         </a:bodyPr>
         <a:lstStyle/>
         <a:p>
-          <a:pPr marL="0" lvl="0" indent="0" algn="l" defTabSz="933450">
+          <a:pPr marL="0" lvl="0" indent="0" algn="l" defTabSz="844550">
             <a:lnSpc>
               <a:spcPct val="100000"/>
             </a:lnSpc>
@@ -9448,11 +9448,11 @@
             <a:buNone/>
           </a:pPr>
           <a:r>
-            <a:rPr lang="en-US" sz="2100" kern="1200" dirty="0"/>
+            <a:rPr lang="en-US" sz="1900" kern="1200" dirty="0"/>
             <a:t>At the end of each day, the clearinghouse engages in a practice called </a:t>
           </a:r>
           <a:r>
-            <a:rPr lang="en-US" sz="2100" kern="1200" dirty="0">
+            <a:rPr lang="en-US" sz="1900" kern="1200" dirty="0">
               <a:solidFill>
                 <a:srgbClr val="FF0000"/>
               </a:solidFill>
@@ -9460,11 +9460,11 @@
             <a:t>mark to market</a:t>
           </a:r>
           <a:r>
-            <a:rPr lang="en-US" sz="2100" kern="1200" dirty="0"/>
+            <a:rPr lang="en-US" sz="1900" kern="1200" dirty="0"/>
             <a:t>, also known as the </a:t>
           </a:r>
           <a:r>
-            <a:rPr lang="en-US" sz="2100" kern="1200" dirty="0">
+            <a:rPr lang="en-US" sz="1900" kern="1200" dirty="0">
               <a:solidFill>
                 <a:srgbClr val="FF0000"/>
               </a:solidFill>
@@ -9472,7 +9472,7 @@
             <a:t>daily settlement</a:t>
           </a:r>
           <a:r>
-            <a:rPr lang="en-US" sz="2100" kern="1200" dirty="0"/>
+            <a:rPr lang="en-US" sz="1900" kern="1200" dirty="0"/>
             <a:t>.</a:t>
           </a:r>
         </a:p>
@@ -9610,7 +9610,7 @@
         </a:bodyPr>
         <a:lstStyle/>
         <a:p>
-          <a:pPr marL="0" lvl="0" indent="0" algn="l" defTabSz="933450">
+          <a:pPr marL="0" lvl="0" indent="0" algn="l" defTabSz="844550">
             <a:lnSpc>
               <a:spcPct val="100000"/>
             </a:lnSpc>
@@ -9623,15 +9623,15 @@
             <a:buNone/>
           </a:pPr>
           <a:r>
-            <a:rPr lang="en-US" sz="2100" kern="1200"/>
+            <a:rPr lang="en-US" sz="1900" kern="1200"/>
             <a:t>The account is specifically referred to as a margin</a:t>
           </a:r>
           <a:r>
-            <a:rPr lang="en-US" sz="2100" b="1" kern="1200"/>
+            <a:rPr lang="en-US" sz="1900" b="1" kern="1200"/>
             <a:t> </a:t>
           </a:r>
           <a:r>
-            <a:rPr lang="en-US" sz="2100" kern="1200"/>
+            <a:rPr lang="en-US" sz="1900" kern="1200"/>
             <a:t>account.</a:t>
           </a:r>
         </a:p>
@@ -9848,12 +9848,12 @@
         <a:fontRef idx="minor"/>
       </dsp:style>
       <dsp:txBody>
-        <a:bodyPr spcFirstLastPara="0" vert="horz" wrap="square" lIns="83820" tIns="83820" rIns="83820" bIns="83820" numCol="1" spcCol="1270" anchor="t" anchorCtr="0">
+        <a:bodyPr spcFirstLastPara="0" vert="horz" wrap="square" lIns="76200" tIns="76200" rIns="76200" bIns="76200" numCol="1" spcCol="1270" anchor="t" anchorCtr="0">
           <a:noAutofit/>
         </a:bodyPr>
         <a:lstStyle/>
         <a:p>
-          <a:pPr marL="0" lvl="0" indent="0" algn="l" defTabSz="977900">
+          <a:pPr marL="0" lvl="0" indent="0" algn="l" defTabSz="889000">
             <a:lnSpc>
               <a:spcPct val="90000"/>
             </a:lnSpc>
@@ -9866,11 +9866,11 @@
             <a:buNone/>
           </a:pPr>
           <a:r>
-            <a:rPr lang="en-US" sz="2200" kern="1200"/>
+            <a:rPr lang="en-US" sz="2000" kern="1200"/>
             <a:t>By standardizing these contracts and creating an organized market with rules, regulations, and a central clearing facility, the futures markets offer an element of </a:t>
           </a:r>
           <a:r>
-            <a:rPr lang="en-US" sz="2200" kern="1200">
+            <a:rPr lang="en-US" sz="2000" kern="1200">
               <a:solidFill>
                 <a:srgbClr val="FF0000"/>
               </a:solidFill>
@@ -9878,18 +9878,18 @@
             <a:t>liquidity</a:t>
           </a:r>
           <a:r>
-            <a:rPr lang="en-US" sz="2200" kern="1200"/>
+            <a:rPr lang="en-US" sz="2000" kern="1200"/>
             <a:t> and </a:t>
           </a:r>
           <a:r>
-            <a:rPr lang="en-US" sz="2200" kern="1200">
+            <a:rPr lang="en-US" sz="2000" kern="1200">
               <a:solidFill>
                 <a:srgbClr val="FF0000"/>
               </a:solidFill>
             </a:rPr>
             <a:t>protection against loss by default.</a:t>
           </a:r>
-          <a:endParaRPr lang="en-US" sz="2200" kern="1200" dirty="0">
+          <a:endParaRPr lang="en-US" sz="2000" kern="1200" dirty="0">
             <a:solidFill>
               <a:srgbClr val="FF0000"/>
             </a:solidFill>
@@ -9982,12 +9982,12 @@
         <a:fontRef idx="minor"/>
       </dsp:style>
       <dsp:txBody>
-        <a:bodyPr spcFirstLastPara="0" vert="horz" wrap="square" lIns="83820" tIns="83820" rIns="83820" bIns="83820" numCol="1" spcCol="1270" anchor="t" anchorCtr="0">
+        <a:bodyPr spcFirstLastPara="0" vert="horz" wrap="square" lIns="76200" tIns="76200" rIns="76200" bIns="76200" numCol="1" spcCol="1270" anchor="t" anchorCtr="0">
           <a:noAutofit/>
         </a:bodyPr>
         <a:lstStyle/>
         <a:p>
-          <a:pPr marL="0" lvl="0" indent="0" algn="l" defTabSz="977900">
+          <a:pPr marL="0" lvl="0" indent="0" algn="l" defTabSz="889000">
             <a:lnSpc>
               <a:spcPct val="90000"/>
             </a:lnSpc>
@@ -10000,11 +10000,11 @@
             <a:buNone/>
           </a:pPr>
           <a:r>
-            <a:rPr lang="en-US" sz="2200" kern="1200"/>
+            <a:rPr lang="en-US" sz="2000" kern="1200"/>
             <a:t>Futures exchanges are </a:t>
           </a:r>
           <a:r>
-            <a:rPr lang="en-US" sz="2200" kern="1200">
+            <a:rPr lang="en-US" sz="2000" kern="1200">
               <a:solidFill>
                 <a:srgbClr val="FF0000"/>
               </a:solidFill>
@@ -10012,10 +10012,10 @@
             <a:t>highly regulated </a:t>
           </a:r>
           <a:r>
-            <a:rPr lang="en-US" sz="2200" kern="1200"/>
+            <a:rPr lang="en-US" sz="2000" kern="1200"/>
             <a:t>at the national level in all countries.</a:t>
           </a:r>
-          <a:endParaRPr lang="en-US" sz="2200" kern="1200" dirty="0"/>
+          <a:endParaRPr lang="en-US" sz="2000" kern="1200" dirty="0"/>
         </a:p>
       </dsp:txBody>
       <dsp:txXfrm>
@@ -10104,12 +10104,12 @@
         <a:fontRef idx="minor"/>
       </dsp:style>
       <dsp:txBody>
-        <a:bodyPr spcFirstLastPara="0" vert="horz" wrap="square" lIns="83820" tIns="83820" rIns="83820" bIns="83820" numCol="1" spcCol="1270" anchor="t" anchorCtr="0">
+        <a:bodyPr spcFirstLastPara="0" vert="horz" wrap="square" lIns="76200" tIns="76200" rIns="76200" bIns="76200" numCol="1" spcCol="1270" anchor="t" anchorCtr="0">
           <a:noAutofit/>
         </a:bodyPr>
         <a:lstStyle/>
         <a:p>
-          <a:pPr marL="0" lvl="0" indent="0" algn="l" defTabSz="977900">
+          <a:pPr marL="0" lvl="0" indent="0" algn="l" defTabSz="889000">
             <a:lnSpc>
               <a:spcPct val="90000"/>
             </a:lnSpc>
@@ -10122,11 +10122,11 @@
             <a:buNone/>
           </a:pPr>
           <a:r>
-            <a:rPr lang="en-US" sz="2200" kern="1200"/>
+            <a:rPr lang="en-US" sz="2000" kern="1200"/>
             <a:t>Some futures contracts also limit daily price changes. These rules, called </a:t>
           </a:r>
           <a:r>
-            <a:rPr lang="en-US" sz="2200" kern="1200">
+            <a:rPr lang="en-US" sz="2000" kern="1200">
               <a:solidFill>
                 <a:srgbClr val="FF0000"/>
               </a:solidFill>
@@ -10134,10 +10134,10 @@
             <a:t>price limits</a:t>
           </a:r>
           <a:r>
-            <a:rPr lang="en-US" sz="2200" kern="1200"/>
+            <a:rPr lang="en-US" sz="2000" kern="1200"/>
             <a:t>, establish a band relative to the previous day’s settlement price within which all trades must occur. </a:t>
           </a:r>
-          <a:endParaRPr lang="en-US" sz="2200" kern="1200" dirty="0"/>
+          <a:endParaRPr lang="en-US" sz="2000" kern="1200" dirty="0"/>
         </a:p>
       </dsp:txBody>
       <dsp:txXfrm>
@@ -10226,12 +10226,12 @@
         <a:fontRef idx="minor"/>
       </dsp:style>
       <dsp:txBody>
-        <a:bodyPr spcFirstLastPara="0" vert="horz" wrap="square" lIns="83820" tIns="83820" rIns="83820" bIns="83820" numCol="1" spcCol="1270" anchor="t" anchorCtr="0">
+        <a:bodyPr spcFirstLastPara="0" vert="horz" wrap="square" lIns="76200" tIns="76200" rIns="76200" bIns="76200" numCol="1" spcCol="1270" anchor="t" anchorCtr="0">
           <a:noAutofit/>
         </a:bodyPr>
         <a:lstStyle/>
         <a:p>
-          <a:pPr marL="0" lvl="0" indent="0" algn="l" defTabSz="977900">
+          <a:pPr marL="0" lvl="0" indent="0" algn="l" defTabSz="889000">
             <a:lnSpc>
               <a:spcPct val="90000"/>
             </a:lnSpc>
@@ -10244,11 +10244,11 @@
             <a:buNone/>
           </a:pPr>
           <a:r>
-            <a:rPr lang="en-US" sz="2200" kern="1200"/>
+            <a:rPr lang="en-US" sz="2000" kern="1200"/>
             <a:t>In other cases, exchanges use what is called a </a:t>
           </a:r>
           <a:r>
-            <a:rPr lang="en-US" sz="2200" kern="1200">
+            <a:rPr lang="en-US" sz="2000" kern="1200">
               <a:solidFill>
                 <a:srgbClr val="FF0000"/>
               </a:solidFill>
@@ -10256,10 +10256,10 @@
             <a:t>circuit breaker </a:t>
           </a:r>
           <a:r>
-            <a:rPr lang="en-US" sz="2200" kern="1200"/>
+            <a:rPr lang="en-US" sz="2000" kern="1200"/>
             <a:t>to pause intraday trading for a brief period if a price limit is reached. </a:t>
           </a:r>
-          <a:endParaRPr lang="en-US" sz="2200" kern="1200" dirty="0"/>
+          <a:endParaRPr lang="en-US" sz="2000" kern="1200" dirty="0"/>
         </a:p>
       </dsp:txBody>
       <dsp:txXfrm>
@@ -10286,8 +10286,8 @@
       </dsp:nvSpPr>
       <dsp:spPr>
         <a:xfrm>
-          <a:off x="0" y="627324"/>
-          <a:ext cx="5641974" cy="1719900"/>
+          <a:off x="0" y="620124"/>
+          <a:ext cx="5641974" cy="1732500"/>
         </a:xfrm>
         <a:prstGeom prst="rect">
           <a:avLst/>
@@ -10327,7 +10327,7 @@
         <a:fontRef idx="minor"/>
       </dsp:style>
       <dsp:txBody>
-        <a:bodyPr spcFirstLastPara="0" vert="horz" wrap="square" lIns="437880" tIns="874776" rIns="437880" bIns="170688" numCol="1" spcCol="1270" anchor="t" anchorCtr="0">
+        <a:bodyPr spcFirstLastPara="0" vert="horz" wrap="square" lIns="437880" tIns="833120" rIns="437880" bIns="170688" numCol="1" spcCol="1270" anchor="t" anchorCtr="0">
           <a:noAutofit/>
         </a:bodyPr>
         <a:lstStyle/>
@@ -10385,8 +10385,8 @@
         </a:p>
       </dsp:txBody>
       <dsp:txXfrm>
-        <a:off x="0" y="627324"/>
-        <a:ext cx="5641974" cy="1719900"/>
+        <a:off x="0" y="620124"/>
+        <a:ext cx="5641974" cy="1732500"/>
       </dsp:txXfrm>
     </dsp:sp>
     <dsp:sp modelId="{AD19BEF1-0A33-7E4A-8098-9601916D664A}">
@@ -10396,8 +10396,8 @@
       </dsp:nvSpPr>
       <dsp:spPr>
         <a:xfrm>
-          <a:off x="282098" y="7404"/>
-          <a:ext cx="3949382" cy="1239840"/>
+          <a:off x="282098" y="29724"/>
+          <a:ext cx="3949382" cy="1180800"/>
         </a:xfrm>
         <a:prstGeom prst="roundRect">
           <a:avLst/>
@@ -10462,8 +10462,8 @@
         </a:p>
       </dsp:txBody>
       <dsp:txXfrm>
-        <a:off x="342622" y="67928"/>
-        <a:ext cx="3828334" cy="1118792"/>
+        <a:off x="339740" y="87366"/>
+        <a:ext cx="3834098" cy="1065516"/>
       </dsp:txXfrm>
     </dsp:sp>
     <dsp:sp modelId="{39676DB7-2527-3D4F-919C-BDA311CC068B}">
@@ -10473,8 +10473,8 @@
       </dsp:nvSpPr>
       <dsp:spPr>
         <a:xfrm>
-          <a:off x="0" y="3193945"/>
-          <a:ext cx="5641974" cy="1719900"/>
+          <a:off x="0" y="3159025"/>
+          <a:ext cx="5641974" cy="1732500"/>
         </a:xfrm>
         <a:prstGeom prst="rect">
           <a:avLst/>
@@ -10514,7 +10514,7 @@
         <a:fontRef idx="minor"/>
       </dsp:style>
       <dsp:txBody>
-        <a:bodyPr spcFirstLastPara="0" vert="horz" wrap="square" lIns="437880" tIns="874776" rIns="437880" bIns="170688" numCol="1" spcCol="1270" anchor="t" anchorCtr="0">
+        <a:bodyPr spcFirstLastPara="0" vert="horz" wrap="square" lIns="437880" tIns="833120" rIns="437880" bIns="170688" numCol="1" spcCol="1270" anchor="t" anchorCtr="0">
           <a:noAutofit/>
         </a:bodyPr>
         <a:lstStyle/>
@@ -10582,8 +10582,8 @@
         </a:p>
       </dsp:txBody>
       <dsp:txXfrm>
-        <a:off x="0" y="3193945"/>
-        <a:ext cx="5641974" cy="1719900"/>
+        <a:off x="0" y="3159025"/>
+        <a:ext cx="5641974" cy="1732500"/>
       </dsp:txXfrm>
     </dsp:sp>
     <dsp:sp modelId="{37DE697B-0EEF-754F-93A2-A1713E19818D}">
@@ -10593,8 +10593,8 @@
       </dsp:nvSpPr>
       <dsp:spPr>
         <a:xfrm>
-          <a:off x="282098" y="2574024"/>
-          <a:ext cx="3949382" cy="1239840"/>
+          <a:off x="282098" y="2568625"/>
+          <a:ext cx="3949382" cy="1180800"/>
         </a:xfrm>
         <a:prstGeom prst="roundRect">
           <a:avLst/>
@@ -10659,8 +10659,8 @@
         </a:p>
       </dsp:txBody>
       <dsp:txXfrm>
-        <a:off x="342622" y="2634548"/>
-        <a:ext cx="3828334" cy="1118792"/>
+        <a:off x="339740" y="2626267"/>
+        <a:ext cx="3834098" cy="1065516"/>
       </dsp:txXfrm>
     </dsp:sp>
   </dsp:spTree>
@@ -10682,8 +10682,8 @@
       </dsp:nvSpPr>
       <dsp:spPr>
         <a:xfrm>
-          <a:off x="0" y="520556"/>
-          <a:ext cx="5641974" cy="1719900"/>
+          <a:off x="0" y="518440"/>
+          <a:ext cx="5641974" cy="1732500"/>
         </a:xfrm>
         <a:prstGeom prst="rect">
           <a:avLst/>
@@ -10723,7 +10723,7 @@
         <a:fontRef idx="minor"/>
       </dsp:style>
       <dsp:txBody>
-        <a:bodyPr spcFirstLastPara="0" vert="horz" wrap="square" lIns="437880" tIns="874776" rIns="437880" bIns="170688" numCol="1" spcCol="1270" anchor="t" anchorCtr="0">
+        <a:bodyPr spcFirstLastPara="0" vert="horz" wrap="square" lIns="437880" tIns="833120" rIns="437880" bIns="170688" numCol="1" spcCol="1270" anchor="t" anchorCtr="0">
           <a:noAutofit/>
         </a:bodyPr>
         <a:lstStyle/>
@@ -10781,8 +10781,8 @@
         </a:p>
       </dsp:txBody>
       <dsp:txXfrm>
-        <a:off x="0" y="520556"/>
-        <a:ext cx="5641974" cy="1719900"/>
+        <a:off x="0" y="518440"/>
+        <a:ext cx="5641974" cy="1732500"/>
       </dsp:txXfrm>
     </dsp:sp>
     <dsp:sp modelId="{DBB0D78E-D296-DF44-BA66-866DC8AD8E63}">
@@ -10792,8 +10792,8 @@
       </dsp:nvSpPr>
       <dsp:spPr>
         <a:xfrm>
-          <a:off x="282098" y="7404"/>
-          <a:ext cx="3949382" cy="1239840"/>
+          <a:off x="282098" y="29724"/>
+          <a:ext cx="3949382" cy="1180800"/>
         </a:xfrm>
         <a:prstGeom prst="roundRect">
           <a:avLst/>
@@ -10858,8 +10858,8 @@
         </a:p>
       </dsp:txBody>
       <dsp:txXfrm>
-        <a:off x="342622" y="67928"/>
-        <a:ext cx="3828334" cy="1118792"/>
+        <a:off x="339740" y="87366"/>
+        <a:ext cx="3834098" cy="1065516"/>
       </dsp:txXfrm>
     </dsp:sp>
     <dsp:sp modelId="{4BF97894-1F0A-9048-A4E4-06204E2B9034}">
@@ -10869,8 +10869,8 @@
       </dsp:nvSpPr>
       <dsp:spPr>
         <a:xfrm>
-          <a:off x="0" y="3193945"/>
-          <a:ext cx="5641974" cy="1719900"/>
+          <a:off x="0" y="3159025"/>
+          <a:ext cx="5641974" cy="1732500"/>
         </a:xfrm>
         <a:prstGeom prst="rect">
           <a:avLst/>
@@ -10910,7 +10910,7 @@
         <a:fontRef idx="minor"/>
       </dsp:style>
       <dsp:txBody>
-        <a:bodyPr spcFirstLastPara="0" vert="horz" wrap="square" lIns="437880" tIns="874776" rIns="437880" bIns="170688" numCol="1" spcCol="1270" anchor="t" anchorCtr="0">
+        <a:bodyPr spcFirstLastPara="0" vert="horz" wrap="square" lIns="437880" tIns="833120" rIns="437880" bIns="170688" numCol="1" spcCol="1270" anchor="t" anchorCtr="0">
           <a:noAutofit/>
         </a:bodyPr>
         <a:lstStyle/>
@@ -10976,8 +10976,8 @@
         </a:p>
       </dsp:txBody>
       <dsp:txXfrm>
-        <a:off x="0" y="3193945"/>
-        <a:ext cx="5641974" cy="1719900"/>
+        <a:off x="0" y="3159025"/>
+        <a:ext cx="5641974" cy="1732500"/>
       </dsp:txXfrm>
     </dsp:sp>
     <dsp:sp modelId="{177DBB82-8603-5B4D-80D5-2E4B066B6446}">
@@ -10987,8 +10987,8 @@
       </dsp:nvSpPr>
       <dsp:spPr>
         <a:xfrm>
-          <a:off x="282098" y="2574024"/>
-          <a:ext cx="3949382" cy="1239840"/>
+          <a:off x="282098" y="2568625"/>
+          <a:ext cx="3949382" cy="1180800"/>
         </a:xfrm>
         <a:prstGeom prst="roundRect">
           <a:avLst/>
@@ -11053,8 +11053,8 @@
         </a:p>
       </dsp:txBody>
       <dsp:txXfrm>
-        <a:off x="342622" y="2634548"/>
-        <a:ext cx="3828334" cy="1118792"/>
+        <a:off x="339740" y="2626267"/>
+        <a:ext cx="3834098" cy="1065516"/>
       </dsp:txXfrm>
     </dsp:sp>
   </dsp:spTree>
@@ -29015,7 +29015,7 @@
             <a:fld id="{B61BEF0D-F0BB-DE4B-95CE-6DB70DBA9567}" type="datetimeFigureOut">
               <a:rPr lang="en-US" smtClean="0"/>
               <a:pPr/>
-              <a:t>7/18/22</a:t>
+              <a:t>7/28/2022</a:t>
             </a:fld>
             <a:endParaRPr lang="en-US" dirty="0"/>
           </a:p>
@@ -29224,7 +29224,7 @@
             <a:fld id="{B61BEF0D-F0BB-DE4B-95CE-6DB70DBA9567}" type="datetimeFigureOut">
               <a:rPr lang="en-US" smtClean="0"/>
               <a:pPr/>
-              <a:t>7/18/22</a:t>
+              <a:t>7/28/2022</a:t>
             </a:fld>
             <a:endParaRPr lang="en-US" dirty="0"/>
           </a:p>
@@ -29406,7 +29406,7 @@
             <a:fld id="{B61BEF0D-F0BB-DE4B-95CE-6DB70DBA9567}" type="datetimeFigureOut">
               <a:rPr lang="en-US" smtClean="0"/>
               <a:pPr/>
-              <a:t>7/18/22</a:t>
+              <a:t>7/28/2022</a:t>
             </a:fld>
             <a:endParaRPr lang="en-US" dirty="0"/>
           </a:p>
@@ -29613,7 +29613,7 @@
             <a:fld id="{B61BEF0D-F0BB-DE4B-95CE-6DB70DBA9567}" type="datetimeFigureOut">
               <a:rPr lang="en-US" smtClean="0"/>
               <a:pPr/>
-              <a:t>7/18/22</a:t>
+              <a:t>7/28/2022</a:t>
             </a:fld>
             <a:endParaRPr lang="en-US" dirty="0"/>
           </a:p>
@@ -38513,7 +38513,7 @@
             <a:fld id="{B61BEF0D-F0BB-DE4B-95CE-6DB70DBA9567}" type="datetimeFigureOut">
               <a:rPr lang="en-US" smtClean="0"/>
               <a:pPr/>
-              <a:t>7/18/22</a:t>
+              <a:t>7/28/2022</a:t>
             </a:fld>
             <a:endParaRPr lang="en-US" dirty="0"/>
           </a:p>
@@ -38789,7 +38789,7 @@
             <a:fld id="{B61BEF0D-F0BB-DE4B-95CE-6DB70DBA9567}" type="datetimeFigureOut">
               <a:rPr lang="en-US" smtClean="0"/>
               <a:pPr/>
-              <a:t>7/18/22</a:t>
+              <a:t>7/28/2022</a:t>
             </a:fld>
             <a:endParaRPr lang="en-US" dirty="0"/>
           </a:p>
@@ -39189,7 +39189,7 @@
             <a:fld id="{B61BEF0D-F0BB-DE4B-95CE-6DB70DBA9567}" type="datetimeFigureOut">
               <a:rPr lang="en-US" smtClean="0"/>
               <a:pPr/>
-              <a:t>7/18/22</a:t>
+              <a:t>7/28/2022</a:t>
             </a:fld>
             <a:endParaRPr lang="en-US" dirty="0"/>
           </a:p>
@@ -39309,7 +39309,7 @@
             <a:fld id="{B61BEF0D-F0BB-DE4B-95CE-6DB70DBA9567}" type="datetimeFigureOut">
               <a:rPr lang="en-US" smtClean="0"/>
               <a:pPr/>
-              <a:t>7/18/22</a:t>
+              <a:t>7/28/2022</a:t>
             </a:fld>
             <a:endParaRPr lang="en-US" dirty="0"/>
           </a:p>
@@ -39406,7 +39406,7 @@
             <a:fld id="{B61BEF0D-F0BB-DE4B-95CE-6DB70DBA9567}" type="datetimeFigureOut">
               <a:rPr lang="en-US" smtClean="0"/>
               <a:pPr/>
-              <a:t>7/18/22</a:t>
+              <a:t>7/28/2022</a:t>
             </a:fld>
             <a:endParaRPr lang="en-US" dirty="0"/>
           </a:p>
@@ -39698,7 +39698,7 @@
             <a:fld id="{B61BEF0D-F0BB-DE4B-95CE-6DB70DBA9567}" type="datetimeFigureOut">
               <a:rPr lang="en-US" smtClean="0"/>
               <a:pPr/>
-              <a:t>7/18/22</a:t>
+              <a:t>7/28/2022</a:t>
             </a:fld>
             <a:endParaRPr lang="en-US" dirty="0"/>
           </a:p>
@@ -39980,7 +39980,7 @@
             <a:fld id="{B61BEF0D-F0BB-DE4B-95CE-6DB70DBA9567}" type="datetimeFigureOut">
               <a:rPr lang="en-US" smtClean="0"/>
               <a:pPr/>
-              <a:t>7/18/22</a:t>
+              <a:t>7/28/2022</a:t>
             </a:fld>
             <a:endParaRPr lang="en-US" dirty="0"/>
           </a:p>
@@ -40232,7 +40232,7 @@
             <a:fld id="{B61BEF0D-F0BB-DE4B-95CE-6DB70DBA9567}" type="datetimeFigureOut">
               <a:rPr lang="en-US" smtClean="0"/>
               <a:pPr/>
-              <a:t>7/18/22</a:t>
+              <a:t>7/28/2022</a:t>
             </a:fld>
             <a:endParaRPr lang="en-US" dirty="0"/>
           </a:p>
@@ -43074,7 +43074,7 @@
         </p:spPr>
         <p:txBody>
           <a:bodyPr>
-            <a:normAutofit/>
+            <a:normAutofit fontScale="90000"/>
           </a:bodyPr>
           <a:lstStyle/>
           <a:p>
@@ -48098,7 +48098,7 @@
           <a:lstStyle/>
           <a:p>
             <a:r>
-              <a:rPr lang="en-US">
+              <a:rPr lang="en-US" sz="4400" dirty="0">
                 <a:solidFill>
                   <a:srgbClr val="FFFFFF"/>
                 </a:solidFill>
@@ -48106,14 +48106,14 @@
               <a:t>Option Contracts</a:t>
             </a:r>
             <a:br>
-              <a:rPr lang="en-US">
+              <a:rPr lang="en-US" sz="4400" dirty="0">
                 <a:solidFill>
                   <a:srgbClr val="FFFFFF"/>
                 </a:solidFill>
               </a:rPr>
             </a:br>
             <a:r>
-              <a:rPr lang="en-US">
+              <a:rPr lang="en-US" sz="4400" dirty="0">
                 <a:solidFill>
                   <a:srgbClr val="FFFFFF"/>
                 </a:solidFill>
@@ -48197,291 +48197,6 @@
           <p:cNvPr id="2" name="Title 1">
             <a:extLst>
               <a:ext uri="{FF2B5EF4-FFF2-40B4-BE49-F238E27FC236}">
-                <a16:creationId xmlns:a16="http://schemas.microsoft.com/office/drawing/2014/main" id="{D144DC10-90A2-479B-B3E6-0983304E5176}"/>
-              </a:ext>
-            </a:extLst>
-          </p:cNvPr>
-          <p:cNvSpPr>
-            <a:spLocks noGrp="1"/>
-          </p:cNvSpPr>
-          <p:nvPr>
-            <p:ph type="title"/>
-          </p:nvPr>
-        </p:nvSpPr>
-        <p:spPr>
-          <a:xfrm>
-            <a:off x="1024128" y="585216"/>
-            <a:ext cx="8018272" cy="1499616"/>
-          </a:xfrm>
-        </p:spPr>
-        <p:txBody>
-          <a:bodyPr>
-            <a:normAutofit/>
-          </a:bodyPr>
-          <a:lstStyle/>
-          <a:p>
-            <a:r>
-              <a:rPr lang="en-US" dirty="0"/>
-              <a:t>Option Contracts</a:t>
-            </a:r>
-            <a:br>
-              <a:rPr lang="en-US" dirty="0"/>
-            </a:br>
-            <a:r>
-              <a:rPr lang="en-US" dirty="0"/>
-              <a:t>Practices</a:t>
-            </a:r>
-          </a:p>
-        </p:txBody>
-      </p:sp>
-      <p:sp>
-        <p:nvSpPr>
-          <p:cNvPr id="3" name="Content Placeholder 2">
-            <a:extLst>
-              <a:ext uri="{FF2B5EF4-FFF2-40B4-BE49-F238E27FC236}">
-                <a16:creationId xmlns:a16="http://schemas.microsoft.com/office/drawing/2014/main" id="{21707848-DDDD-41EF-9362-0D44DC210E9B}"/>
-              </a:ext>
-            </a:extLst>
-          </p:cNvPr>
-          <p:cNvSpPr>
-            <a:spLocks noGrp="1"/>
-          </p:cNvSpPr>
-          <p:nvPr>
-            <p:ph idx="1"/>
-          </p:nvPr>
-        </p:nvSpPr>
-        <p:spPr>
-          <a:xfrm>
-            <a:off x="1024128" y="2286000"/>
-            <a:ext cx="8018271" cy="4023360"/>
-          </a:xfrm>
-        </p:spPr>
-        <p:txBody>
-          <a:bodyPr>
-            <a:normAutofit/>
-          </a:bodyPr>
-          <a:lstStyle/>
-          <a:p>
-            <a:r>
-              <a:rPr lang="en-US" sz="2400" dirty="0"/>
-              <a:t>Consider a put option selling for $4 in which the exercise price is $60 and the price of the underlying is $62.</a:t>
-            </a:r>
-          </a:p>
-          <a:p>
-            <a:pPr lvl="1"/>
-            <a:r>
-              <a:rPr lang="en-US" sz="2400" dirty="0"/>
-              <a:t>1 Determine the value at expiration and the profit for a put buyer under the following outcomes:</a:t>
-            </a:r>
-          </a:p>
-          <a:p>
-            <a:pPr lvl="2"/>
-            <a:r>
-              <a:rPr lang="en-US" sz="1800" dirty="0"/>
-              <a:t>A The price of the underlying at expiration is $62.</a:t>
-            </a:r>
-          </a:p>
-          <a:p>
-            <a:pPr lvl="2"/>
-            <a:r>
-              <a:rPr lang="en-US" sz="1800" dirty="0"/>
-              <a:t>B The price of the underlying at expiration is $55.</a:t>
-            </a:r>
-          </a:p>
-          <a:p>
-            <a:pPr lvl="1"/>
-            <a:r>
-              <a:rPr lang="en-US" sz="2400" dirty="0"/>
-              <a:t>2 Determine the value at expiration and the profit for a put seller under the following outcomes:</a:t>
-            </a:r>
-          </a:p>
-          <a:p>
-            <a:pPr lvl="2"/>
-            <a:r>
-              <a:rPr lang="en-US" sz="1800" dirty="0"/>
-              <a:t>A The price of the underlying at expiration is $51.</a:t>
-            </a:r>
-          </a:p>
-          <a:p>
-            <a:pPr lvl="2"/>
-            <a:r>
-              <a:rPr lang="en-US" sz="1800" dirty="0"/>
-              <a:t>B The price of the underlying at expiration is $68.</a:t>
-            </a:r>
-          </a:p>
-        </p:txBody>
-      </p:sp>
-      <p:sp>
-        <p:nvSpPr>
-          <p:cNvPr id="8" name="Rectangle 7">
-            <a:extLst>
-              <a:ext uri="{FF2B5EF4-FFF2-40B4-BE49-F238E27FC236}">
-                <a16:creationId xmlns:a16="http://schemas.microsoft.com/office/drawing/2014/main" id="{77D7B666-D5E6-48CE-B26A-FB5E5C34AF90}"/>
-              </a:ext>
-              <a:ext uri="{C183D7F6-B498-43B3-948B-1728B52AA6E4}">
-                <adec:decorative xmlns:adec="http://schemas.microsoft.com/office/drawing/2017/decorative" val="1"/>
-              </a:ext>
-            </a:extLst>
-          </p:cNvPr>
-          <p:cNvSpPr>
-            <a:spLocks noGrp="1" noRot="1" noChangeAspect="1" noMove="1" noResize="1" noEditPoints="1" noAdjustHandles="1" noChangeArrowheads="1" noChangeShapeType="1" noTextEdit="1"/>
-          </p:cNvSpPr>
-          <p:nvPr>
-            <p:extLst>
-              <p:ext uri="{386F3935-93C4-4BCD-93E2-E3B085C9AB24}">
-                <p16:designElem xmlns:p16="http://schemas.microsoft.com/office/powerpoint/2015/main" val="1"/>
-              </p:ext>
-            </p:extLst>
-          </p:nvPr>
-        </p:nvSpPr>
-        <p:spPr>
-          <a:xfrm>
-            <a:off x="9583348" y="325601"/>
-            <a:ext cx="2286920" cy="3908071"/>
-          </a:xfrm>
-          <a:prstGeom prst="rect">
-            <a:avLst/>
-          </a:prstGeom>
-          <a:solidFill>
-            <a:schemeClr val="accent1"/>
-          </a:solidFill>
-          <a:ln>
-            <a:noFill/>
-          </a:ln>
-        </p:spPr>
-        <p:style>
-          <a:lnRef idx="2">
-            <a:schemeClr val="accent1">
-              <a:shade val="50000"/>
-            </a:schemeClr>
-          </a:lnRef>
-          <a:fillRef idx="1">
-            <a:schemeClr val="accent1"/>
-          </a:fillRef>
-          <a:effectRef idx="0">
-            <a:schemeClr val="accent1"/>
-          </a:effectRef>
-          <a:fontRef idx="minor">
-            <a:schemeClr val="lt1"/>
-          </a:fontRef>
-        </p:style>
-        <p:txBody>
-          <a:bodyPr rtlCol="0" anchor="ctr"/>
-          <a:lstStyle/>
-          <a:p>
-            <a:pPr algn="ctr"/>
-            <a:endParaRPr lang="en-US" dirty="0"/>
-          </a:p>
-        </p:txBody>
-      </p:sp>
-      <p:sp>
-        <p:nvSpPr>
-          <p:cNvPr id="10" name="Rectangle 9">
-            <a:extLst>
-              <a:ext uri="{FF2B5EF4-FFF2-40B4-BE49-F238E27FC236}">
-                <a16:creationId xmlns:a16="http://schemas.microsoft.com/office/drawing/2014/main" id="{F6EE670A-A41A-44AD-BC1C-2090365EB5B3}"/>
-              </a:ext>
-              <a:ext uri="{C183D7F6-B498-43B3-948B-1728B52AA6E4}">
-                <adec:decorative xmlns:adec="http://schemas.microsoft.com/office/drawing/2017/decorative" val="1"/>
-              </a:ext>
-            </a:extLst>
-          </p:cNvPr>
-          <p:cNvSpPr>
-            <a:spLocks noGrp="1" noRot="1" noChangeAspect="1" noMove="1" noResize="1" noEditPoints="1" noAdjustHandles="1" noChangeArrowheads="1" noChangeShapeType="1" noTextEdit="1"/>
-          </p:cNvSpPr>
-          <p:nvPr>
-            <p:extLst>
-              <p:ext uri="{386F3935-93C4-4BCD-93E2-E3B085C9AB24}">
-                <p16:designElem xmlns:p16="http://schemas.microsoft.com/office/powerpoint/2015/main" val="1"/>
-              </p:ext>
-            </p:extLst>
-          </p:nvPr>
-        </p:nvSpPr>
-        <p:spPr>
-          <a:xfrm>
-            <a:off x="9583348" y="4394539"/>
-            <a:ext cx="2286920" cy="2029724"/>
-          </a:xfrm>
-          <a:prstGeom prst="rect">
-            <a:avLst/>
-          </a:prstGeom>
-          <a:solidFill>
-            <a:schemeClr val="tx2">
-              <a:alpha val="80000"/>
-            </a:schemeClr>
-          </a:solidFill>
-          <a:ln>
-            <a:noFill/>
-          </a:ln>
-        </p:spPr>
-        <p:style>
-          <a:lnRef idx="2">
-            <a:schemeClr val="accent1">
-              <a:shade val="50000"/>
-            </a:schemeClr>
-          </a:lnRef>
-          <a:fillRef idx="1">
-            <a:schemeClr val="accent1"/>
-          </a:fillRef>
-          <a:effectRef idx="0">
-            <a:schemeClr val="accent1"/>
-          </a:effectRef>
-          <a:fontRef idx="minor">
-            <a:schemeClr val="lt1"/>
-          </a:fontRef>
-        </p:style>
-        <p:txBody>
-          <a:bodyPr rtlCol="0" anchor="ctr"/>
-          <a:lstStyle/>
-          <a:p>
-            <a:pPr algn="ctr"/>
-            <a:endParaRPr lang="en-US"/>
-          </a:p>
-        </p:txBody>
-      </p:sp>
-    </p:spTree>
-    <p:extLst>
-      <p:ext uri="{BB962C8B-B14F-4D97-AF65-F5344CB8AC3E}">
-        <p14:creationId xmlns:p14="http://schemas.microsoft.com/office/powerpoint/2010/main" val="3669530994"/>
-      </p:ext>
-    </p:extLst>
-  </p:cSld>
-  <p:clrMapOvr>
-    <a:masterClrMapping/>
-  </p:clrMapOvr>
-</p:sld>
-</file>
-
-<file path=ppt/slides/slide37.xml><?xml version="1.0" encoding="utf-8"?>
-<p:sld xmlns:a="http://schemas.openxmlformats.org/drawingml/2006/main" xmlns:r="http://schemas.openxmlformats.org/officeDocument/2006/relationships" xmlns:p="http://schemas.openxmlformats.org/presentationml/2006/main">
-  <p:cSld>
-    <p:bg>
-      <p:bgPr>
-        <a:solidFill>
-          <a:schemeClr val="bg1"/>
-        </a:solidFill>
-        <a:effectLst/>
-      </p:bgPr>
-    </p:bg>
-    <p:spTree>
-      <p:nvGrpSpPr>
-        <p:cNvPr id="1" name=""/>
-        <p:cNvGrpSpPr/>
-        <p:nvPr/>
-      </p:nvGrpSpPr>
-      <p:grpSpPr>
-        <a:xfrm>
-          <a:off x="0" y="0"/>
-          <a:ext cx="0" cy="0"/>
-          <a:chOff x="0" y="0"/>
-          <a:chExt cx="0" cy="0"/>
-        </a:xfrm>
-      </p:grpSpPr>
-      <p:sp>
-        <p:nvSpPr>
-          <p:cNvPr id="2" name="Title 1">
-            <a:extLst>
-              <a:ext uri="{FF2B5EF4-FFF2-40B4-BE49-F238E27FC236}">
                 <a16:creationId xmlns:a16="http://schemas.microsoft.com/office/drawing/2014/main" id="{1C2F3AE9-B402-437D-BDF5-E4639C896F9C}"/>
               </a:ext>
             </a:extLst>
@@ -48557,8 +48272,16 @@
               <a:t>Options that can be exercised early are referred to as </a:t>
             </a:r>
             <a:r>
-              <a:rPr lang="en-US"/>
-              <a:t>American- style.</a:t>
+              <a:rPr lang="en-US" dirty="0">
+                <a:solidFill>
+                  <a:srgbClr val="FF0000"/>
+                </a:solidFill>
+              </a:rPr>
+              <a:t>American- style</a:t>
+            </a:r>
+            <a:r>
+              <a:rPr lang="en-US" dirty="0"/>
+              <a:t>.</a:t>
             </a:r>
           </a:p>
           <a:p>
@@ -48568,15 +48291,35 @@
               <a:t>Options that can be exercised only at expiration are referred to as </a:t>
             </a:r>
             <a:r>
-              <a:rPr lang="en-US"/>
-              <a:t>European- style.</a:t>
+              <a:rPr lang="en-US" dirty="0">
+                <a:solidFill>
+                  <a:srgbClr val="FF0000"/>
+                </a:solidFill>
+              </a:rPr>
+              <a:t>European- style</a:t>
+            </a:r>
+            <a:r>
+              <a:rPr lang="en-US" dirty="0"/>
+              <a:t>.</a:t>
             </a:r>
           </a:p>
           <a:p>
             <a:pPr lvl="1"/>
             <a:r>
-              <a:rPr lang="en-US"/>
-              <a:t>Thus, only the short can default, which would occur if the long exercises the option and the short fails to do what it is supposed to do.</a:t>
+              <a:rPr lang="en-US" dirty="0"/>
+              <a:t>Thus, </a:t>
+            </a:r>
+            <a:r>
+              <a:rPr lang="en-US" dirty="0">
+                <a:solidFill>
+                  <a:srgbClr val="FF0000"/>
+                </a:solidFill>
+              </a:rPr>
+              <a:t>only the short can default</a:t>
+            </a:r>
+            <a:r>
+              <a:rPr lang="en-US" dirty="0"/>
+              <a:t>, which would occur if the long exercises the option and the short fails to do what it is supposed to do.</a:t>
             </a:r>
           </a:p>
           <a:p>
@@ -48586,18 +48329,21 @@
               <a:t>This asymmetric payoff profile is a common feature of contingent claims, which are sometimes referred to as </a:t>
             </a:r>
             <a:r>
-              <a:rPr lang="en-US" altLang="zh-CN"/>
-              <a:t>non-linear </a:t>
+              <a:rPr lang="en-US" altLang="zh-CN" dirty="0">
+                <a:solidFill>
+                  <a:srgbClr val="FF0000"/>
+                </a:solidFill>
+              </a:rPr>
+              <a:t>non-linear derivatives</a:t>
             </a:r>
             <a:r>
               <a:rPr lang="en-US" altLang="zh-CN" dirty="0"/>
-              <a:t>derivatives.</a:t>
-            </a:r>
-            <a:endParaRPr lang="en-US" altLang="zh-CN"/>
+              <a:t>.</a:t>
+            </a:r>
           </a:p>
           <a:p>
             <a:pPr lvl="1"/>
-            <a:endParaRPr lang="en-US"/>
+            <a:endParaRPr lang="en-US" dirty="0"/>
           </a:p>
         </p:txBody>
       </p:sp>
@@ -48742,7 +48488,7 @@
 </p:sld>
 </file>
 
-<file path=ppt/slides/slide38.xml><?xml version="1.0" encoding="utf-8"?>
+<file path=ppt/slides/slide37.xml><?xml version="1.0" encoding="utf-8"?>
 <p:sld xmlns:a="http://schemas.openxmlformats.org/drawingml/2006/main" xmlns:r="http://schemas.openxmlformats.org/officeDocument/2006/relationships" xmlns:p="http://schemas.openxmlformats.org/presentationml/2006/main">
   <p:cSld>
     <p:spTree>
@@ -49192,7 +48938,7 @@
 </p:sld>
 </file>
 
-<file path=ppt/slides/slide39.xml><?xml version="1.0" encoding="utf-8"?>
+<file path=ppt/slides/slide38.xml><?xml version="1.0" encoding="utf-8"?>
 <p:sld xmlns:a="http://schemas.openxmlformats.org/drawingml/2006/main" xmlns:r="http://schemas.openxmlformats.org/officeDocument/2006/relationships" xmlns:p="http://schemas.openxmlformats.org/presentationml/2006/main">
   <p:cSld>
     <p:bg>
@@ -49388,6 +49134,422 @@
     <p:extLst>
       <p:ext uri="{BB962C8B-B14F-4D97-AF65-F5344CB8AC3E}">
         <p14:creationId xmlns:p14="http://schemas.microsoft.com/office/powerpoint/2010/main" val="3225362099"/>
+      </p:ext>
+    </p:extLst>
+  </p:cSld>
+  <p:clrMapOvr>
+    <a:masterClrMapping/>
+  </p:clrMapOvr>
+</p:sld>
+</file>
+
+<file path=ppt/slides/slide39.xml><?xml version="1.0" encoding="utf-8"?>
+<p:sld xmlns:a="http://schemas.openxmlformats.org/drawingml/2006/main" xmlns:r="http://schemas.openxmlformats.org/officeDocument/2006/relationships" xmlns:p="http://schemas.openxmlformats.org/presentationml/2006/main">
+  <p:cSld>
+    <p:spTree>
+      <p:nvGrpSpPr>
+        <p:cNvPr id="1" name=""/>
+        <p:cNvGrpSpPr/>
+        <p:nvPr/>
+      </p:nvGrpSpPr>
+      <p:grpSpPr>
+        <a:xfrm>
+          <a:off x="0" y="0"/>
+          <a:ext cx="0" cy="0"/>
+          <a:chOff x="0" y="0"/>
+          <a:chExt cx="0" cy="0"/>
+        </a:xfrm>
+      </p:grpSpPr>
+      <p:sp>
+        <p:nvSpPr>
+          <p:cNvPr id="2" name="Title 1">
+            <a:extLst>
+              <a:ext uri="{FF2B5EF4-FFF2-40B4-BE49-F238E27FC236}">
+                <a16:creationId xmlns:a16="http://schemas.microsoft.com/office/drawing/2014/main" id="{D92F4A03-1F86-43BB-8F25-4E54A576A4C6}"/>
+              </a:ext>
+            </a:extLst>
+          </p:cNvPr>
+          <p:cNvSpPr>
+            <a:spLocks noGrp="1"/>
+          </p:cNvSpPr>
+          <p:nvPr>
+            <p:ph type="title"/>
+          </p:nvPr>
+        </p:nvSpPr>
+        <p:spPr/>
+        <p:txBody>
+          <a:bodyPr>
+            <a:normAutofit/>
+          </a:bodyPr>
+          <a:lstStyle/>
+          <a:p>
+            <a:r>
+              <a:rPr lang="en-US" sz="4000" dirty="0"/>
+              <a:t>Forward commitment and contingent claim</a:t>
+            </a:r>
+          </a:p>
+        </p:txBody>
+      </p:sp>
+      <p:sp>
+        <p:nvSpPr>
+          <p:cNvPr id="3" name="Content Placeholder 2">
+            <a:extLst>
+              <a:ext uri="{FF2B5EF4-FFF2-40B4-BE49-F238E27FC236}">
+                <a16:creationId xmlns:a16="http://schemas.microsoft.com/office/drawing/2014/main" id="{5B82F75F-242E-45F2-AFFC-2D842F0C0CDA}"/>
+              </a:ext>
+            </a:extLst>
+          </p:cNvPr>
+          <p:cNvSpPr>
+            <a:spLocks noGrp="1"/>
+          </p:cNvSpPr>
+          <p:nvPr>
+            <p:ph idx="1"/>
+          </p:nvPr>
+        </p:nvSpPr>
+        <p:spPr/>
+        <p:txBody>
+          <a:bodyPr/>
+          <a:lstStyle/>
+          <a:p>
+            <a:r>
+              <a:rPr lang="en-US" dirty="0"/>
+              <a:t>Long forward and long call option payoff profile</a:t>
+            </a:r>
+          </a:p>
+          <a:p>
+            <a:endParaRPr lang="en-US" dirty="0"/>
+          </a:p>
+        </p:txBody>
+      </p:sp>
+      <p:pic>
+        <p:nvPicPr>
+          <p:cNvPr id="7" name="Picture 6">
+            <a:extLst>
+              <a:ext uri="{FF2B5EF4-FFF2-40B4-BE49-F238E27FC236}">
+                <a16:creationId xmlns:a16="http://schemas.microsoft.com/office/drawing/2014/main" id="{20CD61F2-A315-4406-983D-F062F87F49AB}"/>
+              </a:ext>
+            </a:extLst>
+          </p:cNvPr>
+          <p:cNvPicPr>
+            <a:picLocks noChangeAspect="1"/>
+          </p:cNvPicPr>
+          <p:nvPr/>
+        </p:nvPicPr>
+        <p:blipFill>
+          <a:blip r:embed="rId2"/>
+          <a:stretch>
+            <a:fillRect/>
+          </a:stretch>
+        </p:blipFill>
+        <p:spPr>
+          <a:xfrm>
+            <a:off x="1190625" y="2838379"/>
+            <a:ext cx="4552950" cy="3434405"/>
+          </a:xfrm>
+          <a:prstGeom prst="rect">
+            <a:avLst/>
+          </a:prstGeom>
+        </p:spPr>
+      </p:pic>
+      <p:graphicFrame>
+        <p:nvGraphicFramePr>
+          <p:cNvPr id="8" name="Table 7">
+            <a:extLst>
+              <a:ext uri="{FF2B5EF4-FFF2-40B4-BE49-F238E27FC236}">
+                <a16:creationId xmlns:a16="http://schemas.microsoft.com/office/drawing/2014/main" id="{549E501D-DFB2-4D87-9788-A688DCD1E4BB}"/>
+              </a:ext>
+            </a:extLst>
+          </p:cNvPr>
+          <p:cNvGraphicFramePr>
+            <a:graphicFrameLocks noGrp="1"/>
+          </p:cNvGraphicFramePr>
+          <p:nvPr>
+            <p:extLst>
+              <p:ext uri="{D42A27DB-BD31-4B8C-83A1-F6EECF244321}">
+                <p14:modId xmlns:p14="http://schemas.microsoft.com/office/powerpoint/2010/main" val="3188753596"/>
+              </p:ext>
+            </p:extLst>
+          </p:nvPr>
+        </p:nvGraphicFramePr>
+        <p:xfrm>
+          <a:off x="5743575" y="2838379"/>
+          <a:ext cx="5969000" cy="1499616"/>
+        </p:xfrm>
+        <a:graphic>
+          <a:graphicData uri="http://schemas.openxmlformats.org/drawingml/2006/table">
+            <a:tbl>
+              <a:tblPr firstRow="1" bandRow="1">
+                <a:tableStyleId>{5C22544A-7EE6-4342-B048-85BDC9FD1C3A}</a:tableStyleId>
+              </a:tblPr>
+              <a:tblGrid>
+                <a:gridCol w="1943100">
+                  <a:extLst>
+                    <a:ext uri="{9D8B030D-6E8A-4147-A177-3AD203B41FA5}">
+                      <a16:colId xmlns:a16="http://schemas.microsoft.com/office/drawing/2014/main" val="311254591"/>
+                    </a:ext>
+                  </a:extLst>
+                </a:gridCol>
+                <a:gridCol w="4025900">
+                  <a:extLst>
+                    <a:ext uri="{9D8B030D-6E8A-4147-A177-3AD203B41FA5}">
+                      <a16:colId xmlns:a16="http://schemas.microsoft.com/office/drawing/2014/main" val="4157189870"/>
+                    </a:ext>
+                  </a:extLst>
+                </a:gridCol>
+              </a:tblGrid>
+              <a:tr h="499872">
+                <a:tc>
+                  <a:txBody>
+                    <a:bodyPr/>
+                    <a:lstStyle/>
+                    <a:p>
+                      <a:r>
+                        <a:rPr lang="en-US" dirty="0"/>
+                        <a:t>S</a:t>
+                      </a:r>
+                      <a:r>
+                        <a:rPr lang="en-US" baseline="-25000" dirty="0"/>
+                        <a:t>T</a:t>
+                      </a:r>
+                      <a:r>
+                        <a:rPr lang="en-US" dirty="0"/>
+                        <a:t>-F</a:t>
+                      </a:r>
+                      <a:r>
+                        <a:rPr lang="en-US" baseline="-25000" dirty="0"/>
+                        <a:t>0</a:t>
+                      </a:r>
+                      <a:r>
+                        <a:rPr lang="en-US" dirty="0"/>
+                        <a:t>(T)&gt;-C</a:t>
+                      </a:r>
+                      <a:r>
+                        <a:rPr lang="en-US" baseline="-25000" dirty="0"/>
+                        <a:t>0</a:t>
+                      </a:r>
+                    </a:p>
+                  </a:txBody>
+                  <a:tcPr/>
+                </a:tc>
+                <a:tc>
+                  <a:txBody>
+                    <a:bodyPr/>
+                    <a:lstStyle/>
+                    <a:p>
+                      <a:r>
+                        <a:rPr lang="en-US" dirty="0"/>
+                        <a:t>Forward profit exceeds option profit</a:t>
+                      </a:r>
+                    </a:p>
+                  </a:txBody>
+                  <a:tcPr/>
+                </a:tc>
+                <a:extLst>
+                  <a:ext uri="{0D108BD9-81ED-4DB2-BD59-A6C34878D82A}">
+                    <a16:rowId xmlns:a16="http://schemas.microsoft.com/office/drawing/2014/main" val="1085330618"/>
+                  </a:ext>
+                </a:extLst>
+              </a:tr>
+              <a:tr h="499872">
+                <a:tc>
+                  <a:txBody>
+                    <a:bodyPr/>
+                    <a:lstStyle/>
+                    <a:p>
+                      <a:pPr marL="0" marR="0" lvl="0" indent="0" algn="l" defTabSz="914400" rtl="0" eaLnBrk="1" fontAlgn="auto" latinLnBrk="0" hangingPunct="1">
+                        <a:lnSpc>
+                          <a:spcPct val="100000"/>
+                        </a:lnSpc>
+                        <a:spcBef>
+                          <a:spcPts val="0"/>
+                        </a:spcBef>
+                        <a:spcAft>
+                          <a:spcPts val="0"/>
+                        </a:spcAft>
+                        <a:buClrTx/>
+                        <a:buSzTx/>
+                        <a:buFontTx/>
+                        <a:buNone/>
+                        <a:tabLst/>
+                        <a:defRPr/>
+                      </a:pPr>
+                      <a:r>
+                        <a:rPr lang="en-US" dirty="0"/>
+                        <a:t>S</a:t>
+                      </a:r>
+                      <a:r>
+                        <a:rPr lang="en-US" baseline="-25000" dirty="0"/>
+                        <a:t>T</a:t>
+                      </a:r>
+                      <a:r>
+                        <a:rPr lang="en-US" dirty="0"/>
+                        <a:t>-F</a:t>
+                      </a:r>
+                      <a:r>
+                        <a:rPr lang="en-US" baseline="-25000" dirty="0"/>
+                        <a:t>0</a:t>
+                      </a:r>
+                      <a:r>
+                        <a:rPr lang="en-US" dirty="0"/>
+                        <a:t>(T)=-C</a:t>
+                      </a:r>
+                      <a:r>
+                        <a:rPr lang="en-US" baseline="-25000" dirty="0"/>
+                        <a:t>0</a:t>
+                      </a:r>
+                    </a:p>
+                  </a:txBody>
+                  <a:tcPr/>
+                </a:tc>
+                <a:tc>
+                  <a:txBody>
+                    <a:bodyPr/>
+                    <a:lstStyle/>
+                    <a:p>
+                      <a:pPr marL="0" marR="0" lvl="0" indent="0" algn="l" defTabSz="914400" rtl="0" eaLnBrk="1" fontAlgn="auto" latinLnBrk="0" hangingPunct="1">
+                        <a:lnSpc>
+                          <a:spcPct val="100000"/>
+                        </a:lnSpc>
+                        <a:spcBef>
+                          <a:spcPts val="0"/>
+                        </a:spcBef>
+                        <a:spcAft>
+                          <a:spcPts val="0"/>
+                        </a:spcAft>
+                        <a:buClrTx/>
+                        <a:buSzTx/>
+                        <a:buFontTx/>
+                        <a:buNone/>
+                        <a:tabLst/>
+                        <a:defRPr/>
+                      </a:pPr>
+                      <a:r>
+                        <a:rPr lang="en-US" dirty="0"/>
+                        <a:t>Forward profit equals option profit</a:t>
+                      </a:r>
+                    </a:p>
+                  </a:txBody>
+                  <a:tcPr/>
+                </a:tc>
+                <a:extLst>
+                  <a:ext uri="{0D108BD9-81ED-4DB2-BD59-A6C34878D82A}">
+                    <a16:rowId xmlns:a16="http://schemas.microsoft.com/office/drawing/2014/main" val="1654900102"/>
+                  </a:ext>
+                </a:extLst>
+              </a:tr>
+              <a:tr h="499872">
+                <a:tc>
+                  <a:txBody>
+                    <a:bodyPr/>
+                    <a:lstStyle/>
+                    <a:p>
+                      <a:pPr marL="0" marR="0" lvl="0" indent="0" algn="l" defTabSz="914400" rtl="0" eaLnBrk="1" fontAlgn="auto" latinLnBrk="0" hangingPunct="1">
+                        <a:lnSpc>
+                          <a:spcPct val="100000"/>
+                        </a:lnSpc>
+                        <a:spcBef>
+                          <a:spcPts val="0"/>
+                        </a:spcBef>
+                        <a:spcAft>
+                          <a:spcPts val="0"/>
+                        </a:spcAft>
+                        <a:buClrTx/>
+                        <a:buSzTx/>
+                        <a:buFontTx/>
+                        <a:buNone/>
+                        <a:tabLst/>
+                        <a:defRPr/>
+                      </a:pPr>
+                      <a:r>
+                        <a:rPr lang="en-US" dirty="0"/>
+                        <a:t>S</a:t>
+                      </a:r>
+                      <a:r>
+                        <a:rPr lang="en-US" baseline="-25000" dirty="0"/>
+                        <a:t>T</a:t>
+                      </a:r>
+                      <a:r>
+                        <a:rPr lang="en-US" dirty="0"/>
+                        <a:t>-F</a:t>
+                      </a:r>
+                      <a:r>
+                        <a:rPr lang="en-US" baseline="-25000" dirty="0"/>
+                        <a:t>0</a:t>
+                      </a:r>
+                      <a:r>
+                        <a:rPr lang="en-US" dirty="0"/>
+                        <a:t>(T)&lt;-C</a:t>
+                      </a:r>
+                      <a:r>
+                        <a:rPr lang="en-US" baseline="-25000" dirty="0"/>
+                        <a:t>0</a:t>
+                      </a:r>
+                    </a:p>
+                  </a:txBody>
+                  <a:tcPr/>
+                </a:tc>
+                <a:tc>
+                  <a:txBody>
+                    <a:bodyPr/>
+                    <a:lstStyle/>
+                    <a:p>
+                      <a:r>
+                        <a:rPr lang="en-US" dirty="0"/>
+                        <a:t>Option profit exceeds forward profit</a:t>
+                      </a:r>
+                    </a:p>
+                  </a:txBody>
+                  <a:tcPr/>
+                </a:tc>
+                <a:extLst>
+                  <a:ext uri="{0D108BD9-81ED-4DB2-BD59-A6C34878D82A}">
+                    <a16:rowId xmlns:a16="http://schemas.microsoft.com/office/drawing/2014/main" val="2059986683"/>
+                  </a:ext>
+                </a:extLst>
+              </a:tr>
+            </a:tbl>
+          </a:graphicData>
+        </a:graphic>
+      </p:graphicFrame>
+      <p:sp>
+        <p:nvSpPr>
+          <p:cNvPr id="9" name="TextBox 8">
+            <a:extLst>
+              <a:ext uri="{FF2B5EF4-FFF2-40B4-BE49-F238E27FC236}">
+                <a16:creationId xmlns:a16="http://schemas.microsoft.com/office/drawing/2014/main" id="{68B6C1FD-C2BD-443D-88EF-2B9CA1EFBB1D}"/>
+              </a:ext>
+            </a:extLst>
+          </p:cNvPr>
+          <p:cNvSpPr txBox="1"/>
+          <p:nvPr/>
+        </p:nvSpPr>
+        <p:spPr>
+          <a:xfrm>
+            <a:off x="5743575" y="4543425"/>
+            <a:ext cx="5969000" cy="923330"/>
+          </a:xfrm>
+          <a:prstGeom prst="rect">
+            <a:avLst/>
+          </a:prstGeom>
+          <a:noFill/>
+        </p:spPr>
+        <p:txBody>
+          <a:bodyPr wrap="square" rtlCol="0">
+            <a:spAutoFit/>
+          </a:bodyPr>
+          <a:lstStyle/>
+          <a:p>
+            <a:r>
+              <a:rPr lang="en-US" dirty="0"/>
+              <a:t>The long call option’s similarity to a long position in the underlying with downside protection in exchange for paying a premium.</a:t>
+            </a:r>
+          </a:p>
+        </p:txBody>
+      </p:sp>
+    </p:spTree>
+    <p:extLst>
+      <p:ext uri="{BB962C8B-B14F-4D97-AF65-F5344CB8AC3E}">
+        <p14:creationId xmlns:p14="http://schemas.microsoft.com/office/powerpoint/2010/main" val="3997820695"/>
       </p:ext>
     </p:extLst>
   </p:cSld>
@@ -49565,6 +49727,1088 @@
           <p:cNvPr id="2" name="Title 1">
             <a:extLst>
               <a:ext uri="{FF2B5EF4-FFF2-40B4-BE49-F238E27FC236}">
+                <a16:creationId xmlns:a16="http://schemas.microsoft.com/office/drawing/2014/main" id="{B3F91B19-995F-407B-AD94-7E78BB41EA85}"/>
+              </a:ext>
+            </a:extLst>
+          </p:cNvPr>
+          <p:cNvSpPr>
+            <a:spLocks noGrp="1"/>
+          </p:cNvSpPr>
+          <p:nvPr>
+            <p:ph type="title"/>
+          </p:nvPr>
+        </p:nvSpPr>
+        <p:spPr/>
+        <p:txBody>
+          <a:bodyPr>
+            <a:normAutofit/>
+          </a:bodyPr>
+          <a:lstStyle/>
+          <a:p>
+            <a:r>
+              <a:rPr lang="en-US" sz="4000" dirty="0"/>
+              <a:t>Forward commitment and contingent claim</a:t>
+            </a:r>
+          </a:p>
+        </p:txBody>
+      </p:sp>
+      <p:sp>
+        <p:nvSpPr>
+          <p:cNvPr id="3" name="Content Placeholder 2">
+            <a:extLst>
+              <a:ext uri="{FF2B5EF4-FFF2-40B4-BE49-F238E27FC236}">
+                <a16:creationId xmlns:a16="http://schemas.microsoft.com/office/drawing/2014/main" id="{0CB68A7C-7BD5-4E44-B80F-A2D107B70F44}"/>
+              </a:ext>
+            </a:extLst>
+          </p:cNvPr>
+          <p:cNvSpPr>
+            <a:spLocks noGrp="1"/>
+          </p:cNvSpPr>
+          <p:nvPr>
+            <p:ph idx="1"/>
+          </p:nvPr>
+        </p:nvSpPr>
+        <p:spPr/>
+        <p:txBody>
+          <a:bodyPr/>
+          <a:lstStyle/>
+          <a:p>
+            <a:r>
+              <a:rPr lang="en-US" dirty="0"/>
+              <a:t>Long forward and short put option payoff profile</a:t>
+            </a:r>
+          </a:p>
+          <a:p>
+            <a:endParaRPr lang="en-US" dirty="0"/>
+          </a:p>
+        </p:txBody>
+      </p:sp>
+      <p:pic>
+        <p:nvPicPr>
+          <p:cNvPr id="5" name="Picture 4">
+            <a:extLst>
+              <a:ext uri="{FF2B5EF4-FFF2-40B4-BE49-F238E27FC236}">
+                <a16:creationId xmlns:a16="http://schemas.microsoft.com/office/drawing/2014/main" id="{597CB493-D1AB-41D2-AF6D-0A03C33D14E8}"/>
+              </a:ext>
+            </a:extLst>
+          </p:cNvPr>
+          <p:cNvPicPr>
+            <a:picLocks noChangeAspect="1"/>
+          </p:cNvPicPr>
+          <p:nvPr/>
+        </p:nvPicPr>
+        <p:blipFill>
+          <a:blip r:embed="rId2"/>
+          <a:stretch>
+            <a:fillRect/>
+          </a:stretch>
+        </p:blipFill>
+        <p:spPr>
+          <a:xfrm>
+            <a:off x="1171575" y="2776537"/>
+            <a:ext cx="4414838" cy="3733692"/>
+          </a:xfrm>
+          <a:prstGeom prst="rect">
+            <a:avLst/>
+          </a:prstGeom>
+        </p:spPr>
+      </p:pic>
+      <p:graphicFrame>
+        <p:nvGraphicFramePr>
+          <p:cNvPr id="8" name="Table 7">
+            <a:extLst>
+              <a:ext uri="{FF2B5EF4-FFF2-40B4-BE49-F238E27FC236}">
+                <a16:creationId xmlns:a16="http://schemas.microsoft.com/office/drawing/2014/main" id="{F18731DB-68B3-4DF2-84CE-D5351B924E9C}"/>
+              </a:ext>
+            </a:extLst>
+          </p:cNvPr>
+          <p:cNvGraphicFramePr>
+            <a:graphicFrameLocks noGrp="1"/>
+          </p:cNvGraphicFramePr>
+          <p:nvPr>
+            <p:extLst>
+              <p:ext uri="{D42A27DB-BD31-4B8C-83A1-F6EECF244321}">
+                <p14:modId xmlns:p14="http://schemas.microsoft.com/office/powerpoint/2010/main" val="3734088634"/>
+              </p:ext>
+            </p:extLst>
+          </p:nvPr>
+        </p:nvGraphicFramePr>
+        <p:xfrm>
+          <a:off x="5884164" y="2798064"/>
+          <a:ext cx="5969000" cy="1499616"/>
+        </p:xfrm>
+        <a:graphic>
+          <a:graphicData uri="http://schemas.openxmlformats.org/drawingml/2006/table">
+            <a:tbl>
+              <a:tblPr firstRow="1" bandRow="1">
+                <a:tableStyleId>{5C22544A-7EE6-4342-B048-85BDC9FD1C3A}</a:tableStyleId>
+              </a:tblPr>
+              <a:tblGrid>
+                <a:gridCol w="1943100">
+                  <a:extLst>
+                    <a:ext uri="{9D8B030D-6E8A-4147-A177-3AD203B41FA5}">
+                      <a16:colId xmlns:a16="http://schemas.microsoft.com/office/drawing/2014/main" val="311254591"/>
+                    </a:ext>
+                  </a:extLst>
+                </a:gridCol>
+                <a:gridCol w="4025900">
+                  <a:extLst>
+                    <a:ext uri="{9D8B030D-6E8A-4147-A177-3AD203B41FA5}">
+                      <a16:colId xmlns:a16="http://schemas.microsoft.com/office/drawing/2014/main" val="4157189870"/>
+                    </a:ext>
+                  </a:extLst>
+                </a:gridCol>
+              </a:tblGrid>
+              <a:tr h="499872">
+                <a:tc>
+                  <a:txBody>
+                    <a:bodyPr/>
+                    <a:lstStyle/>
+                    <a:p>
+                      <a:r>
+                        <a:rPr lang="en-US" dirty="0"/>
+                        <a:t>S</a:t>
+                      </a:r>
+                      <a:r>
+                        <a:rPr lang="en-US" baseline="-25000" dirty="0"/>
+                        <a:t>T</a:t>
+                      </a:r>
+                      <a:r>
+                        <a:rPr lang="en-US" dirty="0"/>
+                        <a:t>-F</a:t>
+                      </a:r>
+                      <a:r>
+                        <a:rPr lang="en-US" baseline="-25000" dirty="0"/>
+                        <a:t>0</a:t>
+                      </a:r>
+                      <a:r>
+                        <a:rPr lang="en-US" dirty="0"/>
+                        <a:t>(T)&gt;p</a:t>
+                      </a:r>
+                      <a:r>
+                        <a:rPr lang="en-US" baseline="-25000" dirty="0"/>
+                        <a:t>0</a:t>
+                      </a:r>
+                    </a:p>
+                  </a:txBody>
+                  <a:tcPr/>
+                </a:tc>
+                <a:tc>
+                  <a:txBody>
+                    <a:bodyPr/>
+                    <a:lstStyle/>
+                    <a:p>
+                      <a:r>
+                        <a:rPr lang="en-US" dirty="0"/>
+                        <a:t>Forward profit exceeds option profit</a:t>
+                      </a:r>
+                    </a:p>
+                  </a:txBody>
+                  <a:tcPr/>
+                </a:tc>
+                <a:extLst>
+                  <a:ext uri="{0D108BD9-81ED-4DB2-BD59-A6C34878D82A}">
+                    <a16:rowId xmlns:a16="http://schemas.microsoft.com/office/drawing/2014/main" val="1085330618"/>
+                  </a:ext>
+                </a:extLst>
+              </a:tr>
+              <a:tr h="499872">
+                <a:tc>
+                  <a:txBody>
+                    <a:bodyPr/>
+                    <a:lstStyle/>
+                    <a:p>
+                      <a:pPr marL="0" marR="0" lvl="0" indent="0" algn="l" defTabSz="914400" rtl="0" eaLnBrk="1" fontAlgn="auto" latinLnBrk="0" hangingPunct="1">
+                        <a:lnSpc>
+                          <a:spcPct val="100000"/>
+                        </a:lnSpc>
+                        <a:spcBef>
+                          <a:spcPts val="0"/>
+                        </a:spcBef>
+                        <a:spcAft>
+                          <a:spcPts val="0"/>
+                        </a:spcAft>
+                        <a:buClrTx/>
+                        <a:buSzTx/>
+                        <a:buFontTx/>
+                        <a:buNone/>
+                        <a:tabLst/>
+                        <a:defRPr/>
+                      </a:pPr>
+                      <a:r>
+                        <a:rPr lang="en-US" dirty="0"/>
+                        <a:t>S</a:t>
+                      </a:r>
+                      <a:r>
+                        <a:rPr lang="en-US" baseline="-25000" dirty="0"/>
+                        <a:t>T</a:t>
+                      </a:r>
+                      <a:r>
+                        <a:rPr lang="en-US" dirty="0"/>
+                        <a:t>-F</a:t>
+                      </a:r>
+                      <a:r>
+                        <a:rPr lang="en-US" baseline="-25000" dirty="0"/>
+                        <a:t>0</a:t>
+                      </a:r>
+                      <a:r>
+                        <a:rPr lang="en-US" dirty="0"/>
+                        <a:t>(T)=p</a:t>
+                      </a:r>
+                      <a:r>
+                        <a:rPr lang="en-US" baseline="-25000" dirty="0"/>
+                        <a:t>0</a:t>
+                      </a:r>
+                    </a:p>
+                  </a:txBody>
+                  <a:tcPr/>
+                </a:tc>
+                <a:tc>
+                  <a:txBody>
+                    <a:bodyPr/>
+                    <a:lstStyle/>
+                    <a:p>
+                      <a:pPr marL="0" marR="0" lvl="0" indent="0" algn="l" defTabSz="914400" rtl="0" eaLnBrk="1" fontAlgn="auto" latinLnBrk="0" hangingPunct="1">
+                        <a:lnSpc>
+                          <a:spcPct val="100000"/>
+                        </a:lnSpc>
+                        <a:spcBef>
+                          <a:spcPts val="0"/>
+                        </a:spcBef>
+                        <a:spcAft>
+                          <a:spcPts val="0"/>
+                        </a:spcAft>
+                        <a:buClrTx/>
+                        <a:buSzTx/>
+                        <a:buFontTx/>
+                        <a:buNone/>
+                        <a:tabLst/>
+                        <a:defRPr/>
+                      </a:pPr>
+                      <a:r>
+                        <a:rPr lang="en-US" dirty="0"/>
+                        <a:t>Forward profit equals option profit</a:t>
+                      </a:r>
+                    </a:p>
+                  </a:txBody>
+                  <a:tcPr/>
+                </a:tc>
+                <a:extLst>
+                  <a:ext uri="{0D108BD9-81ED-4DB2-BD59-A6C34878D82A}">
+                    <a16:rowId xmlns:a16="http://schemas.microsoft.com/office/drawing/2014/main" val="1654900102"/>
+                  </a:ext>
+                </a:extLst>
+              </a:tr>
+              <a:tr h="499872">
+                <a:tc>
+                  <a:txBody>
+                    <a:bodyPr/>
+                    <a:lstStyle/>
+                    <a:p>
+                      <a:pPr marL="0" marR="0" lvl="0" indent="0" algn="l" defTabSz="914400" rtl="0" eaLnBrk="1" fontAlgn="auto" latinLnBrk="0" hangingPunct="1">
+                        <a:lnSpc>
+                          <a:spcPct val="100000"/>
+                        </a:lnSpc>
+                        <a:spcBef>
+                          <a:spcPts val="0"/>
+                        </a:spcBef>
+                        <a:spcAft>
+                          <a:spcPts val="0"/>
+                        </a:spcAft>
+                        <a:buClrTx/>
+                        <a:buSzTx/>
+                        <a:buFontTx/>
+                        <a:buNone/>
+                        <a:tabLst/>
+                        <a:defRPr/>
+                      </a:pPr>
+                      <a:r>
+                        <a:rPr lang="en-US" dirty="0"/>
+                        <a:t>S</a:t>
+                      </a:r>
+                      <a:r>
+                        <a:rPr lang="en-US" baseline="-25000" dirty="0"/>
+                        <a:t>T</a:t>
+                      </a:r>
+                      <a:r>
+                        <a:rPr lang="en-US" dirty="0"/>
+                        <a:t>-F</a:t>
+                      </a:r>
+                      <a:r>
+                        <a:rPr lang="en-US" baseline="-25000" dirty="0"/>
+                        <a:t>0</a:t>
+                      </a:r>
+                      <a:r>
+                        <a:rPr lang="en-US" dirty="0"/>
+                        <a:t>(T)&lt;p</a:t>
+                      </a:r>
+                      <a:r>
+                        <a:rPr lang="en-US" baseline="-25000" dirty="0"/>
+                        <a:t>0</a:t>
+                      </a:r>
+                    </a:p>
+                  </a:txBody>
+                  <a:tcPr/>
+                </a:tc>
+                <a:tc>
+                  <a:txBody>
+                    <a:bodyPr/>
+                    <a:lstStyle/>
+                    <a:p>
+                      <a:r>
+                        <a:rPr lang="en-US" dirty="0"/>
+                        <a:t>Option profit exceeds forward profit</a:t>
+                      </a:r>
+                    </a:p>
+                  </a:txBody>
+                  <a:tcPr/>
+                </a:tc>
+                <a:extLst>
+                  <a:ext uri="{0D108BD9-81ED-4DB2-BD59-A6C34878D82A}">
+                    <a16:rowId xmlns:a16="http://schemas.microsoft.com/office/drawing/2014/main" val="2059986683"/>
+                  </a:ext>
+                </a:extLst>
+              </a:tr>
+            </a:tbl>
+          </a:graphicData>
+        </a:graphic>
+      </p:graphicFrame>
+      <p:sp>
+        <p:nvSpPr>
+          <p:cNvPr id="9" name="TextBox 8">
+            <a:extLst>
+              <a:ext uri="{FF2B5EF4-FFF2-40B4-BE49-F238E27FC236}">
+                <a16:creationId xmlns:a16="http://schemas.microsoft.com/office/drawing/2014/main" id="{FE3B8CF5-84C3-49B0-914F-4C013FD17188}"/>
+              </a:ext>
+            </a:extLst>
+          </p:cNvPr>
+          <p:cNvSpPr txBox="1"/>
+          <p:nvPr/>
+        </p:nvSpPr>
+        <p:spPr>
+          <a:xfrm>
+            <a:off x="5884164" y="4529138"/>
+            <a:ext cx="5969000" cy="923330"/>
+          </a:xfrm>
+          <a:prstGeom prst="rect">
+            <a:avLst/>
+          </a:prstGeom>
+          <a:noFill/>
+        </p:spPr>
+        <p:txBody>
+          <a:bodyPr wrap="square" rtlCol="0">
+            <a:spAutoFit/>
+          </a:bodyPr>
+          <a:lstStyle/>
+          <a:p>
+            <a:r>
+              <a:rPr lang="en-US" dirty="0"/>
+              <a:t>The sold put option’s similarity to a long position in the underlying, with gains from price appreciation forgone in exchange for receiving a premium.</a:t>
+            </a:r>
+          </a:p>
+        </p:txBody>
+      </p:sp>
+    </p:spTree>
+    <p:extLst>
+      <p:ext uri="{BB962C8B-B14F-4D97-AF65-F5344CB8AC3E}">
+        <p14:creationId xmlns:p14="http://schemas.microsoft.com/office/powerpoint/2010/main" val="3173179859"/>
+      </p:ext>
+    </p:extLst>
+  </p:cSld>
+  <p:clrMapOvr>
+    <a:masterClrMapping/>
+  </p:clrMapOvr>
+</p:sld>
+</file>
+
+<file path=ppt/slides/slide41.xml><?xml version="1.0" encoding="utf-8"?>
+<p:sld xmlns:a="http://schemas.openxmlformats.org/drawingml/2006/main" xmlns:r="http://schemas.openxmlformats.org/officeDocument/2006/relationships" xmlns:p="http://schemas.openxmlformats.org/presentationml/2006/main">
+  <p:cSld>
+    <p:spTree>
+      <p:nvGrpSpPr>
+        <p:cNvPr id="1" name=""/>
+        <p:cNvGrpSpPr/>
+        <p:nvPr/>
+      </p:nvGrpSpPr>
+      <p:grpSpPr>
+        <a:xfrm>
+          <a:off x="0" y="0"/>
+          <a:ext cx="0" cy="0"/>
+          <a:chOff x="0" y="0"/>
+          <a:chExt cx="0" cy="0"/>
+        </a:xfrm>
+      </p:grpSpPr>
+      <p:sp>
+        <p:nvSpPr>
+          <p:cNvPr id="2" name="Title 1">
+            <a:extLst>
+              <a:ext uri="{FF2B5EF4-FFF2-40B4-BE49-F238E27FC236}">
+                <a16:creationId xmlns:a16="http://schemas.microsoft.com/office/drawing/2014/main" id="{2042B823-0EF0-46E4-9F60-005D5AC1BDD7}"/>
+              </a:ext>
+            </a:extLst>
+          </p:cNvPr>
+          <p:cNvSpPr>
+            <a:spLocks noGrp="1"/>
+          </p:cNvSpPr>
+          <p:nvPr>
+            <p:ph type="title"/>
+          </p:nvPr>
+        </p:nvSpPr>
+        <p:spPr/>
+        <p:txBody>
+          <a:bodyPr>
+            <a:normAutofit/>
+          </a:bodyPr>
+          <a:lstStyle/>
+          <a:p>
+            <a:r>
+              <a:rPr lang="en-US" sz="4000" dirty="0"/>
+              <a:t>practices</a:t>
+            </a:r>
+          </a:p>
+        </p:txBody>
+      </p:sp>
+      <p:sp>
+        <p:nvSpPr>
+          <p:cNvPr id="3" name="Content Placeholder 2">
+            <a:extLst>
+              <a:ext uri="{FF2B5EF4-FFF2-40B4-BE49-F238E27FC236}">
+                <a16:creationId xmlns:a16="http://schemas.microsoft.com/office/drawing/2014/main" id="{7293CE9D-B04D-49F1-A836-A119A138CDCD}"/>
+              </a:ext>
+            </a:extLst>
+          </p:cNvPr>
+          <p:cNvSpPr>
+            <a:spLocks noGrp="1"/>
+          </p:cNvSpPr>
+          <p:nvPr>
+            <p:ph idx="1"/>
+          </p:nvPr>
+        </p:nvSpPr>
+        <p:spPr/>
+        <p:txBody>
+          <a:bodyPr/>
+          <a:lstStyle/>
+          <a:p>
+            <a:r>
+              <a:rPr lang="en-US" dirty="0" err="1"/>
+              <a:t>Biomian</a:t>
+            </a:r>
+            <a:r>
+              <a:rPr lang="en-US" dirty="0"/>
+              <a:t> Limited is a Mumbai-based biotech company with common stock and</a:t>
+            </a:r>
+          </a:p>
+          <a:p>
+            <a:r>
+              <a:rPr lang="en-US" dirty="0"/>
+              <a:t>listed futures and options on the National Stock Exchange (NSE). The </a:t>
+            </a:r>
+            <a:r>
+              <a:rPr lang="en-US" dirty="0" err="1"/>
+              <a:t>Viswan</a:t>
+            </a:r>
+            <a:endParaRPr lang="en-US" dirty="0"/>
+          </a:p>
+          <a:p>
+            <a:r>
+              <a:rPr lang="en-US" dirty="0"/>
+              <a:t>Family Office (VFO) currently owns 10,000 </a:t>
+            </a:r>
+            <a:r>
+              <a:rPr lang="en-US" dirty="0" err="1"/>
+              <a:t>Biomian</a:t>
+            </a:r>
+            <a:r>
+              <a:rPr lang="en-US" dirty="0"/>
+              <a:t> common shares. VFO would</a:t>
+            </a:r>
+          </a:p>
+          <a:p>
+            <a:r>
+              <a:rPr lang="en-US" dirty="0"/>
+              <a:t>like to reduce its long </a:t>
+            </a:r>
+            <a:r>
+              <a:rPr lang="en-US" dirty="0" err="1"/>
+              <a:t>Biomian</a:t>
+            </a:r>
+            <a:r>
+              <a:rPr lang="en-US" dirty="0"/>
+              <a:t> position and diversify its equity market exposure</a:t>
+            </a:r>
+          </a:p>
+          <a:p>
+            <a:r>
+              <a:rPr lang="en-US" dirty="0"/>
+              <a:t>but will delay a cash sale of shares for tax reasons for six months.</a:t>
+            </a:r>
+          </a:p>
+        </p:txBody>
+      </p:sp>
+    </p:spTree>
+    <p:extLst>
+      <p:ext uri="{BB962C8B-B14F-4D97-AF65-F5344CB8AC3E}">
+        <p14:creationId xmlns:p14="http://schemas.microsoft.com/office/powerpoint/2010/main" val="2972099320"/>
+      </p:ext>
+    </p:extLst>
+  </p:cSld>
+  <p:clrMapOvr>
+    <a:masterClrMapping/>
+  </p:clrMapOvr>
+</p:sld>
+</file>
+
+<file path=ppt/slides/slide42.xml><?xml version="1.0" encoding="utf-8"?>
+<p:sld xmlns:a="http://schemas.openxmlformats.org/drawingml/2006/main" xmlns:r="http://schemas.openxmlformats.org/officeDocument/2006/relationships" xmlns:p="http://schemas.openxmlformats.org/presentationml/2006/main">
+  <p:cSld>
+    <p:spTree>
+      <p:nvGrpSpPr>
+        <p:cNvPr id="1" name=""/>
+        <p:cNvGrpSpPr/>
+        <p:nvPr/>
+      </p:nvGrpSpPr>
+      <p:grpSpPr>
+        <a:xfrm>
+          <a:off x="0" y="0"/>
+          <a:ext cx="0" cy="0"/>
+          <a:chOff x="0" y="0"/>
+          <a:chExt cx="0" cy="0"/>
+        </a:xfrm>
+      </p:grpSpPr>
+      <p:sp>
+        <p:nvSpPr>
+          <p:cNvPr id="2" name="Title 1">
+            <a:extLst>
+              <a:ext uri="{FF2B5EF4-FFF2-40B4-BE49-F238E27FC236}">
+                <a16:creationId xmlns:a16="http://schemas.microsoft.com/office/drawing/2014/main" id="{B69A99D2-80CB-4D3D-8413-918085A9F21D}"/>
+              </a:ext>
+            </a:extLst>
+          </p:cNvPr>
+          <p:cNvSpPr>
+            <a:spLocks noGrp="1"/>
+          </p:cNvSpPr>
+          <p:nvPr>
+            <p:ph type="title"/>
+          </p:nvPr>
+        </p:nvSpPr>
+        <p:spPr/>
+        <p:txBody>
+          <a:bodyPr>
+            <a:normAutofit/>
+          </a:bodyPr>
+          <a:lstStyle/>
+          <a:p>
+            <a:r>
+              <a:rPr lang="en-US" sz="4000" dirty="0"/>
+              <a:t>practices</a:t>
+            </a:r>
+          </a:p>
+        </p:txBody>
+      </p:sp>
+      <p:sp>
+        <p:nvSpPr>
+          <p:cNvPr id="3" name="Content Placeholder 2">
+            <a:extLst>
+              <a:ext uri="{FF2B5EF4-FFF2-40B4-BE49-F238E27FC236}">
+                <a16:creationId xmlns:a16="http://schemas.microsoft.com/office/drawing/2014/main" id="{E36C6269-C1D9-44CF-8583-A5CF15B8F9EC}"/>
+              </a:ext>
+            </a:extLst>
+          </p:cNvPr>
+          <p:cNvSpPr>
+            <a:spLocks noGrp="1"/>
+          </p:cNvSpPr>
+          <p:nvPr>
+            <p:ph idx="1"/>
+          </p:nvPr>
+        </p:nvSpPr>
+        <p:spPr>
+          <a:xfrm>
+            <a:off x="1024128" y="1928813"/>
+            <a:ext cx="9720073" cy="4023360"/>
+          </a:xfrm>
+        </p:spPr>
+        <p:txBody>
+          <a:bodyPr>
+            <a:noAutofit/>
+          </a:bodyPr>
+          <a:lstStyle/>
+          <a:p>
+            <a:r>
+              <a:rPr lang="en-US" sz="2000" b="1" dirty="0"/>
+              <a:t>1. Which of the following derivative contracts available to VFO’s chief investment officer is best suited to reduce exposure to a decline in </a:t>
+            </a:r>
+            <a:r>
+              <a:rPr lang="en-US" sz="2000" b="1" dirty="0" err="1"/>
+              <a:t>Biomian’s</a:t>
+            </a:r>
+            <a:r>
+              <a:rPr lang="en-US" sz="2000" b="1" dirty="0"/>
+              <a:t> stock price in the next six months?</a:t>
+            </a:r>
+          </a:p>
+          <a:p>
+            <a:r>
+              <a:rPr lang="en-US" sz="2000" dirty="0"/>
+              <a:t>A. A short put position on </a:t>
+            </a:r>
+            <a:r>
+              <a:rPr lang="en-US" sz="2000" dirty="0" err="1"/>
+              <a:t>Biomian</a:t>
+            </a:r>
+            <a:r>
+              <a:rPr lang="en-US" sz="2000" dirty="0"/>
+              <a:t> stock that expires in six months</a:t>
+            </a:r>
+          </a:p>
+          <a:p>
+            <a:r>
+              <a:rPr lang="en-US" sz="2000" dirty="0"/>
+              <a:t>B. A long call position on </a:t>
+            </a:r>
+            <a:r>
+              <a:rPr lang="en-US" sz="2000" dirty="0" err="1"/>
+              <a:t>Biomian</a:t>
+            </a:r>
+            <a:r>
+              <a:rPr lang="en-US" sz="2000" dirty="0"/>
+              <a:t> stock that expires in six months</a:t>
+            </a:r>
+          </a:p>
+          <a:p>
+            <a:r>
+              <a:rPr lang="en-US" sz="2000" dirty="0"/>
+              <a:t>C. A short futures position in </a:t>
+            </a:r>
+            <a:r>
+              <a:rPr lang="en-US" sz="2000" dirty="0" err="1"/>
+              <a:t>Biomian</a:t>
+            </a:r>
+            <a:r>
+              <a:rPr lang="en-US" sz="2000" dirty="0"/>
+              <a:t> stock that settles in six months</a:t>
+            </a:r>
+          </a:p>
+          <a:p>
+            <a:r>
+              <a:rPr lang="en-US" sz="2000" b="1" dirty="0"/>
+              <a:t>2. VFO’s market strategist believes that </a:t>
+            </a:r>
+            <a:r>
+              <a:rPr lang="en-US" sz="2000" b="1" dirty="0" err="1"/>
+              <a:t>Biomian’s</a:t>
+            </a:r>
+            <a:r>
+              <a:rPr lang="en-US" sz="2000" b="1" dirty="0"/>
+              <a:t> share price will rise over the next six months but would like to protect against a decline in </a:t>
+            </a:r>
+            <a:r>
+              <a:rPr lang="en-US" sz="2000" b="1" dirty="0" err="1"/>
+              <a:t>Biomian’s</a:t>
+            </a:r>
+            <a:r>
+              <a:rPr lang="en-US" sz="2000" b="1" dirty="0"/>
+              <a:t> share price over the period. Which of the following positions is best suited for VFO to manage its existing </a:t>
+            </a:r>
+            <a:r>
+              <a:rPr lang="en-US" sz="2000" b="1" dirty="0" err="1"/>
+              <a:t>Biomian</a:t>
+            </a:r>
+            <a:r>
+              <a:rPr lang="en-US" sz="2000" b="1" dirty="0"/>
+              <a:t> exposure based on this view?</a:t>
+            </a:r>
+          </a:p>
+          <a:p>
+            <a:r>
+              <a:rPr lang="en-US" sz="2000" dirty="0"/>
+              <a:t>A. A long put position on </a:t>
+            </a:r>
+            <a:r>
+              <a:rPr lang="en-US" sz="2000" dirty="0" err="1"/>
+              <a:t>Biomian</a:t>
+            </a:r>
+            <a:r>
+              <a:rPr lang="en-US" sz="2000" dirty="0"/>
+              <a:t> stock that expires in six months</a:t>
+            </a:r>
+          </a:p>
+          <a:p>
+            <a:r>
+              <a:rPr lang="en-US" sz="2000" dirty="0"/>
+              <a:t>B. A short call position on </a:t>
+            </a:r>
+            <a:r>
+              <a:rPr lang="en-US" sz="2000" dirty="0" err="1"/>
+              <a:t>Biomian</a:t>
+            </a:r>
+            <a:r>
+              <a:rPr lang="en-US" sz="2000" dirty="0"/>
+              <a:t> stock that expires in six months</a:t>
+            </a:r>
+          </a:p>
+          <a:p>
+            <a:r>
+              <a:rPr lang="en-US" sz="2000" dirty="0"/>
+              <a:t>C. A long futures position in </a:t>
+            </a:r>
+            <a:r>
+              <a:rPr lang="en-US" sz="2000" dirty="0" err="1"/>
+              <a:t>Biomian</a:t>
+            </a:r>
+            <a:r>
+              <a:rPr lang="en-US" sz="2000" dirty="0"/>
+              <a:t> stock that settles in six months</a:t>
+            </a:r>
+          </a:p>
+        </p:txBody>
+      </p:sp>
+    </p:spTree>
+    <p:extLst>
+      <p:ext uri="{BB962C8B-B14F-4D97-AF65-F5344CB8AC3E}">
+        <p14:creationId xmlns:p14="http://schemas.microsoft.com/office/powerpoint/2010/main" val="1030349277"/>
+      </p:ext>
+    </p:extLst>
+  </p:cSld>
+  <p:clrMapOvr>
+    <a:masterClrMapping/>
+  </p:clrMapOvr>
+</p:sld>
+</file>
+
+<file path=ppt/slides/slide43.xml><?xml version="1.0" encoding="utf-8"?>
+<p:sld xmlns:a="http://schemas.openxmlformats.org/drawingml/2006/main" xmlns:r="http://schemas.openxmlformats.org/officeDocument/2006/relationships" xmlns:p="http://schemas.openxmlformats.org/presentationml/2006/main">
+  <p:cSld>
+    <p:spTree>
+      <p:nvGrpSpPr>
+        <p:cNvPr id="1" name=""/>
+        <p:cNvGrpSpPr/>
+        <p:nvPr/>
+      </p:nvGrpSpPr>
+      <p:grpSpPr>
+        <a:xfrm>
+          <a:off x="0" y="0"/>
+          <a:ext cx="0" cy="0"/>
+          <a:chOff x="0" y="0"/>
+          <a:chExt cx="0" cy="0"/>
+        </a:xfrm>
+      </p:grpSpPr>
+      <p:sp>
+        <p:nvSpPr>
+          <p:cNvPr id="2" name="Title 1">
+            <a:extLst>
+              <a:ext uri="{FF2B5EF4-FFF2-40B4-BE49-F238E27FC236}">
+                <a16:creationId xmlns:a16="http://schemas.microsoft.com/office/drawing/2014/main" id="{28FF5E7F-BE56-4C60-AC75-C8242D44C124}"/>
+              </a:ext>
+            </a:extLst>
+          </p:cNvPr>
+          <p:cNvSpPr>
+            <a:spLocks noGrp="1"/>
+          </p:cNvSpPr>
+          <p:nvPr>
+            <p:ph type="title"/>
+          </p:nvPr>
+        </p:nvSpPr>
+        <p:spPr/>
+        <p:txBody>
+          <a:bodyPr>
+            <a:normAutofit/>
+          </a:bodyPr>
+          <a:lstStyle/>
+          <a:p>
+            <a:r>
+              <a:rPr lang="en-US" sz="4000" dirty="0"/>
+              <a:t>practices</a:t>
+            </a:r>
+          </a:p>
+        </p:txBody>
+      </p:sp>
+      <p:sp>
+        <p:nvSpPr>
+          <p:cNvPr id="3" name="Content Placeholder 2">
+            <a:extLst>
+              <a:ext uri="{FF2B5EF4-FFF2-40B4-BE49-F238E27FC236}">
+                <a16:creationId xmlns:a16="http://schemas.microsoft.com/office/drawing/2014/main" id="{772FDE17-4FC8-4FAD-9002-FF4B62EEDA00}"/>
+              </a:ext>
+            </a:extLst>
+          </p:cNvPr>
+          <p:cNvSpPr>
+            <a:spLocks noGrp="1"/>
+          </p:cNvSpPr>
+          <p:nvPr>
+            <p:ph idx="1"/>
+          </p:nvPr>
+        </p:nvSpPr>
+        <p:spPr/>
+        <p:txBody>
+          <a:bodyPr>
+            <a:normAutofit/>
+          </a:bodyPr>
+          <a:lstStyle/>
+          <a:p>
+            <a:r>
+              <a:rPr lang="en-US" b="1" dirty="0"/>
+              <a:t>3. Assume that </a:t>
+            </a:r>
+            <a:r>
+              <a:rPr lang="en-US" b="1" dirty="0" err="1"/>
+              <a:t>Biomian</a:t>
+            </a:r>
+            <a:r>
+              <a:rPr lang="en-US" b="1" dirty="0"/>
+              <a:t> shares rise over the next six months. Which of the following statements about VFO’s derivative strategies under this scenario is most accurate?</a:t>
+            </a:r>
+          </a:p>
+          <a:p>
+            <a:r>
+              <a:rPr lang="en-US" dirty="0"/>
+              <a:t>A. A forward sale of </a:t>
+            </a:r>
+            <a:r>
+              <a:rPr lang="en-US" dirty="0" err="1"/>
+              <a:t>Biomian</a:t>
+            </a:r>
+            <a:r>
+              <a:rPr lang="en-US" dirty="0"/>
+              <a:t> shares in six months would be more profitable</a:t>
+            </a:r>
+          </a:p>
+          <a:p>
+            <a:r>
+              <a:rPr lang="en-US" dirty="0"/>
+              <a:t>than purchasing the right to sell </a:t>
+            </a:r>
+            <a:r>
+              <a:rPr lang="en-US" dirty="0" err="1"/>
+              <a:t>Biomian</a:t>
+            </a:r>
+            <a:r>
+              <a:rPr lang="en-US" dirty="0"/>
+              <a:t> shares in six months.</a:t>
+            </a:r>
+          </a:p>
+          <a:p>
+            <a:r>
+              <a:rPr lang="en-US" dirty="0"/>
+              <a:t>B. Purchasing the right to sell </a:t>
+            </a:r>
+            <a:r>
+              <a:rPr lang="en-US" dirty="0" err="1"/>
+              <a:t>Biomian</a:t>
+            </a:r>
+            <a:r>
+              <a:rPr lang="en-US" dirty="0"/>
+              <a:t> shares in six months would be more</a:t>
+            </a:r>
+          </a:p>
+          <a:p>
+            <a:r>
+              <a:rPr lang="en-US" dirty="0"/>
+              <a:t>profitable than a forward sale of </a:t>
+            </a:r>
+            <a:r>
+              <a:rPr lang="en-US" dirty="0" err="1"/>
+              <a:t>Biomian</a:t>
+            </a:r>
+            <a:r>
+              <a:rPr lang="en-US" dirty="0"/>
+              <a:t> shares in six months.</a:t>
+            </a:r>
+          </a:p>
+          <a:p>
+            <a:r>
+              <a:rPr lang="en-US" dirty="0"/>
+              <a:t>C. We do not have enough information to determine whether a forward sale or</a:t>
+            </a:r>
+          </a:p>
+          <a:p>
+            <a:r>
+              <a:rPr lang="en-US" dirty="0"/>
+              <a:t>the right to sell </a:t>
+            </a:r>
+            <a:r>
+              <a:rPr lang="en-US" dirty="0" err="1"/>
+              <a:t>Biomian</a:t>
+            </a:r>
+            <a:r>
+              <a:rPr lang="en-US" dirty="0"/>
+              <a:t> shares will be more profitable in six months.</a:t>
+            </a:r>
+          </a:p>
+        </p:txBody>
+      </p:sp>
+    </p:spTree>
+    <p:extLst>
+      <p:ext uri="{BB962C8B-B14F-4D97-AF65-F5344CB8AC3E}">
+        <p14:creationId xmlns:p14="http://schemas.microsoft.com/office/powerpoint/2010/main" val="1398909113"/>
+      </p:ext>
+    </p:extLst>
+  </p:cSld>
+  <p:clrMapOvr>
+    <a:masterClrMapping/>
+  </p:clrMapOvr>
+</p:sld>
+</file>
+
+<file path=ppt/slides/slide44.xml><?xml version="1.0" encoding="utf-8"?>
+<p:sld xmlns:a="http://schemas.openxmlformats.org/drawingml/2006/main" xmlns:r="http://schemas.openxmlformats.org/officeDocument/2006/relationships" xmlns:p="http://schemas.openxmlformats.org/presentationml/2006/main">
+  <p:cSld>
+    <p:spTree>
+      <p:nvGrpSpPr>
+        <p:cNvPr id="1" name=""/>
+        <p:cNvGrpSpPr/>
+        <p:nvPr/>
+      </p:nvGrpSpPr>
+      <p:grpSpPr>
+        <a:xfrm>
+          <a:off x="0" y="0"/>
+          <a:ext cx="0" cy="0"/>
+          <a:chOff x="0" y="0"/>
+          <a:chExt cx="0" cy="0"/>
+        </a:xfrm>
+      </p:grpSpPr>
+      <p:sp>
+        <p:nvSpPr>
+          <p:cNvPr id="2" name="Title 1">
+            <a:extLst>
+              <a:ext uri="{FF2B5EF4-FFF2-40B4-BE49-F238E27FC236}">
+                <a16:creationId xmlns:a16="http://schemas.microsoft.com/office/drawing/2014/main" id="{31C65617-7CBB-4CE2-9591-6DC1FB08AA16}"/>
+              </a:ext>
+            </a:extLst>
+          </p:cNvPr>
+          <p:cNvSpPr>
+            <a:spLocks noGrp="1"/>
+          </p:cNvSpPr>
+          <p:nvPr>
+            <p:ph type="title"/>
+          </p:nvPr>
+        </p:nvSpPr>
+        <p:spPr/>
+        <p:txBody>
+          <a:bodyPr>
+            <a:normAutofit/>
+          </a:bodyPr>
+          <a:lstStyle/>
+          <a:p>
+            <a:r>
+              <a:rPr lang="en-US" sz="4000" dirty="0"/>
+              <a:t>practices</a:t>
+            </a:r>
+          </a:p>
+        </p:txBody>
+      </p:sp>
+      <p:sp>
+        <p:nvSpPr>
+          <p:cNvPr id="3" name="Content Placeholder 2">
+            <a:extLst>
+              <a:ext uri="{FF2B5EF4-FFF2-40B4-BE49-F238E27FC236}">
+                <a16:creationId xmlns:a16="http://schemas.microsoft.com/office/drawing/2014/main" id="{359A9A11-7E61-4700-B1AB-616AA13C0F21}"/>
+              </a:ext>
+            </a:extLst>
+          </p:cNvPr>
+          <p:cNvSpPr>
+            <a:spLocks noGrp="1"/>
+          </p:cNvSpPr>
+          <p:nvPr>
+            <p:ph idx="1"/>
+          </p:nvPr>
+        </p:nvSpPr>
+        <p:spPr/>
+        <p:txBody>
+          <a:bodyPr>
+            <a:normAutofit lnSpcReduction="10000"/>
+          </a:bodyPr>
+          <a:lstStyle/>
+          <a:p>
+            <a:r>
+              <a:rPr lang="en-US" b="1" dirty="0"/>
+              <a:t>4. VFO’s market strategist is considering a six-month call option strategy on the</a:t>
+            </a:r>
+          </a:p>
+          <a:p>
+            <a:r>
+              <a:rPr lang="en-US" b="1" dirty="0"/>
+              <a:t>NIFTY 50 benchmark Indian stock market index to increase broad market equity</a:t>
+            </a:r>
+          </a:p>
+          <a:p>
+            <a:r>
+              <a:rPr lang="en-US" b="1" dirty="0"/>
+              <a:t>exposure. The NIFTY 50 price today is INR15,200, and the strategist observes</a:t>
+            </a:r>
+          </a:p>
+          <a:p>
+            <a:r>
+              <a:rPr lang="en-US" b="1" dirty="0"/>
+              <a:t>that a call option with a INR16,000 exercise price (X) is trading at a premium of</a:t>
+            </a:r>
+          </a:p>
+          <a:p>
+            <a:r>
+              <a:rPr lang="en-US" b="1" dirty="0"/>
+              <a:t>INR1,500. Which of the following represents the payoff and profit of this strategy</a:t>
+            </a:r>
+          </a:p>
+          <a:p>
+            <a:r>
+              <a:rPr lang="en-US" b="1" dirty="0"/>
+              <a:t>just prior to maturity if the NIFTY 50 is trading at INR16,500?</a:t>
+            </a:r>
+          </a:p>
+          <a:p>
+            <a:r>
+              <a:rPr lang="en-US" dirty="0"/>
+              <a:t>A. Payoff is INR500; profit is –INR1,000.</a:t>
+            </a:r>
+          </a:p>
+          <a:p>
+            <a:r>
+              <a:rPr lang="en-US" dirty="0"/>
+              <a:t>B. Payoff is INR1,300; profit is INR800.</a:t>
+            </a:r>
+          </a:p>
+          <a:p>
+            <a:r>
+              <a:rPr lang="en-US" dirty="0"/>
+              <a:t>C. Payoff is INR1,300; profit is INR500.</a:t>
+            </a:r>
+          </a:p>
+        </p:txBody>
+      </p:sp>
+    </p:spTree>
+    <p:extLst>
+      <p:ext uri="{BB962C8B-B14F-4D97-AF65-F5344CB8AC3E}">
+        <p14:creationId xmlns:p14="http://schemas.microsoft.com/office/powerpoint/2010/main" val="3406186261"/>
+      </p:ext>
+    </p:extLst>
+  </p:cSld>
+  <p:clrMapOvr>
+    <a:masterClrMapping/>
+  </p:clrMapOvr>
+</p:sld>
+</file>
+
+<file path=ppt/slides/slide45.xml><?xml version="1.0" encoding="utf-8"?>
+<p:sld xmlns:a="http://schemas.openxmlformats.org/drawingml/2006/main" xmlns:r="http://schemas.openxmlformats.org/officeDocument/2006/relationships" xmlns:p="http://schemas.openxmlformats.org/presentationml/2006/main">
+  <p:cSld>
+    <p:spTree>
+      <p:nvGrpSpPr>
+        <p:cNvPr id="1" name=""/>
+        <p:cNvGrpSpPr/>
+        <p:nvPr/>
+      </p:nvGrpSpPr>
+      <p:grpSpPr>
+        <a:xfrm>
+          <a:off x="0" y="0"/>
+          <a:ext cx="0" cy="0"/>
+          <a:chOff x="0" y="0"/>
+          <a:chExt cx="0" cy="0"/>
+        </a:xfrm>
+      </p:grpSpPr>
+      <p:sp>
+        <p:nvSpPr>
+          <p:cNvPr id="2" name="Title 1">
+            <a:extLst>
+              <a:ext uri="{FF2B5EF4-FFF2-40B4-BE49-F238E27FC236}">
                 <a16:creationId xmlns:a16="http://schemas.microsoft.com/office/drawing/2014/main" id="{3B6DC5E5-B49D-4096-80C1-B8052495A474}"/>
               </a:ext>
             </a:extLst>
@@ -49705,7 +50949,7 @@
 </p:sld>
 </file>
 
-<file path=ppt/slides/slide41.xml><?xml version="1.0" encoding="utf-8"?>
+<file path=ppt/slides/slide46.xml><?xml version="1.0" encoding="utf-8"?>
 <p:sld xmlns:a="http://schemas.openxmlformats.org/drawingml/2006/main" xmlns:r="http://schemas.openxmlformats.org/officeDocument/2006/relationships" xmlns:p="http://schemas.openxmlformats.org/presentationml/2006/main">
   <p:cSld>
     <p:spTree>
@@ -49840,276 +51084,7 @@
 </p:sld>
 </file>
 
-<file path=ppt/slides/slide42.xml><?xml version="1.0" encoding="utf-8"?>
-<p:sld xmlns:a="http://schemas.openxmlformats.org/drawingml/2006/main" xmlns:r="http://schemas.openxmlformats.org/officeDocument/2006/relationships" xmlns:p="http://schemas.openxmlformats.org/presentationml/2006/main">
-  <p:cSld>
-    <p:spTree>
-      <p:nvGrpSpPr>
-        <p:cNvPr id="1" name=""/>
-        <p:cNvGrpSpPr/>
-        <p:nvPr/>
-      </p:nvGrpSpPr>
-      <p:grpSpPr>
-        <a:xfrm>
-          <a:off x="0" y="0"/>
-          <a:ext cx="0" cy="0"/>
-          <a:chOff x="0" y="0"/>
-          <a:chExt cx="0" cy="0"/>
-        </a:xfrm>
-      </p:grpSpPr>
-      <p:sp>
-        <p:nvSpPr>
-          <p:cNvPr id="2" name="Title 1">
-            <a:extLst>
-              <a:ext uri="{FF2B5EF4-FFF2-40B4-BE49-F238E27FC236}">
-                <a16:creationId xmlns:a16="http://schemas.microsoft.com/office/drawing/2014/main" id="{3F303233-1831-4E4A-9324-5AA1E3371CBF}"/>
-              </a:ext>
-            </a:extLst>
-          </p:cNvPr>
-          <p:cNvSpPr>
-            <a:spLocks noGrp="1"/>
-          </p:cNvSpPr>
-          <p:nvPr>
-            <p:ph type="title"/>
-          </p:nvPr>
-        </p:nvSpPr>
-        <p:spPr/>
-        <p:txBody>
-          <a:bodyPr>
-            <a:normAutofit/>
-          </a:bodyPr>
-          <a:lstStyle/>
-          <a:p>
-            <a:r>
-              <a:rPr lang="en-US" sz="4000" dirty="0"/>
-              <a:t>Credit Derivatives</a:t>
-            </a:r>
-          </a:p>
-        </p:txBody>
-      </p:sp>
-      <p:sp>
-        <p:nvSpPr>
-          <p:cNvPr id="3" name="Content Placeholder 2">
-            <a:extLst>
-              <a:ext uri="{FF2B5EF4-FFF2-40B4-BE49-F238E27FC236}">
-                <a16:creationId xmlns:a16="http://schemas.microsoft.com/office/drawing/2014/main" id="{A91A19E5-F393-4382-B424-ABF09382E331}"/>
-              </a:ext>
-            </a:extLst>
-          </p:cNvPr>
-          <p:cNvSpPr>
-            <a:spLocks noGrp="1"/>
-          </p:cNvSpPr>
-          <p:nvPr>
-            <p:ph idx="1"/>
-          </p:nvPr>
-        </p:nvSpPr>
-        <p:spPr/>
-        <p:txBody>
-          <a:bodyPr>
-            <a:normAutofit/>
-          </a:bodyPr>
-          <a:lstStyle/>
-          <a:p>
-            <a:r>
-              <a:rPr lang="en-US" sz="2000" dirty="0"/>
-              <a:t>Total return swap</a:t>
-            </a:r>
-          </a:p>
-        </p:txBody>
-      </p:sp>
-    </p:spTree>
-    <p:extLst>
-      <p:ext uri="{BB962C8B-B14F-4D97-AF65-F5344CB8AC3E}">
-        <p14:creationId xmlns:p14="http://schemas.microsoft.com/office/powerpoint/2010/main" val="3215247430"/>
-      </p:ext>
-    </p:extLst>
-  </p:cSld>
-  <p:clrMapOvr>
-    <a:masterClrMapping/>
-  </p:clrMapOvr>
-</p:sld>
-</file>
-
-<file path=ppt/slides/slide43.xml><?xml version="1.0" encoding="utf-8"?>
-<p:sld xmlns:a="http://schemas.openxmlformats.org/drawingml/2006/main" xmlns:r="http://schemas.openxmlformats.org/officeDocument/2006/relationships" xmlns:p="http://schemas.openxmlformats.org/presentationml/2006/main">
-  <p:cSld>
-    <p:spTree>
-      <p:nvGrpSpPr>
-        <p:cNvPr id="1" name=""/>
-        <p:cNvGrpSpPr/>
-        <p:nvPr/>
-      </p:nvGrpSpPr>
-      <p:grpSpPr>
-        <a:xfrm>
-          <a:off x="0" y="0"/>
-          <a:ext cx="0" cy="0"/>
-          <a:chOff x="0" y="0"/>
-          <a:chExt cx="0" cy="0"/>
-        </a:xfrm>
-      </p:grpSpPr>
-      <p:sp>
-        <p:nvSpPr>
-          <p:cNvPr id="2" name="Title 1">
-            <a:extLst>
-              <a:ext uri="{FF2B5EF4-FFF2-40B4-BE49-F238E27FC236}">
-                <a16:creationId xmlns:a16="http://schemas.microsoft.com/office/drawing/2014/main" id="{C7BDF7C6-BD38-4D2C-B7EC-F25AB1968614}"/>
-              </a:ext>
-            </a:extLst>
-          </p:cNvPr>
-          <p:cNvSpPr>
-            <a:spLocks noGrp="1"/>
-          </p:cNvSpPr>
-          <p:nvPr>
-            <p:ph type="title"/>
-          </p:nvPr>
-        </p:nvSpPr>
-        <p:spPr/>
-        <p:txBody>
-          <a:bodyPr>
-            <a:normAutofit/>
-          </a:bodyPr>
-          <a:lstStyle/>
-          <a:p>
-            <a:r>
-              <a:rPr lang="en-US" sz="4000" dirty="0"/>
-              <a:t>Credit Derivatives</a:t>
-            </a:r>
-          </a:p>
-        </p:txBody>
-      </p:sp>
-      <p:sp>
-        <p:nvSpPr>
-          <p:cNvPr id="3" name="Content Placeholder 2">
-            <a:extLst>
-              <a:ext uri="{FF2B5EF4-FFF2-40B4-BE49-F238E27FC236}">
-                <a16:creationId xmlns:a16="http://schemas.microsoft.com/office/drawing/2014/main" id="{AC997BD0-8E21-4394-A39E-48A459D507C9}"/>
-              </a:ext>
-            </a:extLst>
-          </p:cNvPr>
-          <p:cNvSpPr>
-            <a:spLocks noGrp="1"/>
-          </p:cNvSpPr>
-          <p:nvPr>
-            <p:ph idx="1"/>
-          </p:nvPr>
-        </p:nvSpPr>
-        <p:spPr/>
-        <p:txBody>
-          <a:bodyPr/>
-          <a:lstStyle/>
-          <a:p>
-            <a:r>
-              <a:rPr lang="en-US" dirty="0"/>
-              <a:t>Credit spread option</a:t>
-            </a:r>
-          </a:p>
-        </p:txBody>
-      </p:sp>
-    </p:spTree>
-    <p:extLst>
-      <p:ext uri="{BB962C8B-B14F-4D97-AF65-F5344CB8AC3E}">
-        <p14:creationId xmlns:p14="http://schemas.microsoft.com/office/powerpoint/2010/main" val="3451422982"/>
-      </p:ext>
-    </p:extLst>
-  </p:cSld>
-  <p:clrMapOvr>
-    <a:masterClrMapping/>
-  </p:clrMapOvr>
-</p:sld>
-</file>
-
-<file path=ppt/slides/slide44.xml><?xml version="1.0" encoding="utf-8"?>
-<p:sld xmlns:a="http://schemas.openxmlformats.org/drawingml/2006/main" xmlns:r="http://schemas.openxmlformats.org/officeDocument/2006/relationships" xmlns:p="http://schemas.openxmlformats.org/presentationml/2006/main">
-  <p:cSld>
-    <p:spTree>
-      <p:nvGrpSpPr>
-        <p:cNvPr id="1" name=""/>
-        <p:cNvGrpSpPr/>
-        <p:nvPr/>
-      </p:nvGrpSpPr>
-      <p:grpSpPr>
-        <a:xfrm>
-          <a:off x="0" y="0"/>
-          <a:ext cx="0" cy="0"/>
-          <a:chOff x="0" y="0"/>
-          <a:chExt cx="0" cy="0"/>
-        </a:xfrm>
-      </p:grpSpPr>
-      <p:sp>
-        <p:nvSpPr>
-          <p:cNvPr id="2" name="Title 1">
-            <a:extLst>
-              <a:ext uri="{FF2B5EF4-FFF2-40B4-BE49-F238E27FC236}">
-                <a16:creationId xmlns:a16="http://schemas.microsoft.com/office/drawing/2014/main" id="{8D8186E0-E7FD-4A7D-B919-475DD13A49EB}"/>
-              </a:ext>
-            </a:extLst>
-          </p:cNvPr>
-          <p:cNvSpPr>
-            <a:spLocks noGrp="1"/>
-          </p:cNvSpPr>
-          <p:nvPr>
-            <p:ph type="title"/>
-          </p:nvPr>
-        </p:nvSpPr>
-        <p:spPr/>
-        <p:txBody>
-          <a:bodyPr>
-            <a:normAutofit/>
-          </a:bodyPr>
-          <a:lstStyle/>
-          <a:p>
-            <a:r>
-              <a:rPr lang="en-US" sz="4000" dirty="0"/>
-              <a:t>Credit Derivatives</a:t>
-            </a:r>
-          </a:p>
-        </p:txBody>
-      </p:sp>
-      <p:sp>
-        <p:nvSpPr>
-          <p:cNvPr id="3" name="Content Placeholder 2">
-            <a:extLst>
-              <a:ext uri="{FF2B5EF4-FFF2-40B4-BE49-F238E27FC236}">
-                <a16:creationId xmlns:a16="http://schemas.microsoft.com/office/drawing/2014/main" id="{15154901-95EA-4DC2-9E6E-FCDA862CAF3D}"/>
-              </a:ext>
-            </a:extLst>
-          </p:cNvPr>
-          <p:cNvSpPr>
-            <a:spLocks noGrp="1"/>
-          </p:cNvSpPr>
-          <p:nvPr>
-            <p:ph idx="1"/>
-          </p:nvPr>
-        </p:nvSpPr>
-        <p:spPr/>
-        <p:txBody>
-          <a:bodyPr/>
-          <a:lstStyle/>
-          <a:p>
-            <a:r>
-              <a:rPr lang="en-US" dirty="0"/>
-              <a:t>Credit-linked note</a:t>
-            </a:r>
-          </a:p>
-          <a:p>
-            <a:endParaRPr lang="en-US" dirty="0"/>
-          </a:p>
-        </p:txBody>
-      </p:sp>
-    </p:spTree>
-    <p:extLst>
-      <p:ext uri="{BB962C8B-B14F-4D97-AF65-F5344CB8AC3E}">
-        <p14:creationId xmlns:p14="http://schemas.microsoft.com/office/powerpoint/2010/main" val="3182849461"/>
-      </p:ext>
-    </p:extLst>
-  </p:cSld>
-  <p:clrMapOvr>
-    <a:masterClrMapping/>
-  </p:clrMapOvr>
-</p:sld>
-</file>
-
-<file path=ppt/slides/slide45.xml><?xml version="1.0" encoding="utf-8"?>
+<file path=ppt/slides/slide47.xml><?xml version="1.0" encoding="utf-8"?>
 <p:sld xmlns:a="http://schemas.openxmlformats.org/drawingml/2006/main" xmlns:r="http://schemas.openxmlformats.org/officeDocument/2006/relationships" xmlns:p="http://schemas.openxmlformats.org/presentationml/2006/main">
   <p:cSld>
     <p:spTree>
@@ -50197,7 +51172,7 @@
 </p:sld>
 </file>
 
-<file path=ppt/slides/slide46.xml><?xml version="1.0" encoding="utf-8"?>
+<file path=ppt/slides/slide48.xml><?xml version="1.0" encoding="utf-8"?>
 <p:sld xmlns:a="http://schemas.openxmlformats.org/drawingml/2006/main" xmlns:r="http://schemas.openxmlformats.org/officeDocument/2006/relationships" xmlns:p="http://schemas.openxmlformats.org/presentationml/2006/main">
   <p:cSld>
     <p:spTree>
@@ -50286,224 +51261,6 @@
 </p:sld>
 </file>
 
-<file path=ppt/slides/slide47.xml><?xml version="1.0" encoding="utf-8"?>
-<p:sld xmlns:a="http://schemas.openxmlformats.org/drawingml/2006/main" xmlns:r="http://schemas.openxmlformats.org/officeDocument/2006/relationships" xmlns:p="http://schemas.openxmlformats.org/presentationml/2006/main">
-  <p:cSld>
-    <p:spTree>
-      <p:nvGrpSpPr>
-        <p:cNvPr id="1" name=""/>
-        <p:cNvGrpSpPr/>
-        <p:nvPr/>
-      </p:nvGrpSpPr>
-      <p:grpSpPr>
-        <a:xfrm>
-          <a:off x="0" y="0"/>
-          <a:ext cx="0" cy="0"/>
-          <a:chOff x="0" y="0"/>
-          <a:chExt cx="0" cy="0"/>
-        </a:xfrm>
-      </p:grpSpPr>
-      <p:sp>
-        <p:nvSpPr>
-          <p:cNvPr id="2" name="Title 1">
-            <a:extLst>
-              <a:ext uri="{FF2B5EF4-FFF2-40B4-BE49-F238E27FC236}">
-                <a16:creationId xmlns:a16="http://schemas.microsoft.com/office/drawing/2014/main" id="{348BD349-FAD8-4678-AFB4-B1E5307D6EA4}"/>
-              </a:ext>
-            </a:extLst>
-          </p:cNvPr>
-          <p:cNvSpPr>
-            <a:spLocks noGrp="1"/>
-          </p:cNvSpPr>
-          <p:nvPr>
-            <p:ph type="title"/>
-          </p:nvPr>
-        </p:nvSpPr>
-        <p:spPr/>
-        <p:txBody>
-          <a:bodyPr>
-            <a:normAutofit/>
-          </a:bodyPr>
-          <a:lstStyle/>
-          <a:p>
-            <a:r>
-              <a:rPr lang="en-US" sz="4000" dirty="0"/>
-              <a:t>Practices</a:t>
-            </a:r>
-          </a:p>
-        </p:txBody>
-      </p:sp>
-      <p:sp>
-        <p:nvSpPr>
-          <p:cNvPr id="3" name="Content Placeholder 2">
-            <a:extLst>
-              <a:ext uri="{FF2B5EF4-FFF2-40B4-BE49-F238E27FC236}">
-                <a16:creationId xmlns:a16="http://schemas.microsoft.com/office/drawing/2014/main" id="{E3B67373-BC90-4BC9-B82C-C102723A443D}"/>
-              </a:ext>
-            </a:extLst>
-          </p:cNvPr>
-          <p:cNvSpPr>
-            <a:spLocks noGrp="1"/>
-          </p:cNvSpPr>
-          <p:nvPr>
-            <p:ph idx="1"/>
-          </p:nvPr>
-        </p:nvSpPr>
-        <p:spPr/>
-        <p:txBody>
-          <a:bodyPr>
-            <a:normAutofit/>
-          </a:bodyPr>
-          <a:lstStyle/>
-          <a:p>
-            <a:r>
-              <a:rPr lang="en-US" sz="2000" dirty="0"/>
-              <a:t>1.A credit derivative is which of the following?</a:t>
-            </a:r>
-          </a:p>
-          <a:p>
-            <a:pPr lvl="1"/>
-            <a:r>
-              <a:rPr lang="en-US" sz="2000" dirty="0"/>
-              <a:t>A </a:t>
-            </a:r>
-            <a:r>
-              <a:rPr lang="en-US" sz="2000" dirty="0" err="1"/>
-              <a:t>A</a:t>
-            </a:r>
-            <a:r>
-              <a:rPr lang="en-US" sz="2000" dirty="0"/>
-              <a:t> derivative in which the premium is obtained on credit</a:t>
-            </a:r>
-          </a:p>
-          <a:p>
-            <a:pPr lvl="1"/>
-            <a:r>
-              <a:rPr lang="en-US" sz="2000" dirty="0"/>
-              <a:t>B A derivative in which the payoff is borrowed by the seller</a:t>
-            </a:r>
-          </a:p>
-          <a:p>
-            <a:pPr lvl="1"/>
-            <a:r>
-              <a:rPr lang="en-US" sz="2000" dirty="0"/>
-              <a:t>C A derivative in which the seller provides protection to the buyer against credit loss from a third party</a:t>
-            </a:r>
-          </a:p>
-        </p:txBody>
-      </p:sp>
-    </p:spTree>
-    <p:extLst>
-      <p:ext uri="{BB962C8B-B14F-4D97-AF65-F5344CB8AC3E}">
-        <p14:creationId xmlns:p14="http://schemas.microsoft.com/office/powerpoint/2010/main" val="2051395143"/>
-      </p:ext>
-    </p:extLst>
-  </p:cSld>
-  <p:clrMapOvr>
-    <a:masterClrMapping/>
-  </p:clrMapOvr>
-</p:sld>
-</file>
-
-<file path=ppt/slides/slide48.xml><?xml version="1.0" encoding="utf-8"?>
-<p:sld xmlns:a="http://schemas.openxmlformats.org/drawingml/2006/main" xmlns:r="http://schemas.openxmlformats.org/officeDocument/2006/relationships" xmlns:p="http://schemas.openxmlformats.org/presentationml/2006/main">
-  <p:cSld>
-    <p:spTree>
-      <p:nvGrpSpPr>
-        <p:cNvPr id="1" name=""/>
-        <p:cNvGrpSpPr/>
-        <p:nvPr/>
-      </p:nvGrpSpPr>
-      <p:grpSpPr>
-        <a:xfrm>
-          <a:off x="0" y="0"/>
-          <a:ext cx="0" cy="0"/>
-          <a:chOff x="0" y="0"/>
-          <a:chExt cx="0" cy="0"/>
-        </a:xfrm>
-      </p:grpSpPr>
-      <p:sp>
-        <p:nvSpPr>
-          <p:cNvPr id="2" name="Title 1">
-            <a:extLst>
-              <a:ext uri="{FF2B5EF4-FFF2-40B4-BE49-F238E27FC236}">
-                <a16:creationId xmlns:a16="http://schemas.microsoft.com/office/drawing/2014/main" id="{13C1F2DB-C1EA-4EEE-9DD2-BBB6C676CABF}"/>
-              </a:ext>
-            </a:extLst>
-          </p:cNvPr>
-          <p:cNvSpPr>
-            <a:spLocks noGrp="1"/>
-          </p:cNvSpPr>
-          <p:nvPr>
-            <p:ph type="title"/>
-          </p:nvPr>
-        </p:nvSpPr>
-        <p:spPr/>
-        <p:txBody>
-          <a:bodyPr>
-            <a:normAutofit/>
-          </a:bodyPr>
-          <a:lstStyle/>
-          <a:p>
-            <a:r>
-              <a:rPr lang="en-US" sz="4000" dirty="0"/>
-              <a:t>A</a:t>
-            </a:r>
-            <a:r>
-              <a:rPr lang="en-US" altLang="zh-CN" sz="4000" dirty="0"/>
-              <a:t>sset-backed securities</a:t>
-            </a:r>
-            <a:endParaRPr lang="en-US" sz="4000" dirty="0"/>
-          </a:p>
-        </p:txBody>
-      </p:sp>
-      <p:sp>
-        <p:nvSpPr>
-          <p:cNvPr id="3" name="Content Placeholder 2">
-            <a:extLst>
-              <a:ext uri="{FF2B5EF4-FFF2-40B4-BE49-F238E27FC236}">
-                <a16:creationId xmlns:a16="http://schemas.microsoft.com/office/drawing/2014/main" id="{AE242220-CC30-405B-943F-661EEB5D4AFA}"/>
-              </a:ext>
-            </a:extLst>
-          </p:cNvPr>
-          <p:cNvSpPr>
-            <a:spLocks noGrp="1"/>
-          </p:cNvSpPr>
-          <p:nvPr>
-            <p:ph idx="1"/>
-          </p:nvPr>
-        </p:nvSpPr>
-        <p:spPr/>
-        <p:txBody>
-          <a:bodyPr/>
-          <a:lstStyle/>
-          <a:p>
-            <a:r>
-              <a:rPr lang="en-US" dirty="0"/>
-              <a:t>Definition: an asset- backed security is a derivative contract in which a portfolio of debt instruments is assembled and claims are issued on the portfolio in the form of tranches, which have different priorities of claims on the payments made by the debt securities such that prepayments or credit losses are allocated to the most- junior tranches first and the most- senior tranches last.</a:t>
-            </a:r>
-          </a:p>
-          <a:p>
-            <a:r>
-              <a:rPr lang="en-US" dirty="0"/>
-              <a:t>ABSs typically divide the payments into slices, called tranches, in which the priority of claims has been changed from equivalent to preferential.</a:t>
-            </a:r>
-          </a:p>
-        </p:txBody>
-      </p:sp>
-    </p:spTree>
-    <p:extLst>
-      <p:ext uri="{BB962C8B-B14F-4D97-AF65-F5344CB8AC3E}">
-        <p14:creationId xmlns:p14="http://schemas.microsoft.com/office/powerpoint/2010/main" val="2380732809"/>
-      </p:ext>
-    </p:extLst>
-  </p:cSld>
-  <p:clrMapOvr>
-    <a:masterClrMapping/>
-  </p:clrMapOvr>
-</p:sld>
-</file>
-
 <file path=ppt/slides/slide49.xml><?xml version="1.0" encoding="utf-8"?>
 <p:sld xmlns:a="http://schemas.openxmlformats.org/drawingml/2006/main" xmlns:r="http://schemas.openxmlformats.org/officeDocument/2006/relationships" xmlns:p="http://schemas.openxmlformats.org/presentationml/2006/main">
   <p:cSld>
@@ -50526,7 +51283,7 @@
           <p:cNvPr id="2" name="Title 1">
             <a:extLst>
               <a:ext uri="{FF2B5EF4-FFF2-40B4-BE49-F238E27FC236}">
-                <a16:creationId xmlns:a16="http://schemas.microsoft.com/office/drawing/2014/main" id="{DE056A45-2501-43A0-9F43-EE798108DA86}"/>
+                <a16:creationId xmlns:a16="http://schemas.microsoft.com/office/drawing/2014/main" id="{0B33124B-F8B1-44FB-B9D6-3239CDA95508}"/>
               </a:ext>
             </a:extLst>
           </p:cNvPr>
@@ -50540,19 +51297,25 @@
         <p:spPr/>
         <p:txBody>
           <a:bodyPr>
-            <a:normAutofit/>
+            <a:normAutofit fontScale="90000"/>
           </a:bodyPr>
           <a:lstStyle/>
           <a:p>
             <a:r>
-              <a:rPr lang="en-US" sz="4000" dirty="0"/>
-              <a:t>A</a:t>
-            </a:r>
-            <a:r>
-              <a:rPr lang="en-US" altLang="zh-CN" sz="4000" dirty="0"/>
-              <a:t>sset-backed securities</a:t>
-            </a:r>
-            <a:endParaRPr lang="en-US" sz="4000" dirty="0"/>
+              <a:rPr lang="en-US" altLang="zh-CN" sz="4400" dirty="0"/>
+              <a:t>Classification </a:t>
+            </a:r>
+            <a:r>
+              <a:rPr lang="en-US" sz="4400" dirty="0"/>
+              <a:t>of derivatives</a:t>
+            </a:r>
+            <a:br>
+              <a:rPr lang="en-US" dirty="0"/>
+            </a:br>
+            <a:r>
+              <a:rPr lang="en-US" dirty="0"/>
+              <a:t>Forward commitments and contingent claims</a:t>
+            </a:r>
           </a:p>
         </p:txBody>
       </p:sp>
@@ -50561,7 +51324,7 @@
           <p:cNvPr id="3" name="Content Placeholder 2">
             <a:extLst>
               <a:ext uri="{FF2B5EF4-FFF2-40B4-BE49-F238E27FC236}">
-                <a16:creationId xmlns:a16="http://schemas.microsoft.com/office/drawing/2014/main" id="{8DCE4C67-98B6-4618-8DEA-076B941A3F4A}"/>
+                <a16:creationId xmlns:a16="http://schemas.microsoft.com/office/drawing/2014/main" id="{AEE854A1-1496-4876-AC8F-11F97047424B}"/>
               </a:ext>
             </a:extLst>
           </p:cNvPr>
@@ -50578,31 +51341,61 @@
           <a:lstStyle/>
           <a:p>
             <a:r>
-              <a:rPr lang="en-US" dirty="0"/>
-              <a:t>CMO: collateralized mortgage obligation</a:t>
+              <a:rPr lang="en-US" sz="2800" dirty="0"/>
+              <a:t>Forward commitments</a:t>
             </a:r>
           </a:p>
           <a:p>
-            <a:r>
-              <a:rPr lang="en-US" dirty="0"/>
-              <a:t>CBO: collateralized bond obligation</a:t>
+            <a:pPr lvl="1"/>
+            <a:r>
+              <a:rPr lang="en-US" sz="1800" dirty="0">
+                <a:solidFill>
+                  <a:schemeClr val="tx1"/>
+                </a:solidFill>
+              </a:rPr>
+              <a:t>Forward</a:t>
             </a:r>
           </a:p>
           <a:p>
-            <a:r>
-              <a:rPr lang="en-US" dirty="0"/>
-              <a:t>CLO: collateralized loan obligation</a:t>
+            <a:pPr lvl="1"/>
+            <a:r>
+              <a:rPr lang="en-US" sz="1800" dirty="0"/>
+              <a:t>Futures</a:t>
             </a:r>
           </a:p>
           <a:p>
-            <a:endParaRPr lang="en-US" dirty="0"/>
+            <a:pPr lvl="1"/>
+            <a:r>
+              <a:rPr lang="en-US" sz="1800" dirty="0"/>
+              <a:t>Swap</a:t>
+            </a:r>
+          </a:p>
+          <a:p>
+            <a:r>
+              <a:rPr lang="en-US" sz="2800" dirty="0"/>
+              <a:t>Contingent claims</a:t>
+            </a:r>
+          </a:p>
+          <a:p>
+            <a:pPr lvl="1"/>
+            <a:r>
+              <a:rPr lang="en-US" sz="1800" dirty="0"/>
+              <a:t>Option</a:t>
+            </a:r>
+          </a:p>
+          <a:p>
+            <a:pPr lvl="1"/>
+            <a:r>
+              <a:rPr lang="en-US" sz="1800" dirty="0"/>
+              <a:t>Credit Default Swap</a:t>
+            </a:r>
           </a:p>
         </p:txBody>
       </p:sp>
     </p:spTree>
     <p:extLst>
       <p:ext uri="{BB962C8B-B14F-4D97-AF65-F5344CB8AC3E}">
-        <p14:creationId xmlns:p14="http://schemas.microsoft.com/office/powerpoint/2010/main" val="615116269"/>
+        <p14:creationId xmlns:p14="http://schemas.microsoft.com/office/powerpoint/2010/main" val="3548463849"/>
       </p:ext>
     </p:extLst>
   </p:cSld>
@@ -50730,128 +51523,7 @@
           <p:cNvPr id="2" name="Title 1">
             <a:extLst>
               <a:ext uri="{FF2B5EF4-FFF2-40B4-BE49-F238E27FC236}">
-                <a16:creationId xmlns:a16="http://schemas.microsoft.com/office/drawing/2014/main" id="{8E48A604-005B-48E4-8AF4-138B105BA282}"/>
-              </a:ext>
-            </a:extLst>
-          </p:cNvPr>
-          <p:cNvSpPr>
-            <a:spLocks noGrp="1"/>
-          </p:cNvSpPr>
-          <p:nvPr>
-            <p:ph type="title"/>
-          </p:nvPr>
-        </p:nvSpPr>
-        <p:spPr/>
-        <p:txBody>
-          <a:bodyPr>
-            <a:normAutofit/>
-          </a:bodyPr>
-          <a:lstStyle/>
-          <a:p>
-            <a:r>
-              <a:rPr lang="en-US" sz="4000" dirty="0"/>
-              <a:t>Derivative underlying</a:t>
-            </a:r>
-          </a:p>
-        </p:txBody>
-      </p:sp>
-      <p:sp>
-        <p:nvSpPr>
-          <p:cNvPr id="3" name="Content Placeholder 2">
-            <a:extLst>
-              <a:ext uri="{FF2B5EF4-FFF2-40B4-BE49-F238E27FC236}">
-                <a16:creationId xmlns:a16="http://schemas.microsoft.com/office/drawing/2014/main" id="{4DC2DC39-460C-4DC9-92A3-82D2535FFBF9}"/>
-              </a:ext>
-            </a:extLst>
-          </p:cNvPr>
-          <p:cNvSpPr>
-            <a:spLocks noGrp="1"/>
-          </p:cNvSpPr>
-          <p:nvPr>
-            <p:ph idx="1"/>
-          </p:nvPr>
-        </p:nvSpPr>
-        <p:spPr/>
-        <p:txBody>
-          <a:bodyPr/>
-          <a:lstStyle/>
-          <a:p>
-            <a:r>
-              <a:rPr lang="en-US" dirty="0"/>
-              <a:t>Equities</a:t>
-            </a:r>
-          </a:p>
-          <a:p>
-            <a:r>
-              <a:rPr lang="en-US" dirty="0"/>
-              <a:t>Fixed-income instruments and interest rates</a:t>
-            </a:r>
-          </a:p>
-          <a:p>
-            <a:r>
-              <a:rPr lang="en-US" dirty="0"/>
-              <a:t>Currencies</a:t>
-            </a:r>
-          </a:p>
-          <a:p>
-            <a:r>
-              <a:rPr lang="en-US" dirty="0"/>
-              <a:t>Commodities</a:t>
-            </a:r>
-          </a:p>
-          <a:p>
-            <a:r>
-              <a:rPr lang="en-US" dirty="0"/>
-              <a:t>Credit</a:t>
-            </a:r>
-          </a:p>
-          <a:p>
-            <a:r>
-              <a:rPr lang="en-US" dirty="0"/>
-              <a:t>Other</a:t>
-            </a:r>
-          </a:p>
-          <a:p>
-            <a:endParaRPr lang="en-US" dirty="0"/>
-          </a:p>
-        </p:txBody>
-      </p:sp>
-    </p:spTree>
-    <p:extLst>
-      <p:ext uri="{BB962C8B-B14F-4D97-AF65-F5344CB8AC3E}">
-        <p14:creationId xmlns:p14="http://schemas.microsoft.com/office/powerpoint/2010/main" val="3920046498"/>
-      </p:ext>
-    </p:extLst>
-  </p:cSld>
-  <p:clrMapOvr>
-    <a:masterClrMapping/>
-  </p:clrMapOvr>
-</p:sld>
-</file>
-
-<file path=ppt/slides/slide51.xml><?xml version="1.0" encoding="utf-8"?>
-<p:sld xmlns:a="http://schemas.openxmlformats.org/drawingml/2006/main" xmlns:r="http://schemas.openxmlformats.org/officeDocument/2006/relationships" xmlns:p="http://schemas.openxmlformats.org/presentationml/2006/main">
-  <p:cSld>
-    <p:spTree>
-      <p:nvGrpSpPr>
-        <p:cNvPr id="1" name=""/>
-        <p:cNvGrpSpPr/>
-        <p:nvPr/>
-      </p:nvGrpSpPr>
-      <p:grpSpPr>
-        <a:xfrm>
-          <a:off x="0" y="0"/>
-          <a:ext cx="0" cy="0"/>
-          <a:chOff x="0" y="0"/>
-          <a:chExt cx="0" cy="0"/>
-        </a:xfrm>
-      </p:grpSpPr>
-      <p:sp>
-        <p:nvSpPr>
-          <p:cNvPr id="2" name="Title 1">
-            <a:extLst>
-              <a:ext uri="{FF2B5EF4-FFF2-40B4-BE49-F238E27FC236}">
-                <a16:creationId xmlns:a16="http://schemas.microsoft.com/office/drawing/2014/main" id="{0B33124B-F8B1-44FB-B9D6-3239CDA95508}"/>
+                <a16:creationId xmlns:a16="http://schemas.microsoft.com/office/drawing/2014/main" id="{61C782C3-1713-4158-BD07-C849C3C4CC28}"/>
               </a:ext>
             </a:extLst>
           </p:cNvPr>
@@ -50866,150 +51538,6 @@
         <p:txBody>
           <a:bodyPr>
             <a:normAutofit fontScale="90000"/>
-          </a:bodyPr>
-          <a:lstStyle/>
-          <a:p>
-            <a:r>
-              <a:rPr lang="en-US" altLang="zh-CN" sz="4400" dirty="0"/>
-              <a:t>Classification </a:t>
-            </a:r>
-            <a:r>
-              <a:rPr lang="en-US" sz="4400" dirty="0"/>
-              <a:t>of derivatives</a:t>
-            </a:r>
-            <a:br>
-              <a:rPr lang="en-US" dirty="0"/>
-            </a:br>
-            <a:r>
-              <a:rPr lang="en-US" dirty="0"/>
-              <a:t>Forward commitments and contingent claims</a:t>
-            </a:r>
-          </a:p>
-        </p:txBody>
-      </p:sp>
-      <p:sp>
-        <p:nvSpPr>
-          <p:cNvPr id="3" name="Content Placeholder 2">
-            <a:extLst>
-              <a:ext uri="{FF2B5EF4-FFF2-40B4-BE49-F238E27FC236}">
-                <a16:creationId xmlns:a16="http://schemas.microsoft.com/office/drawing/2014/main" id="{AEE854A1-1496-4876-AC8F-11F97047424B}"/>
-              </a:ext>
-            </a:extLst>
-          </p:cNvPr>
-          <p:cNvSpPr>
-            <a:spLocks noGrp="1"/>
-          </p:cNvSpPr>
-          <p:nvPr>
-            <p:ph idx="1"/>
-          </p:nvPr>
-        </p:nvSpPr>
-        <p:spPr/>
-        <p:txBody>
-          <a:bodyPr/>
-          <a:lstStyle/>
-          <a:p>
-            <a:r>
-              <a:rPr lang="en-US" sz="2800" dirty="0"/>
-              <a:t>Forward commitments</a:t>
-            </a:r>
-          </a:p>
-          <a:p>
-            <a:pPr lvl="1"/>
-            <a:r>
-              <a:rPr lang="en-US" sz="1800" dirty="0">
-                <a:solidFill>
-                  <a:schemeClr val="tx1"/>
-                </a:solidFill>
-              </a:rPr>
-              <a:t>Forward</a:t>
-            </a:r>
-          </a:p>
-          <a:p>
-            <a:pPr lvl="1"/>
-            <a:r>
-              <a:rPr lang="en-US" sz="1800" dirty="0"/>
-              <a:t>Futures</a:t>
-            </a:r>
-          </a:p>
-          <a:p>
-            <a:pPr lvl="1"/>
-            <a:r>
-              <a:rPr lang="en-US" sz="1800" dirty="0"/>
-              <a:t>Swap</a:t>
-            </a:r>
-          </a:p>
-          <a:p>
-            <a:r>
-              <a:rPr lang="en-US" sz="2800" dirty="0"/>
-              <a:t>Contingent claims</a:t>
-            </a:r>
-          </a:p>
-          <a:p>
-            <a:pPr lvl="1"/>
-            <a:r>
-              <a:rPr lang="en-US" sz="1800" dirty="0"/>
-              <a:t>Option</a:t>
-            </a:r>
-          </a:p>
-          <a:p>
-            <a:pPr lvl="1"/>
-            <a:r>
-              <a:rPr lang="en-US" sz="1800" dirty="0"/>
-              <a:t>Credit Default Swap</a:t>
-            </a:r>
-          </a:p>
-        </p:txBody>
-      </p:sp>
-    </p:spTree>
-    <p:extLst>
-      <p:ext uri="{BB962C8B-B14F-4D97-AF65-F5344CB8AC3E}">
-        <p14:creationId xmlns:p14="http://schemas.microsoft.com/office/powerpoint/2010/main" val="3548463849"/>
-      </p:ext>
-    </p:extLst>
-  </p:cSld>
-  <p:clrMapOvr>
-    <a:masterClrMapping/>
-  </p:clrMapOvr>
-</p:sld>
-</file>
-
-<file path=ppt/slides/slide52.xml><?xml version="1.0" encoding="utf-8"?>
-<p:sld xmlns:a="http://schemas.openxmlformats.org/drawingml/2006/main" xmlns:r="http://schemas.openxmlformats.org/officeDocument/2006/relationships" xmlns:p="http://schemas.openxmlformats.org/presentationml/2006/main">
-  <p:cSld>
-    <p:spTree>
-      <p:nvGrpSpPr>
-        <p:cNvPr id="1" name=""/>
-        <p:cNvGrpSpPr/>
-        <p:nvPr/>
-      </p:nvGrpSpPr>
-      <p:grpSpPr>
-        <a:xfrm>
-          <a:off x="0" y="0"/>
-          <a:ext cx="0" cy="0"/>
-          <a:chOff x="0" y="0"/>
-          <a:chExt cx="0" cy="0"/>
-        </a:xfrm>
-      </p:grpSpPr>
-      <p:sp>
-        <p:nvSpPr>
-          <p:cNvPr id="2" name="Title 1">
-            <a:extLst>
-              <a:ext uri="{FF2B5EF4-FFF2-40B4-BE49-F238E27FC236}">
-                <a16:creationId xmlns:a16="http://schemas.microsoft.com/office/drawing/2014/main" id="{61C782C3-1713-4158-BD07-C849C3C4CC28}"/>
-              </a:ext>
-            </a:extLst>
-          </p:cNvPr>
-          <p:cNvSpPr>
-            <a:spLocks noGrp="1"/>
-          </p:cNvSpPr>
-          <p:nvPr>
-            <p:ph type="title"/>
-          </p:nvPr>
-        </p:nvSpPr>
-        <p:spPr/>
-        <p:txBody>
-          <a:bodyPr>
-            <a:normAutofit/>
           </a:bodyPr>
           <a:lstStyle/>
           <a:p>
@@ -51120,7 +51648,7 @@
 </p:sld>
 </file>
 
-<file path=ppt/slides/slide53.xml><?xml version="1.0" encoding="utf-8"?>
+<file path=ppt/slides/slide51.xml><?xml version="1.0" encoding="utf-8"?>
 <p:sld xmlns:a="http://schemas.openxmlformats.org/drawingml/2006/main" xmlns:r="http://schemas.openxmlformats.org/officeDocument/2006/relationships" xmlns:p="http://schemas.openxmlformats.org/presentationml/2006/main">
   <p:cSld>
     <p:spTree>
@@ -51156,7 +51684,7 @@
         <p:spPr/>
         <p:txBody>
           <a:bodyPr>
-            <a:normAutofit/>
+            <a:normAutofit fontScale="90000"/>
           </a:bodyPr>
           <a:lstStyle/>
           <a:p>
@@ -51286,7 +51814,7 @@
 </p:sld>
 </file>
 
-<file path=ppt/slides/slide54.xml><?xml version="1.0" encoding="utf-8"?>
+<file path=ppt/slides/slide52.xml><?xml version="1.0" encoding="utf-8"?>
 <p:sld xmlns:a="http://schemas.openxmlformats.org/drawingml/2006/main" xmlns:r="http://schemas.openxmlformats.org/officeDocument/2006/relationships" xmlns:p="http://schemas.openxmlformats.org/presentationml/2006/main">
   <p:cSld>
     <p:spTree>
@@ -51322,7 +51850,7 @@
         <p:spPr/>
         <p:txBody>
           <a:bodyPr>
-            <a:normAutofit/>
+            <a:normAutofit fontScale="90000"/>
           </a:bodyPr>
           <a:lstStyle/>
           <a:p>
@@ -51430,7 +51958,7 @@
 </p:sld>
 </file>
 
-<file path=ppt/slides/slide55.xml><?xml version="1.0" encoding="utf-8"?>
+<file path=ppt/slides/slide53.xml><?xml version="1.0" encoding="utf-8"?>
 <p:sld xmlns:a="http://schemas.openxmlformats.org/drawingml/2006/main" xmlns:r="http://schemas.openxmlformats.org/officeDocument/2006/relationships" xmlns:p="http://schemas.openxmlformats.org/presentationml/2006/main">
   <p:cSld>
     <p:spTree>
@@ -51568,7 +52096,7 @@
 </p:sld>
 </file>
 
-<file path=ppt/slides/slide56.xml><?xml version="1.0" encoding="utf-8"?>
+<file path=ppt/slides/slide54.xml><?xml version="1.0" encoding="utf-8"?>
 <p:sld xmlns:a="http://schemas.openxmlformats.org/drawingml/2006/main" xmlns:r="http://schemas.openxmlformats.org/officeDocument/2006/relationships" xmlns:p="http://schemas.openxmlformats.org/presentationml/2006/main">
   <p:cSld>
     <p:spTree>
@@ -51706,7 +52234,7 @@
 </p:sld>
 </file>
 
-<file path=ppt/slides/slide57.xml><?xml version="1.0" encoding="utf-8"?>
+<file path=ppt/slides/slide55.xml><?xml version="1.0" encoding="utf-8"?>
 <p:sld xmlns:a="http://schemas.openxmlformats.org/drawingml/2006/main" xmlns:r="http://schemas.openxmlformats.org/officeDocument/2006/relationships" xmlns:p="http://schemas.openxmlformats.org/presentationml/2006/main">
   <p:cSld>
     <p:spTree>
@@ -51844,7 +52372,7 @@
 </p:sld>
 </file>
 
-<file path=ppt/slides/slide58.xml><?xml version="1.0" encoding="utf-8"?>
+<file path=ppt/slides/slide56.xml><?xml version="1.0" encoding="utf-8"?>
 <p:sld xmlns:a="http://schemas.openxmlformats.org/drawingml/2006/main" xmlns:r="http://schemas.openxmlformats.org/officeDocument/2006/relationships" xmlns:p="http://schemas.openxmlformats.org/presentationml/2006/main">
   <p:cSld>
     <p:spTree>
@@ -51982,7 +52510,7 @@
 </p:sld>
 </file>
 
-<file path=ppt/slides/slide59.xml><?xml version="1.0" encoding="utf-8"?>
+<file path=ppt/slides/slide57.xml><?xml version="1.0" encoding="utf-8"?>
 <p:sld xmlns:a="http://schemas.openxmlformats.org/drawingml/2006/main" xmlns:r="http://schemas.openxmlformats.org/officeDocument/2006/relationships" xmlns:p="http://schemas.openxmlformats.org/presentationml/2006/main">
   <p:cSld>
     <p:spTree>
@@ -52126,6 +52654,307 @@
     <p:extLst>
       <p:ext uri="{BB962C8B-B14F-4D97-AF65-F5344CB8AC3E}">
         <p14:creationId xmlns:p14="http://schemas.microsoft.com/office/powerpoint/2010/main" val="1516918961"/>
+      </p:ext>
+    </p:extLst>
+  </p:cSld>
+  <p:clrMapOvr>
+    <a:masterClrMapping/>
+  </p:clrMapOvr>
+</p:sld>
+</file>
+
+<file path=ppt/slides/slide58.xml><?xml version="1.0" encoding="utf-8"?>
+<p:sld xmlns:a="http://schemas.openxmlformats.org/drawingml/2006/main" xmlns:r="http://schemas.openxmlformats.org/officeDocument/2006/relationships" xmlns:p="http://schemas.openxmlformats.org/presentationml/2006/main">
+  <p:cSld>
+    <p:spTree>
+      <p:nvGrpSpPr>
+        <p:cNvPr id="1" name=""/>
+        <p:cNvGrpSpPr/>
+        <p:nvPr/>
+      </p:nvGrpSpPr>
+      <p:grpSpPr>
+        <a:xfrm>
+          <a:off x="0" y="0"/>
+          <a:ext cx="0" cy="0"/>
+          <a:chOff x="0" y="0"/>
+          <a:chExt cx="0" cy="0"/>
+        </a:xfrm>
+      </p:grpSpPr>
+      <p:sp>
+        <p:nvSpPr>
+          <p:cNvPr id="2" name="Title 1">
+            <a:extLst>
+              <a:ext uri="{FF2B5EF4-FFF2-40B4-BE49-F238E27FC236}">
+                <a16:creationId xmlns:a16="http://schemas.microsoft.com/office/drawing/2014/main" id="{4615354A-E477-4616-83A2-BD4AC1206110}"/>
+              </a:ext>
+            </a:extLst>
+          </p:cNvPr>
+          <p:cNvSpPr>
+            <a:spLocks noGrp="1"/>
+          </p:cNvSpPr>
+          <p:nvPr>
+            <p:ph type="title"/>
+          </p:nvPr>
+        </p:nvSpPr>
+        <p:spPr/>
+        <p:txBody>
+          <a:bodyPr>
+            <a:normAutofit/>
+          </a:bodyPr>
+          <a:lstStyle/>
+          <a:p>
+            <a:r>
+              <a:rPr lang="en-US" sz="4000" dirty="0"/>
+              <a:t>Practices</a:t>
+            </a:r>
+          </a:p>
+        </p:txBody>
+      </p:sp>
+      <p:sp>
+        <p:nvSpPr>
+          <p:cNvPr id="3" name="Content Placeholder 2">
+            <a:extLst>
+              <a:ext uri="{FF2B5EF4-FFF2-40B4-BE49-F238E27FC236}">
+                <a16:creationId xmlns:a16="http://schemas.microsoft.com/office/drawing/2014/main" id="{E0C5A04C-3E9B-479A-BC64-0A200712E0E4}"/>
+              </a:ext>
+            </a:extLst>
+          </p:cNvPr>
+          <p:cNvSpPr>
+            <a:spLocks noGrp="1"/>
+          </p:cNvSpPr>
+          <p:nvPr>
+            <p:ph idx="1"/>
+          </p:nvPr>
+        </p:nvSpPr>
+        <p:spPr/>
+        <p:txBody>
+          <a:bodyPr>
+            <a:normAutofit/>
+          </a:bodyPr>
+          <a:lstStyle/>
+          <a:p>
+            <a:r>
+              <a:rPr lang="en-US" dirty="0"/>
+              <a:t>1.Which of the following is not an advantage of derivative markets?</a:t>
+            </a:r>
+          </a:p>
+          <a:p>
+            <a:pPr lvl="1"/>
+            <a:r>
+              <a:rPr lang="en-US" dirty="0"/>
+              <a:t>A They are less volatile than spot markets.</a:t>
+            </a:r>
+          </a:p>
+          <a:p>
+            <a:pPr lvl="1"/>
+            <a:r>
+              <a:rPr lang="en-US" dirty="0"/>
+              <a:t>B They facilitate the allocation of risk in the market.</a:t>
+            </a:r>
+          </a:p>
+          <a:p>
+            <a:pPr lvl="1"/>
+            <a:r>
+              <a:rPr lang="en-US" dirty="0"/>
+              <a:t>C They incur lower transaction costs than spot markets.</a:t>
+            </a:r>
+          </a:p>
+          <a:p>
+            <a:r>
+              <a:rPr lang="en-US" dirty="0"/>
+              <a:t>2.Which of the following pieces of information is not </a:t>
+            </a:r>
+            <a:r>
+              <a:rPr lang="en-US" dirty="0">
+                <a:solidFill>
+                  <a:srgbClr val="FF0000"/>
+                </a:solidFill>
+              </a:rPr>
+              <a:t>conveyed</a:t>
+            </a:r>
+            <a:r>
+              <a:rPr lang="en-US" dirty="0"/>
+              <a:t> by at least one type of derivative?</a:t>
+            </a:r>
+          </a:p>
+          <a:p>
+            <a:pPr lvl="1"/>
+            <a:r>
+              <a:rPr lang="en-US" dirty="0"/>
+              <a:t>A The volatility of the underlying</a:t>
+            </a:r>
+          </a:p>
+          <a:p>
+            <a:pPr lvl="1"/>
+            <a:r>
+              <a:rPr lang="en-US" dirty="0"/>
+              <a:t>B The most widely used strategy of the underlying</a:t>
+            </a:r>
+          </a:p>
+          <a:p>
+            <a:pPr lvl="1"/>
+            <a:r>
+              <a:rPr lang="en-US" dirty="0"/>
+              <a:t>C The price at which uncertainty in the underlying can be eliminated</a:t>
+            </a:r>
+          </a:p>
+        </p:txBody>
+      </p:sp>
+    </p:spTree>
+    <p:extLst>
+      <p:ext uri="{BB962C8B-B14F-4D97-AF65-F5344CB8AC3E}">
+        <p14:creationId xmlns:p14="http://schemas.microsoft.com/office/powerpoint/2010/main" val="679871349"/>
+      </p:ext>
+    </p:extLst>
+  </p:cSld>
+  <p:clrMapOvr>
+    <a:masterClrMapping/>
+  </p:clrMapOvr>
+</p:sld>
+</file>
+
+<file path=ppt/slides/slide59.xml><?xml version="1.0" encoding="utf-8"?>
+<p:sld xmlns:a="http://schemas.openxmlformats.org/drawingml/2006/main" xmlns:r="http://schemas.openxmlformats.org/officeDocument/2006/relationships" xmlns:p="http://schemas.openxmlformats.org/presentationml/2006/main">
+  <p:cSld>
+    <p:spTree>
+      <p:nvGrpSpPr>
+        <p:cNvPr id="1" name=""/>
+        <p:cNvGrpSpPr/>
+        <p:nvPr/>
+      </p:nvGrpSpPr>
+      <p:grpSpPr>
+        <a:xfrm>
+          <a:off x="0" y="0"/>
+          <a:ext cx="0" cy="0"/>
+          <a:chOff x="0" y="0"/>
+          <a:chExt cx="0" cy="0"/>
+        </a:xfrm>
+      </p:grpSpPr>
+      <p:sp>
+        <p:nvSpPr>
+          <p:cNvPr id="2" name="Title 1">
+            <a:extLst>
+              <a:ext uri="{FF2B5EF4-FFF2-40B4-BE49-F238E27FC236}">
+                <a16:creationId xmlns:a16="http://schemas.microsoft.com/office/drawing/2014/main" id="{6A4E77FE-41FA-4F07-9556-77EA5BAC14A6}"/>
+              </a:ext>
+            </a:extLst>
+          </p:cNvPr>
+          <p:cNvSpPr>
+            <a:spLocks noGrp="1"/>
+          </p:cNvSpPr>
+          <p:nvPr>
+            <p:ph type="title"/>
+          </p:nvPr>
+        </p:nvSpPr>
+        <p:spPr/>
+        <p:txBody>
+          <a:bodyPr>
+            <a:normAutofit/>
+          </a:bodyPr>
+          <a:lstStyle/>
+          <a:p>
+            <a:r>
+              <a:rPr lang="en-US" sz="4000" dirty="0"/>
+              <a:t>Criticisms and misuses of derivatives</a:t>
+            </a:r>
+            <a:br>
+              <a:rPr lang="en-US" sz="4000" dirty="0"/>
+            </a:br>
+            <a:r>
+              <a:rPr lang="en-US" sz="4000" dirty="0"/>
+              <a:t>S</a:t>
+            </a:r>
+            <a:r>
+              <a:rPr lang="en-US" altLang="zh-CN" sz="4000" dirty="0"/>
+              <a:t>peculation and gambling</a:t>
+            </a:r>
+            <a:endParaRPr lang="en-US" sz="4000" dirty="0"/>
+          </a:p>
+        </p:txBody>
+      </p:sp>
+      <p:sp>
+        <p:nvSpPr>
+          <p:cNvPr id="3" name="Content Placeholder 2">
+            <a:extLst>
+              <a:ext uri="{FF2B5EF4-FFF2-40B4-BE49-F238E27FC236}">
+                <a16:creationId xmlns:a16="http://schemas.microsoft.com/office/drawing/2014/main" id="{362F09A5-A3CB-4782-B9F6-D1BE6C31A73F}"/>
+              </a:ext>
+            </a:extLst>
+          </p:cNvPr>
+          <p:cNvSpPr>
+            <a:spLocks noGrp="1"/>
+          </p:cNvSpPr>
+          <p:nvPr>
+            <p:ph idx="1"/>
+          </p:nvPr>
+        </p:nvSpPr>
+        <p:spPr/>
+        <p:txBody>
+          <a:bodyPr/>
+          <a:lstStyle/>
+          <a:p>
+            <a:r>
+              <a:rPr lang="en-US" dirty="0"/>
+              <a:t>Speculators are often thought to be </a:t>
+            </a:r>
+            <a:r>
+              <a:rPr lang="en-US" dirty="0">
+                <a:solidFill>
+                  <a:srgbClr val="FF0000"/>
+                </a:solidFill>
+              </a:rPr>
+              <a:t>short- term traders </a:t>
+            </a:r>
+            <a:r>
+              <a:rPr lang="en-US" dirty="0"/>
+              <a:t>who attempt to exploit temporary inefficiencies.</a:t>
+            </a:r>
+          </a:p>
+          <a:p>
+            <a:r>
+              <a:rPr lang="en-US" dirty="0"/>
+              <a:t>Speculators are thought to engage in </a:t>
+            </a:r>
+            <a:r>
+              <a:rPr lang="en-US" dirty="0">
+                <a:solidFill>
+                  <a:srgbClr val="FF0000"/>
+                </a:solidFill>
+              </a:rPr>
+              <a:t>price manipulation </a:t>
+            </a:r>
+            <a:r>
+              <a:rPr lang="en-US" dirty="0"/>
+              <a:t>and to trade at extreme prices.</a:t>
+            </a:r>
+          </a:p>
+          <a:p>
+            <a:r>
+              <a:rPr lang="en-US" dirty="0"/>
+              <a:t>The profits from short- term trading are almost always taxed </a:t>
+            </a:r>
+            <a:r>
+              <a:rPr lang="en-US" dirty="0">
+                <a:solidFill>
+                  <a:srgbClr val="FF0000"/>
+                </a:solidFill>
+              </a:rPr>
+              <a:t>more heavily </a:t>
+            </a:r>
+            <a:r>
+              <a:rPr lang="en-US" dirty="0"/>
+              <a:t>than the profits from long- term trading.</a:t>
+            </a:r>
+          </a:p>
+          <a:p>
+            <a:endParaRPr lang="en-US" dirty="0"/>
+          </a:p>
+        </p:txBody>
+      </p:sp>
+    </p:spTree>
+    <p:extLst>
+      <p:ext uri="{BB962C8B-B14F-4D97-AF65-F5344CB8AC3E}">
+        <p14:creationId xmlns:p14="http://schemas.microsoft.com/office/powerpoint/2010/main" val="133782581"/>
       </p:ext>
     </p:extLst>
   </p:cSld>
@@ -52320,307 +53149,6 @@
           <p:cNvPr id="2" name="Title 1">
             <a:extLst>
               <a:ext uri="{FF2B5EF4-FFF2-40B4-BE49-F238E27FC236}">
-                <a16:creationId xmlns:a16="http://schemas.microsoft.com/office/drawing/2014/main" id="{4615354A-E477-4616-83A2-BD4AC1206110}"/>
-              </a:ext>
-            </a:extLst>
-          </p:cNvPr>
-          <p:cNvSpPr>
-            <a:spLocks noGrp="1"/>
-          </p:cNvSpPr>
-          <p:nvPr>
-            <p:ph type="title"/>
-          </p:nvPr>
-        </p:nvSpPr>
-        <p:spPr/>
-        <p:txBody>
-          <a:bodyPr>
-            <a:normAutofit/>
-          </a:bodyPr>
-          <a:lstStyle/>
-          <a:p>
-            <a:r>
-              <a:rPr lang="en-US" sz="4000" dirty="0"/>
-              <a:t>Practices</a:t>
-            </a:r>
-          </a:p>
-        </p:txBody>
-      </p:sp>
-      <p:sp>
-        <p:nvSpPr>
-          <p:cNvPr id="3" name="Content Placeholder 2">
-            <a:extLst>
-              <a:ext uri="{FF2B5EF4-FFF2-40B4-BE49-F238E27FC236}">
-                <a16:creationId xmlns:a16="http://schemas.microsoft.com/office/drawing/2014/main" id="{E0C5A04C-3E9B-479A-BC64-0A200712E0E4}"/>
-              </a:ext>
-            </a:extLst>
-          </p:cNvPr>
-          <p:cNvSpPr>
-            <a:spLocks noGrp="1"/>
-          </p:cNvSpPr>
-          <p:nvPr>
-            <p:ph idx="1"/>
-          </p:nvPr>
-        </p:nvSpPr>
-        <p:spPr/>
-        <p:txBody>
-          <a:bodyPr>
-            <a:normAutofit/>
-          </a:bodyPr>
-          <a:lstStyle/>
-          <a:p>
-            <a:r>
-              <a:rPr lang="en-US" dirty="0"/>
-              <a:t>1.Which of the following is not an advantage of derivative markets?</a:t>
-            </a:r>
-          </a:p>
-          <a:p>
-            <a:pPr lvl="1"/>
-            <a:r>
-              <a:rPr lang="en-US" dirty="0"/>
-              <a:t>A They are less volatile than spot markets.</a:t>
-            </a:r>
-          </a:p>
-          <a:p>
-            <a:pPr lvl="1"/>
-            <a:r>
-              <a:rPr lang="en-US" dirty="0"/>
-              <a:t>B They facilitate the allocation of risk in the market.</a:t>
-            </a:r>
-          </a:p>
-          <a:p>
-            <a:pPr lvl="1"/>
-            <a:r>
-              <a:rPr lang="en-US" dirty="0"/>
-              <a:t>C They incur lower transaction costs than spot markets.</a:t>
-            </a:r>
-          </a:p>
-          <a:p>
-            <a:r>
-              <a:rPr lang="en-US" dirty="0"/>
-              <a:t>2.Which of the following pieces of information is not </a:t>
-            </a:r>
-            <a:r>
-              <a:rPr lang="en-US" dirty="0">
-                <a:solidFill>
-                  <a:srgbClr val="FF0000"/>
-                </a:solidFill>
-              </a:rPr>
-              <a:t>conveyed</a:t>
-            </a:r>
-            <a:r>
-              <a:rPr lang="en-US" dirty="0"/>
-              <a:t> by at least one type of derivative?</a:t>
-            </a:r>
-          </a:p>
-          <a:p>
-            <a:pPr lvl="1"/>
-            <a:r>
-              <a:rPr lang="en-US" dirty="0"/>
-              <a:t>A The volatility of the underlying</a:t>
-            </a:r>
-          </a:p>
-          <a:p>
-            <a:pPr lvl="1"/>
-            <a:r>
-              <a:rPr lang="en-US" dirty="0"/>
-              <a:t>B The most widely used strategy of the underlying</a:t>
-            </a:r>
-          </a:p>
-          <a:p>
-            <a:pPr lvl="1"/>
-            <a:r>
-              <a:rPr lang="en-US" dirty="0"/>
-              <a:t>C The price at which uncertainty in the underlying can be eliminated</a:t>
-            </a:r>
-          </a:p>
-        </p:txBody>
-      </p:sp>
-    </p:spTree>
-    <p:extLst>
-      <p:ext uri="{BB962C8B-B14F-4D97-AF65-F5344CB8AC3E}">
-        <p14:creationId xmlns:p14="http://schemas.microsoft.com/office/powerpoint/2010/main" val="679871349"/>
-      </p:ext>
-    </p:extLst>
-  </p:cSld>
-  <p:clrMapOvr>
-    <a:masterClrMapping/>
-  </p:clrMapOvr>
-</p:sld>
-</file>
-
-<file path=ppt/slides/slide61.xml><?xml version="1.0" encoding="utf-8"?>
-<p:sld xmlns:a="http://schemas.openxmlformats.org/drawingml/2006/main" xmlns:r="http://schemas.openxmlformats.org/officeDocument/2006/relationships" xmlns:p="http://schemas.openxmlformats.org/presentationml/2006/main">
-  <p:cSld>
-    <p:spTree>
-      <p:nvGrpSpPr>
-        <p:cNvPr id="1" name=""/>
-        <p:cNvGrpSpPr/>
-        <p:nvPr/>
-      </p:nvGrpSpPr>
-      <p:grpSpPr>
-        <a:xfrm>
-          <a:off x="0" y="0"/>
-          <a:ext cx="0" cy="0"/>
-          <a:chOff x="0" y="0"/>
-          <a:chExt cx="0" cy="0"/>
-        </a:xfrm>
-      </p:grpSpPr>
-      <p:sp>
-        <p:nvSpPr>
-          <p:cNvPr id="2" name="Title 1">
-            <a:extLst>
-              <a:ext uri="{FF2B5EF4-FFF2-40B4-BE49-F238E27FC236}">
-                <a16:creationId xmlns:a16="http://schemas.microsoft.com/office/drawing/2014/main" id="{6A4E77FE-41FA-4F07-9556-77EA5BAC14A6}"/>
-              </a:ext>
-            </a:extLst>
-          </p:cNvPr>
-          <p:cNvSpPr>
-            <a:spLocks noGrp="1"/>
-          </p:cNvSpPr>
-          <p:nvPr>
-            <p:ph type="title"/>
-          </p:nvPr>
-        </p:nvSpPr>
-        <p:spPr/>
-        <p:txBody>
-          <a:bodyPr>
-            <a:normAutofit/>
-          </a:bodyPr>
-          <a:lstStyle/>
-          <a:p>
-            <a:r>
-              <a:rPr lang="en-US" sz="4000" dirty="0"/>
-              <a:t>Criticisms and misuses of derivatives</a:t>
-            </a:r>
-            <a:br>
-              <a:rPr lang="en-US" sz="4000" dirty="0"/>
-            </a:br>
-            <a:r>
-              <a:rPr lang="en-US" sz="4000" dirty="0"/>
-              <a:t>S</a:t>
-            </a:r>
-            <a:r>
-              <a:rPr lang="en-US" altLang="zh-CN" sz="4000" dirty="0"/>
-              <a:t>peculation and gambling</a:t>
-            </a:r>
-            <a:endParaRPr lang="en-US" sz="4000" dirty="0"/>
-          </a:p>
-        </p:txBody>
-      </p:sp>
-      <p:sp>
-        <p:nvSpPr>
-          <p:cNvPr id="3" name="Content Placeholder 2">
-            <a:extLst>
-              <a:ext uri="{FF2B5EF4-FFF2-40B4-BE49-F238E27FC236}">
-                <a16:creationId xmlns:a16="http://schemas.microsoft.com/office/drawing/2014/main" id="{362F09A5-A3CB-4782-B9F6-D1BE6C31A73F}"/>
-              </a:ext>
-            </a:extLst>
-          </p:cNvPr>
-          <p:cNvSpPr>
-            <a:spLocks noGrp="1"/>
-          </p:cNvSpPr>
-          <p:nvPr>
-            <p:ph idx="1"/>
-          </p:nvPr>
-        </p:nvSpPr>
-        <p:spPr/>
-        <p:txBody>
-          <a:bodyPr/>
-          <a:lstStyle/>
-          <a:p>
-            <a:r>
-              <a:rPr lang="en-US" dirty="0"/>
-              <a:t>Speculators are often thought to be </a:t>
-            </a:r>
-            <a:r>
-              <a:rPr lang="en-US" dirty="0">
-                <a:solidFill>
-                  <a:srgbClr val="FF0000"/>
-                </a:solidFill>
-              </a:rPr>
-              <a:t>short- term traders </a:t>
-            </a:r>
-            <a:r>
-              <a:rPr lang="en-US" dirty="0"/>
-              <a:t>who attempt to exploit temporary inefficiencies.</a:t>
-            </a:r>
-          </a:p>
-          <a:p>
-            <a:r>
-              <a:rPr lang="en-US" dirty="0"/>
-              <a:t>Speculators are thought to engage in </a:t>
-            </a:r>
-            <a:r>
-              <a:rPr lang="en-US" dirty="0">
-                <a:solidFill>
-                  <a:srgbClr val="FF0000"/>
-                </a:solidFill>
-              </a:rPr>
-              <a:t>price manipulation </a:t>
-            </a:r>
-            <a:r>
-              <a:rPr lang="en-US" dirty="0"/>
-              <a:t>and to trade at extreme prices.</a:t>
-            </a:r>
-          </a:p>
-          <a:p>
-            <a:r>
-              <a:rPr lang="en-US" dirty="0"/>
-              <a:t>The profits from short- term trading are almost always taxed </a:t>
-            </a:r>
-            <a:r>
-              <a:rPr lang="en-US" dirty="0">
-                <a:solidFill>
-                  <a:srgbClr val="FF0000"/>
-                </a:solidFill>
-              </a:rPr>
-              <a:t>more heavily </a:t>
-            </a:r>
-            <a:r>
-              <a:rPr lang="en-US" dirty="0"/>
-              <a:t>than the profits from long- term trading.</a:t>
-            </a:r>
-          </a:p>
-          <a:p>
-            <a:endParaRPr lang="en-US" dirty="0"/>
-          </a:p>
-        </p:txBody>
-      </p:sp>
-    </p:spTree>
-    <p:extLst>
-      <p:ext uri="{BB962C8B-B14F-4D97-AF65-F5344CB8AC3E}">
-        <p14:creationId xmlns:p14="http://schemas.microsoft.com/office/powerpoint/2010/main" val="133782581"/>
-      </p:ext>
-    </p:extLst>
-  </p:cSld>
-  <p:clrMapOvr>
-    <a:masterClrMapping/>
-  </p:clrMapOvr>
-</p:sld>
-</file>
-
-<file path=ppt/slides/slide62.xml><?xml version="1.0" encoding="utf-8"?>
-<p:sld xmlns:a="http://schemas.openxmlformats.org/drawingml/2006/main" xmlns:r="http://schemas.openxmlformats.org/officeDocument/2006/relationships" xmlns:p="http://schemas.openxmlformats.org/presentationml/2006/main">
-  <p:cSld>
-    <p:spTree>
-      <p:nvGrpSpPr>
-        <p:cNvPr id="1" name=""/>
-        <p:cNvGrpSpPr/>
-        <p:nvPr/>
-      </p:nvGrpSpPr>
-      <p:grpSpPr>
-        <a:xfrm>
-          <a:off x="0" y="0"/>
-          <a:ext cx="0" cy="0"/>
-          <a:chOff x="0" y="0"/>
-          <a:chExt cx="0" cy="0"/>
-        </a:xfrm>
-      </p:grpSpPr>
-      <p:sp>
-        <p:nvSpPr>
-          <p:cNvPr id="2" name="Title 1">
-            <a:extLst>
-              <a:ext uri="{FF2B5EF4-FFF2-40B4-BE49-F238E27FC236}">
                 <a16:creationId xmlns:a16="http://schemas.microsoft.com/office/drawing/2014/main" id="{E482C202-64F2-44D8-9E40-0887E8F7325A}"/>
               </a:ext>
             </a:extLst>
@@ -52792,7 +53320,7 @@
 </p:sld>
 </file>
 
-<file path=ppt/slides/slide63.xml><?xml version="1.0" encoding="utf-8"?>
+<file path=ppt/slides/slide61.xml><?xml version="1.0" encoding="utf-8"?>
 <p:sld xmlns:a="http://schemas.openxmlformats.org/drawingml/2006/main" xmlns:r="http://schemas.openxmlformats.org/officeDocument/2006/relationships" xmlns:p="http://schemas.openxmlformats.org/presentationml/2006/main">
   <p:cSld>
     <p:spTree>
@@ -52901,7 +53429,7 @@
 </p:sld>
 </file>
 
-<file path=ppt/slides/slide64.xml><?xml version="1.0" encoding="utf-8"?>
+<file path=ppt/slides/slide62.xml><?xml version="1.0" encoding="utf-8"?>
 <p:sld xmlns:a="http://schemas.openxmlformats.org/drawingml/2006/main" xmlns:r="http://schemas.openxmlformats.org/officeDocument/2006/relationships" xmlns:p="http://schemas.openxmlformats.org/presentationml/2006/main">
   <p:cSld>
     <p:spTree>
@@ -53021,7 +53549,7 @@
 </p:sld>
 </file>
 
-<file path=ppt/slides/slide65.xml><?xml version="1.0" encoding="utf-8"?>
+<file path=ppt/slides/slide63.xml><?xml version="1.0" encoding="utf-8"?>
 <p:sld xmlns:a="http://schemas.openxmlformats.org/drawingml/2006/main" xmlns:r="http://schemas.openxmlformats.org/officeDocument/2006/relationships" xmlns:p="http://schemas.openxmlformats.org/presentationml/2006/main">
   <p:cSld>
     <p:spTree>
@@ -53118,7 +53646,7 @@
 </p:sld>
 </file>
 
-<file path=ppt/slides/slide66.xml><?xml version="1.0" encoding="utf-8"?>
+<file path=ppt/slides/slide64.xml><?xml version="1.0" encoding="utf-8"?>
 <p:sld xmlns:a="http://schemas.openxmlformats.org/drawingml/2006/main" xmlns:r="http://schemas.openxmlformats.org/officeDocument/2006/relationships" xmlns:p="http://schemas.openxmlformats.org/presentationml/2006/main">
   <p:cSld>
     <p:spTree>
@@ -53298,7 +53826,7 @@
 </p:sld>
 </file>
 
-<file path=ppt/slides/slide67.xml><?xml version="1.0" encoding="utf-8"?>
+<file path=ppt/slides/slide65.xml><?xml version="1.0" encoding="utf-8"?>
 <p:sld xmlns:a="http://schemas.openxmlformats.org/drawingml/2006/main" xmlns:r="http://schemas.openxmlformats.org/officeDocument/2006/relationships" xmlns:p="http://schemas.openxmlformats.org/presentationml/2006/main">
   <p:cSld>
     <p:spTree>
@@ -53386,7 +53914,7 @@
 </p:sld>
 </file>
 
-<file path=ppt/slides/slide68.xml><?xml version="1.0" encoding="utf-8"?>
+<file path=ppt/slides/slide66.xml><?xml version="1.0" encoding="utf-8"?>
 <p:sld xmlns:a="http://schemas.openxmlformats.org/drawingml/2006/main" xmlns:r="http://schemas.openxmlformats.org/officeDocument/2006/relationships" xmlns:p="http://schemas.openxmlformats.org/presentationml/2006/main">
   <p:cSld>
     <p:spTree>
@@ -53490,7 +54018,7 @@
 </p:sld>
 </file>
 
-<file path=ppt/slides/slide69.xml><?xml version="1.0" encoding="utf-8"?>
+<file path=ppt/slides/slide67.xml><?xml version="1.0" encoding="utf-8"?>
 <p:sld xmlns:a="http://schemas.openxmlformats.org/drawingml/2006/main" xmlns:r="http://schemas.openxmlformats.org/officeDocument/2006/relationships" xmlns:p="http://schemas.openxmlformats.org/presentationml/2006/main">
   <p:cSld>
     <p:spTree>
@@ -53588,6 +54116,233 @@
     <p:extLst>
       <p:ext uri="{BB962C8B-B14F-4D97-AF65-F5344CB8AC3E}">
         <p14:creationId xmlns:p14="http://schemas.microsoft.com/office/powerpoint/2010/main" val="834162281"/>
+      </p:ext>
+    </p:extLst>
+  </p:cSld>
+  <p:clrMapOvr>
+    <a:masterClrMapping/>
+  </p:clrMapOvr>
+</p:sld>
+</file>
+
+<file path=ppt/slides/slide68.xml><?xml version="1.0" encoding="utf-8"?>
+<p:sld xmlns:a="http://schemas.openxmlformats.org/drawingml/2006/main" xmlns:r="http://schemas.openxmlformats.org/officeDocument/2006/relationships" xmlns:p="http://schemas.openxmlformats.org/presentationml/2006/main">
+  <p:cSld>
+    <p:spTree>
+      <p:nvGrpSpPr>
+        <p:cNvPr id="1" name=""/>
+        <p:cNvGrpSpPr/>
+        <p:nvPr/>
+      </p:nvGrpSpPr>
+      <p:grpSpPr>
+        <a:xfrm>
+          <a:off x="0" y="0"/>
+          <a:ext cx="0" cy="0"/>
+          <a:chOff x="0" y="0"/>
+          <a:chExt cx="0" cy="0"/>
+        </a:xfrm>
+      </p:grpSpPr>
+      <p:sp>
+        <p:nvSpPr>
+          <p:cNvPr id="2" name="Title 1">
+            <a:extLst>
+              <a:ext uri="{FF2B5EF4-FFF2-40B4-BE49-F238E27FC236}">
+                <a16:creationId xmlns:a16="http://schemas.microsoft.com/office/drawing/2014/main" id="{8D44935D-AB46-43E8-9183-5F28C9903EC1}"/>
+              </a:ext>
+            </a:extLst>
+          </p:cNvPr>
+          <p:cNvSpPr>
+            <a:spLocks noGrp="1"/>
+          </p:cNvSpPr>
+          <p:nvPr>
+            <p:ph type="title"/>
+          </p:nvPr>
+        </p:nvSpPr>
+        <p:spPr/>
+        <p:txBody>
+          <a:bodyPr>
+            <a:normAutofit/>
+          </a:bodyPr>
+          <a:lstStyle/>
+          <a:p>
+            <a:r>
+              <a:rPr lang="en-US" sz="4000" dirty="0"/>
+              <a:t>Elementary principles of derivative pricing-Arbitrage</a:t>
+            </a:r>
+          </a:p>
+        </p:txBody>
+      </p:sp>
+      <p:pic>
+        <p:nvPicPr>
+          <p:cNvPr id="5" name="Content Placeholder 4">
+            <a:extLst>
+              <a:ext uri="{FF2B5EF4-FFF2-40B4-BE49-F238E27FC236}">
+                <a16:creationId xmlns:a16="http://schemas.microsoft.com/office/drawing/2014/main" id="{D6658CC8-7C61-4C1A-8863-CD191D84D0FE}"/>
+              </a:ext>
+            </a:extLst>
+          </p:cNvPr>
+          <p:cNvPicPr>
+            <a:picLocks noGrp="1" noChangeAspect="1"/>
+          </p:cNvPicPr>
+          <p:nvPr>
+            <p:ph idx="1"/>
+          </p:nvPr>
+        </p:nvPicPr>
+        <p:blipFill>
+          <a:blip r:embed="rId2"/>
+          <a:stretch>
+            <a:fillRect/>
+          </a:stretch>
+        </p:blipFill>
+        <p:spPr>
+          <a:xfrm>
+            <a:off x="3312319" y="2646362"/>
+            <a:ext cx="5143500" cy="3302000"/>
+          </a:xfrm>
+        </p:spPr>
+      </p:pic>
+    </p:spTree>
+    <p:extLst>
+      <p:ext uri="{BB962C8B-B14F-4D97-AF65-F5344CB8AC3E}">
+        <p14:creationId xmlns:p14="http://schemas.microsoft.com/office/powerpoint/2010/main" val="3866623829"/>
+      </p:ext>
+    </p:extLst>
+  </p:cSld>
+  <p:clrMapOvr>
+    <a:masterClrMapping/>
+  </p:clrMapOvr>
+</p:sld>
+</file>
+
+<file path=ppt/slides/slide69.xml><?xml version="1.0" encoding="utf-8"?>
+<p:sld xmlns:a="http://schemas.openxmlformats.org/drawingml/2006/main" xmlns:r="http://schemas.openxmlformats.org/officeDocument/2006/relationships" xmlns:p="http://schemas.openxmlformats.org/presentationml/2006/main">
+  <p:cSld>
+    <p:spTree>
+      <p:nvGrpSpPr>
+        <p:cNvPr id="1" name=""/>
+        <p:cNvGrpSpPr/>
+        <p:nvPr/>
+      </p:nvGrpSpPr>
+      <p:grpSpPr>
+        <a:xfrm>
+          <a:off x="0" y="0"/>
+          <a:ext cx="0" cy="0"/>
+          <a:chOff x="0" y="0"/>
+          <a:chExt cx="0" cy="0"/>
+        </a:xfrm>
+      </p:grpSpPr>
+      <p:sp>
+        <p:nvSpPr>
+          <p:cNvPr id="2" name="Title 1">
+            <a:extLst>
+              <a:ext uri="{FF2B5EF4-FFF2-40B4-BE49-F238E27FC236}">
+                <a16:creationId xmlns:a16="http://schemas.microsoft.com/office/drawing/2014/main" id="{35F38695-B7CE-4D6E-A785-C1D727736631}"/>
+              </a:ext>
+            </a:extLst>
+          </p:cNvPr>
+          <p:cNvSpPr>
+            <a:spLocks noGrp="1"/>
+          </p:cNvSpPr>
+          <p:nvPr>
+            <p:ph type="title"/>
+          </p:nvPr>
+        </p:nvSpPr>
+        <p:spPr/>
+        <p:txBody>
+          <a:bodyPr>
+            <a:normAutofit/>
+          </a:bodyPr>
+          <a:lstStyle/>
+          <a:p>
+            <a:r>
+              <a:rPr lang="en-US" sz="4000" dirty="0"/>
+              <a:t>Practices</a:t>
+            </a:r>
+          </a:p>
+        </p:txBody>
+      </p:sp>
+      <p:sp>
+        <p:nvSpPr>
+          <p:cNvPr id="3" name="Content Placeholder 2">
+            <a:extLst>
+              <a:ext uri="{FF2B5EF4-FFF2-40B4-BE49-F238E27FC236}">
+                <a16:creationId xmlns:a16="http://schemas.microsoft.com/office/drawing/2014/main" id="{BF809369-364C-494D-A422-54CB9C9C3E54}"/>
+              </a:ext>
+            </a:extLst>
+          </p:cNvPr>
+          <p:cNvSpPr>
+            <a:spLocks noGrp="1"/>
+          </p:cNvSpPr>
+          <p:nvPr>
+            <p:ph idx="1"/>
+          </p:nvPr>
+        </p:nvSpPr>
+        <p:spPr/>
+        <p:txBody>
+          <a:bodyPr>
+            <a:normAutofit/>
+          </a:bodyPr>
+          <a:lstStyle/>
+          <a:p>
+            <a:r>
+              <a:rPr lang="en-US" dirty="0"/>
+              <a:t>1 Which of the following is a result of arbitrage?</a:t>
+            </a:r>
+          </a:p>
+          <a:p>
+            <a:pPr lvl="1"/>
+            <a:r>
+              <a:rPr lang="en-US" dirty="0"/>
+              <a:t>A The law of one price</a:t>
+            </a:r>
+          </a:p>
+          <a:p>
+            <a:pPr lvl="1"/>
+            <a:r>
+              <a:rPr lang="en-US" dirty="0"/>
+              <a:t>B The law of similar prices</a:t>
+            </a:r>
+          </a:p>
+          <a:p>
+            <a:pPr lvl="1"/>
+            <a:r>
+              <a:rPr lang="en-US" dirty="0"/>
+              <a:t>C The law of limited profitability</a:t>
+            </a:r>
+          </a:p>
+          <a:p>
+            <a:r>
+              <a:rPr lang="en-US" dirty="0"/>
+              <a:t>2 When an arbitrage opportunity exists, what happens in the market?</a:t>
+            </a:r>
+          </a:p>
+          <a:p>
+            <a:pPr lvl="1"/>
+            <a:r>
+              <a:rPr lang="en-US" dirty="0"/>
+              <a:t>A The combined actions of all arbitrageurs force the prices to converge.</a:t>
+            </a:r>
+          </a:p>
+          <a:p>
+            <a:pPr lvl="1"/>
+            <a:r>
+              <a:rPr lang="en-US" dirty="0"/>
+              <a:t>B The combined actions of arbitrageurs result in a locked- limit situation.</a:t>
+            </a:r>
+          </a:p>
+          <a:p>
+            <a:pPr lvl="1"/>
+            <a:r>
+              <a:rPr lang="en-US" dirty="0"/>
+              <a:t>C The combined actions of all arbitrageurs result in sustained profits to all.</a:t>
+            </a:r>
+          </a:p>
+        </p:txBody>
+      </p:sp>
+    </p:spTree>
+    <p:extLst>
+      <p:ext uri="{BB962C8B-B14F-4D97-AF65-F5344CB8AC3E}">
+        <p14:creationId xmlns:p14="http://schemas.microsoft.com/office/powerpoint/2010/main" val="3312634249"/>
       </p:ext>
     </p:extLst>
   </p:cSld>
@@ -53805,233 +54560,6 @@
 </file>
 
 <file path=ppt/slides/slide70.xml><?xml version="1.0" encoding="utf-8"?>
-<p:sld xmlns:a="http://schemas.openxmlformats.org/drawingml/2006/main" xmlns:r="http://schemas.openxmlformats.org/officeDocument/2006/relationships" xmlns:p="http://schemas.openxmlformats.org/presentationml/2006/main">
-  <p:cSld>
-    <p:spTree>
-      <p:nvGrpSpPr>
-        <p:cNvPr id="1" name=""/>
-        <p:cNvGrpSpPr/>
-        <p:nvPr/>
-      </p:nvGrpSpPr>
-      <p:grpSpPr>
-        <a:xfrm>
-          <a:off x="0" y="0"/>
-          <a:ext cx="0" cy="0"/>
-          <a:chOff x="0" y="0"/>
-          <a:chExt cx="0" cy="0"/>
-        </a:xfrm>
-      </p:grpSpPr>
-      <p:sp>
-        <p:nvSpPr>
-          <p:cNvPr id="2" name="Title 1">
-            <a:extLst>
-              <a:ext uri="{FF2B5EF4-FFF2-40B4-BE49-F238E27FC236}">
-                <a16:creationId xmlns:a16="http://schemas.microsoft.com/office/drawing/2014/main" id="{8D44935D-AB46-43E8-9183-5F28C9903EC1}"/>
-              </a:ext>
-            </a:extLst>
-          </p:cNvPr>
-          <p:cNvSpPr>
-            <a:spLocks noGrp="1"/>
-          </p:cNvSpPr>
-          <p:nvPr>
-            <p:ph type="title"/>
-          </p:nvPr>
-        </p:nvSpPr>
-        <p:spPr/>
-        <p:txBody>
-          <a:bodyPr>
-            <a:normAutofit/>
-          </a:bodyPr>
-          <a:lstStyle/>
-          <a:p>
-            <a:r>
-              <a:rPr lang="en-US" sz="4000" dirty="0"/>
-              <a:t>Elementary principles of derivative pricing-Arbitrage</a:t>
-            </a:r>
-          </a:p>
-        </p:txBody>
-      </p:sp>
-      <p:pic>
-        <p:nvPicPr>
-          <p:cNvPr id="5" name="Content Placeholder 4">
-            <a:extLst>
-              <a:ext uri="{FF2B5EF4-FFF2-40B4-BE49-F238E27FC236}">
-                <a16:creationId xmlns:a16="http://schemas.microsoft.com/office/drawing/2014/main" id="{D6658CC8-7C61-4C1A-8863-CD191D84D0FE}"/>
-              </a:ext>
-            </a:extLst>
-          </p:cNvPr>
-          <p:cNvPicPr>
-            <a:picLocks noGrp="1" noChangeAspect="1"/>
-          </p:cNvPicPr>
-          <p:nvPr>
-            <p:ph idx="1"/>
-          </p:nvPr>
-        </p:nvPicPr>
-        <p:blipFill>
-          <a:blip r:embed="rId2"/>
-          <a:stretch>
-            <a:fillRect/>
-          </a:stretch>
-        </p:blipFill>
-        <p:spPr>
-          <a:xfrm>
-            <a:off x="3312319" y="2646362"/>
-            <a:ext cx="5143500" cy="3302000"/>
-          </a:xfrm>
-        </p:spPr>
-      </p:pic>
-    </p:spTree>
-    <p:extLst>
-      <p:ext uri="{BB962C8B-B14F-4D97-AF65-F5344CB8AC3E}">
-        <p14:creationId xmlns:p14="http://schemas.microsoft.com/office/powerpoint/2010/main" val="3866623829"/>
-      </p:ext>
-    </p:extLst>
-  </p:cSld>
-  <p:clrMapOvr>
-    <a:masterClrMapping/>
-  </p:clrMapOvr>
-</p:sld>
-</file>
-
-<file path=ppt/slides/slide71.xml><?xml version="1.0" encoding="utf-8"?>
-<p:sld xmlns:a="http://schemas.openxmlformats.org/drawingml/2006/main" xmlns:r="http://schemas.openxmlformats.org/officeDocument/2006/relationships" xmlns:p="http://schemas.openxmlformats.org/presentationml/2006/main">
-  <p:cSld>
-    <p:spTree>
-      <p:nvGrpSpPr>
-        <p:cNvPr id="1" name=""/>
-        <p:cNvGrpSpPr/>
-        <p:nvPr/>
-      </p:nvGrpSpPr>
-      <p:grpSpPr>
-        <a:xfrm>
-          <a:off x="0" y="0"/>
-          <a:ext cx="0" cy="0"/>
-          <a:chOff x="0" y="0"/>
-          <a:chExt cx="0" cy="0"/>
-        </a:xfrm>
-      </p:grpSpPr>
-      <p:sp>
-        <p:nvSpPr>
-          <p:cNvPr id="2" name="Title 1">
-            <a:extLst>
-              <a:ext uri="{FF2B5EF4-FFF2-40B4-BE49-F238E27FC236}">
-                <a16:creationId xmlns:a16="http://schemas.microsoft.com/office/drawing/2014/main" id="{35F38695-B7CE-4D6E-A785-C1D727736631}"/>
-              </a:ext>
-            </a:extLst>
-          </p:cNvPr>
-          <p:cNvSpPr>
-            <a:spLocks noGrp="1"/>
-          </p:cNvSpPr>
-          <p:nvPr>
-            <p:ph type="title"/>
-          </p:nvPr>
-        </p:nvSpPr>
-        <p:spPr/>
-        <p:txBody>
-          <a:bodyPr>
-            <a:normAutofit/>
-          </a:bodyPr>
-          <a:lstStyle/>
-          <a:p>
-            <a:r>
-              <a:rPr lang="en-US" sz="4000" dirty="0"/>
-              <a:t>Practices</a:t>
-            </a:r>
-          </a:p>
-        </p:txBody>
-      </p:sp>
-      <p:sp>
-        <p:nvSpPr>
-          <p:cNvPr id="3" name="Content Placeholder 2">
-            <a:extLst>
-              <a:ext uri="{FF2B5EF4-FFF2-40B4-BE49-F238E27FC236}">
-                <a16:creationId xmlns:a16="http://schemas.microsoft.com/office/drawing/2014/main" id="{BF809369-364C-494D-A422-54CB9C9C3E54}"/>
-              </a:ext>
-            </a:extLst>
-          </p:cNvPr>
-          <p:cNvSpPr>
-            <a:spLocks noGrp="1"/>
-          </p:cNvSpPr>
-          <p:nvPr>
-            <p:ph idx="1"/>
-          </p:nvPr>
-        </p:nvSpPr>
-        <p:spPr/>
-        <p:txBody>
-          <a:bodyPr>
-            <a:normAutofit/>
-          </a:bodyPr>
-          <a:lstStyle/>
-          <a:p>
-            <a:r>
-              <a:rPr lang="en-US" dirty="0"/>
-              <a:t>1 Which of the following is a result of arbitrage?</a:t>
-            </a:r>
-          </a:p>
-          <a:p>
-            <a:pPr lvl="1"/>
-            <a:r>
-              <a:rPr lang="en-US" dirty="0"/>
-              <a:t>A The law of one price</a:t>
-            </a:r>
-          </a:p>
-          <a:p>
-            <a:pPr lvl="1"/>
-            <a:r>
-              <a:rPr lang="en-US" dirty="0"/>
-              <a:t>B The law of similar prices</a:t>
-            </a:r>
-          </a:p>
-          <a:p>
-            <a:pPr lvl="1"/>
-            <a:r>
-              <a:rPr lang="en-US" dirty="0"/>
-              <a:t>C The law of limited profitability</a:t>
-            </a:r>
-          </a:p>
-          <a:p>
-            <a:r>
-              <a:rPr lang="en-US" dirty="0"/>
-              <a:t>2 When an arbitrage opportunity exists, what happens in the market?</a:t>
-            </a:r>
-          </a:p>
-          <a:p>
-            <a:pPr lvl="1"/>
-            <a:r>
-              <a:rPr lang="en-US" dirty="0"/>
-              <a:t>A The combined actions of all arbitrageurs force the prices to converge.</a:t>
-            </a:r>
-          </a:p>
-          <a:p>
-            <a:pPr lvl="1"/>
-            <a:r>
-              <a:rPr lang="en-US" dirty="0"/>
-              <a:t>B The combined actions of arbitrageurs result in a locked- limit situation.</a:t>
-            </a:r>
-          </a:p>
-          <a:p>
-            <a:pPr lvl="1"/>
-            <a:r>
-              <a:rPr lang="en-US" dirty="0"/>
-              <a:t>C The combined actions of all arbitrageurs result in sustained profits to all.</a:t>
-            </a:r>
-          </a:p>
-        </p:txBody>
-      </p:sp>
-    </p:spTree>
-    <p:extLst>
-      <p:ext uri="{BB962C8B-B14F-4D97-AF65-F5344CB8AC3E}">
-        <p14:creationId xmlns:p14="http://schemas.microsoft.com/office/powerpoint/2010/main" val="3312634249"/>
-      </p:ext>
-    </p:extLst>
-  </p:cSld>
-  <p:clrMapOvr>
-    <a:masterClrMapping/>
-  </p:clrMapOvr>
-</p:sld>
-</file>
-
-<file path=ppt/slides/slide72.xml><?xml version="1.0" encoding="utf-8"?>
 <p:sld xmlns:a="http://schemas.openxmlformats.org/drawingml/2006/main" xmlns:r="http://schemas.openxmlformats.org/officeDocument/2006/relationships" xmlns:p="http://schemas.openxmlformats.org/presentationml/2006/main">
   <p:cSld>
     <p:spTree>

--- a/Derivatives.pptx
+++ b/Derivatives.pptx
@@ -5571,6 +5571,753 @@
     <dgm:fillClrLst meth="repeat">
       <a:schemeClr val="accent2">
         <a:tint val="40000"/>
+      </a:schemeClr>
+    </dgm:fillClrLst>
+    <dgm:linClrLst meth="repeat">
+      <a:schemeClr val="lt1"/>
+    </dgm:linClrLst>
+    <dgm:effectClrLst/>
+    <dgm:txLinClrLst/>
+    <dgm:txFillClrLst meth="repeat">
+      <a:schemeClr val="dk1"/>
+    </dgm:txFillClrLst>
+    <dgm:txEffectClrLst/>
+  </dgm:styleLbl>
+  <dgm:styleLbl name="revTx">
+    <dgm:fillClrLst meth="repeat">
+      <a:schemeClr val="lt1">
+        <a:alpha val="0"/>
+      </a:schemeClr>
+    </dgm:fillClrLst>
+    <dgm:linClrLst meth="repeat">
+      <a:schemeClr val="dk1">
+        <a:alpha val="0"/>
+      </a:schemeClr>
+    </dgm:linClrLst>
+    <dgm:effectClrLst/>
+    <dgm:txLinClrLst/>
+    <dgm:txFillClrLst meth="repeat">
+      <a:schemeClr val="tx1"/>
+    </dgm:txFillClrLst>
+    <dgm:txEffectClrLst/>
+  </dgm:styleLbl>
+</dgm:colorsDef>
+</file>
+
+<file path=ppt/diagrams/colors8.xml><?xml version="1.0" encoding="utf-8"?>
+<dgm:colorsDef xmlns:dgm="http://schemas.openxmlformats.org/drawingml/2006/diagram" xmlns:a="http://schemas.openxmlformats.org/drawingml/2006/main" uniqueId="urn:microsoft.com/office/officeart/2005/8/colors/accent1_2">
+  <dgm:title val=""/>
+  <dgm:desc val=""/>
+  <dgm:catLst>
+    <dgm:cat type="accent1" pri="11200"/>
+  </dgm:catLst>
+  <dgm:styleLbl name="node0">
+    <dgm:fillClrLst meth="repeat">
+      <a:schemeClr val="accent1"/>
+    </dgm:fillClrLst>
+    <dgm:linClrLst meth="repeat">
+      <a:schemeClr val="lt1"/>
+    </dgm:linClrLst>
+    <dgm:effectClrLst/>
+    <dgm:txLinClrLst/>
+    <dgm:txFillClrLst/>
+    <dgm:txEffectClrLst/>
+  </dgm:styleLbl>
+  <dgm:styleLbl name="alignNode1">
+    <dgm:fillClrLst meth="repeat">
+      <a:schemeClr val="accent1"/>
+    </dgm:fillClrLst>
+    <dgm:linClrLst meth="repeat">
+      <a:schemeClr val="accent1"/>
+    </dgm:linClrLst>
+    <dgm:effectClrLst/>
+    <dgm:txLinClrLst/>
+    <dgm:txFillClrLst/>
+    <dgm:txEffectClrLst/>
+  </dgm:styleLbl>
+  <dgm:styleLbl name="node1">
+    <dgm:fillClrLst meth="repeat">
+      <a:schemeClr val="accent1"/>
+    </dgm:fillClrLst>
+    <dgm:linClrLst meth="repeat">
+      <a:schemeClr val="lt1"/>
+    </dgm:linClrLst>
+    <dgm:effectClrLst/>
+    <dgm:txLinClrLst/>
+    <dgm:txFillClrLst/>
+    <dgm:txEffectClrLst/>
+  </dgm:styleLbl>
+  <dgm:styleLbl name="lnNode1">
+    <dgm:fillClrLst meth="repeat">
+      <a:schemeClr val="accent1"/>
+    </dgm:fillClrLst>
+    <dgm:linClrLst meth="repeat">
+      <a:schemeClr val="lt1"/>
+    </dgm:linClrLst>
+    <dgm:effectClrLst/>
+    <dgm:txLinClrLst/>
+    <dgm:txFillClrLst/>
+    <dgm:txEffectClrLst/>
+  </dgm:styleLbl>
+  <dgm:styleLbl name="vennNode1">
+    <dgm:fillClrLst meth="repeat">
+      <a:schemeClr val="accent1">
+        <a:alpha val="50000"/>
+      </a:schemeClr>
+    </dgm:fillClrLst>
+    <dgm:linClrLst meth="repeat">
+      <a:schemeClr val="lt1"/>
+    </dgm:linClrLst>
+    <dgm:effectClrLst/>
+    <dgm:txLinClrLst/>
+    <dgm:txFillClrLst/>
+    <dgm:txEffectClrLst/>
+  </dgm:styleLbl>
+  <dgm:styleLbl name="node2">
+    <dgm:fillClrLst meth="repeat">
+      <a:schemeClr val="accent1"/>
+    </dgm:fillClrLst>
+    <dgm:linClrLst meth="repeat">
+      <a:schemeClr val="lt1"/>
+    </dgm:linClrLst>
+    <dgm:effectClrLst/>
+    <dgm:txLinClrLst/>
+    <dgm:txFillClrLst/>
+    <dgm:txEffectClrLst/>
+  </dgm:styleLbl>
+  <dgm:styleLbl name="node3">
+    <dgm:fillClrLst meth="repeat">
+      <a:schemeClr val="accent1"/>
+    </dgm:fillClrLst>
+    <dgm:linClrLst meth="repeat">
+      <a:schemeClr val="lt1"/>
+    </dgm:linClrLst>
+    <dgm:effectClrLst/>
+    <dgm:txLinClrLst/>
+    <dgm:txFillClrLst/>
+    <dgm:txEffectClrLst/>
+  </dgm:styleLbl>
+  <dgm:styleLbl name="node4">
+    <dgm:fillClrLst meth="repeat">
+      <a:schemeClr val="accent1"/>
+    </dgm:fillClrLst>
+    <dgm:linClrLst meth="repeat">
+      <a:schemeClr val="lt1"/>
+    </dgm:linClrLst>
+    <dgm:effectClrLst/>
+    <dgm:txLinClrLst/>
+    <dgm:txFillClrLst/>
+    <dgm:txEffectClrLst/>
+  </dgm:styleLbl>
+  <dgm:styleLbl name="fgImgPlace1">
+    <dgm:fillClrLst meth="repeat">
+      <a:schemeClr val="accent1">
+        <a:tint val="50000"/>
+      </a:schemeClr>
+    </dgm:fillClrLst>
+    <dgm:linClrLst meth="repeat">
+      <a:schemeClr val="lt1"/>
+    </dgm:linClrLst>
+    <dgm:effectClrLst/>
+    <dgm:txLinClrLst/>
+    <dgm:txFillClrLst meth="repeat">
+      <a:schemeClr val="lt1"/>
+    </dgm:txFillClrLst>
+    <dgm:txEffectClrLst/>
+  </dgm:styleLbl>
+  <dgm:styleLbl name="alignImgPlace1">
+    <dgm:fillClrLst meth="repeat">
+      <a:schemeClr val="accent1">
+        <a:tint val="50000"/>
+      </a:schemeClr>
+    </dgm:fillClrLst>
+    <dgm:linClrLst meth="repeat">
+      <a:schemeClr val="lt1"/>
+    </dgm:linClrLst>
+    <dgm:effectClrLst/>
+    <dgm:txLinClrLst/>
+    <dgm:txFillClrLst meth="repeat">
+      <a:schemeClr val="lt1"/>
+    </dgm:txFillClrLst>
+    <dgm:txEffectClrLst/>
+  </dgm:styleLbl>
+  <dgm:styleLbl name="bgImgPlace1">
+    <dgm:fillClrLst meth="repeat">
+      <a:schemeClr val="accent1">
+        <a:tint val="50000"/>
+      </a:schemeClr>
+    </dgm:fillClrLst>
+    <dgm:linClrLst meth="repeat">
+      <a:schemeClr val="lt1"/>
+    </dgm:linClrLst>
+    <dgm:effectClrLst/>
+    <dgm:txLinClrLst/>
+    <dgm:txFillClrLst meth="repeat">
+      <a:schemeClr val="lt1"/>
+    </dgm:txFillClrLst>
+    <dgm:txEffectClrLst/>
+  </dgm:styleLbl>
+  <dgm:styleLbl name="sibTrans2D1">
+    <dgm:fillClrLst meth="repeat">
+      <a:schemeClr val="accent1">
+        <a:tint val="60000"/>
+      </a:schemeClr>
+    </dgm:fillClrLst>
+    <dgm:linClrLst meth="repeat">
+      <a:schemeClr val="accent1">
+        <a:tint val="60000"/>
+      </a:schemeClr>
+    </dgm:linClrLst>
+    <dgm:effectClrLst/>
+    <dgm:txLinClrLst/>
+    <dgm:txFillClrLst/>
+    <dgm:txEffectClrLst/>
+  </dgm:styleLbl>
+  <dgm:styleLbl name="fgSibTrans2D1">
+    <dgm:fillClrLst meth="repeat">
+      <a:schemeClr val="accent1">
+        <a:tint val="60000"/>
+      </a:schemeClr>
+    </dgm:fillClrLst>
+    <dgm:linClrLst meth="repeat">
+      <a:schemeClr val="accent1">
+        <a:tint val="60000"/>
+      </a:schemeClr>
+    </dgm:linClrLst>
+    <dgm:effectClrLst/>
+    <dgm:txLinClrLst/>
+    <dgm:txFillClrLst/>
+    <dgm:txEffectClrLst/>
+  </dgm:styleLbl>
+  <dgm:styleLbl name="bgSibTrans2D1">
+    <dgm:fillClrLst meth="repeat">
+      <a:schemeClr val="accent1">
+        <a:tint val="60000"/>
+      </a:schemeClr>
+    </dgm:fillClrLst>
+    <dgm:linClrLst meth="repeat">
+      <a:schemeClr val="accent1">
+        <a:tint val="60000"/>
+      </a:schemeClr>
+    </dgm:linClrLst>
+    <dgm:effectClrLst/>
+    <dgm:txLinClrLst/>
+    <dgm:txFillClrLst/>
+    <dgm:txEffectClrLst/>
+  </dgm:styleLbl>
+  <dgm:styleLbl name="sibTrans1D1">
+    <dgm:fillClrLst meth="repeat">
+      <a:schemeClr val="accent1"/>
+    </dgm:fillClrLst>
+    <dgm:linClrLst meth="repeat">
+      <a:schemeClr val="accent1"/>
+    </dgm:linClrLst>
+    <dgm:effectClrLst/>
+    <dgm:txLinClrLst/>
+    <dgm:txFillClrLst meth="repeat">
+      <a:schemeClr val="tx1"/>
+    </dgm:txFillClrLst>
+    <dgm:txEffectClrLst/>
+  </dgm:styleLbl>
+  <dgm:styleLbl name="callout">
+    <dgm:fillClrLst meth="repeat">
+      <a:schemeClr val="accent1"/>
+    </dgm:fillClrLst>
+    <dgm:linClrLst meth="repeat">
+      <a:schemeClr val="accent1">
+        <a:tint val="50000"/>
+      </a:schemeClr>
+    </dgm:linClrLst>
+    <dgm:effectClrLst/>
+    <dgm:txLinClrLst/>
+    <dgm:txFillClrLst meth="repeat">
+      <a:schemeClr val="tx1"/>
+    </dgm:txFillClrLst>
+    <dgm:txEffectClrLst/>
+  </dgm:styleLbl>
+  <dgm:styleLbl name="asst0">
+    <dgm:fillClrLst meth="repeat">
+      <a:schemeClr val="accent1"/>
+    </dgm:fillClrLst>
+    <dgm:linClrLst meth="repeat">
+      <a:schemeClr val="lt1"/>
+    </dgm:linClrLst>
+    <dgm:effectClrLst/>
+    <dgm:txLinClrLst/>
+    <dgm:txFillClrLst/>
+    <dgm:txEffectClrLst/>
+  </dgm:styleLbl>
+  <dgm:styleLbl name="asst1">
+    <dgm:fillClrLst meth="repeat">
+      <a:schemeClr val="accent1"/>
+    </dgm:fillClrLst>
+    <dgm:linClrLst meth="repeat">
+      <a:schemeClr val="lt1"/>
+    </dgm:linClrLst>
+    <dgm:effectClrLst/>
+    <dgm:txLinClrLst/>
+    <dgm:txFillClrLst/>
+    <dgm:txEffectClrLst/>
+  </dgm:styleLbl>
+  <dgm:styleLbl name="asst2">
+    <dgm:fillClrLst meth="repeat">
+      <a:schemeClr val="accent1"/>
+    </dgm:fillClrLst>
+    <dgm:linClrLst meth="repeat">
+      <a:schemeClr val="lt1"/>
+    </dgm:linClrLst>
+    <dgm:effectClrLst/>
+    <dgm:txLinClrLst/>
+    <dgm:txFillClrLst/>
+    <dgm:txEffectClrLst/>
+  </dgm:styleLbl>
+  <dgm:styleLbl name="asst3">
+    <dgm:fillClrLst meth="repeat">
+      <a:schemeClr val="accent1"/>
+    </dgm:fillClrLst>
+    <dgm:linClrLst meth="repeat">
+      <a:schemeClr val="lt1"/>
+    </dgm:linClrLst>
+    <dgm:effectClrLst/>
+    <dgm:txLinClrLst/>
+    <dgm:txFillClrLst/>
+    <dgm:txEffectClrLst/>
+  </dgm:styleLbl>
+  <dgm:styleLbl name="asst4">
+    <dgm:fillClrLst meth="repeat">
+      <a:schemeClr val="accent1"/>
+    </dgm:fillClrLst>
+    <dgm:linClrLst meth="repeat">
+      <a:schemeClr val="lt1"/>
+    </dgm:linClrLst>
+    <dgm:effectClrLst/>
+    <dgm:txLinClrLst/>
+    <dgm:txFillClrLst/>
+    <dgm:txEffectClrLst/>
+  </dgm:styleLbl>
+  <dgm:styleLbl name="parChTrans2D1">
+    <dgm:fillClrLst meth="repeat">
+      <a:schemeClr val="accent1">
+        <a:tint val="60000"/>
+      </a:schemeClr>
+    </dgm:fillClrLst>
+    <dgm:linClrLst meth="repeat">
+      <a:schemeClr val="accent1">
+        <a:tint val="60000"/>
+      </a:schemeClr>
+    </dgm:linClrLst>
+    <dgm:effectClrLst/>
+    <dgm:txLinClrLst/>
+    <dgm:txFillClrLst meth="repeat">
+      <a:schemeClr val="lt1"/>
+    </dgm:txFillClrLst>
+    <dgm:txEffectClrLst/>
+  </dgm:styleLbl>
+  <dgm:styleLbl name="parChTrans2D2">
+    <dgm:fillClrLst meth="repeat">
+      <a:schemeClr val="accent1"/>
+    </dgm:fillClrLst>
+    <dgm:linClrLst meth="repeat">
+      <a:schemeClr val="accent1"/>
+    </dgm:linClrLst>
+    <dgm:effectClrLst/>
+    <dgm:txLinClrLst/>
+    <dgm:txFillClrLst meth="repeat">
+      <a:schemeClr val="lt1"/>
+    </dgm:txFillClrLst>
+    <dgm:txEffectClrLst/>
+  </dgm:styleLbl>
+  <dgm:styleLbl name="parChTrans2D3">
+    <dgm:fillClrLst meth="repeat">
+      <a:schemeClr val="accent1"/>
+    </dgm:fillClrLst>
+    <dgm:linClrLst meth="repeat">
+      <a:schemeClr val="accent1"/>
+    </dgm:linClrLst>
+    <dgm:effectClrLst/>
+    <dgm:txLinClrLst/>
+    <dgm:txFillClrLst meth="repeat">
+      <a:schemeClr val="lt1"/>
+    </dgm:txFillClrLst>
+    <dgm:txEffectClrLst/>
+  </dgm:styleLbl>
+  <dgm:styleLbl name="parChTrans2D4">
+    <dgm:fillClrLst meth="repeat">
+      <a:schemeClr val="accent1"/>
+    </dgm:fillClrLst>
+    <dgm:linClrLst meth="repeat">
+      <a:schemeClr val="accent1"/>
+    </dgm:linClrLst>
+    <dgm:effectClrLst/>
+    <dgm:txLinClrLst/>
+    <dgm:txFillClrLst meth="repeat">
+      <a:schemeClr val="lt1"/>
+    </dgm:txFillClrLst>
+    <dgm:txEffectClrLst/>
+  </dgm:styleLbl>
+  <dgm:styleLbl name="parChTrans1D1">
+    <dgm:fillClrLst meth="repeat">
+      <a:schemeClr val="accent1"/>
+    </dgm:fillClrLst>
+    <dgm:linClrLst meth="repeat">
+      <a:schemeClr val="accent1">
+        <a:shade val="60000"/>
+      </a:schemeClr>
+    </dgm:linClrLst>
+    <dgm:effectClrLst/>
+    <dgm:txLinClrLst/>
+    <dgm:txFillClrLst meth="repeat">
+      <a:schemeClr val="tx1"/>
+    </dgm:txFillClrLst>
+    <dgm:txEffectClrLst/>
+  </dgm:styleLbl>
+  <dgm:styleLbl name="parChTrans1D2">
+    <dgm:fillClrLst meth="repeat">
+      <a:schemeClr val="accent1"/>
+    </dgm:fillClrLst>
+    <dgm:linClrLst meth="repeat">
+      <a:schemeClr val="accent1">
+        <a:shade val="60000"/>
+      </a:schemeClr>
+    </dgm:linClrLst>
+    <dgm:effectClrLst/>
+    <dgm:txLinClrLst/>
+    <dgm:txFillClrLst meth="repeat">
+      <a:schemeClr val="tx1"/>
+    </dgm:txFillClrLst>
+    <dgm:txEffectClrLst/>
+  </dgm:styleLbl>
+  <dgm:styleLbl name="parChTrans1D3">
+    <dgm:fillClrLst meth="repeat">
+      <a:schemeClr val="accent1"/>
+    </dgm:fillClrLst>
+    <dgm:linClrLst meth="repeat">
+      <a:schemeClr val="accent1">
+        <a:shade val="80000"/>
+      </a:schemeClr>
+    </dgm:linClrLst>
+    <dgm:effectClrLst/>
+    <dgm:txLinClrLst/>
+    <dgm:txFillClrLst meth="repeat">
+      <a:schemeClr val="tx1"/>
+    </dgm:txFillClrLst>
+    <dgm:txEffectClrLst/>
+  </dgm:styleLbl>
+  <dgm:styleLbl name="parChTrans1D4">
+    <dgm:fillClrLst meth="repeat">
+      <a:schemeClr val="accent1"/>
+    </dgm:fillClrLst>
+    <dgm:linClrLst meth="repeat">
+      <a:schemeClr val="accent1">
+        <a:shade val="80000"/>
+      </a:schemeClr>
+    </dgm:linClrLst>
+    <dgm:effectClrLst/>
+    <dgm:txLinClrLst/>
+    <dgm:txFillClrLst meth="repeat">
+      <a:schemeClr val="tx1"/>
+    </dgm:txFillClrLst>
+    <dgm:txEffectClrLst/>
+  </dgm:styleLbl>
+  <dgm:styleLbl name="fgAcc1">
+    <dgm:fillClrLst meth="repeat">
+      <a:schemeClr val="lt1">
+        <a:alpha val="90000"/>
+      </a:schemeClr>
+    </dgm:fillClrLst>
+    <dgm:linClrLst meth="repeat">
+      <a:schemeClr val="accent1"/>
+    </dgm:linClrLst>
+    <dgm:effectClrLst/>
+    <dgm:txLinClrLst/>
+    <dgm:txFillClrLst meth="repeat">
+      <a:schemeClr val="dk1"/>
+    </dgm:txFillClrLst>
+    <dgm:txEffectClrLst/>
+  </dgm:styleLbl>
+  <dgm:styleLbl name="conFgAcc1">
+    <dgm:fillClrLst meth="repeat">
+      <a:schemeClr val="lt1">
+        <a:alpha val="90000"/>
+      </a:schemeClr>
+    </dgm:fillClrLst>
+    <dgm:linClrLst meth="repeat">
+      <a:schemeClr val="accent1"/>
+    </dgm:linClrLst>
+    <dgm:effectClrLst/>
+    <dgm:txLinClrLst/>
+    <dgm:txFillClrLst meth="repeat">
+      <a:schemeClr val="dk1"/>
+    </dgm:txFillClrLst>
+    <dgm:txEffectClrLst/>
+  </dgm:styleLbl>
+  <dgm:styleLbl name="alignAcc1">
+    <dgm:fillClrLst meth="repeat">
+      <a:schemeClr val="lt1">
+        <a:alpha val="90000"/>
+      </a:schemeClr>
+    </dgm:fillClrLst>
+    <dgm:linClrLst meth="repeat">
+      <a:schemeClr val="accent1"/>
+    </dgm:linClrLst>
+    <dgm:effectClrLst/>
+    <dgm:txLinClrLst/>
+    <dgm:txFillClrLst meth="repeat">
+      <a:schemeClr val="dk1"/>
+    </dgm:txFillClrLst>
+    <dgm:txEffectClrLst/>
+  </dgm:styleLbl>
+  <dgm:styleLbl name="trAlignAcc1">
+    <dgm:fillClrLst meth="repeat">
+      <a:schemeClr val="lt1">
+        <a:alpha val="40000"/>
+      </a:schemeClr>
+    </dgm:fillClrLst>
+    <dgm:linClrLst meth="repeat">
+      <a:schemeClr val="accent1"/>
+    </dgm:linClrLst>
+    <dgm:effectClrLst/>
+    <dgm:txLinClrLst/>
+    <dgm:txFillClrLst meth="repeat">
+      <a:schemeClr val="dk1"/>
+    </dgm:txFillClrLst>
+    <dgm:txEffectClrLst/>
+  </dgm:styleLbl>
+  <dgm:styleLbl name="bgAcc1">
+    <dgm:fillClrLst meth="repeat">
+      <a:schemeClr val="lt1">
+        <a:alpha val="90000"/>
+      </a:schemeClr>
+    </dgm:fillClrLst>
+    <dgm:linClrLst meth="repeat">
+      <a:schemeClr val="accent1"/>
+    </dgm:linClrLst>
+    <dgm:effectClrLst/>
+    <dgm:txLinClrLst/>
+    <dgm:txFillClrLst meth="repeat">
+      <a:schemeClr val="dk1"/>
+    </dgm:txFillClrLst>
+    <dgm:txEffectClrLst/>
+  </dgm:styleLbl>
+  <dgm:styleLbl name="solidFgAcc1">
+    <dgm:fillClrLst meth="repeat">
+      <a:schemeClr val="lt1"/>
+    </dgm:fillClrLst>
+    <dgm:linClrLst meth="repeat">
+      <a:schemeClr val="accent1"/>
+    </dgm:linClrLst>
+    <dgm:effectClrLst/>
+    <dgm:txLinClrLst/>
+    <dgm:txFillClrLst meth="repeat">
+      <a:schemeClr val="dk1"/>
+    </dgm:txFillClrLst>
+    <dgm:txEffectClrLst/>
+  </dgm:styleLbl>
+  <dgm:styleLbl name="solidAlignAcc1">
+    <dgm:fillClrLst meth="repeat">
+      <a:schemeClr val="lt1"/>
+    </dgm:fillClrLst>
+    <dgm:linClrLst meth="repeat">
+      <a:schemeClr val="accent1"/>
+    </dgm:linClrLst>
+    <dgm:effectClrLst/>
+    <dgm:txLinClrLst/>
+    <dgm:txFillClrLst meth="repeat">
+      <a:schemeClr val="dk1"/>
+    </dgm:txFillClrLst>
+    <dgm:txEffectClrLst/>
+  </dgm:styleLbl>
+  <dgm:styleLbl name="solidBgAcc1">
+    <dgm:fillClrLst meth="repeat">
+      <a:schemeClr val="lt1"/>
+    </dgm:fillClrLst>
+    <dgm:linClrLst meth="repeat">
+      <a:schemeClr val="accent1"/>
+    </dgm:linClrLst>
+    <dgm:effectClrLst/>
+    <dgm:txLinClrLst/>
+    <dgm:txFillClrLst meth="repeat">
+      <a:schemeClr val="dk1"/>
+    </dgm:txFillClrLst>
+    <dgm:txEffectClrLst/>
+  </dgm:styleLbl>
+  <dgm:styleLbl name="fgAccFollowNode1">
+    <dgm:fillClrLst meth="repeat">
+      <a:schemeClr val="accent1">
+        <a:alpha val="90000"/>
+        <a:tint val="40000"/>
+      </a:schemeClr>
+    </dgm:fillClrLst>
+    <dgm:linClrLst meth="repeat">
+      <a:schemeClr val="accent1">
+        <a:alpha val="90000"/>
+        <a:tint val="40000"/>
+      </a:schemeClr>
+    </dgm:linClrLst>
+    <dgm:effectClrLst/>
+    <dgm:txLinClrLst/>
+    <dgm:txFillClrLst meth="repeat">
+      <a:schemeClr val="dk1"/>
+    </dgm:txFillClrLst>
+    <dgm:txEffectClrLst/>
+  </dgm:styleLbl>
+  <dgm:styleLbl name="alignAccFollowNode1">
+    <dgm:fillClrLst meth="repeat">
+      <a:schemeClr val="accent1">
+        <a:alpha val="90000"/>
+        <a:tint val="40000"/>
+      </a:schemeClr>
+    </dgm:fillClrLst>
+    <dgm:linClrLst meth="repeat">
+      <a:schemeClr val="accent1">
+        <a:alpha val="90000"/>
+        <a:tint val="40000"/>
+      </a:schemeClr>
+    </dgm:linClrLst>
+    <dgm:effectClrLst/>
+    <dgm:txLinClrLst/>
+    <dgm:txFillClrLst meth="repeat">
+      <a:schemeClr val="dk1"/>
+    </dgm:txFillClrLst>
+    <dgm:txEffectClrLst/>
+  </dgm:styleLbl>
+  <dgm:styleLbl name="bgAccFollowNode1">
+    <dgm:fillClrLst meth="repeat">
+      <a:schemeClr val="accent1">
+        <a:alpha val="90000"/>
+        <a:tint val="40000"/>
+      </a:schemeClr>
+    </dgm:fillClrLst>
+    <dgm:linClrLst meth="repeat">
+      <a:schemeClr val="accent1">
+        <a:alpha val="90000"/>
+        <a:tint val="40000"/>
+      </a:schemeClr>
+    </dgm:linClrLst>
+    <dgm:effectClrLst/>
+    <dgm:txLinClrLst/>
+    <dgm:txFillClrLst meth="repeat">
+      <a:schemeClr val="dk1"/>
+    </dgm:txFillClrLst>
+    <dgm:txEffectClrLst/>
+  </dgm:styleLbl>
+  <dgm:styleLbl name="fgAcc0">
+    <dgm:fillClrLst meth="repeat">
+      <a:schemeClr val="lt1">
+        <a:alpha val="90000"/>
+      </a:schemeClr>
+    </dgm:fillClrLst>
+    <dgm:linClrLst meth="repeat">
+      <a:schemeClr val="accent1"/>
+    </dgm:linClrLst>
+    <dgm:effectClrLst/>
+    <dgm:txLinClrLst/>
+    <dgm:txFillClrLst meth="repeat">
+      <a:schemeClr val="dk1"/>
+    </dgm:txFillClrLst>
+    <dgm:txEffectClrLst/>
+  </dgm:styleLbl>
+  <dgm:styleLbl name="fgAcc2">
+    <dgm:fillClrLst meth="repeat">
+      <a:schemeClr val="lt1">
+        <a:alpha val="90000"/>
+      </a:schemeClr>
+    </dgm:fillClrLst>
+    <dgm:linClrLst meth="repeat">
+      <a:schemeClr val="accent1"/>
+    </dgm:linClrLst>
+    <dgm:effectClrLst/>
+    <dgm:txLinClrLst/>
+    <dgm:txFillClrLst meth="repeat">
+      <a:schemeClr val="dk1"/>
+    </dgm:txFillClrLst>
+    <dgm:txEffectClrLst/>
+  </dgm:styleLbl>
+  <dgm:styleLbl name="fgAcc3">
+    <dgm:fillClrLst meth="repeat">
+      <a:schemeClr val="lt1">
+        <a:alpha val="90000"/>
+      </a:schemeClr>
+    </dgm:fillClrLst>
+    <dgm:linClrLst meth="repeat">
+      <a:schemeClr val="accent1"/>
+    </dgm:linClrLst>
+    <dgm:effectClrLst/>
+    <dgm:txLinClrLst/>
+    <dgm:txFillClrLst meth="repeat">
+      <a:schemeClr val="dk1"/>
+    </dgm:txFillClrLst>
+    <dgm:txEffectClrLst/>
+  </dgm:styleLbl>
+  <dgm:styleLbl name="fgAcc4">
+    <dgm:fillClrLst meth="repeat">
+      <a:schemeClr val="lt1">
+        <a:alpha val="90000"/>
+      </a:schemeClr>
+    </dgm:fillClrLst>
+    <dgm:linClrLst meth="repeat">
+      <a:schemeClr val="accent1"/>
+    </dgm:linClrLst>
+    <dgm:effectClrLst/>
+    <dgm:txLinClrLst/>
+    <dgm:txFillClrLst meth="repeat">
+      <a:schemeClr val="dk1"/>
+    </dgm:txFillClrLst>
+    <dgm:txEffectClrLst/>
+  </dgm:styleLbl>
+  <dgm:styleLbl name="bgShp">
+    <dgm:fillClrLst meth="repeat">
+      <a:schemeClr val="accent1">
+        <a:tint val="40000"/>
+      </a:schemeClr>
+    </dgm:fillClrLst>
+    <dgm:linClrLst meth="repeat">
+      <a:schemeClr val="accent1"/>
+    </dgm:linClrLst>
+    <dgm:effectClrLst/>
+    <dgm:txLinClrLst/>
+    <dgm:txFillClrLst meth="repeat">
+      <a:schemeClr val="dk1"/>
+    </dgm:txFillClrLst>
+    <dgm:txEffectClrLst/>
+  </dgm:styleLbl>
+  <dgm:styleLbl name="dkBgShp">
+    <dgm:fillClrLst meth="repeat">
+      <a:schemeClr val="accent1">
+        <a:shade val="80000"/>
+      </a:schemeClr>
+    </dgm:fillClrLst>
+    <dgm:linClrLst meth="repeat">
+      <a:schemeClr val="accent1"/>
+    </dgm:linClrLst>
+    <dgm:effectClrLst/>
+    <dgm:txLinClrLst/>
+    <dgm:txFillClrLst meth="repeat">
+      <a:schemeClr val="lt1"/>
+    </dgm:txFillClrLst>
+    <dgm:txEffectClrLst/>
+  </dgm:styleLbl>
+  <dgm:styleLbl name="trBgShp">
+    <dgm:fillClrLst meth="repeat">
+      <a:schemeClr val="accent1">
+        <a:tint val="50000"/>
+        <a:alpha val="40000"/>
+      </a:schemeClr>
+    </dgm:fillClrLst>
+    <dgm:linClrLst meth="repeat">
+      <a:schemeClr val="accent1"/>
+    </dgm:linClrLst>
+    <dgm:effectClrLst/>
+    <dgm:txLinClrLst/>
+    <dgm:txFillClrLst meth="repeat">
+      <a:schemeClr val="lt1"/>
+    </dgm:txFillClrLst>
+    <dgm:txEffectClrLst/>
+  </dgm:styleLbl>
+  <dgm:styleLbl name="fgShp">
+    <dgm:fillClrLst meth="repeat">
+      <a:schemeClr val="accent1">
+        <a:tint val="60000"/>
       </a:schemeClr>
     </dgm:fillClrLst>
     <dgm:linClrLst meth="repeat">
@@ -7679,12 +8426,12 @@
     <dgm:cxn modelId="{ABEF1127-094C-0149-848C-BD7BF811B185}" type="presOf" srcId="{966D03F3-DC1D-4E42-8C30-DAC0C3557962}" destId="{39676DB7-2527-3D4F-919C-BDA311CC068B}" srcOrd="0" destOrd="1" presId="urn:microsoft.com/office/officeart/2005/8/layout/list1"/>
     <dgm:cxn modelId="{8EE2492E-42BE-4C59-ACB9-7C859F5CCF09}" srcId="{DA6164CB-A06E-4B6E-99CC-DD3FDB07091C}" destId="{7AB37B6C-FAAE-4DEF-B472-D2BF8F2952FE}" srcOrd="0" destOrd="0" parTransId="{B031CA50-EE72-442C-A30A-23E7A1F8010D}" sibTransId="{B3EF27EA-9CFF-4A45-9D69-1A08E119ABCA}"/>
     <dgm:cxn modelId="{95F4E532-88B5-AE41-A0C5-D6401B5AE336}" type="presOf" srcId="{063BF0E3-E3B9-4CCF-B511-F1A936E546BB}" destId="{F26527DB-83AD-CE4E-91CB-365872A330DD}" srcOrd="0" destOrd="0" presId="urn:microsoft.com/office/officeart/2005/8/layout/list1"/>
+    <dgm:cxn modelId="{C09A4E57-FCE0-4848-AD0E-E699C7007ED4}" type="presOf" srcId="{DA6164CB-A06E-4B6E-99CC-DD3FDB07091C}" destId="{37DE697B-0EEF-754F-93A2-A1713E19818D}" srcOrd="1" destOrd="0" presId="urn:microsoft.com/office/officeart/2005/8/layout/list1"/>
     <dgm:cxn modelId="{21E78166-3038-4432-9F33-98A4568D88E9}" srcId="{DA6164CB-A06E-4B6E-99CC-DD3FDB07091C}" destId="{966D03F3-DC1D-4E42-8C30-DAC0C3557962}" srcOrd="1" destOrd="0" parTransId="{E055EA7B-1547-47AE-B5D4-6C3274E4B815}" sibTransId="{067788F0-B44B-4060-9B48-2A2E85C53931}"/>
     <dgm:cxn modelId="{46F86A71-DB40-4A00-BC8D-1BFDE31FF721}" srcId="{063BF0E3-E3B9-4CCF-B511-F1A936E546BB}" destId="{CDCE3CBB-5BC4-4351-8F12-E57D8055FB45}" srcOrd="0" destOrd="0" parTransId="{7C0D7797-73F8-48E3-8866-D4E9A761E27E}" sibTransId="{C944C84B-A74E-49F4-8ED8-73B55BCF943F}"/>
     <dgm:cxn modelId="{C5EB7772-B5DE-9546-B468-680FC063A8C1}" type="presOf" srcId="{3A464ED9-86AF-4442-AED1-6EE0317D1083}" destId="{6C553FE9-FEFD-C54E-A90E-2429DD63DAAA}" srcOrd="0" destOrd="1" presId="urn:microsoft.com/office/officeart/2005/8/layout/list1"/>
     <dgm:cxn modelId="{F1E40E74-774D-0D4A-9448-E8EB592CB89B}" type="presOf" srcId="{CDCE3CBB-5BC4-4351-8F12-E57D8055FB45}" destId="{AD19BEF1-0A33-7E4A-8098-9601916D664A}" srcOrd="1" destOrd="0" presId="urn:microsoft.com/office/officeart/2005/8/layout/list1"/>
     <dgm:cxn modelId="{A0166774-F391-124A-9542-D2E0EFBC5F8D}" type="presOf" srcId="{33FDC042-90D3-43C2-81E3-0FB52A62A738}" destId="{6C553FE9-FEFD-C54E-A90E-2429DD63DAAA}" srcOrd="0" destOrd="0" presId="urn:microsoft.com/office/officeart/2005/8/layout/list1"/>
-    <dgm:cxn modelId="{C09A4E57-FCE0-4848-AD0E-E699C7007ED4}" type="presOf" srcId="{DA6164CB-A06E-4B6E-99CC-DD3FDB07091C}" destId="{37DE697B-0EEF-754F-93A2-A1713E19818D}" srcOrd="1" destOrd="0" presId="urn:microsoft.com/office/officeart/2005/8/layout/list1"/>
     <dgm:cxn modelId="{2509EA78-25D1-9444-A24A-451A1943E59A}" type="presOf" srcId="{CDCE3CBB-5BC4-4351-8F12-E57D8055FB45}" destId="{8C5B777D-D2A6-2040-AA3D-69F0BDFCEC5E}" srcOrd="0" destOrd="0" presId="urn:microsoft.com/office/officeart/2005/8/layout/list1"/>
     <dgm:cxn modelId="{C3560883-F9FC-4C0B-82A9-C21D990F2B55}" srcId="{063BF0E3-E3B9-4CCF-B511-F1A936E546BB}" destId="{DA6164CB-A06E-4B6E-99CC-DD3FDB07091C}" srcOrd="1" destOrd="0" parTransId="{2E581130-A4F8-4351-9674-24B6D27E1223}" sibTransId="{94B73F33-030B-4AB5-9A25-598ACA1DA86D}"/>
     <dgm:cxn modelId="{E5E70AB3-5799-4FE1-8B10-26248F1D30B5}" srcId="{CDCE3CBB-5BC4-4351-8F12-E57D8055FB45}" destId="{33FDC042-90D3-43C2-81E3-0FB52A62A738}" srcOrd="0" destOrd="0" parTransId="{3D5D4BEF-1074-432C-B5E4-CCAE27405295}" sibTransId="{43C58A6A-107D-4B04-8047-5BD5C32B383A}"/>
@@ -8060,8 +8807,8 @@
     <dgm:cxn modelId="{518B4C33-7CE4-9C42-959A-963A364D875D}" type="presOf" srcId="{3ED8D291-AD89-42D5-8935-88830B75DD4E}" destId="{177DBB82-8603-5B4D-80D5-2E4B066B6446}" srcOrd="1" destOrd="0" presId="urn:microsoft.com/office/officeart/2005/8/layout/list1"/>
     <dgm:cxn modelId="{4DAA0A36-0841-4A87-91F6-5CB1FAF4BFC8}" srcId="{3ED8D291-AD89-42D5-8935-88830B75DD4E}" destId="{D651CC8D-4053-4309-9276-F7E57B0A2267}" srcOrd="1" destOrd="0" parTransId="{6E2973C1-B204-40FE-B4C8-C4AD4796600D}" sibTransId="{8B488927-4932-4338-B142-A1A88D807C42}"/>
     <dgm:cxn modelId="{10FE9B3F-EC94-D94B-A9F8-34B60A60A05C}" type="presOf" srcId="{387A1ECF-C013-4FB6-B39D-5ABD992B4A79}" destId="{0C1C8A11-C178-174B-A90E-94FC6E8238AC}" srcOrd="0" destOrd="0" presId="urn:microsoft.com/office/officeart/2005/8/layout/list1"/>
+    <dgm:cxn modelId="{FDCF0449-7603-334C-AFFF-E96F26A2DDDD}" type="presOf" srcId="{5DB131D5-AEE7-4E6F-A455-562802529600}" destId="{DBB0D78E-D296-DF44-BA66-866DC8AD8E63}" srcOrd="1" destOrd="0" presId="urn:microsoft.com/office/officeart/2005/8/layout/list1"/>
     <dgm:cxn modelId="{0D031761-38F1-4FC7-B6BC-D79BE5990100}" srcId="{3ED8D291-AD89-42D5-8935-88830B75DD4E}" destId="{6C786338-A8BE-4297-8163-EAA94157ED4E}" srcOrd="0" destOrd="0" parTransId="{3B1ECA57-CD2E-44F3-99AE-F73AFCDD8A39}" sibTransId="{3DE5BB76-86FB-4E64-A682-A9AF33886F4A}"/>
-    <dgm:cxn modelId="{FDCF0449-7603-334C-AFFF-E96F26A2DDDD}" type="presOf" srcId="{5DB131D5-AEE7-4E6F-A455-562802529600}" destId="{DBB0D78E-D296-DF44-BA66-866DC8AD8E63}" srcOrd="1" destOrd="0" presId="urn:microsoft.com/office/officeart/2005/8/layout/list1"/>
     <dgm:cxn modelId="{EE746C7F-3DB7-FD40-BFA0-2F1F166AA43C}" type="presOf" srcId="{6E15E482-481A-4E52-A562-3A519FAD1F1D}" destId="{418E135A-9F1C-1442-9E21-093A20BEBA9A}" srcOrd="0" destOrd="0" presId="urn:microsoft.com/office/officeart/2005/8/layout/list1"/>
     <dgm:cxn modelId="{B44CA182-6323-491A-9C74-DBA6EDD038C5}" srcId="{6E15E482-481A-4E52-A562-3A519FAD1F1D}" destId="{3ED8D291-AD89-42D5-8935-88830B75DD4E}" srcOrd="1" destOrd="0" parTransId="{A9565618-FCB7-43DA-B4D6-B6E6035386BE}" sibTransId="{73EB315B-3DEE-4221-913F-BEEDEC494F03}"/>
     <dgm:cxn modelId="{E246DDA7-0FB2-496C-B43E-99411A47C305}" srcId="{5DB131D5-AEE7-4E6F-A455-562802529600}" destId="{B3E98B51-CBC6-4CED-A206-6B28CEBF9506}" srcOrd="1" destOrd="0" parTransId="{CAA3F8E6-C497-41FF-AEB4-C701B78BE8CD}" sibTransId="{40093B44-B252-4ED8-9422-71F400577426}"/>
@@ -8088,6 +8835,572 @@
   <dgm:extLst>
     <a:ext uri="http://schemas.microsoft.com/office/drawing/2008/diagram">
       <dsp:dataModelExt xmlns:dsp="http://schemas.microsoft.com/office/drawing/2008/diagram" relId="rId6" minVer="http://schemas.openxmlformats.org/drawingml/2006/diagram"/>
+    </a:ext>
+  </dgm:extLst>
+</dgm:dataModel>
+</file>
+
+<file path=ppt/diagrams/data8.xml><?xml version="1.0" encoding="utf-8"?>
+<dgm:dataModel xmlns:dgm="http://schemas.openxmlformats.org/drawingml/2006/diagram" xmlns:a="http://schemas.openxmlformats.org/drawingml/2006/main">
+  <dgm:ptLst>
+    <dgm:pt modelId="{46F2EFDA-B58B-4CA7-B0B4-49D268CA8BD5}" type="doc">
+      <dgm:prSet loTypeId="urn:microsoft.com/office/officeart/2008/layout/LinedList" loCatId="list" qsTypeId="urn:microsoft.com/office/officeart/2005/8/quickstyle/simple1" qsCatId="simple" csTypeId="urn:microsoft.com/office/officeart/2005/8/colors/accent1_2" csCatId="accent1"/>
+      <dgm:spPr/>
+      <dgm:t>
+        <a:bodyPr/>
+        <a:lstStyle/>
+        <a:p>
+          <a:endParaRPr lang="en-US"/>
+        </a:p>
+      </dgm:t>
+    </dgm:pt>
+    <dgm:pt modelId="{F9900BC1-FAD1-45C6-BC7D-55F3FB3ADA7E}">
+      <dgm:prSet/>
+      <dgm:spPr/>
+      <dgm:t>
+        <a:bodyPr/>
+        <a:lstStyle/>
+        <a:p>
+          <a:r>
+            <a:rPr lang="en-US" b="1"/>
+            <a:t>4. VFO’s market strategist is considering a six-month call option strategy on the</a:t>
+          </a:r>
+          <a:endParaRPr lang="en-US"/>
+        </a:p>
+      </dgm:t>
+    </dgm:pt>
+    <dgm:pt modelId="{5E59B528-53FB-4019-887F-BC2F09DC9A93}" type="parTrans" cxnId="{A88CA95D-9AF8-44FE-BC8C-56C1E44A1AB6}">
+      <dgm:prSet/>
+      <dgm:spPr/>
+      <dgm:t>
+        <a:bodyPr/>
+        <a:lstStyle/>
+        <a:p>
+          <a:endParaRPr lang="en-US"/>
+        </a:p>
+      </dgm:t>
+    </dgm:pt>
+    <dgm:pt modelId="{738C1311-97B3-4885-88EA-2EDAE09354CE}" type="sibTrans" cxnId="{A88CA95D-9AF8-44FE-BC8C-56C1E44A1AB6}">
+      <dgm:prSet/>
+      <dgm:spPr/>
+      <dgm:t>
+        <a:bodyPr/>
+        <a:lstStyle/>
+        <a:p>
+          <a:endParaRPr lang="en-US"/>
+        </a:p>
+      </dgm:t>
+    </dgm:pt>
+    <dgm:pt modelId="{03E42493-E2F3-4F2E-A57B-6461C70043DF}">
+      <dgm:prSet/>
+      <dgm:spPr/>
+      <dgm:t>
+        <a:bodyPr/>
+        <a:lstStyle/>
+        <a:p>
+          <a:r>
+            <a:rPr lang="en-US" b="1"/>
+            <a:t>NIFTY 50 benchmark Indian stock market index to increase broad market equity</a:t>
+          </a:r>
+          <a:endParaRPr lang="en-US"/>
+        </a:p>
+      </dgm:t>
+    </dgm:pt>
+    <dgm:pt modelId="{2350C804-1DEE-4DE4-8B52-0EC6D82F8DFE}" type="parTrans" cxnId="{778984C0-664F-45DF-B0FA-4A69804BF0EB}">
+      <dgm:prSet/>
+      <dgm:spPr/>
+      <dgm:t>
+        <a:bodyPr/>
+        <a:lstStyle/>
+        <a:p>
+          <a:endParaRPr lang="en-US"/>
+        </a:p>
+      </dgm:t>
+    </dgm:pt>
+    <dgm:pt modelId="{184BCA5D-1AA6-4D55-99B5-A7C01A5BD76F}" type="sibTrans" cxnId="{778984C0-664F-45DF-B0FA-4A69804BF0EB}">
+      <dgm:prSet/>
+      <dgm:spPr/>
+      <dgm:t>
+        <a:bodyPr/>
+        <a:lstStyle/>
+        <a:p>
+          <a:endParaRPr lang="en-US"/>
+        </a:p>
+      </dgm:t>
+    </dgm:pt>
+    <dgm:pt modelId="{32E0B020-1BA7-41D8-A53A-C25BCDA1AC86}">
+      <dgm:prSet/>
+      <dgm:spPr/>
+      <dgm:t>
+        <a:bodyPr/>
+        <a:lstStyle/>
+        <a:p>
+          <a:r>
+            <a:rPr lang="en-US" b="1"/>
+            <a:t>exposure. The NIFTY 50 price today is INR15,200, and the strategist observes</a:t>
+          </a:r>
+          <a:endParaRPr lang="en-US"/>
+        </a:p>
+      </dgm:t>
+    </dgm:pt>
+    <dgm:pt modelId="{4F8AFBC2-1AD9-40CD-A195-98C5D68E5020}" type="parTrans" cxnId="{D67FF495-FE69-410F-8F67-00D42A8E3FD5}">
+      <dgm:prSet/>
+      <dgm:spPr/>
+      <dgm:t>
+        <a:bodyPr/>
+        <a:lstStyle/>
+        <a:p>
+          <a:endParaRPr lang="en-US"/>
+        </a:p>
+      </dgm:t>
+    </dgm:pt>
+    <dgm:pt modelId="{E8F91CEF-A77E-4EB5-88A1-87A408C10AD4}" type="sibTrans" cxnId="{D67FF495-FE69-410F-8F67-00D42A8E3FD5}">
+      <dgm:prSet/>
+      <dgm:spPr/>
+      <dgm:t>
+        <a:bodyPr/>
+        <a:lstStyle/>
+        <a:p>
+          <a:endParaRPr lang="en-US"/>
+        </a:p>
+      </dgm:t>
+    </dgm:pt>
+    <dgm:pt modelId="{FCFCD0D4-746D-499B-9E3B-AF1E7D5A849C}">
+      <dgm:prSet/>
+      <dgm:spPr/>
+      <dgm:t>
+        <a:bodyPr/>
+        <a:lstStyle/>
+        <a:p>
+          <a:r>
+            <a:rPr lang="en-US" b="1"/>
+            <a:t>that a call option with a INR16,000 exercise price (X) is trading at a premium of</a:t>
+          </a:r>
+          <a:endParaRPr lang="en-US"/>
+        </a:p>
+      </dgm:t>
+    </dgm:pt>
+    <dgm:pt modelId="{E3B0A5E9-5BDC-4644-89A3-98BBB6C9DA20}" type="parTrans" cxnId="{EE154937-BE8F-485F-A93C-7BA12D274817}">
+      <dgm:prSet/>
+      <dgm:spPr/>
+      <dgm:t>
+        <a:bodyPr/>
+        <a:lstStyle/>
+        <a:p>
+          <a:endParaRPr lang="en-US"/>
+        </a:p>
+      </dgm:t>
+    </dgm:pt>
+    <dgm:pt modelId="{5E5FA3D1-FD06-42F8-BFA9-CEFB52D29B18}" type="sibTrans" cxnId="{EE154937-BE8F-485F-A93C-7BA12D274817}">
+      <dgm:prSet/>
+      <dgm:spPr/>
+      <dgm:t>
+        <a:bodyPr/>
+        <a:lstStyle/>
+        <a:p>
+          <a:endParaRPr lang="en-US"/>
+        </a:p>
+      </dgm:t>
+    </dgm:pt>
+    <dgm:pt modelId="{E2CA6075-6800-48B8-9202-5A70014E8BB0}">
+      <dgm:prSet/>
+      <dgm:spPr/>
+      <dgm:t>
+        <a:bodyPr/>
+        <a:lstStyle/>
+        <a:p>
+          <a:r>
+            <a:rPr lang="en-US" b="1"/>
+            <a:t>INR1,500. Which of the following represents the payoff and profit of this strategy</a:t>
+          </a:r>
+          <a:endParaRPr lang="en-US"/>
+        </a:p>
+      </dgm:t>
+    </dgm:pt>
+    <dgm:pt modelId="{9D8D35DF-B8FD-49AF-8CB3-2D8E24FDC813}" type="parTrans" cxnId="{62631D4E-029F-470B-BD25-3888A64A2B8F}">
+      <dgm:prSet/>
+      <dgm:spPr/>
+      <dgm:t>
+        <a:bodyPr/>
+        <a:lstStyle/>
+        <a:p>
+          <a:endParaRPr lang="en-US"/>
+        </a:p>
+      </dgm:t>
+    </dgm:pt>
+    <dgm:pt modelId="{E3F89FD3-101D-48A9-A11A-B32C00532670}" type="sibTrans" cxnId="{62631D4E-029F-470B-BD25-3888A64A2B8F}">
+      <dgm:prSet/>
+      <dgm:spPr/>
+      <dgm:t>
+        <a:bodyPr/>
+        <a:lstStyle/>
+        <a:p>
+          <a:endParaRPr lang="en-US"/>
+        </a:p>
+      </dgm:t>
+    </dgm:pt>
+    <dgm:pt modelId="{8CDB5325-E95F-499C-89CB-7D2A9D8A9E70}">
+      <dgm:prSet/>
+      <dgm:spPr/>
+      <dgm:t>
+        <a:bodyPr/>
+        <a:lstStyle/>
+        <a:p>
+          <a:r>
+            <a:rPr lang="en-US" b="1"/>
+            <a:t>just prior to maturity if the NIFTY 50 is trading at INR16,500?</a:t>
+          </a:r>
+          <a:endParaRPr lang="en-US"/>
+        </a:p>
+      </dgm:t>
+    </dgm:pt>
+    <dgm:pt modelId="{53988074-BFBA-48FC-9E0C-D7A9C03B1901}" type="parTrans" cxnId="{ED388D25-340B-49C4-B6A8-EB023401C520}">
+      <dgm:prSet/>
+      <dgm:spPr/>
+      <dgm:t>
+        <a:bodyPr/>
+        <a:lstStyle/>
+        <a:p>
+          <a:endParaRPr lang="en-US"/>
+        </a:p>
+      </dgm:t>
+    </dgm:pt>
+    <dgm:pt modelId="{B23A4A51-B333-4D08-8FDA-9A4F40217D83}" type="sibTrans" cxnId="{ED388D25-340B-49C4-B6A8-EB023401C520}">
+      <dgm:prSet/>
+      <dgm:spPr/>
+      <dgm:t>
+        <a:bodyPr/>
+        <a:lstStyle/>
+        <a:p>
+          <a:endParaRPr lang="en-US"/>
+        </a:p>
+      </dgm:t>
+    </dgm:pt>
+    <dgm:pt modelId="{AC86F679-6760-465C-97DB-91EC2C6DDE8D}">
+      <dgm:prSet/>
+      <dgm:spPr/>
+      <dgm:t>
+        <a:bodyPr/>
+        <a:lstStyle/>
+        <a:p>
+          <a:r>
+            <a:rPr lang="en-US"/>
+            <a:t>A. Payoff is INR500; profit is –INR1,000.</a:t>
+          </a:r>
+        </a:p>
+      </dgm:t>
+    </dgm:pt>
+    <dgm:pt modelId="{64CB06B4-DB3C-4E4A-A8CC-BD9E8B4BFFEF}" type="parTrans" cxnId="{F6C1A259-255D-4183-A48C-B612347C311B}">
+      <dgm:prSet/>
+      <dgm:spPr/>
+      <dgm:t>
+        <a:bodyPr/>
+        <a:lstStyle/>
+        <a:p>
+          <a:endParaRPr lang="en-US"/>
+        </a:p>
+      </dgm:t>
+    </dgm:pt>
+    <dgm:pt modelId="{0E33F8D8-E1A1-4F56-BFAA-5DE143986F52}" type="sibTrans" cxnId="{F6C1A259-255D-4183-A48C-B612347C311B}">
+      <dgm:prSet/>
+      <dgm:spPr/>
+      <dgm:t>
+        <a:bodyPr/>
+        <a:lstStyle/>
+        <a:p>
+          <a:endParaRPr lang="en-US"/>
+        </a:p>
+      </dgm:t>
+    </dgm:pt>
+    <dgm:pt modelId="{8F036C36-0043-4146-9399-322E87B4FD7D}">
+      <dgm:prSet/>
+      <dgm:spPr/>
+      <dgm:t>
+        <a:bodyPr/>
+        <a:lstStyle/>
+        <a:p>
+          <a:r>
+            <a:rPr lang="en-US"/>
+            <a:t>B. Payoff is INR1,300; profit is INR800.</a:t>
+          </a:r>
+        </a:p>
+      </dgm:t>
+    </dgm:pt>
+    <dgm:pt modelId="{CE03ABA0-45F8-4375-9E3B-5B9D3857C6F1}" type="parTrans" cxnId="{50F988FF-5518-42CC-B2AA-112D718BDEBA}">
+      <dgm:prSet/>
+      <dgm:spPr/>
+      <dgm:t>
+        <a:bodyPr/>
+        <a:lstStyle/>
+        <a:p>
+          <a:endParaRPr lang="en-US"/>
+        </a:p>
+      </dgm:t>
+    </dgm:pt>
+    <dgm:pt modelId="{C5B5C9EF-1BFA-4A7D-AE1D-F08D187D2620}" type="sibTrans" cxnId="{50F988FF-5518-42CC-B2AA-112D718BDEBA}">
+      <dgm:prSet/>
+      <dgm:spPr/>
+      <dgm:t>
+        <a:bodyPr/>
+        <a:lstStyle/>
+        <a:p>
+          <a:endParaRPr lang="en-US"/>
+        </a:p>
+      </dgm:t>
+    </dgm:pt>
+    <dgm:pt modelId="{9A5D51CA-7BE5-4FAD-9414-DB83C287BF1B}">
+      <dgm:prSet/>
+      <dgm:spPr/>
+      <dgm:t>
+        <a:bodyPr/>
+        <a:lstStyle/>
+        <a:p>
+          <a:r>
+            <a:rPr lang="en-US"/>
+            <a:t>C. Payoff is INR1,300; profit is INR500.</a:t>
+          </a:r>
+        </a:p>
+      </dgm:t>
+    </dgm:pt>
+    <dgm:pt modelId="{820917DF-F34F-4657-A648-EFA727E8B571}" type="parTrans" cxnId="{D9638CED-4951-48A0-AB60-856DA7886789}">
+      <dgm:prSet/>
+      <dgm:spPr/>
+      <dgm:t>
+        <a:bodyPr/>
+        <a:lstStyle/>
+        <a:p>
+          <a:endParaRPr lang="en-US"/>
+        </a:p>
+      </dgm:t>
+    </dgm:pt>
+    <dgm:pt modelId="{7108B8E1-51DA-4084-BDDD-A7D3296E0F61}" type="sibTrans" cxnId="{D9638CED-4951-48A0-AB60-856DA7886789}">
+      <dgm:prSet/>
+      <dgm:spPr/>
+      <dgm:t>
+        <a:bodyPr/>
+        <a:lstStyle/>
+        <a:p>
+          <a:endParaRPr lang="en-US"/>
+        </a:p>
+      </dgm:t>
+    </dgm:pt>
+    <dgm:pt modelId="{1D60DE1C-5046-004A-A2FF-03451C4708C3}" type="pres">
+      <dgm:prSet presAssocID="{46F2EFDA-B58B-4CA7-B0B4-49D268CA8BD5}" presName="vert0" presStyleCnt="0">
+        <dgm:presLayoutVars>
+          <dgm:dir/>
+          <dgm:animOne val="branch"/>
+          <dgm:animLvl val="lvl"/>
+        </dgm:presLayoutVars>
+      </dgm:prSet>
+      <dgm:spPr/>
+    </dgm:pt>
+    <dgm:pt modelId="{3F5E6578-71B4-8F41-86A3-6F984CF230C4}" type="pres">
+      <dgm:prSet presAssocID="{F9900BC1-FAD1-45C6-BC7D-55F3FB3ADA7E}" presName="thickLine" presStyleLbl="alignNode1" presStyleIdx="0" presStyleCnt="9"/>
+      <dgm:spPr/>
+    </dgm:pt>
+    <dgm:pt modelId="{B5EF0BA6-92DB-2743-B7D5-F35F315F7C8C}" type="pres">
+      <dgm:prSet presAssocID="{F9900BC1-FAD1-45C6-BC7D-55F3FB3ADA7E}" presName="horz1" presStyleCnt="0"/>
+      <dgm:spPr/>
+    </dgm:pt>
+    <dgm:pt modelId="{BF9BCA72-063D-294E-963B-9CE714AEC730}" type="pres">
+      <dgm:prSet presAssocID="{F9900BC1-FAD1-45C6-BC7D-55F3FB3ADA7E}" presName="tx1" presStyleLbl="revTx" presStyleIdx="0" presStyleCnt="9"/>
+      <dgm:spPr/>
+    </dgm:pt>
+    <dgm:pt modelId="{56B9251D-3E2F-8E4D-B079-A514995794D9}" type="pres">
+      <dgm:prSet presAssocID="{F9900BC1-FAD1-45C6-BC7D-55F3FB3ADA7E}" presName="vert1" presStyleCnt="0"/>
+      <dgm:spPr/>
+    </dgm:pt>
+    <dgm:pt modelId="{87CE8B83-8C8B-E746-99EB-B0462A111C0A}" type="pres">
+      <dgm:prSet presAssocID="{03E42493-E2F3-4F2E-A57B-6461C70043DF}" presName="thickLine" presStyleLbl="alignNode1" presStyleIdx="1" presStyleCnt="9"/>
+      <dgm:spPr/>
+    </dgm:pt>
+    <dgm:pt modelId="{698A0EA8-E456-D849-A560-111F38392BBF}" type="pres">
+      <dgm:prSet presAssocID="{03E42493-E2F3-4F2E-A57B-6461C70043DF}" presName="horz1" presStyleCnt="0"/>
+      <dgm:spPr/>
+    </dgm:pt>
+    <dgm:pt modelId="{76AEB0F3-C483-9E46-A1D9-4C892D27E299}" type="pres">
+      <dgm:prSet presAssocID="{03E42493-E2F3-4F2E-A57B-6461C70043DF}" presName="tx1" presStyleLbl="revTx" presStyleIdx="1" presStyleCnt="9"/>
+      <dgm:spPr/>
+    </dgm:pt>
+    <dgm:pt modelId="{C844D9A9-7142-D647-A993-AD79ABAD0E1A}" type="pres">
+      <dgm:prSet presAssocID="{03E42493-E2F3-4F2E-A57B-6461C70043DF}" presName="vert1" presStyleCnt="0"/>
+      <dgm:spPr/>
+    </dgm:pt>
+    <dgm:pt modelId="{800CB01C-1115-1144-9A90-E1F38459EBC1}" type="pres">
+      <dgm:prSet presAssocID="{32E0B020-1BA7-41D8-A53A-C25BCDA1AC86}" presName="thickLine" presStyleLbl="alignNode1" presStyleIdx="2" presStyleCnt="9"/>
+      <dgm:spPr/>
+    </dgm:pt>
+    <dgm:pt modelId="{20484782-4F04-124E-9F16-55591597AE5F}" type="pres">
+      <dgm:prSet presAssocID="{32E0B020-1BA7-41D8-A53A-C25BCDA1AC86}" presName="horz1" presStyleCnt="0"/>
+      <dgm:spPr/>
+    </dgm:pt>
+    <dgm:pt modelId="{037ADBA0-09F2-254D-AC3E-760E8BAA84FD}" type="pres">
+      <dgm:prSet presAssocID="{32E0B020-1BA7-41D8-A53A-C25BCDA1AC86}" presName="tx1" presStyleLbl="revTx" presStyleIdx="2" presStyleCnt="9"/>
+      <dgm:spPr/>
+    </dgm:pt>
+    <dgm:pt modelId="{44027E93-6939-AC46-972B-65008D0D9D2A}" type="pres">
+      <dgm:prSet presAssocID="{32E0B020-1BA7-41D8-A53A-C25BCDA1AC86}" presName="vert1" presStyleCnt="0"/>
+      <dgm:spPr/>
+    </dgm:pt>
+    <dgm:pt modelId="{C57CFD59-4DFB-6747-8EC3-91AA5CC707FD}" type="pres">
+      <dgm:prSet presAssocID="{FCFCD0D4-746D-499B-9E3B-AF1E7D5A849C}" presName="thickLine" presStyleLbl="alignNode1" presStyleIdx="3" presStyleCnt="9"/>
+      <dgm:spPr/>
+    </dgm:pt>
+    <dgm:pt modelId="{A68B2A94-0F47-5547-80CB-CE5178CA869A}" type="pres">
+      <dgm:prSet presAssocID="{FCFCD0D4-746D-499B-9E3B-AF1E7D5A849C}" presName="horz1" presStyleCnt="0"/>
+      <dgm:spPr/>
+    </dgm:pt>
+    <dgm:pt modelId="{83806072-7139-0643-9FBC-3AC5535BE9B6}" type="pres">
+      <dgm:prSet presAssocID="{FCFCD0D4-746D-499B-9E3B-AF1E7D5A849C}" presName="tx1" presStyleLbl="revTx" presStyleIdx="3" presStyleCnt="9"/>
+      <dgm:spPr/>
+    </dgm:pt>
+    <dgm:pt modelId="{A6B24B7C-7903-3745-A0D7-501D9AA91A87}" type="pres">
+      <dgm:prSet presAssocID="{FCFCD0D4-746D-499B-9E3B-AF1E7D5A849C}" presName="vert1" presStyleCnt="0"/>
+      <dgm:spPr/>
+    </dgm:pt>
+    <dgm:pt modelId="{FEE6EFCE-3736-6247-A7B8-8D5971B9A515}" type="pres">
+      <dgm:prSet presAssocID="{E2CA6075-6800-48B8-9202-5A70014E8BB0}" presName="thickLine" presStyleLbl="alignNode1" presStyleIdx="4" presStyleCnt="9"/>
+      <dgm:spPr/>
+    </dgm:pt>
+    <dgm:pt modelId="{7AE56E4A-DC80-164B-842B-751693600A58}" type="pres">
+      <dgm:prSet presAssocID="{E2CA6075-6800-48B8-9202-5A70014E8BB0}" presName="horz1" presStyleCnt="0"/>
+      <dgm:spPr/>
+    </dgm:pt>
+    <dgm:pt modelId="{C1B0FF9F-114A-9B44-8298-476047822BBE}" type="pres">
+      <dgm:prSet presAssocID="{E2CA6075-6800-48B8-9202-5A70014E8BB0}" presName="tx1" presStyleLbl="revTx" presStyleIdx="4" presStyleCnt="9"/>
+      <dgm:spPr/>
+    </dgm:pt>
+    <dgm:pt modelId="{28C0DC1F-B8A4-E742-8DC0-271D282BFAFE}" type="pres">
+      <dgm:prSet presAssocID="{E2CA6075-6800-48B8-9202-5A70014E8BB0}" presName="vert1" presStyleCnt="0"/>
+      <dgm:spPr/>
+    </dgm:pt>
+    <dgm:pt modelId="{B4D9221B-98A6-9F41-A719-8A29EB29545C}" type="pres">
+      <dgm:prSet presAssocID="{8CDB5325-E95F-499C-89CB-7D2A9D8A9E70}" presName="thickLine" presStyleLbl="alignNode1" presStyleIdx="5" presStyleCnt="9"/>
+      <dgm:spPr/>
+    </dgm:pt>
+    <dgm:pt modelId="{1D9E256A-23D7-2F45-AD11-4B79D7ADC551}" type="pres">
+      <dgm:prSet presAssocID="{8CDB5325-E95F-499C-89CB-7D2A9D8A9E70}" presName="horz1" presStyleCnt="0"/>
+      <dgm:spPr/>
+    </dgm:pt>
+    <dgm:pt modelId="{EE6E091F-C4B3-2145-A79D-FDA1F0CADF90}" type="pres">
+      <dgm:prSet presAssocID="{8CDB5325-E95F-499C-89CB-7D2A9D8A9E70}" presName="tx1" presStyleLbl="revTx" presStyleIdx="5" presStyleCnt="9"/>
+      <dgm:spPr/>
+    </dgm:pt>
+    <dgm:pt modelId="{78B04FF9-8189-0E46-B776-2818326EBD99}" type="pres">
+      <dgm:prSet presAssocID="{8CDB5325-E95F-499C-89CB-7D2A9D8A9E70}" presName="vert1" presStyleCnt="0"/>
+      <dgm:spPr/>
+    </dgm:pt>
+    <dgm:pt modelId="{B0179B82-0311-494E-8363-84BD8752E933}" type="pres">
+      <dgm:prSet presAssocID="{AC86F679-6760-465C-97DB-91EC2C6DDE8D}" presName="thickLine" presStyleLbl="alignNode1" presStyleIdx="6" presStyleCnt="9"/>
+      <dgm:spPr/>
+    </dgm:pt>
+    <dgm:pt modelId="{41708DF2-F836-FA48-A2C6-579C2DBED3AA}" type="pres">
+      <dgm:prSet presAssocID="{AC86F679-6760-465C-97DB-91EC2C6DDE8D}" presName="horz1" presStyleCnt="0"/>
+      <dgm:spPr/>
+    </dgm:pt>
+    <dgm:pt modelId="{E29ED4CD-05FB-D440-AFED-44A50ADA34F9}" type="pres">
+      <dgm:prSet presAssocID="{AC86F679-6760-465C-97DB-91EC2C6DDE8D}" presName="tx1" presStyleLbl="revTx" presStyleIdx="6" presStyleCnt="9"/>
+      <dgm:spPr/>
+    </dgm:pt>
+    <dgm:pt modelId="{5B5257F9-37C2-D840-828A-01DAE66E539E}" type="pres">
+      <dgm:prSet presAssocID="{AC86F679-6760-465C-97DB-91EC2C6DDE8D}" presName="vert1" presStyleCnt="0"/>
+      <dgm:spPr/>
+    </dgm:pt>
+    <dgm:pt modelId="{331BFEFF-A90A-7E46-8C7F-8D6076781A9B}" type="pres">
+      <dgm:prSet presAssocID="{8F036C36-0043-4146-9399-322E87B4FD7D}" presName="thickLine" presStyleLbl="alignNode1" presStyleIdx="7" presStyleCnt="9"/>
+      <dgm:spPr/>
+    </dgm:pt>
+    <dgm:pt modelId="{94FEED84-0661-4145-ABF0-802A70F95B30}" type="pres">
+      <dgm:prSet presAssocID="{8F036C36-0043-4146-9399-322E87B4FD7D}" presName="horz1" presStyleCnt="0"/>
+      <dgm:spPr/>
+    </dgm:pt>
+    <dgm:pt modelId="{ED98A6C8-A174-B646-9810-E869337D95D9}" type="pres">
+      <dgm:prSet presAssocID="{8F036C36-0043-4146-9399-322E87B4FD7D}" presName="tx1" presStyleLbl="revTx" presStyleIdx="7" presStyleCnt="9"/>
+      <dgm:spPr/>
+    </dgm:pt>
+    <dgm:pt modelId="{27A0F35D-8D14-1F4E-916E-03F85A026FBF}" type="pres">
+      <dgm:prSet presAssocID="{8F036C36-0043-4146-9399-322E87B4FD7D}" presName="vert1" presStyleCnt="0"/>
+      <dgm:spPr/>
+    </dgm:pt>
+    <dgm:pt modelId="{F2B17806-9008-DE42-8911-93D3B9F2E93F}" type="pres">
+      <dgm:prSet presAssocID="{9A5D51CA-7BE5-4FAD-9414-DB83C287BF1B}" presName="thickLine" presStyleLbl="alignNode1" presStyleIdx="8" presStyleCnt="9"/>
+      <dgm:spPr/>
+    </dgm:pt>
+    <dgm:pt modelId="{20D7F19B-B1DD-EF45-80E3-FE44F6CBC596}" type="pres">
+      <dgm:prSet presAssocID="{9A5D51CA-7BE5-4FAD-9414-DB83C287BF1B}" presName="horz1" presStyleCnt="0"/>
+      <dgm:spPr/>
+    </dgm:pt>
+    <dgm:pt modelId="{55360E6D-35D6-424C-A005-98C8B8B022BB}" type="pres">
+      <dgm:prSet presAssocID="{9A5D51CA-7BE5-4FAD-9414-DB83C287BF1B}" presName="tx1" presStyleLbl="revTx" presStyleIdx="8" presStyleCnt="9"/>
+      <dgm:spPr/>
+    </dgm:pt>
+    <dgm:pt modelId="{7C6E7186-880C-434D-83BD-E96F713189F8}" type="pres">
+      <dgm:prSet presAssocID="{9A5D51CA-7BE5-4FAD-9414-DB83C287BF1B}" presName="vert1" presStyleCnt="0"/>
+      <dgm:spPr/>
+    </dgm:pt>
+  </dgm:ptLst>
+  <dgm:cxnLst>
+    <dgm:cxn modelId="{8B73210A-EFF5-C249-AF89-9A7C0CEDFBF3}" type="presOf" srcId="{9A5D51CA-7BE5-4FAD-9414-DB83C287BF1B}" destId="{55360E6D-35D6-424C-A005-98C8B8B022BB}" srcOrd="0" destOrd="0" presId="urn:microsoft.com/office/officeart/2008/layout/LinedList"/>
+    <dgm:cxn modelId="{ED388D25-340B-49C4-B6A8-EB023401C520}" srcId="{46F2EFDA-B58B-4CA7-B0B4-49D268CA8BD5}" destId="{8CDB5325-E95F-499C-89CB-7D2A9D8A9E70}" srcOrd="5" destOrd="0" parTransId="{53988074-BFBA-48FC-9E0C-D7A9C03B1901}" sibTransId="{B23A4A51-B333-4D08-8FDA-9A4F40217D83}"/>
+    <dgm:cxn modelId="{EE154937-BE8F-485F-A93C-7BA12D274817}" srcId="{46F2EFDA-B58B-4CA7-B0B4-49D268CA8BD5}" destId="{FCFCD0D4-746D-499B-9E3B-AF1E7D5A849C}" srcOrd="3" destOrd="0" parTransId="{E3B0A5E9-5BDC-4644-89A3-98BBB6C9DA20}" sibTransId="{5E5FA3D1-FD06-42F8-BFA9-CEFB52D29B18}"/>
+    <dgm:cxn modelId="{62631D4E-029F-470B-BD25-3888A64A2B8F}" srcId="{46F2EFDA-B58B-4CA7-B0B4-49D268CA8BD5}" destId="{E2CA6075-6800-48B8-9202-5A70014E8BB0}" srcOrd="4" destOrd="0" parTransId="{9D8D35DF-B8FD-49AF-8CB3-2D8E24FDC813}" sibTransId="{E3F89FD3-101D-48A9-A11A-B32C00532670}"/>
+    <dgm:cxn modelId="{78DA4E4E-61F0-0A49-850C-53D92A5FDB45}" type="presOf" srcId="{46F2EFDA-B58B-4CA7-B0B4-49D268CA8BD5}" destId="{1D60DE1C-5046-004A-A2FF-03451C4708C3}" srcOrd="0" destOrd="0" presId="urn:microsoft.com/office/officeart/2008/layout/LinedList"/>
+    <dgm:cxn modelId="{35256956-1917-D24E-8CDA-8F4923D7D3EC}" type="presOf" srcId="{F9900BC1-FAD1-45C6-BC7D-55F3FB3ADA7E}" destId="{BF9BCA72-063D-294E-963B-9CE714AEC730}" srcOrd="0" destOrd="0" presId="urn:microsoft.com/office/officeart/2008/layout/LinedList"/>
+    <dgm:cxn modelId="{A54BC056-4762-C847-B177-2E82D17507A5}" type="presOf" srcId="{AC86F679-6760-465C-97DB-91EC2C6DDE8D}" destId="{E29ED4CD-05FB-D440-AFED-44A50ADA34F9}" srcOrd="0" destOrd="0" presId="urn:microsoft.com/office/officeart/2008/layout/LinedList"/>
+    <dgm:cxn modelId="{F6C1A259-255D-4183-A48C-B612347C311B}" srcId="{46F2EFDA-B58B-4CA7-B0B4-49D268CA8BD5}" destId="{AC86F679-6760-465C-97DB-91EC2C6DDE8D}" srcOrd="6" destOrd="0" parTransId="{64CB06B4-DB3C-4E4A-A8CC-BD9E8B4BFFEF}" sibTransId="{0E33F8D8-E1A1-4F56-BFAA-5DE143986F52}"/>
+    <dgm:cxn modelId="{A88CA95D-9AF8-44FE-BC8C-56C1E44A1AB6}" srcId="{46F2EFDA-B58B-4CA7-B0B4-49D268CA8BD5}" destId="{F9900BC1-FAD1-45C6-BC7D-55F3FB3ADA7E}" srcOrd="0" destOrd="0" parTransId="{5E59B528-53FB-4019-887F-BC2F09DC9A93}" sibTransId="{738C1311-97B3-4885-88EA-2EDAE09354CE}"/>
+    <dgm:cxn modelId="{15F28990-7DE7-844E-A880-8CF0B77A3FE6}" type="presOf" srcId="{FCFCD0D4-746D-499B-9E3B-AF1E7D5A849C}" destId="{83806072-7139-0643-9FBC-3AC5535BE9B6}" srcOrd="0" destOrd="0" presId="urn:microsoft.com/office/officeart/2008/layout/LinedList"/>
+    <dgm:cxn modelId="{D67FF495-FE69-410F-8F67-00D42A8E3FD5}" srcId="{46F2EFDA-B58B-4CA7-B0B4-49D268CA8BD5}" destId="{32E0B020-1BA7-41D8-A53A-C25BCDA1AC86}" srcOrd="2" destOrd="0" parTransId="{4F8AFBC2-1AD9-40CD-A195-98C5D68E5020}" sibTransId="{E8F91CEF-A77E-4EB5-88A1-87A408C10AD4}"/>
+    <dgm:cxn modelId="{E163F898-04F5-9248-9CD2-15C07EA60A35}" type="presOf" srcId="{E2CA6075-6800-48B8-9202-5A70014E8BB0}" destId="{C1B0FF9F-114A-9B44-8298-476047822BBE}" srcOrd="0" destOrd="0" presId="urn:microsoft.com/office/officeart/2008/layout/LinedList"/>
+    <dgm:cxn modelId="{F684E99C-78E9-1A4D-9A68-1D9580493291}" type="presOf" srcId="{8F036C36-0043-4146-9399-322E87B4FD7D}" destId="{ED98A6C8-A174-B646-9810-E869337D95D9}" srcOrd="0" destOrd="0" presId="urn:microsoft.com/office/officeart/2008/layout/LinedList"/>
+    <dgm:cxn modelId="{28E9D5B9-29B9-0643-A3CC-8C853C7093E4}" type="presOf" srcId="{8CDB5325-E95F-499C-89CB-7D2A9D8A9E70}" destId="{EE6E091F-C4B3-2145-A79D-FDA1F0CADF90}" srcOrd="0" destOrd="0" presId="urn:microsoft.com/office/officeart/2008/layout/LinedList"/>
+    <dgm:cxn modelId="{778984C0-664F-45DF-B0FA-4A69804BF0EB}" srcId="{46F2EFDA-B58B-4CA7-B0B4-49D268CA8BD5}" destId="{03E42493-E2F3-4F2E-A57B-6461C70043DF}" srcOrd="1" destOrd="0" parTransId="{2350C804-1DEE-4DE4-8B52-0EC6D82F8DFE}" sibTransId="{184BCA5D-1AA6-4D55-99B5-A7C01A5BD76F}"/>
+    <dgm:cxn modelId="{963806D7-DEB5-D84D-B04E-14EE9AE03B82}" type="presOf" srcId="{32E0B020-1BA7-41D8-A53A-C25BCDA1AC86}" destId="{037ADBA0-09F2-254D-AC3E-760E8BAA84FD}" srcOrd="0" destOrd="0" presId="urn:microsoft.com/office/officeart/2008/layout/LinedList"/>
+    <dgm:cxn modelId="{D9638CED-4951-48A0-AB60-856DA7886789}" srcId="{46F2EFDA-B58B-4CA7-B0B4-49D268CA8BD5}" destId="{9A5D51CA-7BE5-4FAD-9414-DB83C287BF1B}" srcOrd="8" destOrd="0" parTransId="{820917DF-F34F-4657-A648-EFA727E8B571}" sibTransId="{7108B8E1-51DA-4084-BDDD-A7D3296E0F61}"/>
+    <dgm:cxn modelId="{CB46B8ED-E165-4F4D-93D4-C4C4AF4FA8E6}" type="presOf" srcId="{03E42493-E2F3-4F2E-A57B-6461C70043DF}" destId="{76AEB0F3-C483-9E46-A1D9-4C892D27E299}" srcOrd="0" destOrd="0" presId="urn:microsoft.com/office/officeart/2008/layout/LinedList"/>
+    <dgm:cxn modelId="{50F988FF-5518-42CC-B2AA-112D718BDEBA}" srcId="{46F2EFDA-B58B-4CA7-B0B4-49D268CA8BD5}" destId="{8F036C36-0043-4146-9399-322E87B4FD7D}" srcOrd="7" destOrd="0" parTransId="{CE03ABA0-45F8-4375-9E3B-5B9D3857C6F1}" sibTransId="{C5B5C9EF-1BFA-4A7D-AE1D-F08D187D2620}"/>
+    <dgm:cxn modelId="{CB2F95AF-9A8D-3D42-A11F-2BD896A92259}" type="presParOf" srcId="{1D60DE1C-5046-004A-A2FF-03451C4708C3}" destId="{3F5E6578-71B4-8F41-86A3-6F984CF230C4}" srcOrd="0" destOrd="0" presId="urn:microsoft.com/office/officeart/2008/layout/LinedList"/>
+    <dgm:cxn modelId="{3C6EFF39-D0B3-6149-B506-2B38E58DB42A}" type="presParOf" srcId="{1D60DE1C-5046-004A-A2FF-03451C4708C3}" destId="{B5EF0BA6-92DB-2743-B7D5-F35F315F7C8C}" srcOrd="1" destOrd="0" presId="urn:microsoft.com/office/officeart/2008/layout/LinedList"/>
+    <dgm:cxn modelId="{E6DDA54F-7831-4F43-BA62-4FDED0C45360}" type="presParOf" srcId="{B5EF0BA6-92DB-2743-B7D5-F35F315F7C8C}" destId="{BF9BCA72-063D-294E-963B-9CE714AEC730}" srcOrd="0" destOrd="0" presId="urn:microsoft.com/office/officeart/2008/layout/LinedList"/>
+    <dgm:cxn modelId="{6B0C403F-BBFC-8043-A0C4-F0C7B170406F}" type="presParOf" srcId="{B5EF0BA6-92DB-2743-B7D5-F35F315F7C8C}" destId="{56B9251D-3E2F-8E4D-B079-A514995794D9}" srcOrd="1" destOrd="0" presId="urn:microsoft.com/office/officeart/2008/layout/LinedList"/>
+    <dgm:cxn modelId="{8065000A-6076-C84D-98BE-2EF6CA22713A}" type="presParOf" srcId="{1D60DE1C-5046-004A-A2FF-03451C4708C3}" destId="{87CE8B83-8C8B-E746-99EB-B0462A111C0A}" srcOrd="2" destOrd="0" presId="urn:microsoft.com/office/officeart/2008/layout/LinedList"/>
+    <dgm:cxn modelId="{14337006-0E56-7C48-81D2-B625C85B6F41}" type="presParOf" srcId="{1D60DE1C-5046-004A-A2FF-03451C4708C3}" destId="{698A0EA8-E456-D849-A560-111F38392BBF}" srcOrd="3" destOrd="0" presId="urn:microsoft.com/office/officeart/2008/layout/LinedList"/>
+    <dgm:cxn modelId="{69352C6D-FC4B-EB46-A2B9-E72E10EAD09B}" type="presParOf" srcId="{698A0EA8-E456-D849-A560-111F38392BBF}" destId="{76AEB0F3-C483-9E46-A1D9-4C892D27E299}" srcOrd="0" destOrd="0" presId="urn:microsoft.com/office/officeart/2008/layout/LinedList"/>
+    <dgm:cxn modelId="{58599AC4-7C6F-5B48-9F8D-915F58E62D36}" type="presParOf" srcId="{698A0EA8-E456-D849-A560-111F38392BBF}" destId="{C844D9A9-7142-D647-A993-AD79ABAD0E1A}" srcOrd="1" destOrd="0" presId="urn:microsoft.com/office/officeart/2008/layout/LinedList"/>
+    <dgm:cxn modelId="{E7D008A0-A36A-4849-8FDA-5E81854066C7}" type="presParOf" srcId="{1D60DE1C-5046-004A-A2FF-03451C4708C3}" destId="{800CB01C-1115-1144-9A90-E1F38459EBC1}" srcOrd="4" destOrd="0" presId="urn:microsoft.com/office/officeart/2008/layout/LinedList"/>
+    <dgm:cxn modelId="{DE21D89F-AB78-F54B-9CBA-88915BE31909}" type="presParOf" srcId="{1D60DE1C-5046-004A-A2FF-03451C4708C3}" destId="{20484782-4F04-124E-9F16-55591597AE5F}" srcOrd="5" destOrd="0" presId="urn:microsoft.com/office/officeart/2008/layout/LinedList"/>
+    <dgm:cxn modelId="{EB3ADDA2-5D46-D64D-AFA4-3A73BCB52D77}" type="presParOf" srcId="{20484782-4F04-124E-9F16-55591597AE5F}" destId="{037ADBA0-09F2-254D-AC3E-760E8BAA84FD}" srcOrd="0" destOrd="0" presId="urn:microsoft.com/office/officeart/2008/layout/LinedList"/>
+    <dgm:cxn modelId="{FC4A01D6-C57B-264D-9C99-E0C42B3BD0C0}" type="presParOf" srcId="{20484782-4F04-124E-9F16-55591597AE5F}" destId="{44027E93-6939-AC46-972B-65008D0D9D2A}" srcOrd="1" destOrd="0" presId="urn:microsoft.com/office/officeart/2008/layout/LinedList"/>
+    <dgm:cxn modelId="{527393C5-D9E3-0D45-B1E0-D635593CFF72}" type="presParOf" srcId="{1D60DE1C-5046-004A-A2FF-03451C4708C3}" destId="{C57CFD59-4DFB-6747-8EC3-91AA5CC707FD}" srcOrd="6" destOrd="0" presId="urn:microsoft.com/office/officeart/2008/layout/LinedList"/>
+    <dgm:cxn modelId="{DF21D8DB-5E73-5A47-9032-19305053DFF7}" type="presParOf" srcId="{1D60DE1C-5046-004A-A2FF-03451C4708C3}" destId="{A68B2A94-0F47-5547-80CB-CE5178CA869A}" srcOrd="7" destOrd="0" presId="urn:microsoft.com/office/officeart/2008/layout/LinedList"/>
+    <dgm:cxn modelId="{CBF85125-E75A-C24D-B236-FC5F76ED15C2}" type="presParOf" srcId="{A68B2A94-0F47-5547-80CB-CE5178CA869A}" destId="{83806072-7139-0643-9FBC-3AC5535BE9B6}" srcOrd="0" destOrd="0" presId="urn:microsoft.com/office/officeart/2008/layout/LinedList"/>
+    <dgm:cxn modelId="{F404C68C-EBC8-C145-B02A-CC2CDF21BF4A}" type="presParOf" srcId="{A68B2A94-0F47-5547-80CB-CE5178CA869A}" destId="{A6B24B7C-7903-3745-A0D7-501D9AA91A87}" srcOrd="1" destOrd="0" presId="urn:microsoft.com/office/officeart/2008/layout/LinedList"/>
+    <dgm:cxn modelId="{1E46F8CB-54FE-AD4B-B891-79E894FF77E0}" type="presParOf" srcId="{1D60DE1C-5046-004A-A2FF-03451C4708C3}" destId="{FEE6EFCE-3736-6247-A7B8-8D5971B9A515}" srcOrd="8" destOrd="0" presId="urn:microsoft.com/office/officeart/2008/layout/LinedList"/>
+    <dgm:cxn modelId="{7E675C1A-07B6-8644-A9B9-9AAE7CFCEA1D}" type="presParOf" srcId="{1D60DE1C-5046-004A-A2FF-03451C4708C3}" destId="{7AE56E4A-DC80-164B-842B-751693600A58}" srcOrd="9" destOrd="0" presId="urn:microsoft.com/office/officeart/2008/layout/LinedList"/>
+    <dgm:cxn modelId="{18980156-3C6E-AA48-B6E8-0CE000AD8B4B}" type="presParOf" srcId="{7AE56E4A-DC80-164B-842B-751693600A58}" destId="{C1B0FF9F-114A-9B44-8298-476047822BBE}" srcOrd="0" destOrd="0" presId="urn:microsoft.com/office/officeart/2008/layout/LinedList"/>
+    <dgm:cxn modelId="{276C9DE9-CC98-EF46-9A3E-E528D10FE27B}" type="presParOf" srcId="{7AE56E4A-DC80-164B-842B-751693600A58}" destId="{28C0DC1F-B8A4-E742-8DC0-271D282BFAFE}" srcOrd="1" destOrd="0" presId="urn:microsoft.com/office/officeart/2008/layout/LinedList"/>
+    <dgm:cxn modelId="{FDEA9819-B55E-B247-A269-91AD645C7BE9}" type="presParOf" srcId="{1D60DE1C-5046-004A-A2FF-03451C4708C3}" destId="{B4D9221B-98A6-9F41-A719-8A29EB29545C}" srcOrd="10" destOrd="0" presId="urn:microsoft.com/office/officeart/2008/layout/LinedList"/>
+    <dgm:cxn modelId="{1ACE27FF-A7E4-0B45-B763-88B93E8FFA61}" type="presParOf" srcId="{1D60DE1C-5046-004A-A2FF-03451C4708C3}" destId="{1D9E256A-23D7-2F45-AD11-4B79D7ADC551}" srcOrd="11" destOrd="0" presId="urn:microsoft.com/office/officeart/2008/layout/LinedList"/>
+    <dgm:cxn modelId="{8F8AC20E-A83C-5748-9C13-53DF67377B2D}" type="presParOf" srcId="{1D9E256A-23D7-2F45-AD11-4B79D7ADC551}" destId="{EE6E091F-C4B3-2145-A79D-FDA1F0CADF90}" srcOrd="0" destOrd="0" presId="urn:microsoft.com/office/officeart/2008/layout/LinedList"/>
+    <dgm:cxn modelId="{89B8818D-6109-214E-ACBA-7A9D883C6AA1}" type="presParOf" srcId="{1D9E256A-23D7-2F45-AD11-4B79D7ADC551}" destId="{78B04FF9-8189-0E46-B776-2818326EBD99}" srcOrd="1" destOrd="0" presId="urn:microsoft.com/office/officeart/2008/layout/LinedList"/>
+    <dgm:cxn modelId="{3736A3F4-16ED-5F44-9598-AE4160CF32C9}" type="presParOf" srcId="{1D60DE1C-5046-004A-A2FF-03451C4708C3}" destId="{B0179B82-0311-494E-8363-84BD8752E933}" srcOrd="12" destOrd="0" presId="urn:microsoft.com/office/officeart/2008/layout/LinedList"/>
+    <dgm:cxn modelId="{690256B0-AAF0-474F-8B98-EB24A375F8DD}" type="presParOf" srcId="{1D60DE1C-5046-004A-A2FF-03451C4708C3}" destId="{41708DF2-F836-FA48-A2C6-579C2DBED3AA}" srcOrd="13" destOrd="0" presId="urn:microsoft.com/office/officeart/2008/layout/LinedList"/>
+    <dgm:cxn modelId="{AC3CE771-6A07-A441-B9D0-1D3029B5B8C1}" type="presParOf" srcId="{41708DF2-F836-FA48-A2C6-579C2DBED3AA}" destId="{E29ED4CD-05FB-D440-AFED-44A50ADA34F9}" srcOrd="0" destOrd="0" presId="urn:microsoft.com/office/officeart/2008/layout/LinedList"/>
+    <dgm:cxn modelId="{8907EB8F-5C60-EA46-9D0F-F56ACE0B3AE7}" type="presParOf" srcId="{41708DF2-F836-FA48-A2C6-579C2DBED3AA}" destId="{5B5257F9-37C2-D840-828A-01DAE66E539E}" srcOrd="1" destOrd="0" presId="urn:microsoft.com/office/officeart/2008/layout/LinedList"/>
+    <dgm:cxn modelId="{6F8C5603-43CD-194C-A338-0D5F0C6F8A58}" type="presParOf" srcId="{1D60DE1C-5046-004A-A2FF-03451C4708C3}" destId="{331BFEFF-A90A-7E46-8C7F-8D6076781A9B}" srcOrd="14" destOrd="0" presId="urn:microsoft.com/office/officeart/2008/layout/LinedList"/>
+    <dgm:cxn modelId="{59C4126B-1FD7-7A42-B936-DEE55DEA29AD}" type="presParOf" srcId="{1D60DE1C-5046-004A-A2FF-03451C4708C3}" destId="{94FEED84-0661-4145-ABF0-802A70F95B30}" srcOrd="15" destOrd="0" presId="urn:microsoft.com/office/officeart/2008/layout/LinedList"/>
+    <dgm:cxn modelId="{0DC0348E-6899-7D4B-821C-1A6BF81E86ED}" type="presParOf" srcId="{94FEED84-0661-4145-ABF0-802A70F95B30}" destId="{ED98A6C8-A174-B646-9810-E869337D95D9}" srcOrd="0" destOrd="0" presId="urn:microsoft.com/office/officeart/2008/layout/LinedList"/>
+    <dgm:cxn modelId="{28B01395-B367-F344-A418-56AD061F41BF}" type="presParOf" srcId="{94FEED84-0661-4145-ABF0-802A70F95B30}" destId="{27A0F35D-8D14-1F4E-916E-03F85A026FBF}" srcOrd="1" destOrd="0" presId="urn:microsoft.com/office/officeart/2008/layout/LinedList"/>
+    <dgm:cxn modelId="{718BB3E3-6243-F042-8BE7-5E5C200A6609}" type="presParOf" srcId="{1D60DE1C-5046-004A-A2FF-03451C4708C3}" destId="{F2B17806-9008-DE42-8911-93D3B9F2E93F}" srcOrd="16" destOrd="0" presId="urn:microsoft.com/office/officeart/2008/layout/LinedList"/>
+    <dgm:cxn modelId="{21C7B8ED-6E46-A546-A4C6-B367A3660318}" type="presParOf" srcId="{1D60DE1C-5046-004A-A2FF-03451C4708C3}" destId="{20D7F19B-B1DD-EF45-80E3-FE44F6CBC596}" srcOrd="17" destOrd="0" presId="urn:microsoft.com/office/officeart/2008/layout/LinedList"/>
+    <dgm:cxn modelId="{1DC5295B-F989-B344-90CA-6799B17B5D0C}" type="presParOf" srcId="{20D7F19B-B1DD-EF45-80E3-FE44F6CBC596}" destId="{55360E6D-35D6-424C-A005-98C8B8B022BB}" srcOrd="0" destOrd="0" presId="urn:microsoft.com/office/officeart/2008/layout/LinedList"/>
+    <dgm:cxn modelId="{F68FDDFC-76FC-9849-B36F-97821C614B76}" type="presParOf" srcId="{20D7F19B-B1DD-EF45-80E3-FE44F6CBC596}" destId="{7C6E7186-880C-434D-83BD-E96F713189F8}" srcOrd="1" destOrd="0" presId="urn:microsoft.com/office/officeart/2008/layout/LinedList"/>
+  </dgm:cxnLst>
+  <dgm:bg/>
+  <dgm:whole/>
+  <dgm:extLst>
+    <a:ext uri="http://schemas.microsoft.com/office/drawing/2008/diagram">
+      <dsp:dataModelExt xmlns:dsp="http://schemas.microsoft.com/office/drawing/2008/diagram" relId="rId7" minVer="http://schemas.openxmlformats.org/drawingml/2006/diagram"/>
     </a:ext>
   </dgm:extLst>
 </dgm:dataModel>
@@ -11061,6 +12374,1005 @@
 </dsp:drawing>
 </file>
 
+<file path=ppt/diagrams/drawing8.xml><?xml version="1.0" encoding="utf-8"?>
+<dsp:drawing xmlns:dgm="http://schemas.openxmlformats.org/drawingml/2006/diagram" xmlns:dsp="http://schemas.microsoft.com/office/drawing/2008/diagram" xmlns:a="http://schemas.openxmlformats.org/drawingml/2006/main">
+  <dsp:spTree>
+    <dsp:nvGrpSpPr>
+      <dsp:cNvPr id="0" name=""/>
+      <dsp:cNvGrpSpPr/>
+    </dsp:nvGrpSpPr>
+    <dsp:grpSpPr/>
+    <dsp:sp modelId="{3F5E6578-71B4-8F41-86A3-6F984CF230C4}">
+      <dsp:nvSpPr>
+        <dsp:cNvPr id="0" name=""/>
+        <dsp:cNvSpPr/>
+      </dsp:nvSpPr>
+      <dsp:spPr>
+        <a:xfrm>
+          <a:off x="0" y="491"/>
+          <a:ext cx="9720072" cy="0"/>
+        </a:xfrm>
+        <a:prstGeom prst="line">
+          <a:avLst/>
+        </a:prstGeom>
+        <a:solidFill>
+          <a:schemeClr val="accent1">
+            <a:hueOff val="0"/>
+            <a:satOff val="0"/>
+            <a:lumOff val="0"/>
+            <a:alphaOff val="0"/>
+          </a:schemeClr>
+        </a:solidFill>
+        <a:ln w="15875" cap="flat" cmpd="sng" algn="ctr">
+          <a:solidFill>
+            <a:schemeClr val="accent1">
+              <a:hueOff val="0"/>
+              <a:satOff val="0"/>
+              <a:lumOff val="0"/>
+              <a:alphaOff val="0"/>
+            </a:schemeClr>
+          </a:solidFill>
+          <a:prstDash val="solid"/>
+        </a:ln>
+        <a:effectLst/>
+      </dsp:spPr>
+      <dsp:style>
+        <a:lnRef idx="2">
+          <a:scrgbClr r="0" g="0" b="0"/>
+        </a:lnRef>
+        <a:fillRef idx="1">
+          <a:scrgbClr r="0" g="0" b="0"/>
+        </a:fillRef>
+        <a:effectRef idx="0">
+          <a:scrgbClr r="0" g="0" b="0"/>
+        </a:effectRef>
+        <a:fontRef idx="minor">
+          <a:schemeClr val="lt1"/>
+        </a:fontRef>
+      </dsp:style>
+    </dsp:sp>
+    <dsp:sp modelId="{BF9BCA72-063D-294E-963B-9CE714AEC730}">
+      <dsp:nvSpPr>
+        <dsp:cNvPr id="0" name=""/>
+        <dsp:cNvSpPr/>
+      </dsp:nvSpPr>
+      <dsp:spPr>
+        <a:xfrm>
+          <a:off x="0" y="491"/>
+          <a:ext cx="9720072" cy="446930"/>
+        </a:xfrm>
+        <a:prstGeom prst="rect">
+          <a:avLst/>
+        </a:prstGeom>
+        <a:noFill/>
+        <a:ln>
+          <a:noFill/>
+        </a:ln>
+        <a:effectLst/>
+      </dsp:spPr>
+      <dsp:style>
+        <a:lnRef idx="0">
+          <a:scrgbClr r="0" g="0" b="0"/>
+        </a:lnRef>
+        <a:fillRef idx="0">
+          <a:scrgbClr r="0" g="0" b="0"/>
+        </a:fillRef>
+        <a:effectRef idx="0">
+          <a:scrgbClr r="0" g="0" b="0"/>
+        </a:effectRef>
+        <a:fontRef idx="minor"/>
+      </dsp:style>
+      <dsp:txBody>
+        <a:bodyPr spcFirstLastPara="0" vert="horz" wrap="square" lIns="83820" tIns="83820" rIns="83820" bIns="83820" numCol="1" spcCol="1270" anchor="t" anchorCtr="0">
+          <a:noAutofit/>
+        </a:bodyPr>
+        <a:lstStyle/>
+        <a:p>
+          <a:pPr marL="0" lvl="0" indent="0" algn="l" defTabSz="977900">
+            <a:lnSpc>
+              <a:spcPct val="90000"/>
+            </a:lnSpc>
+            <a:spcBef>
+              <a:spcPct val="0"/>
+            </a:spcBef>
+            <a:spcAft>
+              <a:spcPct val="35000"/>
+            </a:spcAft>
+            <a:buNone/>
+          </a:pPr>
+          <a:r>
+            <a:rPr lang="en-US" sz="2200" b="1" kern="1200"/>
+            <a:t>4. VFO’s market strategist is considering a six-month call option strategy on the</a:t>
+          </a:r>
+          <a:endParaRPr lang="en-US" sz="2200" kern="1200"/>
+        </a:p>
+      </dsp:txBody>
+      <dsp:txXfrm>
+        <a:off x="0" y="491"/>
+        <a:ext cx="9720072" cy="446930"/>
+      </dsp:txXfrm>
+    </dsp:sp>
+    <dsp:sp modelId="{87CE8B83-8C8B-E746-99EB-B0462A111C0A}">
+      <dsp:nvSpPr>
+        <dsp:cNvPr id="0" name=""/>
+        <dsp:cNvSpPr/>
+      </dsp:nvSpPr>
+      <dsp:spPr>
+        <a:xfrm>
+          <a:off x="0" y="447421"/>
+          <a:ext cx="9720072" cy="0"/>
+        </a:xfrm>
+        <a:prstGeom prst="line">
+          <a:avLst/>
+        </a:prstGeom>
+        <a:solidFill>
+          <a:schemeClr val="accent1">
+            <a:hueOff val="0"/>
+            <a:satOff val="0"/>
+            <a:lumOff val="0"/>
+            <a:alphaOff val="0"/>
+          </a:schemeClr>
+        </a:solidFill>
+        <a:ln w="15875" cap="flat" cmpd="sng" algn="ctr">
+          <a:solidFill>
+            <a:schemeClr val="accent1">
+              <a:hueOff val="0"/>
+              <a:satOff val="0"/>
+              <a:lumOff val="0"/>
+              <a:alphaOff val="0"/>
+            </a:schemeClr>
+          </a:solidFill>
+          <a:prstDash val="solid"/>
+        </a:ln>
+        <a:effectLst/>
+      </dsp:spPr>
+      <dsp:style>
+        <a:lnRef idx="2">
+          <a:scrgbClr r="0" g="0" b="0"/>
+        </a:lnRef>
+        <a:fillRef idx="1">
+          <a:scrgbClr r="0" g="0" b="0"/>
+        </a:fillRef>
+        <a:effectRef idx="0">
+          <a:scrgbClr r="0" g="0" b="0"/>
+        </a:effectRef>
+        <a:fontRef idx="minor">
+          <a:schemeClr val="lt1"/>
+        </a:fontRef>
+      </dsp:style>
+    </dsp:sp>
+    <dsp:sp modelId="{76AEB0F3-C483-9E46-A1D9-4C892D27E299}">
+      <dsp:nvSpPr>
+        <dsp:cNvPr id="0" name=""/>
+        <dsp:cNvSpPr/>
+      </dsp:nvSpPr>
+      <dsp:spPr>
+        <a:xfrm>
+          <a:off x="0" y="447421"/>
+          <a:ext cx="9720072" cy="446930"/>
+        </a:xfrm>
+        <a:prstGeom prst="rect">
+          <a:avLst/>
+        </a:prstGeom>
+        <a:noFill/>
+        <a:ln>
+          <a:noFill/>
+        </a:ln>
+        <a:effectLst/>
+      </dsp:spPr>
+      <dsp:style>
+        <a:lnRef idx="0">
+          <a:scrgbClr r="0" g="0" b="0"/>
+        </a:lnRef>
+        <a:fillRef idx="0">
+          <a:scrgbClr r="0" g="0" b="0"/>
+        </a:fillRef>
+        <a:effectRef idx="0">
+          <a:scrgbClr r="0" g="0" b="0"/>
+        </a:effectRef>
+        <a:fontRef idx="minor"/>
+      </dsp:style>
+      <dsp:txBody>
+        <a:bodyPr spcFirstLastPara="0" vert="horz" wrap="square" lIns="83820" tIns="83820" rIns="83820" bIns="83820" numCol="1" spcCol="1270" anchor="t" anchorCtr="0">
+          <a:noAutofit/>
+        </a:bodyPr>
+        <a:lstStyle/>
+        <a:p>
+          <a:pPr marL="0" lvl="0" indent="0" algn="l" defTabSz="977900">
+            <a:lnSpc>
+              <a:spcPct val="90000"/>
+            </a:lnSpc>
+            <a:spcBef>
+              <a:spcPct val="0"/>
+            </a:spcBef>
+            <a:spcAft>
+              <a:spcPct val="35000"/>
+            </a:spcAft>
+            <a:buNone/>
+          </a:pPr>
+          <a:r>
+            <a:rPr lang="en-US" sz="2200" b="1" kern="1200"/>
+            <a:t>NIFTY 50 benchmark Indian stock market index to increase broad market equity</a:t>
+          </a:r>
+          <a:endParaRPr lang="en-US" sz="2200" kern="1200"/>
+        </a:p>
+      </dsp:txBody>
+      <dsp:txXfrm>
+        <a:off x="0" y="447421"/>
+        <a:ext cx="9720072" cy="446930"/>
+      </dsp:txXfrm>
+    </dsp:sp>
+    <dsp:sp modelId="{800CB01C-1115-1144-9A90-E1F38459EBC1}">
+      <dsp:nvSpPr>
+        <dsp:cNvPr id="0" name=""/>
+        <dsp:cNvSpPr/>
+      </dsp:nvSpPr>
+      <dsp:spPr>
+        <a:xfrm>
+          <a:off x="0" y="894352"/>
+          <a:ext cx="9720072" cy="0"/>
+        </a:xfrm>
+        <a:prstGeom prst="line">
+          <a:avLst/>
+        </a:prstGeom>
+        <a:solidFill>
+          <a:schemeClr val="accent1">
+            <a:hueOff val="0"/>
+            <a:satOff val="0"/>
+            <a:lumOff val="0"/>
+            <a:alphaOff val="0"/>
+          </a:schemeClr>
+        </a:solidFill>
+        <a:ln w="15875" cap="flat" cmpd="sng" algn="ctr">
+          <a:solidFill>
+            <a:schemeClr val="accent1">
+              <a:hueOff val="0"/>
+              <a:satOff val="0"/>
+              <a:lumOff val="0"/>
+              <a:alphaOff val="0"/>
+            </a:schemeClr>
+          </a:solidFill>
+          <a:prstDash val="solid"/>
+        </a:ln>
+        <a:effectLst/>
+      </dsp:spPr>
+      <dsp:style>
+        <a:lnRef idx="2">
+          <a:scrgbClr r="0" g="0" b="0"/>
+        </a:lnRef>
+        <a:fillRef idx="1">
+          <a:scrgbClr r="0" g="0" b="0"/>
+        </a:fillRef>
+        <a:effectRef idx="0">
+          <a:scrgbClr r="0" g="0" b="0"/>
+        </a:effectRef>
+        <a:fontRef idx="minor">
+          <a:schemeClr val="lt1"/>
+        </a:fontRef>
+      </dsp:style>
+    </dsp:sp>
+    <dsp:sp modelId="{037ADBA0-09F2-254D-AC3E-760E8BAA84FD}">
+      <dsp:nvSpPr>
+        <dsp:cNvPr id="0" name=""/>
+        <dsp:cNvSpPr/>
+      </dsp:nvSpPr>
+      <dsp:spPr>
+        <a:xfrm>
+          <a:off x="0" y="894352"/>
+          <a:ext cx="9720072" cy="446930"/>
+        </a:xfrm>
+        <a:prstGeom prst="rect">
+          <a:avLst/>
+        </a:prstGeom>
+        <a:noFill/>
+        <a:ln>
+          <a:noFill/>
+        </a:ln>
+        <a:effectLst/>
+      </dsp:spPr>
+      <dsp:style>
+        <a:lnRef idx="0">
+          <a:scrgbClr r="0" g="0" b="0"/>
+        </a:lnRef>
+        <a:fillRef idx="0">
+          <a:scrgbClr r="0" g="0" b="0"/>
+        </a:fillRef>
+        <a:effectRef idx="0">
+          <a:scrgbClr r="0" g="0" b="0"/>
+        </a:effectRef>
+        <a:fontRef idx="minor"/>
+      </dsp:style>
+      <dsp:txBody>
+        <a:bodyPr spcFirstLastPara="0" vert="horz" wrap="square" lIns="83820" tIns="83820" rIns="83820" bIns="83820" numCol="1" spcCol="1270" anchor="t" anchorCtr="0">
+          <a:noAutofit/>
+        </a:bodyPr>
+        <a:lstStyle/>
+        <a:p>
+          <a:pPr marL="0" lvl="0" indent="0" algn="l" defTabSz="977900">
+            <a:lnSpc>
+              <a:spcPct val="90000"/>
+            </a:lnSpc>
+            <a:spcBef>
+              <a:spcPct val="0"/>
+            </a:spcBef>
+            <a:spcAft>
+              <a:spcPct val="35000"/>
+            </a:spcAft>
+            <a:buNone/>
+          </a:pPr>
+          <a:r>
+            <a:rPr lang="en-US" sz="2200" b="1" kern="1200"/>
+            <a:t>exposure. The NIFTY 50 price today is INR15,200, and the strategist observes</a:t>
+          </a:r>
+          <a:endParaRPr lang="en-US" sz="2200" kern="1200"/>
+        </a:p>
+      </dsp:txBody>
+      <dsp:txXfrm>
+        <a:off x="0" y="894352"/>
+        <a:ext cx="9720072" cy="446930"/>
+      </dsp:txXfrm>
+    </dsp:sp>
+    <dsp:sp modelId="{C57CFD59-4DFB-6747-8EC3-91AA5CC707FD}">
+      <dsp:nvSpPr>
+        <dsp:cNvPr id="0" name=""/>
+        <dsp:cNvSpPr/>
+      </dsp:nvSpPr>
+      <dsp:spPr>
+        <a:xfrm>
+          <a:off x="0" y="1341283"/>
+          <a:ext cx="9720072" cy="0"/>
+        </a:xfrm>
+        <a:prstGeom prst="line">
+          <a:avLst/>
+        </a:prstGeom>
+        <a:solidFill>
+          <a:schemeClr val="accent1">
+            <a:hueOff val="0"/>
+            <a:satOff val="0"/>
+            <a:lumOff val="0"/>
+            <a:alphaOff val="0"/>
+          </a:schemeClr>
+        </a:solidFill>
+        <a:ln w="15875" cap="flat" cmpd="sng" algn="ctr">
+          <a:solidFill>
+            <a:schemeClr val="accent1">
+              <a:hueOff val="0"/>
+              <a:satOff val="0"/>
+              <a:lumOff val="0"/>
+              <a:alphaOff val="0"/>
+            </a:schemeClr>
+          </a:solidFill>
+          <a:prstDash val="solid"/>
+        </a:ln>
+        <a:effectLst/>
+      </dsp:spPr>
+      <dsp:style>
+        <a:lnRef idx="2">
+          <a:scrgbClr r="0" g="0" b="0"/>
+        </a:lnRef>
+        <a:fillRef idx="1">
+          <a:scrgbClr r="0" g="0" b="0"/>
+        </a:fillRef>
+        <a:effectRef idx="0">
+          <a:scrgbClr r="0" g="0" b="0"/>
+        </a:effectRef>
+        <a:fontRef idx="minor">
+          <a:schemeClr val="lt1"/>
+        </a:fontRef>
+      </dsp:style>
+    </dsp:sp>
+    <dsp:sp modelId="{83806072-7139-0643-9FBC-3AC5535BE9B6}">
+      <dsp:nvSpPr>
+        <dsp:cNvPr id="0" name=""/>
+        <dsp:cNvSpPr/>
+      </dsp:nvSpPr>
+      <dsp:spPr>
+        <a:xfrm>
+          <a:off x="0" y="1341283"/>
+          <a:ext cx="9720072" cy="446930"/>
+        </a:xfrm>
+        <a:prstGeom prst="rect">
+          <a:avLst/>
+        </a:prstGeom>
+        <a:noFill/>
+        <a:ln>
+          <a:noFill/>
+        </a:ln>
+        <a:effectLst/>
+      </dsp:spPr>
+      <dsp:style>
+        <a:lnRef idx="0">
+          <a:scrgbClr r="0" g="0" b="0"/>
+        </a:lnRef>
+        <a:fillRef idx="0">
+          <a:scrgbClr r="0" g="0" b="0"/>
+        </a:fillRef>
+        <a:effectRef idx="0">
+          <a:scrgbClr r="0" g="0" b="0"/>
+        </a:effectRef>
+        <a:fontRef idx="minor"/>
+      </dsp:style>
+      <dsp:txBody>
+        <a:bodyPr spcFirstLastPara="0" vert="horz" wrap="square" lIns="83820" tIns="83820" rIns="83820" bIns="83820" numCol="1" spcCol="1270" anchor="t" anchorCtr="0">
+          <a:noAutofit/>
+        </a:bodyPr>
+        <a:lstStyle/>
+        <a:p>
+          <a:pPr marL="0" lvl="0" indent="0" algn="l" defTabSz="977900">
+            <a:lnSpc>
+              <a:spcPct val="90000"/>
+            </a:lnSpc>
+            <a:spcBef>
+              <a:spcPct val="0"/>
+            </a:spcBef>
+            <a:spcAft>
+              <a:spcPct val="35000"/>
+            </a:spcAft>
+            <a:buNone/>
+          </a:pPr>
+          <a:r>
+            <a:rPr lang="en-US" sz="2200" b="1" kern="1200"/>
+            <a:t>that a call option with a INR16,000 exercise price (X) is trading at a premium of</a:t>
+          </a:r>
+          <a:endParaRPr lang="en-US" sz="2200" kern="1200"/>
+        </a:p>
+      </dsp:txBody>
+      <dsp:txXfrm>
+        <a:off x="0" y="1341283"/>
+        <a:ext cx="9720072" cy="446930"/>
+      </dsp:txXfrm>
+    </dsp:sp>
+    <dsp:sp modelId="{FEE6EFCE-3736-6247-A7B8-8D5971B9A515}">
+      <dsp:nvSpPr>
+        <dsp:cNvPr id="0" name=""/>
+        <dsp:cNvSpPr/>
+      </dsp:nvSpPr>
+      <dsp:spPr>
+        <a:xfrm>
+          <a:off x="0" y="1788214"/>
+          <a:ext cx="9720072" cy="0"/>
+        </a:xfrm>
+        <a:prstGeom prst="line">
+          <a:avLst/>
+        </a:prstGeom>
+        <a:solidFill>
+          <a:schemeClr val="accent1">
+            <a:hueOff val="0"/>
+            <a:satOff val="0"/>
+            <a:lumOff val="0"/>
+            <a:alphaOff val="0"/>
+          </a:schemeClr>
+        </a:solidFill>
+        <a:ln w="15875" cap="flat" cmpd="sng" algn="ctr">
+          <a:solidFill>
+            <a:schemeClr val="accent1">
+              <a:hueOff val="0"/>
+              <a:satOff val="0"/>
+              <a:lumOff val="0"/>
+              <a:alphaOff val="0"/>
+            </a:schemeClr>
+          </a:solidFill>
+          <a:prstDash val="solid"/>
+        </a:ln>
+        <a:effectLst/>
+      </dsp:spPr>
+      <dsp:style>
+        <a:lnRef idx="2">
+          <a:scrgbClr r="0" g="0" b="0"/>
+        </a:lnRef>
+        <a:fillRef idx="1">
+          <a:scrgbClr r="0" g="0" b="0"/>
+        </a:fillRef>
+        <a:effectRef idx="0">
+          <a:scrgbClr r="0" g="0" b="0"/>
+        </a:effectRef>
+        <a:fontRef idx="minor">
+          <a:schemeClr val="lt1"/>
+        </a:fontRef>
+      </dsp:style>
+    </dsp:sp>
+    <dsp:sp modelId="{C1B0FF9F-114A-9B44-8298-476047822BBE}">
+      <dsp:nvSpPr>
+        <dsp:cNvPr id="0" name=""/>
+        <dsp:cNvSpPr/>
+      </dsp:nvSpPr>
+      <dsp:spPr>
+        <a:xfrm>
+          <a:off x="0" y="1788214"/>
+          <a:ext cx="9720072" cy="446930"/>
+        </a:xfrm>
+        <a:prstGeom prst="rect">
+          <a:avLst/>
+        </a:prstGeom>
+        <a:noFill/>
+        <a:ln>
+          <a:noFill/>
+        </a:ln>
+        <a:effectLst/>
+      </dsp:spPr>
+      <dsp:style>
+        <a:lnRef idx="0">
+          <a:scrgbClr r="0" g="0" b="0"/>
+        </a:lnRef>
+        <a:fillRef idx="0">
+          <a:scrgbClr r="0" g="0" b="0"/>
+        </a:fillRef>
+        <a:effectRef idx="0">
+          <a:scrgbClr r="0" g="0" b="0"/>
+        </a:effectRef>
+        <a:fontRef idx="minor"/>
+      </dsp:style>
+      <dsp:txBody>
+        <a:bodyPr spcFirstLastPara="0" vert="horz" wrap="square" lIns="83820" tIns="83820" rIns="83820" bIns="83820" numCol="1" spcCol="1270" anchor="t" anchorCtr="0">
+          <a:noAutofit/>
+        </a:bodyPr>
+        <a:lstStyle/>
+        <a:p>
+          <a:pPr marL="0" lvl="0" indent="0" algn="l" defTabSz="977900">
+            <a:lnSpc>
+              <a:spcPct val="90000"/>
+            </a:lnSpc>
+            <a:spcBef>
+              <a:spcPct val="0"/>
+            </a:spcBef>
+            <a:spcAft>
+              <a:spcPct val="35000"/>
+            </a:spcAft>
+            <a:buNone/>
+          </a:pPr>
+          <a:r>
+            <a:rPr lang="en-US" sz="2200" b="1" kern="1200"/>
+            <a:t>INR1,500. Which of the following represents the payoff and profit of this strategy</a:t>
+          </a:r>
+          <a:endParaRPr lang="en-US" sz="2200" kern="1200"/>
+        </a:p>
+      </dsp:txBody>
+      <dsp:txXfrm>
+        <a:off x="0" y="1788214"/>
+        <a:ext cx="9720072" cy="446930"/>
+      </dsp:txXfrm>
+    </dsp:sp>
+    <dsp:sp modelId="{B4D9221B-98A6-9F41-A719-8A29EB29545C}">
+      <dsp:nvSpPr>
+        <dsp:cNvPr id="0" name=""/>
+        <dsp:cNvSpPr/>
+      </dsp:nvSpPr>
+      <dsp:spPr>
+        <a:xfrm>
+          <a:off x="0" y="2235145"/>
+          <a:ext cx="9720072" cy="0"/>
+        </a:xfrm>
+        <a:prstGeom prst="line">
+          <a:avLst/>
+        </a:prstGeom>
+        <a:solidFill>
+          <a:schemeClr val="accent1">
+            <a:hueOff val="0"/>
+            <a:satOff val="0"/>
+            <a:lumOff val="0"/>
+            <a:alphaOff val="0"/>
+          </a:schemeClr>
+        </a:solidFill>
+        <a:ln w="15875" cap="flat" cmpd="sng" algn="ctr">
+          <a:solidFill>
+            <a:schemeClr val="accent1">
+              <a:hueOff val="0"/>
+              <a:satOff val="0"/>
+              <a:lumOff val="0"/>
+              <a:alphaOff val="0"/>
+            </a:schemeClr>
+          </a:solidFill>
+          <a:prstDash val="solid"/>
+        </a:ln>
+        <a:effectLst/>
+      </dsp:spPr>
+      <dsp:style>
+        <a:lnRef idx="2">
+          <a:scrgbClr r="0" g="0" b="0"/>
+        </a:lnRef>
+        <a:fillRef idx="1">
+          <a:scrgbClr r="0" g="0" b="0"/>
+        </a:fillRef>
+        <a:effectRef idx="0">
+          <a:scrgbClr r="0" g="0" b="0"/>
+        </a:effectRef>
+        <a:fontRef idx="minor">
+          <a:schemeClr val="lt1"/>
+        </a:fontRef>
+      </dsp:style>
+    </dsp:sp>
+    <dsp:sp modelId="{EE6E091F-C4B3-2145-A79D-FDA1F0CADF90}">
+      <dsp:nvSpPr>
+        <dsp:cNvPr id="0" name=""/>
+        <dsp:cNvSpPr/>
+      </dsp:nvSpPr>
+      <dsp:spPr>
+        <a:xfrm>
+          <a:off x="0" y="2235145"/>
+          <a:ext cx="9720072" cy="446930"/>
+        </a:xfrm>
+        <a:prstGeom prst="rect">
+          <a:avLst/>
+        </a:prstGeom>
+        <a:noFill/>
+        <a:ln>
+          <a:noFill/>
+        </a:ln>
+        <a:effectLst/>
+      </dsp:spPr>
+      <dsp:style>
+        <a:lnRef idx="0">
+          <a:scrgbClr r="0" g="0" b="0"/>
+        </a:lnRef>
+        <a:fillRef idx="0">
+          <a:scrgbClr r="0" g="0" b="0"/>
+        </a:fillRef>
+        <a:effectRef idx="0">
+          <a:scrgbClr r="0" g="0" b="0"/>
+        </a:effectRef>
+        <a:fontRef idx="minor"/>
+      </dsp:style>
+      <dsp:txBody>
+        <a:bodyPr spcFirstLastPara="0" vert="horz" wrap="square" lIns="83820" tIns="83820" rIns="83820" bIns="83820" numCol="1" spcCol="1270" anchor="t" anchorCtr="0">
+          <a:noAutofit/>
+        </a:bodyPr>
+        <a:lstStyle/>
+        <a:p>
+          <a:pPr marL="0" lvl="0" indent="0" algn="l" defTabSz="977900">
+            <a:lnSpc>
+              <a:spcPct val="90000"/>
+            </a:lnSpc>
+            <a:spcBef>
+              <a:spcPct val="0"/>
+            </a:spcBef>
+            <a:spcAft>
+              <a:spcPct val="35000"/>
+            </a:spcAft>
+            <a:buNone/>
+          </a:pPr>
+          <a:r>
+            <a:rPr lang="en-US" sz="2200" b="1" kern="1200"/>
+            <a:t>just prior to maturity if the NIFTY 50 is trading at INR16,500?</a:t>
+          </a:r>
+          <a:endParaRPr lang="en-US" sz="2200" kern="1200"/>
+        </a:p>
+      </dsp:txBody>
+      <dsp:txXfrm>
+        <a:off x="0" y="2235145"/>
+        <a:ext cx="9720072" cy="446930"/>
+      </dsp:txXfrm>
+    </dsp:sp>
+    <dsp:sp modelId="{B0179B82-0311-494E-8363-84BD8752E933}">
+      <dsp:nvSpPr>
+        <dsp:cNvPr id="0" name=""/>
+        <dsp:cNvSpPr/>
+      </dsp:nvSpPr>
+      <dsp:spPr>
+        <a:xfrm>
+          <a:off x="0" y="2682076"/>
+          <a:ext cx="9720072" cy="0"/>
+        </a:xfrm>
+        <a:prstGeom prst="line">
+          <a:avLst/>
+        </a:prstGeom>
+        <a:solidFill>
+          <a:schemeClr val="accent1">
+            <a:hueOff val="0"/>
+            <a:satOff val="0"/>
+            <a:lumOff val="0"/>
+            <a:alphaOff val="0"/>
+          </a:schemeClr>
+        </a:solidFill>
+        <a:ln w="15875" cap="flat" cmpd="sng" algn="ctr">
+          <a:solidFill>
+            <a:schemeClr val="accent1">
+              <a:hueOff val="0"/>
+              <a:satOff val="0"/>
+              <a:lumOff val="0"/>
+              <a:alphaOff val="0"/>
+            </a:schemeClr>
+          </a:solidFill>
+          <a:prstDash val="solid"/>
+        </a:ln>
+        <a:effectLst/>
+      </dsp:spPr>
+      <dsp:style>
+        <a:lnRef idx="2">
+          <a:scrgbClr r="0" g="0" b="0"/>
+        </a:lnRef>
+        <a:fillRef idx="1">
+          <a:scrgbClr r="0" g="0" b="0"/>
+        </a:fillRef>
+        <a:effectRef idx="0">
+          <a:scrgbClr r="0" g="0" b="0"/>
+        </a:effectRef>
+        <a:fontRef idx="minor">
+          <a:schemeClr val="lt1"/>
+        </a:fontRef>
+      </dsp:style>
+    </dsp:sp>
+    <dsp:sp modelId="{E29ED4CD-05FB-D440-AFED-44A50ADA34F9}">
+      <dsp:nvSpPr>
+        <dsp:cNvPr id="0" name=""/>
+        <dsp:cNvSpPr/>
+      </dsp:nvSpPr>
+      <dsp:spPr>
+        <a:xfrm>
+          <a:off x="0" y="2682076"/>
+          <a:ext cx="9720072" cy="446930"/>
+        </a:xfrm>
+        <a:prstGeom prst="rect">
+          <a:avLst/>
+        </a:prstGeom>
+        <a:noFill/>
+        <a:ln>
+          <a:noFill/>
+        </a:ln>
+        <a:effectLst/>
+      </dsp:spPr>
+      <dsp:style>
+        <a:lnRef idx="0">
+          <a:scrgbClr r="0" g="0" b="0"/>
+        </a:lnRef>
+        <a:fillRef idx="0">
+          <a:scrgbClr r="0" g="0" b="0"/>
+        </a:fillRef>
+        <a:effectRef idx="0">
+          <a:scrgbClr r="0" g="0" b="0"/>
+        </a:effectRef>
+        <a:fontRef idx="minor"/>
+      </dsp:style>
+      <dsp:txBody>
+        <a:bodyPr spcFirstLastPara="0" vert="horz" wrap="square" lIns="83820" tIns="83820" rIns="83820" bIns="83820" numCol="1" spcCol="1270" anchor="t" anchorCtr="0">
+          <a:noAutofit/>
+        </a:bodyPr>
+        <a:lstStyle/>
+        <a:p>
+          <a:pPr marL="0" lvl="0" indent="0" algn="l" defTabSz="977900">
+            <a:lnSpc>
+              <a:spcPct val="90000"/>
+            </a:lnSpc>
+            <a:spcBef>
+              <a:spcPct val="0"/>
+            </a:spcBef>
+            <a:spcAft>
+              <a:spcPct val="35000"/>
+            </a:spcAft>
+            <a:buNone/>
+          </a:pPr>
+          <a:r>
+            <a:rPr lang="en-US" sz="2200" kern="1200"/>
+            <a:t>A. Payoff is INR500; profit is –INR1,000.</a:t>
+          </a:r>
+        </a:p>
+      </dsp:txBody>
+      <dsp:txXfrm>
+        <a:off x="0" y="2682076"/>
+        <a:ext cx="9720072" cy="446930"/>
+      </dsp:txXfrm>
+    </dsp:sp>
+    <dsp:sp modelId="{331BFEFF-A90A-7E46-8C7F-8D6076781A9B}">
+      <dsp:nvSpPr>
+        <dsp:cNvPr id="0" name=""/>
+        <dsp:cNvSpPr/>
+      </dsp:nvSpPr>
+      <dsp:spPr>
+        <a:xfrm>
+          <a:off x="0" y="3129007"/>
+          <a:ext cx="9720072" cy="0"/>
+        </a:xfrm>
+        <a:prstGeom prst="line">
+          <a:avLst/>
+        </a:prstGeom>
+        <a:solidFill>
+          <a:schemeClr val="accent1">
+            <a:hueOff val="0"/>
+            <a:satOff val="0"/>
+            <a:lumOff val="0"/>
+            <a:alphaOff val="0"/>
+          </a:schemeClr>
+        </a:solidFill>
+        <a:ln w="15875" cap="flat" cmpd="sng" algn="ctr">
+          <a:solidFill>
+            <a:schemeClr val="accent1">
+              <a:hueOff val="0"/>
+              <a:satOff val="0"/>
+              <a:lumOff val="0"/>
+              <a:alphaOff val="0"/>
+            </a:schemeClr>
+          </a:solidFill>
+          <a:prstDash val="solid"/>
+        </a:ln>
+        <a:effectLst/>
+      </dsp:spPr>
+      <dsp:style>
+        <a:lnRef idx="2">
+          <a:scrgbClr r="0" g="0" b="0"/>
+        </a:lnRef>
+        <a:fillRef idx="1">
+          <a:scrgbClr r="0" g="0" b="0"/>
+        </a:fillRef>
+        <a:effectRef idx="0">
+          <a:scrgbClr r="0" g="0" b="0"/>
+        </a:effectRef>
+        <a:fontRef idx="minor">
+          <a:schemeClr val="lt1"/>
+        </a:fontRef>
+      </dsp:style>
+    </dsp:sp>
+    <dsp:sp modelId="{ED98A6C8-A174-B646-9810-E869337D95D9}">
+      <dsp:nvSpPr>
+        <dsp:cNvPr id="0" name=""/>
+        <dsp:cNvSpPr/>
+      </dsp:nvSpPr>
+      <dsp:spPr>
+        <a:xfrm>
+          <a:off x="0" y="3129007"/>
+          <a:ext cx="9720072" cy="446930"/>
+        </a:xfrm>
+        <a:prstGeom prst="rect">
+          <a:avLst/>
+        </a:prstGeom>
+        <a:noFill/>
+        <a:ln>
+          <a:noFill/>
+        </a:ln>
+        <a:effectLst/>
+      </dsp:spPr>
+      <dsp:style>
+        <a:lnRef idx="0">
+          <a:scrgbClr r="0" g="0" b="0"/>
+        </a:lnRef>
+        <a:fillRef idx="0">
+          <a:scrgbClr r="0" g="0" b="0"/>
+        </a:fillRef>
+        <a:effectRef idx="0">
+          <a:scrgbClr r="0" g="0" b="0"/>
+        </a:effectRef>
+        <a:fontRef idx="minor"/>
+      </dsp:style>
+      <dsp:txBody>
+        <a:bodyPr spcFirstLastPara="0" vert="horz" wrap="square" lIns="83820" tIns="83820" rIns="83820" bIns="83820" numCol="1" spcCol="1270" anchor="t" anchorCtr="0">
+          <a:noAutofit/>
+        </a:bodyPr>
+        <a:lstStyle/>
+        <a:p>
+          <a:pPr marL="0" lvl="0" indent="0" algn="l" defTabSz="977900">
+            <a:lnSpc>
+              <a:spcPct val="90000"/>
+            </a:lnSpc>
+            <a:spcBef>
+              <a:spcPct val="0"/>
+            </a:spcBef>
+            <a:spcAft>
+              <a:spcPct val="35000"/>
+            </a:spcAft>
+            <a:buNone/>
+          </a:pPr>
+          <a:r>
+            <a:rPr lang="en-US" sz="2200" kern="1200"/>
+            <a:t>B. Payoff is INR1,300; profit is INR800.</a:t>
+          </a:r>
+        </a:p>
+      </dsp:txBody>
+      <dsp:txXfrm>
+        <a:off x="0" y="3129007"/>
+        <a:ext cx="9720072" cy="446930"/>
+      </dsp:txXfrm>
+    </dsp:sp>
+    <dsp:sp modelId="{F2B17806-9008-DE42-8911-93D3B9F2E93F}">
+      <dsp:nvSpPr>
+        <dsp:cNvPr id="0" name=""/>
+        <dsp:cNvSpPr/>
+      </dsp:nvSpPr>
+      <dsp:spPr>
+        <a:xfrm>
+          <a:off x="0" y="3575938"/>
+          <a:ext cx="9720072" cy="0"/>
+        </a:xfrm>
+        <a:prstGeom prst="line">
+          <a:avLst/>
+        </a:prstGeom>
+        <a:solidFill>
+          <a:schemeClr val="accent1">
+            <a:hueOff val="0"/>
+            <a:satOff val="0"/>
+            <a:lumOff val="0"/>
+            <a:alphaOff val="0"/>
+          </a:schemeClr>
+        </a:solidFill>
+        <a:ln w="15875" cap="flat" cmpd="sng" algn="ctr">
+          <a:solidFill>
+            <a:schemeClr val="accent1">
+              <a:hueOff val="0"/>
+              <a:satOff val="0"/>
+              <a:lumOff val="0"/>
+              <a:alphaOff val="0"/>
+            </a:schemeClr>
+          </a:solidFill>
+          <a:prstDash val="solid"/>
+        </a:ln>
+        <a:effectLst/>
+      </dsp:spPr>
+      <dsp:style>
+        <a:lnRef idx="2">
+          <a:scrgbClr r="0" g="0" b="0"/>
+        </a:lnRef>
+        <a:fillRef idx="1">
+          <a:scrgbClr r="0" g="0" b="0"/>
+        </a:fillRef>
+        <a:effectRef idx="0">
+          <a:scrgbClr r="0" g="0" b="0"/>
+        </a:effectRef>
+        <a:fontRef idx="minor">
+          <a:schemeClr val="lt1"/>
+        </a:fontRef>
+      </dsp:style>
+    </dsp:sp>
+    <dsp:sp modelId="{55360E6D-35D6-424C-A005-98C8B8B022BB}">
+      <dsp:nvSpPr>
+        <dsp:cNvPr id="0" name=""/>
+        <dsp:cNvSpPr/>
+      </dsp:nvSpPr>
+      <dsp:spPr>
+        <a:xfrm>
+          <a:off x="0" y="3575938"/>
+          <a:ext cx="9720072" cy="446930"/>
+        </a:xfrm>
+        <a:prstGeom prst="rect">
+          <a:avLst/>
+        </a:prstGeom>
+        <a:noFill/>
+        <a:ln>
+          <a:noFill/>
+        </a:ln>
+        <a:effectLst/>
+      </dsp:spPr>
+      <dsp:style>
+        <a:lnRef idx="0">
+          <a:scrgbClr r="0" g="0" b="0"/>
+        </a:lnRef>
+        <a:fillRef idx="0">
+          <a:scrgbClr r="0" g="0" b="0"/>
+        </a:fillRef>
+        <a:effectRef idx="0">
+          <a:scrgbClr r="0" g="0" b="0"/>
+        </a:effectRef>
+        <a:fontRef idx="minor"/>
+      </dsp:style>
+      <dsp:txBody>
+        <a:bodyPr spcFirstLastPara="0" vert="horz" wrap="square" lIns="83820" tIns="83820" rIns="83820" bIns="83820" numCol="1" spcCol="1270" anchor="t" anchorCtr="0">
+          <a:noAutofit/>
+        </a:bodyPr>
+        <a:lstStyle/>
+        <a:p>
+          <a:pPr marL="0" lvl="0" indent="0" algn="l" defTabSz="977900">
+            <a:lnSpc>
+              <a:spcPct val="90000"/>
+            </a:lnSpc>
+            <a:spcBef>
+              <a:spcPct val="0"/>
+            </a:spcBef>
+            <a:spcAft>
+              <a:spcPct val="35000"/>
+            </a:spcAft>
+            <a:buNone/>
+          </a:pPr>
+          <a:r>
+            <a:rPr lang="en-US" sz="2200" kern="1200"/>
+            <a:t>C. Payoff is INR1,300; profit is INR500.</a:t>
+          </a:r>
+        </a:p>
+      </dsp:txBody>
+      <dsp:txXfrm>
+        <a:off x="0" y="3575938"/>
+        <a:ext cx="9720072" cy="446930"/>
+      </dsp:txXfrm>
+    </dsp:sp>
+  </dsp:spTree>
+</dsp:drawing>
+</file>
+
 <file path=ppt/diagrams/layout1.xml><?xml version="1.0" encoding="utf-8"?>
 <dgm:layoutDef xmlns:dgm="http://schemas.openxmlformats.org/drawingml/2006/diagram" xmlns:a="http://schemas.openxmlformats.org/drawingml/2006/main" uniqueId="urn:microsoft.com/office/officeart/2018/2/layout/IconVerticalSolidList">
   <dgm:title val="Icon Vertical Solid List"/>
@@ -12899,6 +15211,472 @@
 </dgm:layoutDef>
 </file>
 
+<file path=ppt/diagrams/layout8.xml><?xml version="1.0" encoding="utf-8"?>
+<dgm:layoutDef xmlns:dgm="http://schemas.openxmlformats.org/drawingml/2006/diagram" xmlns:a="http://schemas.openxmlformats.org/drawingml/2006/main" uniqueId="urn:microsoft.com/office/officeart/2008/layout/LinedList">
+  <dgm:title val=""/>
+  <dgm:desc val=""/>
+  <dgm:catLst>
+    <dgm:cat type="hierarchy" pri="8000"/>
+    <dgm:cat type="list" pri="2500"/>
+  </dgm:catLst>
+  <dgm:sampData>
+    <dgm:dataModel>
+      <dgm:ptLst>
+        <dgm:pt modelId="0" type="doc"/>
+        <dgm:pt modelId="1">
+          <dgm:prSet phldr="1"/>
+        </dgm:pt>
+        <dgm:pt modelId="11">
+          <dgm:prSet phldr="1"/>
+        </dgm:pt>
+        <dgm:pt modelId="12">
+          <dgm:prSet phldr="1"/>
+        </dgm:pt>
+        <dgm:pt modelId="13">
+          <dgm:prSet phldr="1"/>
+        </dgm:pt>
+      </dgm:ptLst>
+      <dgm:cxnLst>
+        <dgm:cxn modelId="2" srcId="0" destId="1" srcOrd="0" destOrd="0"/>
+        <dgm:cxn modelId="3" srcId="1" destId="11" srcOrd="0" destOrd="0"/>
+        <dgm:cxn modelId="4" srcId="1" destId="12" srcOrd="1" destOrd="0"/>
+        <dgm:cxn modelId="5" srcId="1" destId="13" srcOrd="2" destOrd="0"/>
+      </dgm:cxnLst>
+      <dgm:bg/>
+      <dgm:whole/>
+    </dgm:dataModel>
+  </dgm:sampData>
+  <dgm:styleData>
+    <dgm:dataModel>
+      <dgm:ptLst>
+        <dgm:pt modelId="0" type="doc"/>
+        <dgm:pt modelId="1">
+          <dgm:prSet phldr="1"/>
+        </dgm:pt>
+        <dgm:pt modelId="11">
+          <dgm:prSet phldr="1"/>
+        </dgm:pt>
+        <dgm:pt modelId="12">
+          <dgm:prSet phldr="1"/>
+        </dgm:pt>
+      </dgm:ptLst>
+      <dgm:cxnLst>
+        <dgm:cxn modelId="2" srcId="0" destId="1" srcOrd="0" destOrd="0"/>
+        <dgm:cxn modelId="3" srcId="1" destId="11" srcOrd="0" destOrd="0"/>
+        <dgm:cxn modelId="4" srcId="1" destId="12" srcOrd="1" destOrd="0"/>
+      </dgm:cxnLst>
+      <dgm:bg/>
+      <dgm:whole/>
+    </dgm:dataModel>
+  </dgm:styleData>
+  <dgm:clrData>
+    <dgm:dataModel>
+      <dgm:ptLst>
+        <dgm:pt modelId="0" type="doc"/>
+        <dgm:pt modelId="1">
+          <dgm:prSet phldr="1"/>
+        </dgm:pt>
+        <dgm:pt modelId="11">
+          <dgm:prSet phldr="1"/>
+        </dgm:pt>
+        <dgm:pt modelId="12">
+          <dgm:prSet phldr="1"/>
+        </dgm:pt>
+      </dgm:ptLst>
+      <dgm:cxnLst>
+        <dgm:cxn modelId="2" srcId="0" destId="1" srcOrd="0" destOrd="0"/>
+        <dgm:cxn modelId="3" srcId="1" destId="11" srcOrd="0" destOrd="0"/>
+        <dgm:cxn modelId="4" srcId="1" destId="12" srcOrd="1" destOrd="0"/>
+      </dgm:cxnLst>
+      <dgm:bg/>
+      <dgm:whole/>
+    </dgm:dataModel>
+  </dgm:clrData>
+  <dgm:layoutNode name="vert0">
+    <dgm:varLst>
+      <dgm:dir/>
+      <dgm:animOne val="branch"/>
+      <dgm:animLvl val="lvl"/>
+    </dgm:varLst>
+    <dgm:choose name="Name0">
+      <dgm:if name="Name1" func="var" arg="dir" op="equ" val="norm">
+        <dgm:alg type="lin">
+          <dgm:param type="linDir" val="fromT"/>
+          <dgm:param type="nodeHorzAlign" val="l"/>
+        </dgm:alg>
+      </dgm:if>
+      <dgm:else name="Name2">
+        <dgm:alg type="lin">
+          <dgm:param type="linDir" val="fromT"/>
+          <dgm:param type="nodeHorzAlign" val="r"/>
+        </dgm:alg>
+      </dgm:else>
+    </dgm:choose>
+    <dgm:shape xmlns:r="http://schemas.openxmlformats.org/officeDocument/2006/relationships" r:blip="">
+      <dgm:adjLst/>
+    </dgm:shape>
+    <dgm:presOf/>
+    <dgm:constrLst>
+      <dgm:constr type="w" for="ch" forName="horz1" refType="w"/>
+      <dgm:constr type="h" for="ch" forName="horz1" refType="h"/>
+      <dgm:constr type="h" for="des" forName="vert1" refType="h"/>
+      <dgm:constr type="h" for="des" forName="tx1" refType="h"/>
+      <dgm:constr type="h" for="des" forName="horz2" refType="h"/>
+      <dgm:constr type="h" for="des" forName="vert2" refType="h"/>
+      <dgm:constr type="h" for="des" forName="horz3" refType="h"/>
+      <dgm:constr type="h" for="des" forName="vert3" refType="h"/>
+      <dgm:constr type="h" for="des" forName="horz4" refType="h"/>
+      <dgm:constr type="h" for="des" ptType="node" refType="h"/>
+      <dgm:constr type="primFontSz" for="des" forName="tx1" op="equ" val="65"/>
+      <dgm:constr type="primFontSz" for="des" forName="tx2" op="equ" val="65"/>
+      <dgm:constr type="primFontSz" for="des" forName="tx3" op="equ" val="65"/>
+      <dgm:constr type="primFontSz" for="des" forName="tx4" op="equ" val="65"/>
+      <dgm:constr type="w" for="des" forName="thickLine" refType="w"/>
+      <dgm:constr type="h" for="des" forName="thickLine"/>
+      <dgm:constr type="h" for="des" forName="thinLine1"/>
+      <dgm:constr type="h" for="des" forName="thinLine2b"/>
+      <dgm:constr type="h" for="des" forName="thinLine3"/>
+      <dgm:constr type="h" for="des" forName="vertSpace2a" refType="h" fact="0.05"/>
+      <dgm:constr type="h" for="des" forName="vertSpace2b" refType="h" refFor="des" refForName="vertSpace2a"/>
+    </dgm:constrLst>
+    <dgm:forEach name="Name3" axis="ch" ptType="node">
+      <dgm:layoutNode name="thickLine" styleLbl="alignNode1">
+        <dgm:alg type="sp"/>
+        <dgm:shape xmlns:r="http://schemas.openxmlformats.org/officeDocument/2006/relationships" type="line" r:blip="">
+          <dgm:adjLst/>
+        </dgm:shape>
+        <dgm:presOf/>
+      </dgm:layoutNode>
+      <dgm:layoutNode name="horz1">
+        <dgm:choose name="Name4">
+          <dgm:if name="Name5" func="var" arg="dir" op="equ" val="norm">
+            <dgm:alg type="lin">
+              <dgm:param type="linDir" val="fromL"/>
+              <dgm:param type="nodeVertAlign" val="t"/>
+            </dgm:alg>
+          </dgm:if>
+          <dgm:else name="Name6">
+            <dgm:alg type="lin">
+              <dgm:param type="linDir" val="fromR"/>
+              <dgm:param type="nodeVertAlign" val="t"/>
+            </dgm:alg>
+          </dgm:else>
+        </dgm:choose>
+        <dgm:shape xmlns:r="http://schemas.openxmlformats.org/officeDocument/2006/relationships" r:blip="">
+          <dgm:adjLst/>
+        </dgm:shape>
+        <dgm:presOf/>
+        <dgm:choose name="Name7">
+          <dgm:if name="Name8" axis="root des" func="maxDepth" op="equ" val="1">
+            <dgm:constrLst>
+              <dgm:constr type="w" for="ch" forName="tx1" refType="w"/>
+            </dgm:constrLst>
+          </dgm:if>
+          <dgm:if name="Name9" axis="root des" func="maxDepth" op="equ" val="2">
+            <dgm:constrLst>
+              <dgm:constr type="w" for="ch" forName="tx1" refType="w" fact="0.2"/>
+              <dgm:constr type="w" for="des" forName="tx2" refType="w" fact="0.785"/>
+              <dgm:constr type="w" for="des" forName="horzSpace2" refType="w" fact="0.015"/>
+              <dgm:constr type="w" for="des" forName="thinLine2b" refType="w" fact="0.8"/>
+            </dgm:constrLst>
+          </dgm:if>
+          <dgm:if name="Name10" axis="root des" func="maxDepth" op="equ" val="3">
+            <dgm:constrLst>
+              <dgm:constr type="w" for="ch" forName="tx1" refType="w" fact="0.2"/>
+              <dgm:constr type="w" for="des" forName="tx2" refType="w" fact="0.385"/>
+              <dgm:constr type="w" for="des" forName="tx3" refType="w" fact="0.385"/>
+              <dgm:constr type="w" for="des" forName="horzSpace2" refType="w" fact="0.015"/>
+              <dgm:constr type="w" for="des" forName="horzSpace3" refType="w" fact="0.015"/>
+              <dgm:constr type="w" for="des" forName="thinLine2b" refType="w" fact="0.8"/>
+              <dgm:constr type="w" for="des" forName="thinLine3" refType="w" fact="0.385"/>
+            </dgm:constrLst>
+          </dgm:if>
+          <dgm:if name="Name11" axis="root des" func="maxDepth" op="gte" val="4">
+            <dgm:constrLst>
+              <dgm:constr type="w" for="ch" forName="tx1" refType="w" fact="0.2"/>
+              <dgm:constr type="w" for="des" forName="tx2" refType="w" fact="0.2516"/>
+              <dgm:constr type="w" for="des" forName="tx3" refType="w" fact="0.2516"/>
+              <dgm:constr type="w" for="des" forName="tx4" refType="w" fact="0.2516"/>
+              <dgm:constr type="w" for="des" forName="horzSpace2" refType="w" fact="0.015"/>
+              <dgm:constr type="w" for="des" forName="horzSpace3" refType="w" fact="0.015"/>
+              <dgm:constr type="w" for="des" forName="horzSpace4" refType="w" fact="0.015"/>
+              <dgm:constr type="w" for="des" forName="thinLine2b" refType="w" fact="0.8"/>
+              <dgm:constr type="w" for="des" forName="thinLine3" refType="w" fact="0.5332"/>
+            </dgm:constrLst>
+          </dgm:if>
+          <dgm:else name="Name12"/>
+        </dgm:choose>
+        <dgm:layoutNode name="tx1" styleLbl="revTx">
+          <dgm:alg type="tx">
+            <dgm:param type="parTxLTRAlign" val="l"/>
+            <dgm:param type="parTxRTLAlign" val="r"/>
+            <dgm:param type="txAnchorVert" val="t"/>
+          </dgm:alg>
+          <dgm:shape xmlns:r="http://schemas.openxmlformats.org/officeDocument/2006/relationships" type="rect" r:blip="">
+            <dgm:adjLst/>
+          </dgm:shape>
+          <dgm:presOf axis="self"/>
+          <dgm:constrLst>
+            <dgm:constr type="tMarg" refType="primFontSz" fact="0.3"/>
+            <dgm:constr type="bMarg" refType="primFontSz" fact="0.3"/>
+            <dgm:constr type="lMarg" refType="primFontSz" fact="0.3"/>
+            <dgm:constr type="rMarg" refType="primFontSz" fact="0.3"/>
+          </dgm:constrLst>
+          <dgm:ruleLst>
+            <dgm:rule type="primFontSz" val="5" fact="NaN" max="NaN"/>
+          </dgm:ruleLst>
+        </dgm:layoutNode>
+        <dgm:layoutNode name="vert1">
+          <dgm:choose name="Name13">
+            <dgm:if name="Name14" func="var" arg="dir" op="equ" val="norm">
+              <dgm:alg type="lin">
+                <dgm:param type="linDir" val="fromT"/>
+                <dgm:param type="nodeHorzAlign" val="l"/>
+              </dgm:alg>
+            </dgm:if>
+            <dgm:else name="Name15">
+              <dgm:alg type="lin">
+                <dgm:param type="linDir" val="fromT"/>
+                <dgm:param type="nodeHorzAlign" val="r"/>
+              </dgm:alg>
+            </dgm:else>
+          </dgm:choose>
+          <dgm:shape xmlns:r="http://schemas.openxmlformats.org/officeDocument/2006/relationships" r:blip="">
+            <dgm:adjLst/>
+          </dgm:shape>
+          <dgm:presOf/>
+          <dgm:forEach name="Name16" axis="ch" ptType="node">
+            <dgm:choose name="Name17">
+              <dgm:if name="Name18" axis="self" ptType="node" func="pos" op="equ" val="1">
+                <dgm:layoutNode name="vertSpace2a">
+                  <dgm:alg type="sp"/>
+                  <dgm:shape xmlns:r="http://schemas.openxmlformats.org/officeDocument/2006/relationships" r:blip="">
+                    <dgm:adjLst/>
+                  </dgm:shape>
+                  <dgm:presOf/>
+                </dgm:layoutNode>
+              </dgm:if>
+              <dgm:else name="Name19"/>
+            </dgm:choose>
+            <dgm:layoutNode name="horz2">
+              <dgm:choose name="Name20">
+                <dgm:if name="Name21" func="var" arg="dir" op="equ" val="norm">
+                  <dgm:alg type="lin">
+                    <dgm:param type="linDir" val="fromL"/>
+                    <dgm:param type="nodeVertAlign" val="t"/>
+                  </dgm:alg>
+                </dgm:if>
+                <dgm:else name="Name22">
+                  <dgm:alg type="lin">
+                    <dgm:param type="linDir" val="fromR"/>
+                    <dgm:param type="nodeVertAlign" val="t"/>
+                  </dgm:alg>
+                </dgm:else>
+              </dgm:choose>
+              <dgm:shape xmlns:r="http://schemas.openxmlformats.org/officeDocument/2006/relationships" r:blip="">
+                <dgm:adjLst/>
+              </dgm:shape>
+              <dgm:presOf/>
+              <dgm:layoutNode name="horzSpace2">
+                <dgm:alg type="sp"/>
+                <dgm:shape xmlns:r="http://schemas.openxmlformats.org/officeDocument/2006/relationships" r:blip="">
+                  <dgm:adjLst/>
+                </dgm:shape>
+                <dgm:presOf/>
+              </dgm:layoutNode>
+              <dgm:layoutNode name="tx2" styleLbl="revTx">
+                <dgm:alg type="tx">
+                  <dgm:param type="parTxLTRAlign" val="l"/>
+                  <dgm:param type="parTxRTLAlign" val="r"/>
+                  <dgm:param type="txAnchorVert" val="t"/>
+                </dgm:alg>
+                <dgm:shape xmlns:r="http://schemas.openxmlformats.org/officeDocument/2006/relationships" type="rect" r:blip="">
+                  <dgm:adjLst/>
+                </dgm:shape>
+                <dgm:presOf axis="self"/>
+                <dgm:constrLst>
+                  <dgm:constr type="tMarg" refType="primFontSz" fact="0.3"/>
+                  <dgm:constr type="bMarg" refType="primFontSz" fact="0.3"/>
+                  <dgm:constr type="lMarg" refType="primFontSz" fact="0.3"/>
+                  <dgm:constr type="rMarg" refType="primFontSz" fact="0.3"/>
+                </dgm:constrLst>
+                <dgm:ruleLst>
+                  <dgm:rule type="primFontSz" val="5" fact="NaN" max="NaN"/>
+                </dgm:ruleLst>
+              </dgm:layoutNode>
+              <dgm:layoutNode name="vert2">
+                <dgm:choose name="Name23">
+                  <dgm:if name="Name24" func="var" arg="dir" op="equ" val="norm">
+                    <dgm:alg type="lin">
+                      <dgm:param type="linDir" val="fromT"/>
+                      <dgm:param type="nodeHorzAlign" val="l"/>
+                    </dgm:alg>
+                  </dgm:if>
+                  <dgm:else name="Name25">
+                    <dgm:alg type="lin">
+                      <dgm:param type="linDir" val="fromT"/>
+                      <dgm:param type="nodeHorzAlign" val="r"/>
+                    </dgm:alg>
+                  </dgm:else>
+                </dgm:choose>
+                <dgm:shape xmlns:r="http://schemas.openxmlformats.org/officeDocument/2006/relationships" r:blip="">
+                  <dgm:adjLst/>
+                </dgm:shape>
+                <dgm:presOf/>
+                <dgm:forEach name="Name26" axis="ch" ptType="node">
+                  <dgm:layoutNode name="horz3">
+                    <dgm:choose name="Name27">
+                      <dgm:if name="Name28" func="var" arg="dir" op="equ" val="norm">
+                        <dgm:alg type="lin">
+                          <dgm:param type="linDir" val="fromL"/>
+                          <dgm:param type="nodeVertAlign" val="t"/>
+                        </dgm:alg>
+                      </dgm:if>
+                      <dgm:else name="Name29">
+                        <dgm:alg type="lin">
+                          <dgm:param type="linDir" val="fromR"/>
+                          <dgm:param type="nodeVertAlign" val="t"/>
+                        </dgm:alg>
+                      </dgm:else>
+                    </dgm:choose>
+                    <dgm:shape xmlns:r="http://schemas.openxmlformats.org/officeDocument/2006/relationships" r:blip="">
+                      <dgm:adjLst/>
+                    </dgm:shape>
+                    <dgm:presOf/>
+                    <dgm:layoutNode name="horzSpace3">
+                      <dgm:alg type="sp"/>
+                      <dgm:shape xmlns:r="http://schemas.openxmlformats.org/officeDocument/2006/relationships" r:blip="">
+                        <dgm:adjLst/>
+                      </dgm:shape>
+                      <dgm:presOf/>
+                    </dgm:layoutNode>
+                    <dgm:layoutNode name="tx3" styleLbl="revTx">
+                      <dgm:alg type="tx">
+                        <dgm:param type="parTxLTRAlign" val="l"/>
+                        <dgm:param type="parTxRTLAlign" val="r"/>
+                        <dgm:param type="txAnchorVert" val="t"/>
+                      </dgm:alg>
+                      <dgm:shape xmlns:r="http://schemas.openxmlformats.org/officeDocument/2006/relationships" type="rect" r:blip="">
+                        <dgm:adjLst/>
+                      </dgm:shape>
+                      <dgm:presOf axis="self"/>
+                      <dgm:constrLst>
+                        <dgm:constr type="tMarg" refType="primFontSz" fact="0.3"/>
+                        <dgm:constr type="bMarg" refType="primFontSz" fact="0.3"/>
+                        <dgm:constr type="lMarg" refType="primFontSz" fact="0.3"/>
+                        <dgm:constr type="rMarg" refType="primFontSz" fact="0.3"/>
+                      </dgm:constrLst>
+                      <dgm:ruleLst>
+                        <dgm:rule type="primFontSz" val="5" fact="NaN" max="NaN"/>
+                      </dgm:ruleLst>
+                    </dgm:layoutNode>
+                    <dgm:layoutNode name="vert3">
+                      <dgm:choose name="Name30">
+                        <dgm:if name="Name31" func="var" arg="dir" op="equ" val="norm">
+                          <dgm:alg type="lin">
+                            <dgm:param type="linDir" val="fromT"/>
+                            <dgm:param type="nodeHorzAlign" val="l"/>
+                          </dgm:alg>
+                        </dgm:if>
+                        <dgm:else name="Name32">
+                          <dgm:alg type="lin">
+                            <dgm:param type="linDir" val="fromT"/>
+                            <dgm:param type="nodeHorzAlign" val="r"/>
+                          </dgm:alg>
+                        </dgm:else>
+                      </dgm:choose>
+                      <dgm:shape xmlns:r="http://schemas.openxmlformats.org/officeDocument/2006/relationships" r:blip="">
+                        <dgm:adjLst/>
+                      </dgm:shape>
+                      <dgm:presOf/>
+                      <dgm:forEach name="Name33" axis="ch" ptType="node">
+                        <dgm:layoutNode name="horz4">
+                          <dgm:choose name="Name34">
+                            <dgm:if name="Name35" func="var" arg="dir" op="equ" val="norm">
+                              <dgm:alg type="lin">
+                                <dgm:param type="linDir" val="fromL"/>
+                                <dgm:param type="nodeVertAlign" val="t"/>
+                              </dgm:alg>
+                            </dgm:if>
+                            <dgm:else name="Name36">
+                              <dgm:alg type="lin">
+                                <dgm:param type="linDir" val="fromR"/>
+                                <dgm:param type="nodeVertAlign" val="t"/>
+                              </dgm:alg>
+                            </dgm:else>
+                          </dgm:choose>
+                          <dgm:shape xmlns:r="http://schemas.openxmlformats.org/officeDocument/2006/relationships" r:blip="">
+                            <dgm:adjLst/>
+                          </dgm:shape>
+                          <dgm:presOf/>
+                          <dgm:layoutNode name="horzSpace4">
+                            <dgm:alg type="sp"/>
+                            <dgm:shape xmlns:r="http://schemas.openxmlformats.org/officeDocument/2006/relationships" r:blip="">
+                              <dgm:adjLst/>
+                            </dgm:shape>
+                            <dgm:presOf/>
+                          </dgm:layoutNode>
+                          <dgm:layoutNode name="tx4" styleLbl="revTx">
+                            <dgm:varLst>
+                              <dgm:bulletEnabled val="1"/>
+                            </dgm:varLst>
+                            <dgm:alg type="tx">
+                              <dgm:param type="parTxLTRAlign" val="l"/>
+                              <dgm:param type="parTxRTLAlign" val="r"/>
+                              <dgm:param type="txAnchorVert" val="t"/>
+                            </dgm:alg>
+                            <dgm:shape xmlns:r="http://schemas.openxmlformats.org/officeDocument/2006/relationships" type="rect" r:blip="">
+                              <dgm:adjLst/>
+                            </dgm:shape>
+                            <dgm:presOf axis="desOrSelf" ptType="node"/>
+                            <dgm:constrLst>
+                              <dgm:constr type="tMarg" refType="primFontSz" fact="0.3"/>
+                              <dgm:constr type="bMarg" refType="primFontSz" fact="0.3"/>
+                              <dgm:constr type="lMarg" refType="primFontSz" fact="0.3"/>
+                              <dgm:constr type="rMarg" refType="primFontSz" fact="0.3"/>
+                            </dgm:constrLst>
+                            <dgm:ruleLst>
+                              <dgm:rule type="primFontSz" val="5" fact="NaN" max="NaN"/>
+                            </dgm:ruleLst>
+                          </dgm:layoutNode>
+                        </dgm:layoutNode>
+                      </dgm:forEach>
+                    </dgm:layoutNode>
+                  </dgm:layoutNode>
+                  <dgm:forEach name="Name37" axis="followSib" ptType="sibTrans" cnt="1">
+                    <dgm:layoutNode name="thinLine3" styleLbl="callout">
+                      <dgm:alg type="sp"/>
+                      <dgm:shape xmlns:r="http://schemas.openxmlformats.org/officeDocument/2006/relationships" type="line" r:blip="">
+                        <dgm:adjLst/>
+                      </dgm:shape>
+                      <dgm:presOf/>
+                    </dgm:layoutNode>
+                  </dgm:forEach>
+                </dgm:forEach>
+              </dgm:layoutNode>
+            </dgm:layoutNode>
+            <dgm:layoutNode name="thinLine2b" styleLbl="callout">
+              <dgm:alg type="sp"/>
+              <dgm:shape xmlns:r="http://schemas.openxmlformats.org/officeDocument/2006/relationships" type="line" r:blip="">
+                <dgm:adjLst/>
+              </dgm:shape>
+              <dgm:presOf/>
+            </dgm:layoutNode>
+            <dgm:layoutNode name="vertSpace2b">
+              <dgm:alg type="sp"/>
+              <dgm:shape xmlns:r="http://schemas.openxmlformats.org/officeDocument/2006/relationships" r:blip="">
+                <dgm:adjLst/>
+              </dgm:shape>
+              <dgm:presOf/>
+            </dgm:layoutNode>
+          </dgm:forEach>
+        </dgm:layoutNode>
+      </dgm:layoutNode>
+    </dgm:forEach>
+  </dgm:layoutNode>
+</dgm:layoutDef>
+</file>
+
 <file path=ppt/diagrams/quickStyle1.xml><?xml version="1.0" encoding="utf-8"?>
 <dgm:styleDef xmlns:dgm="http://schemas.openxmlformats.org/drawingml/2006/diagram" xmlns:a="http://schemas.openxmlformats.org/drawingml/2006/main" uniqueId="urn:microsoft.com/office/officeart/2005/8/quickstyle/simple1">
   <dgm:title val=""/>
@@ -19104,6 +21882,1040 @@
 </file>
 
 <file path=ppt/diagrams/quickStyle7.xml><?xml version="1.0" encoding="utf-8"?>
+<dgm:styleDef xmlns:dgm="http://schemas.openxmlformats.org/drawingml/2006/diagram" xmlns:a="http://schemas.openxmlformats.org/drawingml/2006/main" uniqueId="urn:microsoft.com/office/officeart/2005/8/quickstyle/simple1">
+  <dgm:title val=""/>
+  <dgm:desc val=""/>
+  <dgm:catLst>
+    <dgm:cat type="simple" pri="10100"/>
+  </dgm:catLst>
+  <dgm:scene3d>
+    <a:camera prst="orthographicFront"/>
+    <a:lightRig rig="threePt" dir="t"/>
+  </dgm:scene3d>
+  <dgm:styleLbl name="node0">
+    <dgm:scene3d>
+      <a:camera prst="orthographicFront"/>
+      <a:lightRig rig="threePt" dir="t"/>
+    </dgm:scene3d>
+    <dgm:sp3d/>
+    <dgm:txPr/>
+    <dgm:style>
+      <a:lnRef idx="2">
+        <a:scrgbClr r="0" g="0" b="0"/>
+      </a:lnRef>
+      <a:fillRef idx="1">
+        <a:scrgbClr r="0" g="0" b="0"/>
+      </a:fillRef>
+      <a:effectRef idx="0">
+        <a:scrgbClr r="0" g="0" b="0"/>
+      </a:effectRef>
+      <a:fontRef idx="minor">
+        <a:schemeClr val="lt1"/>
+      </a:fontRef>
+    </dgm:style>
+  </dgm:styleLbl>
+  <dgm:styleLbl name="lnNode1">
+    <dgm:scene3d>
+      <a:camera prst="orthographicFront"/>
+      <a:lightRig rig="threePt" dir="t"/>
+    </dgm:scene3d>
+    <dgm:sp3d/>
+    <dgm:txPr/>
+    <dgm:style>
+      <a:lnRef idx="2">
+        <a:scrgbClr r="0" g="0" b="0"/>
+      </a:lnRef>
+      <a:fillRef idx="1">
+        <a:scrgbClr r="0" g="0" b="0"/>
+      </a:fillRef>
+      <a:effectRef idx="0">
+        <a:scrgbClr r="0" g="0" b="0"/>
+      </a:effectRef>
+      <a:fontRef idx="minor">
+        <a:schemeClr val="lt1"/>
+      </a:fontRef>
+    </dgm:style>
+  </dgm:styleLbl>
+  <dgm:styleLbl name="vennNode1">
+    <dgm:scene3d>
+      <a:camera prst="orthographicFront"/>
+      <a:lightRig rig="threePt" dir="t"/>
+    </dgm:scene3d>
+    <dgm:sp3d/>
+    <dgm:txPr/>
+    <dgm:style>
+      <a:lnRef idx="2">
+        <a:scrgbClr r="0" g="0" b="0"/>
+      </a:lnRef>
+      <a:fillRef idx="1">
+        <a:scrgbClr r="0" g="0" b="0"/>
+      </a:fillRef>
+      <a:effectRef idx="0">
+        <a:scrgbClr r="0" g="0" b="0"/>
+      </a:effectRef>
+      <a:fontRef idx="minor">
+        <a:schemeClr val="tx1"/>
+      </a:fontRef>
+    </dgm:style>
+  </dgm:styleLbl>
+  <dgm:styleLbl name="alignNode1">
+    <dgm:scene3d>
+      <a:camera prst="orthographicFront"/>
+      <a:lightRig rig="threePt" dir="t"/>
+    </dgm:scene3d>
+    <dgm:sp3d/>
+    <dgm:txPr/>
+    <dgm:style>
+      <a:lnRef idx="2">
+        <a:scrgbClr r="0" g="0" b="0"/>
+      </a:lnRef>
+      <a:fillRef idx="1">
+        <a:scrgbClr r="0" g="0" b="0"/>
+      </a:fillRef>
+      <a:effectRef idx="0">
+        <a:scrgbClr r="0" g="0" b="0"/>
+      </a:effectRef>
+      <a:fontRef idx="minor">
+        <a:schemeClr val="lt1"/>
+      </a:fontRef>
+    </dgm:style>
+  </dgm:styleLbl>
+  <dgm:styleLbl name="node1">
+    <dgm:scene3d>
+      <a:camera prst="orthographicFront"/>
+      <a:lightRig rig="threePt" dir="t"/>
+    </dgm:scene3d>
+    <dgm:sp3d/>
+    <dgm:txPr/>
+    <dgm:style>
+      <a:lnRef idx="2">
+        <a:scrgbClr r="0" g="0" b="0"/>
+      </a:lnRef>
+      <a:fillRef idx="1">
+        <a:scrgbClr r="0" g="0" b="0"/>
+      </a:fillRef>
+      <a:effectRef idx="0">
+        <a:scrgbClr r="0" g="0" b="0"/>
+      </a:effectRef>
+      <a:fontRef idx="minor">
+        <a:schemeClr val="lt1"/>
+      </a:fontRef>
+    </dgm:style>
+  </dgm:styleLbl>
+  <dgm:styleLbl name="node2">
+    <dgm:scene3d>
+      <a:camera prst="orthographicFront"/>
+      <a:lightRig rig="threePt" dir="t"/>
+    </dgm:scene3d>
+    <dgm:sp3d/>
+    <dgm:txPr/>
+    <dgm:style>
+      <a:lnRef idx="2">
+        <a:scrgbClr r="0" g="0" b="0"/>
+      </a:lnRef>
+      <a:fillRef idx="1">
+        <a:scrgbClr r="0" g="0" b="0"/>
+      </a:fillRef>
+      <a:effectRef idx="0">
+        <a:scrgbClr r="0" g="0" b="0"/>
+      </a:effectRef>
+      <a:fontRef idx="minor">
+        <a:schemeClr val="lt1"/>
+      </a:fontRef>
+    </dgm:style>
+  </dgm:styleLbl>
+  <dgm:styleLbl name="node3">
+    <dgm:scene3d>
+      <a:camera prst="orthographicFront"/>
+      <a:lightRig rig="threePt" dir="t"/>
+    </dgm:scene3d>
+    <dgm:sp3d/>
+    <dgm:txPr/>
+    <dgm:style>
+      <a:lnRef idx="2">
+        <a:scrgbClr r="0" g="0" b="0"/>
+      </a:lnRef>
+      <a:fillRef idx="1">
+        <a:scrgbClr r="0" g="0" b="0"/>
+      </a:fillRef>
+      <a:effectRef idx="0">
+        <a:scrgbClr r="0" g="0" b="0"/>
+      </a:effectRef>
+      <a:fontRef idx="minor">
+        <a:schemeClr val="lt1"/>
+      </a:fontRef>
+    </dgm:style>
+  </dgm:styleLbl>
+  <dgm:styleLbl name="node4">
+    <dgm:scene3d>
+      <a:camera prst="orthographicFront"/>
+      <a:lightRig rig="threePt" dir="t"/>
+    </dgm:scene3d>
+    <dgm:sp3d/>
+    <dgm:txPr/>
+    <dgm:style>
+      <a:lnRef idx="2">
+        <a:scrgbClr r="0" g="0" b="0"/>
+      </a:lnRef>
+      <a:fillRef idx="1">
+        <a:scrgbClr r="0" g="0" b="0"/>
+      </a:fillRef>
+      <a:effectRef idx="0">
+        <a:scrgbClr r="0" g="0" b="0"/>
+      </a:effectRef>
+      <a:fontRef idx="minor">
+        <a:schemeClr val="lt1"/>
+      </a:fontRef>
+    </dgm:style>
+  </dgm:styleLbl>
+  <dgm:styleLbl name="fgImgPlace1">
+    <dgm:scene3d>
+      <a:camera prst="orthographicFront"/>
+      <a:lightRig rig="threePt" dir="t"/>
+    </dgm:scene3d>
+    <dgm:sp3d/>
+    <dgm:txPr/>
+    <dgm:style>
+      <a:lnRef idx="2">
+        <a:scrgbClr r="0" g="0" b="0"/>
+      </a:lnRef>
+      <a:fillRef idx="1">
+        <a:scrgbClr r="0" g="0" b="0"/>
+      </a:fillRef>
+      <a:effectRef idx="0">
+        <a:scrgbClr r="0" g="0" b="0"/>
+      </a:effectRef>
+      <a:fontRef idx="minor"/>
+    </dgm:style>
+  </dgm:styleLbl>
+  <dgm:styleLbl name="alignImgPlace1">
+    <dgm:scene3d>
+      <a:camera prst="orthographicFront"/>
+      <a:lightRig rig="threePt" dir="t"/>
+    </dgm:scene3d>
+    <dgm:sp3d/>
+    <dgm:txPr/>
+    <dgm:style>
+      <a:lnRef idx="2">
+        <a:scrgbClr r="0" g="0" b="0"/>
+      </a:lnRef>
+      <a:fillRef idx="1">
+        <a:scrgbClr r="0" g="0" b="0"/>
+      </a:fillRef>
+      <a:effectRef idx="0">
+        <a:scrgbClr r="0" g="0" b="0"/>
+      </a:effectRef>
+      <a:fontRef idx="minor"/>
+    </dgm:style>
+  </dgm:styleLbl>
+  <dgm:styleLbl name="bgImgPlace1">
+    <dgm:scene3d>
+      <a:camera prst="orthographicFront"/>
+      <a:lightRig rig="threePt" dir="t"/>
+    </dgm:scene3d>
+    <dgm:sp3d/>
+    <dgm:txPr/>
+    <dgm:style>
+      <a:lnRef idx="2">
+        <a:scrgbClr r="0" g="0" b="0"/>
+      </a:lnRef>
+      <a:fillRef idx="1">
+        <a:scrgbClr r="0" g="0" b="0"/>
+      </a:fillRef>
+      <a:effectRef idx="0">
+        <a:scrgbClr r="0" g="0" b="0"/>
+      </a:effectRef>
+      <a:fontRef idx="minor"/>
+    </dgm:style>
+  </dgm:styleLbl>
+  <dgm:styleLbl name="sibTrans2D1">
+    <dgm:scene3d>
+      <a:camera prst="orthographicFront"/>
+      <a:lightRig rig="threePt" dir="t"/>
+    </dgm:scene3d>
+    <dgm:sp3d/>
+    <dgm:txPr/>
+    <dgm:style>
+      <a:lnRef idx="0">
+        <a:scrgbClr r="0" g="0" b="0"/>
+      </a:lnRef>
+      <a:fillRef idx="1">
+        <a:scrgbClr r="0" g="0" b="0"/>
+      </a:fillRef>
+      <a:effectRef idx="0">
+        <a:scrgbClr r="0" g="0" b="0"/>
+      </a:effectRef>
+      <a:fontRef idx="minor">
+        <a:schemeClr val="lt1"/>
+      </a:fontRef>
+    </dgm:style>
+  </dgm:styleLbl>
+  <dgm:styleLbl name="fgSibTrans2D1">
+    <dgm:scene3d>
+      <a:camera prst="orthographicFront"/>
+      <a:lightRig rig="threePt" dir="t"/>
+    </dgm:scene3d>
+    <dgm:sp3d/>
+    <dgm:txPr/>
+    <dgm:style>
+      <a:lnRef idx="0">
+        <a:scrgbClr r="0" g="0" b="0"/>
+      </a:lnRef>
+      <a:fillRef idx="1">
+        <a:scrgbClr r="0" g="0" b="0"/>
+      </a:fillRef>
+      <a:effectRef idx="0">
+        <a:scrgbClr r="0" g="0" b="0"/>
+      </a:effectRef>
+      <a:fontRef idx="minor">
+        <a:schemeClr val="lt1"/>
+      </a:fontRef>
+    </dgm:style>
+  </dgm:styleLbl>
+  <dgm:styleLbl name="bgSibTrans2D1">
+    <dgm:scene3d>
+      <a:camera prst="orthographicFront"/>
+      <a:lightRig rig="threePt" dir="t"/>
+    </dgm:scene3d>
+    <dgm:sp3d/>
+    <dgm:txPr/>
+    <dgm:style>
+      <a:lnRef idx="0">
+        <a:scrgbClr r="0" g="0" b="0"/>
+      </a:lnRef>
+      <a:fillRef idx="1">
+        <a:scrgbClr r="0" g="0" b="0"/>
+      </a:fillRef>
+      <a:effectRef idx="0">
+        <a:scrgbClr r="0" g="0" b="0"/>
+      </a:effectRef>
+      <a:fontRef idx="minor">
+        <a:schemeClr val="lt1"/>
+      </a:fontRef>
+    </dgm:style>
+  </dgm:styleLbl>
+  <dgm:styleLbl name="sibTrans1D1">
+    <dgm:scene3d>
+      <a:camera prst="orthographicFront"/>
+      <a:lightRig rig="threePt" dir="t"/>
+    </dgm:scene3d>
+    <dgm:sp3d/>
+    <dgm:txPr/>
+    <dgm:style>
+      <a:lnRef idx="1">
+        <a:scrgbClr r="0" g="0" b="0"/>
+      </a:lnRef>
+      <a:fillRef idx="0">
+        <a:scrgbClr r="0" g="0" b="0"/>
+      </a:fillRef>
+      <a:effectRef idx="0">
+        <a:scrgbClr r="0" g="0" b="0"/>
+      </a:effectRef>
+      <a:fontRef idx="minor"/>
+    </dgm:style>
+  </dgm:styleLbl>
+  <dgm:styleLbl name="callout">
+    <dgm:scene3d>
+      <a:camera prst="orthographicFront"/>
+      <a:lightRig rig="threePt" dir="t"/>
+    </dgm:scene3d>
+    <dgm:sp3d/>
+    <dgm:txPr/>
+    <dgm:style>
+      <a:lnRef idx="2">
+        <a:scrgbClr r="0" g="0" b="0"/>
+      </a:lnRef>
+      <a:fillRef idx="1">
+        <a:scrgbClr r="0" g="0" b="0"/>
+      </a:fillRef>
+      <a:effectRef idx="0">
+        <a:scrgbClr r="0" g="0" b="0"/>
+      </a:effectRef>
+      <a:fontRef idx="minor"/>
+    </dgm:style>
+  </dgm:styleLbl>
+  <dgm:styleLbl name="asst0">
+    <dgm:scene3d>
+      <a:camera prst="orthographicFront"/>
+      <a:lightRig rig="threePt" dir="t"/>
+    </dgm:scene3d>
+    <dgm:sp3d/>
+    <dgm:txPr/>
+    <dgm:style>
+      <a:lnRef idx="2">
+        <a:scrgbClr r="0" g="0" b="0"/>
+      </a:lnRef>
+      <a:fillRef idx="1">
+        <a:scrgbClr r="0" g="0" b="0"/>
+      </a:fillRef>
+      <a:effectRef idx="0">
+        <a:scrgbClr r="0" g="0" b="0"/>
+      </a:effectRef>
+      <a:fontRef idx="minor">
+        <a:schemeClr val="lt1"/>
+      </a:fontRef>
+    </dgm:style>
+  </dgm:styleLbl>
+  <dgm:styleLbl name="asst1">
+    <dgm:scene3d>
+      <a:camera prst="orthographicFront"/>
+      <a:lightRig rig="threePt" dir="t"/>
+    </dgm:scene3d>
+    <dgm:sp3d/>
+    <dgm:txPr/>
+    <dgm:style>
+      <a:lnRef idx="2">
+        <a:scrgbClr r="0" g="0" b="0"/>
+      </a:lnRef>
+      <a:fillRef idx="1">
+        <a:scrgbClr r="0" g="0" b="0"/>
+      </a:fillRef>
+      <a:effectRef idx="0">
+        <a:scrgbClr r="0" g="0" b="0"/>
+      </a:effectRef>
+      <a:fontRef idx="minor">
+        <a:schemeClr val="lt1"/>
+      </a:fontRef>
+    </dgm:style>
+  </dgm:styleLbl>
+  <dgm:styleLbl name="asst2">
+    <dgm:scene3d>
+      <a:camera prst="orthographicFront"/>
+      <a:lightRig rig="threePt" dir="t"/>
+    </dgm:scene3d>
+    <dgm:sp3d/>
+    <dgm:txPr/>
+    <dgm:style>
+      <a:lnRef idx="2">
+        <a:scrgbClr r="0" g="0" b="0"/>
+      </a:lnRef>
+      <a:fillRef idx="1">
+        <a:scrgbClr r="0" g="0" b="0"/>
+      </a:fillRef>
+      <a:effectRef idx="0">
+        <a:scrgbClr r="0" g="0" b="0"/>
+      </a:effectRef>
+      <a:fontRef idx="minor">
+        <a:schemeClr val="lt1"/>
+      </a:fontRef>
+    </dgm:style>
+  </dgm:styleLbl>
+  <dgm:styleLbl name="asst3">
+    <dgm:scene3d>
+      <a:camera prst="orthographicFront"/>
+      <a:lightRig rig="threePt" dir="t"/>
+    </dgm:scene3d>
+    <dgm:sp3d/>
+    <dgm:txPr/>
+    <dgm:style>
+      <a:lnRef idx="2">
+        <a:scrgbClr r="0" g="0" b="0"/>
+      </a:lnRef>
+      <a:fillRef idx="1">
+        <a:scrgbClr r="0" g="0" b="0"/>
+      </a:fillRef>
+      <a:effectRef idx="0">
+        <a:scrgbClr r="0" g="0" b="0"/>
+      </a:effectRef>
+      <a:fontRef idx="minor">
+        <a:schemeClr val="lt1"/>
+      </a:fontRef>
+    </dgm:style>
+  </dgm:styleLbl>
+  <dgm:styleLbl name="asst4">
+    <dgm:scene3d>
+      <a:camera prst="orthographicFront"/>
+      <a:lightRig rig="threePt" dir="t"/>
+    </dgm:scene3d>
+    <dgm:sp3d/>
+    <dgm:txPr/>
+    <dgm:style>
+      <a:lnRef idx="2">
+        <a:scrgbClr r="0" g="0" b="0"/>
+      </a:lnRef>
+      <a:fillRef idx="1">
+        <a:scrgbClr r="0" g="0" b="0"/>
+      </a:fillRef>
+      <a:effectRef idx="0">
+        <a:scrgbClr r="0" g="0" b="0"/>
+      </a:effectRef>
+      <a:fontRef idx="minor">
+        <a:schemeClr val="lt1"/>
+      </a:fontRef>
+    </dgm:style>
+  </dgm:styleLbl>
+  <dgm:styleLbl name="parChTrans2D1">
+    <dgm:scene3d>
+      <a:camera prst="orthographicFront"/>
+      <a:lightRig rig="threePt" dir="t"/>
+    </dgm:scene3d>
+    <dgm:sp3d/>
+    <dgm:txPr/>
+    <dgm:style>
+      <a:lnRef idx="2">
+        <a:scrgbClr r="0" g="0" b="0"/>
+      </a:lnRef>
+      <a:fillRef idx="1">
+        <a:scrgbClr r="0" g="0" b="0"/>
+      </a:fillRef>
+      <a:effectRef idx="0">
+        <a:scrgbClr r="0" g="0" b="0"/>
+      </a:effectRef>
+      <a:fontRef idx="minor">
+        <a:schemeClr val="lt1"/>
+      </a:fontRef>
+    </dgm:style>
+  </dgm:styleLbl>
+  <dgm:styleLbl name="parChTrans2D2">
+    <dgm:scene3d>
+      <a:camera prst="orthographicFront"/>
+      <a:lightRig rig="threePt" dir="t"/>
+    </dgm:scene3d>
+    <dgm:sp3d/>
+    <dgm:txPr/>
+    <dgm:style>
+      <a:lnRef idx="2">
+        <a:scrgbClr r="0" g="0" b="0"/>
+      </a:lnRef>
+      <a:fillRef idx="1">
+        <a:scrgbClr r="0" g="0" b="0"/>
+      </a:fillRef>
+      <a:effectRef idx="0">
+        <a:scrgbClr r="0" g="0" b="0"/>
+      </a:effectRef>
+      <a:fontRef idx="minor">
+        <a:schemeClr val="lt1"/>
+      </a:fontRef>
+    </dgm:style>
+  </dgm:styleLbl>
+  <dgm:styleLbl name="parChTrans2D3">
+    <dgm:scene3d>
+      <a:camera prst="orthographicFront"/>
+      <a:lightRig rig="threePt" dir="t"/>
+    </dgm:scene3d>
+    <dgm:sp3d/>
+    <dgm:txPr/>
+    <dgm:style>
+      <a:lnRef idx="2">
+        <a:scrgbClr r="0" g="0" b="0"/>
+      </a:lnRef>
+      <a:fillRef idx="1">
+        <a:scrgbClr r="0" g="0" b="0"/>
+      </a:fillRef>
+      <a:effectRef idx="0">
+        <a:scrgbClr r="0" g="0" b="0"/>
+      </a:effectRef>
+      <a:fontRef idx="minor">
+        <a:schemeClr val="lt1"/>
+      </a:fontRef>
+    </dgm:style>
+  </dgm:styleLbl>
+  <dgm:styleLbl name="parChTrans2D4">
+    <dgm:scene3d>
+      <a:camera prst="orthographicFront"/>
+      <a:lightRig rig="threePt" dir="t"/>
+    </dgm:scene3d>
+    <dgm:sp3d/>
+    <dgm:txPr/>
+    <dgm:style>
+      <a:lnRef idx="2">
+        <a:scrgbClr r="0" g="0" b="0"/>
+      </a:lnRef>
+      <a:fillRef idx="1">
+        <a:scrgbClr r="0" g="0" b="0"/>
+      </a:fillRef>
+      <a:effectRef idx="0">
+        <a:scrgbClr r="0" g="0" b="0"/>
+      </a:effectRef>
+      <a:fontRef idx="minor">
+        <a:schemeClr val="lt1"/>
+      </a:fontRef>
+    </dgm:style>
+  </dgm:styleLbl>
+  <dgm:styleLbl name="parChTrans1D1">
+    <dgm:scene3d>
+      <a:camera prst="orthographicFront"/>
+      <a:lightRig rig="threePt" dir="t"/>
+    </dgm:scene3d>
+    <dgm:sp3d/>
+    <dgm:txPr/>
+    <dgm:style>
+      <a:lnRef idx="2">
+        <a:scrgbClr r="0" g="0" b="0"/>
+      </a:lnRef>
+      <a:fillRef idx="0">
+        <a:scrgbClr r="0" g="0" b="0"/>
+      </a:fillRef>
+      <a:effectRef idx="0">
+        <a:scrgbClr r="0" g="0" b="0"/>
+      </a:effectRef>
+      <a:fontRef idx="minor"/>
+    </dgm:style>
+  </dgm:styleLbl>
+  <dgm:styleLbl name="parChTrans1D2">
+    <dgm:scene3d>
+      <a:camera prst="orthographicFront"/>
+      <a:lightRig rig="threePt" dir="t"/>
+    </dgm:scene3d>
+    <dgm:sp3d/>
+    <dgm:txPr/>
+    <dgm:style>
+      <a:lnRef idx="2">
+        <a:scrgbClr r="0" g="0" b="0"/>
+      </a:lnRef>
+      <a:fillRef idx="0">
+        <a:scrgbClr r="0" g="0" b="0"/>
+      </a:fillRef>
+      <a:effectRef idx="0">
+        <a:scrgbClr r="0" g="0" b="0"/>
+      </a:effectRef>
+      <a:fontRef idx="minor"/>
+    </dgm:style>
+  </dgm:styleLbl>
+  <dgm:styleLbl name="parChTrans1D3">
+    <dgm:scene3d>
+      <a:camera prst="orthographicFront"/>
+      <a:lightRig rig="threePt" dir="t"/>
+    </dgm:scene3d>
+    <dgm:sp3d/>
+    <dgm:txPr/>
+    <dgm:style>
+      <a:lnRef idx="2">
+        <a:scrgbClr r="0" g="0" b="0"/>
+      </a:lnRef>
+      <a:fillRef idx="0">
+        <a:scrgbClr r="0" g="0" b="0"/>
+      </a:fillRef>
+      <a:effectRef idx="0">
+        <a:scrgbClr r="0" g="0" b="0"/>
+      </a:effectRef>
+      <a:fontRef idx="minor"/>
+    </dgm:style>
+  </dgm:styleLbl>
+  <dgm:styleLbl name="parChTrans1D4">
+    <dgm:scene3d>
+      <a:camera prst="orthographicFront"/>
+      <a:lightRig rig="threePt" dir="t"/>
+    </dgm:scene3d>
+    <dgm:sp3d/>
+    <dgm:txPr/>
+    <dgm:style>
+      <a:lnRef idx="2">
+        <a:scrgbClr r="0" g="0" b="0"/>
+      </a:lnRef>
+      <a:fillRef idx="0">
+        <a:scrgbClr r="0" g="0" b="0"/>
+      </a:fillRef>
+      <a:effectRef idx="0">
+        <a:scrgbClr r="0" g="0" b="0"/>
+      </a:effectRef>
+      <a:fontRef idx="minor"/>
+    </dgm:style>
+  </dgm:styleLbl>
+  <dgm:styleLbl name="fgAcc1">
+    <dgm:scene3d>
+      <a:camera prst="orthographicFront"/>
+      <a:lightRig rig="threePt" dir="t"/>
+    </dgm:scene3d>
+    <dgm:sp3d/>
+    <dgm:txPr/>
+    <dgm:style>
+      <a:lnRef idx="2">
+        <a:scrgbClr r="0" g="0" b="0"/>
+      </a:lnRef>
+      <a:fillRef idx="1">
+        <a:scrgbClr r="0" g="0" b="0"/>
+      </a:fillRef>
+      <a:effectRef idx="0">
+        <a:scrgbClr r="0" g="0" b="0"/>
+      </a:effectRef>
+      <a:fontRef idx="minor"/>
+    </dgm:style>
+  </dgm:styleLbl>
+  <dgm:styleLbl name="conFgAcc1">
+    <dgm:scene3d>
+      <a:camera prst="orthographicFront"/>
+      <a:lightRig rig="threePt" dir="t"/>
+    </dgm:scene3d>
+    <dgm:sp3d/>
+    <dgm:txPr/>
+    <dgm:style>
+      <a:lnRef idx="2">
+        <a:scrgbClr r="0" g="0" b="0"/>
+      </a:lnRef>
+      <a:fillRef idx="1">
+        <a:scrgbClr r="0" g="0" b="0"/>
+      </a:fillRef>
+      <a:effectRef idx="0">
+        <a:scrgbClr r="0" g="0" b="0"/>
+      </a:effectRef>
+      <a:fontRef idx="minor"/>
+    </dgm:style>
+  </dgm:styleLbl>
+  <dgm:styleLbl name="alignAcc1">
+    <dgm:scene3d>
+      <a:camera prst="orthographicFront"/>
+      <a:lightRig rig="threePt" dir="t"/>
+    </dgm:scene3d>
+    <dgm:sp3d/>
+    <dgm:txPr/>
+    <dgm:style>
+      <a:lnRef idx="2">
+        <a:scrgbClr r="0" g="0" b="0"/>
+      </a:lnRef>
+      <a:fillRef idx="1">
+        <a:scrgbClr r="0" g="0" b="0"/>
+      </a:fillRef>
+      <a:effectRef idx="0">
+        <a:scrgbClr r="0" g="0" b="0"/>
+      </a:effectRef>
+      <a:fontRef idx="minor"/>
+    </dgm:style>
+  </dgm:styleLbl>
+  <dgm:styleLbl name="trAlignAcc1">
+    <dgm:scene3d>
+      <a:camera prst="orthographicFront"/>
+      <a:lightRig rig="threePt" dir="t"/>
+    </dgm:scene3d>
+    <dgm:sp3d/>
+    <dgm:txPr/>
+    <dgm:style>
+      <a:lnRef idx="1">
+        <a:scrgbClr r="0" g="0" b="0"/>
+      </a:lnRef>
+      <a:fillRef idx="1">
+        <a:scrgbClr r="0" g="0" b="0"/>
+      </a:fillRef>
+      <a:effectRef idx="0">
+        <a:scrgbClr r="0" g="0" b="0"/>
+      </a:effectRef>
+      <a:fontRef idx="minor"/>
+    </dgm:style>
+  </dgm:styleLbl>
+  <dgm:styleLbl name="bgAcc1">
+    <dgm:scene3d>
+      <a:camera prst="orthographicFront"/>
+      <a:lightRig rig="threePt" dir="t"/>
+    </dgm:scene3d>
+    <dgm:sp3d/>
+    <dgm:txPr/>
+    <dgm:style>
+      <a:lnRef idx="2">
+        <a:scrgbClr r="0" g="0" b="0"/>
+      </a:lnRef>
+      <a:fillRef idx="1">
+        <a:scrgbClr r="0" g="0" b="0"/>
+      </a:fillRef>
+      <a:effectRef idx="0">
+        <a:scrgbClr r="0" g="0" b="0"/>
+      </a:effectRef>
+      <a:fontRef idx="minor"/>
+    </dgm:style>
+  </dgm:styleLbl>
+  <dgm:styleLbl name="solidFgAcc1">
+    <dgm:scene3d>
+      <a:camera prst="orthographicFront"/>
+      <a:lightRig rig="threePt" dir="t"/>
+    </dgm:scene3d>
+    <dgm:sp3d/>
+    <dgm:txPr/>
+    <dgm:style>
+      <a:lnRef idx="2">
+        <a:scrgbClr r="0" g="0" b="0"/>
+      </a:lnRef>
+      <a:fillRef idx="1">
+        <a:scrgbClr r="0" g="0" b="0"/>
+      </a:fillRef>
+      <a:effectRef idx="0">
+        <a:scrgbClr r="0" g="0" b="0"/>
+      </a:effectRef>
+      <a:fontRef idx="minor"/>
+    </dgm:style>
+  </dgm:styleLbl>
+  <dgm:styleLbl name="solidAlignAcc1">
+    <dgm:scene3d>
+      <a:camera prst="orthographicFront"/>
+      <a:lightRig rig="threePt" dir="t"/>
+    </dgm:scene3d>
+    <dgm:sp3d/>
+    <dgm:txPr/>
+    <dgm:style>
+      <a:lnRef idx="2">
+        <a:scrgbClr r="0" g="0" b="0"/>
+      </a:lnRef>
+      <a:fillRef idx="1">
+        <a:scrgbClr r="0" g="0" b="0"/>
+      </a:fillRef>
+      <a:effectRef idx="0">
+        <a:scrgbClr r="0" g="0" b="0"/>
+      </a:effectRef>
+      <a:fontRef idx="minor"/>
+    </dgm:style>
+  </dgm:styleLbl>
+  <dgm:styleLbl name="solidBgAcc1">
+    <dgm:scene3d>
+      <a:camera prst="orthographicFront"/>
+      <a:lightRig rig="threePt" dir="t"/>
+    </dgm:scene3d>
+    <dgm:sp3d/>
+    <dgm:txPr/>
+    <dgm:style>
+      <a:lnRef idx="2">
+        <a:scrgbClr r="0" g="0" b="0"/>
+      </a:lnRef>
+      <a:fillRef idx="1">
+        <a:scrgbClr r="0" g="0" b="0"/>
+      </a:fillRef>
+      <a:effectRef idx="0">
+        <a:scrgbClr r="0" g="0" b="0"/>
+      </a:effectRef>
+      <a:fontRef idx="minor"/>
+    </dgm:style>
+  </dgm:styleLbl>
+  <dgm:styleLbl name="fgAccFollowNode1">
+    <dgm:scene3d>
+      <a:camera prst="orthographicFront"/>
+      <a:lightRig rig="threePt" dir="t"/>
+    </dgm:scene3d>
+    <dgm:sp3d/>
+    <dgm:txPr/>
+    <dgm:style>
+      <a:lnRef idx="2">
+        <a:scrgbClr r="0" g="0" b="0"/>
+      </a:lnRef>
+      <a:fillRef idx="1">
+        <a:scrgbClr r="0" g="0" b="0"/>
+      </a:fillRef>
+      <a:effectRef idx="0">
+        <a:scrgbClr r="0" g="0" b="0"/>
+      </a:effectRef>
+      <a:fontRef idx="minor"/>
+    </dgm:style>
+  </dgm:styleLbl>
+  <dgm:styleLbl name="alignAccFollowNode1">
+    <dgm:scene3d>
+      <a:camera prst="orthographicFront"/>
+      <a:lightRig rig="threePt" dir="t"/>
+    </dgm:scene3d>
+    <dgm:sp3d/>
+    <dgm:txPr/>
+    <dgm:style>
+      <a:lnRef idx="2">
+        <a:scrgbClr r="0" g="0" b="0"/>
+      </a:lnRef>
+      <a:fillRef idx="1">
+        <a:scrgbClr r="0" g="0" b="0"/>
+      </a:fillRef>
+      <a:effectRef idx="0">
+        <a:scrgbClr r="0" g="0" b="0"/>
+      </a:effectRef>
+      <a:fontRef idx="minor"/>
+    </dgm:style>
+  </dgm:styleLbl>
+  <dgm:styleLbl name="bgAccFollowNode1">
+    <dgm:scene3d>
+      <a:camera prst="orthographicFront"/>
+      <a:lightRig rig="threePt" dir="t"/>
+    </dgm:scene3d>
+    <dgm:sp3d/>
+    <dgm:txPr/>
+    <dgm:style>
+      <a:lnRef idx="2">
+        <a:scrgbClr r="0" g="0" b="0"/>
+      </a:lnRef>
+      <a:fillRef idx="1">
+        <a:scrgbClr r="0" g="0" b="0"/>
+      </a:fillRef>
+      <a:effectRef idx="0">
+        <a:scrgbClr r="0" g="0" b="0"/>
+      </a:effectRef>
+      <a:fontRef idx="minor"/>
+    </dgm:style>
+  </dgm:styleLbl>
+  <dgm:styleLbl name="fgAcc0">
+    <dgm:scene3d>
+      <a:camera prst="orthographicFront"/>
+      <a:lightRig rig="threePt" dir="t"/>
+    </dgm:scene3d>
+    <dgm:sp3d/>
+    <dgm:txPr/>
+    <dgm:style>
+      <a:lnRef idx="2">
+        <a:scrgbClr r="0" g="0" b="0"/>
+      </a:lnRef>
+      <a:fillRef idx="1">
+        <a:scrgbClr r="0" g="0" b="0"/>
+      </a:fillRef>
+      <a:effectRef idx="0">
+        <a:scrgbClr r="0" g="0" b="0"/>
+      </a:effectRef>
+      <a:fontRef idx="minor"/>
+    </dgm:style>
+  </dgm:styleLbl>
+  <dgm:styleLbl name="fgAcc2">
+    <dgm:scene3d>
+      <a:camera prst="orthographicFront"/>
+      <a:lightRig rig="threePt" dir="t"/>
+    </dgm:scene3d>
+    <dgm:sp3d/>
+    <dgm:txPr/>
+    <dgm:style>
+      <a:lnRef idx="2">
+        <a:scrgbClr r="0" g="0" b="0"/>
+      </a:lnRef>
+      <a:fillRef idx="1">
+        <a:scrgbClr r="0" g="0" b="0"/>
+      </a:fillRef>
+      <a:effectRef idx="0">
+        <a:scrgbClr r="0" g="0" b="0"/>
+      </a:effectRef>
+      <a:fontRef idx="minor"/>
+    </dgm:style>
+  </dgm:styleLbl>
+  <dgm:styleLbl name="fgAcc3">
+    <dgm:scene3d>
+      <a:camera prst="orthographicFront"/>
+      <a:lightRig rig="threePt" dir="t"/>
+    </dgm:scene3d>
+    <dgm:sp3d/>
+    <dgm:txPr/>
+    <dgm:style>
+      <a:lnRef idx="2">
+        <a:scrgbClr r="0" g="0" b="0"/>
+      </a:lnRef>
+      <a:fillRef idx="1">
+        <a:scrgbClr r="0" g="0" b="0"/>
+      </a:fillRef>
+      <a:effectRef idx="0">
+        <a:scrgbClr r="0" g="0" b="0"/>
+      </a:effectRef>
+      <a:fontRef idx="minor"/>
+    </dgm:style>
+  </dgm:styleLbl>
+  <dgm:styleLbl name="fgAcc4">
+    <dgm:scene3d>
+      <a:camera prst="orthographicFront"/>
+      <a:lightRig rig="threePt" dir="t"/>
+    </dgm:scene3d>
+    <dgm:sp3d/>
+    <dgm:txPr/>
+    <dgm:style>
+      <a:lnRef idx="2">
+        <a:scrgbClr r="0" g="0" b="0"/>
+      </a:lnRef>
+      <a:fillRef idx="1">
+        <a:scrgbClr r="0" g="0" b="0"/>
+      </a:fillRef>
+      <a:effectRef idx="0">
+        <a:scrgbClr r="0" g="0" b="0"/>
+      </a:effectRef>
+      <a:fontRef idx="minor"/>
+    </dgm:style>
+  </dgm:styleLbl>
+  <dgm:styleLbl name="bgShp">
+    <dgm:scene3d>
+      <a:camera prst="orthographicFront"/>
+      <a:lightRig rig="threePt" dir="t"/>
+    </dgm:scene3d>
+    <dgm:sp3d/>
+    <dgm:txPr/>
+    <dgm:style>
+      <a:lnRef idx="0">
+        <a:scrgbClr r="0" g="0" b="0"/>
+      </a:lnRef>
+      <a:fillRef idx="1">
+        <a:scrgbClr r="0" g="0" b="0"/>
+      </a:fillRef>
+      <a:effectRef idx="0">
+        <a:scrgbClr r="0" g="0" b="0"/>
+      </a:effectRef>
+      <a:fontRef idx="minor"/>
+    </dgm:style>
+  </dgm:styleLbl>
+  <dgm:styleLbl name="dkBgShp">
+    <dgm:scene3d>
+      <a:camera prst="orthographicFront"/>
+      <a:lightRig rig="threePt" dir="t"/>
+    </dgm:scene3d>
+    <dgm:sp3d/>
+    <dgm:txPr/>
+    <dgm:style>
+      <a:lnRef idx="0">
+        <a:scrgbClr r="0" g="0" b="0"/>
+      </a:lnRef>
+      <a:fillRef idx="1">
+        <a:scrgbClr r="0" g="0" b="0"/>
+      </a:fillRef>
+      <a:effectRef idx="0">
+        <a:scrgbClr r="0" g="0" b="0"/>
+      </a:effectRef>
+      <a:fontRef idx="minor"/>
+    </dgm:style>
+  </dgm:styleLbl>
+  <dgm:styleLbl name="trBgShp">
+    <dgm:scene3d>
+      <a:camera prst="orthographicFront"/>
+      <a:lightRig rig="threePt" dir="t"/>
+    </dgm:scene3d>
+    <dgm:sp3d/>
+    <dgm:txPr/>
+    <dgm:style>
+      <a:lnRef idx="0">
+        <a:scrgbClr r="0" g="0" b="0"/>
+      </a:lnRef>
+      <a:fillRef idx="1">
+        <a:scrgbClr r="0" g="0" b="0"/>
+      </a:fillRef>
+      <a:effectRef idx="0">
+        <a:scrgbClr r="0" g="0" b="0"/>
+      </a:effectRef>
+      <a:fontRef idx="minor"/>
+    </dgm:style>
+  </dgm:styleLbl>
+  <dgm:styleLbl name="fgShp">
+    <dgm:scene3d>
+      <a:camera prst="orthographicFront"/>
+      <a:lightRig rig="threePt" dir="t"/>
+    </dgm:scene3d>
+    <dgm:sp3d/>
+    <dgm:txPr/>
+    <dgm:style>
+      <a:lnRef idx="2">
+        <a:scrgbClr r="0" g="0" b="0"/>
+      </a:lnRef>
+      <a:fillRef idx="1">
+        <a:scrgbClr r="0" g="0" b="0"/>
+      </a:fillRef>
+      <a:effectRef idx="0">
+        <a:scrgbClr r="0" g="0" b="0"/>
+      </a:effectRef>
+      <a:fontRef idx="minor"/>
+    </dgm:style>
+  </dgm:styleLbl>
+  <dgm:styleLbl name="revTx">
+    <dgm:scene3d>
+      <a:camera prst="orthographicFront"/>
+      <a:lightRig rig="threePt" dir="t"/>
+    </dgm:scene3d>
+    <dgm:sp3d/>
+    <dgm:txPr/>
+    <dgm:style>
+      <a:lnRef idx="0">
+        <a:scrgbClr r="0" g="0" b="0"/>
+      </a:lnRef>
+      <a:fillRef idx="0">
+        <a:scrgbClr r="0" g="0" b="0"/>
+      </a:fillRef>
+      <a:effectRef idx="0">
+        <a:scrgbClr r="0" g="0" b="0"/>
+      </a:effectRef>
+      <a:fontRef idx="minor"/>
+    </dgm:style>
+  </dgm:styleLbl>
+</dgm:styleDef>
+</file>
+
+<file path=ppt/diagrams/quickStyle8.xml><?xml version="1.0" encoding="utf-8"?>
 <dgm:styleDef xmlns:dgm="http://schemas.openxmlformats.org/drawingml/2006/diagram" xmlns:a="http://schemas.openxmlformats.org/drawingml/2006/main" uniqueId="urn:microsoft.com/office/officeart/2005/8/quickstyle/simple1">
   <dgm:title val=""/>
   <dgm:desc val=""/>
@@ -29015,7 +32827,7 @@
             <a:fld id="{B61BEF0D-F0BB-DE4B-95CE-6DB70DBA9567}" type="datetimeFigureOut">
               <a:rPr lang="en-US" smtClean="0"/>
               <a:pPr/>
-              <a:t>7/28/2022</a:t>
+              <a:t>7/28/22</a:t>
             </a:fld>
             <a:endParaRPr lang="en-US" dirty="0"/>
           </a:p>
@@ -29224,7 +33036,7 @@
             <a:fld id="{B61BEF0D-F0BB-DE4B-95CE-6DB70DBA9567}" type="datetimeFigureOut">
               <a:rPr lang="en-US" smtClean="0"/>
               <a:pPr/>
-              <a:t>7/28/2022</a:t>
+              <a:t>7/28/22</a:t>
             </a:fld>
             <a:endParaRPr lang="en-US" dirty="0"/>
           </a:p>
@@ -29406,7 +33218,7 @@
             <a:fld id="{B61BEF0D-F0BB-DE4B-95CE-6DB70DBA9567}" type="datetimeFigureOut">
               <a:rPr lang="en-US" smtClean="0"/>
               <a:pPr/>
-              <a:t>7/28/2022</a:t>
+              <a:t>7/28/22</a:t>
             </a:fld>
             <a:endParaRPr lang="en-US" dirty="0"/>
           </a:p>
@@ -29613,7 +33425,7 @@
             <a:fld id="{B61BEF0D-F0BB-DE4B-95CE-6DB70DBA9567}" type="datetimeFigureOut">
               <a:rPr lang="en-US" smtClean="0"/>
               <a:pPr/>
-              <a:t>7/28/2022</a:t>
+              <a:t>7/28/22</a:t>
             </a:fld>
             <a:endParaRPr lang="en-US" dirty="0"/>
           </a:p>
@@ -38513,7 +42325,7 @@
             <a:fld id="{B61BEF0D-F0BB-DE4B-95CE-6DB70DBA9567}" type="datetimeFigureOut">
               <a:rPr lang="en-US" smtClean="0"/>
               <a:pPr/>
-              <a:t>7/28/2022</a:t>
+              <a:t>7/28/22</a:t>
             </a:fld>
             <a:endParaRPr lang="en-US" dirty="0"/>
           </a:p>
@@ -38789,7 +42601,7 @@
             <a:fld id="{B61BEF0D-F0BB-DE4B-95CE-6DB70DBA9567}" type="datetimeFigureOut">
               <a:rPr lang="en-US" smtClean="0"/>
               <a:pPr/>
-              <a:t>7/28/2022</a:t>
+              <a:t>7/28/22</a:t>
             </a:fld>
             <a:endParaRPr lang="en-US" dirty="0"/>
           </a:p>
@@ -39189,7 +43001,7 @@
             <a:fld id="{B61BEF0D-F0BB-DE4B-95CE-6DB70DBA9567}" type="datetimeFigureOut">
               <a:rPr lang="en-US" smtClean="0"/>
               <a:pPr/>
-              <a:t>7/28/2022</a:t>
+              <a:t>7/28/22</a:t>
             </a:fld>
             <a:endParaRPr lang="en-US" dirty="0"/>
           </a:p>
@@ -39309,7 +43121,7 @@
             <a:fld id="{B61BEF0D-F0BB-DE4B-95CE-6DB70DBA9567}" type="datetimeFigureOut">
               <a:rPr lang="en-US" smtClean="0"/>
               <a:pPr/>
-              <a:t>7/28/2022</a:t>
+              <a:t>7/28/22</a:t>
             </a:fld>
             <a:endParaRPr lang="en-US" dirty="0"/>
           </a:p>
@@ -39406,7 +43218,7 @@
             <a:fld id="{B61BEF0D-F0BB-DE4B-95CE-6DB70DBA9567}" type="datetimeFigureOut">
               <a:rPr lang="en-US" smtClean="0"/>
               <a:pPr/>
-              <a:t>7/28/2022</a:t>
+              <a:t>7/28/22</a:t>
             </a:fld>
             <a:endParaRPr lang="en-US" dirty="0"/>
           </a:p>
@@ -39698,7 +43510,7 @@
             <a:fld id="{B61BEF0D-F0BB-DE4B-95CE-6DB70DBA9567}" type="datetimeFigureOut">
               <a:rPr lang="en-US" smtClean="0"/>
               <a:pPr/>
-              <a:t>7/28/2022</a:t>
+              <a:t>7/28/22</a:t>
             </a:fld>
             <a:endParaRPr lang="en-US" dirty="0"/>
           </a:p>
@@ -39980,7 +43792,7 @@
             <a:fld id="{B61BEF0D-F0BB-DE4B-95CE-6DB70DBA9567}" type="datetimeFigureOut">
               <a:rPr lang="en-US" smtClean="0"/>
               <a:pPr/>
-              <a:t>7/28/2022</a:t>
+              <a:t>7/28/22</a:t>
             </a:fld>
             <a:endParaRPr lang="en-US" dirty="0"/>
           </a:p>
@@ -40232,7 +44044,7 @@
             <a:fld id="{B61BEF0D-F0BB-DE4B-95CE-6DB70DBA9567}" type="datetimeFigureOut">
               <a:rPr lang="en-US" smtClean="0"/>
               <a:pPr/>
-              <a:t>7/28/2022</a:t>
+              <a:t>7/28/22</a:t>
             </a:fld>
             <a:endParaRPr lang="en-US" dirty="0"/>
           </a:p>
@@ -43074,7 +46886,7 @@
         </p:spPr>
         <p:txBody>
           <a:bodyPr>
-            <a:normAutofit fontScale="90000"/>
+            <a:normAutofit/>
           </a:bodyPr>
           <a:lstStyle/>
           <a:p>
@@ -50124,6 +53936,14 @@
 <file path=ppt/slides/slide41.xml><?xml version="1.0" encoding="utf-8"?>
 <p:sld xmlns:a="http://schemas.openxmlformats.org/drawingml/2006/main" xmlns:r="http://schemas.openxmlformats.org/officeDocument/2006/relationships" xmlns:p="http://schemas.openxmlformats.org/presentationml/2006/main">
   <p:cSld>
+    <p:bg>
+      <p:bgPr>
+        <a:solidFill>
+          <a:schemeClr val="bg1"/>
+        </a:solidFill>
+        <a:effectLst/>
+      </p:bgPr>
+    </p:bg>
     <p:spTree>
       <p:nvGrpSpPr>
         <p:cNvPr id="1" name=""/>
@@ -50154,7 +53974,12 @@
             <p:ph type="title"/>
           </p:nvPr>
         </p:nvSpPr>
-        <p:spPr/>
+        <p:spPr>
+          <a:xfrm>
+            <a:off x="1024128" y="585216"/>
+            <a:ext cx="8018272" cy="1499616"/>
+          </a:xfrm>
+        </p:spPr>
         <p:txBody>
           <a:bodyPr>
             <a:normAutofit/>
@@ -50162,7 +53987,7 @@
           <a:lstStyle/>
           <a:p>
             <a:r>
-              <a:rPr lang="en-US" sz="4000" dirty="0"/>
+              <a:rPr lang="en-US" dirty="0"/>
               <a:t>practices</a:t>
             </a:r>
           </a:p>
@@ -50184,9 +54009,16 @@
             <p:ph idx="1"/>
           </p:nvPr>
         </p:nvSpPr>
-        <p:spPr/>
+        <p:spPr>
+          <a:xfrm>
+            <a:off x="1024128" y="2286000"/>
+            <a:ext cx="8018271" cy="4023360"/>
+          </a:xfrm>
+        </p:spPr>
         <p:txBody>
-          <a:bodyPr/>
+          <a:bodyPr>
+            <a:normAutofit/>
+          </a:bodyPr>
           <a:lstStyle/>
           <a:p>
             <a:r>
@@ -50195,53 +54027,160 @@
             </a:r>
             <a:r>
               <a:rPr lang="en-US" dirty="0"/>
-              <a:t> Limited is a Mumbai-based biotech company with common stock and</a:t>
-            </a:r>
-          </a:p>
-          <a:p>
-            <a:r>
-              <a:rPr lang="en-US" dirty="0"/>
-              <a:t>listed futures and options on the National Stock Exchange (NSE). The </a:t>
+              <a:t> Limited is a Mumbai-based biotech company with common stock and listed futures and options on the National Stock Exchange (NSE). The </a:t>
             </a:r>
             <a:r>
               <a:rPr lang="en-US" dirty="0" err="1"/>
               <a:t>Viswan</a:t>
             </a:r>
+            <a:r>
+              <a:rPr lang="en-US" dirty="0"/>
+              <a:t> Family Office (VFO) currently owns 10,000 </a:t>
+            </a:r>
+            <a:r>
+              <a:rPr lang="en-US" dirty="0" err="1"/>
+              <a:t>Biomian</a:t>
+            </a:r>
+            <a:r>
+              <a:rPr lang="en-US" dirty="0"/>
+              <a:t> common shares. VFO would like to reduce its long </a:t>
+            </a:r>
+            <a:r>
+              <a:rPr lang="en-US" dirty="0" err="1"/>
+              <a:t>Biomian</a:t>
+            </a:r>
+            <a:r>
+              <a:rPr lang="en-US" dirty="0"/>
+              <a:t> position and diversify its equity market exposure but will delay a cash sale of shares for tax reasons for six months.</a:t>
+            </a:r>
+          </a:p>
+        </p:txBody>
+      </p:sp>
+      <p:sp>
+        <p:nvSpPr>
+          <p:cNvPr id="8" name="Rectangle 7">
+            <a:extLst>
+              <a:ext uri="{FF2B5EF4-FFF2-40B4-BE49-F238E27FC236}">
+                <a16:creationId xmlns:a16="http://schemas.microsoft.com/office/drawing/2014/main" id="{77D7B666-D5E6-48CE-B26A-FB5E5C34AF90}"/>
+              </a:ext>
+              <a:ext uri="{C183D7F6-B498-43B3-948B-1728B52AA6E4}">
+                <adec:decorative xmlns:adec="http://schemas.microsoft.com/office/drawing/2017/decorative" val="1"/>
+              </a:ext>
+            </a:extLst>
+          </p:cNvPr>
+          <p:cNvSpPr>
+            <a:spLocks noGrp="1" noRot="1" noChangeAspect="1" noMove="1" noResize="1" noEditPoints="1" noAdjustHandles="1" noChangeArrowheads="1" noChangeShapeType="1" noTextEdit="1"/>
+          </p:cNvSpPr>
+          <p:nvPr>
+            <p:extLst>
+              <p:ext uri="{386F3935-93C4-4BCD-93E2-E3B085C9AB24}">
+                <p16:designElem xmlns:p16="http://schemas.microsoft.com/office/powerpoint/2015/main" val="1"/>
+              </p:ext>
+            </p:extLst>
+          </p:nvPr>
+        </p:nvSpPr>
+        <p:spPr>
+          <a:xfrm>
+            <a:off x="9583348" y="325601"/>
+            <a:ext cx="2286920" cy="3908071"/>
+          </a:xfrm>
+          <a:prstGeom prst="rect">
+            <a:avLst/>
+          </a:prstGeom>
+          <a:solidFill>
+            <a:schemeClr val="accent1"/>
+          </a:solidFill>
+          <a:ln>
+            <a:noFill/>
+          </a:ln>
+        </p:spPr>
+        <p:style>
+          <a:lnRef idx="2">
+            <a:schemeClr val="accent1">
+              <a:shade val="50000"/>
+            </a:schemeClr>
+          </a:lnRef>
+          <a:fillRef idx="1">
+            <a:schemeClr val="accent1"/>
+          </a:fillRef>
+          <a:effectRef idx="0">
+            <a:schemeClr val="accent1"/>
+          </a:effectRef>
+          <a:fontRef idx="minor">
+            <a:schemeClr val="lt1"/>
+          </a:fontRef>
+        </p:style>
+        <p:txBody>
+          <a:bodyPr rtlCol="0" anchor="ctr"/>
+          <a:lstStyle/>
+          <a:p>
+            <a:pPr algn="ctr"/>
             <a:endParaRPr lang="en-US" dirty="0"/>
           </a:p>
+        </p:txBody>
+      </p:sp>
+      <p:sp>
+        <p:nvSpPr>
+          <p:cNvPr id="10" name="Rectangle 9">
+            <a:extLst>
+              <a:ext uri="{FF2B5EF4-FFF2-40B4-BE49-F238E27FC236}">
+                <a16:creationId xmlns:a16="http://schemas.microsoft.com/office/drawing/2014/main" id="{F6EE670A-A41A-44AD-BC1C-2090365EB5B3}"/>
+              </a:ext>
+              <a:ext uri="{C183D7F6-B498-43B3-948B-1728B52AA6E4}">
+                <adec:decorative xmlns:adec="http://schemas.microsoft.com/office/drawing/2017/decorative" val="1"/>
+              </a:ext>
+            </a:extLst>
+          </p:cNvPr>
+          <p:cNvSpPr>
+            <a:spLocks noGrp="1" noRot="1" noChangeAspect="1" noMove="1" noResize="1" noEditPoints="1" noAdjustHandles="1" noChangeArrowheads="1" noChangeShapeType="1" noTextEdit="1"/>
+          </p:cNvSpPr>
+          <p:nvPr>
+            <p:extLst>
+              <p:ext uri="{386F3935-93C4-4BCD-93E2-E3B085C9AB24}">
+                <p16:designElem xmlns:p16="http://schemas.microsoft.com/office/powerpoint/2015/main" val="1"/>
+              </p:ext>
+            </p:extLst>
+          </p:nvPr>
+        </p:nvSpPr>
+        <p:spPr>
+          <a:xfrm>
+            <a:off x="9583348" y="4394539"/>
+            <a:ext cx="2286920" cy="2029724"/>
+          </a:xfrm>
+          <a:prstGeom prst="rect">
+            <a:avLst/>
+          </a:prstGeom>
+          <a:solidFill>
+            <a:schemeClr val="tx2">
+              <a:alpha val="80000"/>
+            </a:schemeClr>
+          </a:solidFill>
+          <a:ln>
+            <a:noFill/>
+          </a:ln>
+        </p:spPr>
+        <p:style>
+          <a:lnRef idx="2">
+            <a:schemeClr val="accent1">
+              <a:shade val="50000"/>
+            </a:schemeClr>
+          </a:lnRef>
+          <a:fillRef idx="1">
+            <a:schemeClr val="accent1"/>
+          </a:fillRef>
+          <a:effectRef idx="0">
+            <a:schemeClr val="accent1"/>
+          </a:effectRef>
+          <a:fontRef idx="minor">
+            <a:schemeClr val="lt1"/>
+          </a:fontRef>
+        </p:style>
+        <p:txBody>
+          <a:bodyPr rtlCol="0" anchor="ctr"/>
+          <a:lstStyle/>
           <a:p>
-            <a:r>
-              <a:rPr lang="en-US" dirty="0"/>
-              <a:t>Family Office (VFO) currently owns 10,000 </a:t>
-            </a:r>
-            <a:r>
-              <a:rPr lang="en-US" dirty="0" err="1"/>
-              <a:t>Biomian</a:t>
-            </a:r>
-            <a:r>
-              <a:rPr lang="en-US" dirty="0"/>
-              <a:t> common shares. VFO would</a:t>
-            </a:r>
-          </a:p>
-          <a:p>
-            <a:r>
-              <a:rPr lang="en-US" dirty="0"/>
-              <a:t>like to reduce its long </a:t>
-            </a:r>
-            <a:r>
-              <a:rPr lang="en-US" dirty="0" err="1"/>
-              <a:t>Biomian</a:t>
-            </a:r>
-            <a:r>
-              <a:rPr lang="en-US" dirty="0"/>
-              <a:t> position and diversify its equity market exposure</a:t>
-            </a:r>
-          </a:p>
-          <a:p>
-            <a:r>
-              <a:rPr lang="en-US" dirty="0"/>
-              <a:t>but will delay a cash sale of shares for tax reasons for six months.</a:t>
-            </a:r>
+            <a:pPr algn="ctr"/>
+            <a:endParaRPr lang="en-US"/>
           </a:p>
         </p:txBody>
       </p:sp>
@@ -50261,6 +54200,14 @@
 <file path=ppt/slides/slide42.xml><?xml version="1.0" encoding="utf-8"?>
 <p:sld xmlns:a="http://schemas.openxmlformats.org/drawingml/2006/main" xmlns:r="http://schemas.openxmlformats.org/officeDocument/2006/relationships" xmlns:p="http://schemas.openxmlformats.org/presentationml/2006/main">
   <p:cSld>
+    <p:bg>
+      <p:bgPr>
+        <a:solidFill>
+          <a:schemeClr val="bg1"/>
+        </a:solidFill>
+        <a:effectLst/>
+      </p:bgPr>
+    </p:bg>
     <p:spTree>
       <p:nvGrpSpPr>
         <p:cNvPr id="1" name=""/>
@@ -50275,6 +54222,44 @@
           <a:chExt cx="0" cy="0"/>
         </a:xfrm>
       </p:grpSpPr>
+      <p:pic>
+        <p:nvPicPr>
+          <p:cNvPr id="5" name="Picture 4" descr="Digital graphs and numbers in 3D">
+            <a:extLst>
+              <a:ext uri="{FF2B5EF4-FFF2-40B4-BE49-F238E27FC236}">
+                <a16:creationId xmlns:a16="http://schemas.microsoft.com/office/drawing/2014/main" id="{65D430B9-BE24-1B36-4174-1A2932B70414}"/>
+              </a:ext>
+            </a:extLst>
+          </p:cNvPr>
+          <p:cNvPicPr>
+            <a:picLocks noChangeAspect="1"/>
+          </p:cNvPicPr>
+          <p:nvPr/>
+        </p:nvPicPr>
+        <p:blipFill rotWithShape="1">
+          <a:blip r:embed="rId2">
+            <a:duotone>
+              <a:schemeClr val="bg2">
+                <a:shade val="45000"/>
+                <a:satMod val="135000"/>
+              </a:schemeClr>
+              <a:prstClr val="white"/>
+            </a:duotone>
+            <a:alphaModFix amt="40000"/>
+          </a:blip>
+          <a:srcRect t="9783" b="5948"/>
+          <a:stretch/>
+        </p:blipFill>
+        <p:spPr>
+          <a:xfrm>
+            <a:off x="20" y="10"/>
+            <a:ext cx="12191980" cy="6857989"/>
+          </a:xfrm>
+          <a:prstGeom prst="rect">
+            <a:avLst/>
+          </a:prstGeom>
+        </p:spPr>
+      </p:pic>
       <p:sp>
         <p:nvSpPr>
           <p:cNvPr id="2" name="Title 1">
@@ -50291,7 +54276,12 @@
             <p:ph type="title"/>
           </p:nvPr>
         </p:nvSpPr>
-        <p:spPr/>
+        <p:spPr>
+          <a:xfrm>
+            <a:off x="1024128" y="585216"/>
+            <a:ext cx="9720072" cy="1499616"/>
+          </a:xfrm>
+        </p:spPr>
         <p:txBody>
           <a:bodyPr>
             <a:normAutofit/>
@@ -50299,12 +54289,64 @@
           <a:lstStyle/>
           <a:p>
             <a:r>
-              <a:rPr lang="en-US" sz="4000" dirty="0"/>
+              <a:rPr lang="en-US"/>
               <a:t>practices</a:t>
             </a:r>
           </a:p>
         </p:txBody>
       </p:sp>
+      <p:cxnSp>
+        <p:nvCxnSpPr>
+          <p:cNvPr id="9" name="Straight Connector 8">
+            <a:extLst>
+              <a:ext uri="{FF2B5EF4-FFF2-40B4-BE49-F238E27FC236}">
+                <a16:creationId xmlns:a16="http://schemas.microsoft.com/office/drawing/2014/main" id="{3FEFDF7D-B17C-4F16-B8BE-C55FFC7E295E}"/>
+              </a:ext>
+              <a:ext uri="{C183D7F6-B498-43B3-948B-1728B52AA6E4}">
+                <adec:decorative xmlns:adec="http://schemas.microsoft.com/office/drawing/2017/decorative" val="1"/>
+              </a:ext>
+            </a:extLst>
+          </p:cNvPr>
+          <p:cNvCxnSpPr>
+            <a:cxnSpLocks noGrp="1" noRot="1" noChangeAspect="1" noMove="1" noResize="1" noEditPoints="1" noAdjustHandles="1" noChangeArrowheads="1" noChangeShapeType="1"/>
+          </p:cNvCxnSpPr>
+          <p:nvPr>
+            <p:extLst>
+              <p:ext uri="{386F3935-93C4-4BCD-93E2-E3B085C9AB24}">
+                <p16:designElem xmlns:p16="http://schemas.microsoft.com/office/powerpoint/2015/main" val="1"/>
+              </p:ext>
+            </p:extLst>
+          </p:nvPr>
+        </p:nvCxnSpPr>
+        <p:spPr>
+          <a:xfrm flipV="1">
+            <a:off x="762000" y="826324"/>
+            <a:ext cx="0" cy="914400"/>
+          </a:xfrm>
+          <a:prstGeom prst="line">
+            <a:avLst/>
+          </a:prstGeom>
+          <a:ln w="19050">
+            <a:solidFill>
+              <a:schemeClr val="accent1"/>
+            </a:solidFill>
+          </a:ln>
+        </p:spPr>
+        <p:style>
+          <a:lnRef idx="1">
+            <a:schemeClr val="accent1"/>
+          </a:lnRef>
+          <a:fillRef idx="0">
+            <a:schemeClr val="accent1"/>
+          </a:fillRef>
+          <a:effectRef idx="0">
+            <a:schemeClr val="accent1"/>
+          </a:effectRef>
+          <a:fontRef idx="minor">
+            <a:schemeClr val="tx1"/>
+          </a:fontRef>
+        </p:style>
+      </p:cxnSp>
       <p:sp>
         <p:nvSpPr>
           <p:cNvPr id="3" name="Content Placeholder 2">
@@ -50323,140 +54365,140 @@
         </p:nvSpPr>
         <p:spPr>
           <a:xfrm>
-            <a:off x="1024128" y="1928813"/>
+            <a:off x="1024128" y="2286000"/>
             <a:ext cx="9720073" cy="4023360"/>
           </a:xfrm>
         </p:spPr>
         <p:txBody>
           <a:bodyPr>
-            <a:noAutofit/>
+            <a:normAutofit/>
           </a:bodyPr>
           <a:lstStyle/>
           <a:p>
             <a:r>
-              <a:rPr lang="en-US" sz="2000" b="1" dirty="0"/>
+              <a:rPr lang="en-US" sz="1700" b="1"/>
               <a:t>1. Which of the following derivative contracts available to VFO’s chief investment officer is best suited to reduce exposure to a decline in </a:t>
             </a:r>
             <a:r>
-              <a:rPr lang="en-US" sz="2000" b="1" dirty="0" err="1"/>
+              <a:rPr lang="en-US" sz="1700" b="1" err="1"/>
               <a:t>Biomian’s</a:t>
             </a:r>
             <a:r>
-              <a:rPr lang="en-US" sz="2000" b="1" dirty="0"/>
+              <a:rPr lang="en-US" sz="1700" b="1"/>
               <a:t> stock price in the next six months?</a:t>
             </a:r>
           </a:p>
           <a:p>
             <a:r>
-              <a:rPr lang="en-US" sz="2000" dirty="0"/>
+              <a:rPr lang="en-US" sz="1700"/>
               <a:t>A. A short put position on </a:t>
             </a:r>
             <a:r>
-              <a:rPr lang="en-US" sz="2000" dirty="0" err="1"/>
+              <a:rPr lang="en-US" sz="1700" err="1"/>
               <a:t>Biomian</a:t>
             </a:r>
             <a:r>
-              <a:rPr lang="en-US" sz="2000" dirty="0"/>
+              <a:rPr lang="en-US" sz="1700"/>
               <a:t> stock that expires in six months</a:t>
             </a:r>
           </a:p>
           <a:p>
             <a:r>
-              <a:rPr lang="en-US" sz="2000" dirty="0"/>
+              <a:rPr lang="en-US" sz="1700"/>
               <a:t>B. A long call position on </a:t>
             </a:r>
             <a:r>
-              <a:rPr lang="en-US" sz="2000" dirty="0" err="1"/>
+              <a:rPr lang="en-US" sz="1700" err="1"/>
               <a:t>Biomian</a:t>
             </a:r>
             <a:r>
-              <a:rPr lang="en-US" sz="2000" dirty="0"/>
+              <a:rPr lang="en-US" sz="1700"/>
               <a:t> stock that expires in six months</a:t>
             </a:r>
           </a:p>
           <a:p>
             <a:r>
-              <a:rPr lang="en-US" sz="2000" dirty="0"/>
+              <a:rPr lang="en-US" sz="1700"/>
               <a:t>C. A short futures position in </a:t>
             </a:r>
             <a:r>
-              <a:rPr lang="en-US" sz="2000" dirty="0" err="1"/>
+              <a:rPr lang="en-US" sz="1700" err="1"/>
               <a:t>Biomian</a:t>
             </a:r>
             <a:r>
-              <a:rPr lang="en-US" sz="2000" dirty="0"/>
+              <a:rPr lang="en-US" sz="1700"/>
               <a:t> stock that settles in six months</a:t>
             </a:r>
           </a:p>
           <a:p>
             <a:r>
-              <a:rPr lang="en-US" sz="2000" b="1" dirty="0"/>
+              <a:rPr lang="en-US" sz="1700" b="1"/>
               <a:t>2. VFO’s market strategist believes that </a:t>
             </a:r>
             <a:r>
-              <a:rPr lang="en-US" sz="2000" b="1" dirty="0" err="1"/>
+              <a:rPr lang="en-US" sz="1700" b="1" err="1"/>
               <a:t>Biomian’s</a:t>
             </a:r>
             <a:r>
-              <a:rPr lang="en-US" sz="2000" b="1" dirty="0"/>
+              <a:rPr lang="en-US" sz="1700" b="1"/>
               <a:t> share price will rise over the next six months but would like to protect against a decline in </a:t>
             </a:r>
             <a:r>
-              <a:rPr lang="en-US" sz="2000" b="1" dirty="0" err="1"/>
+              <a:rPr lang="en-US" sz="1700" b="1" err="1"/>
               <a:t>Biomian’s</a:t>
             </a:r>
             <a:r>
-              <a:rPr lang="en-US" sz="2000" b="1" dirty="0"/>
+              <a:rPr lang="en-US" sz="1700" b="1"/>
               <a:t> share price over the period. Which of the following positions is best suited for VFO to manage its existing </a:t>
             </a:r>
             <a:r>
-              <a:rPr lang="en-US" sz="2000" b="1" dirty="0" err="1"/>
+              <a:rPr lang="en-US" sz="1700" b="1" err="1"/>
               <a:t>Biomian</a:t>
             </a:r>
             <a:r>
-              <a:rPr lang="en-US" sz="2000" b="1" dirty="0"/>
+              <a:rPr lang="en-US" sz="1700" b="1"/>
               <a:t> exposure based on this view?</a:t>
             </a:r>
           </a:p>
           <a:p>
             <a:r>
-              <a:rPr lang="en-US" sz="2000" dirty="0"/>
+              <a:rPr lang="en-US" sz="1700"/>
               <a:t>A. A long put position on </a:t>
             </a:r>
             <a:r>
-              <a:rPr lang="en-US" sz="2000" dirty="0" err="1"/>
+              <a:rPr lang="en-US" sz="1700" err="1"/>
               <a:t>Biomian</a:t>
             </a:r>
             <a:r>
-              <a:rPr lang="en-US" sz="2000" dirty="0"/>
+              <a:rPr lang="en-US" sz="1700"/>
               <a:t> stock that expires in six months</a:t>
             </a:r>
           </a:p>
           <a:p>
             <a:r>
-              <a:rPr lang="en-US" sz="2000" dirty="0"/>
+              <a:rPr lang="en-US" sz="1700"/>
               <a:t>B. A short call position on </a:t>
             </a:r>
             <a:r>
-              <a:rPr lang="en-US" sz="2000" dirty="0" err="1"/>
+              <a:rPr lang="en-US" sz="1700" err="1"/>
               <a:t>Biomian</a:t>
             </a:r>
             <a:r>
-              <a:rPr lang="en-US" sz="2000" dirty="0"/>
+              <a:rPr lang="en-US" sz="1700"/>
               <a:t> stock that expires in six months</a:t>
             </a:r>
           </a:p>
           <a:p>
             <a:r>
-              <a:rPr lang="en-US" sz="2000" dirty="0"/>
+              <a:rPr lang="en-US" sz="1700"/>
               <a:t>C. A long futures position in </a:t>
             </a:r>
             <a:r>
-              <a:rPr lang="en-US" sz="2000" dirty="0" err="1"/>
+              <a:rPr lang="en-US" sz="1700" err="1"/>
               <a:t>Biomian</a:t>
             </a:r>
             <a:r>
-              <a:rPr lang="en-US" sz="2000" dirty="0"/>
+              <a:rPr lang="en-US" sz="1700"/>
               <a:t> stock that settles in six months</a:t>
             </a:r>
           </a:p>
@@ -50478,6 +54520,14 @@
 <file path=ppt/slides/slide43.xml><?xml version="1.0" encoding="utf-8"?>
 <p:sld xmlns:a="http://schemas.openxmlformats.org/drawingml/2006/main" xmlns:r="http://schemas.openxmlformats.org/officeDocument/2006/relationships" xmlns:p="http://schemas.openxmlformats.org/presentationml/2006/main">
   <p:cSld>
+    <p:bg>
+      <p:bgPr>
+        <a:solidFill>
+          <a:schemeClr val="bg1"/>
+        </a:solidFill>
+        <a:effectLst/>
+      </p:bgPr>
+    </p:bg>
     <p:spTree>
       <p:nvGrpSpPr>
         <p:cNvPr id="1" name=""/>
@@ -50492,6 +54542,44 @@
           <a:chExt cx="0" cy="0"/>
         </a:xfrm>
       </p:grpSpPr>
+      <p:pic>
+        <p:nvPicPr>
+          <p:cNvPr id="5" name="Picture 4" descr="An abstract financial digital analysis">
+            <a:extLst>
+              <a:ext uri="{FF2B5EF4-FFF2-40B4-BE49-F238E27FC236}">
+                <a16:creationId xmlns:a16="http://schemas.microsoft.com/office/drawing/2014/main" id="{21EBB189-CB82-E30C-2A3A-36611F43DF06}"/>
+              </a:ext>
+            </a:extLst>
+          </p:cNvPr>
+          <p:cNvPicPr>
+            <a:picLocks noChangeAspect="1"/>
+          </p:cNvPicPr>
+          <p:nvPr/>
+        </p:nvPicPr>
+        <p:blipFill rotWithShape="1">
+          <a:blip r:embed="rId2">
+            <a:duotone>
+              <a:schemeClr val="bg2">
+                <a:shade val="45000"/>
+                <a:satMod val="135000"/>
+              </a:schemeClr>
+              <a:prstClr val="white"/>
+            </a:duotone>
+            <a:alphaModFix amt="40000"/>
+          </a:blip>
+          <a:srcRect l="1333" r="1" b="1"/>
+          <a:stretch/>
+        </p:blipFill>
+        <p:spPr>
+          <a:xfrm>
+            <a:off x="20" y="10"/>
+            <a:ext cx="12191980" cy="6857989"/>
+          </a:xfrm>
+          <a:prstGeom prst="rect">
+            <a:avLst/>
+          </a:prstGeom>
+        </p:spPr>
+      </p:pic>
       <p:sp>
         <p:nvSpPr>
           <p:cNvPr id="2" name="Title 1">
@@ -50508,7 +54596,12 @@
             <p:ph type="title"/>
           </p:nvPr>
         </p:nvSpPr>
-        <p:spPr/>
+        <p:spPr>
+          <a:xfrm>
+            <a:off x="1024128" y="585216"/>
+            <a:ext cx="9720072" cy="1499616"/>
+          </a:xfrm>
+        </p:spPr>
         <p:txBody>
           <a:bodyPr>
             <a:normAutofit/>
@@ -50516,12 +54609,64 @@
           <a:lstStyle/>
           <a:p>
             <a:r>
-              <a:rPr lang="en-US" sz="4000" dirty="0"/>
+              <a:rPr lang="en-US"/>
               <a:t>practices</a:t>
             </a:r>
           </a:p>
         </p:txBody>
       </p:sp>
+      <p:cxnSp>
+        <p:nvCxnSpPr>
+          <p:cNvPr id="9" name="Straight Connector 8">
+            <a:extLst>
+              <a:ext uri="{FF2B5EF4-FFF2-40B4-BE49-F238E27FC236}">
+                <a16:creationId xmlns:a16="http://schemas.microsoft.com/office/drawing/2014/main" id="{3FEFDF7D-B17C-4F16-B8BE-C55FFC7E295E}"/>
+              </a:ext>
+              <a:ext uri="{C183D7F6-B498-43B3-948B-1728B52AA6E4}">
+                <adec:decorative xmlns:adec="http://schemas.microsoft.com/office/drawing/2017/decorative" val="1"/>
+              </a:ext>
+            </a:extLst>
+          </p:cNvPr>
+          <p:cNvCxnSpPr>
+            <a:cxnSpLocks noGrp="1" noRot="1" noChangeAspect="1" noMove="1" noResize="1" noEditPoints="1" noAdjustHandles="1" noChangeArrowheads="1" noChangeShapeType="1"/>
+          </p:cNvCxnSpPr>
+          <p:nvPr>
+            <p:extLst>
+              <p:ext uri="{386F3935-93C4-4BCD-93E2-E3B085C9AB24}">
+                <p16:designElem xmlns:p16="http://schemas.microsoft.com/office/powerpoint/2015/main" val="1"/>
+              </p:ext>
+            </p:extLst>
+          </p:nvPr>
+        </p:nvCxnSpPr>
+        <p:spPr>
+          <a:xfrm flipV="1">
+            <a:off x="762000" y="826324"/>
+            <a:ext cx="0" cy="914400"/>
+          </a:xfrm>
+          <a:prstGeom prst="line">
+            <a:avLst/>
+          </a:prstGeom>
+          <a:ln w="19050">
+            <a:solidFill>
+              <a:schemeClr val="accent1"/>
+            </a:solidFill>
+          </a:ln>
+        </p:spPr>
+        <p:style>
+          <a:lnRef idx="1">
+            <a:schemeClr val="accent1"/>
+          </a:lnRef>
+          <a:fillRef idx="0">
+            <a:schemeClr val="accent1"/>
+          </a:fillRef>
+          <a:effectRef idx="0">
+            <a:schemeClr val="accent1"/>
+          </a:effectRef>
+          <a:fontRef idx="minor">
+            <a:schemeClr val="tx1"/>
+          </a:fontRef>
+        </p:style>
+      </p:cxnSp>
       <p:sp>
         <p:nvSpPr>
           <p:cNvPr id="3" name="Content Placeholder 2">
@@ -50538,7 +54683,12 @@
             <p:ph idx="1"/>
           </p:nvPr>
         </p:nvSpPr>
-        <p:spPr/>
+        <p:spPr>
+          <a:xfrm>
+            <a:off x="1024128" y="2286000"/>
+            <a:ext cx="9720073" cy="4023360"/>
+          </a:xfrm>
+        </p:spPr>
         <p:txBody>
           <a:bodyPr>
             <a:normAutofit/>
@@ -50652,6 +54802,14 @@
 <file path=ppt/slides/slide44.xml><?xml version="1.0" encoding="utf-8"?>
 <p:sld xmlns:a="http://schemas.openxmlformats.org/drawingml/2006/main" xmlns:r="http://schemas.openxmlformats.org/officeDocument/2006/relationships" xmlns:p="http://schemas.openxmlformats.org/presentationml/2006/main">
   <p:cSld>
+    <p:bg>
+      <p:bgPr>
+        <a:solidFill>
+          <a:schemeClr val="bg1"/>
+        </a:solidFill>
+        <a:effectLst/>
+      </p:bgPr>
+    </p:bg>
     <p:spTree>
       <p:nvGrpSpPr>
         <p:cNvPr id="1" name=""/>
@@ -50696,84 +54854,32 @@
           </a:p>
         </p:txBody>
       </p:sp>
-      <p:sp>
-        <p:nvSpPr>
-          <p:cNvPr id="3" name="Content Placeholder 2">
+      <p:graphicFrame>
+        <p:nvGraphicFramePr>
+          <p:cNvPr id="5" name="Content Placeholder 2">
             <a:extLst>
               <a:ext uri="{FF2B5EF4-FFF2-40B4-BE49-F238E27FC236}">
-                <a16:creationId xmlns:a16="http://schemas.microsoft.com/office/drawing/2014/main" id="{359A9A11-7E61-4700-B1AB-616AA13C0F21}"/>
+                <a16:creationId xmlns:a16="http://schemas.microsoft.com/office/drawing/2014/main" id="{0741C8E3-E2C3-6292-4670-A64812C5D503}"/>
               </a:ext>
             </a:extLst>
           </p:cNvPr>
-          <p:cNvSpPr>
-            <a:spLocks noGrp="1"/>
-          </p:cNvSpPr>
+          <p:cNvGraphicFramePr>
+            <a:graphicFrameLocks noGrp="1"/>
+          </p:cNvGraphicFramePr>
           <p:nvPr>
             <p:ph idx="1"/>
           </p:nvPr>
-        </p:nvSpPr>
-        <p:spPr/>
-        <p:txBody>
-          <a:bodyPr>
-            <a:normAutofit lnSpcReduction="10000"/>
-          </a:bodyPr>
-          <a:lstStyle/>
-          <a:p>
-            <a:r>
-              <a:rPr lang="en-US" b="1" dirty="0"/>
-              <a:t>4. VFO’s market strategist is considering a six-month call option strategy on the</a:t>
-            </a:r>
-          </a:p>
-          <a:p>
-            <a:r>
-              <a:rPr lang="en-US" b="1" dirty="0"/>
-              <a:t>NIFTY 50 benchmark Indian stock market index to increase broad market equity</a:t>
-            </a:r>
-          </a:p>
-          <a:p>
-            <a:r>
-              <a:rPr lang="en-US" b="1" dirty="0"/>
-              <a:t>exposure. The NIFTY 50 price today is INR15,200, and the strategist observes</a:t>
-            </a:r>
-          </a:p>
-          <a:p>
-            <a:r>
-              <a:rPr lang="en-US" b="1" dirty="0"/>
-              <a:t>that a call option with a INR16,000 exercise price (X) is trading at a premium of</a:t>
-            </a:r>
-          </a:p>
-          <a:p>
-            <a:r>
-              <a:rPr lang="en-US" b="1" dirty="0"/>
-              <a:t>INR1,500. Which of the following represents the payoff and profit of this strategy</a:t>
-            </a:r>
-          </a:p>
-          <a:p>
-            <a:r>
-              <a:rPr lang="en-US" b="1" dirty="0"/>
-              <a:t>just prior to maturity if the NIFTY 50 is trading at INR16,500?</a:t>
-            </a:r>
-          </a:p>
-          <a:p>
-            <a:r>
-              <a:rPr lang="en-US" dirty="0"/>
-              <a:t>A. Payoff is INR500; profit is –INR1,000.</a:t>
-            </a:r>
-          </a:p>
-          <a:p>
-            <a:r>
-              <a:rPr lang="en-US" dirty="0"/>
-              <a:t>B. Payoff is INR1,300; profit is INR800.</a:t>
-            </a:r>
-          </a:p>
-          <a:p>
-            <a:r>
-              <a:rPr lang="en-US" dirty="0"/>
-              <a:t>C. Payoff is INR1,300; profit is INR500.</a:t>
-            </a:r>
-          </a:p>
-        </p:txBody>
-      </p:sp>
+        </p:nvGraphicFramePr>
+        <p:xfrm>
+          <a:off x="1024128" y="2286000"/>
+          <a:ext cx="9720073" cy="4023360"/>
+        </p:xfrm>
+        <a:graphic>
+          <a:graphicData uri="http://schemas.openxmlformats.org/drawingml/2006/diagram">
+            <dgm:relIds xmlns:dgm="http://schemas.openxmlformats.org/drawingml/2006/diagram" xmlns:r="http://schemas.openxmlformats.org/officeDocument/2006/relationships" r:dm="rId3" r:lo="rId4" r:qs="rId5" r:cs="rId6"/>
+          </a:graphicData>
+        </a:graphic>
+      </p:graphicFrame>
     </p:spTree>
     <p:extLst>
       <p:ext uri="{BB962C8B-B14F-4D97-AF65-F5344CB8AC3E}">
@@ -50782,7 +54888,7 @@
     </p:extLst>
   </p:cSld>
   <p:clrMapOvr>
-    <a:masterClrMapping/>
+    <a:overrideClrMapping bg1="lt1" tx1="dk1" bg2="lt2" tx2="dk2" accent1="accent1" accent2="accent2" accent3="accent3" accent4="accent4" accent5="accent5" accent6="accent6" hlink="hlink" folHlink="folHlink"/>
   </p:clrMapOvr>
 </p:sld>
 </file>
@@ -51537,7 +55643,7 @@
         <p:spPr/>
         <p:txBody>
           <a:bodyPr>
-            <a:normAutofit fontScale="90000"/>
+            <a:normAutofit/>
           </a:bodyPr>
           <a:lstStyle/>
           <a:p>
@@ -51684,7 +55790,7 @@
         <p:spPr/>
         <p:txBody>
           <a:bodyPr>
-            <a:normAutofit fontScale="90000"/>
+            <a:normAutofit/>
           </a:bodyPr>
           <a:lstStyle/>
           <a:p>
@@ -51850,7 +55956,7 @@
         <p:spPr/>
         <p:txBody>
           <a:bodyPr>
-            <a:normAutofit fontScale="90000"/>
+            <a:normAutofit/>
           </a:bodyPr>
           <a:lstStyle/>
           <a:p>
@@ -55246,4 +59352,47 @@
     </a:ext>
   </a:extLst>
 </a:theme>
+</file>
+
+<file path=ppt/theme/themeOverride1.xml><?xml version="1.0" encoding="utf-8"?>
+<a:themeOverride xmlns:a="http://schemas.openxmlformats.org/drawingml/2006/main">
+  <a:clrScheme name="积分">
+    <a:dk1>
+      <a:sysClr val="windowText" lastClr="000000"/>
+    </a:dk1>
+    <a:lt1>
+      <a:sysClr val="window" lastClr="FFFFFF"/>
+    </a:lt1>
+    <a:dk2>
+      <a:srgbClr val="335B74"/>
+    </a:dk2>
+    <a:lt2>
+      <a:srgbClr val="DFE3E5"/>
+    </a:lt2>
+    <a:accent1>
+      <a:srgbClr val="1CADE4"/>
+    </a:accent1>
+    <a:accent2>
+      <a:srgbClr val="2683C6"/>
+    </a:accent2>
+    <a:accent3>
+      <a:srgbClr val="27CED7"/>
+    </a:accent3>
+    <a:accent4>
+      <a:srgbClr val="42BA97"/>
+    </a:accent4>
+    <a:accent5>
+      <a:srgbClr val="3E8853"/>
+    </a:accent5>
+    <a:accent6>
+      <a:srgbClr val="62A39F"/>
+    </a:accent6>
+    <a:hlink>
+      <a:srgbClr val="6B9F25"/>
+    </a:hlink>
+    <a:folHlink>
+      <a:srgbClr val="B26B02"/>
+    </a:folHlink>
+  </a:clrScheme>
+</a:themeOverride>
 </file>